--- a/Наработки/диздоки/ЮАС/ЮАС общая.pptx
+++ b/Наработки/диздоки/ЮАС/ЮАС общая.pptx
@@ -209,7 +209,7 @@
             <a:fld id="{33E3D7F9-E251-484C-A6FF-FA958879DF69}" type="datetimeFigureOut">
               <a:rPr lang="ru-RU" smtClean="0"/>
               <a:pPr/>
-              <a:t>29.10.2024</a:t>
+              <a:t>20.11.2024</a:t>
             </a:fld>
             <a:endParaRPr lang="ru-RU"/>
           </a:p>
@@ -699,7 +699,7 @@
             <a:fld id="{85A5DE44-605B-4D3B-B2B7-94543DF81A36}" type="datetimeFigureOut">
               <a:rPr lang="ru-RU" smtClean="0"/>
               <a:pPr/>
-              <a:t>29.10.2024</a:t>
+              <a:t>20.11.2024</a:t>
             </a:fld>
             <a:endParaRPr lang="ru-RU"/>
           </a:p>
@@ -871,7 +871,7 @@
             <a:fld id="{85A5DE44-605B-4D3B-B2B7-94543DF81A36}" type="datetimeFigureOut">
               <a:rPr lang="ru-RU" smtClean="0"/>
               <a:pPr/>
-              <a:t>29.10.2024</a:t>
+              <a:t>20.11.2024</a:t>
             </a:fld>
             <a:endParaRPr lang="ru-RU"/>
           </a:p>
@@ -1053,7 +1053,7 @@
             <a:fld id="{85A5DE44-605B-4D3B-B2B7-94543DF81A36}" type="datetimeFigureOut">
               <a:rPr lang="ru-RU" smtClean="0"/>
               <a:pPr/>
-              <a:t>29.10.2024</a:t>
+              <a:t>20.11.2024</a:t>
             </a:fld>
             <a:endParaRPr lang="ru-RU"/>
           </a:p>
@@ -1225,7 +1225,7 @@
             <a:fld id="{85A5DE44-605B-4D3B-B2B7-94543DF81A36}" type="datetimeFigureOut">
               <a:rPr lang="ru-RU" smtClean="0"/>
               <a:pPr/>
-              <a:t>29.10.2024</a:t>
+              <a:t>20.11.2024</a:t>
             </a:fld>
             <a:endParaRPr lang="ru-RU"/>
           </a:p>
@@ -1473,7 +1473,7 @@
             <a:fld id="{85A5DE44-605B-4D3B-B2B7-94543DF81A36}" type="datetimeFigureOut">
               <a:rPr lang="ru-RU" smtClean="0"/>
               <a:pPr/>
-              <a:t>29.10.2024</a:t>
+              <a:t>20.11.2024</a:t>
             </a:fld>
             <a:endParaRPr lang="ru-RU"/>
           </a:p>
@@ -1707,7 +1707,7 @@
             <a:fld id="{85A5DE44-605B-4D3B-B2B7-94543DF81A36}" type="datetimeFigureOut">
               <a:rPr lang="ru-RU" smtClean="0"/>
               <a:pPr/>
-              <a:t>29.10.2024</a:t>
+              <a:t>20.11.2024</a:t>
             </a:fld>
             <a:endParaRPr lang="ru-RU"/>
           </a:p>
@@ -2076,7 +2076,7 @@
             <a:fld id="{85A5DE44-605B-4D3B-B2B7-94543DF81A36}" type="datetimeFigureOut">
               <a:rPr lang="ru-RU" smtClean="0"/>
               <a:pPr/>
-              <a:t>29.10.2024</a:t>
+              <a:t>20.11.2024</a:t>
             </a:fld>
             <a:endParaRPr lang="ru-RU"/>
           </a:p>
@@ -2196,7 +2196,7 @@
             <a:fld id="{85A5DE44-605B-4D3B-B2B7-94543DF81A36}" type="datetimeFigureOut">
               <a:rPr lang="ru-RU" smtClean="0"/>
               <a:pPr/>
-              <a:t>29.10.2024</a:t>
+              <a:t>20.11.2024</a:t>
             </a:fld>
             <a:endParaRPr lang="ru-RU"/>
           </a:p>
@@ -2293,7 +2293,7 @@
             <a:fld id="{85A5DE44-605B-4D3B-B2B7-94543DF81A36}" type="datetimeFigureOut">
               <a:rPr lang="ru-RU" smtClean="0"/>
               <a:pPr/>
-              <a:t>29.10.2024</a:t>
+              <a:t>20.11.2024</a:t>
             </a:fld>
             <a:endParaRPr lang="ru-RU"/>
           </a:p>
@@ -2572,7 +2572,7 @@
             <a:fld id="{85A5DE44-605B-4D3B-B2B7-94543DF81A36}" type="datetimeFigureOut">
               <a:rPr lang="ru-RU" smtClean="0"/>
               <a:pPr/>
-              <a:t>29.10.2024</a:t>
+              <a:t>20.11.2024</a:t>
             </a:fld>
             <a:endParaRPr lang="ru-RU"/>
           </a:p>
@@ -2831,7 +2831,7 @@
             <a:fld id="{85A5DE44-605B-4D3B-B2B7-94543DF81A36}" type="datetimeFigureOut">
               <a:rPr lang="ru-RU" smtClean="0"/>
               <a:pPr/>
-              <a:t>29.10.2024</a:t>
+              <a:t>20.11.2024</a:t>
             </a:fld>
             <a:endParaRPr lang="ru-RU"/>
           </a:p>
@@ -3046,7 +3046,7 @@
             <a:fld id="{85A5DE44-605B-4D3B-B2B7-94543DF81A36}" type="datetimeFigureOut">
               <a:rPr lang="ru-RU" smtClean="0"/>
               <a:pPr/>
-              <a:t>29.10.2024</a:t>
+              <a:t>20.11.2024</a:t>
             </a:fld>
             <a:endParaRPr lang="ru-RU"/>
           </a:p>
@@ -3466,7 +3466,7 @@
         </p:nvSpPr>
         <p:spPr>
           <a:xfrm>
-            <a:off x="48649943" y="6696699"/>
+            <a:off x="48998287" y="6696699"/>
             <a:ext cx="1144480" cy="639015"/>
           </a:xfrm>
           <a:prstGeom prst="rect">
@@ -3519,7 +3519,7 @@
         </p:nvCxnSpPr>
         <p:spPr>
           <a:xfrm>
-            <a:off x="32555151" y="23379251"/>
+            <a:off x="32903495" y="23379251"/>
             <a:ext cx="1963720" cy="0"/>
           </a:xfrm>
           <a:prstGeom prst="line">
@@ -3564,7 +3564,7 @@
         </p:nvCxnSpPr>
         <p:spPr>
           <a:xfrm rot="16200000" flipH="1">
-            <a:off x="47844912" y="11438844"/>
+            <a:off x="48193256" y="11438844"/>
             <a:ext cx="441738" cy="785066"/>
           </a:xfrm>
           <a:prstGeom prst="bentConnector3">
@@ -3606,7 +3606,7 @@
         </p:nvSpPr>
         <p:spPr>
           <a:xfrm>
-            <a:off x="48649943" y="5753448"/>
+            <a:off x="48998287" y="5753448"/>
             <a:ext cx="1144480" cy="639015"/>
           </a:xfrm>
           <a:prstGeom prst="rect">
@@ -3655,7 +3655,7 @@
         </p:nvSpPr>
         <p:spPr>
           <a:xfrm>
-            <a:off x="49453046" y="7641588"/>
+            <a:off x="49801390" y="7641588"/>
             <a:ext cx="1144480" cy="639015"/>
           </a:xfrm>
           <a:prstGeom prst="rect">
@@ -3704,7 +3704,7 @@
         </p:nvSpPr>
         <p:spPr>
           <a:xfrm>
-            <a:off x="47886074" y="12052246"/>
+            <a:off x="48234418" y="12052246"/>
             <a:ext cx="1144480" cy="639015"/>
           </a:xfrm>
           <a:prstGeom prst="rect">
@@ -3753,7 +3753,7 @@
         </p:nvSpPr>
         <p:spPr>
           <a:xfrm>
-            <a:off x="49453046" y="12077011"/>
+            <a:off x="49801390" y="12077011"/>
             <a:ext cx="1144480" cy="639015"/>
           </a:xfrm>
           <a:prstGeom prst="rect">
@@ -3802,7 +3802,7 @@
         </p:nvSpPr>
         <p:spPr>
           <a:xfrm>
-            <a:off x="48653569" y="10969289"/>
+            <a:off x="49001913" y="10969289"/>
             <a:ext cx="1144480" cy="639015"/>
           </a:xfrm>
           <a:prstGeom prst="rect">
@@ -3851,7 +3851,7 @@
         </p:nvSpPr>
         <p:spPr>
           <a:xfrm>
-            <a:off x="48649942" y="9889096"/>
+            <a:off x="48998286" y="9889096"/>
             <a:ext cx="1144480" cy="639015"/>
           </a:xfrm>
           <a:prstGeom prst="rect">
@@ -3900,7 +3900,7 @@
         </p:nvSpPr>
         <p:spPr>
           <a:xfrm>
-            <a:off x="47101008" y="9889095"/>
+            <a:off x="47449352" y="9889095"/>
             <a:ext cx="1144480" cy="639015"/>
           </a:xfrm>
           <a:prstGeom prst="rect">
@@ -3949,7 +3949,7 @@
         </p:nvSpPr>
         <p:spPr>
           <a:xfrm>
-            <a:off x="47101008" y="10971493"/>
+            <a:off x="47449352" y="10971493"/>
             <a:ext cx="1144480" cy="639015"/>
           </a:xfrm>
           <a:prstGeom prst="rect">
@@ -3998,7 +3998,7 @@
         </p:nvSpPr>
         <p:spPr>
           <a:xfrm>
-            <a:off x="46356398" y="7640521"/>
+            <a:off x="46704742" y="7640521"/>
             <a:ext cx="1144480" cy="639015"/>
           </a:xfrm>
           <a:prstGeom prst="rect">
@@ -4047,7 +4047,7 @@
         </p:nvSpPr>
         <p:spPr>
           <a:xfrm>
-            <a:off x="46356398" y="8610529"/>
+            <a:off x="46704742" y="8610529"/>
             <a:ext cx="1144480" cy="639015"/>
           </a:xfrm>
           <a:prstGeom prst="rect">
@@ -4096,7 +4096,7 @@
         </p:nvSpPr>
         <p:spPr>
           <a:xfrm>
-            <a:off x="46337583" y="12052245"/>
+            <a:off x="46685927" y="12052245"/>
             <a:ext cx="1144480" cy="639015"/>
           </a:xfrm>
           <a:prstGeom prst="rect">
@@ -4145,7 +4145,7 @@
         </p:nvSpPr>
         <p:spPr>
           <a:xfrm>
-            <a:off x="33939206" y="4434988"/>
+            <a:off x="40577025" y="13578604"/>
             <a:ext cx="1144480" cy="639015"/>
           </a:xfrm>
           <a:prstGeom prst="rect">
@@ -4198,7 +4198,7 @@
         </p:nvSpPr>
         <p:spPr>
           <a:xfrm>
-            <a:off x="44017528" y="10969289"/>
+            <a:off x="44365872" y="10969289"/>
             <a:ext cx="1144480" cy="639015"/>
           </a:xfrm>
           <a:prstGeom prst="rect">
@@ -4247,7 +4247,7 @@
         </p:nvSpPr>
         <p:spPr>
           <a:xfrm>
-            <a:off x="44774473" y="9886334"/>
+            <a:off x="45122817" y="9886334"/>
             <a:ext cx="1144480" cy="639015"/>
           </a:xfrm>
           <a:prstGeom prst="rect">
@@ -4296,7 +4296,7 @@
         </p:nvSpPr>
         <p:spPr>
           <a:xfrm>
-            <a:off x="44774473" y="12052244"/>
+            <a:off x="45122817" y="12052244"/>
             <a:ext cx="1144480" cy="639015"/>
           </a:xfrm>
           <a:prstGeom prst="rect">
@@ -4345,7 +4345,7 @@
         </p:nvSpPr>
         <p:spPr>
           <a:xfrm>
-            <a:off x="45570089" y="10971386"/>
+            <a:off x="45918433" y="10971386"/>
             <a:ext cx="1144480" cy="639015"/>
           </a:xfrm>
           <a:prstGeom prst="rect">
@@ -4401,7 +4401,7 @@
         </p:nvSpPr>
         <p:spPr>
           <a:xfrm>
-            <a:off x="34278061" y="2678605"/>
+            <a:off x="40915880" y="11822221"/>
             <a:ext cx="1144480" cy="639015"/>
           </a:xfrm>
           <a:prstGeom prst="rect">
@@ -4450,7 +4450,7 @@
         </p:nvSpPr>
         <p:spPr>
           <a:xfrm>
-            <a:off x="47886074" y="7640521"/>
+            <a:off x="48234418" y="7640521"/>
             <a:ext cx="1144480" cy="639015"/>
           </a:xfrm>
           <a:prstGeom prst="rect">
@@ -4499,7 +4499,7 @@
         </p:nvSpPr>
         <p:spPr>
           <a:xfrm>
-            <a:off x="35756653" y="3668240"/>
+            <a:off x="42394472" y="12811856"/>
             <a:ext cx="1144480" cy="639015"/>
           </a:xfrm>
           <a:prstGeom prst="rect">
@@ -4564,7 +4564,7 @@
         </p:nvSpPr>
         <p:spPr>
           <a:xfrm>
-            <a:off x="46356398" y="6693233"/>
+            <a:off x="46704742" y="6693233"/>
             <a:ext cx="1144480" cy="639015"/>
           </a:xfrm>
           <a:prstGeom prst="rect">
@@ -4613,7 +4613,7 @@
         </p:nvSpPr>
         <p:spPr>
           <a:xfrm>
-            <a:off x="27584449" y="24952263"/>
+            <a:off x="27932793" y="24952263"/>
             <a:ext cx="1144480" cy="639015"/>
           </a:xfrm>
           <a:prstGeom prst="rect">
@@ -4668,7 +4668,7 @@
         </p:nvSpPr>
         <p:spPr>
           <a:xfrm>
-            <a:off x="44882029" y="6699612"/>
+            <a:off x="45230373" y="6699612"/>
             <a:ext cx="1144480" cy="639015"/>
           </a:xfrm>
           <a:prstGeom prst="rect">
@@ -4725,7 +4725,7 @@
         </p:nvSpPr>
         <p:spPr>
           <a:xfrm>
-            <a:off x="43341284" y="7640521"/>
+            <a:off x="43689628" y="7640521"/>
             <a:ext cx="1144480" cy="639015"/>
           </a:xfrm>
           <a:prstGeom prst="rect">
@@ -4774,7 +4774,7 @@
         </p:nvSpPr>
         <p:spPr>
           <a:xfrm>
-            <a:off x="43347040" y="8610529"/>
+            <a:off x="43695384" y="8610529"/>
             <a:ext cx="1144480" cy="639015"/>
           </a:xfrm>
           <a:prstGeom prst="rect">
@@ -4831,7 +4831,7 @@
         </p:nvCxnSpPr>
         <p:spPr>
           <a:xfrm rot="5400000">
-            <a:off x="44532950" y="6719202"/>
+            <a:off x="44881294" y="6719202"/>
             <a:ext cx="301894" cy="1540745"/>
           </a:xfrm>
           <a:prstGeom prst="bentConnector3">
@@ -4872,7 +4872,7 @@
         </p:nvSpPr>
         <p:spPr>
           <a:xfrm>
-            <a:off x="44882029" y="7636606"/>
+            <a:off x="45230373" y="7636606"/>
             <a:ext cx="1144480" cy="639015"/>
           </a:xfrm>
           <a:prstGeom prst="rect">
@@ -4925,7 +4925,7 @@
         </p:nvCxnSpPr>
         <p:spPr>
           <a:xfrm rot="5400000">
-            <a:off x="45305280" y="7487616"/>
+            <a:off x="45653624" y="7487616"/>
             <a:ext cx="297979" cy="12700"/>
           </a:xfrm>
           <a:prstGeom prst="bentConnector3">
@@ -4966,7 +4966,7 @@
         </p:nvSpPr>
         <p:spPr>
           <a:xfrm>
-            <a:off x="44875679" y="8610529"/>
+            <a:off x="45224023" y="8610529"/>
             <a:ext cx="1144480" cy="639015"/>
           </a:xfrm>
           <a:prstGeom prst="rect">
@@ -5035,7 +5035,7 @@
         </p:nvCxnSpPr>
         <p:spPr>
           <a:xfrm flipH="1">
-            <a:off x="45447919" y="8275621"/>
+            <a:off x="45796263" y="8275621"/>
             <a:ext cx="6350" cy="334908"/>
           </a:xfrm>
           <a:prstGeom prst="straightConnector1">
@@ -5078,7 +5078,7 @@
         </p:nvCxnSpPr>
         <p:spPr>
           <a:xfrm>
-            <a:off x="49222183" y="6392463"/>
+            <a:off x="49570527" y="6392463"/>
             <a:ext cx="0" cy="304236"/>
           </a:xfrm>
           <a:prstGeom prst="straightConnector1">
@@ -5121,7 +5121,7 @@
         </p:nvCxnSpPr>
         <p:spPr>
           <a:xfrm rot="5400000">
-            <a:off x="48687846" y="7106183"/>
+            <a:off x="49036190" y="7106183"/>
             <a:ext cx="304807" cy="763869"/>
           </a:xfrm>
           <a:prstGeom prst="bentConnector3">
@@ -5166,7 +5166,7 @@
         </p:nvCxnSpPr>
         <p:spPr>
           <a:xfrm rot="16200000" flipH="1">
-            <a:off x="49470797" y="7087099"/>
+            <a:off x="49819141" y="7087099"/>
             <a:ext cx="305874" cy="803103"/>
           </a:xfrm>
           <a:prstGeom prst="bentConnector3">
@@ -5207,7 +5207,7 @@
         </p:nvSpPr>
         <p:spPr>
           <a:xfrm>
-            <a:off x="47886074" y="8611068"/>
+            <a:off x="48234418" y="8611068"/>
             <a:ext cx="1144480" cy="639015"/>
           </a:xfrm>
           <a:prstGeom prst="rect">
@@ -5264,7 +5264,7 @@
         </p:nvCxnSpPr>
         <p:spPr>
           <a:xfrm>
-            <a:off x="48458314" y="8279536"/>
+            <a:off x="48806658" y="8279536"/>
             <a:ext cx="0" cy="331532"/>
           </a:xfrm>
           <a:prstGeom prst="straightConnector1">
@@ -5303,7 +5303,7 @@
         </p:nvSpPr>
         <p:spPr>
           <a:xfrm>
-            <a:off x="49453046" y="8611875"/>
+            <a:off x="49801390" y="8611875"/>
             <a:ext cx="1144480" cy="639015"/>
           </a:xfrm>
           <a:prstGeom prst="rect">
@@ -5356,7 +5356,7 @@
         </p:nvCxnSpPr>
         <p:spPr>
           <a:xfrm>
-            <a:off x="49222182" y="10528111"/>
+            <a:off x="49570526" y="10528111"/>
             <a:ext cx="3627" cy="441178"/>
           </a:xfrm>
           <a:prstGeom prst="straightConnector1">
@@ -5399,7 +5399,7 @@
         </p:nvCxnSpPr>
         <p:spPr>
           <a:xfrm>
-            <a:off x="47673248" y="10528110"/>
+            <a:off x="48021592" y="10528110"/>
             <a:ext cx="0" cy="443383"/>
           </a:xfrm>
           <a:prstGeom prst="straightConnector1">
@@ -5442,7 +5442,7 @@
         </p:nvCxnSpPr>
         <p:spPr>
           <a:xfrm rot="5400000">
-            <a:off x="44746271" y="10368847"/>
+            <a:off x="45094615" y="10368847"/>
             <a:ext cx="443940" cy="756945"/>
           </a:xfrm>
           <a:prstGeom prst="bentConnector3">
@@ -5487,7 +5487,7 @@
         </p:nvCxnSpPr>
         <p:spPr>
           <a:xfrm rot="16200000" flipH="1">
-            <a:off x="45521503" y="10350559"/>
+            <a:off x="45869847" y="10350559"/>
             <a:ext cx="446037" cy="795616"/>
           </a:xfrm>
           <a:prstGeom prst="bentConnector3">
@@ -5532,7 +5532,7 @@
         </p:nvCxnSpPr>
         <p:spPr>
           <a:xfrm rot="16200000" flipH="1">
-            <a:off x="44746270" y="11451801"/>
+            <a:off x="45094614" y="11451801"/>
             <a:ext cx="443940" cy="756945"/>
           </a:xfrm>
           <a:prstGeom prst="bentConnector3">
@@ -5577,7 +5577,7 @@
         </p:nvCxnSpPr>
         <p:spPr>
           <a:xfrm rot="5400000">
-            <a:off x="45523600" y="11433514"/>
+            <a:off x="45871944" y="11433514"/>
             <a:ext cx="441843" cy="795616"/>
           </a:xfrm>
           <a:prstGeom prst="bentConnector3">
@@ -5622,7 +5622,7 @@
         </p:nvCxnSpPr>
         <p:spPr>
           <a:xfrm rot="16200000" flipH="1">
-            <a:off x="46305154" y="11447576"/>
+            <a:off x="46653498" y="11447576"/>
             <a:ext cx="441844" cy="767494"/>
           </a:xfrm>
           <a:prstGeom prst="bentConnector3">
@@ -5667,7 +5667,7 @@
         </p:nvCxnSpPr>
         <p:spPr>
           <a:xfrm rot="5400000">
-            <a:off x="47070668" y="11449664"/>
+            <a:off x="47419012" y="11449664"/>
             <a:ext cx="441737" cy="763425"/>
           </a:xfrm>
           <a:prstGeom prst="bentConnector3">
@@ -5712,7 +5712,7 @@
         </p:nvCxnSpPr>
         <p:spPr>
           <a:xfrm rot="16200000" flipH="1">
-            <a:off x="49391194" y="11442918"/>
+            <a:off x="49739538" y="11442918"/>
             <a:ext cx="468707" cy="799477"/>
           </a:xfrm>
           <a:prstGeom prst="bentConnector3">
@@ -5757,7 +5757,7 @@
         </p:nvCxnSpPr>
         <p:spPr>
           <a:xfrm rot="5400000">
-            <a:off x="48620091" y="11446528"/>
+            <a:off x="48968435" y="11446528"/>
             <a:ext cx="443942" cy="767495"/>
           </a:xfrm>
           <a:prstGeom prst="bentConnector3">
@@ -5799,7 +5799,7 @@
         </p:nvSpPr>
         <p:spPr>
           <a:xfrm>
-            <a:off x="45591883" y="13197119"/>
+            <a:off x="45940227" y="13197119"/>
             <a:ext cx="1144480" cy="639015"/>
           </a:xfrm>
           <a:prstGeom prst="rect">
@@ -5847,7 +5847,7 @@
         </p:nvSpPr>
         <p:spPr>
           <a:xfrm>
-            <a:off x="44017344" y="13164268"/>
+            <a:off x="44365688" y="13164268"/>
             <a:ext cx="1144480" cy="639015"/>
           </a:xfrm>
           <a:prstGeom prst="rect">
@@ -5900,7 +5900,7 @@
         </p:nvCxnSpPr>
         <p:spPr>
           <a:xfrm flipH="1">
-            <a:off x="44589584" y="11608304"/>
+            <a:off x="44937928" y="11608304"/>
             <a:ext cx="184" cy="1555964"/>
           </a:xfrm>
           <a:prstGeom prst="straightConnector1">
@@ -5943,7 +5943,7 @@
         </p:nvCxnSpPr>
         <p:spPr>
           <a:xfrm>
-            <a:off x="46142329" y="11610401"/>
+            <a:off x="46490673" y="11610401"/>
             <a:ext cx="21794" cy="1586718"/>
           </a:xfrm>
           <a:prstGeom prst="straightConnector1">
@@ -5982,7 +5982,7 @@
         </p:nvSpPr>
         <p:spPr>
           <a:xfrm>
-            <a:off x="48653569" y="13197120"/>
+            <a:off x="49001913" y="13197120"/>
             <a:ext cx="1144480" cy="639015"/>
           </a:xfrm>
           <a:prstGeom prst="rect">
@@ -6043,7 +6043,7 @@
         </p:nvCxnSpPr>
         <p:spPr>
           <a:xfrm>
-            <a:off x="50025286" y="8280603"/>
+            <a:off x="50373630" y="8280603"/>
             <a:ext cx="0" cy="331272"/>
           </a:xfrm>
           <a:prstGeom prst="straightConnector1">
@@ -6086,7 +6086,7 @@
         </p:nvCxnSpPr>
         <p:spPr>
           <a:xfrm rot="16200000" flipH="1">
-            <a:off x="48589132" y="12560442"/>
+            <a:off x="48937476" y="12560442"/>
             <a:ext cx="505859" cy="767495"/>
           </a:xfrm>
           <a:prstGeom prst="bentConnector3">
@@ -6131,7 +6131,7 @@
         </p:nvCxnSpPr>
         <p:spPr>
           <a:xfrm rot="5400000">
-            <a:off x="49385001" y="12556835"/>
+            <a:off x="49733345" y="12556835"/>
             <a:ext cx="481094" cy="799477"/>
           </a:xfrm>
           <a:prstGeom prst="bentConnector3">
@@ -6176,7 +6176,7 @@
         </p:nvCxnSpPr>
         <p:spPr>
           <a:xfrm>
-            <a:off x="46928638" y="7332248"/>
+            <a:off x="47276982" y="7332248"/>
             <a:ext cx="0" cy="308273"/>
           </a:xfrm>
           <a:prstGeom prst="straightConnector1">
@@ -6219,7 +6219,7 @@
         </p:nvCxnSpPr>
         <p:spPr>
           <a:xfrm rot="16200000" flipH="1">
-            <a:off x="43750906" y="8442154"/>
+            <a:off x="44099250" y="8442154"/>
             <a:ext cx="330993" cy="5756"/>
           </a:xfrm>
           <a:prstGeom prst="bentConnector3">
@@ -6264,7 +6264,7 @@
         </p:nvCxnSpPr>
         <p:spPr>
           <a:xfrm>
-            <a:off x="46928638" y="8279536"/>
+            <a:off x="47276982" y="8279536"/>
             <a:ext cx="0" cy="330993"/>
           </a:xfrm>
           <a:prstGeom prst="straightConnector1">
@@ -6303,7 +6303,7 @@
         </p:nvSpPr>
         <p:spPr>
           <a:xfrm>
-            <a:off x="39025197" y="24956163"/>
+            <a:off x="39373541" y="24956163"/>
             <a:ext cx="1144480" cy="639015"/>
           </a:xfrm>
           <a:prstGeom prst="rect">
@@ -6355,7 +6355,7 @@
         </p:nvSpPr>
         <p:spPr>
           <a:xfrm>
-            <a:off x="37414863" y="24956163"/>
+            <a:off x="37763207" y="24956163"/>
             <a:ext cx="1144480" cy="639015"/>
           </a:xfrm>
           <a:prstGeom prst="rect">
@@ -6407,7 +6407,7 @@
         </p:nvSpPr>
         <p:spPr>
           <a:xfrm>
-            <a:off x="31410671" y="23059743"/>
+            <a:off x="31759015" y="23059743"/>
             <a:ext cx="1144480" cy="639015"/>
           </a:xfrm>
           <a:prstGeom prst="rect">
@@ -6456,7 +6456,7 @@
         </p:nvSpPr>
         <p:spPr>
           <a:xfrm>
-            <a:off x="32972792" y="24000915"/>
+            <a:off x="33321136" y="24000915"/>
             <a:ext cx="1144480" cy="639015"/>
           </a:xfrm>
           <a:prstGeom prst="rect">
@@ -6505,7 +6505,7 @@
         </p:nvSpPr>
         <p:spPr>
           <a:xfrm>
-            <a:off x="29880634" y="24967770"/>
+            <a:off x="30228978" y="24967770"/>
             <a:ext cx="1144480" cy="639015"/>
           </a:xfrm>
           <a:prstGeom prst="rect">
@@ -6554,7 +6554,7 @@
         </p:nvSpPr>
         <p:spPr>
           <a:xfrm>
-            <a:off x="31410671" y="24971383"/>
+            <a:off x="31759015" y="24971383"/>
             <a:ext cx="1144480" cy="639015"/>
           </a:xfrm>
           <a:prstGeom prst="rect">
@@ -6603,7 +6603,7 @@
         </p:nvSpPr>
         <p:spPr>
           <a:xfrm>
-            <a:off x="29880634" y="23999653"/>
+            <a:off x="30228978" y="23999653"/>
             <a:ext cx="1144480" cy="639015"/>
           </a:xfrm>
           <a:prstGeom prst="rect">
@@ -6652,7 +6652,7 @@
         </p:nvSpPr>
         <p:spPr>
           <a:xfrm>
-            <a:off x="34518871" y="23059743"/>
+            <a:off x="34867215" y="23059743"/>
             <a:ext cx="1144480" cy="639015"/>
           </a:xfrm>
           <a:prstGeom prst="rect">
@@ -6705,7 +6705,7 @@
         </p:nvSpPr>
         <p:spPr>
           <a:xfrm>
-            <a:off x="31410671" y="23999653"/>
+            <a:off x="31759015" y="23999653"/>
             <a:ext cx="1144480" cy="639015"/>
           </a:xfrm>
           <a:prstGeom prst="rect">
@@ -6754,7 +6754,7 @@
         </p:nvSpPr>
         <p:spPr>
           <a:xfrm>
-            <a:off x="32972792" y="24961858"/>
+            <a:off x="33321136" y="24961858"/>
             <a:ext cx="1144480" cy="639015"/>
           </a:xfrm>
           <a:prstGeom prst="rect">
@@ -6803,7 +6803,7 @@
         </p:nvSpPr>
         <p:spPr>
           <a:xfrm>
-            <a:off x="32222556" y="25946683"/>
+            <a:off x="32570900" y="25946683"/>
             <a:ext cx="1144480" cy="639015"/>
           </a:xfrm>
           <a:prstGeom prst="rect">
@@ -6852,7 +6852,7 @@
         </p:nvSpPr>
         <p:spPr>
           <a:xfrm>
-            <a:off x="33756000" y="25946683"/>
+            <a:off x="34104344" y="25946683"/>
             <a:ext cx="1144480" cy="639015"/>
           </a:xfrm>
           <a:prstGeom prst="rect">
@@ -6901,7 +6901,7 @@
         </p:nvSpPr>
         <p:spPr>
           <a:xfrm>
-            <a:off x="25924592" y="24968207"/>
+            <a:off x="26272936" y="24968207"/>
             <a:ext cx="1144480" cy="639015"/>
           </a:xfrm>
           <a:prstGeom prst="rect">
@@ -6956,7 +6956,7 @@
         </p:nvSpPr>
         <p:spPr>
           <a:xfrm>
-            <a:off x="34518871" y="23999653"/>
+            <a:off x="34867215" y="23999653"/>
             <a:ext cx="1144480" cy="639015"/>
           </a:xfrm>
           <a:prstGeom prst="rect">
@@ -7005,7 +7005,7 @@
         </p:nvSpPr>
         <p:spPr>
           <a:xfrm>
-            <a:off x="36032863" y="23999653"/>
+            <a:off x="36381207" y="23999653"/>
             <a:ext cx="1144480" cy="639015"/>
           </a:xfrm>
           <a:prstGeom prst="rect">
@@ -7058,7 +7058,7 @@
         </p:nvSpPr>
         <p:spPr>
           <a:xfrm>
-            <a:off x="34520356" y="24961857"/>
+            <a:off x="34868700" y="24961857"/>
             <a:ext cx="1144480" cy="639015"/>
           </a:xfrm>
           <a:prstGeom prst="rect">
@@ -7111,7 +7111,7 @@
         </p:nvCxnSpPr>
         <p:spPr>
           <a:xfrm rot="5400000">
-            <a:off x="31067446" y="23084187"/>
+            <a:off x="31415790" y="23084187"/>
             <a:ext cx="300895" cy="1530037"/>
           </a:xfrm>
           <a:prstGeom prst="bentConnector3">
@@ -7156,7 +7156,7 @@
         </p:nvCxnSpPr>
         <p:spPr>
           <a:xfrm rot="5400000">
-            <a:off x="30288323" y="24803219"/>
+            <a:off x="30636667" y="24803219"/>
             <a:ext cx="329102" cy="12700"/>
           </a:xfrm>
           <a:prstGeom prst="bentConnector3">
@@ -7201,7 +7201,7 @@
         </p:nvCxnSpPr>
         <p:spPr>
           <a:xfrm rot="5400000">
-            <a:off x="31832464" y="23849205"/>
+            <a:off x="32180808" y="23849205"/>
             <a:ext cx="300895" cy="12700"/>
           </a:xfrm>
           <a:prstGeom prst="bentConnector3">
@@ -7246,7 +7246,7 @@
         </p:nvCxnSpPr>
         <p:spPr>
           <a:xfrm rot="5400000">
-            <a:off x="31816554" y="24805025"/>
+            <a:off x="32164898" y="24805025"/>
             <a:ext cx="332715" cy="12700"/>
           </a:xfrm>
           <a:prstGeom prst="bentConnector3">
@@ -7291,7 +7291,7 @@
         </p:nvCxnSpPr>
         <p:spPr>
           <a:xfrm rot="16200000" flipH="1">
-            <a:off x="32612893" y="23068775"/>
+            <a:off x="32961237" y="23068775"/>
             <a:ext cx="302157" cy="1562121"/>
           </a:xfrm>
           <a:prstGeom prst="bentConnector3">
@@ -7337,7 +7337,7 @@
         </p:nvCxnSpPr>
         <p:spPr>
           <a:xfrm rot="5400000">
-            <a:off x="34537513" y="25391599"/>
+            <a:off x="34885857" y="25391599"/>
             <a:ext cx="345811" cy="764356"/>
           </a:xfrm>
           <a:prstGeom prst="bentConnector3">
@@ -7383,7 +7383,7 @@
         </p:nvCxnSpPr>
         <p:spPr>
           <a:xfrm rot="5400000">
-            <a:off x="33770791" y="24624877"/>
+            <a:off x="34119135" y="24624877"/>
             <a:ext cx="345811" cy="2297800"/>
           </a:xfrm>
           <a:prstGeom prst="bentConnector3">
@@ -7429,7 +7429,7 @@
         </p:nvCxnSpPr>
         <p:spPr>
           <a:xfrm rot="16200000" flipH="1">
-            <a:off x="32220711" y="25372597"/>
+            <a:off x="32569055" y="25372597"/>
             <a:ext cx="336285" cy="811885"/>
           </a:xfrm>
           <a:prstGeom prst="bentConnector3">
@@ -7475,7 +7475,7 @@
         </p:nvCxnSpPr>
         <p:spPr>
           <a:xfrm rot="16200000" flipH="1">
-            <a:off x="32987433" y="24605875"/>
+            <a:off x="33335777" y="24605875"/>
             <a:ext cx="336285" cy="2345329"/>
           </a:xfrm>
           <a:prstGeom prst="bentConnector3">
@@ -7521,7 +7521,7 @@
         </p:nvCxnSpPr>
         <p:spPr>
           <a:xfrm rot="5400000">
-            <a:off x="34166994" y="23076797"/>
+            <a:off x="34515338" y="23076797"/>
             <a:ext cx="302157" cy="1546079"/>
           </a:xfrm>
           <a:prstGeom prst="bentConnector3">
@@ -7567,7 +7567,7 @@
         </p:nvCxnSpPr>
         <p:spPr>
           <a:xfrm rot="16200000" flipH="1">
-            <a:off x="35697660" y="23092209"/>
+            <a:off x="36046004" y="23092209"/>
             <a:ext cx="300895" cy="1513992"/>
           </a:xfrm>
           <a:prstGeom prst="bentConnector3">
@@ -7612,7 +7612,7 @@
         </p:nvCxnSpPr>
         <p:spPr>
           <a:xfrm rot="5400000">
-            <a:off x="34940664" y="23849205"/>
+            <a:off x="35289008" y="23849205"/>
             <a:ext cx="300895" cy="12700"/>
           </a:xfrm>
           <a:prstGeom prst="bentConnector3">
@@ -7657,7 +7657,7 @@
         </p:nvCxnSpPr>
         <p:spPr>
           <a:xfrm rot="16200000" flipH="1">
-            <a:off x="34930259" y="24799519"/>
+            <a:off x="35278603" y="24799519"/>
             <a:ext cx="323189" cy="1485"/>
           </a:xfrm>
           <a:prstGeom prst="bentConnector3">
@@ -7702,7 +7702,7 @@
         </p:nvCxnSpPr>
         <p:spPr>
           <a:xfrm rot="5400000">
-            <a:off x="33384068" y="24800894"/>
+            <a:off x="33732412" y="24800894"/>
             <a:ext cx="321928" cy="12700"/>
           </a:xfrm>
           <a:prstGeom prst="bentConnector3">
@@ -7743,7 +7743,7 @@
         </p:nvSpPr>
         <p:spPr>
           <a:xfrm>
-            <a:off x="36036271" y="24961857"/>
+            <a:off x="36384615" y="24961857"/>
             <a:ext cx="1144480" cy="639015"/>
           </a:xfrm>
           <a:prstGeom prst="rect">
@@ -7804,7 +7804,7 @@
         </p:nvCxnSpPr>
         <p:spPr>
           <a:xfrm rot="16200000" flipH="1">
-            <a:off x="36445213" y="24798558"/>
+            <a:off x="36793557" y="24798558"/>
             <a:ext cx="323189" cy="3408"/>
           </a:xfrm>
           <a:prstGeom prst="bentConnector3">
@@ -7845,7 +7845,7 @@
         </p:nvSpPr>
         <p:spPr>
           <a:xfrm>
-            <a:off x="35161108" y="25946683"/>
+            <a:off x="35509452" y="25946683"/>
             <a:ext cx="1144480" cy="639015"/>
           </a:xfrm>
           <a:prstGeom prst="rect">
@@ -7898,7 +7898,7 @@
         </p:nvCxnSpPr>
         <p:spPr>
           <a:xfrm rot="16200000" flipH="1">
-            <a:off x="35240067" y="25453401"/>
+            <a:off x="35588411" y="25453401"/>
             <a:ext cx="345811" cy="640752"/>
           </a:xfrm>
           <a:prstGeom prst="bentConnector3">
@@ -7943,7 +7943,7 @@
         </p:nvCxnSpPr>
         <p:spPr>
           <a:xfrm rot="5400000">
-            <a:off x="35998025" y="25336196"/>
+            <a:off x="36346369" y="25336196"/>
             <a:ext cx="345811" cy="875163"/>
           </a:xfrm>
           <a:prstGeom prst="bentConnector3">
@@ -7984,7 +7984,7 @@
         </p:nvSpPr>
         <p:spPr>
           <a:xfrm>
-            <a:off x="30640098" y="25946683"/>
+            <a:off x="30988442" y="25946683"/>
             <a:ext cx="1144480" cy="639015"/>
           </a:xfrm>
           <a:prstGeom prst="rect">
@@ -8037,7 +8037,7 @@
         </p:nvCxnSpPr>
         <p:spPr>
           <a:xfrm rot="16200000" flipH="1">
-            <a:off x="30662657" y="25397002"/>
+            <a:off x="31011001" y="25397002"/>
             <a:ext cx="339898" cy="759464"/>
           </a:xfrm>
           <a:prstGeom prst="bentConnector3">
@@ -8082,7 +8082,7 @@
         </p:nvCxnSpPr>
         <p:spPr>
           <a:xfrm rot="5400000">
-            <a:off x="31429483" y="25393254"/>
+            <a:off x="31777827" y="25393254"/>
             <a:ext cx="336285" cy="770573"/>
           </a:xfrm>
           <a:prstGeom prst="bentConnector3">
@@ -8123,7 +8123,7 @@
         </p:nvSpPr>
         <p:spPr>
           <a:xfrm>
-            <a:off x="25924592" y="23010559"/>
+            <a:off x="26272936" y="23010559"/>
             <a:ext cx="1144480" cy="639015"/>
           </a:xfrm>
           <a:prstGeom prst="rect">
@@ -8160,6 +8160,10 @@
               <a:rPr lang="ru-RU" sz="1100" dirty="0"/>
               <a:t>Изгнать буров (текущее)</a:t>
             </a:r>
+            <a:r>
+              <a:rPr lang="en-US" sz="1100" dirty="0"/>
+              <a:t> https://en.wikipedia.org/wiki/Anton_Lembede</a:t>
+            </a:r>
             <a:endParaRPr lang="ru-RU" sz="300" dirty="0"/>
           </a:p>
         </p:txBody>
@@ -8178,7 +8182,7 @@
         </p:nvSpPr>
         <p:spPr>
           <a:xfrm>
-            <a:off x="25035493" y="25959383"/>
+            <a:off x="25383837" y="25959383"/>
             <a:ext cx="1144480" cy="639015"/>
           </a:xfrm>
           <a:prstGeom prst="rect">
@@ -8233,7 +8237,7 @@
         </p:nvSpPr>
         <p:spPr>
           <a:xfrm>
-            <a:off x="25924592" y="26914476"/>
+            <a:off x="26272936" y="26914476"/>
             <a:ext cx="1144480" cy="639015"/>
           </a:xfrm>
           <a:prstGeom prst="rect">
@@ -8288,7 +8292,7 @@
         </p:nvSpPr>
         <p:spPr>
           <a:xfrm>
-            <a:off x="24135877" y="26910101"/>
+            <a:off x="24484221" y="26910101"/>
             <a:ext cx="1144480" cy="639015"/>
           </a:xfrm>
           <a:prstGeom prst="rect">
@@ -8343,7 +8347,7 @@
         </p:nvSpPr>
         <p:spPr>
           <a:xfrm>
-            <a:off x="26746858" y="25959383"/>
+            <a:off x="27095202" y="25959383"/>
             <a:ext cx="1144480" cy="639015"/>
           </a:xfrm>
           <a:prstGeom prst="rect">
@@ -8402,7 +8406,7 @@
         </p:nvCxnSpPr>
         <p:spPr>
           <a:xfrm>
-            <a:off x="26179973" y="26278891"/>
+            <a:off x="26528317" y="26278891"/>
             <a:ext cx="566885" cy="0"/>
           </a:xfrm>
           <a:prstGeom prst="line">
@@ -8443,7 +8447,7 @@
         </p:nvSpPr>
         <p:spPr>
           <a:xfrm>
-            <a:off x="26745428" y="27900063"/>
+            <a:off x="27093772" y="27900063"/>
             <a:ext cx="1144480" cy="639015"/>
           </a:xfrm>
           <a:prstGeom prst="rect">
@@ -8498,7 +8502,7 @@
         </p:nvSpPr>
         <p:spPr>
           <a:xfrm>
-            <a:off x="27538210" y="28794756"/>
+            <a:off x="27886554" y="28794756"/>
             <a:ext cx="1144480" cy="639015"/>
           </a:xfrm>
           <a:prstGeom prst="rect">
@@ -8553,7 +8557,7 @@
         </p:nvSpPr>
         <p:spPr>
           <a:xfrm>
-            <a:off x="25917654" y="28794756"/>
+            <a:off x="26265998" y="28794756"/>
             <a:ext cx="1144480" cy="639015"/>
           </a:xfrm>
           <a:prstGeom prst="rect">
@@ -8612,7 +8616,7 @@
         </p:nvCxnSpPr>
         <p:spPr>
           <a:xfrm>
-            <a:off x="27062134" y="29114264"/>
+            <a:off x="27410478" y="29114264"/>
             <a:ext cx="476076" cy="0"/>
           </a:xfrm>
           <a:prstGeom prst="line">
@@ -8657,7 +8661,7 @@
         </p:nvCxnSpPr>
         <p:spPr>
           <a:xfrm rot="5400000">
-            <a:off x="25872870" y="23375690"/>
+            <a:off x="26221214" y="23375690"/>
             <a:ext cx="350078" cy="897846"/>
           </a:xfrm>
           <a:prstGeom prst="bentConnector3">
@@ -8702,7 +8706,7 @@
         </p:nvCxnSpPr>
         <p:spPr>
           <a:xfrm rot="16200000" flipH="1">
-            <a:off x="26728856" y="23417549"/>
+            <a:off x="27077200" y="23417549"/>
             <a:ext cx="350078" cy="814127"/>
           </a:xfrm>
           <a:prstGeom prst="bentConnector3">
@@ -8747,7 +8751,7 @@
         </p:nvCxnSpPr>
         <p:spPr>
           <a:xfrm rot="16200000" flipH="1">
-            <a:off x="25894243" y="26311887"/>
+            <a:off x="26242587" y="26311887"/>
             <a:ext cx="316078" cy="889099"/>
           </a:xfrm>
           <a:prstGeom prst="bentConnector3">
@@ -8792,7 +8796,7 @@
         </p:nvCxnSpPr>
         <p:spPr>
           <a:xfrm rot="5400000">
-            <a:off x="25002074" y="26304441"/>
+            <a:off x="25350418" y="26304441"/>
             <a:ext cx="311703" cy="899616"/>
           </a:xfrm>
           <a:prstGeom prst="bentConnector3">
@@ -8837,7 +8841,7 @@
         </p:nvCxnSpPr>
         <p:spPr>
           <a:xfrm rot="5400000">
-            <a:off x="26667551" y="27248515"/>
+            <a:off x="27015895" y="27248515"/>
             <a:ext cx="1301665" cy="1430"/>
           </a:xfrm>
           <a:prstGeom prst="bentConnector3">
@@ -8882,7 +8886,7 @@
         </p:nvCxnSpPr>
         <p:spPr>
           <a:xfrm rot="5400000">
-            <a:off x="26775942" y="28253030"/>
+            <a:off x="27124286" y="28253030"/>
             <a:ext cx="255678" cy="827774"/>
           </a:xfrm>
           <a:prstGeom prst="bentConnector3">
@@ -8927,7 +8931,7 @@
         </p:nvCxnSpPr>
         <p:spPr>
           <a:xfrm rot="16200000" flipH="1">
-            <a:off x="27586220" y="28270526"/>
+            <a:off x="27934564" y="28270526"/>
             <a:ext cx="255678" cy="792782"/>
           </a:xfrm>
           <a:prstGeom prst="bentConnector3">
@@ -8968,7 +8972,7 @@
         </p:nvSpPr>
         <p:spPr>
           <a:xfrm>
-            <a:off x="29299843" y="28794756"/>
+            <a:off x="29648187" y="28794756"/>
             <a:ext cx="1144480" cy="639015"/>
           </a:xfrm>
           <a:prstGeom prst="rect">
@@ -9023,7 +9027,7 @@
         </p:nvSpPr>
         <p:spPr>
           <a:xfrm>
-            <a:off x="29299843" y="26911991"/>
+            <a:off x="29648187" y="26911991"/>
             <a:ext cx="1144480" cy="639015"/>
           </a:xfrm>
           <a:prstGeom prst="rect">
@@ -9078,7 +9082,7 @@
         </p:nvSpPr>
         <p:spPr>
           <a:xfrm>
-            <a:off x="28439321" y="27864600"/>
+            <a:off x="28787665" y="27864600"/>
             <a:ext cx="1144480" cy="639015"/>
           </a:xfrm>
           <a:prstGeom prst="rect">
@@ -9133,7 +9137,7 @@
         </p:nvSpPr>
         <p:spPr>
           <a:xfrm>
-            <a:off x="27588139" y="26911992"/>
+            <a:off x="27936483" y="26911992"/>
             <a:ext cx="1144480" cy="639015"/>
           </a:xfrm>
           <a:prstGeom prst="rect">
@@ -9192,7 +9196,7 @@
         </p:nvCxnSpPr>
         <p:spPr>
           <a:xfrm rot="16200000" flipH="1">
-            <a:off x="28438794" y="25478701"/>
+            <a:off x="28787138" y="25478701"/>
             <a:ext cx="313593" cy="2552985"/>
           </a:xfrm>
           <a:prstGeom prst="bentConnector3">
@@ -9237,7 +9241,7 @@
         </p:nvCxnSpPr>
         <p:spPr>
           <a:xfrm rot="16200000" flipH="1">
-            <a:off x="27582941" y="26334554"/>
+            <a:off x="27931285" y="26334554"/>
             <a:ext cx="313594" cy="841281"/>
           </a:xfrm>
           <a:prstGeom prst="bentConnector3">
@@ -9282,7 +9286,7 @@
         </p:nvCxnSpPr>
         <p:spPr>
           <a:xfrm rot="16200000" flipH="1">
-            <a:off x="28467036" y="27389709"/>
+            <a:off x="28815380" y="27389709"/>
             <a:ext cx="255678" cy="2554415"/>
           </a:xfrm>
           <a:prstGeom prst="bentConnector3">
@@ -9327,7 +9331,7 @@
         </p:nvCxnSpPr>
         <p:spPr>
           <a:xfrm rot="16200000" flipH="1">
-            <a:off x="27532228" y="26385267"/>
+            <a:off x="27880572" y="26385267"/>
             <a:ext cx="1266202" cy="1692463"/>
           </a:xfrm>
           <a:prstGeom prst="bentConnector3">
@@ -9368,7 +9372,7 @@
         </p:nvSpPr>
         <p:spPr>
           <a:xfrm>
-            <a:off x="39025197" y="23066091"/>
+            <a:off x="39373541" y="23066091"/>
             <a:ext cx="1144480" cy="639015"/>
           </a:xfrm>
           <a:prstGeom prst="rect">
@@ -9420,7 +9424,7 @@
         </p:nvSpPr>
         <p:spPr>
           <a:xfrm>
-            <a:off x="37416522" y="23999652"/>
+            <a:off x="37764866" y="23999652"/>
             <a:ext cx="1144480" cy="639015"/>
           </a:xfrm>
           <a:prstGeom prst="rect">
@@ -9480,7 +9484,7 @@
         </p:nvCxnSpPr>
         <p:spPr>
           <a:xfrm>
-            <a:off x="45993868" y="24389557"/>
+            <a:off x="46342212" y="24389557"/>
             <a:ext cx="627399" cy="0"/>
           </a:xfrm>
           <a:prstGeom prst="line">
@@ -9521,7 +9525,7 @@
         </p:nvSpPr>
         <p:spPr>
           <a:xfrm>
-            <a:off x="39025284" y="23999652"/>
+            <a:off x="39373628" y="23999652"/>
             <a:ext cx="1144480" cy="639015"/>
           </a:xfrm>
           <a:prstGeom prst="rect">
@@ -9573,7 +9577,7 @@
         </p:nvSpPr>
         <p:spPr>
           <a:xfrm>
-            <a:off x="40779909" y="24004061"/>
+            <a:off x="41128253" y="24004061"/>
             <a:ext cx="1144480" cy="639015"/>
           </a:xfrm>
           <a:prstGeom prst="rect">
@@ -9625,7 +9629,7 @@
         </p:nvSpPr>
         <p:spPr>
           <a:xfrm>
-            <a:off x="36598305" y="25953033"/>
+            <a:off x="36946649" y="25953033"/>
             <a:ext cx="1144480" cy="639015"/>
           </a:xfrm>
           <a:prstGeom prst="rect">
@@ -9681,7 +9685,7 @@
         </p:nvSpPr>
         <p:spPr>
           <a:xfrm>
-            <a:off x="35788749" y="26854855"/>
+            <a:off x="36137093" y="26854855"/>
             <a:ext cx="1144480" cy="639015"/>
           </a:xfrm>
           <a:prstGeom prst="rect">
@@ -9741,7 +9745,7 @@
         </p:nvCxnSpPr>
         <p:spPr>
           <a:xfrm rot="5400000">
-            <a:off x="36634364" y="26318673"/>
+            <a:off x="36982708" y="26318673"/>
             <a:ext cx="262807" cy="809556"/>
           </a:xfrm>
           <a:prstGeom prst="bentConnector3">
@@ -9786,7 +9790,7 @@
         </p:nvCxnSpPr>
         <p:spPr>
           <a:xfrm rot="5400000">
-            <a:off x="38645827" y="23048042"/>
+            <a:off x="38994171" y="23048042"/>
             <a:ext cx="294546" cy="1608675"/>
           </a:xfrm>
           <a:prstGeom prst="bentConnector3">
@@ -9831,7 +9835,7 @@
         </p:nvCxnSpPr>
         <p:spPr>
           <a:xfrm rot="16200000" flipH="1">
-            <a:off x="39450207" y="23852335"/>
+            <a:off x="39798551" y="23852335"/>
             <a:ext cx="294546" cy="87"/>
           </a:xfrm>
           <a:prstGeom prst="bentConnector3">
@@ -9876,7 +9880,7 @@
         </p:nvCxnSpPr>
         <p:spPr>
           <a:xfrm rot="16200000" flipH="1">
-            <a:off x="40325316" y="22977227"/>
+            <a:off x="40673660" y="22977227"/>
             <a:ext cx="298955" cy="1754712"/>
           </a:xfrm>
           <a:prstGeom prst="bentConnector3">
@@ -9921,7 +9925,7 @@
         </p:nvCxnSpPr>
         <p:spPr>
           <a:xfrm rot="5400000">
-            <a:off x="37829185" y="24796586"/>
+            <a:off x="38177529" y="24796586"/>
             <a:ext cx="317496" cy="1659"/>
           </a:xfrm>
           <a:prstGeom prst="bentConnector3">
@@ -9965,7 +9969,7 @@
         </p:nvCxnSpPr>
         <p:spPr>
           <a:xfrm>
-            <a:off x="37742785" y="26272541"/>
+            <a:off x="38091129" y="26272541"/>
             <a:ext cx="1535249" cy="1618"/>
           </a:xfrm>
           <a:prstGeom prst="line">
@@ -10006,7 +10010,7 @@
         </p:nvSpPr>
         <p:spPr>
           <a:xfrm>
-            <a:off x="35798274" y="27864599"/>
+            <a:off x="36146618" y="27864599"/>
             <a:ext cx="1144480" cy="639015"/>
           </a:xfrm>
           <a:prstGeom prst="rect">
@@ -10062,7 +10066,7 @@
         </p:nvSpPr>
         <p:spPr>
           <a:xfrm>
-            <a:off x="37424388" y="27880143"/>
+            <a:off x="37772732" y="27880143"/>
             <a:ext cx="1144480" cy="639015"/>
           </a:xfrm>
           <a:prstGeom prst="rect">
@@ -10118,7 +10122,7 @@
         </p:nvSpPr>
         <p:spPr>
           <a:xfrm>
-            <a:off x="38251765" y="28764064"/>
+            <a:off x="38600109" y="28764064"/>
             <a:ext cx="1144480" cy="639015"/>
           </a:xfrm>
           <a:prstGeom prst="rect">
@@ -10174,7 +10178,7 @@
         </p:nvSpPr>
         <p:spPr>
           <a:xfrm>
-            <a:off x="38244966" y="29710390"/>
+            <a:off x="38593310" y="29710390"/>
             <a:ext cx="1144480" cy="639015"/>
           </a:xfrm>
           <a:prstGeom prst="rect">
@@ -10230,7 +10234,7 @@
         </p:nvSpPr>
         <p:spPr>
           <a:xfrm>
-            <a:off x="36592846" y="28764064"/>
+            <a:off x="36941190" y="28764064"/>
             <a:ext cx="1144480" cy="639015"/>
           </a:xfrm>
           <a:prstGeom prst="rect">
@@ -10286,7 +10290,7 @@
         </p:nvSpPr>
         <p:spPr>
           <a:xfrm>
-            <a:off x="39914387" y="28764064"/>
+            <a:off x="40262731" y="28764064"/>
             <a:ext cx="1144480" cy="639015"/>
           </a:xfrm>
           <a:prstGeom prst="rect">
@@ -10354,7 +10358,7 @@
         </p:nvCxnSpPr>
         <p:spPr>
           <a:xfrm rot="16200000" flipH="1">
-            <a:off x="36180387" y="27674471"/>
+            <a:off x="36528731" y="27674471"/>
             <a:ext cx="370729" cy="9525"/>
           </a:xfrm>
           <a:prstGeom prst="bentConnector3">
@@ -10399,7 +10403,7 @@
         </p:nvCxnSpPr>
         <p:spPr>
           <a:xfrm rot="5400000">
-            <a:off x="37359239" y="27299716"/>
+            <a:off x="37707583" y="27299716"/>
             <a:ext cx="1270195" cy="1658500"/>
           </a:xfrm>
           <a:prstGeom prst="bentConnector3">
@@ -10444,7 +10448,7 @@
         </p:nvCxnSpPr>
         <p:spPr>
           <a:xfrm rot="5400000">
-            <a:off x="38666951" y="29553335"/>
+            <a:off x="39015295" y="29553335"/>
             <a:ext cx="307311" cy="6799"/>
           </a:xfrm>
           <a:prstGeom prst="bentConnector3">
@@ -10485,7 +10489,7 @@
         </p:nvSpPr>
         <p:spPr>
           <a:xfrm>
-            <a:off x="40779909" y="24966657"/>
+            <a:off x="41128253" y="24966657"/>
             <a:ext cx="1144480" cy="639015"/>
           </a:xfrm>
           <a:prstGeom prst="rect">
@@ -10541,7 +10545,7 @@
         </p:nvCxnSpPr>
         <p:spPr>
           <a:xfrm rot="5400000">
-            <a:off x="38692992" y="26724260"/>
+            <a:off x="39041336" y="26724260"/>
             <a:ext cx="261188" cy="12700"/>
           </a:xfrm>
           <a:prstGeom prst="bentConnector3">
@@ -10587,7 +10591,7 @@
         </p:nvCxnSpPr>
         <p:spPr>
           <a:xfrm rot="16200000" flipH="1">
-            <a:off x="37865662" y="25896930"/>
+            <a:off x="38214006" y="25896930"/>
             <a:ext cx="262806" cy="1653041"/>
           </a:xfrm>
           <a:prstGeom prst="bentConnector3">
@@ -10629,7 +10633,7 @@
         </p:nvSpPr>
         <p:spPr>
           <a:xfrm>
-            <a:off x="25026746" y="23999652"/>
+            <a:off x="25375090" y="23999652"/>
             <a:ext cx="1144480" cy="639015"/>
           </a:xfrm>
           <a:prstGeom prst="rect">
@@ -10684,7 +10688,7 @@
         </p:nvSpPr>
         <p:spPr>
           <a:xfrm>
-            <a:off x="23342847" y="23999652"/>
+            <a:off x="23691191" y="23999652"/>
             <a:ext cx="1144480" cy="639015"/>
           </a:xfrm>
           <a:prstGeom prst="rect">
@@ -10739,7 +10743,7 @@
         </p:nvSpPr>
         <p:spPr>
           <a:xfrm>
-            <a:off x="26738719" y="23999652"/>
+            <a:off x="27087063" y="23999652"/>
             <a:ext cx="1144480" cy="639015"/>
           </a:xfrm>
           <a:prstGeom prst="rect">
@@ -10794,7 +10798,7 @@
         </p:nvSpPr>
         <p:spPr>
           <a:xfrm>
-            <a:off x="28420293" y="23999652"/>
+            <a:off x="28768637" y="23999652"/>
             <a:ext cx="1144480" cy="639015"/>
           </a:xfrm>
           <a:prstGeom prst="rect">
@@ -10849,7 +10853,7 @@
         </p:nvSpPr>
         <p:spPr>
           <a:xfrm>
-            <a:off x="24139368" y="24951240"/>
+            <a:off x="24487712" y="24951240"/>
             <a:ext cx="1144480" cy="639015"/>
           </a:xfrm>
           <a:prstGeom prst="rect">
@@ -10904,7 +10908,7 @@
         </p:nvSpPr>
         <p:spPr>
           <a:xfrm>
-            <a:off x="38251346" y="25954651"/>
+            <a:off x="38599690" y="25954651"/>
             <a:ext cx="1144480" cy="639015"/>
           </a:xfrm>
           <a:prstGeom prst="rect">
@@ -10960,7 +10964,7 @@
         </p:nvCxnSpPr>
         <p:spPr>
           <a:xfrm>
-            <a:off x="26171226" y="24319160"/>
+            <a:off x="26519570" y="24319160"/>
             <a:ext cx="567493" cy="0"/>
           </a:xfrm>
           <a:prstGeom prst="line">
@@ -11005,7 +11009,7 @@
         </p:nvCxnSpPr>
         <p:spPr>
           <a:xfrm rot="16200000" flipH="1">
-            <a:off x="27569643" y="22576762"/>
+            <a:off x="27917987" y="22576762"/>
             <a:ext cx="350078" cy="2495701"/>
           </a:xfrm>
           <a:prstGeom prst="bentConnector3">
@@ -11050,7 +11054,7 @@
         </p:nvCxnSpPr>
         <p:spPr>
           <a:xfrm rot="5400000">
-            <a:off x="25030921" y="22533741"/>
+            <a:off x="25379265" y="22533741"/>
             <a:ext cx="350078" cy="2581745"/>
           </a:xfrm>
           <a:prstGeom prst="bentConnector3">
@@ -11095,7 +11099,7 @@
         </p:nvCxnSpPr>
         <p:spPr>
           <a:xfrm rot="5400000">
-            <a:off x="24999011" y="24351264"/>
+            <a:off x="25347355" y="24351264"/>
             <a:ext cx="312573" cy="887378"/>
           </a:xfrm>
           <a:prstGeom prst="bentConnector3">
@@ -11140,7 +11144,7 @@
         </p:nvCxnSpPr>
         <p:spPr>
           <a:xfrm rot="16200000" flipH="1">
-            <a:off x="27577026" y="24372600"/>
+            <a:off x="27925370" y="24372600"/>
             <a:ext cx="313596" cy="845730"/>
           </a:xfrm>
           <a:prstGeom prst="bentConnector3">
@@ -11185,7 +11189,7 @@
         </p:nvCxnSpPr>
         <p:spPr>
           <a:xfrm rot="16200000" flipH="1">
-            <a:off x="25883139" y="24354514"/>
+            <a:off x="26231483" y="24354514"/>
             <a:ext cx="329540" cy="897846"/>
           </a:xfrm>
           <a:prstGeom prst="bentConnector3">
@@ -11231,7 +11235,7 @@
         </p:nvCxnSpPr>
         <p:spPr>
           <a:xfrm rot="5400000">
-            <a:off x="26739126" y="24396374"/>
+            <a:off x="27087470" y="24396374"/>
             <a:ext cx="329540" cy="814127"/>
           </a:xfrm>
           <a:prstGeom prst="bentConnector3">
@@ -11277,7 +11281,7 @@
         </p:nvCxnSpPr>
         <p:spPr>
           <a:xfrm rot="16200000" flipH="1">
-            <a:off x="26731885" y="25372169"/>
+            <a:off x="27080229" y="25372169"/>
             <a:ext cx="352161" cy="822266"/>
           </a:xfrm>
           <a:prstGeom prst="bentConnector3">
@@ -11322,7 +11326,7 @@
         </p:nvCxnSpPr>
         <p:spPr>
           <a:xfrm rot="5400000">
-            <a:off x="25876203" y="25338753"/>
+            <a:off x="26224547" y="25338753"/>
             <a:ext cx="352161" cy="889099"/>
           </a:xfrm>
           <a:prstGeom prst="bentConnector3">
@@ -11363,7 +11367,7 @@
         </p:nvSpPr>
         <p:spPr>
           <a:xfrm>
-            <a:off x="25033933" y="27915945"/>
+            <a:off x="25382277" y="27915945"/>
             <a:ext cx="1144480" cy="639015"/>
           </a:xfrm>
           <a:prstGeom prst="rect">
@@ -11422,7 +11426,7 @@
         </p:nvCxnSpPr>
         <p:spPr>
           <a:xfrm rot="5400000">
-            <a:off x="24948180" y="27256391"/>
+            <a:off x="25296524" y="27256391"/>
             <a:ext cx="1317547" cy="1560"/>
           </a:xfrm>
           <a:prstGeom prst="bentConnector3">
@@ -11463,7 +11467,7 @@
         </p:nvSpPr>
         <p:spPr>
           <a:xfrm>
-            <a:off x="30305177" y="27864599"/>
+            <a:off x="30653521" y="27864599"/>
             <a:ext cx="1144480" cy="639015"/>
           </a:xfrm>
           <a:prstGeom prst="rect">
@@ -11522,7 +11526,7 @@
         </p:nvCxnSpPr>
         <p:spPr>
           <a:xfrm rot="16200000" flipH="1">
-            <a:off x="28465157" y="25452338"/>
+            <a:off x="28813501" y="25452338"/>
             <a:ext cx="1266201" cy="3558319"/>
           </a:xfrm>
           <a:prstGeom prst="bentConnector3">
@@ -11563,7 +11567,7 @@
         </p:nvSpPr>
         <p:spPr>
           <a:xfrm>
-            <a:off x="46336400" y="2623376"/>
+            <a:off x="46684744" y="2623376"/>
             <a:ext cx="1144480" cy="639015"/>
           </a:xfrm>
           <a:prstGeom prst="rect">
@@ -11612,7 +11616,7 @@
         </p:nvSpPr>
         <p:spPr>
           <a:xfrm>
-            <a:off x="34005372" y="1173605"/>
+            <a:off x="40643191" y="10317221"/>
             <a:ext cx="1144480" cy="639015"/>
           </a:xfrm>
           <a:prstGeom prst="rect">
@@ -11665,7 +11669,7 @@
         </p:nvSpPr>
         <p:spPr>
           <a:xfrm>
-            <a:off x="47886074" y="2623975"/>
+            <a:off x="48234418" y="2623975"/>
             <a:ext cx="1144480" cy="639015"/>
           </a:xfrm>
           <a:prstGeom prst="rect">
@@ -11714,7 +11718,7 @@
         </p:nvSpPr>
         <p:spPr>
           <a:xfrm>
-            <a:off x="38313527" y="1574813"/>
+            <a:off x="38661871" y="1574813"/>
             <a:ext cx="1144480" cy="639015"/>
           </a:xfrm>
           <a:prstGeom prst="rect">
@@ -11763,7 +11767,7 @@
         </p:nvSpPr>
         <p:spPr>
           <a:xfrm>
-            <a:off x="44038510" y="28804280"/>
+            <a:off x="44386854" y="28804280"/>
             <a:ext cx="1144480" cy="639015"/>
           </a:xfrm>
           <a:prstGeom prst="rect">
@@ -11815,7 +11819,7 @@
         </p:nvSpPr>
         <p:spPr>
           <a:xfrm>
-            <a:off x="45706911" y="23106076"/>
+            <a:off x="46055255" y="23106076"/>
             <a:ext cx="1144480" cy="639015"/>
           </a:xfrm>
           <a:prstGeom prst="rect">
@@ -11867,7 +11871,7 @@
         </p:nvSpPr>
         <p:spPr>
           <a:xfrm>
-            <a:off x="45782595" y="26918123"/>
+            <a:off x="46130939" y="26918123"/>
             <a:ext cx="1144480" cy="639015"/>
           </a:xfrm>
           <a:prstGeom prst="rect">
@@ -11919,7 +11923,7 @@
         </p:nvSpPr>
         <p:spPr>
           <a:xfrm>
-            <a:off x="44849388" y="24070049"/>
+            <a:off x="45197732" y="24070049"/>
             <a:ext cx="1144480" cy="639015"/>
           </a:xfrm>
           <a:prstGeom prst="rect">
@@ -11971,7 +11975,7 @@
         </p:nvSpPr>
         <p:spPr>
           <a:xfrm>
-            <a:off x="45782595" y="25046741"/>
+            <a:off x="46130939" y="25046741"/>
             <a:ext cx="1144480" cy="639015"/>
           </a:xfrm>
           <a:prstGeom prst="rect">
@@ -12023,7 +12027,7 @@
         </p:nvSpPr>
         <p:spPr>
           <a:xfrm>
-            <a:off x="46621267" y="24070049"/>
+            <a:off x="46969611" y="24070049"/>
             <a:ext cx="1144480" cy="639015"/>
           </a:xfrm>
           <a:prstGeom prst="rect">
@@ -12075,7 +12079,7 @@
         </p:nvSpPr>
         <p:spPr>
           <a:xfrm>
-            <a:off x="44855738" y="27860225"/>
+            <a:off x="45204082" y="27860225"/>
             <a:ext cx="1144480" cy="639015"/>
           </a:xfrm>
           <a:prstGeom prst="rect">
@@ -12127,7 +12131,7 @@
         </p:nvSpPr>
         <p:spPr>
           <a:xfrm>
-            <a:off x="46615183" y="27858099"/>
+            <a:off x="46963527" y="27858099"/>
             <a:ext cx="1144480" cy="639015"/>
           </a:xfrm>
           <a:prstGeom prst="rect">
@@ -12179,7 +12183,7 @@
         </p:nvSpPr>
         <p:spPr>
           <a:xfrm>
-            <a:off x="44019530" y="26921408"/>
+            <a:off x="44367874" y="26921408"/>
             <a:ext cx="1144480" cy="639015"/>
           </a:xfrm>
           <a:prstGeom prst="rect">
@@ -12231,7 +12235,7 @@
         </p:nvSpPr>
         <p:spPr>
           <a:xfrm>
-            <a:off x="47413094" y="25042887"/>
+            <a:off x="47761438" y="25042887"/>
             <a:ext cx="1144480" cy="639015"/>
           </a:xfrm>
           <a:prstGeom prst="rect">
@@ -12283,7 +12287,7 @@
         </p:nvSpPr>
         <p:spPr>
           <a:xfrm>
-            <a:off x="48955214" y="25046047"/>
+            <a:off x="49303558" y="25046047"/>
             <a:ext cx="1144480" cy="639015"/>
           </a:xfrm>
           <a:prstGeom prst="rect">
@@ -12335,7 +12339,7 @@
         </p:nvSpPr>
         <p:spPr>
           <a:xfrm>
-            <a:off x="48180710" y="26023431"/>
+            <a:off x="48529054" y="26023431"/>
             <a:ext cx="1144480" cy="639015"/>
           </a:xfrm>
           <a:prstGeom prst="rect">
@@ -12391,7 +12395,7 @@
         </p:nvCxnSpPr>
         <p:spPr>
           <a:xfrm rot="5400000">
-            <a:off x="45687911" y="23478809"/>
+            <a:off x="46036255" y="23478809"/>
             <a:ext cx="324958" cy="857523"/>
           </a:xfrm>
           <a:prstGeom prst="bentConnector3">
@@ -12436,7 +12440,7 @@
         </p:nvCxnSpPr>
         <p:spPr>
           <a:xfrm rot="16200000" flipH="1">
-            <a:off x="46573850" y="23450392"/>
+            <a:off x="46922194" y="23450392"/>
             <a:ext cx="324958" cy="914356"/>
           </a:xfrm>
           <a:prstGeom prst="bentConnector3">
@@ -12481,7 +12485,7 @@
         </p:nvCxnSpPr>
         <p:spPr>
           <a:xfrm rot="16200000" flipH="1">
-            <a:off x="47422509" y="24480061"/>
+            <a:off x="47770853" y="24480061"/>
             <a:ext cx="333823" cy="791827"/>
           </a:xfrm>
           <a:prstGeom prst="bentConnector3">
@@ -12526,7 +12530,7 @@
         </p:nvCxnSpPr>
         <p:spPr>
           <a:xfrm rot="16200000" flipH="1">
-            <a:off x="48191989" y="23710581"/>
+            <a:off x="48540333" y="23710581"/>
             <a:ext cx="336983" cy="2333947"/>
           </a:xfrm>
           <a:prstGeom prst="bentConnector3">
@@ -12571,7 +12575,7 @@
         </p:nvCxnSpPr>
         <p:spPr>
           <a:xfrm rot="16200000" flipH="1">
-            <a:off x="47316045" y="24586525"/>
+            <a:off x="47664389" y="24586525"/>
             <a:ext cx="1314367" cy="1559443"/>
           </a:xfrm>
           <a:prstGeom prst="bentConnector3">
@@ -12616,7 +12620,7 @@
         </p:nvCxnSpPr>
         <p:spPr>
           <a:xfrm rot="5400000">
-            <a:off x="46605333" y="24458566"/>
+            <a:off x="46953677" y="24458566"/>
             <a:ext cx="337677" cy="838672"/>
           </a:xfrm>
           <a:prstGeom prst="bentConnector3">
@@ -12662,7 +12666,7 @@
         </p:nvCxnSpPr>
         <p:spPr>
           <a:xfrm rot="16200000" flipH="1">
-            <a:off x="45719393" y="24411298"/>
+            <a:off x="46067737" y="24411298"/>
             <a:ext cx="337677" cy="933207"/>
           </a:xfrm>
           <a:prstGeom prst="bentConnector3">
@@ -12704,7 +12708,7 @@
         </p:nvSpPr>
         <p:spPr>
           <a:xfrm>
-            <a:off x="42445221" y="28794756"/>
+            <a:off x="42793565" y="28794756"/>
             <a:ext cx="1144480" cy="639015"/>
           </a:xfrm>
           <a:prstGeom prst="rect">
@@ -12756,7 +12760,7 @@
         </p:nvSpPr>
         <p:spPr>
           <a:xfrm>
-            <a:off x="38251346" y="26854854"/>
+            <a:off x="38599690" y="26854854"/>
             <a:ext cx="1144480" cy="639015"/>
           </a:xfrm>
           <a:prstGeom prst="rect">
@@ -12808,7 +12812,7 @@
         </p:nvSpPr>
         <p:spPr>
           <a:xfrm>
-            <a:off x="43251832" y="27900063"/>
+            <a:off x="43600176" y="27900063"/>
             <a:ext cx="1144480" cy="639015"/>
           </a:xfrm>
           <a:prstGeom prst="rect">
@@ -12860,7 +12864,7 @@
         </p:nvSpPr>
         <p:spPr>
           <a:xfrm>
-            <a:off x="44871378" y="29768396"/>
+            <a:off x="45219722" y="29768396"/>
             <a:ext cx="1144480" cy="639015"/>
           </a:xfrm>
           <a:prstGeom prst="rect">
@@ -12912,7 +12916,7 @@
         </p:nvSpPr>
         <p:spPr>
           <a:xfrm>
-            <a:off x="43225110" y="29784146"/>
+            <a:off x="43573454" y="29784146"/>
             <a:ext cx="1144480" cy="639015"/>
           </a:xfrm>
           <a:prstGeom prst="rect">
@@ -12964,7 +12968,7 @@
         </p:nvSpPr>
         <p:spPr>
           <a:xfrm>
-            <a:off x="45761849" y="28792533"/>
+            <a:off x="46110193" y="28792533"/>
             <a:ext cx="1144480" cy="639015"/>
           </a:xfrm>
           <a:prstGeom prst="rect">
@@ -13016,7 +13020,7 @@
         </p:nvSpPr>
         <p:spPr>
           <a:xfrm>
-            <a:off x="44075622" y="25078704"/>
+            <a:off x="44423966" y="25078704"/>
             <a:ext cx="1144480" cy="639015"/>
           </a:xfrm>
           <a:prstGeom prst="rect">
@@ -13068,7 +13072,7 @@
         </p:nvSpPr>
         <p:spPr>
           <a:xfrm>
-            <a:off x="46615183" y="25990284"/>
+            <a:off x="46963527" y="25990284"/>
             <a:ext cx="1144480" cy="639015"/>
           </a:xfrm>
           <a:prstGeom prst="rect">
@@ -13120,7 +13124,7 @@
         </p:nvSpPr>
         <p:spPr>
           <a:xfrm>
-            <a:off x="44849387" y="25990284"/>
+            <a:off x="45197731" y="25990284"/>
             <a:ext cx="1144480" cy="639015"/>
           </a:xfrm>
           <a:prstGeom prst="rect">
@@ -13172,7 +13176,7 @@
         </p:nvSpPr>
         <p:spPr>
           <a:xfrm>
-            <a:off x="49810406" y="26022045"/>
+            <a:off x="50158750" y="26022045"/>
             <a:ext cx="1144480" cy="639015"/>
           </a:xfrm>
           <a:prstGeom prst="rect">
@@ -13228,7 +13232,7 @@
         </p:nvCxnSpPr>
         <p:spPr>
           <a:xfrm rot="16200000" flipH="1">
-            <a:off x="48131586" y="23770984"/>
+            <a:off x="48479930" y="23770984"/>
             <a:ext cx="1312981" cy="3189139"/>
           </a:xfrm>
           <a:prstGeom prst="bentConnector3">
@@ -13273,7 +13277,7 @@
         </p:nvCxnSpPr>
         <p:spPr>
           <a:xfrm rot="5400000">
-            <a:off x="44796701" y="23596253"/>
+            <a:off x="45145045" y="23596253"/>
             <a:ext cx="1333613" cy="1631289"/>
           </a:xfrm>
           <a:prstGeom prst="bentConnector3">
@@ -13318,7 +13322,7 @@
         </p:nvCxnSpPr>
         <p:spPr>
           <a:xfrm rot="5400000">
-            <a:off x="42974126" y="24595038"/>
+            <a:off x="43322470" y="24595038"/>
             <a:ext cx="4154972" cy="2455079"/>
           </a:xfrm>
           <a:prstGeom prst="bentConnector3">
@@ -13363,7 +13367,7 @@
         </p:nvCxnSpPr>
         <p:spPr>
           <a:xfrm rot="5400000">
-            <a:off x="43292928" y="28263612"/>
+            <a:off x="43641272" y="28263612"/>
             <a:ext cx="255678" cy="806611"/>
           </a:xfrm>
           <a:prstGeom prst="bentConnector3">
@@ -13408,7 +13412,7 @@
         </p:nvCxnSpPr>
         <p:spPr>
           <a:xfrm rot="16200000" flipH="1">
-            <a:off x="44952353" y="27410796"/>
+            <a:off x="45300697" y="27410796"/>
             <a:ext cx="253455" cy="2510017"/>
           </a:xfrm>
           <a:prstGeom prst="bentConnector3">
@@ -13453,7 +13457,7 @@
         </p:nvCxnSpPr>
         <p:spPr>
           <a:xfrm rot="16200000" flipH="1">
-            <a:off x="44084810" y="28278340"/>
+            <a:off x="44433154" y="28278340"/>
             <a:ext cx="265202" cy="786678"/>
           </a:xfrm>
           <a:prstGeom prst="bentConnector3">
@@ -13498,7 +13502,7 @@
         </p:nvCxnSpPr>
         <p:spPr>
           <a:xfrm rot="16200000" flipH="1">
-            <a:off x="43232218" y="29219013"/>
+            <a:off x="43580562" y="29219013"/>
             <a:ext cx="350375" cy="779889"/>
           </a:xfrm>
           <a:prstGeom prst="bentConnector3">
@@ -13543,7 +13547,7 @@
         </p:nvCxnSpPr>
         <p:spPr>
           <a:xfrm rot="5400000">
-            <a:off x="44033625" y="29207020"/>
+            <a:off x="44381969" y="29207020"/>
             <a:ext cx="340851" cy="813400"/>
           </a:xfrm>
           <a:prstGeom prst="bentConnector3">
@@ -13588,7 +13592,7 @@
         </p:nvCxnSpPr>
         <p:spPr>
           <a:xfrm rot="5400000">
-            <a:off x="45720430" y="29154737"/>
+            <a:off x="46068774" y="29154737"/>
             <a:ext cx="336848" cy="890471"/>
           </a:xfrm>
           <a:prstGeom prst="bentConnector3">
@@ -13633,7 +13637,7 @@
         </p:nvCxnSpPr>
         <p:spPr>
           <a:xfrm rot="5400000">
-            <a:off x="45735967" y="25371416"/>
+            <a:off x="46084311" y="25371416"/>
             <a:ext cx="304528" cy="933208"/>
           </a:xfrm>
           <a:prstGeom prst="bentConnector3">
@@ -13678,7 +13682,7 @@
         </p:nvCxnSpPr>
         <p:spPr>
           <a:xfrm rot="16200000" flipH="1">
-            <a:off x="46618865" y="25421726"/>
+            <a:off x="46967209" y="25421726"/>
             <a:ext cx="304528" cy="832588"/>
           </a:xfrm>
           <a:prstGeom prst="bentConnector3">
@@ -13723,7 +13727,7 @@
         </p:nvCxnSpPr>
         <p:spPr>
           <a:xfrm rot="16200000" flipH="1">
-            <a:off x="45743819" y="26307107"/>
+            <a:off x="46092163" y="26307107"/>
             <a:ext cx="288824" cy="933208"/>
           </a:xfrm>
           <a:prstGeom prst="bentConnector3">
@@ -13769,7 +13773,7 @@
         </p:nvCxnSpPr>
         <p:spPr>
           <a:xfrm rot="5400000">
-            <a:off x="46626717" y="26357417"/>
+            <a:off x="46975061" y="26357417"/>
             <a:ext cx="288824" cy="832588"/>
           </a:xfrm>
           <a:prstGeom prst="bentConnector3">
@@ -13815,7 +13819,7 @@
         </p:nvCxnSpPr>
         <p:spPr>
           <a:xfrm rot="5400000">
-            <a:off x="44860645" y="26360425"/>
+            <a:off x="45208989" y="26360425"/>
             <a:ext cx="292109" cy="829857"/>
           </a:xfrm>
           <a:prstGeom prst="bentConnector3">
@@ -13860,7 +13864,7 @@
         </p:nvCxnSpPr>
         <p:spPr>
           <a:xfrm rot="16200000" flipH="1">
-            <a:off x="44809339" y="27241586"/>
+            <a:off x="45157683" y="27241586"/>
             <a:ext cx="1230926" cy="6351"/>
           </a:xfrm>
           <a:prstGeom prst="bentConnector3">
@@ -13905,7 +13909,7 @@
         </p:nvCxnSpPr>
         <p:spPr>
           <a:xfrm rot="16200000" flipH="1">
-            <a:off x="45690125" y="26360801"/>
+            <a:off x="46038469" y="26360801"/>
             <a:ext cx="1228800" cy="1765796"/>
           </a:xfrm>
           <a:prstGeom prst="bentConnector3">
@@ -13946,7 +13950,7 @@
         </p:nvSpPr>
         <p:spPr>
           <a:xfrm>
-            <a:off x="47413094" y="26910702"/>
+            <a:off x="47761438" y="26910702"/>
             <a:ext cx="1144480" cy="639015"/>
           </a:xfrm>
           <a:prstGeom prst="rect">
@@ -14002,7 +14006,7 @@
         </p:nvCxnSpPr>
         <p:spPr>
           <a:xfrm rot="16200000" flipH="1">
-            <a:off x="46562779" y="25488146"/>
+            <a:off x="46911123" y="25488146"/>
             <a:ext cx="281403" cy="2563707"/>
           </a:xfrm>
           <a:prstGeom prst="bentConnector3">
@@ -14043,7 +14047,7 @@
         </p:nvSpPr>
         <p:spPr>
           <a:xfrm>
-            <a:off x="37424388" y="30656716"/>
+            <a:off x="37772732" y="30656716"/>
             <a:ext cx="1144480" cy="639015"/>
           </a:xfrm>
           <a:prstGeom prst="rect">
@@ -14095,7 +14099,7 @@
         </p:nvSpPr>
         <p:spPr>
           <a:xfrm>
-            <a:off x="39025284" y="30656716"/>
+            <a:off x="39373628" y="30656716"/>
             <a:ext cx="1144480" cy="639015"/>
           </a:xfrm>
           <a:prstGeom prst="rect">
@@ -14147,7 +14151,7 @@
         </p:nvSpPr>
         <p:spPr>
           <a:xfrm>
-            <a:off x="41639594" y="25952971"/>
+            <a:off x="41987938" y="25952971"/>
             <a:ext cx="1144480" cy="639015"/>
           </a:xfrm>
           <a:prstGeom prst="rect">
@@ -14207,7 +14211,7 @@
         </p:nvSpPr>
         <p:spPr>
           <a:xfrm>
-            <a:off x="39927753" y="25953033"/>
+            <a:off x="40276097" y="25953033"/>
             <a:ext cx="1144480" cy="639015"/>
           </a:xfrm>
           <a:prstGeom prst="rect">
@@ -14263,7 +14267,7 @@
         </p:nvCxnSpPr>
         <p:spPr>
           <a:xfrm rot="5400000">
-            <a:off x="41190359" y="24804866"/>
+            <a:off x="41538703" y="24804866"/>
             <a:ext cx="323581" cy="12700"/>
           </a:xfrm>
           <a:prstGeom prst="bentConnector3">
@@ -14308,7 +14312,7 @@
         </p:nvCxnSpPr>
         <p:spPr>
           <a:xfrm rot="5400000">
-            <a:off x="40318250" y="23922263"/>
+            <a:off x="40666594" y="23922263"/>
             <a:ext cx="313087" cy="1754712"/>
           </a:xfrm>
           <a:prstGeom prst="bentConnector3">
@@ -14353,7 +14357,7 @@
         </p:nvCxnSpPr>
         <p:spPr>
           <a:xfrm rot="5400000">
-            <a:off x="37399897" y="25365826"/>
+            <a:off x="37748241" y="25365826"/>
             <a:ext cx="357855" cy="816558"/>
           </a:xfrm>
           <a:prstGeom prst="bentConnector3">
@@ -14398,7 +14402,7 @@
         </p:nvCxnSpPr>
         <p:spPr>
           <a:xfrm rot="16200000" flipH="1">
-            <a:off x="38225608" y="25356672"/>
+            <a:off x="38573952" y="25356672"/>
             <a:ext cx="359473" cy="836483"/>
           </a:xfrm>
           <a:prstGeom prst="bentConnector3">
@@ -14443,7 +14447,7 @@
         </p:nvCxnSpPr>
         <p:spPr>
           <a:xfrm rot="16200000" flipH="1">
-            <a:off x="39780703" y="23521839"/>
+            <a:off x="40129047" y="23521839"/>
             <a:ext cx="2247865" cy="2614397"/>
           </a:xfrm>
           <a:prstGeom prst="bentConnector3">
@@ -14484,7 +14488,7 @@
         </p:nvSpPr>
         <p:spPr>
           <a:xfrm>
-            <a:off x="39025284" y="27880143"/>
+            <a:off x="39373628" y="27880143"/>
             <a:ext cx="1144480" cy="639015"/>
           </a:xfrm>
           <a:prstGeom prst="rect">
@@ -14544,7 +14548,7 @@
         </p:nvCxnSpPr>
         <p:spPr>
           <a:xfrm rot="5400000">
-            <a:off x="39088312" y="28254852"/>
+            <a:off x="39436656" y="28254852"/>
             <a:ext cx="244906" cy="773519"/>
           </a:xfrm>
           <a:prstGeom prst="bentConnector3">
@@ -14589,7 +14593,7 @@
         </p:nvCxnSpPr>
         <p:spPr>
           <a:xfrm rot="16200000" flipH="1">
-            <a:off x="38287863" y="28227922"/>
+            <a:off x="38636207" y="28227922"/>
             <a:ext cx="244906" cy="827377"/>
           </a:xfrm>
           <a:prstGeom prst="bentConnector3">
@@ -14634,7 +14638,7 @@
         </p:nvCxnSpPr>
         <p:spPr>
           <a:xfrm rot="5400000">
-            <a:off x="38216970" y="27273527"/>
+            <a:off x="38565314" y="27273527"/>
             <a:ext cx="386274" cy="826958"/>
           </a:xfrm>
           <a:prstGeom prst="bentConnector3">
@@ -14679,7 +14683,7 @@
         </p:nvCxnSpPr>
         <p:spPr>
           <a:xfrm rot="16200000" flipH="1">
-            <a:off x="39017418" y="27300037"/>
+            <a:off x="39365762" y="27300037"/>
             <a:ext cx="386274" cy="773938"/>
           </a:xfrm>
           <a:prstGeom prst="bentConnector3">
@@ -14720,7 +14724,7 @@
         </p:nvSpPr>
         <p:spPr>
           <a:xfrm>
-            <a:off x="36592846" y="29710390"/>
+            <a:off x="36941190" y="29710390"/>
             <a:ext cx="1144480" cy="639015"/>
           </a:xfrm>
           <a:prstGeom prst="rect">
@@ -14780,7 +14784,7 @@
         </p:nvCxnSpPr>
         <p:spPr>
           <a:xfrm rot="16200000" flipH="1">
-            <a:off x="39020009" y="27297445"/>
+            <a:off x="39368353" y="27297445"/>
             <a:ext cx="1270195" cy="1663041"/>
           </a:xfrm>
           <a:prstGeom prst="bentConnector3">
@@ -14821,7 +14825,7 @@
         </p:nvSpPr>
         <p:spPr>
           <a:xfrm>
-            <a:off x="39913127" y="29710390"/>
+            <a:off x="40261471" y="29710390"/>
             <a:ext cx="1144480" cy="639015"/>
           </a:xfrm>
           <a:prstGeom prst="rect">
@@ -14881,7 +14885,7 @@
         </p:nvCxnSpPr>
         <p:spPr>
           <a:xfrm rot="5400000">
-            <a:off x="37011431" y="29556734"/>
+            <a:off x="37359775" y="29556734"/>
             <a:ext cx="307311" cy="12700"/>
           </a:xfrm>
           <a:prstGeom prst="bentConnector3">
@@ -14926,7 +14930,7 @@
         </p:nvCxnSpPr>
         <p:spPr>
           <a:xfrm rot="5400000">
-            <a:off x="40332342" y="29556104"/>
+            <a:off x="40680686" y="29556104"/>
             <a:ext cx="307311" cy="1260"/>
           </a:xfrm>
           <a:prstGeom prst="bentConnector3">
@@ -14971,7 +14975,7 @@
         </p:nvCxnSpPr>
         <p:spPr>
           <a:xfrm rot="16200000" flipH="1">
-            <a:off x="37427202" y="30087289"/>
+            <a:off x="37775546" y="30087289"/>
             <a:ext cx="307311" cy="831542"/>
           </a:xfrm>
           <a:prstGeom prst="bentConnector3">
@@ -15017,7 +15021,7 @@
         </p:nvCxnSpPr>
         <p:spPr>
           <a:xfrm rot="16200000" flipH="1">
-            <a:off x="38227650" y="29286841"/>
+            <a:off x="38575994" y="29286841"/>
             <a:ext cx="307311" cy="2432438"/>
           </a:xfrm>
           <a:prstGeom prst="bentConnector3">
@@ -15063,7 +15067,7 @@
         </p:nvCxnSpPr>
         <p:spPr>
           <a:xfrm rot="5400000">
-            <a:off x="38253262" y="30092771"/>
+            <a:off x="38601606" y="30092771"/>
             <a:ext cx="307311" cy="820578"/>
           </a:xfrm>
           <a:prstGeom prst="bentConnector3">
@@ -15109,7 +15113,7 @@
         </p:nvCxnSpPr>
         <p:spPr>
           <a:xfrm rot="16200000" flipH="1">
-            <a:off x="39053710" y="30112901"/>
+            <a:off x="39402054" y="30112901"/>
             <a:ext cx="307311" cy="780318"/>
           </a:xfrm>
           <a:prstGeom prst="bentConnector3">
@@ -15155,7 +15159,7 @@
         </p:nvCxnSpPr>
         <p:spPr>
           <a:xfrm rot="5400000">
-            <a:off x="39087343" y="29258691"/>
+            <a:off x="39435687" y="29258691"/>
             <a:ext cx="307311" cy="2488739"/>
           </a:xfrm>
           <a:prstGeom prst="bentConnector3">
@@ -15201,7 +15205,7 @@
         </p:nvCxnSpPr>
         <p:spPr>
           <a:xfrm rot="5400000">
-            <a:off x="39887791" y="30059139"/>
+            <a:off x="40236135" y="30059139"/>
             <a:ext cx="307311" cy="887843"/>
           </a:xfrm>
           <a:prstGeom prst="bentConnector3">
@@ -15247,7 +15251,7 @@
         </p:nvCxnSpPr>
         <p:spPr>
           <a:xfrm rot="16200000" flipH="1">
-            <a:off x="39064621" y="24517660"/>
+            <a:off x="39412965" y="24517660"/>
             <a:ext cx="357855" cy="2512890"/>
           </a:xfrm>
           <a:prstGeom prst="bentConnector3">
@@ -15288,7 +15292,7 @@
         </p:nvSpPr>
         <p:spPr>
           <a:xfrm>
-            <a:off x="39913127" y="26843704"/>
+            <a:off x="40261471" y="26843704"/>
             <a:ext cx="1144480" cy="639015"/>
           </a:xfrm>
           <a:prstGeom prst="rect">
@@ -15348,7 +15352,7 @@
         </p:nvCxnSpPr>
         <p:spPr>
           <a:xfrm rot="16200000" flipH="1">
-            <a:off x="39529457" y="25887794"/>
+            <a:off x="39877801" y="25887794"/>
             <a:ext cx="250038" cy="1661781"/>
           </a:xfrm>
           <a:prstGeom prst="bentConnector3">
@@ -15389,7 +15393,7 @@
         </p:nvSpPr>
         <p:spPr>
           <a:xfrm>
-            <a:off x="41605462" y="26837429"/>
+            <a:off x="41953806" y="26837429"/>
             <a:ext cx="1144480" cy="639015"/>
           </a:xfrm>
           <a:prstGeom prst="rect">
@@ -15449,7 +15453,7 @@
         </p:nvCxnSpPr>
         <p:spPr>
           <a:xfrm rot="16200000" flipH="1">
-            <a:off x="40378763" y="25038489"/>
+            <a:off x="40727107" y="25038489"/>
             <a:ext cx="243763" cy="3354116"/>
           </a:xfrm>
           <a:prstGeom prst="bentConnector3">
@@ -15490,7 +15494,7 @@
         </p:nvSpPr>
         <p:spPr>
           <a:xfrm>
-            <a:off x="41591479" y="29710390"/>
+            <a:off x="41939823" y="29710390"/>
             <a:ext cx="1144480" cy="639015"/>
           </a:xfrm>
           <a:prstGeom prst="rect">
@@ -15550,7 +15554,7 @@
         </p:nvCxnSpPr>
         <p:spPr>
           <a:xfrm rot="16200000" flipH="1">
-            <a:off x="40210708" y="27757378"/>
+            <a:off x="40559052" y="27757378"/>
             <a:ext cx="2227671" cy="1678352"/>
           </a:xfrm>
           <a:prstGeom prst="bentConnector3">
@@ -15596,7 +15600,7 @@
         </p:nvCxnSpPr>
         <p:spPr>
           <a:xfrm rot="5400000">
-            <a:off x="41053738" y="28586426"/>
+            <a:off x="41402082" y="28586426"/>
             <a:ext cx="2233946" cy="13983"/>
           </a:xfrm>
           <a:prstGeom prst="bentConnector3">
@@ -15642,7 +15646,7 @@
         </p:nvCxnSpPr>
         <p:spPr>
           <a:xfrm>
-            <a:off x="40169677" y="23385599"/>
+            <a:off x="40518021" y="23385599"/>
             <a:ext cx="5537234" cy="39985"/>
           </a:xfrm>
           <a:prstGeom prst="line">
@@ -15683,7 +15687,7 @@
         </p:nvSpPr>
         <p:spPr>
           <a:xfrm>
-            <a:off x="42500878" y="24002381"/>
+            <a:off x="42849222" y="24002381"/>
             <a:ext cx="1144480" cy="639015"/>
           </a:xfrm>
           <a:prstGeom prst="rect">
@@ -15739,7 +15743,7 @@
         </p:nvCxnSpPr>
         <p:spPr>
           <a:xfrm rot="16200000" flipH="1">
-            <a:off x="41186640" y="22115902"/>
+            <a:off x="41534984" y="22115902"/>
             <a:ext cx="297275" cy="3475681"/>
           </a:xfrm>
           <a:prstGeom prst="bentConnector3">
@@ -15780,7 +15784,7 @@
         </p:nvSpPr>
         <p:spPr>
           <a:xfrm>
-            <a:off x="21004243" y="24973007"/>
+            <a:off x="21352587" y="24973007"/>
             <a:ext cx="1144480" cy="639015"/>
           </a:xfrm>
           <a:prstGeom prst="rect">
@@ -15829,7 +15833,7 @@
         </p:nvSpPr>
         <p:spPr>
           <a:xfrm>
-            <a:off x="42502537" y="24953454"/>
+            <a:off x="42850881" y="24953454"/>
             <a:ext cx="1144480" cy="639015"/>
           </a:xfrm>
           <a:prstGeom prst="rect">
@@ -15885,7 +15889,7 @@
         </p:nvCxnSpPr>
         <p:spPr>
           <a:xfrm rot="16200000" flipH="1">
-            <a:off x="42917918" y="24796595"/>
+            <a:off x="43266262" y="24796595"/>
             <a:ext cx="312058" cy="1659"/>
           </a:xfrm>
           <a:prstGeom prst="bentConnector3">
@@ -15926,7 +15930,7 @@
         </p:nvSpPr>
         <p:spPr>
           <a:xfrm>
-            <a:off x="21004243" y="23010557"/>
+            <a:off x="21352587" y="23010557"/>
             <a:ext cx="1144480" cy="639015"/>
           </a:xfrm>
           <a:prstGeom prst="rect">
@@ -15975,7 +15979,7 @@
         </p:nvSpPr>
         <p:spPr>
           <a:xfrm>
-            <a:off x="21777489" y="23998336"/>
+            <a:off x="22125833" y="23998336"/>
             <a:ext cx="1144480" cy="639015"/>
           </a:xfrm>
           <a:prstGeom prst="rect">
@@ -16024,7 +16028,7 @@
         </p:nvSpPr>
         <p:spPr>
           <a:xfrm>
-            <a:off x="20205798" y="23998336"/>
+            <a:off x="20554142" y="23998336"/>
             <a:ext cx="1144480" cy="639015"/>
           </a:xfrm>
           <a:prstGeom prst="rect">
@@ -16077,7 +16081,7 @@
         </p:nvCxnSpPr>
         <p:spPr>
           <a:xfrm rot="5400000">
-            <a:off x="21002879" y="23424732"/>
+            <a:off x="21351223" y="23424732"/>
             <a:ext cx="348764" cy="798445"/>
           </a:xfrm>
           <a:prstGeom prst="bentConnector3">
@@ -16122,7 +16126,7 @@
         </p:nvCxnSpPr>
         <p:spPr>
           <a:xfrm rot="16200000" flipH="1">
-            <a:off x="21788724" y="23437331"/>
+            <a:off x="22137068" y="23437331"/>
             <a:ext cx="348764" cy="773246"/>
           </a:xfrm>
           <a:prstGeom prst="bentConnector3">
@@ -16167,7 +16171,7 @@
         </p:nvCxnSpPr>
         <p:spPr>
           <a:xfrm rot="5400000">
-            <a:off x="20914766" y="24311289"/>
+            <a:off x="21263110" y="24311289"/>
             <a:ext cx="1323435" cy="12700"/>
           </a:xfrm>
           <a:prstGeom prst="bentConnector3">
@@ -16208,7 +16212,7 @@
         </p:nvSpPr>
         <p:spPr>
           <a:xfrm>
-            <a:off x="20213749" y="25959383"/>
+            <a:off x="20562093" y="25959383"/>
             <a:ext cx="1144480" cy="639015"/>
           </a:xfrm>
           <a:prstGeom prst="rect">
@@ -16257,7 +16261,7 @@
         </p:nvSpPr>
         <p:spPr>
           <a:xfrm>
-            <a:off x="21778328" y="25953033"/>
+            <a:off x="22126672" y="25953033"/>
             <a:ext cx="1144480" cy="639015"/>
           </a:xfrm>
           <a:prstGeom prst="rect">
@@ -16310,7 +16314,7 @@
         </p:nvCxnSpPr>
         <p:spPr>
           <a:xfrm rot="16200000" flipH="1">
-            <a:off x="20120997" y="25294391"/>
+            <a:off x="20469341" y="25294391"/>
             <a:ext cx="1322032" cy="7951"/>
           </a:xfrm>
           <a:prstGeom prst="bentConnector3">
@@ -16355,7 +16359,7 @@
         </p:nvCxnSpPr>
         <p:spPr>
           <a:xfrm rot="16200000" flipH="1">
-            <a:off x="21692307" y="25294772"/>
+            <a:off x="22040651" y="25294772"/>
             <a:ext cx="1315682" cy="839"/>
           </a:xfrm>
           <a:prstGeom prst="bentConnector3">
@@ -16396,7 +16400,7 @@
         </p:nvSpPr>
         <p:spPr>
           <a:xfrm>
-            <a:off x="28416813" y="25951073"/>
+            <a:off x="28765157" y="25951073"/>
             <a:ext cx="1144480" cy="639015"/>
           </a:xfrm>
           <a:prstGeom prst="rect">
@@ -16455,7 +16459,7 @@
         </p:nvCxnSpPr>
         <p:spPr>
           <a:xfrm rot="5400000">
-            <a:off x="29064762" y="24562960"/>
+            <a:off x="29413106" y="24562960"/>
             <a:ext cx="1312405" cy="1463821"/>
           </a:xfrm>
           <a:prstGeom prst="bentConnector3">
@@ -16500,7 +16504,7 @@
         </p:nvCxnSpPr>
         <p:spPr>
           <a:xfrm rot="5400000">
-            <a:off x="28334590" y="25293130"/>
+            <a:off x="28682934" y="25293130"/>
             <a:ext cx="1312406" cy="3480"/>
           </a:xfrm>
           <a:prstGeom prst="bentConnector3">
@@ -16541,7 +16545,7 @@
         </p:nvSpPr>
         <p:spPr>
           <a:xfrm>
-            <a:off x="23342722" y="25990284"/>
+            <a:off x="23691066" y="25990284"/>
             <a:ext cx="1144480" cy="639015"/>
           </a:xfrm>
           <a:prstGeom prst="rect">
@@ -16600,7 +16604,7 @@
         </p:nvCxnSpPr>
         <p:spPr>
           <a:xfrm rot="5400000">
-            <a:off x="23239217" y="25314413"/>
+            <a:off x="23587561" y="25314413"/>
             <a:ext cx="1351617" cy="125"/>
           </a:xfrm>
           <a:prstGeom prst="bentConnector3">
@@ -16641,7 +16645,7 @@
         </p:nvSpPr>
         <p:spPr>
           <a:xfrm>
-            <a:off x="42661447" y="534590"/>
+            <a:off x="43009791" y="534590"/>
             <a:ext cx="1144480" cy="639015"/>
           </a:xfrm>
           <a:prstGeom prst="rect">
@@ -16690,7 +16694,7 @@
         </p:nvSpPr>
         <p:spPr>
           <a:xfrm>
-            <a:off x="41239587" y="1574813"/>
+            <a:off x="41587931" y="1574813"/>
             <a:ext cx="1144480" cy="639015"/>
           </a:xfrm>
           <a:prstGeom prst="rect">
@@ -16742,7 +16746,7 @@
         </p:nvSpPr>
         <p:spPr>
           <a:xfrm>
-            <a:off x="43341284" y="4723451"/>
+            <a:off x="43689628" y="4723451"/>
             <a:ext cx="1144480" cy="639015"/>
           </a:xfrm>
           <a:prstGeom prst="rect">
@@ -16794,7 +16798,7 @@
         </p:nvSpPr>
         <p:spPr>
           <a:xfrm>
-            <a:off x="44786726" y="4722517"/>
+            <a:off x="45135070" y="4722517"/>
             <a:ext cx="1144480" cy="639015"/>
           </a:xfrm>
           <a:prstGeom prst="rect">
@@ -16846,7 +16850,7 @@
         </p:nvSpPr>
         <p:spPr>
           <a:xfrm>
-            <a:off x="44064033" y="5762617"/>
+            <a:off x="44412377" y="5762617"/>
             <a:ext cx="1144480" cy="639015"/>
           </a:xfrm>
           <a:prstGeom prst="rect">
@@ -16902,7 +16906,7 @@
         </p:nvCxnSpPr>
         <p:spPr>
           <a:xfrm rot="16200000" flipH="1">
-            <a:off x="44774289" y="4137840"/>
+            <a:off x="45122633" y="4137840"/>
             <a:ext cx="446632" cy="722721"/>
           </a:xfrm>
           <a:prstGeom prst="bentConnector3">
@@ -16947,7 +16951,7 @@
         </p:nvCxnSpPr>
         <p:spPr>
           <a:xfrm rot="5400000">
-            <a:off x="44051102" y="4138308"/>
+            <a:off x="44399446" y="4138308"/>
             <a:ext cx="447566" cy="722721"/>
           </a:xfrm>
           <a:prstGeom prst="bentConnector3">
@@ -16992,7 +16996,7 @@
         </p:nvCxnSpPr>
         <p:spPr>
           <a:xfrm rot="5400000">
-            <a:off x="44797078" y="5200728"/>
+            <a:off x="45145422" y="5200728"/>
             <a:ext cx="401085" cy="722693"/>
           </a:xfrm>
           <a:prstGeom prst="bentConnector3">
@@ -17038,7 +17042,7 @@
         </p:nvCxnSpPr>
         <p:spPr>
           <a:xfrm rot="16200000" flipH="1">
-            <a:off x="44074823" y="5201166"/>
+            <a:off x="44423167" y="5201166"/>
             <a:ext cx="400151" cy="722749"/>
           </a:xfrm>
           <a:prstGeom prst="bentConnector3">
@@ -17080,7 +17084,7 @@
         </p:nvSpPr>
         <p:spPr>
           <a:xfrm>
-            <a:off x="42661447" y="3636402"/>
+            <a:off x="43009791" y="3636402"/>
             <a:ext cx="1144480" cy="639015"/>
           </a:xfrm>
           <a:prstGeom prst="rect">
@@ -17137,7 +17141,7 @@
         </p:nvSpPr>
         <p:spPr>
           <a:xfrm>
-            <a:off x="44052220" y="3636870"/>
+            <a:off x="44400564" y="3636870"/>
             <a:ext cx="1168049" cy="639015"/>
           </a:xfrm>
           <a:prstGeom prst="rect">
@@ -17186,7 +17190,7 @@
         </p:nvSpPr>
         <p:spPr>
           <a:xfrm>
-            <a:off x="46336400" y="540769"/>
+            <a:off x="46684744" y="540769"/>
             <a:ext cx="1144480" cy="639015"/>
           </a:xfrm>
           <a:prstGeom prst="rect">
@@ -17235,7 +17239,7 @@
         </p:nvSpPr>
         <p:spPr>
           <a:xfrm>
-            <a:off x="45591883" y="1574349"/>
+            <a:off x="45940227" y="1574349"/>
             <a:ext cx="1144480" cy="639015"/>
           </a:xfrm>
           <a:prstGeom prst="rect">
@@ -17284,7 +17288,7 @@
         </p:nvSpPr>
         <p:spPr>
           <a:xfrm>
-            <a:off x="47120913" y="1574351"/>
+            <a:off x="47469257" y="1574351"/>
             <a:ext cx="1144480" cy="639015"/>
           </a:xfrm>
           <a:prstGeom prst="rect">
@@ -17333,7 +17337,7 @@
         </p:nvSpPr>
         <p:spPr>
           <a:xfrm>
-            <a:off x="39763071" y="4746618"/>
+            <a:off x="40111415" y="4746618"/>
             <a:ext cx="1144480" cy="639015"/>
           </a:xfrm>
           <a:prstGeom prst="rect">
@@ -17382,7 +17386,7 @@
         </p:nvSpPr>
         <p:spPr>
           <a:xfrm>
-            <a:off x="39010964" y="5753449"/>
+            <a:off x="39359308" y="5753449"/>
             <a:ext cx="1144480" cy="639015"/>
           </a:xfrm>
           <a:prstGeom prst="rect">
@@ -17431,7 +17435,7 @@
         </p:nvSpPr>
         <p:spPr>
           <a:xfrm>
-            <a:off x="40555220" y="5756103"/>
+            <a:off x="40903564" y="5756103"/>
             <a:ext cx="1144480" cy="639015"/>
           </a:xfrm>
           <a:prstGeom prst="rect">
@@ -17484,7 +17488,7 @@
         </p:nvCxnSpPr>
         <p:spPr>
           <a:xfrm flipV="1">
-            <a:off x="44485764" y="5042025"/>
+            <a:off x="44834108" y="5042025"/>
             <a:ext cx="300962" cy="934"/>
           </a:xfrm>
           <a:prstGeom prst="line">
@@ -17529,7 +17533,7 @@
         </p:nvCxnSpPr>
         <p:spPr>
           <a:xfrm>
-            <a:off x="40155444" y="6072957"/>
+            <a:off x="40503788" y="6072957"/>
             <a:ext cx="399776" cy="2654"/>
           </a:xfrm>
           <a:prstGeom prst="line">
@@ -17574,7 +17578,7 @@
         </p:nvCxnSpPr>
         <p:spPr>
           <a:xfrm>
-            <a:off x="46736363" y="1893857"/>
+            <a:off x="47084707" y="1893857"/>
             <a:ext cx="384550" cy="2"/>
           </a:xfrm>
           <a:prstGeom prst="line">
@@ -17619,7 +17623,7 @@
         </p:nvCxnSpPr>
         <p:spPr>
           <a:xfrm rot="16200000" flipH="1">
-            <a:off x="40546150" y="5174793"/>
+            <a:off x="40894494" y="5174793"/>
             <a:ext cx="370470" cy="792149"/>
           </a:xfrm>
           <a:prstGeom prst="bentConnector3">
@@ -17664,7 +17668,7 @@
         </p:nvCxnSpPr>
         <p:spPr>
           <a:xfrm rot="5400000">
-            <a:off x="39775350" y="5193488"/>
+            <a:off x="40123694" y="5193488"/>
             <a:ext cx="367816" cy="752107"/>
           </a:xfrm>
           <a:prstGeom prst="bentConnector3">
@@ -17705,7 +17709,7 @@
         </p:nvSpPr>
         <p:spPr>
           <a:xfrm>
-            <a:off x="39749978" y="6694473"/>
+            <a:off x="40098322" y="6694473"/>
             <a:ext cx="1144480" cy="639015"/>
           </a:xfrm>
           <a:prstGeom prst="rect">
@@ -17758,7 +17762,7 @@
         </p:nvCxnSpPr>
         <p:spPr>
           <a:xfrm rot="5400000">
-            <a:off x="40575162" y="6142174"/>
+            <a:off x="40923506" y="6142174"/>
             <a:ext cx="299355" cy="805242"/>
           </a:xfrm>
           <a:prstGeom prst="bentConnector3">
@@ -17803,7 +17807,7 @@
         </p:nvCxnSpPr>
         <p:spPr>
           <a:xfrm rot="16200000" flipH="1">
-            <a:off x="39801707" y="6173961"/>
+            <a:off x="40150051" y="6173961"/>
             <a:ext cx="302009" cy="739014"/>
           </a:xfrm>
           <a:prstGeom prst="bentConnector3">
@@ -17844,7 +17848,7 @@
         </p:nvSpPr>
         <p:spPr>
           <a:xfrm>
-            <a:off x="47886074" y="3691130"/>
+            <a:off x="48234418" y="3691130"/>
             <a:ext cx="1144480" cy="639015"/>
           </a:xfrm>
           <a:prstGeom prst="rect">
@@ -17893,7 +17897,7 @@
         </p:nvSpPr>
         <p:spPr>
           <a:xfrm>
-            <a:off x="36784497" y="1577611"/>
+            <a:off x="37132841" y="1577611"/>
             <a:ext cx="1144480" cy="639015"/>
           </a:xfrm>
           <a:prstGeom prst="rect">
@@ -17942,7 +17946,7 @@
         </p:nvSpPr>
         <p:spPr>
           <a:xfrm>
-            <a:off x="38313527" y="539256"/>
+            <a:off x="38661871" y="539256"/>
             <a:ext cx="1144480" cy="639015"/>
           </a:xfrm>
           <a:prstGeom prst="rect">
@@ -17991,7 +17995,7 @@
         </p:nvSpPr>
         <p:spPr>
           <a:xfrm>
-            <a:off x="39749978" y="1574813"/>
+            <a:off x="40098322" y="1574813"/>
             <a:ext cx="1144480" cy="639015"/>
           </a:xfrm>
           <a:prstGeom prst="rect">
@@ -18040,7 +18044,7 @@
         </p:nvSpPr>
         <p:spPr>
           <a:xfrm>
-            <a:off x="38313527" y="2632567"/>
+            <a:off x="38661871" y="2632567"/>
             <a:ext cx="1144480" cy="639015"/>
           </a:xfrm>
           <a:prstGeom prst="rect">
@@ -18089,7 +18093,7 @@
         </p:nvSpPr>
         <p:spPr>
           <a:xfrm>
-            <a:off x="37529392" y="3633050"/>
+            <a:off x="37877736" y="3633050"/>
             <a:ext cx="1144480" cy="639015"/>
           </a:xfrm>
           <a:prstGeom prst="rect">
@@ -18138,7 +18142,7 @@
         </p:nvSpPr>
         <p:spPr>
           <a:xfrm>
-            <a:off x="36784497" y="2632566"/>
+            <a:off x="37132841" y="2632566"/>
             <a:ext cx="1144480" cy="639015"/>
           </a:xfrm>
           <a:prstGeom prst="rect">
@@ -18187,7 +18191,7 @@
         </p:nvSpPr>
         <p:spPr>
           <a:xfrm>
-            <a:off x="35741685" y="519554"/>
+            <a:off x="42379504" y="9663170"/>
             <a:ext cx="1144479" cy="639015"/>
           </a:xfrm>
           <a:prstGeom prst="rect">
@@ -18236,7 +18240,7 @@
         </p:nvSpPr>
         <p:spPr>
           <a:xfrm>
-            <a:off x="44062853" y="1573052"/>
+            <a:off x="44411197" y="1573052"/>
             <a:ext cx="1144480" cy="639015"/>
           </a:xfrm>
           <a:prstGeom prst="rect">
@@ -18285,7 +18289,7 @@
         </p:nvSpPr>
         <p:spPr>
           <a:xfrm>
-            <a:off x="48649943" y="1574351"/>
+            <a:off x="48998287" y="1574351"/>
             <a:ext cx="1144480" cy="639015"/>
           </a:xfrm>
           <a:prstGeom prst="rect">
@@ -18334,7 +18338,7 @@
         </p:nvSpPr>
         <p:spPr>
           <a:xfrm>
-            <a:off x="42656282" y="2649784"/>
+            <a:off x="43004626" y="2649784"/>
             <a:ext cx="1144480" cy="639015"/>
           </a:xfrm>
           <a:prstGeom prst="rect">
@@ -18387,7 +18391,7 @@
         </p:nvSpPr>
         <p:spPr>
           <a:xfrm>
-            <a:off x="44786726" y="2623975"/>
+            <a:off x="45135070" y="2623975"/>
             <a:ext cx="1144480" cy="639015"/>
           </a:xfrm>
           <a:prstGeom prst="rect">
@@ -18436,7 +18440,7 @@
         </p:nvSpPr>
         <p:spPr>
           <a:xfrm>
-            <a:off x="49453046" y="2623975"/>
+            <a:off x="49801390" y="2623975"/>
             <a:ext cx="1144480" cy="639015"/>
           </a:xfrm>
           <a:prstGeom prst="rect">
@@ -18497,7 +18501,7 @@
         </p:nvSpPr>
         <p:spPr>
           <a:xfrm>
-            <a:off x="40493561" y="3639600"/>
+            <a:off x="40841905" y="3639600"/>
             <a:ext cx="1144480" cy="639015"/>
           </a:xfrm>
           <a:prstGeom prst="rect">
@@ -18546,7 +18550,7 @@
         </p:nvSpPr>
         <p:spPr>
           <a:xfrm>
-            <a:off x="39749978" y="2632567"/>
+            <a:off x="40098322" y="2632567"/>
             <a:ext cx="1144480" cy="639015"/>
           </a:xfrm>
           <a:prstGeom prst="rect">
@@ -18595,7 +18599,7 @@
         </p:nvSpPr>
         <p:spPr>
           <a:xfrm>
-            <a:off x="41240014" y="2623376"/>
+            <a:off x="41588358" y="2623376"/>
             <a:ext cx="1144480" cy="639015"/>
           </a:xfrm>
           <a:prstGeom prst="rect">
@@ -18644,7 +18648,7 @@
         </p:nvSpPr>
         <p:spPr>
           <a:xfrm>
-            <a:off x="42661447" y="1573448"/>
+            <a:off x="43009791" y="1573448"/>
             <a:ext cx="1144480" cy="639015"/>
           </a:xfrm>
           <a:prstGeom prst="rect">
@@ -18697,7 +18701,7 @@
         </p:nvCxnSpPr>
         <p:spPr>
           <a:xfrm rot="5400000">
-            <a:off x="37921582" y="613426"/>
+            <a:off x="38269926" y="613426"/>
             <a:ext cx="399340" cy="1529030"/>
           </a:xfrm>
           <a:prstGeom prst="bentConnector3">
@@ -18742,7 +18746,7 @@
         </p:nvCxnSpPr>
         <p:spPr>
           <a:xfrm rot="16200000" flipH="1">
-            <a:off x="39405721" y="658316"/>
+            <a:off x="39754065" y="658316"/>
             <a:ext cx="396542" cy="1436451"/>
           </a:xfrm>
           <a:prstGeom prst="bentConnector3">
@@ -18787,7 +18791,7 @@
         </p:nvCxnSpPr>
         <p:spPr>
           <a:xfrm rot="5400000">
-            <a:off x="42322153" y="663279"/>
+            <a:off x="42670497" y="663279"/>
             <a:ext cx="401208" cy="1421860"/>
           </a:xfrm>
           <a:prstGeom prst="bentConnector3">
@@ -18832,7 +18836,7 @@
         </p:nvCxnSpPr>
         <p:spPr>
           <a:xfrm rot="5400000">
-            <a:off x="40857654" y="1678393"/>
+            <a:off x="41205998" y="1678393"/>
             <a:ext cx="418739" cy="1489609"/>
           </a:xfrm>
           <a:prstGeom prst="bentConnector3">
@@ -18877,7 +18881,7 @@
         </p:nvCxnSpPr>
         <p:spPr>
           <a:xfrm rot="16200000" flipH="1">
-            <a:off x="40510000" y="3083799"/>
+            <a:off x="40858344" y="3083799"/>
             <a:ext cx="368018" cy="743583"/>
           </a:xfrm>
           <a:prstGeom prst="bentConnector3">
@@ -18922,7 +18926,7 @@
         </p:nvCxnSpPr>
         <p:spPr>
           <a:xfrm rot="5400000">
-            <a:off x="41250424" y="3077769"/>
+            <a:off x="41598768" y="3077769"/>
             <a:ext cx="377209" cy="746453"/>
           </a:xfrm>
           <a:prstGeom prst="bentConnector3">
@@ -18967,7 +18971,7 @@
         </p:nvCxnSpPr>
         <p:spPr>
           <a:xfrm rot="5400000">
-            <a:off x="37266311" y="2013593"/>
+            <a:off x="37614655" y="2013593"/>
             <a:ext cx="2454779" cy="784135"/>
           </a:xfrm>
           <a:prstGeom prst="bentConnector3">
@@ -19012,7 +19016,7 @@
         </p:nvCxnSpPr>
         <p:spPr>
           <a:xfrm>
-            <a:off x="37356737" y="2216626"/>
+            <a:off x="37705081" y="2216626"/>
             <a:ext cx="0" cy="415940"/>
           </a:xfrm>
           <a:prstGeom prst="straightConnector1">
@@ -19055,7 +19059,7 @@
         </p:nvCxnSpPr>
         <p:spPr>
           <a:xfrm>
-            <a:off x="38885767" y="2213828"/>
+            <a:off x="39234111" y="2213828"/>
             <a:ext cx="0" cy="418739"/>
           </a:xfrm>
           <a:prstGeom prst="straightConnector1">
@@ -19098,7 +19102,7 @@
         </p:nvCxnSpPr>
         <p:spPr>
           <a:xfrm>
-            <a:off x="40322218" y="2213828"/>
+            <a:off x="40670562" y="2213828"/>
             <a:ext cx="0" cy="418739"/>
           </a:xfrm>
           <a:prstGeom prst="straightConnector1">
@@ -19141,7 +19145,7 @@
         </p:nvCxnSpPr>
         <p:spPr>
           <a:xfrm rot="16200000" flipH="1">
-            <a:off x="40862462" y="1673584"/>
+            <a:off x="41210806" y="1673584"/>
             <a:ext cx="409548" cy="1490036"/>
           </a:xfrm>
           <a:prstGeom prst="bentConnector3">
@@ -19186,7 +19190,7 @@
         </p:nvCxnSpPr>
         <p:spPr>
           <a:xfrm>
-            <a:off x="43233687" y="1173605"/>
+            <a:off x="43582031" y="1173605"/>
             <a:ext cx="0" cy="399843"/>
           </a:xfrm>
           <a:prstGeom prst="straightConnector1">
@@ -19229,7 +19233,7 @@
         </p:nvCxnSpPr>
         <p:spPr>
           <a:xfrm flipH="1">
-            <a:off x="43228522" y="2212463"/>
+            <a:off x="43576866" y="2212463"/>
             <a:ext cx="5165" cy="437321"/>
           </a:xfrm>
           <a:prstGeom prst="straightConnector1">
@@ -19272,7 +19276,7 @@
         </p:nvCxnSpPr>
         <p:spPr>
           <a:xfrm rot="16200000" flipH="1">
-            <a:off x="43222763" y="2223387"/>
+            <a:off x="43571107" y="2223387"/>
             <a:ext cx="1424407" cy="1402558"/>
           </a:xfrm>
           <a:prstGeom prst="bentConnector3">
@@ -19317,7 +19321,7 @@
         </p:nvCxnSpPr>
         <p:spPr>
           <a:xfrm rot="5400000">
-            <a:off x="44810666" y="3088570"/>
+            <a:off x="45159010" y="3088570"/>
             <a:ext cx="373880" cy="722721"/>
           </a:xfrm>
           <a:prstGeom prst="bentConnector3">
@@ -19362,7 +19366,7 @@
         </p:nvCxnSpPr>
         <p:spPr>
           <a:xfrm rot="5400000">
-            <a:off x="45575233" y="239645"/>
+            <a:off x="45923577" y="239645"/>
             <a:ext cx="393268" cy="2273547"/>
           </a:xfrm>
           <a:prstGeom prst="bentConnector3">
@@ -19407,7 +19411,7 @@
         </p:nvCxnSpPr>
         <p:spPr>
           <a:xfrm rot="5400000">
-            <a:off x="46339100" y="1004808"/>
+            <a:off x="46687444" y="1004808"/>
             <a:ext cx="394565" cy="744517"/>
           </a:xfrm>
           <a:prstGeom prst="bentConnector3">
@@ -19452,7 +19456,7 @@
         </p:nvCxnSpPr>
         <p:spPr>
           <a:xfrm rot="16200000" flipH="1">
-            <a:off x="47103613" y="984810"/>
+            <a:off x="47451957" y="984810"/>
             <a:ext cx="394567" cy="784513"/>
           </a:xfrm>
           <a:prstGeom prst="bentConnector3">
@@ -19497,7 +19501,7 @@
         </p:nvCxnSpPr>
         <p:spPr>
           <a:xfrm rot="5400000">
-            <a:off x="45556240" y="2016091"/>
+            <a:off x="45904584" y="2016091"/>
             <a:ext cx="410611" cy="805157"/>
           </a:xfrm>
           <a:prstGeom prst="bentConnector3">
@@ -19543,7 +19547,7 @@
         </p:nvCxnSpPr>
         <p:spPr>
           <a:xfrm rot="5400000">
-            <a:off x="46320756" y="1251577"/>
+            <a:off x="46669100" y="1251577"/>
             <a:ext cx="410609" cy="2334187"/>
           </a:xfrm>
           <a:prstGeom prst="bentConnector3">
@@ -19589,7 +19593,7 @@
         </p:nvCxnSpPr>
         <p:spPr>
           <a:xfrm rot="5400000">
-            <a:off x="47095892" y="2026115"/>
+            <a:off x="47444236" y="2026115"/>
             <a:ext cx="410010" cy="784513"/>
           </a:xfrm>
           <a:prstGeom prst="bentConnector3">
@@ -19635,7 +19639,7 @@
         </p:nvCxnSpPr>
         <p:spPr>
           <a:xfrm rot="16200000" flipH="1">
-            <a:off x="46331375" y="2046111"/>
+            <a:off x="46679719" y="2046111"/>
             <a:ext cx="410012" cy="744517"/>
           </a:xfrm>
           <a:prstGeom prst="bentConnector3">
@@ -19681,7 +19685,7 @@
         </p:nvCxnSpPr>
         <p:spPr>
           <a:xfrm rot="16200000" flipH="1">
-            <a:off x="47868128" y="220295"/>
+            <a:off x="48216472" y="220295"/>
             <a:ext cx="394567" cy="2313543"/>
           </a:xfrm>
           <a:prstGeom prst="bentConnector3">
@@ -19726,7 +19730,7 @@
         </p:nvCxnSpPr>
         <p:spPr>
           <a:xfrm rot="5400000">
-            <a:off x="48634945" y="2036736"/>
+            <a:off x="48983289" y="2036736"/>
             <a:ext cx="410609" cy="763869"/>
           </a:xfrm>
           <a:prstGeom prst="bentConnector3">
@@ -19771,7 +19775,7 @@
         </p:nvCxnSpPr>
         <p:spPr>
           <a:xfrm rot="16200000" flipH="1">
-            <a:off x="49418430" y="2017118"/>
+            <a:off x="49766774" y="2017118"/>
             <a:ext cx="410609" cy="803103"/>
           </a:xfrm>
           <a:prstGeom prst="bentConnector3">
@@ -19816,7 +19820,7 @@
         </p:nvCxnSpPr>
         <p:spPr>
           <a:xfrm>
-            <a:off x="48458314" y="3262990"/>
+            <a:off x="48806658" y="3262990"/>
             <a:ext cx="0" cy="428140"/>
           </a:xfrm>
           <a:prstGeom prst="straightConnector1">
@@ -19859,7 +19863,7 @@
         </p:nvCxnSpPr>
         <p:spPr>
           <a:xfrm rot="16200000" flipH="1">
-            <a:off x="37993552" y="4163796"/>
+            <a:off x="38341896" y="4163796"/>
             <a:ext cx="2481867" cy="697437"/>
           </a:xfrm>
           <a:prstGeom prst="bentConnector3">
@@ -19904,7 +19908,7 @@
         </p:nvCxnSpPr>
         <p:spPr>
           <a:xfrm>
-            <a:off x="43228522" y="3288799"/>
+            <a:off x="43576866" y="3288799"/>
             <a:ext cx="5165" cy="347603"/>
           </a:xfrm>
           <a:prstGeom prst="straightConnector1">
@@ -19947,7 +19951,7 @@
         </p:nvCxnSpPr>
         <p:spPr>
           <a:xfrm rot="5400000">
-            <a:off x="42250412" y="2360784"/>
+            <a:off x="42598756" y="2360784"/>
             <a:ext cx="470733" cy="4300934"/>
           </a:xfrm>
           <a:prstGeom prst="bentConnector3">
@@ -19988,7 +19992,7 @@
         </p:nvSpPr>
         <p:spPr>
           <a:xfrm>
-            <a:off x="40806801" y="27864599"/>
+            <a:off x="41155145" y="27864599"/>
             <a:ext cx="1144480" cy="639015"/>
           </a:xfrm>
           <a:prstGeom prst="rect">
@@ -20048,7 +20052,7 @@
         </p:nvCxnSpPr>
         <p:spPr>
           <a:xfrm rot="16200000" flipH="1">
-            <a:off x="41167992" y="28714663"/>
+            <a:off x="41516336" y="28714663"/>
             <a:ext cx="1206776" cy="784678"/>
           </a:xfrm>
           <a:prstGeom prst="bentConnector3">
@@ -20094,7 +20098,7 @@
         </p:nvCxnSpPr>
         <p:spPr>
           <a:xfrm rot="16200000" flipH="1">
-            <a:off x="39465847" y="25951404"/>
+            <a:off x="39814191" y="25951404"/>
             <a:ext cx="1270933" cy="2555455"/>
           </a:xfrm>
           <a:prstGeom prst="bentConnector3">
@@ -20135,7 +20139,7 @@
         </p:nvSpPr>
         <p:spPr>
           <a:xfrm>
-            <a:off x="1643185" y="531094"/>
+            <a:off x="17205043" y="534590"/>
             <a:ext cx="1156124" cy="645064"/>
           </a:xfrm>
           <a:prstGeom prst="rect">
@@ -20167,7 +20171,7 @@
             <a:pPr algn="ctr"/>
             <a:r>
               <a:rPr lang="ru-RU" sz="1100" dirty="0"/>
-              <a:t>Нацистская диктатура </a:t>
+              <a:t>Марш по Претории </a:t>
             </a:r>
             <a:r>
               <a:rPr lang="ru-RU" sz="1050" dirty="0"/>
@@ -20227,7 +20231,7 @@
         </p:nvSpPr>
         <p:spPr>
           <a:xfrm>
-            <a:off x="1643185" y="1999819"/>
+            <a:off x="12238381" y="10647382"/>
             <a:ext cx="1156124" cy="645064"/>
           </a:xfrm>
           <a:prstGeom prst="rect">
@@ -20327,7 +20331,7 @@
         </p:nvCxnSpPr>
         <p:spPr>
           <a:xfrm>
-            <a:off x="2076546" y="5259801"/>
+            <a:off x="12671742" y="13907364"/>
             <a:ext cx="308918" cy="0"/>
           </a:xfrm>
           <a:prstGeom prst="line">
@@ -20368,7 +20372,7 @@
         </p:nvSpPr>
         <p:spPr>
           <a:xfrm>
-            <a:off x="1643185" y="3468544"/>
+            <a:off x="12238381" y="12116107"/>
             <a:ext cx="1156124" cy="645064"/>
           </a:xfrm>
           <a:prstGeom prst="rect">
@@ -20432,7 +20436,7 @@
         </p:nvSpPr>
         <p:spPr>
           <a:xfrm>
-            <a:off x="920422" y="4937269"/>
+            <a:off x="11515618" y="13584832"/>
             <a:ext cx="1156124" cy="645064"/>
           </a:xfrm>
           <a:prstGeom prst="rect">
@@ -20496,7 +20500,7 @@
         </p:nvSpPr>
         <p:spPr>
           <a:xfrm>
-            <a:off x="2385464" y="4937269"/>
+            <a:off x="12980660" y="13584832"/>
             <a:ext cx="1156124" cy="645064"/>
           </a:xfrm>
           <a:prstGeom prst="rect">
@@ -20556,7 +20560,7 @@
         </p:nvSpPr>
         <p:spPr>
           <a:xfrm>
-            <a:off x="2385464" y="6405994"/>
+            <a:off x="12980660" y="15053557"/>
             <a:ext cx="1156124" cy="645064"/>
           </a:xfrm>
           <a:prstGeom prst="rect">
@@ -20620,7 +20624,7 @@
         </p:nvSpPr>
         <p:spPr>
           <a:xfrm>
-            <a:off x="1643185" y="7874719"/>
+            <a:off x="12238381" y="16522282"/>
             <a:ext cx="1156124" cy="645064"/>
           </a:xfrm>
           <a:prstGeom prst="rect">
@@ -20684,7 +20688,7 @@
         </p:nvSpPr>
         <p:spPr>
           <a:xfrm>
-            <a:off x="3144195" y="7874719"/>
+            <a:off x="13739391" y="16522282"/>
             <a:ext cx="1156124" cy="645064"/>
           </a:xfrm>
           <a:prstGeom prst="rect">
@@ -20760,7 +20764,7 @@
         </p:nvSpPr>
         <p:spPr>
           <a:xfrm>
-            <a:off x="3443164" y="9133512"/>
+            <a:off x="14038360" y="17781075"/>
             <a:ext cx="1156124" cy="645064"/>
           </a:xfrm>
           <a:prstGeom prst="rect">
@@ -20824,7 +20828,7 @@
         </p:nvSpPr>
         <p:spPr>
           <a:xfrm>
-            <a:off x="3144195" y="10812169"/>
+            <a:off x="13739391" y="19459732"/>
             <a:ext cx="1156124" cy="645064"/>
           </a:xfrm>
           <a:prstGeom prst="rect">
@@ -20892,7 +20896,7 @@
         </p:nvSpPr>
         <p:spPr>
           <a:xfrm>
-            <a:off x="4331115" y="10602237"/>
+            <a:off x="14926311" y="19249800"/>
             <a:ext cx="1156124" cy="645064"/>
           </a:xfrm>
           <a:prstGeom prst="rect">
@@ -21004,7 +21008,7 @@
         </p:nvSpPr>
         <p:spPr>
           <a:xfrm>
-            <a:off x="5648381" y="12070962"/>
+            <a:off x="16243577" y="20718525"/>
             <a:ext cx="1156124" cy="645064"/>
           </a:xfrm>
           <a:prstGeom prst="rect">
@@ -21068,7 +21072,7 @@
         </p:nvSpPr>
         <p:spPr>
           <a:xfrm>
-            <a:off x="3144195" y="2002528"/>
+            <a:off x="13739391" y="10650091"/>
             <a:ext cx="1156124" cy="645064"/>
           </a:xfrm>
           <a:prstGeom prst="rect">
@@ -21123,7 +21127,7 @@
         </p:nvSpPr>
         <p:spPr>
           <a:xfrm>
-            <a:off x="180275" y="1999820"/>
+            <a:off x="10775471" y="10647383"/>
             <a:ext cx="1156124" cy="643812"/>
           </a:xfrm>
           <a:prstGeom prst="rect">
@@ -21187,7 +21191,7 @@
         </p:nvSpPr>
         <p:spPr>
           <a:xfrm>
-            <a:off x="3144195" y="3468544"/>
+            <a:off x="13739391" y="12116107"/>
             <a:ext cx="1156124" cy="645064"/>
           </a:xfrm>
           <a:prstGeom prst="rect">
@@ -21275,7 +21279,7 @@
         </p:nvSpPr>
         <p:spPr>
           <a:xfrm>
-            <a:off x="180275" y="3468544"/>
+            <a:off x="10775471" y="12116107"/>
             <a:ext cx="1156124" cy="645064"/>
           </a:xfrm>
           <a:prstGeom prst="rect">
@@ -21347,7 +21351,7 @@
         </p:nvSpPr>
         <p:spPr>
           <a:xfrm>
-            <a:off x="4625569" y="3369914"/>
+            <a:off x="15220765" y="12017477"/>
             <a:ext cx="1156124" cy="645064"/>
           </a:xfrm>
           <a:prstGeom prst="rect">
@@ -21399,7 +21403,7 @@
         </p:nvSpPr>
         <p:spPr>
           <a:xfrm>
-            <a:off x="4501365" y="2025691"/>
+            <a:off x="15096561" y="10673254"/>
             <a:ext cx="1156124" cy="645064"/>
           </a:xfrm>
           <a:prstGeom prst="rect">
@@ -21463,7 +21467,7 @@
         </p:nvSpPr>
         <p:spPr>
           <a:xfrm>
-            <a:off x="6292126" y="3369914"/>
+            <a:off x="16887322" y="12017477"/>
             <a:ext cx="1156124" cy="645064"/>
           </a:xfrm>
           <a:prstGeom prst="rect">
@@ -21515,7 +21519,7 @@
         </p:nvSpPr>
         <p:spPr>
           <a:xfrm>
-            <a:off x="8560444" y="3369914"/>
+            <a:off x="18278383" y="12017477"/>
             <a:ext cx="1156124" cy="645064"/>
           </a:xfrm>
           <a:prstGeom prst="rect">
@@ -21567,7 +21571,7 @@
         </p:nvSpPr>
         <p:spPr>
           <a:xfrm>
-            <a:off x="6292126" y="4727337"/>
+            <a:off x="16887322" y="13374900"/>
             <a:ext cx="1156124" cy="645064"/>
           </a:xfrm>
           <a:prstGeom prst="rect">
@@ -21617,6 +21621,4157 @@
           </a:p>
         </p:txBody>
       </p:sp>
+      <p:cxnSp>
+        <p:nvCxnSpPr>
+          <p:cNvPr id="369" name="Прямая со стрелкой 368">
+            <a:extLst>
+              <a:ext uri="{FF2B5EF4-FFF2-40B4-BE49-F238E27FC236}">
+                <a16:creationId xmlns:a16="http://schemas.microsoft.com/office/drawing/2014/main" id="{4A2DD7C4-6583-41C1-8865-BB18E0F951DA}"/>
+              </a:ext>
+            </a:extLst>
+          </p:cNvPr>
+          <p:cNvCxnSpPr>
+            <a:cxnSpLocks/>
+            <a:stCxn id="1431" idx="2"/>
+            <a:endCxn id="1301" idx="0"/>
+          </p:cNvCxnSpPr>
+          <p:nvPr/>
+        </p:nvCxnSpPr>
+        <p:spPr>
+          <a:xfrm>
+            <a:off x="39234111" y="1178271"/>
+            <a:ext cx="0" cy="396542"/>
+          </a:xfrm>
+          <a:prstGeom prst="straightConnector1">
+            <a:avLst/>
+          </a:prstGeom>
+          <a:ln w="28575">
+            <a:tailEnd type="arrow"/>
+          </a:ln>
+        </p:spPr>
+        <p:style>
+          <a:lnRef idx="1">
+            <a:schemeClr val="accent1"/>
+          </a:lnRef>
+          <a:fillRef idx="0">
+            <a:schemeClr val="accent1"/>
+          </a:fillRef>
+          <a:effectRef idx="0">
+            <a:schemeClr val="accent1"/>
+          </a:effectRef>
+          <a:fontRef idx="minor">
+            <a:schemeClr val="tx1"/>
+          </a:fontRef>
+        </p:style>
+      </p:cxnSp>
+      <p:sp>
+        <p:nvSpPr>
+          <p:cNvPr id="371" name="Прямоугольник 370">
+            <a:extLst>
+              <a:ext uri="{FF2B5EF4-FFF2-40B4-BE49-F238E27FC236}">
+                <a16:creationId xmlns:a16="http://schemas.microsoft.com/office/drawing/2014/main" id="{EBC52D46-DEE5-4132-967A-8D24EE7C3FB5}"/>
+              </a:ext>
+            </a:extLst>
+          </p:cNvPr>
+          <p:cNvSpPr/>
+          <p:nvPr/>
+        </p:nvSpPr>
+        <p:spPr>
+          <a:xfrm>
+            <a:off x="29532407" y="534590"/>
+            <a:ext cx="1144480" cy="639015"/>
+          </a:xfrm>
+          <a:prstGeom prst="rect">
+            <a:avLst/>
+          </a:prstGeom>
+          <a:ln w="28575"/>
+        </p:spPr>
+        <p:style>
+          <a:lnRef idx="2">
+            <a:schemeClr val="accent1"/>
+          </a:lnRef>
+          <a:fillRef idx="1">
+            <a:schemeClr val="lt1"/>
+          </a:fillRef>
+          <a:effectRef idx="0">
+            <a:schemeClr val="accent1"/>
+          </a:effectRef>
+          <a:fontRef idx="minor">
+            <a:schemeClr val="dk1"/>
+          </a:fontRef>
+        </p:style>
+        <p:txBody>
+          <a:bodyPr lIns="124733" tIns="62367" rIns="124733" bIns="62367" rtlCol="0" anchor="ctr"/>
+          <a:lstStyle/>
+          <a:p>
+            <a:pPr algn="ctr"/>
+            <a:r>
+              <a:rPr lang="ru-RU" sz="1100" dirty="0"/>
+              <a:t>Парламентские выборы 1938го</a:t>
+            </a:r>
+            <a:endParaRPr lang="ru-RU" sz="600" dirty="0"/>
+          </a:p>
+        </p:txBody>
+      </p:sp>
+      <p:sp>
+        <p:nvSpPr>
+          <p:cNvPr id="373" name="Прямоугольник 372">
+            <a:extLst>
+              <a:ext uri="{FF2B5EF4-FFF2-40B4-BE49-F238E27FC236}">
+                <a16:creationId xmlns:a16="http://schemas.microsoft.com/office/drawing/2014/main" id="{2BE64479-C920-4BB7-80B5-AB0739681C80}"/>
+              </a:ext>
+            </a:extLst>
+          </p:cNvPr>
+          <p:cNvSpPr/>
+          <p:nvPr/>
+        </p:nvSpPr>
+        <p:spPr>
+          <a:xfrm>
+            <a:off x="35476075" y="1573051"/>
+            <a:ext cx="1144480" cy="639015"/>
+          </a:xfrm>
+          <a:prstGeom prst="rect">
+            <a:avLst/>
+          </a:prstGeom>
+          <a:ln w="28575"/>
+        </p:spPr>
+        <p:style>
+          <a:lnRef idx="2">
+            <a:schemeClr val="accent1"/>
+          </a:lnRef>
+          <a:fillRef idx="1">
+            <a:schemeClr val="lt1"/>
+          </a:fillRef>
+          <a:effectRef idx="0">
+            <a:schemeClr val="accent1"/>
+          </a:effectRef>
+          <a:fontRef idx="minor">
+            <a:schemeClr val="dk1"/>
+          </a:fontRef>
+        </p:style>
+        <p:txBody>
+          <a:bodyPr lIns="124733" tIns="62367" rIns="124733" bIns="62367" rtlCol="0" anchor="ctr"/>
+          <a:lstStyle/>
+          <a:p>
+            <a:pPr algn="ctr"/>
+            <a:r>
+              <a:rPr lang="ru-RU" sz="1100" dirty="0"/>
+              <a:t>Победа Партии Доминиона </a:t>
+            </a:r>
+            <a:r>
+              <a:rPr lang="ru-RU" sz="500" dirty="0"/>
+              <a:t>(</a:t>
+            </a:r>
+            <a:r>
+              <a:rPr lang="en-US" sz="500" dirty="0"/>
+              <a:t>https://en.wikipedia.org/wiki/Charles_Stallard</a:t>
+            </a:r>
+            <a:r>
+              <a:rPr lang="ru-RU" sz="500" dirty="0"/>
+              <a:t>)</a:t>
+            </a:r>
+            <a:endParaRPr lang="ru-RU" sz="600" dirty="0"/>
+          </a:p>
+        </p:txBody>
+      </p:sp>
+      <p:sp>
+        <p:nvSpPr>
+          <p:cNvPr id="374" name="Прямоугольник 373">
+            <a:extLst>
+              <a:ext uri="{FF2B5EF4-FFF2-40B4-BE49-F238E27FC236}">
+                <a16:creationId xmlns:a16="http://schemas.microsoft.com/office/drawing/2014/main" id="{0E15F610-4D85-4259-BA1B-C16522D417EA}"/>
+              </a:ext>
+            </a:extLst>
+          </p:cNvPr>
+          <p:cNvSpPr/>
+          <p:nvPr/>
+        </p:nvSpPr>
+        <p:spPr>
+          <a:xfrm>
+            <a:off x="22582293" y="1573052"/>
+            <a:ext cx="1144480" cy="639015"/>
+          </a:xfrm>
+          <a:prstGeom prst="rect">
+            <a:avLst/>
+          </a:prstGeom>
+          <a:ln w="28575"/>
+        </p:spPr>
+        <p:style>
+          <a:lnRef idx="2">
+            <a:schemeClr val="accent1"/>
+          </a:lnRef>
+          <a:fillRef idx="1">
+            <a:schemeClr val="lt1"/>
+          </a:fillRef>
+          <a:effectRef idx="0">
+            <a:schemeClr val="accent1"/>
+          </a:effectRef>
+          <a:fontRef idx="minor">
+            <a:schemeClr val="dk1"/>
+          </a:fontRef>
+        </p:style>
+        <p:txBody>
+          <a:bodyPr lIns="124733" tIns="62367" rIns="124733" bIns="62367" rtlCol="0" anchor="ctr"/>
+          <a:lstStyle/>
+          <a:p>
+            <a:pPr algn="ctr"/>
+            <a:r>
+              <a:rPr lang="ru-RU" sz="1100" dirty="0"/>
+              <a:t>Победа Очищенной Национальной Партии</a:t>
+            </a:r>
+            <a:endParaRPr lang="ru-RU" sz="600" dirty="0"/>
+          </a:p>
+        </p:txBody>
+      </p:sp>
+      <p:sp>
+        <p:nvSpPr>
+          <p:cNvPr id="376" name="Прямоугольник 375">
+            <a:extLst>
+              <a:ext uri="{FF2B5EF4-FFF2-40B4-BE49-F238E27FC236}">
+                <a16:creationId xmlns:a16="http://schemas.microsoft.com/office/drawing/2014/main" id="{D676603F-6ED2-4EF3-AF8C-E6C6953761BB}"/>
+              </a:ext>
+            </a:extLst>
+          </p:cNvPr>
+          <p:cNvSpPr/>
+          <p:nvPr/>
+        </p:nvSpPr>
+        <p:spPr>
+          <a:xfrm>
+            <a:off x="40794340" y="8459401"/>
+            <a:ext cx="1144480" cy="639015"/>
+          </a:xfrm>
+          <a:prstGeom prst="rect">
+            <a:avLst/>
+          </a:prstGeom>
+          <a:ln w="28575"/>
+        </p:spPr>
+        <p:style>
+          <a:lnRef idx="2">
+            <a:schemeClr val="accent1"/>
+          </a:lnRef>
+          <a:fillRef idx="1">
+            <a:schemeClr val="lt1"/>
+          </a:fillRef>
+          <a:effectRef idx="0">
+            <a:schemeClr val="accent1"/>
+          </a:effectRef>
+          <a:fontRef idx="minor">
+            <a:schemeClr val="dk1"/>
+          </a:fontRef>
+        </p:style>
+        <p:txBody>
+          <a:bodyPr lIns="124733" tIns="62367" rIns="124733" bIns="62367" rtlCol="0" anchor="ctr"/>
+          <a:lstStyle/>
+          <a:p>
+            <a:pPr algn="ctr"/>
+            <a:r>
+              <a:rPr lang="ru-RU" sz="1100" dirty="0"/>
+              <a:t>Закон о представительстве коренных народов </a:t>
+            </a:r>
+            <a:r>
+              <a:rPr lang="ru-RU" sz="100" dirty="0"/>
+              <a:t>(1936 10 июля) (Закон о представительстве коренных народов № 12 от 1936 года (вступил в силу 10 июля) был законодательным актом, принятым в Южной Африке, который еще больше ограничил права чернокожих в то время. [ 1 ] В провинции Кап была квалифицированная избирательная комиссия, которая позволяла небольшому числу чернокожих в Капской провинции голосовать за общий список (но не заседать в парламенте) в соответствии с квалифицированной избирательной комиссией Капской провинции . Квалифицированная избирательная комиссия существовала еще до Союза, когда Капская провинция была отдельной британской колонией; она также исключала бедных белых мужчин. Закон 1936 года перевел чернокожих в отдельный список — и прекратил право баллотироваться на выборах; другие более ранние законодательные акты отменили квалификационные требования, налагаемые в Капской провинции на белых. С этим актом небольшая черная элита — большинство черных никогда не имели права голоса — была исключена из общих списков, в которых они могли регистрироваться с 1854 года. Вожди, местные советы, городские консультативные советы и избирательные комитеты во всех провинциях должны были избрать четырех белых в сенат с помощью системы голосования блоками. Акт также создал Совет представителей коренных народов из шести белых должностных лиц, четырех назначенных и двенадцати избранных африканцев.)</a:t>
+            </a:r>
+            <a:endParaRPr lang="ru-RU" sz="600" dirty="0"/>
+          </a:p>
+        </p:txBody>
+      </p:sp>
+      <p:sp>
+        <p:nvSpPr>
+          <p:cNvPr id="378" name="Прямоугольник 377">
+            <a:extLst>
+              <a:ext uri="{FF2B5EF4-FFF2-40B4-BE49-F238E27FC236}">
+                <a16:creationId xmlns:a16="http://schemas.microsoft.com/office/drawing/2014/main" id="{B09FC52A-729D-40A0-BED9-12676F0E6EFD}"/>
+              </a:ext>
+            </a:extLst>
+          </p:cNvPr>
+          <p:cNvSpPr/>
+          <p:nvPr/>
+        </p:nvSpPr>
+        <p:spPr>
+          <a:xfrm>
+            <a:off x="29532407" y="1573051"/>
+            <a:ext cx="1144480" cy="639015"/>
+          </a:xfrm>
+          <a:prstGeom prst="rect">
+            <a:avLst/>
+          </a:prstGeom>
+          <a:ln w="28575"/>
+        </p:spPr>
+        <p:style>
+          <a:lnRef idx="2">
+            <a:schemeClr val="accent1"/>
+          </a:lnRef>
+          <a:fillRef idx="1">
+            <a:schemeClr val="lt1"/>
+          </a:fillRef>
+          <a:effectRef idx="0">
+            <a:schemeClr val="accent1"/>
+          </a:effectRef>
+          <a:fontRef idx="minor">
+            <a:schemeClr val="dk1"/>
+          </a:fontRef>
+        </p:style>
+        <p:txBody>
+          <a:bodyPr lIns="124733" tIns="62367" rIns="124733" bIns="62367" rtlCol="0" anchor="ctr"/>
+          <a:lstStyle/>
+          <a:p>
+            <a:pPr algn="ctr"/>
+            <a:r>
+              <a:rPr lang="ru-RU" sz="1100" dirty="0"/>
+              <a:t>Победа Объединённой Партии</a:t>
+            </a:r>
+            <a:endParaRPr lang="ru-RU" sz="600" dirty="0"/>
+          </a:p>
+        </p:txBody>
+      </p:sp>
+      <p:sp>
+        <p:nvSpPr>
+          <p:cNvPr id="379" name="Прямоугольник 378">
+            <a:extLst>
+              <a:ext uri="{FF2B5EF4-FFF2-40B4-BE49-F238E27FC236}">
+                <a16:creationId xmlns:a16="http://schemas.microsoft.com/office/drawing/2014/main" id="{ADEDFA56-87CF-4CB7-B3E7-6AB674E1DB10}"/>
+              </a:ext>
+            </a:extLst>
+          </p:cNvPr>
+          <p:cNvSpPr/>
+          <p:nvPr/>
+        </p:nvSpPr>
+        <p:spPr>
+          <a:xfrm>
+            <a:off x="7623224" y="536618"/>
+            <a:ext cx="1144480" cy="639015"/>
+          </a:xfrm>
+          <a:prstGeom prst="rect">
+            <a:avLst/>
+          </a:prstGeom>
+          <a:ln w="28575"/>
+        </p:spPr>
+        <p:style>
+          <a:lnRef idx="2">
+            <a:schemeClr val="accent1"/>
+          </a:lnRef>
+          <a:fillRef idx="1">
+            <a:schemeClr val="lt1"/>
+          </a:fillRef>
+          <a:effectRef idx="0">
+            <a:schemeClr val="accent1"/>
+          </a:effectRef>
+          <a:fontRef idx="minor">
+            <a:schemeClr val="dk1"/>
+          </a:fontRef>
+        </p:style>
+        <p:txBody>
+          <a:bodyPr lIns="124733" tIns="62367" rIns="124733" bIns="62367" rtlCol="0" anchor="ctr"/>
+          <a:lstStyle/>
+          <a:p>
+            <a:pPr algn="ctr"/>
+            <a:r>
+              <a:rPr lang="ru-RU" sz="1100" dirty="0"/>
+              <a:t>Восстание чернокожего населения</a:t>
+            </a:r>
+            <a:endParaRPr lang="ru-RU" sz="600" dirty="0"/>
+          </a:p>
+        </p:txBody>
+      </p:sp>
+      <p:sp>
+        <p:nvSpPr>
+          <p:cNvPr id="380" name="Прямоугольник 379">
+            <a:extLst>
+              <a:ext uri="{FF2B5EF4-FFF2-40B4-BE49-F238E27FC236}">
+                <a16:creationId xmlns:a16="http://schemas.microsoft.com/office/drawing/2014/main" id="{9D3FA694-A1E3-4C15-AA08-A2212FAB5B24}"/>
+              </a:ext>
+            </a:extLst>
+          </p:cNvPr>
+          <p:cNvSpPr/>
+          <p:nvPr/>
+        </p:nvSpPr>
+        <p:spPr>
+          <a:xfrm>
+            <a:off x="29532407" y="2623375"/>
+            <a:ext cx="1144480" cy="639015"/>
+          </a:xfrm>
+          <a:prstGeom prst="rect">
+            <a:avLst/>
+          </a:prstGeom>
+          <a:ln w="28575"/>
+        </p:spPr>
+        <p:style>
+          <a:lnRef idx="2">
+            <a:schemeClr val="accent1"/>
+          </a:lnRef>
+          <a:fillRef idx="1">
+            <a:schemeClr val="lt1"/>
+          </a:fillRef>
+          <a:effectRef idx="0">
+            <a:schemeClr val="accent1"/>
+          </a:effectRef>
+          <a:fontRef idx="minor">
+            <a:schemeClr val="dk1"/>
+          </a:fontRef>
+        </p:style>
+        <p:txBody>
+          <a:bodyPr lIns="124733" tIns="62367" rIns="124733" bIns="62367" rtlCol="0" anchor="ctr"/>
+          <a:lstStyle/>
+          <a:p>
+            <a:pPr algn="ctr"/>
+            <a:r>
+              <a:rPr lang="ru-RU" sz="1100" dirty="0"/>
+              <a:t>Вопрос о нейтралитете</a:t>
+            </a:r>
+            <a:endParaRPr lang="ru-RU" sz="600" dirty="0"/>
+          </a:p>
+        </p:txBody>
+      </p:sp>
+      <p:sp>
+        <p:nvSpPr>
+          <p:cNvPr id="381" name="Прямоугольник 380">
+            <a:extLst>
+              <a:ext uri="{FF2B5EF4-FFF2-40B4-BE49-F238E27FC236}">
+                <a16:creationId xmlns:a16="http://schemas.microsoft.com/office/drawing/2014/main" id="{17751346-EC58-40A2-A1F5-2614E3F50C59}"/>
+              </a:ext>
+            </a:extLst>
+          </p:cNvPr>
+          <p:cNvSpPr/>
+          <p:nvPr/>
+        </p:nvSpPr>
+        <p:spPr>
+          <a:xfrm>
+            <a:off x="30381600" y="3639599"/>
+            <a:ext cx="1144480" cy="639015"/>
+          </a:xfrm>
+          <a:prstGeom prst="rect">
+            <a:avLst/>
+          </a:prstGeom>
+          <a:ln w="28575"/>
+        </p:spPr>
+        <p:style>
+          <a:lnRef idx="2">
+            <a:schemeClr val="accent1"/>
+          </a:lnRef>
+          <a:fillRef idx="1">
+            <a:schemeClr val="lt1"/>
+          </a:fillRef>
+          <a:effectRef idx="0">
+            <a:schemeClr val="accent1"/>
+          </a:effectRef>
+          <a:fontRef idx="minor">
+            <a:schemeClr val="dk1"/>
+          </a:fontRef>
+        </p:style>
+        <p:txBody>
+          <a:bodyPr lIns="124733" tIns="62367" rIns="124733" bIns="62367" rtlCol="0" anchor="ctr"/>
+          <a:lstStyle/>
+          <a:p>
+            <a:pPr algn="ctr"/>
+            <a:r>
+              <a:rPr lang="ru-RU" sz="1100" dirty="0"/>
+              <a:t>Отставка премьера </a:t>
+            </a:r>
+            <a:r>
+              <a:rPr lang="ru-RU" sz="100" dirty="0"/>
+              <a:t>(4 сентября 1939 года фракция Объединенной партии восстала против позиции нейтралитета Герцога во Второй мировой войне, в результате чего правительство Герцога проиграло голосование по этому вопросу в парламенте со счетом 80 против 67. Генерал-губернатор сэр Патрик Дункан отклонил просьбу Герцога о роспуске парламента и назначении всеобщих выборов по этому вопросу. Герцог ушел в отставку, а его партнер по коалиции </a:t>
+            </a:r>
+            <a:r>
+              <a:rPr lang="ru-RU" sz="100" dirty="0" err="1"/>
+              <a:t>Смэтс</a:t>
+            </a:r>
+            <a:r>
+              <a:rPr lang="ru-RU" sz="100" dirty="0"/>
+              <a:t> стал премьер-министром. </a:t>
+            </a:r>
+            <a:r>
+              <a:rPr lang="ru-RU" sz="100" dirty="0" err="1"/>
+              <a:t>Смэтс</a:t>
+            </a:r>
+            <a:r>
+              <a:rPr lang="ru-RU" sz="100" dirty="0"/>
+              <a:t> ввел страну в войну, и последовали политические перестановки: Герцог и его фракция объединились с оппозиционной Очищенной национальной партией </a:t>
+            </a:r>
+            <a:r>
+              <a:rPr lang="ru-RU" sz="100" dirty="0" err="1"/>
+              <a:t>Дэниела</a:t>
+            </a:r>
+            <a:r>
+              <a:rPr lang="ru-RU" sz="100" dirty="0"/>
+              <a:t> </a:t>
+            </a:r>
+            <a:r>
+              <a:rPr lang="ru-RU" sz="100" dirty="0" err="1"/>
+              <a:t>Малана</a:t>
+            </a:r>
+            <a:r>
+              <a:rPr lang="ru-RU" sz="100" dirty="0"/>
+              <a:t> , чтобы сформировать Партию </a:t>
+            </a:r>
+            <a:r>
+              <a:rPr lang="ru-RU" sz="100" dirty="0" err="1"/>
+              <a:t>Herenigde</a:t>
+            </a:r>
+            <a:r>
+              <a:rPr lang="ru-RU" sz="100" dirty="0"/>
+              <a:t> </a:t>
+            </a:r>
+            <a:r>
+              <a:rPr lang="ru-RU" sz="100" dirty="0" err="1"/>
+              <a:t>Nasionale</a:t>
+            </a:r>
+            <a:r>
+              <a:rPr lang="ru-RU" sz="100" dirty="0"/>
+              <a:t> , а Герцог стал новым лидером оппозиции . Однако вскоре Герцог потерял поддержку </a:t>
+            </a:r>
+            <a:r>
+              <a:rPr lang="ru-RU" sz="100" dirty="0" err="1"/>
+              <a:t>Малана</a:t>
+            </a:r>
+            <a:r>
+              <a:rPr lang="ru-RU" sz="100" dirty="0"/>
+              <a:t> и его сторонников, когда они отвергли платформу Герцога о равных правах между британскими южноафриканцами и африканерами, что побудило Герцога уйти в отставку и уйти из политики.)</a:t>
+            </a:r>
+            <a:endParaRPr lang="ru-RU" sz="600" dirty="0"/>
+          </a:p>
+        </p:txBody>
+      </p:sp>
+      <p:sp>
+        <p:nvSpPr>
+          <p:cNvPr id="382" name="Прямоугольник 381">
+            <a:extLst>
+              <a:ext uri="{FF2B5EF4-FFF2-40B4-BE49-F238E27FC236}">
+                <a16:creationId xmlns:a16="http://schemas.microsoft.com/office/drawing/2014/main" id="{9948CE1D-4F49-40A1-A9C1-65101BC6AB4E}"/>
+              </a:ext>
+            </a:extLst>
+          </p:cNvPr>
+          <p:cNvSpPr/>
+          <p:nvPr/>
+        </p:nvSpPr>
+        <p:spPr>
+          <a:xfrm>
+            <a:off x="28677216" y="3639599"/>
+            <a:ext cx="1144480" cy="639015"/>
+          </a:xfrm>
+          <a:prstGeom prst="rect">
+            <a:avLst/>
+          </a:prstGeom>
+          <a:ln w="28575"/>
+        </p:spPr>
+        <p:style>
+          <a:lnRef idx="2">
+            <a:schemeClr val="accent1"/>
+          </a:lnRef>
+          <a:fillRef idx="1">
+            <a:schemeClr val="lt1"/>
+          </a:fillRef>
+          <a:effectRef idx="0">
+            <a:schemeClr val="accent1"/>
+          </a:effectRef>
+          <a:fontRef idx="minor">
+            <a:schemeClr val="dk1"/>
+          </a:fontRef>
+        </p:style>
+        <p:txBody>
+          <a:bodyPr lIns="124733" tIns="62367" rIns="124733" bIns="62367" rtlCol="0" anchor="ctr"/>
+          <a:lstStyle/>
+          <a:p>
+            <a:pPr algn="ctr"/>
+            <a:r>
+              <a:rPr lang="ru-RU" sz="1100" dirty="0"/>
+              <a:t>Сохранить нейтралитет</a:t>
+            </a:r>
+            <a:endParaRPr lang="ru-RU" sz="600" dirty="0"/>
+          </a:p>
+        </p:txBody>
+      </p:sp>
+      <p:cxnSp>
+        <p:nvCxnSpPr>
+          <p:cNvPr id="383" name="Прямая соединительная линия 382">
+            <a:extLst>
+              <a:ext uri="{FF2B5EF4-FFF2-40B4-BE49-F238E27FC236}">
+                <a16:creationId xmlns:a16="http://schemas.microsoft.com/office/drawing/2014/main" id="{706D1093-EB1B-4007-8D05-BC7DFED9040D}"/>
+              </a:ext>
+            </a:extLst>
+          </p:cNvPr>
+          <p:cNvCxnSpPr>
+            <a:cxnSpLocks/>
+            <a:stCxn id="378" idx="3"/>
+            <a:endCxn id="373" idx="1"/>
+          </p:cNvCxnSpPr>
+          <p:nvPr/>
+        </p:nvCxnSpPr>
+        <p:spPr>
+          <a:xfrm>
+            <a:off x="30676887" y="1892559"/>
+            <a:ext cx="4799188" cy="0"/>
+          </a:xfrm>
+          <a:prstGeom prst="line">
+            <a:avLst/>
+          </a:prstGeom>
+          <a:ln w="38100">
+            <a:solidFill>
+              <a:srgbClr val="FF0000"/>
+            </a:solidFill>
+          </a:ln>
+        </p:spPr>
+        <p:style>
+          <a:lnRef idx="1">
+            <a:schemeClr val="accent2"/>
+          </a:lnRef>
+          <a:fillRef idx="0">
+            <a:schemeClr val="accent2"/>
+          </a:fillRef>
+          <a:effectRef idx="0">
+            <a:schemeClr val="accent2"/>
+          </a:effectRef>
+          <a:fontRef idx="minor">
+            <a:schemeClr val="tx1"/>
+          </a:fontRef>
+        </p:style>
+      </p:cxnSp>
+      <p:cxnSp>
+        <p:nvCxnSpPr>
+          <p:cNvPr id="386" name="Прямая соединительная линия 385">
+            <a:extLst>
+              <a:ext uri="{FF2B5EF4-FFF2-40B4-BE49-F238E27FC236}">
+                <a16:creationId xmlns:a16="http://schemas.microsoft.com/office/drawing/2014/main" id="{BEDAA63B-2559-4FFC-916B-E9134E797A09}"/>
+              </a:ext>
+            </a:extLst>
+          </p:cNvPr>
+          <p:cNvCxnSpPr>
+            <a:cxnSpLocks/>
+            <a:stCxn id="374" idx="3"/>
+            <a:endCxn id="378" idx="1"/>
+          </p:cNvCxnSpPr>
+          <p:nvPr/>
+        </p:nvCxnSpPr>
+        <p:spPr>
+          <a:xfrm flipV="1">
+            <a:off x="23726773" y="1892559"/>
+            <a:ext cx="5805634" cy="1"/>
+          </a:xfrm>
+          <a:prstGeom prst="line">
+            <a:avLst/>
+          </a:prstGeom>
+          <a:ln w="38100">
+            <a:solidFill>
+              <a:srgbClr val="FF0000"/>
+            </a:solidFill>
+          </a:ln>
+        </p:spPr>
+        <p:style>
+          <a:lnRef idx="1">
+            <a:schemeClr val="accent2"/>
+          </a:lnRef>
+          <a:fillRef idx="0">
+            <a:schemeClr val="accent2"/>
+          </a:fillRef>
+          <a:effectRef idx="0">
+            <a:schemeClr val="accent2"/>
+          </a:effectRef>
+          <a:fontRef idx="minor">
+            <a:schemeClr val="tx1"/>
+          </a:fontRef>
+        </p:style>
+      </p:cxnSp>
+      <p:cxnSp>
+        <p:nvCxnSpPr>
+          <p:cNvPr id="389" name="Shape 248">
+            <a:extLst>
+              <a:ext uri="{FF2B5EF4-FFF2-40B4-BE49-F238E27FC236}">
+                <a16:creationId xmlns:a16="http://schemas.microsoft.com/office/drawing/2014/main" id="{111CA5E0-81F5-4545-962C-DAF776D34EF6}"/>
+              </a:ext>
+            </a:extLst>
+          </p:cNvPr>
+          <p:cNvCxnSpPr>
+            <a:cxnSpLocks/>
+            <a:stCxn id="371" idx="2"/>
+            <a:endCxn id="374" idx="0"/>
+          </p:cNvCxnSpPr>
+          <p:nvPr/>
+        </p:nvCxnSpPr>
+        <p:spPr>
+          <a:xfrm rot="5400000">
+            <a:off x="26429867" y="-2101729"/>
+            <a:ext cx="399447" cy="6950114"/>
+          </a:xfrm>
+          <a:prstGeom prst="bentConnector3">
+            <a:avLst>
+              <a:gd name="adj1" fmla="val 50000"/>
+            </a:avLst>
+          </a:prstGeom>
+          <a:ln w="28575">
+            <a:tailEnd type="arrow"/>
+          </a:ln>
+        </p:spPr>
+        <p:style>
+          <a:lnRef idx="1">
+            <a:schemeClr val="accent1"/>
+          </a:lnRef>
+          <a:fillRef idx="0">
+            <a:schemeClr val="accent1"/>
+          </a:fillRef>
+          <a:effectRef idx="0">
+            <a:schemeClr val="accent1"/>
+          </a:effectRef>
+          <a:fontRef idx="minor">
+            <a:schemeClr val="tx1"/>
+          </a:fontRef>
+        </p:style>
+      </p:cxnSp>
+      <p:cxnSp>
+        <p:nvCxnSpPr>
+          <p:cNvPr id="392" name="Shape 248">
+            <a:extLst>
+              <a:ext uri="{FF2B5EF4-FFF2-40B4-BE49-F238E27FC236}">
+                <a16:creationId xmlns:a16="http://schemas.microsoft.com/office/drawing/2014/main" id="{3A09FF40-AFD4-4354-ADFE-2EC0CEC15650}"/>
+              </a:ext>
+            </a:extLst>
+          </p:cNvPr>
+          <p:cNvCxnSpPr>
+            <a:cxnSpLocks/>
+            <a:stCxn id="371" idx="2"/>
+            <a:endCxn id="373" idx="0"/>
+          </p:cNvCxnSpPr>
+          <p:nvPr/>
+        </p:nvCxnSpPr>
+        <p:spPr>
+          <a:xfrm rot="16200000" flipH="1">
+            <a:off x="32876758" y="-1598506"/>
+            <a:ext cx="399446" cy="5943668"/>
+          </a:xfrm>
+          <a:prstGeom prst="bentConnector3">
+            <a:avLst>
+              <a:gd name="adj1" fmla="val 50000"/>
+            </a:avLst>
+          </a:prstGeom>
+          <a:ln w="28575">
+            <a:tailEnd type="arrow"/>
+          </a:ln>
+        </p:spPr>
+        <p:style>
+          <a:lnRef idx="1">
+            <a:schemeClr val="accent1"/>
+          </a:lnRef>
+          <a:fillRef idx="0">
+            <a:schemeClr val="accent1"/>
+          </a:fillRef>
+          <a:effectRef idx="0">
+            <a:schemeClr val="accent1"/>
+          </a:effectRef>
+          <a:fontRef idx="minor">
+            <a:schemeClr val="tx1"/>
+          </a:fontRef>
+        </p:style>
+      </p:cxnSp>
+      <p:cxnSp>
+        <p:nvCxnSpPr>
+          <p:cNvPr id="395" name="Прямая со стрелкой 394">
+            <a:extLst>
+              <a:ext uri="{FF2B5EF4-FFF2-40B4-BE49-F238E27FC236}">
+                <a16:creationId xmlns:a16="http://schemas.microsoft.com/office/drawing/2014/main" id="{25DB8B0E-32B2-4062-B4B9-055E404EAE0E}"/>
+              </a:ext>
+            </a:extLst>
+          </p:cNvPr>
+          <p:cNvCxnSpPr>
+            <a:cxnSpLocks/>
+            <a:stCxn id="371" idx="2"/>
+            <a:endCxn id="378" idx="0"/>
+          </p:cNvCxnSpPr>
+          <p:nvPr/>
+        </p:nvCxnSpPr>
+        <p:spPr>
+          <a:xfrm>
+            <a:off x="30104647" y="1173605"/>
+            <a:ext cx="0" cy="399446"/>
+          </a:xfrm>
+          <a:prstGeom prst="straightConnector1">
+            <a:avLst/>
+          </a:prstGeom>
+          <a:ln w="28575">
+            <a:tailEnd type="arrow"/>
+          </a:ln>
+        </p:spPr>
+        <p:style>
+          <a:lnRef idx="1">
+            <a:schemeClr val="accent1"/>
+          </a:lnRef>
+          <a:fillRef idx="0">
+            <a:schemeClr val="accent1"/>
+          </a:fillRef>
+          <a:effectRef idx="0">
+            <a:schemeClr val="accent1"/>
+          </a:effectRef>
+          <a:fontRef idx="minor">
+            <a:schemeClr val="tx1"/>
+          </a:fontRef>
+        </p:style>
+      </p:cxnSp>
+      <p:cxnSp>
+        <p:nvCxnSpPr>
+          <p:cNvPr id="398" name="Прямая со стрелкой 397">
+            <a:extLst>
+              <a:ext uri="{FF2B5EF4-FFF2-40B4-BE49-F238E27FC236}">
+                <a16:creationId xmlns:a16="http://schemas.microsoft.com/office/drawing/2014/main" id="{EF0FC8E1-6695-4249-A44B-89ABA4B3C3B2}"/>
+              </a:ext>
+            </a:extLst>
+          </p:cNvPr>
+          <p:cNvCxnSpPr>
+            <a:cxnSpLocks/>
+            <a:stCxn id="378" idx="2"/>
+            <a:endCxn id="380" idx="0"/>
+          </p:cNvCxnSpPr>
+          <p:nvPr/>
+        </p:nvCxnSpPr>
+        <p:spPr>
+          <a:xfrm>
+            <a:off x="30104647" y="2212066"/>
+            <a:ext cx="0" cy="411309"/>
+          </a:xfrm>
+          <a:prstGeom prst="straightConnector1">
+            <a:avLst/>
+          </a:prstGeom>
+          <a:ln w="28575">
+            <a:tailEnd type="arrow"/>
+          </a:ln>
+        </p:spPr>
+        <p:style>
+          <a:lnRef idx="1">
+            <a:schemeClr val="accent1"/>
+          </a:lnRef>
+          <a:fillRef idx="0">
+            <a:schemeClr val="accent1"/>
+          </a:fillRef>
+          <a:effectRef idx="0">
+            <a:schemeClr val="accent1"/>
+          </a:effectRef>
+          <a:fontRef idx="minor">
+            <a:schemeClr val="tx1"/>
+          </a:fontRef>
+        </p:style>
+      </p:cxnSp>
+      <p:cxnSp>
+        <p:nvCxnSpPr>
+          <p:cNvPr id="401" name="Shape 248">
+            <a:extLst>
+              <a:ext uri="{FF2B5EF4-FFF2-40B4-BE49-F238E27FC236}">
+                <a16:creationId xmlns:a16="http://schemas.microsoft.com/office/drawing/2014/main" id="{828B0F96-44A7-4401-A278-091A27145446}"/>
+              </a:ext>
+            </a:extLst>
+          </p:cNvPr>
+          <p:cNvCxnSpPr>
+            <a:cxnSpLocks/>
+            <a:stCxn id="380" idx="2"/>
+            <a:endCxn id="382" idx="0"/>
+          </p:cNvCxnSpPr>
+          <p:nvPr/>
+        </p:nvCxnSpPr>
+        <p:spPr>
+          <a:xfrm rot="5400000">
+            <a:off x="29488448" y="3023399"/>
+            <a:ext cx="377209" cy="855191"/>
+          </a:xfrm>
+          <a:prstGeom prst="bentConnector3">
+            <a:avLst>
+              <a:gd name="adj1" fmla="val 50000"/>
+            </a:avLst>
+          </a:prstGeom>
+          <a:ln w="28575">
+            <a:tailEnd type="arrow"/>
+          </a:ln>
+        </p:spPr>
+        <p:style>
+          <a:lnRef idx="1">
+            <a:schemeClr val="accent1"/>
+          </a:lnRef>
+          <a:fillRef idx="0">
+            <a:schemeClr val="accent1"/>
+          </a:fillRef>
+          <a:effectRef idx="0">
+            <a:schemeClr val="accent1"/>
+          </a:effectRef>
+          <a:fontRef idx="minor">
+            <a:schemeClr val="tx1"/>
+          </a:fontRef>
+        </p:style>
+      </p:cxnSp>
+      <p:cxnSp>
+        <p:nvCxnSpPr>
+          <p:cNvPr id="404" name="Shape 248">
+            <a:extLst>
+              <a:ext uri="{FF2B5EF4-FFF2-40B4-BE49-F238E27FC236}">
+                <a16:creationId xmlns:a16="http://schemas.microsoft.com/office/drawing/2014/main" id="{621F5F77-3432-49C3-9366-ED7228D7A346}"/>
+              </a:ext>
+            </a:extLst>
+          </p:cNvPr>
+          <p:cNvCxnSpPr>
+            <a:cxnSpLocks/>
+            <a:stCxn id="380" idx="2"/>
+            <a:endCxn id="381" idx="0"/>
+          </p:cNvCxnSpPr>
+          <p:nvPr/>
+        </p:nvCxnSpPr>
+        <p:spPr>
+          <a:xfrm rot="16200000" flipH="1">
+            <a:off x="30340639" y="3026397"/>
+            <a:ext cx="377209" cy="849193"/>
+          </a:xfrm>
+          <a:prstGeom prst="bentConnector3">
+            <a:avLst>
+              <a:gd name="adj1" fmla="val 50000"/>
+            </a:avLst>
+          </a:prstGeom>
+          <a:ln w="28575">
+            <a:tailEnd type="arrow"/>
+          </a:ln>
+        </p:spPr>
+        <p:style>
+          <a:lnRef idx="1">
+            <a:schemeClr val="accent1"/>
+          </a:lnRef>
+          <a:fillRef idx="0">
+            <a:schemeClr val="accent1"/>
+          </a:fillRef>
+          <a:effectRef idx="0">
+            <a:schemeClr val="accent1"/>
+          </a:effectRef>
+          <a:fontRef idx="minor">
+            <a:schemeClr val="tx1"/>
+          </a:fontRef>
+        </p:style>
+      </p:cxnSp>
+      <p:cxnSp>
+        <p:nvCxnSpPr>
+          <p:cNvPr id="407" name="Прямая соединительная линия 406">
+            <a:extLst>
+              <a:ext uri="{FF2B5EF4-FFF2-40B4-BE49-F238E27FC236}">
+                <a16:creationId xmlns:a16="http://schemas.microsoft.com/office/drawing/2014/main" id="{DE18A973-8266-4778-B46A-B4F1145B958F}"/>
+              </a:ext>
+            </a:extLst>
+          </p:cNvPr>
+          <p:cNvCxnSpPr>
+            <a:cxnSpLocks/>
+            <a:stCxn id="382" idx="3"/>
+            <a:endCxn id="381" idx="1"/>
+          </p:cNvCxnSpPr>
+          <p:nvPr/>
+        </p:nvCxnSpPr>
+        <p:spPr>
+          <a:xfrm>
+            <a:off x="29821696" y="3959107"/>
+            <a:ext cx="559904" cy="0"/>
+          </a:xfrm>
+          <a:prstGeom prst="line">
+            <a:avLst/>
+          </a:prstGeom>
+          <a:ln w="38100">
+            <a:solidFill>
+              <a:srgbClr val="FF0000"/>
+            </a:solidFill>
+          </a:ln>
+        </p:spPr>
+        <p:style>
+          <a:lnRef idx="1">
+            <a:schemeClr val="accent2"/>
+          </a:lnRef>
+          <a:fillRef idx="0">
+            <a:schemeClr val="accent2"/>
+          </a:fillRef>
+          <a:effectRef idx="0">
+            <a:schemeClr val="accent2"/>
+          </a:effectRef>
+          <a:fontRef idx="minor">
+            <a:schemeClr val="tx1"/>
+          </a:fontRef>
+        </p:style>
+      </p:cxnSp>
+      <p:sp>
+        <p:nvSpPr>
+          <p:cNvPr id="414" name="Прямоугольник 413">
+            <a:extLst>
+              <a:ext uri="{FF2B5EF4-FFF2-40B4-BE49-F238E27FC236}">
+                <a16:creationId xmlns:a16="http://schemas.microsoft.com/office/drawing/2014/main" id="{0A8307FF-4F7F-4D3F-8D72-EE97CF43ADE6}"/>
+              </a:ext>
+            </a:extLst>
+          </p:cNvPr>
+          <p:cNvSpPr/>
+          <p:nvPr/>
+        </p:nvSpPr>
+        <p:spPr>
+          <a:xfrm>
+            <a:off x="26966846" y="4727542"/>
+            <a:ext cx="1144480" cy="639015"/>
+          </a:xfrm>
+          <a:prstGeom prst="rect">
+            <a:avLst/>
+          </a:prstGeom>
+          <a:ln w="28575"/>
+        </p:spPr>
+        <p:style>
+          <a:lnRef idx="2">
+            <a:schemeClr val="accent1"/>
+          </a:lnRef>
+          <a:fillRef idx="1">
+            <a:schemeClr val="lt1"/>
+          </a:fillRef>
+          <a:effectRef idx="0">
+            <a:schemeClr val="accent1"/>
+          </a:effectRef>
+          <a:fontRef idx="minor">
+            <a:schemeClr val="dk1"/>
+          </a:fontRef>
+        </p:style>
+        <p:txBody>
+          <a:bodyPr lIns="124733" tIns="62367" rIns="124733" bIns="62367" rtlCol="0" anchor="ctr"/>
+          <a:lstStyle/>
+          <a:p>
+            <a:pPr algn="ctr"/>
+            <a:r>
+              <a:rPr lang="ru-RU" sz="1100" dirty="0"/>
+              <a:t>Развитие торговых отношений с Германией</a:t>
+            </a:r>
+            <a:endParaRPr lang="ru-RU" sz="600" dirty="0"/>
+          </a:p>
+        </p:txBody>
+      </p:sp>
+      <p:sp>
+        <p:nvSpPr>
+          <p:cNvPr id="415" name="Прямоугольник 414">
+            <a:extLst>
+              <a:ext uri="{FF2B5EF4-FFF2-40B4-BE49-F238E27FC236}">
+                <a16:creationId xmlns:a16="http://schemas.microsoft.com/office/drawing/2014/main" id="{CA4213E1-E774-492E-A7D3-5EC213898644}"/>
+              </a:ext>
+            </a:extLst>
+          </p:cNvPr>
+          <p:cNvSpPr/>
+          <p:nvPr/>
+        </p:nvSpPr>
+        <p:spPr>
+          <a:xfrm>
+            <a:off x="28677216" y="4741620"/>
+            <a:ext cx="1144480" cy="639015"/>
+          </a:xfrm>
+          <a:prstGeom prst="rect">
+            <a:avLst/>
+          </a:prstGeom>
+          <a:ln w="28575"/>
+        </p:spPr>
+        <p:style>
+          <a:lnRef idx="2">
+            <a:schemeClr val="accent1"/>
+          </a:lnRef>
+          <a:fillRef idx="1">
+            <a:schemeClr val="lt1"/>
+          </a:fillRef>
+          <a:effectRef idx="0">
+            <a:schemeClr val="accent1"/>
+          </a:effectRef>
+          <a:fontRef idx="minor">
+            <a:schemeClr val="dk1"/>
+          </a:fontRef>
+        </p:style>
+        <p:txBody>
+          <a:bodyPr lIns="124733" tIns="62367" rIns="124733" bIns="62367" rtlCol="0" anchor="ctr"/>
+          <a:lstStyle/>
+          <a:p>
+            <a:pPr algn="ctr"/>
+            <a:r>
+              <a:rPr lang="ru-RU" sz="1100" dirty="0"/>
+              <a:t>Подавить </a:t>
+            </a:r>
+            <a:r>
+              <a:rPr lang="ru-RU" sz="1100" dirty="0" err="1"/>
+              <a:t>Оссевабрандваг</a:t>
+            </a:r>
+            <a:endParaRPr lang="ru-RU" sz="600" dirty="0"/>
+          </a:p>
+        </p:txBody>
+      </p:sp>
+      <p:sp>
+        <p:nvSpPr>
+          <p:cNvPr id="416" name="Прямоугольник 415">
+            <a:extLst>
+              <a:ext uri="{FF2B5EF4-FFF2-40B4-BE49-F238E27FC236}">
+                <a16:creationId xmlns:a16="http://schemas.microsoft.com/office/drawing/2014/main" id="{31110538-5E9A-4C0B-83F6-C571D68AD7F6}"/>
+              </a:ext>
+            </a:extLst>
+          </p:cNvPr>
+          <p:cNvSpPr/>
+          <p:nvPr/>
+        </p:nvSpPr>
+        <p:spPr>
+          <a:xfrm>
+            <a:off x="25256476" y="4722516"/>
+            <a:ext cx="1144480" cy="639015"/>
+          </a:xfrm>
+          <a:prstGeom prst="rect">
+            <a:avLst/>
+          </a:prstGeom>
+          <a:ln w="28575"/>
+        </p:spPr>
+        <p:style>
+          <a:lnRef idx="2">
+            <a:schemeClr val="accent1"/>
+          </a:lnRef>
+          <a:fillRef idx="1">
+            <a:schemeClr val="lt1"/>
+          </a:fillRef>
+          <a:effectRef idx="0">
+            <a:schemeClr val="accent1"/>
+          </a:effectRef>
+          <a:fontRef idx="minor">
+            <a:schemeClr val="dk1"/>
+          </a:fontRef>
+        </p:style>
+        <p:txBody>
+          <a:bodyPr lIns="124733" tIns="62367" rIns="124733" bIns="62367" rtlCol="0" anchor="ctr"/>
+          <a:lstStyle/>
+          <a:p>
+            <a:pPr algn="ctr"/>
+            <a:r>
+              <a:rPr lang="ru-RU" sz="1100" dirty="0"/>
+              <a:t>Дистанцироваться от Содружества</a:t>
+            </a:r>
+            <a:endParaRPr lang="ru-RU" sz="600" dirty="0"/>
+          </a:p>
+        </p:txBody>
+      </p:sp>
+      <p:cxnSp>
+        <p:nvCxnSpPr>
+          <p:cNvPr id="417" name="Shape 248">
+            <a:extLst>
+              <a:ext uri="{FF2B5EF4-FFF2-40B4-BE49-F238E27FC236}">
+                <a16:creationId xmlns:a16="http://schemas.microsoft.com/office/drawing/2014/main" id="{8E9570D9-126F-4F10-9A17-450B6C07613A}"/>
+              </a:ext>
+            </a:extLst>
+          </p:cNvPr>
+          <p:cNvCxnSpPr>
+            <a:cxnSpLocks/>
+            <a:stCxn id="382" idx="2"/>
+            <a:endCxn id="415" idx="0"/>
+          </p:cNvCxnSpPr>
+          <p:nvPr/>
+        </p:nvCxnSpPr>
+        <p:spPr>
+          <a:xfrm rot="5400000">
+            <a:off x="29017953" y="4510117"/>
+            <a:ext cx="463006" cy="12700"/>
+          </a:xfrm>
+          <a:prstGeom prst="bentConnector3">
+            <a:avLst>
+              <a:gd name="adj1" fmla="val 50000"/>
+            </a:avLst>
+          </a:prstGeom>
+          <a:ln w="28575">
+            <a:prstDash val="dash"/>
+            <a:tailEnd type="arrow"/>
+          </a:ln>
+        </p:spPr>
+        <p:style>
+          <a:lnRef idx="1">
+            <a:schemeClr val="accent1"/>
+          </a:lnRef>
+          <a:fillRef idx="0">
+            <a:schemeClr val="accent1"/>
+          </a:fillRef>
+          <a:effectRef idx="0">
+            <a:schemeClr val="accent1"/>
+          </a:effectRef>
+          <a:fontRef idx="minor">
+            <a:schemeClr val="tx1"/>
+          </a:fontRef>
+        </p:style>
+      </p:cxnSp>
+      <p:cxnSp>
+        <p:nvCxnSpPr>
+          <p:cNvPr id="421" name="Shape 248">
+            <a:extLst>
+              <a:ext uri="{FF2B5EF4-FFF2-40B4-BE49-F238E27FC236}">
+                <a16:creationId xmlns:a16="http://schemas.microsoft.com/office/drawing/2014/main" id="{2007AB8C-544B-4EC1-AAA4-C403A5D569CA}"/>
+              </a:ext>
+            </a:extLst>
+          </p:cNvPr>
+          <p:cNvCxnSpPr>
+            <a:cxnSpLocks/>
+            <a:stCxn id="381" idx="2"/>
+            <a:endCxn id="415" idx="0"/>
+          </p:cNvCxnSpPr>
+          <p:nvPr/>
+        </p:nvCxnSpPr>
+        <p:spPr>
+          <a:xfrm rot="5400000">
+            <a:off x="29870145" y="3657925"/>
+            <a:ext cx="463006" cy="1704384"/>
+          </a:xfrm>
+          <a:prstGeom prst="bentConnector3">
+            <a:avLst>
+              <a:gd name="adj1" fmla="val 50000"/>
+            </a:avLst>
+          </a:prstGeom>
+          <a:ln w="28575">
+            <a:prstDash val="dash"/>
+            <a:tailEnd type="arrow"/>
+          </a:ln>
+        </p:spPr>
+        <p:style>
+          <a:lnRef idx="1">
+            <a:schemeClr val="accent1"/>
+          </a:lnRef>
+          <a:fillRef idx="0">
+            <a:schemeClr val="accent1"/>
+          </a:fillRef>
+          <a:effectRef idx="0">
+            <a:schemeClr val="accent1"/>
+          </a:effectRef>
+          <a:fontRef idx="minor">
+            <a:schemeClr val="tx1"/>
+          </a:fontRef>
+        </p:style>
+      </p:cxnSp>
+      <p:sp>
+        <p:nvSpPr>
+          <p:cNvPr id="425" name="Прямоугольник 424">
+            <a:extLst>
+              <a:ext uri="{FF2B5EF4-FFF2-40B4-BE49-F238E27FC236}">
+                <a16:creationId xmlns:a16="http://schemas.microsoft.com/office/drawing/2014/main" id="{A7BE6F6A-B30A-467B-ADF1-9F4A03DC61EC}"/>
+              </a:ext>
+            </a:extLst>
+          </p:cNvPr>
+          <p:cNvSpPr/>
+          <p:nvPr/>
+        </p:nvSpPr>
+        <p:spPr>
+          <a:xfrm>
+            <a:off x="30381599" y="4741622"/>
+            <a:ext cx="1144480" cy="639015"/>
+          </a:xfrm>
+          <a:prstGeom prst="rect">
+            <a:avLst/>
+          </a:prstGeom>
+          <a:ln w="28575"/>
+        </p:spPr>
+        <p:style>
+          <a:lnRef idx="2">
+            <a:schemeClr val="accent1"/>
+          </a:lnRef>
+          <a:fillRef idx="1">
+            <a:schemeClr val="lt1"/>
+          </a:fillRef>
+          <a:effectRef idx="0">
+            <a:schemeClr val="accent1"/>
+          </a:effectRef>
+          <a:fontRef idx="minor">
+            <a:schemeClr val="dk1"/>
+          </a:fontRef>
+        </p:style>
+        <p:txBody>
+          <a:bodyPr lIns="124733" tIns="62367" rIns="124733" bIns="62367" rtlCol="0" anchor="ctr"/>
+          <a:lstStyle/>
+          <a:p>
+            <a:pPr algn="ctr"/>
+            <a:r>
+              <a:rPr lang="ru-RU" sz="1100" dirty="0"/>
+              <a:t>Предложить чернокожим разделить власть </a:t>
+            </a:r>
+            <a:r>
+              <a:rPr lang="ru-RU" sz="200" dirty="0"/>
+              <a:t>(Сам </a:t>
+            </a:r>
+            <a:r>
+              <a:rPr lang="ru-RU" sz="200" dirty="0" err="1"/>
+              <a:t>Смэтс</a:t>
+            </a:r>
+            <a:r>
+              <a:rPr lang="ru-RU" sz="200" dirty="0"/>
+              <a:t> намекал на тот факт, что в какой-то неопределенный момент в будущем чернокожим южноафриканцам может быть предложено разделить власть с белым меньшинством, при условии, что чернокожие политики продемонстрируют свою приверженность «цивилизованным» нормам политического и личного поведения.)</a:t>
+            </a:r>
+            <a:endParaRPr lang="ru-RU" sz="600" dirty="0"/>
+          </a:p>
+        </p:txBody>
+      </p:sp>
+      <p:cxnSp>
+        <p:nvCxnSpPr>
+          <p:cNvPr id="426" name="Shape 248">
+            <a:extLst>
+              <a:ext uri="{FF2B5EF4-FFF2-40B4-BE49-F238E27FC236}">
+                <a16:creationId xmlns:a16="http://schemas.microsoft.com/office/drawing/2014/main" id="{9227E94B-1C00-4291-BC4F-744B61583CBC}"/>
+              </a:ext>
+            </a:extLst>
+          </p:cNvPr>
+          <p:cNvCxnSpPr>
+            <a:cxnSpLocks/>
+            <a:stCxn id="382" idx="2"/>
+            <a:endCxn id="425" idx="0"/>
+          </p:cNvCxnSpPr>
+          <p:nvPr/>
+        </p:nvCxnSpPr>
+        <p:spPr>
+          <a:xfrm rot="16200000" flipH="1">
+            <a:off x="29870143" y="3657926"/>
+            <a:ext cx="463008" cy="1704383"/>
+          </a:xfrm>
+          <a:prstGeom prst="bentConnector3">
+            <a:avLst>
+              <a:gd name="adj1" fmla="val 50000"/>
+            </a:avLst>
+          </a:prstGeom>
+          <a:ln w="28575">
+            <a:prstDash val="dash"/>
+            <a:tailEnd type="arrow"/>
+          </a:ln>
+        </p:spPr>
+        <p:style>
+          <a:lnRef idx="1">
+            <a:schemeClr val="accent1"/>
+          </a:lnRef>
+          <a:fillRef idx="0">
+            <a:schemeClr val="accent1"/>
+          </a:fillRef>
+          <a:effectRef idx="0">
+            <a:schemeClr val="accent1"/>
+          </a:effectRef>
+          <a:fontRef idx="minor">
+            <a:schemeClr val="tx1"/>
+          </a:fontRef>
+        </p:style>
+      </p:cxnSp>
+      <p:cxnSp>
+        <p:nvCxnSpPr>
+          <p:cNvPr id="429" name="Прямая со стрелкой 428">
+            <a:extLst>
+              <a:ext uri="{FF2B5EF4-FFF2-40B4-BE49-F238E27FC236}">
+                <a16:creationId xmlns:a16="http://schemas.microsoft.com/office/drawing/2014/main" id="{A16CFBD8-5EFC-4B76-BCEA-41A10F1637C2}"/>
+              </a:ext>
+            </a:extLst>
+          </p:cNvPr>
+          <p:cNvCxnSpPr>
+            <a:cxnSpLocks/>
+            <a:stCxn id="381" idx="2"/>
+            <a:endCxn id="425" idx="0"/>
+          </p:cNvCxnSpPr>
+          <p:nvPr/>
+        </p:nvCxnSpPr>
+        <p:spPr>
+          <a:xfrm flipH="1">
+            <a:off x="30953839" y="4278614"/>
+            <a:ext cx="1" cy="463008"/>
+          </a:xfrm>
+          <a:prstGeom prst="straightConnector1">
+            <a:avLst/>
+          </a:prstGeom>
+          <a:ln w="28575">
+            <a:prstDash val="dash"/>
+            <a:tailEnd type="arrow"/>
+          </a:ln>
+        </p:spPr>
+        <p:style>
+          <a:lnRef idx="1">
+            <a:schemeClr val="accent1"/>
+          </a:lnRef>
+          <a:fillRef idx="0">
+            <a:schemeClr val="accent1"/>
+          </a:fillRef>
+          <a:effectRef idx="0">
+            <a:schemeClr val="accent1"/>
+          </a:effectRef>
+          <a:fontRef idx="minor">
+            <a:schemeClr val="tx1"/>
+          </a:fontRef>
+        </p:style>
+      </p:cxnSp>
+      <p:sp>
+        <p:nvSpPr>
+          <p:cNvPr id="432" name="Прямоугольник 431">
+            <a:extLst>
+              <a:ext uri="{FF2B5EF4-FFF2-40B4-BE49-F238E27FC236}">
+                <a16:creationId xmlns:a16="http://schemas.microsoft.com/office/drawing/2014/main" id="{2F2A9685-BB7F-4729-93AD-337CB26F916C}"/>
+              </a:ext>
+            </a:extLst>
+          </p:cNvPr>
+          <p:cNvSpPr/>
+          <p:nvPr/>
+        </p:nvSpPr>
+        <p:spPr>
+          <a:xfrm>
+            <a:off x="29529407" y="5753447"/>
+            <a:ext cx="1144480" cy="639015"/>
+          </a:xfrm>
+          <a:prstGeom prst="rect">
+            <a:avLst/>
+          </a:prstGeom>
+          <a:ln w="28575"/>
+        </p:spPr>
+        <p:style>
+          <a:lnRef idx="2">
+            <a:schemeClr val="accent1"/>
+          </a:lnRef>
+          <a:fillRef idx="1">
+            <a:schemeClr val="lt1"/>
+          </a:fillRef>
+          <a:effectRef idx="0">
+            <a:schemeClr val="accent1"/>
+          </a:effectRef>
+          <a:fontRef idx="minor">
+            <a:schemeClr val="dk1"/>
+          </a:fontRef>
+        </p:style>
+        <p:txBody>
+          <a:bodyPr lIns="124733" tIns="62367" rIns="124733" bIns="62367" rtlCol="0" anchor="ctr"/>
+          <a:lstStyle/>
+          <a:p>
+            <a:pPr algn="ctr"/>
+            <a:r>
+              <a:rPr lang="ru-RU" sz="1100" dirty="0"/>
+              <a:t>Реализация проекта «Великой Южной Африки»</a:t>
+            </a:r>
+            <a:endParaRPr lang="ru-RU" sz="600" dirty="0"/>
+          </a:p>
+        </p:txBody>
+      </p:sp>
+      <p:sp>
+        <p:nvSpPr>
+          <p:cNvPr id="435" name="Прямоугольник 434">
+            <a:extLst>
+              <a:ext uri="{FF2B5EF4-FFF2-40B4-BE49-F238E27FC236}">
+                <a16:creationId xmlns:a16="http://schemas.microsoft.com/office/drawing/2014/main" id="{D5CEEB7C-BA10-4CFD-8798-AA39870A67FB}"/>
+              </a:ext>
+            </a:extLst>
+          </p:cNvPr>
+          <p:cNvSpPr/>
+          <p:nvPr/>
+        </p:nvSpPr>
+        <p:spPr>
+          <a:xfrm>
+            <a:off x="29526488" y="6747431"/>
+            <a:ext cx="1144480" cy="639015"/>
+          </a:xfrm>
+          <a:prstGeom prst="rect">
+            <a:avLst/>
+          </a:prstGeom>
+          <a:ln w="28575"/>
+        </p:spPr>
+        <p:style>
+          <a:lnRef idx="2">
+            <a:schemeClr val="accent1"/>
+          </a:lnRef>
+          <a:fillRef idx="1">
+            <a:schemeClr val="lt1"/>
+          </a:fillRef>
+          <a:effectRef idx="0">
+            <a:schemeClr val="accent1"/>
+          </a:effectRef>
+          <a:fontRef idx="minor">
+            <a:schemeClr val="dk1"/>
+          </a:fontRef>
+        </p:style>
+        <p:txBody>
+          <a:bodyPr lIns="124733" tIns="62367" rIns="124733" bIns="62367" rtlCol="0" anchor="ctr"/>
+          <a:lstStyle/>
+          <a:p>
+            <a:pPr algn="ctr"/>
+            <a:r>
+              <a:rPr lang="ru-RU" sz="1100" dirty="0"/>
+              <a:t>Покупка Мозамбика </a:t>
+            </a:r>
+            <a:r>
+              <a:rPr lang="ru-RU" sz="300" dirty="0"/>
+              <a:t>(Даже будущее выполнение территориальных задач в португальском Мозамбике — посредством покупки, единогласно одобренной южноафриканским кабинетом [ 6 ] — рассматривалось [ кем? ] благосклонно, несмотря на то, что Португалия была членом Антанты .)</a:t>
+            </a:r>
+            <a:endParaRPr lang="ru-RU" sz="600" dirty="0"/>
+          </a:p>
+        </p:txBody>
+      </p:sp>
+      <p:sp>
+        <p:nvSpPr>
+          <p:cNvPr id="436" name="Прямоугольник 435">
+            <a:extLst>
+              <a:ext uri="{FF2B5EF4-FFF2-40B4-BE49-F238E27FC236}">
+                <a16:creationId xmlns:a16="http://schemas.microsoft.com/office/drawing/2014/main" id="{DB220850-7AA3-4F52-989B-81B5E8289901}"/>
+              </a:ext>
+            </a:extLst>
+          </p:cNvPr>
+          <p:cNvSpPr/>
+          <p:nvPr/>
+        </p:nvSpPr>
+        <p:spPr>
+          <a:xfrm>
+            <a:off x="30381599" y="7703280"/>
+            <a:ext cx="1144480" cy="639015"/>
+          </a:xfrm>
+          <a:prstGeom prst="rect">
+            <a:avLst/>
+          </a:prstGeom>
+          <a:ln w="28575"/>
+        </p:spPr>
+        <p:style>
+          <a:lnRef idx="2">
+            <a:schemeClr val="accent1"/>
+          </a:lnRef>
+          <a:fillRef idx="1">
+            <a:schemeClr val="lt1"/>
+          </a:fillRef>
+          <a:effectRef idx="0">
+            <a:schemeClr val="accent1"/>
+          </a:effectRef>
+          <a:fontRef idx="minor">
+            <a:schemeClr val="dk1"/>
+          </a:fontRef>
+        </p:style>
+        <p:txBody>
+          <a:bodyPr lIns="124733" tIns="62367" rIns="124733" bIns="62367" rtlCol="0" anchor="ctr"/>
+          <a:lstStyle/>
+          <a:p>
+            <a:pPr algn="ctr"/>
+            <a:r>
+              <a:rPr lang="ru-RU" sz="1100" dirty="0"/>
+              <a:t>Присоединить </a:t>
+            </a:r>
+            <a:r>
+              <a:rPr lang="ru-RU" sz="1100" dirty="0" err="1"/>
+              <a:t>Таганьику</a:t>
+            </a:r>
+            <a:endParaRPr lang="ru-RU" sz="600" dirty="0"/>
+          </a:p>
+        </p:txBody>
+      </p:sp>
+      <p:sp>
+        <p:nvSpPr>
+          <p:cNvPr id="437" name="Прямоугольник 436">
+            <a:extLst>
+              <a:ext uri="{FF2B5EF4-FFF2-40B4-BE49-F238E27FC236}">
+                <a16:creationId xmlns:a16="http://schemas.microsoft.com/office/drawing/2014/main" id="{38521790-1655-4C36-B13C-3DBF8F2A5B6B}"/>
+              </a:ext>
+            </a:extLst>
+          </p:cNvPr>
+          <p:cNvSpPr/>
+          <p:nvPr/>
+        </p:nvSpPr>
+        <p:spPr>
+          <a:xfrm>
+            <a:off x="28677216" y="7711635"/>
+            <a:ext cx="1144480" cy="639015"/>
+          </a:xfrm>
+          <a:prstGeom prst="rect">
+            <a:avLst/>
+          </a:prstGeom>
+          <a:ln w="28575"/>
+        </p:spPr>
+        <p:style>
+          <a:lnRef idx="2">
+            <a:schemeClr val="accent1"/>
+          </a:lnRef>
+          <a:fillRef idx="1">
+            <a:schemeClr val="lt1"/>
+          </a:fillRef>
+          <a:effectRef idx="0">
+            <a:schemeClr val="accent1"/>
+          </a:effectRef>
+          <a:fontRef idx="minor">
+            <a:schemeClr val="dk1"/>
+          </a:fontRef>
+        </p:style>
+        <p:txBody>
+          <a:bodyPr lIns="124733" tIns="62367" rIns="124733" bIns="62367" rtlCol="0" anchor="ctr"/>
+          <a:lstStyle/>
+          <a:p>
+            <a:pPr algn="ctr"/>
+            <a:r>
+              <a:rPr lang="ru-RU" sz="1100" dirty="0"/>
+              <a:t>Потребовать контроль над протекторатами</a:t>
+            </a:r>
+            <a:endParaRPr lang="ru-RU" sz="600" dirty="0"/>
+          </a:p>
+        </p:txBody>
+      </p:sp>
+      <p:sp>
+        <p:nvSpPr>
+          <p:cNvPr id="438" name="Прямоугольник 437">
+            <a:extLst>
+              <a:ext uri="{FF2B5EF4-FFF2-40B4-BE49-F238E27FC236}">
+                <a16:creationId xmlns:a16="http://schemas.microsoft.com/office/drawing/2014/main" id="{41363143-92C7-4CAE-A4CE-F64393452CB2}"/>
+              </a:ext>
+            </a:extLst>
+          </p:cNvPr>
+          <p:cNvSpPr/>
+          <p:nvPr/>
+        </p:nvSpPr>
+        <p:spPr>
+          <a:xfrm>
+            <a:off x="31236858" y="6747431"/>
+            <a:ext cx="1144480" cy="639015"/>
+          </a:xfrm>
+          <a:prstGeom prst="rect">
+            <a:avLst/>
+          </a:prstGeom>
+          <a:ln w="28575"/>
+        </p:spPr>
+        <p:style>
+          <a:lnRef idx="2">
+            <a:schemeClr val="accent1"/>
+          </a:lnRef>
+          <a:fillRef idx="1">
+            <a:schemeClr val="lt1"/>
+          </a:fillRef>
+          <a:effectRef idx="0">
+            <a:schemeClr val="accent1"/>
+          </a:effectRef>
+          <a:fontRef idx="minor">
+            <a:schemeClr val="dk1"/>
+          </a:fontRef>
+        </p:style>
+        <p:txBody>
+          <a:bodyPr lIns="124733" tIns="62367" rIns="124733" bIns="62367" rtlCol="0" anchor="ctr"/>
+          <a:lstStyle/>
+          <a:p>
+            <a:pPr algn="ctr"/>
+            <a:r>
+              <a:rPr lang="ru-RU" sz="1100" dirty="0"/>
+              <a:t>Провести повторный референдум в Южной Родезии</a:t>
+            </a:r>
+            <a:endParaRPr lang="ru-RU" sz="600" dirty="0"/>
+          </a:p>
+        </p:txBody>
+      </p:sp>
+      <p:sp>
+        <p:nvSpPr>
+          <p:cNvPr id="439" name="Прямоугольник 438">
+            <a:extLst>
+              <a:ext uri="{FF2B5EF4-FFF2-40B4-BE49-F238E27FC236}">
+                <a16:creationId xmlns:a16="http://schemas.microsoft.com/office/drawing/2014/main" id="{FDDF790A-D5BE-4BCA-ADCD-E749AB674973}"/>
+              </a:ext>
+            </a:extLst>
+          </p:cNvPr>
+          <p:cNvSpPr/>
+          <p:nvPr/>
+        </p:nvSpPr>
+        <p:spPr>
+          <a:xfrm>
+            <a:off x="27820848" y="6747431"/>
+            <a:ext cx="1144480" cy="639015"/>
+          </a:xfrm>
+          <a:prstGeom prst="rect">
+            <a:avLst/>
+          </a:prstGeom>
+          <a:ln w="28575"/>
+        </p:spPr>
+        <p:style>
+          <a:lnRef idx="2">
+            <a:schemeClr val="accent1"/>
+          </a:lnRef>
+          <a:fillRef idx="1">
+            <a:schemeClr val="lt1"/>
+          </a:fillRef>
+          <a:effectRef idx="0">
+            <a:schemeClr val="accent1"/>
+          </a:effectRef>
+          <a:fontRef idx="minor">
+            <a:schemeClr val="dk1"/>
+          </a:fontRef>
+        </p:style>
+        <p:txBody>
+          <a:bodyPr lIns="124733" tIns="62367" rIns="124733" bIns="62367" rtlCol="0" anchor="ctr"/>
+          <a:lstStyle/>
+          <a:p>
+            <a:pPr algn="ctr"/>
+            <a:r>
+              <a:rPr lang="ru-RU" sz="1100" dirty="0"/>
+              <a:t>Интегрировать Намибию</a:t>
+            </a:r>
+            <a:endParaRPr lang="ru-RU" sz="600" dirty="0"/>
+          </a:p>
+        </p:txBody>
+      </p:sp>
+      <p:cxnSp>
+        <p:nvCxnSpPr>
+          <p:cNvPr id="440" name="Shape 248">
+            <a:extLst>
+              <a:ext uri="{FF2B5EF4-FFF2-40B4-BE49-F238E27FC236}">
+                <a16:creationId xmlns:a16="http://schemas.microsoft.com/office/drawing/2014/main" id="{19103916-9288-4376-B85A-FBA2C0C45FF4}"/>
+              </a:ext>
+            </a:extLst>
+          </p:cNvPr>
+          <p:cNvCxnSpPr>
+            <a:cxnSpLocks/>
+            <a:stCxn id="382" idx="2"/>
+            <a:endCxn id="432" idx="0"/>
+          </p:cNvCxnSpPr>
+          <p:nvPr/>
+        </p:nvCxnSpPr>
+        <p:spPr>
+          <a:xfrm rot="16200000" flipH="1">
+            <a:off x="28938135" y="4589934"/>
+            <a:ext cx="1474833" cy="852191"/>
+          </a:xfrm>
+          <a:prstGeom prst="bentConnector3">
+            <a:avLst>
+              <a:gd name="adj1" fmla="val 15771"/>
+            </a:avLst>
+          </a:prstGeom>
+          <a:ln w="28575">
+            <a:prstDash val="dash"/>
+            <a:tailEnd type="arrow"/>
+          </a:ln>
+        </p:spPr>
+        <p:style>
+          <a:lnRef idx="1">
+            <a:schemeClr val="accent1"/>
+          </a:lnRef>
+          <a:fillRef idx="0">
+            <a:schemeClr val="accent1"/>
+          </a:fillRef>
+          <a:effectRef idx="0">
+            <a:schemeClr val="accent1"/>
+          </a:effectRef>
+          <a:fontRef idx="minor">
+            <a:schemeClr val="tx1"/>
+          </a:fontRef>
+        </p:style>
+      </p:cxnSp>
+      <p:cxnSp>
+        <p:nvCxnSpPr>
+          <p:cNvPr id="444" name="Shape 248">
+            <a:extLst>
+              <a:ext uri="{FF2B5EF4-FFF2-40B4-BE49-F238E27FC236}">
+                <a16:creationId xmlns:a16="http://schemas.microsoft.com/office/drawing/2014/main" id="{F5521068-0520-40B7-BE60-69485F2A1F6B}"/>
+              </a:ext>
+            </a:extLst>
+          </p:cNvPr>
+          <p:cNvCxnSpPr>
+            <a:cxnSpLocks/>
+            <a:stCxn id="381" idx="2"/>
+            <a:endCxn id="432" idx="0"/>
+          </p:cNvCxnSpPr>
+          <p:nvPr/>
+        </p:nvCxnSpPr>
+        <p:spPr>
+          <a:xfrm rot="5400000">
+            <a:off x="29790328" y="4589934"/>
+            <a:ext cx="1474833" cy="852193"/>
+          </a:xfrm>
+          <a:prstGeom prst="bentConnector3">
+            <a:avLst>
+              <a:gd name="adj1" fmla="val 15771"/>
+            </a:avLst>
+          </a:prstGeom>
+          <a:ln w="28575">
+            <a:prstDash val="dash"/>
+            <a:tailEnd type="arrow"/>
+          </a:ln>
+        </p:spPr>
+        <p:style>
+          <a:lnRef idx="1">
+            <a:schemeClr val="accent1"/>
+          </a:lnRef>
+          <a:fillRef idx="0">
+            <a:schemeClr val="accent1"/>
+          </a:fillRef>
+          <a:effectRef idx="0">
+            <a:schemeClr val="accent1"/>
+          </a:effectRef>
+          <a:fontRef idx="minor">
+            <a:schemeClr val="tx1"/>
+          </a:fontRef>
+        </p:style>
+      </p:cxnSp>
+      <p:cxnSp>
+        <p:nvCxnSpPr>
+          <p:cNvPr id="448" name="Shape 248">
+            <a:extLst>
+              <a:ext uri="{FF2B5EF4-FFF2-40B4-BE49-F238E27FC236}">
+                <a16:creationId xmlns:a16="http://schemas.microsoft.com/office/drawing/2014/main" id="{BEA353E7-F773-43BC-A908-0BD02EBC7DD4}"/>
+              </a:ext>
+            </a:extLst>
+          </p:cNvPr>
+          <p:cNvCxnSpPr>
+            <a:cxnSpLocks/>
+            <a:stCxn id="432" idx="2"/>
+            <a:endCxn id="439" idx="0"/>
+          </p:cNvCxnSpPr>
+          <p:nvPr/>
+        </p:nvCxnSpPr>
+        <p:spPr>
+          <a:xfrm rot="5400000">
+            <a:off x="29069884" y="5715667"/>
+            <a:ext cx="354969" cy="1708559"/>
+          </a:xfrm>
+          <a:prstGeom prst="bentConnector3">
+            <a:avLst>
+              <a:gd name="adj1" fmla="val 50000"/>
+            </a:avLst>
+          </a:prstGeom>
+          <a:ln w="28575">
+            <a:tailEnd type="arrow"/>
+          </a:ln>
+        </p:spPr>
+        <p:style>
+          <a:lnRef idx="1">
+            <a:schemeClr val="accent1"/>
+          </a:lnRef>
+          <a:fillRef idx="0">
+            <a:schemeClr val="accent1"/>
+          </a:fillRef>
+          <a:effectRef idx="0">
+            <a:schemeClr val="accent1"/>
+          </a:effectRef>
+          <a:fontRef idx="minor">
+            <a:schemeClr val="tx1"/>
+          </a:fontRef>
+        </p:style>
+      </p:cxnSp>
+      <p:cxnSp>
+        <p:nvCxnSpPr>
+          <p:cNvPr id="451" name="Shape 248">
+            <a:extLst>
+              <a:ext uri="{FF2B5EF4-FFF2-40B4-BE49-F238E27FC236}">
+                <a16:creationId xmlns:a16="http://schemas.microsoft.com/office/drawing/2014/main" id="{B51772CE-284D-4E99-A330-8B3C5CFB4D6B}"/>
+              </a:ext>
+            </a:extLst>
+          </p:cNvPr>
+          <p:cNvCxnSpPr>
+            <a:cxnSpLocks/>
+            <a:stCxn id="432" idx="2"/>
+            <a:endCxn id="438" idx="0"/>
+          </p:cNvCxnSpPr>
+          <p:nvPr/>
+        </p:nvCxnSpPr>
+        <p:spPr>
+          <a:xfrm rot="16200000" flipH="1">
+            <a:off x="30777888" y="5716220"/>
+            <a:ext cx="354969" cy="1707451"/>
+          </a:xfrm>
+          <a:prstGeom prst="bentConnector3">
+            <a:avLst>
+              <a:gd name="adj1" fmla="val 50000"/>
+            </a:avLst>
+          </a:prstGeom>
+          <a:ln w="28575">
+            <a:tailEnd type="arrow"/>
+          </a:ln>
+        </p:spPr>
+        <p:style>
+          <a:lnRef idx="1">
+            <a:schemeClr val="accent1"/>
+          </a:lnRef>
+          <a:fillRef idx="0">
+            <a:schemeClr val="accent1"/>
+          </a:fillRef>
+          <a:effectRef idx="0">
+            <a:schemeClr val="accent1"/>
+          </a:effectRef>
+          <a:fontRef idx="minor">
+            <a:schemeClr val="tx1"/>
+          </a:fontRef>
+        </p:style>
+      </p:cxnSp>
+      <p:cxnSp>
+        <p:nvCxnSpPr>
+          <p:cNvPr id="458" name="Shape 248">
+            <a:extLst>
+              <a:ext uri="{FF2B5EF4-FFF2-40B4-BE49-F238E27FC236}">
+                <a16:creationId xmlns:a16="http://schemas.microsoft.com/office/drawing/2014/main" id="{7AA76D92-4E26-47E9-B1C2-A14C13B327E3}"/>
+              </a:ext>
+            </a:extLst>
+          </p:cNvPr>
+          <p:cNvCxnSpPr>
+            <a:cxnSpLocks/>
+            <a:stCxn id="432" idx="2"/>
+            <a:endCxn id="437" idx="0"/>
+          </p:cNvCxnSpPr>
+          <p:nvPr/>
+        </p:nvCxnSpPr>
+        <p:spPr>
+          <a:xfrm rot="5400000">
+            <a:off x="29015966" y="6625953"/>
+            <a:ext cx="1319173" cy="852191"/>
+          </a:xfrm>
+          <a:prstGeom prst="bentConnector3">
+            <a:avLst>
+              <a:gd name="adj1" fmla="val 13898"/>
+            </a:avLst>
+          </a:prstGeom>
+          <a:ln w="28575">
+            <a:tailEnd type="arrow"/>
+          </a:ln>
+        </p:spPr>
+        <p:style>
+          <a:lnRef idx="1">
+            <a:schemeClr val="accent1"/>
+          </a:lnRef>
+          <a:fillRef idx="0">
+            <a:schemeClr val="accent1"/>
+          </a:fillRef>
+          <a:effectRef idx="0">
+            <a:schemeClr val="accent1"/>
+          </a:effectRef>
+          <a:fontRef idx="minor">
+            <a:schemeClr val="tx1"/>
+          </a:fontRef>
+        </p:style>
+      </p:cxnSp>
+      <p:cxnSp>
+        <p:nvCxnSpPr>
+          <p:cNvPr id="462" name="Прямая со стрелкой 461">
+            <a:extLst>
+              <a:ext uri="{FF2B5EF4-FFF2-40B4-BE49-F238E27FC236}">
+                <a16:creationId xmlns:a16="http://schemas.microsoft.com/office/drawing/2014/main" id="{22CBC346-22D8-4002-ADD7-D6C9CB08EBD7}"/>
+              </a:ext>
+            </a:extLst>
+          </p:cNvPr>
+          <p:cNvCxnSpPr>
+            <a:cxnSpLocks/>
+            <a:stCxn id="432" idx="2"/>
+            <a:endCxn id="435" idx="0"/>
+          </p:cNvCxnSpPr>
+          <p:nvPr/>
+        </p:nvCxnSpPr>
+        <p:spPr>
+          <a:xfrm flipH="1">
+            <a:off x="30098728" y="6392462"/>
+            <a:ext cx="2919" cy="354969"/>
+          </a:xfrm>
+          <a:prstGeom prst="straightConnector1">
+            <a:avLst/>
+          </a:prstGeom>
+          <a:ln w="28575">
+            <a:tailEnd type="arrow"/>
+          </a:ln>
+        </p:spPr>
+        <p:style>
+          <a:lnRef idx="1">
+            <a:schemeClr val="accent1"/>
+          </a:lnRef>
+          <a:fillRef idx="0">
+            <a:schemeClr val="accent1"/>
+          </a:fillRef>
+          <a:effectRef idx="0">
+            <a:schemeClr val="accent1"/>
+          </a:effectRef>
+          <a:fontRef idx="minor">
+            <a:schemeClr val="tx1"/>
+          </a:fontRef>
+        </p:style>
+      </p:cxnSp>
+      <p:sp>
+        <p:nvSpPr>
+          <p:cNvPr id="467" name="Прямоугольник 466">
+            <a:extLst>
+              <a:ext uri="{FF2B5EF4-FFF2-40B4-BE49-F238E27FC236}">
+                <a16:creationId xmlns:a16="http://schemas.microsoft.com/office/drawing/2014/main" id="{84DF6480-CBDF-432D-85A9-D17F405D5B79}"/>
+              </a:ext>
+            </a:extLst>
+          </p:cNvPr>
+          <p:cNvSpPr/>
+          <p:nvPr/>
+        </p:nvSpPr>
+        <p:spPr>
+          <a:xfrm>
+            <a:off x="31240775" y="8663089"/>
+            <a:ext cx="1144480" cy="639015"/>
+          </a:xfrm>
+          <a:prstGeom prst="rect">
+            <a:avLst/>
+          </a:prstGeom>
+          <a:ln w="28575"/>
+        </p:spPr>
+        <p:style>
+          <a:lnRef idx="2">
+            <a:schemeClr val="accent1"/>
+          </a:lnRef>
+          <a:fillRef idx="1">
+            <a:schemeClr val="lt1"/>
+          </a:fillRef>
+          <a:effectRef idx="0">
+            <a:schemeClr val="accent1"/>
+          </a:effectRef>
+          <a:fontRef idx="minor">
+            <a:schemeClr val="dk1"/>
+          </a:fontRef>
+        </p:style>
+        <p:txBody>
+          <a:bodyPr lIns="124733" tIns="62367" rIns="124733" bIns="62367" rtlCol="0" anchor="ctr"/>
+          <a:lstStyle/>
+          <a:p>
+            <a:pPr algn="ctr"/>
+            <a:r>
+              <a:rPr lang="ru-RU" sz="1100" dirty="0"/>
+              <a:t>Объединение Родезии</a:t>
+            </a:r>
+            <a:endParaRPr lang="ru-RU" sz="600" dirty="0"/>
+          </a:p>
+        </p:txBody>
+      </p:sp>
+      <p:cxnSp>
+        <p:nvCxnSpPr>
+          <p:cNvPr id="468" name="Прямая со стрелкой 467">
+            <a:extLst>
+              <a:ext uri="{FF2B5EF4-FFF2-40B4-BE49-F238E27FC236}">
+                <a16:creationId xmlns:a16="http://schemas.microsoft.com/office/drawing/2014/main" id="{2D250C21-BC45-4175-ABE2-02937D8DEEA0}"/>
+              </a:ext>
+            </a:extLst>
+          </p:cNvPr>
+          <p:cNvCxnSpPr>
+            <a:cxnSpLocks/>
+            <a:stCxn id="438" idx="2"/>
+            <a:endCxn id="467" idx="0"/>
+          </p:cNvCxnSpPr>
+          <p:nvPr/>
+        </p:nvCxnSpPr>
+        <p:spPr>
+          <a:xfrm>
+            <a:off x="31809098" y="7386446"/>
+            <a:ext cx="3917" cy="1276643"/>
+          </a:xfrm>
+          <a:prstGeom prst="straightConnector1">
+            <a:avLst/>
+          </a:prstGeom>
+          <a:ln w="28575">
+            <a:tailEnd type="arrow"/>
+          </a:ln>
+        </p:spPr>
+        <p:style>
+          <a:lnRef idx="1">
+            <a:schemeClr val="accent1"/>
+          </a:lnRef>
+          <a:fillRef idx="0">
+            <a:schemeClr val="accent1"/>
+          </a:fillRef>
+          <a:effectRef idx="0">
+            <a:schemeClr val="accent1"/>
+          </a:effectRef>
+          <a:fontRef idx="minor">
+            <a:schemeClr val="tx1"/>
+          </a:fontRef>
+        </p:style>
+      </p:cxnSp>
+      <p:sp>
+        <p:nvSpPr>
+          <p:cNvPr id="472" name="Прямоугольник 471">
+            <a:extLst>
+              <a:ext uri="{FF2B5EF4-FFF2-40B4-BE49-F238E27FC236}">
+                <a16:creationId xmlns:a16="http://schemas.microsoft.com/office/drawing/2014/main" id="{4F307968-3C51-43C7-A8C6-99723B00B58F}"/>
+              </a:ext>
+            </a:extLst>
+          </p:cNvPr>
+          <p:cNvSpPr/>
+          <p:nvPr/>
+        </p:nvSpPr>
+        <p:spPr>
+          <a:xfrm>
+            <a:off x="27820848" y="8665204"/>
+            <a:ext cx="1144480" cy="639015"/>
+          </a:xfrm>
+          <a:prstGeom prst="rect">
+            <a:avLst/>
+          </a:prstGeom>
+          <a:ln w="28575"/>
+        </p:spPr>
+        <p:style>
+          <a:lnRef idx="2">
+            <a:schemeClr val="accent1"/>
+          </a:lnRef>
+          <a:fillRef idx="1">
+            <a:schemeClr val="lt1"/>
+          </a:fillRef>
+          <a:effectRef idx="0">
+            <a:schemeClr val="accent1"/>
+          </a:effectRef>
+          <a:fontRef idx="minor">
+            <a:schemeClr val="dk1"/>
+          </a:fontRef>
+        </p:style>
+        <p:txBody>
+          <a:bodyPr lIns="124733" tIns="62367" rIns="124733" bIns="62367" rtlCol="0" anchor="ctr"/>
+          <a:lstStyle/>
+          <a:p>
+            <a:pPr algn="ctr"/>
+            <a:r>
+              <a:rPr lang="ru-RU" sz="1100" dirty="0"/>
+              <a:t>Интегрировать Намибию</a:t>
+            </a:r>
+            <a:endParaRPr lang="ru-RU" sz="600" dirty="0"/>
+          </a:p>
+        </p:txBody>
+      </p:sp>
+      <p:cxnSp>
+        <p:nvCxnSpPr>
+          <p:cNvPr id="473" name="Прямая со стрелкой 472">
+            <a:extLst>
+              <a:ext uri="{FF2B5EF4-FFF2-40B4-BE49-F238E27FC236}">
+                <a16:creationId xmlns:a16="http://schemas.microsoft.com/office/drawing/2014/main" id="{4929E745-0149-43FC-9EAB-CB215B075AC4}"/>
+              </a:ext>
+            </a:extLst>
+          </p:cNvPr>
+          <p:cNvCxnSpPr>
+            <a:cxnSpLocks/>
+            <a:stCxn id="439" idx="2"/>
+            <a:endCxn id="472" idx="0"/>
+          </p:cNvCxnSpPr>
+          <p:nvPr/>
+        </p:nvCxnSpPr>
+        <p:spPr>
+          <a:xfrm>
+            <a:off x="28393088" y="7386446"/>
+            <a:ext cx="0" cy="1278758"/>
+          </a:xfrm>
+          <a:prstGeom prst="straightConnector1">
+            <a:avLst/>
+          </a:prstGeom>
+          <a:ln w="28575">
+            <a:tailEnd type="arrow"/>
+          </a:ln>
+        </p:spPr>
+        <p:style>
+          <a:lnRef idx="1">
+            <a:schemeClr val="accent1"/>
+          </a:lnRef>
+          <a:fillRef idx="0">
+            <a:schemeClr val="accent1"/>
+          </a:fillRef>
+          <a:effectRef idx="0">
+            <a:schemeClr val="accent1"/>
+          </a:effectRef>
+          <a:fontRef idx="minor">
+            <a:schemeClr val="tx1"/>
+          </a:fontRef>
+        </p:style>
+      </p:cxnSp>
+      <p:cxnSp>
+        <p:nvCxnSpPr>
+          <p:cNvPr id="477" name="Shape 248">
+            <a:extLst>
+              <a:ext uri="{FF2B5EF4-FFF2-40B4-BE49-F238E27FC236}">
+                <a16:creationId xmlns:a16="http://schemas.microsoft.com/office/drawing/2014/main" id="{C6C91520-B0C9-4363-BEA1-F4ABD9D8791E}"/>
+              </a:ext>
+            </a:extLst>
+          </p:cNvPr>
+          <p:cNvCxnSpPr>
+            <a:cxnSpLocks/>
+            <a:stCxn id="435" idx="2"/>
+            <a:endCxn id="436" idx="0"/>
+          </p:cNvCxnSpPr>
+          <p:nvPr/>
+        </p:nvCxnSpPr>
+        <p:spPr>
+          <a:xfrm rot="16200000" flipH="1">
+            <a:off x="30367866" y="7117307"/>
+            <a:ext cx="316834" cy="855111"/>
+          </a:xfrm>
+          <a:prstGeom prst="bentConnector3">
+            <a:avLst>
+              <a:gd name="adj1" fmla="val 50000"/>
+            </a:avLst>
+          </a:prstGeom>
+          <a:ln w="28575">
+            <a:tailEnd type="arrow"/>
+          </a:ln>
+        </p:spPr>
+        <p:style>
+          <a:lnRef idx="1">
+            <a:schemeClr val="accent1"/>
+          </a:lnRef>
+          <a:fillRef idx="0">
+            <a:schemeClr val="accent1"/>
+          </a:fillRef>
+          <a:effectRef idx="0">
+            <a:schemeClr val="accent1"/>
+          </a:effectRef>
+          <a:fontRef idx="minor">
+            <a:schemeClr val="tx1"/>
+          </a:fontRef>
+        </p:style>
+      </p:cxnSp>
+      <p:sp>
+        <p:nvSpPr>
+          <p:cNvPr id="480" name="Прямоугольник 479">
+            <a:extLst>
+              <a:ext uri="{FF2B5EF4-FFF2-40B4-BE49-F238E27FC236}">
+                <a16:creationId xmlns:a16="http://schemas.microsoft.com/office/drawing/2014/main" id="{AF73B58B-6D21-4BB8-BA02-AD2A6B8EFC62}"/>
+              </a:ext>
+            </a:extLst>
+          </p:cNvPr>
+          <p:cNvSpPr/>
+          <p:nvPr/>
+        </p:nvSpPr>
+        <p:spPr>
+          <a:xfrm>
+            <a:off x="29537423" y="8663089"/>
+            <a:ext cx="1144480" cy="639015"/>
+          </a:xfrm>
+          <a:prstGeom prst="rect">
+            <a:avLst/>
+          </a:prstGeom>
+          <a:ln w="28575"/>
+        </p:spPr>
+        <p:style>
+          <a:lnRef idx="2">
+            <a:schemeClr val="accent1"/>
+          </a:lnRef>
+          <a:fillRef idx="1">
+            <a:schemeClr val="lt1"/>
+          </a:fillRef>
+          <a:effectRef idx="0">
+            <a:schemeClr val="accent1"/>
+          </a:effectRef>
+          <a:fontRef idx="minor">
+            <a:schemeClr val="dk1"/>
+          </a:fontRef>
+        </p:style>
+        <p:txBody>
+          <a:bodyPr lIns="124733" tIns="62367" rIns="124733" bIns="62367" rtlCol="0" anchor="ctr"/>
+          <a:lstStyle/>
+          <a:p>
+            <a:pPr algn="ctr"/>
+            <a:r>
+              <a:rPr lang="ru-RU" sz="1100" dirty="0"/>
+              <a:t>Присоединить Кению</a:t>
+            </a:r>
+            <a:endParaRPr lang="ru-RU" sz="600" dirty="0"/>
+          </a:p>
+        </p:txBody>
+      </p:sp>
+      <p:cxnSp>
+        <p:nvCxnSpPr>
+          <p:cNvPr id="482" name="Shape 248">
+            <a:extLst>
+              <a:ext uri="{FF2B5EF4-FFF2-40B4-BE49-F238E27FC236}">
+                <a16:creationId xmlns:a16="http://schemas.microsoft.com/office/drawing/2014/main" id="{0A111561-5E18-4FD8-8E16-2493645EE3C1}"/>
+              </a:ext>
+            </a:extLst>
+          </p:cNvPr>
+          <p:cNvCxnSpPr>
+            <a:cxnSpLocks/>
+            <a:stCxn id="436" idx="2"/>
+            <a:endCxn id="480" idx="0"/>
+          </p:cNvCxnSpPr>
+          <p:nvPr/>
+        </p:nvCxnSpPr>
+        <p:spPr>
+          <a:xfrm rot="5400000">
+            <a:off x="30371354" y="8080604"/>
+            <a:ext cx="320794" cy="844176"/>
+          </a:xfrm>
+          <a:prstGeom prst="bentConnector3">
+            <a:avLst>
+              <a:gd name="adj1" fmla="val 50000"/>
+            </a:avLst>
+          </a:prstGeom>
+          <a:ln w="28575">
+            <a:tailEnd type="arrow"/>
+          </a:ln>
+        </p:spPr>
+        <p:style>
+          <a:lnRef idx="1">
+            <a:schemeClr val="accent1"/>
+          </a:lnRef>
+          <a:fillRef idx="0">
+            <a:schemeClr val="accent1"/>
+          </a:fillRef>
+          <a:effectRef idx="0">
+            <a:schemeClr val="accent1"/>
+          </a:effectRef>
+          <a:fontRef idx="minor">
+            <a:schemeClr val="tx1"/>
+          </a:fontRef>
+        </p:style>
+      </p:cxnSp>
+      <p:sp>
+        <p:nvSpPr>
+          <p:cNvPr id="486" name="Прямоугольник 485">
+            <a:extLst>
+              <a:ext uri="{FF2B5EF4-FFF2-40B4-BE49-F238E27FC236}">
+                <a16:creationId xmlns:a16="http://schemas.microsoft.com/office/drawing/2014/main" id="{0004DA7D-A7C1-443B-BBCD-3D56E07055B8}"/>
+              </a:ext>
+            </a:extLst>
+          </p:cNvPr>
+          <p:cNvSpPr/>
+          <p:nvPr/>
+        </p:nvSpPr>
+        <p:spPr>
+          <a:xfrm>
+            <a:off x="31236857" y="5750271"/>
+            <a:ext cx="1144480" cy="639015"/>
+          </a:xfrm>
+          <a:prstGeom prst="rect">
+            <a:avLst/>
+          </a:prstGeom>
+          <a:ln w="28575"/>
+        </p:spPr>
+        <p:style>
+          <a:lnRef idx="2">
+            <a:schemeClr val="accent1"/>
+          </a:lnRef>
+          <a:fillRef idx="1">
+            <a:schemeClr val="lt1"/>
+          </a:fillRef>
+          <a:effectRef idx="0">
+            <a:schemeClr val="accent1"/>
+          </a:effectRef>
+          <a:fontRef idx="minor">
+            <a:schemeClr val="dk1"/>
+          </a:fontRef>
+        </p:style>
+        <p:txBody>
+          <a:bodyPr lIns="124733" tIns="62367" rIns="124733" bIns="62367" rtlCol="0" anchor="ctr"/>
+          <a:lstStyle/>
+          <a:p>
+            <a:pPr algn="ctr"/>
+            <a:r>
+              <a:rPr lang="ru-RU" sz="1100" dirty="0"/>
+              <a:t>Поддержать Израиль</a:t>
+            </a:r>
+            <a:endParaRPr lang="ru-RU" sz="600" dirty="0"/>
+          </a:p>
+        </p:txBody>
+      </p:sp>
+      <p:cxnSp>
+        <p:nvCxnSpPr>
+          <p:cNvPr id="487" name="Shape 248">
+            <a:extLst>
+              <a:ext uri="{FF2B5EF4-FFF2-40B4-BE49-F238E27FC236}">
+                <a16:creationId xmlns:a16="http://schemas.microsoft.com/office/drawing/2014/main" id="{4C129103-ECA3-450E-9325-53B5265AEA37}"/>
+              </a:ext>
+            </a:extLst>
+          </p:cNvPr>
+          <p:cNvCxnSpPr>
+            <a:cxnSpLocks/>
+            <a:stCxn id="381" idx="2"/>
+            <a:endCxn id="486" idx="0"/>
+          </p:cNvCxnSpPr>
+          <p:nvPr/>
+        </p:nvCxnSpPr>
+        <p:spPr>
+          <a:xfrm rot="16200000" flipH="1">
+            <a:off x="30645640" y="4586813"/>
+            <a:ext cx="1471657" cy="855257"/>
+          </a:xfrm>
+          <a:prstGeom prst="bentConnector3">
+            <a:avLst>
+              <a:gd name="adj1" fmla="val 15697"/>
+            </a:avLst>
+          </a:prstGeom>
+          <a:ln w="28575">
+            <a:tailEnd type="arrow"/>
+          </a:ln>
+        </p:spPr>
+        <p:style>
+          <a:lnRef idx="1">
+            <a:schemeClr val="accent1"/>
+          </a:lnRef>
+          <a:fillRef idx="0">
+            <a:schemeClr val="accent1"/>
+          </a:fillRef>
+          <a:effectRef idx="0">
+            <a:schemeClr val="accent1"/>
+          </a:effectRef>
+          <a:fontRef idx="minor">
+            <a:schemeClr val="tx1"/>
+          </a:fontRef>
+        </p:style>
+      </p:cxnSp>
+      <p:sp>
+        <p:nvSpPr>
+          <p:cNvPr id="492" name="Прямоугольник 491">
+            <a:extLst>
+              <a:ext uri="{FF2B5EF4-FFF2-40B4-BE49-F238E27FC236}">
+                <a16:creationId xmlns:a16="http://schemas.microsoft.com/office/drawing/2014/main" id="{4F38B18A-1325-4C3C-8173-3AD3A78782A3}"/>
+              </a:ext>
+            </a:extLst>
+          </p:cNvPr>
+          <p:cNvSpPr/>
+          <p:nvPr/>
+        </p:nvSpPr>
+        <p:spPr>
+          <a:xfrm>
+            <a:off x="27819038" y="5761523"/>
+            <a:ext cx="1144480" cy="639015"/>
+          </a:xfrm>
+          <a:prstGeom prst="rect">
+            <a:avLst/>
+          </a:prstGeom>
+          <a:ln w="28575"/>
+        </p:spPr>
+        <p:style>
+          <a:lnRef idx="2">
+            <a:schemeClr val="accent1"/>
+          </a:lnRef>
+          <a:fillRef idx="1">
+            <a:schemeClr val="lt1"/>
+          </a:fillRef>
+          <a:effectRef idx="0">
+            <a:schemeClr val="accent1"/>
+          </a:effectRef>
+          <a:fontRef idx="minor">
+            <a:schemeClr val="dk1"/>
+          </a:fontRef>
+        </p:style>
+        <p:txBody>
+          <a:bodyPr lIns="124733" tIns="62367" rIns="124733" bIns="62367" rtlCol="0" anchor="ctr"/>
+          <a:lstStyle/>
+          <a:p>
+            <a:pPr algn="ctr"/>
+            <a:r>
+              <a:rPr lang="ru-RU" sz="1100" dirty="0"/>
+              <a:t>Уничтожить коммунистов у границы </a:t>
+            </a:r>
+            <a:r>
+              <a:rPr lang="ru-RU" sz="200" dirty="0"/>
+              <a:t>(если граничишь с </a:t>
+            </a:r>
+            <a:r>
+              <a:rPr lang="ru-RU" sz="200" dirty="0" err="1"/>
+              <a:t>комми</a:t>
+            </a:r>
+            <a:r>
+              <a:rPr lang="ru-RU" sz="200" dirty="0"/>
+              <a:t>) (В заявлении о принципах внешней политики Южной Африки, составленном </a:t>
+            </a:r>
+            <a:r>
+              <a:rPr lang="ru-RU" sz="200" dirty="0" err="1"/>
+              <a:t>Пироу</a:t>
+            </a:r>
+            <a:r>
+              <a:rPr lang="ru-RU" sz="200" dirty="0"/>
+              <a:t> для кабинета министров в марте 1938 года, первым принципом была борьба с коммунизмом,)</a:t>
+            </a:r>
+            <a:endParaRPr lang="ru-RU" sz="600" dirty="0"/>
+          </a:p>
+        </p:txBody>
+      </p:sp>
+      <p:cxnSp>
+        <p:nvCxnSpPr>
+          <p:cNvPr id="495" name="Shape 248">
+            <a:extLst>
+              <a:ext uri="{FF2B5EF4-FFF2-40B4-BE49-F238E27FC236}">
+                <a16:creationId xmlns:a16="http://schemas.microsoft.com/office/drawing/2014/main" id="{70E73134-43BE-41EA-BFF8-C9CDC4B71129}"/>
+              </a:ext>
+            </a:extLst>
+          </p:cNvPr>
+          <p:cNvCxnSpPr>
+            <a:cxnSpLocks/>
+            <a:stCxn id="382" idx="2"/>
+            <a:endCxn id="492" idx="0"/>
+          </p:cNvCxnSpPr>
+          <p:nvPr/>
+        </p:nvCxnSpPr>
+        <p:spPr>
+          <a:xfrm rot="5400000">
+            <a:off x="28078913" y="4590979"/>
+            <a:ext cx="1482909" cy="858178"/>
+          </a:xfrm>
+          <a:prstGeom prst="bentConnector3">
+            <a:avLst>
+              <a:gd name="adj1" fmla="val 15315"/>
+            </a:avLst>
+          </a:prstGeom>
+          <a:ln w="28575">
+            <a:tailEnd type="arrow"/>
+          </a:ln>
+        </p:spPr>
+        <p:style>
+          <a:lnRef idx="1">
+            <a:schemeClr val="accent1"/>
+          </a:lnRef>
+          <a:fillRef idx="0">
+            <a:schemeClr val="accent1"/>
+          </a:fillRef>
+          <a:effectRef idx="0">
+            <a:schemeClr val="accent1"/>
+          </a:effectRef>
+          <a:fontRef idx="minor">
+            <a:schemeClr val="tx1"/>
+          </a:fontRef>
+        </p:style>
+      </p:cxnSp>
+      <p:sp>
+        <p:nvSpPr>
+          <p:cNvPr id="500" name="Прямоугольник 499">
+            <a:extLst>
+              <a:ext uri="{FF2B5EF4-FFF2-40B4-BE49-F238E27FC236}">
+                <a16:creationId xmlns:a16="http://schemas.microsoft.com/office/drawing/2014/main" id="{EB8B9CBE-9BC3-4484-9551-27DCE8970A88}"/>
+              </a:ext>
+            </a:extLst>
+          </p:cNvPr>
+          <p:cNvSpPr/>
+          <p:nvPr/>
+        </p:nvSpPr>
+        <p:spPr>
+          <a:xfrm>
+            <a:off x="32097478" y="4747970"/>
+            <a:ext cx="1144480" cy="639015"/>
+          </a:xfrm>
+          <a:prstGeom prst="rect">
+            <a:avLst/>
+          </a:prstGeom>
+          <a:ln w="28575"/>
+        </p:spPr>
+        <p:style>
+          <a:lnRef idx="2">
+            <a:schemeClr val="accent1"/>
+          </a:lnRef>
+          <a:fillRef idx="1">
+            <a:schemeClr val="lt1"/>
+          </a:fillRef>
+          <a:effectRef idx="0">
+            <a:schemeClr val="accent1"/>
+          </a:effectRef>
+          <a:fontRef idx="minor">
+            <a:schemeClr val="dk1"/>
+          </a:fontRef>
+        </p:style>
+        <p:txBody>
+          <a:bodyPr lIns="124733" tIns="62367" rIns="124733" bIns="62367" rtlCol="0" anchor="ctr"/>
+          <a:lstStyle/>
+          <a:p>
+            <a:pPr algn="ctr"/>
+            <a:r>
+              <a:rPr lang="ru-RU" sz="1100" dirty="0"/>
+              <a:t>Распространить пенсии и пособия на индейцев </a:t>
+            </a:r>
+            <a:r>
+              <a:rPr lang="ru-RU" sz="200" dirty="0"/>
+              <a:t>(Пенсии по старости и пособия по инвалидности были распространены на «индейцев» и «африканцев» в 1944 и 1947 годах соответственно, хотя существовали различия в уровне выплачиваемых пособий в зависимости от расы.)</a:t>
+            </a:r>
+            <a:endParaRPr lang="ru-RU" sz="600" dirty="0"/>
+          </a:p>
+        </p:txBody>
+      </p:sp>
+      <p:sp>
+        <p:nvSpPr>
+          <p:cNvPr id="501" name="Прямоугольник 500">
+            <a:extLst>
+              <a:ext uri="{FF2B5EF4-FFF2-40B4-BE49-F238E27FC236}">
+                <a16:creationId xmlns:a16="http://schemas.microsoft.com/office/drawing/2014/main" id="{B0BE53F3-2062-48C4-AEFD-0F581DA2DFCA}"/>
+              </a:ext>
+            </a:extLst>
+          </p:cNvPr>
+          <p:cNvSpPr/>
+          <p:nvPr/>
+        </p:nvSpPr>
+        <p:spPr>
+          <a:xfrm>
+            <a:off x="32942054" y="5751825"/>
+            <a:ext cx="1144480" cy="639015"/>
+          </a:xfrm>
+          <a:prstGeom prst="rect">
+            <a:avLst/>
+          </a:prstGeom>
+          <a:ln w="28575"/>
+        </p:spPr>
+        <p:style>
+          <a:lnRef idx="2">
+            <a:schemeClr val="accent1"/>
+          </a:lnRef>
+          <a:fillRef idx="1">
+            <a:schemeClr val="lt1"/>
+          </a:fillRef>
+          <a:effectRef idx="0">
+            <a:schemeClr val="accent1"/>
+          </a:effectRef>
+          <a:fontRef idx="minor">
+            <a:schemeClr val="dk1"/>
+          </a:fontRef>
+        </p:style>
+        <p:txBody>
+          <a:bodyPr lIns="124733" tIns="62367" rIns="124733" bIns="62367" rtlCol="0" anchor="ctr"/>
+          <a:lstStyle/>
+          <a:p>
+            <a:pPr algn="ctr"/>
+            <a:r>
+              <a:rPr lang="ru-RU" sz="1100" dirty="0"/>
+              <a:t>Распространить пенсии и пособия на африканцев</a:t>
+            </a:r>
+            <a:endParaRPr lang="ru-RU" sz="600" dirty="0"/>
+          </a:p>
+        </p:txBody>
+      </p:sp>
+      <p:cxnSp>
+        <p:nvCxnSpPr>
+          <p:cNvPr id="502" name="Shape 248">
+            <a:extLst>
+              <a:ext uri="{FF2B5EF4-FFF2-40B4-BE49-F238E27FC236}">
+                <a16:creationId xmlns:a16="http://schemas.microsoft.com/office/drawing/2014/main" id="{3EEB3E52-A5C5-47F5-9C9C-C91011557B2D}"/>
+              </a:ext>
+            </a:extLst>
+          </p:cNvPr>
+          <p:cNvCxnSpPr>
+            <a:cxnSpLocks/>
+            <a:stCxn id="381" idx="2"/>
+            <a:endCxn id="500" idx="0"/>
+          </p:cNvCxnSpPr>
+          <p:nvPr/>
+        </p:nvCxnSpPr>
+        <p:spPr>
+          <a:xfrm rot="16200000" flipH="1">
+            <a:off x="31577101" y="3655353"/>
+            <a:ext cx="469356" cy="1715878"/>
+          </a:xfrm>
+          <a:prstGeom prst="bentConnector3">
+            <a:avLst>
+              <a:gd name="adj1" fmla="val 50000"/>
+            </a:avLst>
+          </a:prstGeom>
+          <a:ln w="28575">
+            <a:tailEnd type="arrow"/>
+          </a:ln>
+        </p:spPr>
+        <p:style>
+          <a:lnRef idx="1">
+            <a:schemeClr val="accent1"/>
+          </a:lnRef>
+          <a:fillRef idx="0">
+            <a:schemeClr val="accent1"/>
+          </a:fillRef>
+          <a:effectRef idx="0">
+            <a:schemeClr val="accent1"/>
+          </a:effectRef>
+          <a:fontRef idx="minor">
+            <a:schemeClr val="tx1"/>
+          </a:fontRef>
+        </p:style>
+      </p:cxnSp>
+      <p:cxnSp>
+        <p:nvCxnSpPr>
+          <p:cNvPr id="512" name="Shape 248">
+            <a:extLst>
+              <a:ext uri="{FF2B5EF4-FFF2-40B4-BE49-F238E27FC236}">
+                <a16:creationId xmlns:a16="http://schemas.microsoft.com/office/drawing/2014/main" id="{1C193185-C918-4898-915D-18DCBD9D2238}"/>
+              </a:ext>
+            </a:extLst>
+          </p:cNvPr>
+          <p:cNvCxnSpPr>
+            <a:cxnSpLocks/>
+            <a:stCxn id="500" idx="2"/>
+            <a:endCxn id="501" idx="0"/>
+          </p:cNvCxnSpPr>
+          <p:nvPr/>
+        </p:nvCxnSpPr>
+        <p:spPr>
+          <a:xfrm rot="16200000" flipH="1">
+            <a:off x="32909586" y="5147117"/>
+            <a:ext cx="364840" cy="844576"/>
+          </a:xfrm>
+          <a:prstGeom prst="bentConnector3">
+            <a:avLst>
+              <a:gd name="adj1" fmla="val 50000"/>
+            </a:avLst>
+          </a:prstGeom>
+          <a:ln w="28575">
+            <a:tailEnd type="arrow"/>
+          </a:ln>
+        </p:spPr>
+        <p:style>
+          <a:lnRef idx="1">
+            <a:schemeClr val="accent1"/>
+          </a:lnRef>
+          <a:fillRef idx="0">
+            <a:schemeClr val="accent1"/>
+          </a:fillRef>
+          <a:effectRef idx="0">
+            <a:schemeClr val="accent1"/>
+          </a:effectRef>
+          <a:fontRef idx="minor">
+            <a:schemeClr val="tx1"/>
+          </a:fontRef>
+        </p:style>
+      </p:cxnSp>
+      <p:cxnSp>
+        <p:nvCxnSpPr>
+          <p:cNvPr id="515" name="Shape 248">
+            <a:extLst>
+              <a:ext uri="{FF2B5EF4-FFF2-40B4-BE49-F238E27FC236}">
+                <a16:creationId xmlns:a16="http://schemas.microsoft.com/office/drawing/2014/main" id="{8437F4CD-6A90-49E5-AB7B-22FA75DEA97C}"/>
+              </a:ext>
+            </a:extLst>
+          </p:cNvPr>
+          <p:cNvCxnSpPr>
+            <a:cxnSpLocks/>
+            <a:stCxn id="382" idx="2"/>
+            <a:endCxn id="414" idx="0"/>
+          </p:cNvCxnSpPr>
+          <p:nvPr/>
+        </p:nvCxnSpPr>
+        <p:spPr>
+          <a:xfrm rot="5400000">
+            <a:off x="28169807" y="3647893"/>
+            <a:ext cx="448928" cy="1710370"/>
+          </a:xfrm>
+          <a:prstGeom prst="bentConnector3">
+            <a:avLst>
+              <a:gd name="adj1" fmla="val 50000"/>
+            </a:avLst>
+          </a:prstGeom>
+          <a:ln w="28575">
+            <a:tailEnd type="arrow"/>
+          </a:ln>
+        </p:spPr>
+        <p:style>
+          <a:lnRef idx="1">
+            <a:schemeClr val="accent1"/>
+          </a:lnRef>
+          <a:fillRef idx="0">
+            <a:schemeClr val="accent1"/>
+          </a:fillRef>
+          <a:effectRef idx="0">
+            <a:schemeClr val="accent1"/>
+          </a:effectRef>
+          <a:fontRef idx="minor">
+            <a:schemeClr val="tx1"/>
+          </a:fontRef>
+        </p:style>
+      </p:cxnSp>
+      <p:sp>
+        <p:nvSpPr>
+          <p:cNvPr id="527" name="Прямоугольник 526">
+            <a:extLst>
+              <a:ext uri="{FF2B5EF4-FFF2-40B4-BE49-F238E27FC236}">
+                <a16:creationId xmlns:a16="http://schemas.microsoft.com/office/drawing/2014/main" id="{10B5E765-C80F-4F5C-BA50-A11627BEF25F}"/>
+              </a:ext>
+            </a:extLst>
+          </p:cNvPr>
+          <p:cNvSpPr/>
+          <p:nvPr/>
+        </p:nvSpPr>
+        <p:spPr>
+          <a:xfrm>
+            <a:off x="33802675" y="4747969"/>
+            <a:ext cx="1144480" cy="639015"/>
+          </a:xfrm>
+          <a:prstGeom prst="rect">
+            <a:avLst/>
+          </a:prstGeom>
+          <a:ln w="28575"/>
+        </p:spPr>
+        <p:style>
+          <a:lnRef idx="2">
+            <a:schemeClr val="accent1"/>
+          </a:lnRef>
+          <a:fillRef idx="1">
+            <a:schemeClr val="lt1"/>
+          </a:fillRef>
+          <a:effectRef idx="0">
+            <a:schemeClr val="accent1"/>
+          </a:effectRef>
+          <a:fontRef idx="minor">
+            <a:schemeClr val="dk1"/>
+          </a:fontRef>
+        </p:style>
+        <p:txBody>
+          <a:bodyPr lIns="124733" tIns="62367" rIns="124733" bIns="62367" rtlCol="0" anchor="ctr"/>
+          <a:lstStyle/>
+          <a:p>
+            <a:pPr algn="ctr"/>
+            <a:r>
+              <a:rPr lang="ru-RU" sz="1100" dirty="0"/>
+              <a:t>Укрепить связи с Содружеством</a:t>
+            </a:r>
+            <a:endParaRPr lang="ru-RU" sz="600" dirty="0"/>
+          </a:p>
+        </p:txBody>
+      </p:sp>
+      <p:cxnSp>
+        <p:nvCxnSpPr>
+          <p:cNvPr id="528" name="Shape 248">
+            <a:extLst>
+              <a:ext uri="{FF2B5EF4-FFF2-40B4-BE49-F238E27FC236}">
+                <a16:creationId xmlns:a16="http://schemas.microsoft.com/office/drawing/2014/main" id="{F72BD096-6E3C-4303-8DF2-147D4AE9E0A4}"/>
+              </a:ext>
+            </a:extLst>
+          </p:cNvPr>
+          <p:cNvCxnSpPr>
+            <a:cxnSpLocks/>
+            <a:stCxn id="381" idx="2"/>
+            <a:endCxn id="527" idx="0"/>
+          </p:cNvCxnSpPr>
+          <p:nvPr/>
+        </p:nvCxnSpPr>
+        <p:spPr>
+          <a:xfrm rot="16200000" flipH="1">
+            <a:off x="32429700" y="2802753"/>
+            <a:ext cx="469355" cy="3421075"/>
+          </a:xfrm>
+          <a:prstGeom prst="bentConnector3">
+            <a:avLst>
+              <a:gd name="adj1" fmla="val 50000"/>
+            </a:avLst>
+          </a:prstGeom>
+          <a:ln w="28575">
+            <a:tailEnd type="arrow"/>
+          </a:ln>
+        </p:spPr>
+        <p:style>
+          <a:lnRef idx="1">
+            <a:schemeClr val="accent1"/>
+          </a:lnRef>
+          <a:fillRef idx="0">
+            <a:schemeClr val="accent1"/>
+          </a:fillRef>
+          <a:effectRef idx="0">
+            <a:schemeClr val="accent1"/>
+          </a:effectRef>
+          <a:fontRef idx="minor">
+            <a:schemeClr val="tx1"/>
+          </a:fontRef>
+        </p:style>
+      </p:cxnSp>
+      <p:sp>
+        <p:nvSpPr>
+          <p:cNvPr id="531" name="Прямоугольник 530">
+            <a:extLst>
+              <a:ext uri="{FF2B5EF4-FFF2-40B4-BE49-F238E27FC236}">
+                <a16:creationId xmlns:a16="http://schemas.microsoft.com/office/drawing/2014/main" id="{46A8FDBC-6652-4604-9DC9-FB62EE04ADC6}"/>
+              </a:ext>
+            </a:extLst>
+          </p:cNvPr>
+          <p:cNvSpPr/>
+          <p:nvPr/>
+        </p:nvSpPr>
+        <p:spPr>
+          <a:xfrm>
+            <a:off x="33802675" y="6747430"/>
+            <a:ext cx="1144480" cy="639015"/>
+          </a:xfrm>
+          <a:prstGeom prst="rect">
+            <a:avLst/>
+          </a:prstGeom>
+          <a:ln w="28575"/>
+        </p:spPr>
+        <p:style>
+          <a:lnRef idx="2">
+            <a:schemeClr val="accent1"/>
+          </a:lnRef>
+          <a:fillRef idx="1">
+            <a:schemeClr val="lt1"/>
+          </a:fillRef>
+          <a:effectRef idx="0">
+            <a:schemeClr val="accent1"/>
+          </a:effectRef>
+          <a:fontRef idx="minor">
+            <a:schemeClr val="dk1"/>
+          </a:fontRef>
+        </p:style>
+        <p:txBody>
+          <a:bodyPr lIns="124733" tIns="62367" rIns="124733" bIns="62367" rtlCol="0" anchor="ctr"/>
+          <a:lstStyle/>
+          <a:p>
+            <a:pPr algn="ctr"/>
+            <a:r>
+              <a:rPr lang="ru-RU" sz="1100" dirty="0"/>
+              <a:t>Капская гарнизонная артиллерия</a:t>
+            </a:r>
+            <a:endParaRPr lang="ru-RU" sz="600" dirty="0"/>
+          </a:p>
+        </p:txBody>
+      </p:sp>
+      <p:cxnSp>
+        <p:nvCxnSpPr>
+          <p:cNvPr id="532" name="Прямая со стрелкой 531">
+            <a:extLst>
+              <a:ext uri="{FF2B5EF4-FFF2-40B4-BE49-F238E27FC236}">
+                <a16:creationId xmlns:a16="http://schemas.microsoft.com/office/drawing/2014/main" id="{422CC68E-A559-4089-BA8E-1228C0FA7575}"/>
+              </a:ext>
+            </a:extLst>
+          </p:cNvPr>
+          <p:cNvCxnSpPr>
+            <a:cxnSpLocks/>
+            <a:stCxn id="527" idx="2"/>
+            <a:endCxn id="531" idx="0"/>
+          </p:cNvCxnSpPr>
+          <p:nvPr/>
+        </p:nvCxnSpPr>
+        <p:spPr>
+          <a:xfrm>
+            <a:off x="34374915" y="5386984"/>
+            <a:ext cx="0" cy="1360446"/>
+          </a:xfrm>
+          <a:prstGeom prst="straightConnector1">
+            <a:avLst/>
+          </a:prstGeom>
+          <a:ln w="28575">
+            <a:tailEnd type="arrow"/>
+          </a:ln>
+        </p:spPr>
+        <p:style>
+          <a:lnRef idx="1">
+            <a:schemeClr val="accent1"/>
+          </a:lnRef>
+          <a:fillRef idx="0">
+            <a:schemeClr val="accent1"/>
+          </a:fillRef>
+          <a:effectRef idx="0">
+            <a:schemeClr val="accent1"/>
+          </a:effectRef>
+          <a:fontRef idx="minor">
+            <a:schemeClr val="tx1"/>
+          </a:fontRef>
+        </p:style>
+      </p:cxnSp>
+      <p:cxnSp>
+        <p:nvCxnSpPr>
+          <p:cNvPr id="538" name="Shape 248">
+            <a:extLst>
+              <a:ext uri="{FF2B5EF4-FFF2-40B4-BE49-F238E27FC236}">
+                <a16:creationId xmlns:a16="http://schemas.microsoft.com/office/drawing/2014/main" id="{3D205DD2-431D-4DB9-9F7A-1B375905D6B8}"/>
+              </a:ext>
+            </a:extLst>
+          </p:cNvPr>
+          <p:cNvCxnSpPr>
+            <a:cxnSpLocks/>
+            <a:stCxn id="382" idx="2"/>
+            <a:endCxn id="416" idx="0"/>
+          </p:cNvCxnSpPr>
+          <p:nvPr/>
+        </p:nvCxnSpPr>
+        <p:spPr>
+          <a:xfrm rot="5400000">
+            <a:off x="27317135" y="2790195"/>
+            <a:ext cx="443902" cy="3420740"/>
+          </a:xfrm>
+          <a:prstGeom prst="bentConnector3">
+            <a:avLst>
+              <a:gd name="adj1" fmla="val 50000"/>
+            </a:avLst>
+          </a:prstGeom>
+          <a:ln w="28575">
+            <a:prstDash val="dash"/>
+            <a:tailEnd type="arrow"/>
+          </a:ln>
+        </p:spPr>
+        <p:style>
+          <a:lnRef idx="1">
+            <a:schemeClr val="accent1"/>
+          </a:lnRef>
+          <a:fillRef idx="0">
+            <a:schemeClr val="accent1"/>
+          </a:fillRef>
+          <a:effectRef idx="0">
+            <a:schemeClr val="accent1"/>
+          </a:effectRef>
+          <a:fontRef idx="minor">
+            <a:schemeClr val="tx1"/>
+          </a:fontRef>
+        </p:style>
+      </p:cxnSp>
+      <p:sp>
+        <p:nvSpPr>
+          <p:cNvPr id="541" name="Прямоугольник 540">
+            <a:extLst>
+              <a:ext uri="{FF2B5EF4-FFF2-40B4-BE49-F238E27FC236}">
+                <a16:creationId xmlns:a16="http://schemas.microsoft.com/office/drawing/2014/main" id="{78E85415-D30F-41A9-9A88-FA251EE9A750}"/>
+              </a:ext>
+            </a:extLst>
+          </p:cNvPr>
+          <p:cNvSpPr/>
+          <p:nvPr/>
+        </p:nvSpPr>
+        <p:spPr>
+          <a:xfrm>
+            <a:off x="25256476" y="3639598"/>
+            <a:ext cx="1144480" cy="639015"/>
+          </a:xfrm>
+          <a:prstGeom prst="rect">
+            <a:avLst/>
+          </a:prstGeom>
+          <a:ln w="28575"/>
+        </p:spPr>
+        <p:style>
+          <a:lnRef idx="2">
+            <a:schemeClr val="accent1"/>
+          </a:lnRef>
+          <a:fillRef idx="1">
+            <a:schemeClr val="lt1"/>
+          </a:fillRef>
+          <a:effectRef idx="0">
+            <a:schemeClr val="accent1"/>
+          </a:effectRef>
+          <a:fontRef idx="minor">
+            <a:schemeClr val="dk1"/>
+          </a:fontRef>
+        </p:style>
+        <p:txBody>
+          <a:bodyPr lIns="124733" tIns="62367" rIns="124733" bIns="62367" rtlCol="0" anchor="ctr"/>
+          <a:lstStyle/>
+          <a:p>
+            <a:pPr algn="ctr"/>
+            <a:r>
+              <a:rPr lang="ru-RU" sz="1100" dirty="0"/>
+              <a:t>Начать травлю </a:t>
+            </a:r>
+            <a:r>
+              <a:rPr lang="ru-RU" sz="1100" dirty="0" err="1"/>
+              <a:t>ангофилов</a:t>
+            </a:r>
+            <a:endParaRPr lang="ru-RU" sz="600" dirty="0"/>
+          </a:p>
+        </p:txBody>
+      </p:sp>
+      <p:cxnSp>
+        <p:nvCxnSpPr>
+          <p:cNvPr id="543" name="Прямая со стрелкой 542">
+            <a:extLst>
+              <a:ext uri="{FF2B5EF4-FFF2-40B4-BE49-F238E27FC236}">
+                <a16:creationId xmlns:a16="http://schemas.microsoft.com/office/drawing/2014/main" id="{EEA4CD50-ECA8-4A78-AB59-8E75478C608F}"/>
+              </a:ext>
+            </a:extLst>
+          </p:cNvPr>
+          <p:cNvCxnSpPr>
+            <a:cxnSpLocks/>
+            <a:stCxn id="541" idx="2"/>
+            <a:endCxn id="416" idx="0"/>
+          </p:cNvCxnSpPr>
+          <p:nvPr/>
+        </p:nvCxnSpPr>
+        <p:spPr>
+          <a:xfrm>
+            <a:off x="25828716" y="4278613"/>
+            <a:ext cx="0" cy="443903"/>
+          </a:xfrm>
+          <a:prstGeom prst="straightConnector1">
+            <a:avLst/>
+          </a:prstGeom>
+          <a:ln w="28575">
+            <a:prstDash val="dash"/>
+            <a:tailEnd type="arrow"/>
+          </a:ln>
+        </p:spPr>
+        <p:style>
+          <a:lnRef idx="1">
+            <a:schemeClr val="accent1"/>
+          </a:lnRef>
+          <a:fillRef idx="0">
+            <a:schemeClr val="accent1"/>
+          </a:fillRef>
+          <a:effectRef idx="0">
+            <a:schemeClr val="accent1"/>
+          </a:effectRef>
+          <a:fontRef idx="minor">
+            <a:schemeClr val="tx1"/>
+          </a:fontRef>
+        </p:style>
+      </p:cxnSp>
+      <p:sp>
+        <p:nvSpPr>
+          <p:cNvPr id="546" name="Прямоугольник 545">
+            <a:extLst>
+              <a:ext uri="{FF2B5EF4-FFF2-40B4-BE49-F238E27FC236}">
+                <a16:creationId xmlns:a16="http://schemas.microsoft.com/office/drawing/2014/main" id="{693EDEDC-68E4-4061-A3D9-60F9A3A37827}"/>
+              </a:ext>
+            </a:extLst>
+          </p:cNvPr>
+          <p:cNvSpPr/>
+          <p:nvPr/>
+        </p:nvSpPr>
+        <p:spPr>
+          <a:xfrm>
+            <a:off x="26115653" y="5750271"/>
+            <a:ext cx="1144480" cy="639015"/>
+          </a:xfrm>
+          <a:prstGeom prst="rect">
+            <a:avLst/>
+          </a:prstGeom>
+          <a:ln w="28575"/>
+        </p:spPr>
+        <p:style>
+          <a:lnRef idx="2">
+            <a:schemeClr val="accent1"/>
+          </a:lnRef>
+          <a:fillRef idx="1">
+            <a:schemeClr val="lt1"/>
+          </a:fillRef>
+          <a:effectRef idx="0">
+            <a:schemeClr val="accent1"/>
+          </a:effectRef>
+          <a:fontRef idx="minor">
+            <a:schemeClr val="dk1"/>
+          </a:fontRef>
+        </p:style>
+        <p:txBody>
+          <a:bodyPr lIns="124733" tIns="62367" rIns="124733" bIns="62367" rtlCol="0" anchor="ctr"/>
+          <a:lstStyle/>
+          <a:p>
+            <a:pPr algn="ctr"/>
+            <a:r>
+              <a:rPr lang="ru-RU" sz="1100" dirty="0" err="1"/>
+              <a:t>Преторийский</a:t>
+            </a:r>
+            <a:r>
+              <a:rPr lang="ru-RU" sz="1100" dirty="0"/>
+              <a:t> договор </a:t>
+            </a:r>
+            <a:r>
+              <a:rPr lang="ru-RU" sz="800" dirty="0"/>
+              <a:t>(союзы с белыми в Африке)</a:t>
+            </a:r>
+            <a:endParaRPr lang="ru-RU" sz="600" dirty="0"/>
+          </a:p>
+        </p:txBody>
+      </p:sp>
+      <p:sp>
+        <p:nvSpPr>
+          <p:cNvPr id="547" name="Прямоугольник 546">
+            <a:extLst>
+              <a:ext uri="{FF2B5EF4-FFF2-40B4-BE49-F238E27FC236}">
+                <a16:creationId xmlns:a16="http://schemas.microsoft.com/office/drawing/2014/main" id="{59845B6E-02FA-4DA2-9508-34606EEFF23C}"/>
+              </a:ext>
+            </a:extLst>
+          </p:cNvPr>
+          <p:cNvSpPr/>
+          <p:nvPr/>
+        </p:nvSpPr>
+        <p:spPr>
+          <a:xfrm>
+            <a:off x="24460734" y="5750271"/>
+            <a:ext cx="1144480" cy="639015"/>
+          </a:xfrm>
+          <a:prstGeom prst="rect">
+            <a:avLst/>
+          </a:prstGeom>
+          <a:ln w="28575"/>
+        </p:spPr>
+        <p:style>
+          <a:lnRef idx="2">
+            <a:schemeClr val="accent1"/>
+          </a:lnRef>
+          <a:fillRef idx="1">
+            <a:schemeClr val="lt1"/>
+          </a:fillRef>
+          <a:effectRef idx="0">
+            <a:schemeClr val="accent1"/>
+          </a:effectRef>
+          <a:fontRef idx="minor">
+            <a:schemeClr val="dk1"/>
+          </a:fontRef>
+        </p:style>
+        <p:txBody>
+          <a:bodyPr lIns="124733" tIns="62367" rIns="124733" bIns="62367" rtlCol="0" anchor="ctr"/>
+          <a:lstStyle/>
+          <a:p>
+            <a:pPr algn="ctr"/>
+            <a:r>
+              <a:rPr lang="ru-RU" sz="1100" dirty="0"/>
+              <a:t>Вступить в Ось</a:t>
+            </a:r>
+            <a:endParaRPr lang="ru-RU" sz="600" dirty="0"/>
+          </a:p>
+        </p:txBody>
+      </p:sp>
+      <p:cxnSp>
+        <p:nvCxnSpPr>
+          <p:cNvPr id="548" name="Прямая соединительная линия 547">
+            <a:extLst>
+              <a:ext uri="{FF2B5EF4-FFF2-40B4-BE49-F238E27FC236}">
+                <a16:creationId xmlns:a16="http://schemas.microsoft.com/office/drawing/2014/main" id="{FC39A64D-9EB2-4394-B921-A5ED02C7F3E1}"/>
+              </a:ext>
+            </a:extLst>
+          </p:cNvPr>
+          <p:cNvCxnSpPr>
+            <a:cxnSpLocks/>
+            <a:stCxn id="547" idx="3"/>
+            <a:endCxn id="546" idx="1"/>
+          </p:cNvCxnSpPr>
+          <p:nvPr/>
+        </p:nvCxnSpPr>
+        <p:spPr>
+          <a:xfrm>
+            <a:off x="25605214" y="6069779"/>
+            <a:ext cx="510439" cy="0"/>
+          </a:xfrm>
+          <a:prstGeom prst="line">
+            <a:avLst/>
+          </a:prstGeom>
+          <a:ln w="38100">
+            <a:solidFill>
+              <a:srgbClr val="FF0000"/>
+            </a:solidFill>
+          </a:ln>
+        </p:spPr>
+        <p:style>
+          <a:lnRef idx="1">
+            <a:schemeClr val="accent2"/>
+          </a:lnRef>
+          <a:fillRef idx="0">
+            <a:schemeClr val="accent2"/>
+          </a:fillRef>
+          <a:effectRef idx="0">
+            <a:schemeClr val="accent2"/>
+          </a:effectRef>
+          <a:fontRef idx="minor">
+            <a:schemeClr val="tx1"/>
+          </a:fontRef>
+        </p:style>
+      </p:cxnSp>
+      <p:cxnSp>
+        <p:nvCxnSpPr>
+          <p:cNvPr id="554" name="Shape 248">
+            <a:extLst>
+              <a:ext uri="{FF2B5EF4-FFF2-40B4-BE49-F238E27FC236}">
+                <a16:creationId xmlns:a16="http://schemas.microsoft.com/office/drawing/2014/main" id="{A5F70685-18C0-4B5C-A342-6CEDEEC9BB39}"/>
+              </a:ext>
+            </a:extLst>
+          </p:cNvPr>
+          <p:cNvCxnSpPr>
+            <a:cxnSpLocks/>
+            <a:stCxn id="416" idx="2"/>
+            <a:endCxn id="547" idx="0"/>
+          </p:cNvCxnSpPr>
+          <p:nvPr/>
+        </p:nvCxnSpPr>
+        <p:spPr>
+          <a:xfrm rot="5400000">
+            <a:off x="25236475" y="5158030"/>
+            <a:ext cx="388740" cy="795742"/>
+          </a:xfrm>
+          <a:prstGeom prst="bentConnector3">
+            <a:avLst>
+              <a:gd name="adj1" fmla="val 50000"/>
+            </a:avLst>
+          </a:prstGeom>
+          <a:ln w="28575">
+            <a:tailEnd type="arrow"/>
+          </a:ln>
+        </p:spPr>
+        <p:style>
+          <a:lnRef idx="1">
+            <a:schemeClr val="accent1"/>
+          </a:lnRef>
+          <a:fillRef idx="0">
+            <a:schemeClr val="accent1"/>
+          </a:fillRef>
+          <a:effectRef idx="0">
+            <a:schemeClr val="accent1"/>
+          </a:effectRef>
+          <a:fontRef idx="minor">
+            <a:schemeClr val="tx1"/>
+          </a:fontRef>
+        </p:style>
+      </p:cxnSp>
+      <p:cxnSp>
+        <p:nvCxnSpPr>
+          <p:cNvPr id="557" name="Shape 248">
+            <a:extLst>
+              <a:ext uri="{FF2B5EF4-FFF2-40B4-BE49-F238E27FC236}">
+                <a16:creationId xmlns:a16="http://schemas.microsoft.com/office/drawing/2014/main" id="{62AF6AF3-2F8C-4C61-A6BB-EB44C00E5674}"/>
+              </a:ext>
+            </a:extLst>
+          </p:cNvPr>
+          <p:cNvCxnSpPr>
+            <a:cxnSpLocks/>
+            <a:stCxn id="416" idx="2"/>
+            <a:endCxn id="546" idx="0"/>
+          </p:cNvCxnSpPr>
+          <p:nvPr/>
+        </p:nvCxnSpPr>
+        <p:spPr>
+          <a:xfrm rot="16200000" flipH="1">
+            <a:off x="26063934" y="5126312"/>
+            <a:ext cx="388740" cy="859177"/>
+          </a:xfrm>
+          <a:prstGeom prst="bentConnector3">
+            <a:avLst>
+              <a:gd name="adj1" fmla="val 50000"/>
+            </a:avLst>
+          </a:prstGeom>
+          <a:ln w="28575">
+            <a:tailEnd type="arrow"/>
+          </a:ln>
+        </p:spPr>
+        <p:style>
+          <a:lnRef idx="1">
+            <a:schemeClr val="accent1"/>
+          </a:lnRef>
+          <a:fillRef idx="0">
+            <a:schemeClr val="accent1"/>
+          </a:fillRef>
+          <a:effectRef idx="0">
+            <a:schemeClr val="accent1"/>
+          </a:effectRef>
+          <a:fontRef idx="minor">
+            <a:schemeClr val="tx1"/>
+          </a:fontRef>
+        </p:style>
+      </p:cxnSp>
+      <p:sp>
+        <p:nvSpPr>
+          <p:cNvPr id="562" name="Прямоугольник 561">
+            <a:extLst>
+              <a:ext uri="{FF2B5EF4-FFF2-40B4-BE49-F238E27FC236}">
+                <a16:creationId xmlns:a16="http://schemas.microsoft.com/office/drawing/2014/main" id="{DE118697-AB34-451F-BFF6-BFE16D1F8742}"/>
+              </a:ext>
+            </a:extLst>
+          </p:cNvPr>
+          <p:cNvSpPr/>
+          <p:nvPr/>
+        </p:nvSpPr>
+        <p:spPr>
+          <a:xfrm>
+            <a:off x="25255848" y="6732540"/>
+            <a:ext cx="1144480" cy="639015"/>
+          </a:xfrm>
+          <a:prstGeom prst="rect">
+            <a:avLst/>
+          </a:prstGeom>
+          <a:ln w="28575"/>
+        </p:spPr>
+        <p:style>
+          <a:lnRef idx="2">
+            <a:schemeClr val="accent1"/>
+          </a:lnRef>
+          <a:fillRef idx="1">
+            <a:schemeClr val="lt1"/>
+          </a:fillRef>
+          <a:effectRef idx="0">
+            <a:schemeClr val="accent1"/>
+          </a:effectRef>
+          <a:fontRef idx="minor">
+            <a:schemeClr val="dk1"/>
+          </a:fontRef>
+        </p:style>
+        <p:txBody>
+          <a:bodyPr lIns="124733" tIns="62367" rIns="124733" bIns="62367" rtlCol="0" anchor="ctr"/>
+          <a:lstStyle/>
+          <a:p>
+            <a:pPr algn="ctr"/>
+            <a:r>
+              <a:rPr lang="ru-RU" sz="1100" dirty="0"/>
+              <a:t>Совместные разработки</a:t>
+            </a:r>
+            <a:endParaRPr lang="ru-RU" sz="600" dirty="0"/>
+          </a:p>
+        </p:txBody>
+      </p:sp>
+      <p:cxnSp>
+        <p:nvCxnSpPr>
+          <p:cNvPr id="563" name="Shape 248">
+            <a:extLst>
+              <a:ext uri="{FF2B5EF4-FFF2-40B4-BE49-F238E27FC236}">
+                <a16:creationId xmlns:a16="http://schemas.microsoft.com/office/drawing/2014/main" id="{056FE882-F854-4E9A-9041-70DC090A8BCB}"/>
+              </a:ext>
+            </a:extLst>
+          </p:cNvPr>
+          <p:cNvCxnSpPr>
+            <a:cxnSpLocks/>
+            <a:stCxn id="546" idx="2"/>
+            <a:endCxn id="562" idx="0"/>
+          </p:cNvCxnSpPr>
+          <p:nvPr/>
+        </p:nvCxnSpPr>
+        <p:spPr>
+          <a:xfrm rot="5400000">
+            <a:off x="26086364" y="6131011"/>
+            <a:ext cx="343254" cy="859805"/>
+          </a:xfrm>
+          <a:prstGeom prst="bentConnector3">
+            <a:avLst>
+              <a:gd name="adj1" fmla="val 50000"/>
+            </a:avLst>
+          </a:prstGeom>
+          <a:ln w="28575">
+            <a:prstDash val="dash"/>
+            <a:tailEnd type="arrow"/>
+          </a:ln>
+        </p:spPr>
+        <p:style>
+          <a:lnRef idx="1">
+            <a:schemeClr val="accent1"/>
+          </a:lnRef>
+          <a:fillRef idx="0">
+            <a:schemeClr val="accent1"/>
+          </a:fillRef>
+          <a:effectRef idx="0">
+            <a:schemeClr val="accent1"/>
+          </a:effectRef>
+          <a:fontRef idx="minor">
+            <a:schemeClr val="tx1"/>
+          </a:fontRef>
+        </p:style>
+      </p:cxnSp>
+      <p:cxnSp>
+        <p:nvCxnSpPr>
+          <p:cNvPr id="566" name="Shape 248">
+            <a:extLst>
+              <a:ext uri="{FF2B5EF4-FFF2-40B4-BE49-F238E27FC236}">
+                <a16:creationId xmlns:a16="http://schemas.microsoft.com/office/drawing/2014/main" id="{09195FC4-91F7-4904-9491-A6A548AC6A53}"/>
+              </a:ext>
+            </a:extLst>
+          </p:cNvPr>
+          <p:cNvCxnSpPr>
+            <a:cxnSpLocks/>
+            <a:stCxn id="547" idx="2"/>
+            <a:endCxn id="562" idx="0"/>
+          </p:cNvCxnSpPr>
+          <p:nvPr/>
+        </p:nvCxnSpPr>
+        <p:spPr>
+          <a:xfrm rot="16200000" flipH="1">
+            <a:off x="25258904" y="6163356"/>
+            <a:ext cx="343254" cy="795114"/>
+          </a:xfrm>
+          <a:prstGeom prst="bentConnector3">
+            <a:avLst>
+              <a:gd name="adj1" fmla="val 50000"/>
+            </a:avLst>
+          </a:prstGeom>
+          <a:ln w="28575">
+            <a:prstDash val="dash"/>
+            <a:tailEnd type="arrow"/>
+          </a:ln>
+        </p:spPr>
+        <p:style>
+          <a:lnRef idx="1">
+            <a:schemeClr val="accent1"/>
+          </a:lnRef>
+          <a:fillRef idx="0">
+            <a:schemeClr val="accent1"/>
+          </a:fillRef>
+          <a:effectRef idx="0">
+            <a:schemeClr val="accent1"/>
+          </a:effectRef>
+          <a:fontRef idx="minor">
+            <a:schemeClr val="tx1"/>
+          </a:fontRef>
+        </p:style>
+      </p:cxnSp>
+      <p:sp>
+        <p:nvSpPr>
+          <p:cNvPr id="569" name="Прямоугольник 568">
+            <a:extLst>
+              <a:ext uri="{FF2B5EF4-FFF2-40B4-BE49-F238E27FC236}">
+                <a16:creationId xmlns:a16="http://schemas.microsoft.com/office/drawing/2014/main" id="{A2CD40FF-9BF7-454D-9BE8-FD55B5CEC131}"/>
+              </a:ext>
+            </a:extLst>
+          </p:cNvPr>
+          <p:cNvSpPr/>
+          <p:nvPr/>
+        </p:nvSpPr>
+        <p:spPr>
+          <a:xfrm>
+            <a:off x="26983217" y="7699994"/>
+            <a:ext cx="1144480" cy="639015"/>
+          </a:xfrm>
+          <a:prstGeom prst="rect">
+            <a:avLst/>
+          </a:prstGeom>
+          <a:ln w="28575"/>
+        </p:spPr>
+        <p:style>
+          <a:lnRef idx="2">
+            <a:schemeClr val="accent1"/>
+          </a:lnRef>
+          <a:fillRef idx="1">
+            <a:schemeClr val="lt1"/>
+          </a:fillRef>
+          <a:effectRef idx="0">
+            <a:schemeClr val="accent1"/>
+          </a:effectRef>
+          <a:fontRef idx="minor">
+            <a:schemeClr val="dk1"/>
+          </a:fontRef>
+        </p:style>
+        <p:txBody>
+          <a:bodyPr lIns="124733" tIns="62367" rIns="124733" bIns="62367" rtlCol="0" anchor="ctr"/>
+          <a:lstStyle/>
+          <a:p>
+            <a:pPr algn="ctr"/>
+            <a:r>
+              <a:rPr lang="ru-RU" sz="1100" dirty="0"/>
+              <a:t>Укрепить собственную власть</a:t>
+            </a:r>
+            <a:endParaRPr lang="ru-RU" sz="600" dirty="0"/>
+          </a:p>
+        </p:txBody>
+      </p:sp>
+      <p:cxnSp>
+        <p:nvCxnSpPr>
+          <p:cNvPr id="571" name="Прямая со стрелкой 570">
+            <a:extLst>
+              <a:ext uri="{FF2B5EF4-FFF2-40B4-BE49-F238E27FC236}">
+                <a16:creationId xmlns:a16="http://schemas.microsoft.com/office/drawing/2014/main" id="{B6774BCD-634A-4440-AF3A-824BE11B659B}"/>
+              </a:ext>
+            </a:extLst>
+          </p:cNvPr>
+          <p:cNvCxnSpPr>
+            <a:cxnSpLocks/>
+            <a:stCxn id="414" idx="2"/>
+            <a:endCxn id="569" idx="0"/>
+          </p:cNvCxnSpPr>
+          <p:nvPr/>
+        </p:nvCxnSpPr>
+        <p:spPr>
+          <a:xfrm>
+            <a:off x="27539086" y="5366557"/>
+            <a:ext cx="16371" cy="2333437"/>
+          </a:xfrm>
+          <a:prstGeom prst="straightConnector1">
+            <a:avLst/>
+          </a:prstGeom>
+          <a:ln w="28575">
+            <a:tailEnd type="arrow"/>
+          </a:ln>
+        </p:spPr>
+        <p:style>
+          <a:lnRef idx="1">
+            <a:schemeClr val="accent1"/>
+          </a:lnRef>
+          <a:fillRef idx="0">
+            <a:schemeClr val="accent1"/>
+          </a:fillRef>
+          <a:effectRef idx="0">
+            <a:schemeClr val="accent1"/>
+          </a:effectRef>
+          <a:fontRef idx="minor">
+            <a:schemeClr val="tx1"/>
+          </a:fontRef>
+        </p:style>
+      </p:cxnSp>
+      <p:cxnSp>
+        <p:nvCxnSpPr>
+          <p:cNvPr id="574" name="Shape 248">
+            <a:extLst>
+              <a:ext uri="{FF2B5EF4-FFF2-40B4-BE49-F238E27FC236}">
+                <a16:creationId xmlns:a16="http://schemas.microsoft.com/office/drawing/2014/main" id="{C98CDC10-161C-48D1-BDD2-F2DE4D4B29A9}"/>
+              </a:ext>
+            </a:extLst>
+          </p:cNvPr>
+          <p:cNvCxnSpPr>
+            <a:cxnSpLocks/>
+            <a:stCxn id="374" idx="2"/>
+            <a:endCxn id="541" idx="0"/>
+          </p:cNvCxnSpPr>
+          <p:nvPr/>
+        </p:nvCxnSpPr>
+        <p:spPr>
+          <a:xfrm rot="16200000" flipH="1">
+            <a:off x="23777859" y="1588740"/>
+            <a:ext cx="1427531" cy="2674183"/>
+          </a:xfrm>
+          <a:prstGeom prst="bentConnector3">
+            <a:avLst>
+              <a:gd name="adj1" fmla="val 12635"/>
+            </a:avLst>
+          </a:prstGeom>
+          <a:ln w="28575">
+            <a:tailEnd type="arrow"/>
+          </a:ln>
+        </p:spPr>
+        <p:style>
+          <a:lnRef idx="1">
+            <a:schemeClr val="accent1"/>
+          </a:lnRef>
+          <a:fillRef idx="0">
+            <a:schemeClr val="accent1"/>
+          </a:fillRef>
+          <a:effectRef idx="0">
+            <a:schemeClr val="accent1"/>
+          </a:effectRef>
+          <a:fontRef idx="minor">
+            <a:schemeClr val="tx1"/>
+          </a:fontRef>
+        </p:style>
+      </p:cxnSp>
+      <p:sp>
+        <p:nvSpPr>
+          <p:cNvPr id="578" name="Прямоугольник 577">
+            <a:extLst>
+              <a:ext uri="{FF2B5EF4-FFF2-40B4-BE49-F238E27FC236}">
+                <a16:creationId xmlns:a16="http://schemas.microsoft.com/office/drawing/2014/main" id="{D1E775E8-212A-4AF1-B3F1-D76C4F0E966F}"/>
+              </a:ext>
+            </a:extLst>
+          </p:cNvPr>
+          <p:cNvSpPr/>
+          <p:nvPr/>
+        </p:nvSpPr>
+        <p:spPr>
+          <a:xfrm>
+            <a:off x="33797607" y="3639596"/>
+            <a:ext cx="1144480" cy="639015"/>
+          </a:xfrm>
+          <a:prstGeom prst="rect">
+            <a:avLst/>
+          </a:prstGeom>
+          <a:ln w="28575"/>
+        </p:spPr>
+        <p:style>
+          <a:lnRef idx="2">
+            <a:schemeClr val="accent1"/>
+          </a:lnRef>
+          <a:fillRef idx="1">
+            <a:schemeClr val="lt1"/>
+          </a:fillRef>
+          <a:effectRef idx="0">
+            <a:schemeClr val="accent1"/>
+          </a:effectRef>
+          <a:fontRef idx="minor">
+            <a:schemeClr val="dk1"/>
+          </a:fontRef>
+        </p:style>
+        <p:txBody>
+          <a:bodyPr lIns="124733" tIns="62367" rIns="124733" bIns="62367" rtlCol="0" anchor="ctr"/>
+          <a:lstStyle/>
+          <a:p>
+            <a:pPr algn="ctr"/>
+            <a:r>
+              <a:rPr lang="ru-RU" sz="1100" dirty="0"/>
+              <a:t>Ослабить влияние африканеров</a:t>
+            </a:r>
+            <a:endParaRPr lang="ru-RU" sz="600" dirty="0"/>
+          </a:p>
+        </p:txBody>
+      </p:sp>
+      <p:cxnSp>
+        <p:nvCxnSpPr>
+          <p:cNvPr id="582" name="Shape 248">
+            <a:extLst>
+              <a:ext uri="{FF2B5EF4-FFF2-40B4-BE49-F238E27FC236}">
+                <a16:creationId xmlns:a16="http://schemas.microsoft.com/office/drawing/2014/main" id="{DF7B324D-2462-4D49-92C1-A2905A6E863D}"/>
+              </a:ext>
+            </a:extLst>
+          </p:cNvPr>
+          <p:cNvCxnSpPr>
+            <a:cxnSpLocks/>
+            <a:stCxn id="373" idx="2"/>
+            <a:endCxn id="578" idx="0"/>
+          </p:cNvCxnSpPr>
+          <p:nvPr/>
+        </p:nvCxnSpPr>
+        <p:spPr>
+          <a:xfrm rot="5400000">
+            <a:off x="34495316" y="2086597"/>
+            <a:ext cx="1427530" cy="1678468"/>
+          </a:xfrm>
+          <a:prstGeom prst="bentConnector3">
+            <a:avLst>
+              <a:gd name="adj1" fmla="val 11968"/>
+            </a:avLst>
+          </a:prstGeom>
+          <a:ln w="28575">
+            <a:tailEnd type="arrow"/>
+          </a:ln>
+        </p:spPr>
+        <p:style>
+          <a:lnRef idx="1">
+            <a:schemeClr val="accent1"/>
+          </a:lnRef>
+          <a:fillRef idx="0">
+            <a:schemeClr val="accent1"/>
+          </a:fillRef>
+          <a:effectRef idx="0">
+            <a:schemeClr val="accent1"/>
+          </a:effectRef>
+          <a:fontRef idx="minor">
+            <a:schemeClr val="tx1"/>
+          </a:fontRef>
+        </p:style>
+      </p:cxnSp>
+      <p:sp>
+        <p:nvSpPr>
+          <p:cNvPr id="586" name="Прямоугольник 585">
+            <a:extLst>
+              <a:ext uri="{FF2B5EF4-FFF2-40B4-BE49-F238E27FC236}">
+                <a16:creationId xmlns:a16="http://schemas.microsoft.com/office/drawing/2014/main" id="{D84175EB-B29E-4B41-9CF5-BD717A40339E}"/>
+              </a:ext>
+            </a:extLst>
+          </p:cNvPr>
+          <p:cNvSpPr/>
+          <p:nvPr/>
+        </p:nvSpPr>
+        <p:spPr>
+          <a:xfrm>
+            <a:off x="34663359" y="5754776"/>
+            <a:ext cx="1144480" cy="639015"/>
+          </a:xfrm>
+          <a:prstGeom prst="rect">
+            <a:avLst/>
+          </a:prstGeom>
+          <a:ln w="28575"/>
+        </p:spPr>
+        <p:style>
+          <a:lnRef idx="2">
+            <a:schemeClr val="accent1"/>
+          </a:lnRef>
+          <a:fillRef idx="1">
+            <a:schemeClr val="lt1"/>
+          </a:fillRef>
+          <a:effectRef idx="0">
+            <a:schemeClr val="accent1"/>
+          </a:effectRef>
+          <a:fontRef idx="minor">
+            <a:schemeClr val="dk1"/>
+          </a:fontRef>
+        </p:style>
+        <p:txBody>
+          <a:bodyPr lIns="124733" tIns="62367" rIns="124733" bIns="62367" rtlCol="0" anchor="ctr"/>
+          <a:lstStyle/>
+          <a:p>
+            <a:pPr algn="ctr"/>
+            <a:r>
+              <a:rPr lang="ru-RU" sz="1100" dirty="0"/>
+              <a:t>Уничтожить </a:t>
+            </a:r>
+            <a:r>
+              <a:rPr lang="ru-RU" sz="1100" dirty="0" err="1"/>
+              <a:t>пронацистские</a:t>
+            </a:r>
+            <a:r>
+              <a:rPr lang="ru-RU" sz="1100" dirty="0"/>
+              <a:t> движения</a:t>
+            </a:r>
+            <a:endParaRPr lang="ru-RU" sz="600" dirty="0"/>
+          </a:p>
+        </p:txBody>
+      </p:sp>
+      <p:cxnSp>
+        <p:nvCxnSpPr>
+          <p:cNvPr id="587" name="Shape 248">
+            <a:extLst>
+              <a:ext uri="{FF2B5EF4-FFF2-40B4-BE49-F238E27FC236}">
+                <a16:creationId xmlns:a16="http://schemas.microsoft.com/office/drawing/2014/main" id="{1F3089D1-8D93-4938-9392-2699F2E415B5}"/>
+              </a:ext>
+            </a:extLst>
+          </p:cNvPr>
+          <p:cNvCxnSpPr>
+            <a:cxnSpLocks/>
+            <a:stCxn id="578" idx="2"/>
+            <a:endCxn id="586" idx="0"/>
+          </p:cNvCxnSpPr>
+          <p:nvPr/>
+        </p:nvCxnSpPr>
+        <p:spPr>
+          <a:xfrm rot="16200000" flipH="1">
+            <a:off x="34064641" y="4583817"/>
+            <a:ext cx="1476165" cy="865752"/>
+          </a:xfrm>
+          <a:prstGeom prst="bentConnector3">
+            <a:avLst>
+              <a:gd name="adj1" fmla="val 7411"/>
+            </a:avLst>
+          </a:prstGeom>
+          <a:ln w="28575">
+            <a:tailEnd type="arrow"/>
+          </a:ln>
+        </p:spPr>
+        <p:style>
+          <a:lnRef idx="1">
+            <a:schemeClr val="accent1"/>
+          </a:lnRef>
+          <a:fillRef idx="0">
+            <a:schemeClr val="accent1"/>
+          </a:fillRef>
+          <a:effectRef idx="0">
+            <a:schemeClr val="accent1"/>
+          </a:effectRef>
+          <a:fontRef idx="minor">
+            <a:schemeClr val="tx1"/>
+          </a:fontRef>
+        </p:style>
+      </p:cxnSp>
+      <p:sp>
+        <p:nvSpPr>
+          <p:cNvPr id="592" name="Прямоугольник 591">
+            <a:extLst>
+              <a:ext uri="{FF2B5EF4-FFF2-40B4-BE49-F238E27FC236}">
+                <a16:creationId xmlns:a16="http://schemas.microsoft.com/office/drawing/2014/main" id="{4F0BAF26-B62A-42F2-AAAC-A5821948FF13}"/>
+              </a:ext>
+            </a:extLst>
+          </p:cNvPr>
+          <p:cNvSpPr/>
+          <p:nvPr/>
+        </p:nvSpPr>
+        <p:spPr>
+          <a:xfrm>
+            <a:off x="35475367" y="2648498"/>
+            <a:ext cx="1144480" cy="639015"/>
+          </a:xfrm>
+          <a:prstGeom prst="rect">
+            <a:avLst/>
+          </a:prstGeom>
+          <a:ln w="28575"/>
+        </p:spPr>
+        <p:style>
+          <a:lnRef idx="2">
+            <a:schemeClr val="accent1"/>
+          </a:lnRef>
+          <a:fillRef idx="1">
+            <a:schemeClr val="lt1"/>
+          </a:fillRef>
+          <a:effectRef idx="0">
+            <a:schemeClr val="accent1"/>
+          </a:effectRef>
+          <a:fontRef idx="minor">
+            <a:schemeClr val="dk1"/>
+          </a:fontRef>
+        </p:style>
+        <p:txBody>
+          <a:bodyPr lIns="124733" tIns="62367" rIns="124733" bIns="62367" rtlCol="0" anchor="ctr"/>
+          <a:lstStyle/>
+          <a:p>
+            <a:pPr algn="ctr"/>
+            <a:r>
+              <a:rPr lang="ru-RU" sz="1100" dirty="0"/>
+              <a:t>Подтвердить верность Британии</a:t>
+            </a:r>
+            <a:endParaRPr lang="ru-RU" sz="600" dirty="0"/>
+          </a:p>
+        </p:txBody>
+      </p:sp>
+      <p:cxnSp>
+        <p:nvCxnSpPr>
+          <p:cNvPr id="594" name="Прямая со стрелкой 593">
+            <a:extLst>
+              <a:ext uri="{FF2B5EF4-FFF2-40B4-BE49-F238E27FC236}">
+                <a16:creationId xmlns:a16="http://schemas.microsoft.com/office/drawing/2014/main" id="{06706161-0E25-461C-90D5-CA9032A6CDEA}"/>
+              </a:ext>
+            </a:extLst>
+          </p:cNvPr>
+          <p:cNvCxnSpPr>
+            <a:cxnSpLocks/>
+            <a:stCxn id="578" idx="2"/>
+            <a:endCxn id="527" idx="0"/>
+          </p:cNvCxnSpPr>
+          <p:nvPr/>
+        </p:nvCxnSpPr>
+        <p:spPr>
+          <a:xfrm>
+            <a:off x="34369847" y="4278611"/>
+            <a:ext cx="5068" cy="469358"/>
+          </a:xfrm>
+          <a:prstGeom prst="straightConnector1">
+            <a:avLst/>
+          </a:prstGeom>
+          <a:ln w="28575">
+            <a:prstDash val="dash"/>
+            <a:tailEnd type="arrow"/>
+          </a:ln>
+        </p:spPr>
+        <p:style>
+          <a:lnRef idx="1">
+            <a:schemeClr val="accent1"/>
+          </a:lnRef>
+          <a:fillRef idx="0">
+            <a:schemeClr val="accent1"/>
+          </a:fillRef>
+          <a:effectRef idx="0">
+            <a:schemeClr val="accent1"/>
+          </a:effectRef>
+          <a:fontRef idx="minor">
+            <a:schemeClr val="tx1"/>
+          </a:fontRef>
+        </p:style>
+      </p:cxnSp>
+      <p:cxnSp>
+        <p:nvCxnSpPr>
+          <p:cNvPr id="598" name="Прямая со стрелкой 597">
+            <a:extLst>
+              <a:ext uri="{FF2B5EF4-FFF2-40B4-BE49-F238E27FC236}">
+                <a16:creationId xmlns:a16="http://schemas.microsoft.com/office/drawing/2014/main" id="{EDB29044-4E2E-4C10-ACF4-E7FD563054AE}"/>
+              </a:ext>
+            </a:extLst>
+          </p:cNvPr>
+          <p:cNvCxnSpPr>
+            <a:cxnSpLocks/>
+            <a:stCxn id="373" idx="2"/>
+            <a:endCxn id="592" idx="0"/>
+          </p:cNvCxnSpPr>
+          <p:nvPr/>
+        </p:nvCxnSpPr>
+        <p:spPr>
+          <a:xfrm flipH="1">
+            <a:off x="36047607" y="2212066"/>
+            <a:ext cx="708" cy="436432"/>
+          </a:xfrm>
+          <a:prstGeom prst="straightConnector1">
+            <a:avLst/>
+          </a:prstGeom>
+          <a:ln w="28575">
+            <a:tailEnd type="arrow"/>
+          </a:ln>
+        </p:spPr>
+        <p:style>
+          <a:lnRef idx="1">
+            <a:schemeClr val="accent1"/>
+          </a:lnRef>
+          <a:fillRef idx="0">
+            <a:schemeClr val="accent1"/>
+          </a:fillRef>
+          <a:effectRef idx="0">
+            <a:schemeClr val="accent1"/>
+          </a:effectRef>
+          <a:fontRef idx="minor">
+            <a:schemeClr val="tx1"/>
+          </a:fontRef>
+        </p:style>
+      </p:cxnSp>
+      <p:sp>
+        <p:nvSpPr>
+          <p:cNvPr id="601" name="Прямоугольник 600">
+            <a:extLst>
+              <a:ext uri="{FF2B5EF4-FFF2-40B4-BE49-F238E27FC236}">
+                <a16:creationId xmlns:a16="http://schemas.microsoft.com/office/drawing/2014/main" id="{D47C45E0-66F6-4CD0-A265-D92DB58B3396}"/>
+              </a:ext>
+            </a:extLst>
+          </p:cNvPr>
+          <p:cNvSpPr/>
+          <p:nvPr/>
+        </p:nvSpPr>
+        <p:spPr>
+          <a:xfrm>
+            <a:off x="35475367" y="3650985"/>
+            <a:ext cx="1144480" cy="639015"/>
+          </a:xfrm>
+          <a:prstGeom prst="rect">
+            <a:avLst/>
+          </a:prstGeom>
+          <a:ln w="28575"/>
+        </p:spPr>
+        <p:style>
+          <a:lnRef idx="2">
+            <a:schemeClr val="accent1"/>
+          </a:lnRef>
+          <a:fillRef idx="1">
+            <a:schemeClr val="lt1"/>
+          </a:fillRef>
+          <a:effectRef idx="0">
+            <a:schemeClr val="accent1"/>
+          </a:effectRef>
+          <a:fontRef idx="minor">
+            <a:schemeClr val="dk1"/>
+          </a:fontRef>
+        </p:style>
+        <p:txBody>
+          <a:bodyPr lIns="124733" tIns="62367" rIns="124733" bIns="62367" rtlCol="0" anchor="ctr"/>
+          <a:lstStyle/>
+          <a:p>
+            <a:pPr algn="ctr"/>
+            <a:r>
+              <a:rPr lang="ru-RU" sz="1100" dirty="0"/>
+              <a:t>Расширить военные производства за счёт Союзников</a:t>
+            </a:r>
+            <a:endParaRPr lang="ru-RU" sz="600" dirty="0"/>
+          </a:p>
+        </p:txBody>
+      </p:sp>
+      <p:cxnSp>
+        <p:nvCxnSpPr>
+          <p:cNvPr id="603" name="Прямая со стрелкой 602">
+            <a:extLst>
+              <a:ext uri="{FF2B5EF4-FFF2-40B4-BE49-F238E27FC236}">
+                <a16:creationId xmlns:a16="http://schemas.microsoft.com/office/drawing/2014/main" id="{665861EC-D0A2-419B-9959-6DF16A03E4EC}"/>
+              </a:ext>
+            </a:extLst>
+          </p:cNvPr>
+          <p:cNvCxnSpPr>
+            <a:cxnSpLocks/>
+            <a:stCxn id="592" idx="2"/>
+            <a:endCxn id="601" idx="0"/>
+          </p:cNvCxnSpPr>
+          <p:nvPr/>
+        </p:nvCxnSpPr>
+        <p:spPr>
+          <a:xfrm>
+            <a:off x="36047607" y="3287513"/>
+            <a:ext cx="0" cy="363472"/>
+          </a:xfrm>
+          <a:prstGeom prst="straightConnector1">
+            <a:avLst/>
+          </a:prstGeom>
+          <a:ln w="28575">
+            <a:tailEnd type="arrow"/>
+          </a:ln>
+        </p:spPr>
+        <p:style>
+          <a:lnRef idx="1">
+            <a:schemeClr val="accent1"/>
+          </a:lnRef>
+          <a:fillRef idx="0">
+            <a:schemeClr val="accent1"/>
+          </a:fillRef>
+          <a:effectRef idx="0">
+            <a:schemeClr val="accent1"/>
+          </a:effectRef>
+          <a:fontRef idx="minor">
+            <a:schemeClr val="tx1"/>
+          </a:fontRef>
+        </p:style>
+      </p:cxnSp>
+      <p:sp>
+        <p:nvSpPr>
+          <p:cNvPr id="606" name="Прямоугольник 605">
+            <a:extLst>
+              <a:ext uri="{FF2B5EF4-FFF2-40B4-BE49-F238E27FC236}">
+                <a16:creationId xmlns:a16="http://schemas.microsoft.com/office/drawing/2014/main" id="{A23755C1-A1C9-4A09-8F3B-8D2AC4DA2F2F}"/>
+              </a:ext>
+            </a:extLst>
+          </p:cNvPr>
+          <p:cNvSpPr/>
+          <p:nvPr/>
+        </p:nvSpPr>
+        <p:spPr>
+          <a:xfrm>
+            <a:off x="36363489" y="4741619"/>
+            <a:ext cx="1144480" cy="639015"/>
+          </a:xfrm>
+          <a:prstGeom prst="rect">
+            <a:avLst/>
+          </a:prstGeom>
+          <a:ln w="28575"/>
+        </p:spPr>
+        <p:style>
+          <a:lnRef idx="2">
+            <a:schemeClr val="accent1"/>
+          </a:lnRef>
+          <a:fillRef idx="1">
+            <a:schemeClr val="lt1"/>
+          </a:fillRef>
+          <a:effectRef idx="0">
+            <a:schemeClr val="accent1"/>
+          </a:effectRef>
+          <a:fontRef idx="minor">
+            <a:schemeClr val="dk1"/>
+          </a:fontRef>
+        </p:style>
+        <p:txBody>
+          <a:bodyPr lIns="124733" tIns="62367" rIns="124733" bIns="62367" rtlCol="0" anchor="ctr"/>
+          <a:lstStyle/>
+          <a:p>
+            <a:pPr algn="ctr"/>
+            <a:r>
+              <a:rPr lang="ru-RU" sz="1100" dirty="0"/>
+              <a:t>Расширить Южноафриканскую колонию</a:t>
+            </a:r>
+            <a:endParaRPr lang="ru-RU" sz="600" dirty="0"/>
+          </a:p>
+        </p:txBody>
+      </p:sp>
+      <p:cxnSp>
+        <p:nvCxnSpPr>
+          <p:cNvPr id="607" name="Shape 248">
+            <a:extLst>
+              <a:ext uri="{FF2B5EF4-FFF2-40B4-BE49-F238E27FC236}">
+                <a16:creationId xmlns:a16="http://schemas.microsoft.com/office/drawing/2014/main" id="{4B533D0A-BB45-4477-8358-10D0CC22D297}"/>
+              </a:ext>
+            </a:extLst>
+          </p:cNvPr>
+          <p:cNvCxnSpPr>
+            <a:cxnSpLocks/>
+            <a:stCxn id="592" idx="2"/>
+            <a:endCxn id="606" idx="0"/>
+          </p:cNvCxnSpPr>
+          <p:nvPr/>
+        </p:nvCxnSpPr>
+        <p:spPr>
+          <a:xfrm rot="16200000" flipH="1">
+            <a:off x="35764615" y="3570505"/>
+            <a:ext cx="1454106" cy="888122"/>
+          </a:xfrm>
+          <a:prstGeom prst="bentConnector3">
+            <a:avLst>
+              <a:gd name="adj1" fmla="val 10042"/>
+            </a:avLst>
+          </a:prstGeom>
+          <a:ln w="28575">
+            <a:tailEnd type="arrow"/>
+          </a:ln>
+        </p:spPr>
+        <p:style>
+          <a:lnRef idx="1">
+            <a:schemeClr val="accent1"/>
+          </a:lnRef>
+          <a:fillRef idx="0">
+            <a:schemeClr val="accent1"/>
+          </a:fillRef>
+          <a:effectRef idx="0">
+            <a:schemeClr val="accent1"/>
+          </a:effectRef>
+          <a:fontRef idx="minor">
+            <a:schemeClr val="tx1"/>
+          </a:fontRef>
+        </p:style>
+      </p:cxnSp>
+      <p:cxnSp>
+        <p:nvCxnSpPr>
+          <p:cNvPr id="612" name="Прямая соединительная линия 611">
+            <a:extLst>
+              <a:ext uri="{FF2B5EF4-FFF2-40B4-BE49-F238E27FC236}">
+                <a16:creationId xmlns:a16="http://schemas.microsoft.com/office/drawing/2014/main" id="{DC58E5D0-09E9-4A0A-BD79-31A5256A67C7}"/>
+              </a:ext>
+            </a:extLst>
+          </p:cNvPr>
+          <p:cNvCxnSpPr>
+            <a:cxnSpLocks/>
+            <a:stCxn id="1478" idx="3"/>
+            <a:endCxn id="371" idx="1"/>
+          </p:cNvCxnSpPr>
+          <p:nvPr/>
+        </p:nvCxnSpPr>
+        <p:spPr>
+          <a:xfrm flipV="1">
+            <a:off x="18361167" y="854098"/>
+            <a:ext cx="11171240" cy="3024"/>
+          </a:xfrm>
+          <a:prstGeom prst="line">
+            <a:avLst/>
+          </a:prstGeom>
+          <a:ln w="38100">
+            <a:solidFill>
+              <a:srgbClr val="FF0000"/>
+            </a:solidFill>
+          </a:ln>
+        </p:spPr>
+        <p:style>
+          <a:lnRef idx="1">
+            <a:schemeClr val="accent2"/>
+          </a:lnRef>
+          <a:fillRef idx="0">
+            <a:schemeClr val="accent2"/>
+          </a:fillRef>
+          <a:effectRef idx="0">
+            <a:schemeClr val="accent2"/>
+          </a:effectRef>
+          <a:fontRef idx="minor">
+            <a:schemeClr val="tx1"/>
+          </a:fontRef>
+        </p:style>
+      </p:cxnSp>
+      <p:cxnSp>
+        <p:nvCxnSpPr>
+          <p:cNvPr id="617" name="Прямая соединительная линия 616">
+            <a:extLst>
+              <a:ext uri="{FF2B5EF4-FFF2-40B4-BE49-F238E27FC236}">
+                <a16:creationId xmlns:a16="http://schemas.microsoft.com/office/drawing/2014/main" id="{7F9194AD-C2BD-474F-885A-15EC86076E75}"/>
+              </a:ext>
+            </a:extLst>
+          </p:cNvPr>
+          <p:cNvCxnSpPr>
+            <a:cxnSpLocks/>
+            <a:stCxn id="379" idx="3"/>
+            <a:endCxn id="1478" idx="1"/>
+          </p:cNvCxnSpPr>
+          <p:nvPr/>
+        </p:nvCxnSpPr>
+        <p:spPr>
+          <a:xfrm>
+            <a:off x="8767704" y="856126"/>
+            <a:ext cx="8437339" cy="996"/>
+          </a:xfrm>
+          <a:prstGeom prst="line">
+            <a:avLst/>
+          </a:prstGeom>
+          <a:ln w="38100">
+            <a:solidFill>
+              <a:srgbClr val="FF0000"/>
+            </a:solidFill>
+          </a:ln>
+        </p:spPr>
+        <p:style>
+          <a:lnRef idx="1">
+            <a:schemeClr val="accent2"/>
+          </a:lnRef>
+          <a:fillRef idx="0">
+            <a:schemeClr val="accent2"/>
+          </a:fillRef>
+          <a:effectRef idx="0">
+            <a:schemeClr val="accent2"/>
+          </a:effectRef>
+          <a:fontRef idx="minor">
+            <a:schemeClr val="tx1"/>
+          </a:fontRef>
+        </p:style>
+      </p:cxnSp>
     </p:spTree>
     <p:extLst>
       <p:ext uri="{BB962C8B-B14F-4D97-AF65-F5344CB8AC3E}">

--- a/Наработки/диздоки/ЮАС/ЮАС общая.pptx
+++ b/Наработки/диздоки/ЮАС/ЮАС общая.pptx
@@ -209,7 +209,7 @@
             <a:fld id="{33E3D7F9-E251-484C-A6FF-FA958879DF69}" type="datetimeFigureOut">
               <a:rPr lang="ru-RU" smtClean="0"/>
               <a:pPr/>
-              <a:t>20.11.2024</a:t>
+              <a:t>21.11.2024</a:t>
             </a:fld>
             <a:endParaRPr lang="ru-RU"/>
           </a:p>
@@ -699,7 +699,7 @@
             <a:fld id="{85A5DE44-605B-4D3B-B2B7-94543DF81A36}" type="datetimeFigureOut">
               <a:rPr lang="ru-RU" smtClean="0"/>
               <a:pPr/>
-              <a:t>20.11.2024</a:t>
+              <a:t>21.11.2024</a:t>
             </a:fld>
             <a:endParaRPr lang="ru-RU"/>
           </a:p>
@@ -871,7 +871,7 @@
             <a:fld id="{85A5DE44-605B-4D3B-B2B7-94543DF81A36}" type="datetimeFigureOut">
               <a:rPr lang="ru-RU" smtClean="0"/>
               <a:pPr/>
-              <a:t>20.11.2024</a:t>
+              <a:t>21.11.2024</a:t>
             </a:fld>
             <a:endParaRPr lang="ru-RU"/>
           </a:p>
@@ -1053,7 +1053,7 @@
             <a:fld id="{85A5DE44-605B-4D3B-B2B7-94543DF81A36}" type="datetimeFigureOut">
               <a:rPr lang="ru-RU" smtClean="0"/>
               <a:pPr/>
-              <a:t>20.11.2024</a:t>
+              <a:t>21.11.2024</a:t>
             </a:fld>
             <a:endParaRPr lang="ru-RU"/>
           </a:p>
@@ -1225,7 +1225,7 @@
             <a:fld id="{85A5DE44-605B-4D3B-B2B7-94543DF81A36}" type="datetimeFigureOut">
               <a:rPr lang="ru-RU" smtClean="0"/>
               <a:pPr/>
-              <a:t>20.11.2024</a:t>
+              <a:t>21.11.2024</a:t>
             </a:fld>
             <a:endParaRPr lang="ru-RU"/>
           </a:p>
@@ -1473,7 +1473,7 @@
             <a:fld id="{85A5DE44-605B-4D3B-B2B7-94543DF81A36}" type="datetimeFigureOut">
               <a:rPr lang="ru-RU" smtClean="0"/>
               <a:pPr/>
-              <a:t>20.11.2024</a:t>
+              <a:t>21.11.2024</a:t>
             </a:fld>
             <a:endParaRPr lang="ru-RU"/>
           </a:p>
@@ -1707,7 +1707,7 @@
             <a:fld id="{85A5DE44-605B-4D3B-B2B7-94543DF81A36}" type="datetimeFigureOut">
               <a:rPr lang="ru-RU" smtClean="0"/>
               <a:pPr/>
-              <a:t>20.11.2024</a:t>
+              <a:t>21.11.2024</a:t>
             </a:fld>
             <a:endParaRPr lang="ru-RU"/>
           </a:p>
@@ -2076,7 +2076,7 @@
             <a:fld id="{85A5DE44-605B-4D3B-B2B7-94543DF81A36}" type="datetimeFigureOut">
               <a:rPr lang="ru-RU" smtClean="0"/>
               <a:pPr/>
-              <a:t>20.11.2024</a:t>
+              <a:t>21.11.2024</a:t>
             </a:fld>
             <a:endParaRPr lang="ru-RU"/>
           </a:p>
@@ -2196,7 +2196,7 @@
             <a:fld id="{85A5DE44-605B-4D3B-B2B7-94543DF81A36}" type="datetimeFigureOut">
               <a:rPr lang="ru-RU" smtClean="0"/>
               <a:pPr/>
-              <a:t>20.11.2024</a:t>
+              <a:t>21.11.2024</a:t>
             </a:fld>
             <a:endParaRPr lang="ru-RU"/>
           </a:p>
@@ -2293,7 +2293,7 @@
             <a:fld id="{85A5DE44-605B-4D3B-B2B7-94543DF81A36}" type="datetimeFigureOut">
               <a:rPr lang="ru-RU" smtClean="0"/>
               <a:pPr/>
-              <a:t>20.11.2024</a:t>
+              <a:t>21.11.2024</a:t>
             </a:fld>
             <a:endParaRPr lang="ru-RU"/>
           </a:p>
@@ -2572,7 +2572,7 @@
             <a:fld id="{85A5DE44-605B-4D3B-B2B7-94543DF81A36}" type="datetimeFigureOut">
               <a:rPr lang="ru-RU" smtClean="0"/>
               <a:pPr/>
-              <a:t>20.11.2024</a:t>
+              <a:t>21.11.2024</a:t>
             </a:fld>
             <a:endParaRPr lang="ru-RU"/>
           </a:p>
@@ -2831,7 +2831,7 @@
             <a:fld id="{85A5DE44-605B-4D3B-B2B7-94543DF81A36}" type="datetimeFigureOut">
               <a:rPr lang="ru-RU" smtClean="0"/>
               <a:pPr/>
-              <a:t>20.11.2024</a:t>
+              <a:t>21.11.2024</a:t>
             </a:fld>
             <a:endParaRPr lang="ru-RU"/>
           </a:p>
@@ -3046,7 +3046,7 @@
             <a:fld id="{85A5DE44-605B-4D3B-B2B7-94543DF81A36}" type="datetimeFigureOut">
               <a:rPr lang="ru-RU" smtClean="0"/>
               <a:pPr/>
-              <a:t>20.11.2024</a:t>
+              <a:t>21.11.2024</a:t>
             </a:fld>
             <a:endParaRPr lang="ru-RU"/>
           </a:p>
@@ -3466,7 +3466,7 @@
         </p:nvSpPr>
         <p:spPr>
           <a:xfrm>
-            <a:off x="48998287" y="6696699"/>
+            <a:off x="44948819" y="6696699"/>
             <a:ext cx="1144480" cy="639015"/>
           </a:xfrm>
           <a:prstGeom prst="rect">
@@ -3518,9 +3518,9 @@
           <p:nvPr/>
         </p:nvCxnSpPr>
         <p:spPr>
-          <a:xfrm>
-            <a:off x="32903495" y="23379251"/>
-            <a:ext cx="1963720" cy="0"/>
+          <a:xfrm flipV="1">
+            <a:off x="13264604" y="12000276"/>
+            <a:ext cx="1963720" cy="14514"/>
           </a:xfrm>
           <a:prstGeom prst="line">
             <a:avLst/>
@@ -3564,7 +3564,7 @@
         </p:nvCxnSpPr>
         <p:spPr>
           <a:xfrm rot="16200000" flipH="1">
-            <a:off x="48193256" y="11438844"/>
+            <a:off x="44143788" y="11438844"/>
             <a:ext cx="441738" cy="785066"/>
           </a:xfrm>
           <a:prstGeom prst="bentConnector3">
@@ -3606,7 +3606,7 @@
         </p:nvSpPr>
         <p:spPr>
           <a:xfrm>
-            <a:off x="48998287" y="5753448"/>
+            <a:off x="44948819" y="5753448"/>
             <a:ext cx="1144480" cy="639015"/>
           </a:xfrm>
           <a:prstGeom prst="rect">
@@ -3655,7 +3655,7 @@
         </p:nvSpPr>
         <p:spPr>
           <a:xfrm>
-            <a:off x="49801390" y="7641588"/>
+            <a:off x="45751922" y="7641588"/>
             <a:ext cx="1144480" cy="639015"/>
           </a:xfrm>
           <a:prstGeom prst="rect">
@@ -3704,7 +3704,7 @@
         </p:nvSpPr>
         <p:spPr>
           <a:xfrm>
-            <a:off x="48234418" y="12052246"/>
+            <a:off x="44184950" y="12052246"/>
             <a:ext cx="1144480" cy="639015"/>
           </a:xfrm>
           <a:prstGeom prst="rect">
@@ -3753,7 +3753,7 @@
         </p:nvSpPr>
         <p:spPr>
           <a:xfrm>
-            <a:off x="49801390" y="12077011"/>
+            <a:off x="45751922" y="12077011"/>
             <a:ext cx="1144480" cy="639015"/>
           </a:xfrm>
           <a:prstGeom prst="rect">
@@ -3802,7 +3802,7 @@
         </p:nvSpPr>
         <p:spPr>
           <a:xfrm>
-            <a:off x="49001913" y="10969289"/>
+            <a:off x="44952445" y="10969289"/>
             <a:ext cx="1144480" cy="639015"/>
           </a:xfrm>
           <a:prstGeom prst="rect">
@@ -3851,7 +3851,7 @@
         </p:nvSpPr>
         <p:spPr>
           <a:xfrm>
-            <a:off x="48998286" y="9889096"/>
+            <a:off x="44948818" y="9889096"/>
             <a:ext cx="1144480" cy="639015"/>
           </a:xfrm>
           <a:prstGeom prst="rect">
@@ -3900,7 +3900,7 @@
         </p:nvSpPr>
         <p:spPr>
           <a:xfrm>
-            <a:off x="47449352" y="9889095"/>
+            <a:off x="43399884" y="9889095"/>
             <a:ext cx="1144480" cy="639015"/>
           </a:xfrm>
           <a:prstGeom prst="rect">
@@ -3949,7 +3949,7 @@
         </p:nvSpPr>
         <p:spPr>
           <a:xfrm>
-            <a:off x="47449352" y="10971493"/>
+            <a:off x="43399884" y="10971493"/>
             <a:ext cx="1144480" cy="639015"/>
           </a:xfrm>
           <a:prstGeom prst="rect">
@@ -3998,7 +3998,7 @@
         </p:nvSpPr>
         <p:spPr>
           <a:xfrm>
-            <a:off x="46704742" y="7640521"/>
+            <a:off x="42655274" y="7640521"/>
             <a:ext cx="1144480" cy="639015"/>
           </a:xfrm>
           <a:prstGeom prst="rect">
@@ -4047,7 +4047,7 @@
         </p:nvSpPr>
         <p:spPr>
           <a:xfrm>
-            <a:off x="46704742" y="8610529"/>
+            <a:off x="42655274" y="8610529"/>
             <a:ext cx="1144480" cy="639015"/>
           </a:xfrm>
           <a:prstGeom prst="rect">
@@ -4096,7 +4096,7 @@
         </p:nvSpPr>
         <p:spPr>
           <a:xfrm>
-            <a:off x="46685927" y="12052245"/>
+            <a:off x="42636459" y="12052245"/>
             <a:ext cx="1144480" cy="639015"/>
           </a:xfrm>
           <a:prstGeom prst="rect">
@@ -4145,7 +4145,7 @@
         </p:nvSpPr>
         <p:spPr>
           <a:xfrm>
-            <a:off x="40577025" y="13578604"/>
+            <a:off x="36527557" y="13578604"/>
             <a:ext cx="1144480" cy="639015"/>
           </a:xfrm>
           <a:prstGeom prst="rect">
@@ -4198,7 +4198,7 @@
         </p:nvSpPr>
         <p:spPr>
           <a:xfrm>
-            <a:off x="44365872" y="10969289"/>
+            <a:off x="40316404" y="10969289"/>
             <a:ext cx="1144480" cy="639015"/>
           </a:xfrm>
           <a:prstGeom prst="rect">
@@ -4247,7 +4247,7 @@
         </p:nvSpPr>
         <p:spPr>
           <a:xfrm>
-            <a:off x="45122817" y="9886334"/>
+            <a:off x="41073349" y="9886334"/>
             <a:ext cx="1144480" cy="639015"/>
           </a:xfrm>
           <a:prstGeom prst="rect">
@@ -4296,7 +4296,7 @@
         </p:nvSpPr>
         <p:spPr>
           <a:xfrm>
-            <a:off x="45122817" y="12052244"/>
+            <a:off x="41073349" y="12052244"/>
             <a:ext cx="1144480" cy="639015"/>
           </a:xfrm>
           <a:prstGeom prst="rect">
@@ -4345,7 +4345,7 @@
         </p:nvSpPr>
         <p:spPr>
           <a:xfrm>
-            <a:off x="45918433" y="10971386"/>
+            <a:off x="41868965" y="10971386"/>
             <a:ext cx="1144480" cy="639015"/>
           </a:xfrm>
           <a:prstGeom prst="rect">
@@ -4401,7 +4401,7 @@
         </p:nvSpPr>
         <p:spPr>
           <a:xfrm>
-            <a:off x="40915880" y="11822221"/>
+            <a:off x="36866412" y="11822221"/>
             <a:ext cx="1144480" cy="639015"/>
           </a:xfrm>
           <a:prstGeom prst="rect">
@@ -4450,7 +4450,7 @@
         </p:nvSpPr>
         <p:spPr>
           <a:xfrm>
-            <a:off x="48234418" y="7640521"/>
+            <a:off x="44184950" y="7640521"/>
             <a:ext cx="1144480" cy="639015"/>
           </a:xfrm>
           <a:prstGeom prst="rect">
@@ -4499,7 +4499,7 @@
         </p:nvSpPr>
         <p:spPr>
           <a:xfrm>
-            <a:off x="42394472" y="12811856"/>
+            <a:off x="38345004" y="12811856"/>
             <a:ext cx="1144480" cy="639015"/>
           </a:xfrm>
           <a:prstGeom prst="rect">
@@ -4564,7 +4564,7 @@
         </p:nvSpPr>
         <p:spPr>
           <a:xfrm>
-            <a:off x="46704742" y="6693233"/>
+            <a:off x="42655274" y="6693233"/>
             <a:ext cx="1144480" cy="639015"/>
           </a:xfrm>
           <a:prstGeom prst="rect">
@@ -4613,7 +4613,7 @@
         </p:nvSpPr>
         <p:spPr>
           <a:xfrm>
-            <a:off x="27932793" y="24952263"/>
+            <a:off x="8293902" y="13573288"/>
             <a:ext cx="1144480" cy="639015"/>
           </a:xfrm>
           <a:prstGeom prst="rect">
@@ -4668,7 +4668,7 @@
         </p:nvSpPr>
         <p:spPr>
           <a:xfrm>
-            <a:off x="45230373" y="6699612"/>
+            <a:off x="41180905" y="6699612"/>
             <a:ext cx="1144480" cy="639015"/>
           </a:xfrm>
           <a:prstGeom prst="rect">
@@ -4725,7 +4725,7 @@
         </p:nvSpPr>
         <p:spPr>
           <a:xfrm>
-            <a:off x="43689628" y="7640521"/>
+            <a:off x="39640160" y="7640521"/>
             <a:ext cx="1144480" cy="639015"/>
           </a:xfrm>
           <a:prstGeom prst="rect">
@@ -4774,7 +4774,7 @@
         </p:nvSpPr>
         <p:spPr>
           <a:xfrm>
-            <a:off x="43695384" y="8610529"/>
+            <a:off x="39645916" y="8610529"/>
             <a:ext cx="1144480" cy="639015"/>
           </a:xfrm>
           <a:prstGeom prst="rect">
@@ -4831,7 +4831,7 @@
         </p:nvCxnSpPr>
         <p:spPr>
           <a:xfrm rot="5400000">
-            <a:off x="44881294" y="6719202"/>
+            <a:off x="40831826" y="6719202"/>
             <a:ext cx="301894" cy="1540745"/>
           </a:xfrm>
           <a:prstGeom prst="bentConnector3">
@@ -4872,7 +4872,7 @@
         </p:nvSpPr>
         <p:spPr>
           <a:xfrm>
-            <a:off x="45230373" y="7636606"/>
+            <a:off x="41180905" y="7636606"/>
             <a:ext cx="1144480" cy="639015"/>
           </a:xfrm>
           <a:prstGeom prst="rect">
@@ -4925,7 +4925,7 @@
         </p:nvCxnSpPr>
         <p:spPr>
           <a:xfrm rot="5400000">
-            <a:off x="45653624" y="7487616"/>
+            <a:off x="41604156" y="7487616"/>
             <a:ext cx="297979" cy="12700"/>
           </a:xfrm>
           <a:prstGeom prst="bentConnector3">
@@ -4966,7 +4966,7 @@
         </p:nvSpPr>
         <p:spPr>
           <a:xfrm>
-            <a:off x="45224023" y="8610529"/>
+            <a:off x="41174555" y="8610529"/>
             <a:ext cx="1144480" cy="639015"/>
           </a:xfrm>
           <a:prstGeom prst="rect">
@@ -5035,7 +5035,7 @@
         </p:nvCxnSpPr>
         <p:spPr>
           <a:xfrm flipH="1">
-            <a:off x="45796263" y="8275621"/>
+            <a:off x="41746795" y="8275621"/>
             <a:ext cx="6350" cy="334908"/>
           </a:xfrm>
           <a:prstGeom prst="straightConnector1">
@@ -5078,7 +5078,7 @@
         </p:nvCxnSpPr>
         <p:spPr>
           <a:xfrm>
-            <a:off x="49570527" y="6392463"/>
+            <a:off x="45521059" y="6392463"/>
             <a:ext cx="0" cy="304236"/>
           </a:xfrm>
           <a:prstGeom prst="straightConnector1">
@@ -5121,7 +5121,7 @@
         </p:nvCxnSpPr>
         <p:spPr>
           <a:xfrm rot="5400000">
-            <a:off x="49036190" y="7106183"/>
+            <a:off x="44986722" y="7106183"/>
             <a:ext cx="304807" cy="763869"/>
           </a:xfrm>
           <a:prstGeom prst="bentConnector3">
@@ -5166,7 +5166,7 @@
         </p:nvCxnSpPr>
         <p:spPr>
           <a:xfrm rot="16200000" flipH="1">
-            <a:off x="49819141" y="7087099"/>
+            <a:off x="45769673" y="7087099"/>
             <a:ext cx="305874" cy="803103"/>
           </a:xfrm>
           <a:prstGeom prst="bentConnector3">
@@ -5207,7 +5207,7 @@
         </p:nvSpPr>
         <p:spPr>
           <a:xfrm>
-            <a:off x="48234418" y="8611068"/>
+            <a:off x="44184950" y="8611068"/>
             <a:ext cx="1144480" cy="639015"/>
           </a:xfrm>
           <a:prstGeom prst="rect">
@@ -5264,7 +5264,7 @@
         </p:nvCxnSpPr>
         <p:spPr>
           <a:xfrm>
-            <a:off x="48806658" y="8279536"/>
+            <a:off x="44757190" y="8279536"/>
             <a:ext cx="0" cy="331532"/>
           </a:xfrm>
           <a:prstGeom prst="straightConnector1">
@@ -5303,7 +5303,7 @@
         </p:nvSpPr>
         <p:spPr>
           <a:xfrm>
-            <a:off x="49801390" y="8611875"/>
+            <a:off x="45751922" y="8611875"/>
             <a:ext cx="1144480" cy="639015"/>
           </a:xfrm>
           <a:prstGeom prst="rect">
@@ -5356,7 +5356,7 @@
         </p:nvCxnSpPr>
         <p:spPr>
           <a:xfrm>
-            <a:off x="49570526" y="10528111"/>
+            <a:off x="45521058" y="10528111"/>
             <a:ext cx="3627" cy="441178"/>
           </a:xfrm>
           <a:prstGeom prst="straightConnector1">
@@ -5399,7 +5399,7 @@
         </p:nvCxnSpPr>
         <p:spPr>
           <a:xfrm>
-            <a:off x="48021592" y="10528110"/>
+            <a:off x="43972124" y="10528110"/>
             <a:ext cx="0" cy="443383"/>
           </a:xfrm>
           <a:prstGeom prst="straightConnector1">
@@ -5442,7 +5442,7 @@
         </p:nvCxnSpPr>
         <p:spPr>
           <a:xfrm rot="5400000">
-            <a:off x="45094615" y="10368847"/>
+            <a:off x="41045147" y="10368847"/>
             <a:ext cx="443940" cy="756945"/>
           </a:xfrm>
           <a:prstGeom prst="bentConnector3">
@@ -5487,7 +5487,7 @@
         </p:nvCxnSpPr>
         <p:spPr>
           <a:xfrm rot="16200000" flipH="1">
-            <a:off x="45869847" y="10350559"/>
+            <a:off x="41820379" y="10350559"/>
             <a:ext cx="446037" cy="795616"/>
           </a:xfrm>
           <a:prstGeom prst="bentConnector3">
@@ -5532,7 +5532,7 @@
         </p:nvCxnSpPr>
         <p:spPr>
           <a:xfrm rot="16200000" flipH="1">
-            <a:off x="45094614" y="11451801"/>
+            <a:off x="41045146" y="11451801"/>
             <a:ext cx="443940" cy="756945"/>
           </a:xfrm>
           <a:prstGeom prst="bentConnector3">
@@ -5577,7 +5577,7 @@
         </p:nvCxnSpPr>
         <p:spPr>
           <a:xfrm rot="5400000">
-            <a:off x="45871944" y="11433514"/>
+            <a:off x="41822476" y="11433514"/>
             <a:ext cx="441843" cy="795616"/>
           </a:xfrm>
           <a:prstGeom prst="bentConnector3">
@@ -5622,7 +5622,7 @@
         </p:nvCxnSpPr>
         <p:spPr>
           <a:xfrm rot="16200000" flipH="1">
-            <a:off x="46653498" y="11447576"/>
+            <a:off x="42604030" y="11447576"/>
             <a:ext cx="441844" cy="767494"/>
           </a:xfrm>
           <a:prstGeom prst="bentConnector3">
@@ -5667,7 +5667,7 @@
         </p:nvCxnSpPr>
         <p:spPr>
           <a:xfrm rot="5400000">
-            <a:off x="47419012" y="11449664"/>
+            <a:off x="43369544" y="11449664"/>
             <a:ext cx="441737" cy="763425"/>
           </a:xfrm>
           <a:prstGeom prst="bentConnector3">
@@ -5712,7 +5712,7 @@
         </p:nvCxnSpPr>
         <p:spPr>
           <a:xfrm rot="16200000" flipH="1">
-            <a:off x="49739538" y="11442918"/>
+            <a:off x="45690070" y="11442918"/>
             <a:ext cx="468707" cy="799477"/>
           </a:xfrm>
           <a:prstGeom prst="bentConnector3">
@@ -5757,7 +5757,7 @@
         </p:nvCxnSpPr>
         <p:spPr>
           <a:xfrm rot="5400000">
-            <a:off x="48968435" y="11446528"/>
+            <a:off x="44918967" y="11446528"/>
             <a:ext cx="443942" cy="767495"/>
           </a:xfrm>
           <a:prstGeom prst="bentConnector3">
@@ -5799,7 +5799,7 @@
         </p:nvSpPr>
         <p:spPr>
           <a:xfrm>
-            <a:off x="45940227" y="13197119"/>
+            <a:off x="41890759" y="13197119"/>
             <a:ext cx="1144480" cy="639015"/>
           </a:xfrm>
           <a:prstGeom prst="rect">
@@ -5847,7 +5847,7 @@
         </p:nvSpPr>
         <p:spPr>
           <a:xfrm>
-            <a:off x="44365688" y="13164268"/>
+            <a:off x="40316220" y="13164268"/>
             <a:ext cx="1144480" cy="639015"/>
           </a:xfrm>
           <a:prstGeom prst="rect">
@@ -5900,7 +5900,7 @@
         </p:nvCxnSpPr>
         <p:spPr>
           <a:xfrm flipH="1">
-            <a:off x="44937928" y="11608304"/>
+            <a:off x="40888460" y="11608304"/>
             <a:ext cx="184" cy="1555964"/>
           </a:xfrm>
           <a:prstGeom prst="straightConnector1">
@@ -5943,7 +5943,7 @@
         </p:nvCxnSpPr>
         <p:spPr>
           <a:xfrm>
-            <a:off x="46490673" y="11610401"/>
+            <a:off x="42441205" y="11610401"/>
             <a:ext cx="21794" cy="1586718"/>
           </a:xfrm>
           <a:prstGeom prst="straightConnector1">
@@ -5982,7 +5982,7 @@
         </p:nvSpPr>
         <p:spPr>
           <a:xfrm>
-            <a:off x="49001913" y="13197120"/>
+            <a:off x="44952445" y="13197120"/>
             <a:ext cx="1144480" cy="639015"/>
           </a:xfrm>
           <a:prstGeom prst="rect">
@@ -6043,7 +6043,7 @@
         </p:nvCxnSpPr>
         <p:spPr>
           <a:xfrm>
-            <a:off x="50373630" y="8280603"/>
+            <a:off x="46324162" y="8280603"/>
             <a:ext cx="0" cy="331272"/>
           </a:xfrm>
           <a:prstGeom prst="straightConnector1">
@@ -6086,7 +6086,7 @@
         </p:nvCxnSpPr>
         <p:spPr>
           <a:xfrm rot="16200000" flipH="1">
-            <a:off x="48937476" y="12560442"/>
+            <a:off x="44888008" y="12560442"/>
             <a:ext cx="505859" cy="767495"/>
           </a:xfrm>
           <a:prstGeom prst="bentConnector3">
@@ -6131,7 +6131,7 @@
         </p:nvCxnSpPr>
         <p:spPr>
           <a:xfrm rot="5400000">
-            <a:off x="49733345" y="12556835"/>
+            <a:off x="45683877" y="12556835"/>
             <a:ext cx="481094" cy="799477"/>
           </a:xfrm>
           <a:prstGeom prst="bentConnector3">
@@ -6176,7 +6176,7 @@
         </p:nvCxnSpPr>
         <p:spPr>
           <a:xfrm>
-            <a:off x="47276982" y="7332248"/>
+            <a:off x="43227514" y="7332248"/>
             <a:ext cx="0" cy="308273"/>
           </a:xfrm>
           <a:prstGeom prst="straightConnector1">
@@ -6219,7 +6219,7 @@
         </p:nvCxnSpPr>
         <p:spPr>
           <a:xfrm rot="16200000" flipH="1">
-            <a:off x="44099250" y="8442154"/>
+            <a:off x="40049782" y="8442154"/>
             <a:ext cx="330993" cy="5756"/>
           </a:xfrm>
           <a:prstGeom prst="bentConnector3">
@@ -6264,7 +6264,7 @@
         </p:nvCxnSpPr>
         <p:spPr>
           <a:xfrm>
-            <a:off x="47276982" y="8279536"/>
+            <a:off x="43227514" y="8279536"/>
             <a:ext cx="0" cy="330993"/>
           </a:xfrm>
           <a:prstGeom prst="straightConnector1">
@@ -6303,7 +6303,7 @@
         </p:nvSpPr>
         <p:spPr>
           <a:xfrm>
-            <a:off x="39373541" y="24956163"/>
+            <a:off x="19734650" y="13577188"/>
             <a:ext cx="1144480" cy="639015"/>
           </a:xfrm>
           <a:prstGeom prst="rect">
@@ -6355,7 +6355,7 @@
         </p:nvSpPr>
         <p:spPr>
           <a:xfrm>
-            <a:off x="37763207" y="24956163"/>
+            <a:off x="18124316" y="13577188"/>
             <a:ext cx="1144480" cy="639015"/>
           </a:xfrm>
           <a:prstGeom prst="rect">
@@ -6407,7 +6407,7 @@
         </p:nvSpPr>
         <p:spPr>
           <a:xfrm>
-            <a:off x="31759015" y="23059743"/>
+            <a:off x="12120124" y="11695282"/>
             <a:ext cx="1144480" cy="639015"/>
           </a:xfrm>
           <a:prstGeom prst="rect">
@@ -6456,7 +6456,7 @@
         </p:nvSpPr>
         <p:spPr>
           <a:xfrm>
-            <a:off x="33321136" y="24000915"/>
+            <a:off x="13682245" y="12621940"/>
             <a:ext cx="1144480" cy="639015"/>
           </a:xfrm>
           <a:prstGeom prst="rect">
@@ -6505,7 +6505,7 @@
         </p:nvSpPr>
         <p:spPr>
           <a:xfrm>
-            <a:off x="30228978" y="24967770"/>
+            <a:off x="10590087" y="13588795"/>
             <a:ext cx="1144480" cy="639015"/>
           </a:xfrm>
           <a:prstGeom prst="rect">
@@ -6554,7 +6554,7 @@
         </p:nvSpPr>
         <p:spPr>
           <a:xfrm>
-            <a:off x="31759015" y="24971383"/>
+            <a:off x="12120124" y="13592408"/>
             <a:ext cx="1144480" cy="639015"/>
           </a:xfrm>
           <a:prstGeom prst="rect">
@@ -6603,7 +6603,7 @@
         </p:nvSpPr>
         <p:spPr>
           <a:xfrm>
-            <a:off x="30228978" y="23999653"/>
+            <a:off x="10590087" y="12620678"/>
             <a:ext cx="1144480" cy="639015"/>
           </a:xfrm>
           <a:prstGeom prst="rect">
@@ -6652,7 +6652,7 @@
         </p:nvSpPr>
         <p:spPr>
           <a:xfrm>
-            <a:off x="34867215" y="23059743"/>
+            <a:off x="15228324" y="11680768"/>
             <a:ext cx="1144480" cy="639015"/>
           </a:xfrm>
           <a:prstGeom prst="rect">
@@ -6705,7 +6705,7 @@
         </p:nvSpPr>
         <p:spPr>
           <a:xfrm>
-            <a:off x="31759015" y="23999653"/>
+            <a:off x="12120124" y="12620678"/>
             <a:ext cx="1144480" cy="639015"/>
           </a:xfrm>
           <a:prstGeom prst="rect">
@@ -6754,7 +6754,7 @@
         </p:nvSpPr>
         <p:spPr>
           <a:xfrm>
-            <a:off x="33321136" y="24961858"/>
+            <a:off x="13682245" y="13582883"/>
             <a:ext cx="1144480" cy="639015"/>
           </a:xfrm>
           <a:prstGeom prst="rect">
@@ -6803,7 +6803,7 @@
         </p:nvSpPr>
         <p:spPr>
           <a:xfrm>
-            <a:off x="32570900" y="25946683"/>
+            <a:off x="12932009" y="14567708"/>
             <a:ext cx="1144480" cy="639015"/>
           </a:xfrm>
           <a:prstGeom prst="rect">
@@ -6852,7 +6852,7 @@
         </p:nvSpPr>
         <p:spPr>
           <a:xfrm>
-            <a:off x="34104344" y="25946683"/>
+            <a:off x="14465453" y="14567708"/>
             <a:ext cx="1144480" cy="639015"/>
           </a:xfrm>
           <a:prstGeom prst="rect">
@@ -6901,7 +6901,7 @@
         </p:nvSpPr>
         <p:spPr>
           <a:xfrm>
-            <a:off x="26272936" y="24968207"/>
+            <a:off x="6634045" y="13589232"/>
             <a:ext cx="1144480" cy="639015"/>
           </a:xfrm>
           <a:prstGeom prst="rect">
@@ -6956,7 +6956,7 @@
         </p:nvSpPr>
         <p:spPr>
           <a:xfrm>
-            <a:off x="34867215" y="23999653"/>
+            <a:off x="15228324" y="12620678"/>
             <a:ext cx="1144480" cy="639015"/>
           </a:xfrm>
           <a:prstGeom prst="rect">
@@ -7005,7 +7005,7 @@
         </p:nvSpPr>
         <p:spPr>
           <a:xfrm>
-            <a:off x="36381207" y="23999653"/>
+            <a:off x="16742316" y="12620678"/>
             <a:ext cx="1144480" cy="639015"/>
           </a:xfrm>
           <a:prstGeom prst="rect">
@@ -7058,7 +7058,7 @@
         </p:nvSpPr>
         <p:spPr>
           <a:xfrm>
-            <a:off x="34868700" y="24961857"/>
+            <a:off x="15229809" y="13582882"/>
             <a:ext cx="1144480" cy="639015"/>
           </a:xfrm>
           <a:prstGeom prst="rect">
@@ -7111,8 +7111,8 @@
         </p:nvCxnSpPr>
         <p:spPr>
           <a:xfrm rot="5400000">
-            <a:off x="31415790" y="23084187"/>
-            <a:ext cx="300895" cy="1530037"/>
+            <a:off x="11784156" y="11712469"/>
+            <a:ext cx="286381" cy="1530037"/>
           </a:xfrm>
           <a:prstGeom prst="bentConnector3">
             <a:avLst>
@@ -7156,7 +7156,7 @@
         </p:nvCxnSpPr>
         <p:spPr>
           <a:xfrm rot="5400000">
-            <a:off x="30636667" y="24803219"/>
+            <a:off x="10997776" y="13424244"/>
             <a:ext cx="329102" cy="12700"/>
           </a:xfrm>
           <a:prstGeom prst="bentConnector3">
@@ -7201,8 +7201,8 @@
         </p:nvCxnSpPr>
         <p:spPr>
           <a:xfrm rot="5400000">
-            <a:off x="32180808" y="23849205"/>
-            <a:ext cx="300895" cy="12700"/>
+            <a:off x="12549174" y="12477487"/>
+            <a:ext cx="286381" cy="12700"/>
           </a:xfrm>
           <a:prstGeom prst="bentConnector3">
             <a:avLst>
@@ -7246,7 +7246,7 @@
         </p:nvCxnSpPr>
         <p:spPr>
           <a:xfrm rot="5400000">
-            <a:off x="32164898" y="24805025"/>
+            <a:off x="12526007" y="13426050"/>
             <a:ext cx="332715" cy="12700"/>
           </a:xfrm>
           <a:prstGeom prst="bentConnector3">
@@ -7291,8 +7291,8 @@
         </p:nvCxnSpPr>
         <p:spPr>
           <a:xfrm rot="16200000" flipH="1">
-            <a:off x="32961237" y="23068775"/>
-            <a:ext cx="302157" cy="1562121"/>
+            <a:off x="13329603" y="11697057"/>
+            <a:ext cx="287643" cy="1562121"/>
           </a:xfrm>
           <a:prstGeom prst="bentConnector3">
             <a:avLst>
@@ -7337,7 +7337,7 @@
         </p:nvCxnSpPr>
         <p:spPr>
           <a:xfrm rot="5400000">
-            <a:off x="34885857" y="25391599"/>
+            <a:off x="15246966" y="14012624"/>
             <a:ext cx="345811" cy="764356"/>
           </a:xfrm>
           <a:prstGeom prst="bentConnector3">
@@ -7383,7 +7383,7 @@
         </p:nvCxnSpPr>
         <p:spPr>
           <a:xfrm rot="5400000">
-            <a:off x="34119135" y="24624877"/>
+            <a:off x="14480244" y="13245902"/>
             <a:ext cx="345811" cy="2297800"/>
           </a:xfrm>
           <a:prstGeom prst="bentConnector3">
@@ -7429,7 +7429,7 @@
         </p:nvCxnSpPr>
         <p:spPr>
           <a:xfrm rot="16200000" flipH="1">
-            <a:off x="32569055" y="25372597"/>
+            <a:off x="12930164" y="13993622"/>
             <a:ext cx="336285" cy="811885"/>
           </a:xfrm>
           <a:prstGeom prst="bentConnector3">
@@ -7475,7 +7475,7 @@
         </p:nvCxnSpPr>
         <p:spPr>
           <a:xfrm rot="16200000" flipH="1">
-            <a:off x="33335777" y="24605875"/>
+            <a:off x="13696886" y="13226900"/>
             <a:ext cx="336285" cy="2345329"/>
           </a:xfrm>
           <a:prstGeom prst="bentConnector3">
@@ -7521,7 +7521,7 @@
         </p:nvCxnSpPr>
         <p:spPr>
           <a:xfrm rot="5400000">
-            <a:off x="34515338" y="23076797"/>
+            <a:off x="14876447" y="11697822"/>
             <a:ext cx="302157" cy="1546079"/>
           </a:xfrm>
           <a:prstGeom prst="bentConnector3">
@@ -7567,7 +7567,7 @@
         </p:nvCxnSpPr>
         <p:spPr>
           <a:xfrm rot="16200000" flipH="1">
-            <a:off x="36046004" y="23092209"/>
+            <a:off x="16407113" y="11713234"/>
             <a:ext cx="300895" cy="1513992"/>
           </a:xfrm>
           <a:prstGeom prst="bentConnector3">
@@ -7612,7 +7612,7 @@
         </p:nvCxnSpPr>
         <p:spPr>
           <a:xfrm rot="5400000">
-            <a:off x="35289008" y="23849205"/>
+            <a:off x="15650117" y="12470230"/>
             <a:ext cx="300895" cy="12700"/>
           </a:xfrm>
           <a:prstGeom prst="bentConnector3">
@@ -7657,7 +7657,7 @@
         </p:nvCxnSpPr>
         <p:spPr>
           <a:xfrm rot="16200000" flipH="1">
-            <a:off x="35278603" y="24799519"/>
+            <a:off x="15639712" y="13420544"/>
             <a:ext cx="323189" cy="1485"/>
           </a:xfrm>
           <a:prstGeom prst="bentConnector3">
@@ -7702,7 +7702,7 @@
         </p:nvCxnSpPr>
         <p:spPr>
           <a:xfrm rot="5400000">
-            <a:off x="33732412" y="24800894"/>
+            <a:off x="14093521" y="13421919"/>
             <a:ext cx="321928" cy="12700"/>
           </a:xfrm>
           <a:prstGeom prst="bentConnector3">
@@ -7743,7 +7743,7 @@
         </p:nvSpPr>
         <p:spPr>
           <a:xfrm>
-            <a:off x="36384615" y="24961857"/>
+            <a:off x="16745724" y="13582882"/>
             <a:ext cx="1144480" cy="639015"/>
           </a:xfrm>
           <a:prstGeom prst="rect">
@@ -7804,7 +7804,7 @@
         </p:nvCxnSpPr>
         <p:spPr>
           <a:xfrm rot="16200000" flipH="1">
-            <a:off x="36793557" y="24798558"/>
+            <a:off x="17154666" y="13419583"/>
             <a:ext cx="323189" cy="3408"/>
           </a:xfrm>
           <a:prstGeom prst="bentConnector3">
@@ -7845,7 +7845,7 @@
         </p:nvSpPr>
         <p:spPr>
           <a:xfrm>
-            <a:off x="35509452" y="25946683"/>
+            <a:off x="15870561" y="14567708"/>
             <a:ext cx="1144480" cy="639015"/>
           </a:xfrm>
           <a:prstGeom prst="rect">
@@ -7898,7 +7898,7 @@
         </p:nvCxnSpPr>
         <p:spPr>
           <a:xfrm rot="16200000" flipH="1">
-            <a:off x="35588411" y="25453401"/>
+            <a:off x="15949520" y="14074426"/>
             <a:ext cx="345811" cy="640752"/>
           </a:xfrm>
           <a:prstGeom prst="bentConnector3">
@@ -7943,7 +7943,7 @@
         </p:nvCxnSpPr>
         <p:spPr>
           <a:xfrm rot="5400000">
-            <a:off x="36346369" y="25336196"/>
+            <a:off x="16707478" y="13957221"/>
             <a:ext cx="345811" cy="875163"/>
           </a:xfrm>
           <a:prstGeom prst="bentConnector3">
@@ -7984,7 +7984,7 @@
         </p:nvSpPr>
         <p:spPr>
           <a:xfrm>
-            <a:off x="30988442" y="25946683"/>
+            <a:off x="11349551" y="14567708"/>
             <a:ext cx="1144480" cy="639015"/>
           </a:xfrm>
           <a:prstGeom prst="rect">
@@ -8037,7 +8037,7 @@
         </p:nvCxnSpPr>
         <p:spPr>
           <a:xfrm rot="16200000" flipH="1">
-            <a:off x="31011001" y="25397002"/>
+            <a:off x="11372110" y="14018027"/>
             <a:ext cx="339898" cy="759464"/>
           </a:xfrm>
           <a:prstGeom prst="bentConnector3">
@@ -8082,7 +8082,7 @@
         </p:nvCxnSpPr>
         <p:spPr>
           <a:xfrm rot="5400000">
-            <a:off x="31777827" y="25393254"/>
+            <a:off x="12138936" y="14014279"/>
             <a:ext cx="336285" cy="770573"/>
           </a:xfrm>
           <a:prstGeom prst="bentConnector3">
@@ -8123,7 +8123,7 @@
         </p:nvSpPr>
         <p:spPr>
           <a:xfrm>
-            <a:off x="26272936" y="23010559"/>
+            <a:off x="6634045" y="11675126"/>
             <a:ext cx="1144480" cy="639015"/>
           </a:xfrm>
           <a:prstGeom prst="rect">
@@ -8182,7 +8182,7 @@
         </p:nvSpPr>
         <p:spPr>
           <a:xfrm>
-            <a:off x="25383837" y="25959383"/>
+            <a:off x="5744946" y="14580408"/>
             <a:ext cx="1144480" cy="639015"/>
           </a:xfrm>
           <a:prstGeom prst="rect">
@@ -8237,7 +8237,7 @@
         </p:nvSpPr>
         <p:spPr>
           <a:xfrm>
-            <a:off x="26272936" y="26914476"/>
+            <a:off x="6634045" y="15535501"/>
             <a:ext cx="1144480" cy="639015"/>
           </a:xfrm>
           <a:prstGeom prst="rect">
@@ -8292,7 +8292,7 @@
         </p:nvSpPr>
         <p:spPr>
           <a:xfrm>
-            <a:off x="24484221" y="26910101"/>
+            <a:off x="4845330" y="15531126"/>
             <a:ext cx="1144480" cy="639015"/>
           </a:xfrm>
           <a:prstGeom prst="rect">
@@ -8347,7 +8347,7 @@
         </p:nvSpPr>
         <p:spPr>
           <a:xfrm>
-            <a:off x="27095202" y="25959383"/>
+            <a:off x="7456311" y="14580408"/>
             <a:ext cx="1144480" cy="639015"/>
           </a:xfrm>
           <a:prstGeom prst="rect">
@@ -8406,7 +8406,7 @@
         </p:nvCxnSpPr>
         <p:spPr>
           <a:xfrm>
-            <a:off x="26528317" y="26278891"/>
+            <a:off x="6889426" y="14899916"/>
             <a:ext cx="566885" cy="0"/>
           </a:xfrm>
           <a:prstGeom prst="line">
@@ -8447,7 +8447,7 @@
         </p:nvSpPr>
         <p:spPr>
           <a:xfrm>
-            <a:off x="27093772" y="27900063"/>
+            <a:off x="7454881" y="16521088"/>
             <a:ext cx="1144480" cy="639015"/>
           </a:xfrm>
           <a:prstGeom prst="rect">
@@ -8502,7 +8502,7 @@
         </p:nvSpPr>
         <p:spPr>
           <a:xfrm>
-            <a:off x="27886554" y="28794756"/>
+            <a:off x="8247663" y="17415781"/>
             <a:ext cx="1144480" cy="639015"/>
           </a:xfrm>
           <a:prstGeom prst="rect">
@@ -8557,7 +8557,7 @@
         </p:nvSpPr>
         <p:spPr>
           <a:xfrm>
-            <a:off x="26265998" y="28794756"/>
+            <a:off x="6627107" y="17415781"/>
             <a:ext cx="1144480" cy="639015"/>
           </a:xfrm>
           <a:prstGeom prst="rect">
@@ -8616,7 +8616,7 @@
         </p:nvCxnSpPr>
         <p:spPr>
           <a:xfrm>
-            <a:off x="27410478" y="29114264"/>
+            <a:off x="7771587" y="17735289"/>
             <a:ext cx="476076" cy="0"/>
           </a:xfrm>
           <a:prstGeom prst="line">
@@ -8661,8 +8661,8 @@
         </p:nvCxnSpPr>
         <p:spPr>
           <a:xfrm rot="5400000">
-            <a:off x="26221214" y="23375690"/>
-            <a:ext cx="350078" cy="897846"/>
+            <a:off x="6604094" y="12018486"/>
+            <a:ext cx="306536" cy="897846"/>
           </a:xfrm>
           <a:prstGeom prst="bentConnector3">
             <a:avLst>
@@ -8706,8 +8706,8 @@
         </p:nvCxnSpPr>
         <p:spPr>
           <a:xfrm rot="16200000" flipH="1">
-            <a:off x="27077200" y="23417549"/>
-            <a:ext cx="350078" cy="814127"/>
+            <a:off x="7460080" y="12060345"/>
+            <a:ext cx="306536" cy="814127"/>
           </a:xfrm>
           <a:prstGeom prst="bentConnector3">
             <a:avLst>
@@ -8751,7 +8751,7 @@
         </p:nvCxnSpPr>
         <p:spPr>
           <a:xfrm rot="16200000" flipH="1">
-            <a:off x="26242587" y="26311887"/>
+            <a:off x="6603696" y="14932912"/>
             <a:ext cx="316078" cy="889099"/>
           </a:xfrm>
           <a:prstGeom prst="bentConnector3">
@@ -8796,7 +8796,7 @@
         </p:nvCxnSpPr>
         <p:spPr>
           <a:xfrm rot="5400000">
-            <a:off x="25350418" y="26304441"/>
+            <a:off x="5711527" y="14925466"/>
             <a:ext cx="311703" cy="899616"/>
           </a:xfrm>
           <a:prstGeom prst="bentConnector3">
@@ -8841,7 +8841,7 @@
         </p:nvCxnSpPr>
         <p:spPr>
           <a:xfrm rot="5400000">
-            <a:off x="27015895" y="27248515"/>
+            <a:off x="7377004" y="15869540"/>
             <a:ext cx="1301665" cy="1430"/>
           </a:xfrm>
           <a:prstGeom prst="bentConnector3">
@@ -8886,7 +8886,7 @@
         </p:nvCxnSpPr>
         <p:spPr>
           <a:xfrm rot="5400000">
-            <a:off x="27124286" y="28253030"/>
+            <a:off x="7485395" y="16874055"/>
             <a:ext cx="255678" cy="827774"/>
           </a:xfrm>
           <a:prstGeom prst="bentConnector3">
@@ -8931,7 +8931,7 @@
         </p:nvCxnSpPr>
         <p:spPr>
           <a:xfrm rot="16200000" flipH="1">
-            <a:off x="27934564" y="28270526"/>
+            <a:off x="8295673" y="16891551"/>
             <a:ext cx="255678" cy="792782"/>
           </a:xfrm>
           <a:prstGeom prst="bentConnector3">
@@ -8972,7 +8972,7 @@
         </p:nvSpPr>
         <p:spPr>
           <a:xfrm>
-            <a:off x="29648187" y="28794756"/>
+            <a:off x="10009296" y="17415781"/>
             <a:ext cx="1144480" cy="639015"/>
           </a:xfrm>
           <a:prstGeom prst="rect">
@@ -9027,7 +9027,7 @@
         </p:nvSpPr>
         <p:spPr>
           <a:xfrm>
-            <a:off x="29648187" y="26911991"/>
+            <a:off x="10009296" y="15533016"/>
             <a:ext cx="1144480" cy="639015"/>
           </a:xfrm>
           <a:prstGeom prst="rect">
@@ -9082,7 +9082,7 @@
         </p:nvSpPr>
         <p:spPr>
           <a:xfrm>
-            <a:off x="28787665" y="27864600"/>
+            <a:off x="9148774" y="16485625"/>
             <a:ext cx="1144480" cy="639015"/>
           </a:xfrm>
           <a:prstGeom prst="rect">
@@ -9137,7 +9137,7 @@
         </p:nvSpPr>
         <p:spPr>
           <a:xfrm>
-            <a:off x="27936483" y="26911992"/>
+            <a:off x="8297592" y="15533017"/>
             <a:ext cx="1144480" cy="639015"/>
           </a:xfrm>
           <a:prstGeom prst="rect">
@@ -9196,7 +9196,7 @@
         </p:nvCxnSpPr>
         <p:spPr>
           <a:xfrm rot="16200000" flipH="1">
-            <a:off x="28787138" y="25478701"/>
+            <a:off x="9148247" y="14099726"/>
             <a:ext cx="313593" cy="2552985"/>
           </a:xfrm>
           <a:prstGeom prst="bentConnector3">
@@ -9241,7 +9241,7 @@
         </p:nvCxnSpPr>
         <p:spPr>
           <a:xfrm rot="16200000" flipH="1">
-            <a:off x="27931285" y="26334554"/>
+            <a:off x="8292394" y="14955579"/>
             <a:ext cx="313594" cy="841281"/>
           </a:xfrm>
           <a:prstGeom prst="bentConnector3">
@@ -9286,7 +9286,7 @@
         </p:nvCxnSpPr>
         <p:spPr>
           <a:xfrm rot="16200000" flipH="1">
-            <a:off x="28815380" y="27389709"/>
+            <a:off x="9176489" y="16010734"/>
             <a:ext cx="255678" cy="2554415"/>
           </a:xfrm>
           <a:prstGeom prst="bentConnector3">
@@ -9331,7 +9331,7 @@
         </p:nvCxnSpPr>
         <p:spPr>
           <a:xfrm rot="16200000" flipH="1">
-            <a:off x="27880572" y="26385267"/>
+            <a:off x="8241681" y="15006292"/>
             <a:ext cx="1266202" cy="1692463"/>
           </a:xfrm>
           <a:prstGeom prst="bentConnector3">
@@ -9372,7 +9372,7 @@
         </p:nvSpPr>
         <p:spPr>
           <a:xfrm>
-            <a:off x="39373541" y="23066091"/>
+            <a:off x="19734650" y="11687116"/>
             <a:ext cx="1144480" cy="639015"/>
           </a:xfrm>
           <a:prstGeom prst="rect">
@@ -9424,7 +9424,7 @@
         </p:nvSpPr>
         <p:spPr>
           <a:xfrm>
-            <a:off x="37764866" y="23999652"/>
+            <a:off x="18125975" y="12620677"/>
             <a:ext cx="1144480" cy="639015"/>
           </a:xfrm>
           <a:prstGeom prst="rect">
@@ -9484,7 +9484,7 @@
         </p:nvCxnSpPr>
         <p:spPr>
           <a:xfrm>
-            <a:off x="46342212" y="24389557"/>
+            <a:off x="26703321" y="13010582"/>
             <a:ext cx="627399" cy="0"/>
           </a:xfrm>
           <a:prstGeom prst="line">
@@ -9525,7 +9525,7 @@
         </p:nvSpPr>
         <p:spPr>
           <a:xfrm>
-            <a:off x="39373628" y="23999652"/>
+            <a:off x="19734737" y="12620677"/>
             <a:ext cx="1144480" cy="639015"/>
           </a:xfrm>
           <a:prstGeom prst="rect">
@@ -9577,7 +9577,7 @@
         </p:nvSpPr>
         <p:spPr>
           <a:xfrm>
-            <a:off x="41128253" y="24004061"/>
+            <a:off x="21489362" y="12625086"/>
             <a:ext cx="1144480" cy="639015"/>
           </a:xfrm>
           <a:prstGeom prst="rect">
@@ -9629,7 +9629,7 @@
         </p:nvSpPr>
         <p:spPr>
           <a:xfrm>
-            <a:off x="36946649" y="25953033"/>
+            <a:off x="17307758" y="14574058"/>
             <a:ext cx="1144480" cy="639015"/>
           </a:xfrm>
           <a:prstGeom prst="rect">
@@ -9685,7 +9685,7 @@
         </p:nvSpPr>
         <p:spPr>
           <a:xfrm>
-            <a:off x="36137093" y="26854855"/>
+            <a:off x="16498202" y="15475880"/>
             <a:ext cx="1144480" cy="639015"/>
           </a:xfrm>
           <a:prstGeom prst="rect">
@@ -9745,7 +9745,7 @@
         </p:nvCxnSpPr>
         <p:spPr>
           <a:xfrm rot="5400000">
-            <a:off x="36982708" y="26318673"/>
+            <a:off x="17343817" y="14939698"/>
             <a:ext cx="262807" cy="809556"/>
           </a:xfrm>
           <a:prstGeom prst="bentConnector3">
@@ -9790,7 +9790,7 @@
         </p:nvCxnSpPr>
         <p:spPr>
           <a:xfrm rot="5400000">
-            <a:off x="38994171" y="23048042"/>
+            <a:off x="19355280" y="11669067"/>
             <a:ext cx="294546" cy="1608675"/>
           </a:xfrm>
           <a:prstGeom prst="bentConnector3">
@@ -9835,7 +9835,7 @@
         </p:nvCxnSpPr>
         <p:spPr>
           <a:xfrm rot="16200000" flipH="1">
-            <a:off x="39798551" y="23852335"/>
+            <a:off x="20159660" y="12473360"/>
             <a:ext cx="294546" cy="87"/>
           </a:xfrm>
           <a:prstGeom prst="bentConnector3">
@@ -9880,7 +9880,7 @@
         </p:nvCxnSpPr>
         <p:spPr>
           <a:xfrm rot="16200000" flipH="1">
-            <a:off x="40673660" y="22977227"/>
+            <a:off x="21034769" y="11598252"/>
             <a:ext cx="298955" cy="1754712"/>
           </a:xfrm>
           <a:prstGeom prst="bentConnector3">
@@ -9925,7 +9925,7 @@
         </p:nvCxnSpPr>
         <p:spPr>
           <a:xfrm rot="5400000">
-            <a:off x="38177529" y="24796586"/>
+            <a:off x="18538638" y="13417611"/>
             <a:ext cx="317496" cy="1659"/>
           </a:xfrm>
           <a:prstGeom prst="bentConnector3">
@@ -9969,7 +9969,7 @@
         </p:nvCxnSpPr>
         <p:spPr>
           <a:xfrm>
-            <a:off x="38091129" y="26272541"/>
+            <a:off x="18452238" y="14893566"/>
             <a:ext cx="1535249" cy="1618"/>
           </a:xfrm>
           <a:prstGeom prst="line">
@@ -10010,7 +10010,7 @@
         </p:nvSpPr>
         <p:spPr>
           <a:xfrm>
-            <a:off x="36146618" y="27864599"/>
+            <a:off x="16507727" y="16485624"/>
             <a:ext cx="1144480" cy="639015"/>
           </a:xfrm>
           <a:prstGeom prst="rect">
@@ -10066,7 +10066,7 @@
         </p:nvSpPr>
         <p:spPr>
           <a:xfrm>
-            <a:off x="37772732" y="27880143"/>
+            <a:off x="18133841" y="16501168"/>
             <a:ext cx="1144480" cy="639015"/>
           </a:xfrm>
           <a:prstGeom prst="rect">
@@ -10122,7 +10122,7 @@
         </p:nvSpPr>
         <p:spPr>
           <a:xfrm>
-            <a:off x="38600109" y="28764064"/>
+            <a:off x="18961218" y="17385089"/>
             <a:ext cx="1144480" cy="639015"/>
           </a:xfrm>
           <a:prstGeom prst="rect">
@@ -10178,7 +10178,7 @@
         </p:nvSpPr>
         <p:spPr>
           <a:xfrm>
-            <a:off x="38593310" y="29710390"/>
+            <a:off x="18954419" y="18331415"/>
             <a:ext cx="1144480" cy="639015"/>
           </a:xfrm>
           <a:prstGeom prst="rect">
@@ -10234,7 +10234,7 @@
         </p:nvSpPr>
         <p:spPr>
           <a:xfrm>
-            <a:off x="36941190" y="28764064"/>
+            <a:off x="17302299" y="17385089"/>
             <a:ext cx="1144480" cy="639015"/>
           </a:xfrm>
           <a:prstGeom prst="rect">
@@ -10290,7 +10290,7 @@
         </p:nvSpPr>
         <p:spPr>
           <a:xfrm>
-            <a:off x="40262731" y="28764064"/>
+            <a:off x="20623840" y="17385089"/>
             <a:ext cx="1144480" cy="639015"/>
           </a:xfrm>
           <a:prstGeom prst="rect">
@@ -10358,7 +10358,7 @@
         </p:nvCxnSpPr>
         <p:spPr>
           <a:xfrm rot="16200000" flipH="1">
-            <a:off x="36528731" y="27674471"/>
+            <a:off x="16889840" y="16295496"/>
             <a:ext cx="370729" cy="9525"/>
           </a:xfrm>
           <a:prstGeom prst="bentConnector3">
@@ -10403,7 +10403,7 @@
         </p:nvCxnSpPr>
         <p:spPr>
           <a:xfrm rot="5400000">
-            <a:off x="37707583" y="27299716"/>
+            <a:off x="18068692" y="15920741"/>
             <a:ext cx="1270195" cy="1658500"/>
           </a:xfrm>
           <a:prstGeom prst="bentConnector3">
@@ -10448,7 +10448,7 @@
         </p:nvCxnSpPr>
         <p:spPr>
           <a:xfrm rot="5400000">
-            <a:off x="39015295" y="29553335"/>
+            <a:off x="19376404" y="18174360"/>
             <a:ext cx="307311" cy="6799"/>
           </a:xfrm>
           <a:prstGeom prst="bentConnector3">
@@ -10489,7 +10489,7 @@
         </p:nvSpPr>
         <p:spPr>
           <a:xfrm>
-            <a:off x="41128253" y="24966657"/>
+            <a:off x="21489362" y="13587682"/>
             <a:ext cx="1144480" cy="639015"/>
           </a:xfrm>
           <a:prstGeom prst="rect">
@@ -10545,7 +10545,7 @@
         </p:nvCxnSpPr>
         <p:spPr>
           <a:xfrm rot="5400000">
-            <a:off x="39041336" y="26724260"/>
+            <a:off x="19402445" y="15345285"/>
             <a:ext cx="261188" cy="12700"/>
           </a:xfrm>
           <a:prstGeom prst="bentConnector3">
@@ -10591,7 +10591,7 @@
         </p:nvCxnSpPr>
         <p:spPr>
           <a:xfrm rot="16200000" flipH="1">
-            <a:off x="38214006" y="25896930"/>
+            <a:off x="18575115" y="14517955"/>
             <a:ext cx="262806" cy="1653041"/>
           </a:xfrm>
           <a:prstGeom prst="bentConnector3">
@@ -10633,7 +10633,7 @@
         </p:nvSpPr>
         <p:spPr>
           <a:xfrm>
-            <a:off x="25375090" y="23999652"/>
+            <a:off x="5736199" y="12620677"/>
             <a:ext cx="1144480" cy="639015"/>
           </a:xfrm>
           <a:prstGeom prst="rect">
@@ -10688,7 +10688,7 @@
         </p:nvSpPr>
         <p:spPr>
           <a:xfrm>
-            <a:off x="23691191" y="23999652"/>
+            <a:off x="4052300" y="12620677"/>
             <a:ext cx="1144480" cy="639015"/>
           </a:xfrm>
           <a:prstGeom prst="rect">
@@ -10743,7 +10743,7 @@
         </p:nvSpPr>
         <p:spPr>
           <a:xfrm>
-            <a:off x="27087063" y="23999652"/>
+            <a:off x="7448172" y="12620677"/>
             <a:ext cx="1144480" cy="639015"/>
           </a:xfrm>
           <a:prstGeom prst="rect">
@@ -10798,7 +10798,7 @@
         </p:nvSpPr>
         <p:spPr>
           <a:xfrm>
-            <a:off x="28768637" y="23999652"/>
+            <a:off x="9129746" y="12620677"/>
             <a:ext cx="1144480" cy="639015"/>
           </a:xfrm>
           <a:prstGeom prst="rect">
@@ -10853,7 +10853,7 @@
         </p:nvSpPr>
         <p:spPr>
           <a:xfrm>
-            <a:off x="24487712" y="24951240"/>
+            <a:off x="4848821" y="13572265"/>
             <a:ext cx="1144480" cy="639015"/>
           </a:xfrm>
           <a:prstGeom prst="rect">
@@ -10908,7 +10908,7 @@
         </p:nvSpPr>
         <p:spPr>
           <a:xfrm>
-            <a:off x="38599690" y="25954651"/>
+            <a:off x="18960799" y="14575676"/>
             <a:ext cx="1144480" cy="639015"/>
           </a:xfrm>
           <a:prstGeom prst="rect">
@@ -10964,7 +10964,7 @@
         </p:nvCxnSpPr>
         <p:spPr>
           <a:xfrm>
-            <a:off x="26519570" y="24319160"/>
+            <a:off x="6880679" y="12940185"/>
             <a:ext cx="567493" cy="0"/>
           </a:xfrm>
           <a:prstGeom prst="line">
@@ -11009,8 +11009,8 @@
         </p:nvCxnSpPr>
         <p:spPr>
           <a:xfrm rot="16200000" flipH="1">
-            <a:off x="27917987" y="22576762"/>
-            <a:ext cx="350078" cy="2495701"/>
+            <a:off x="8300867" y="11219558"/>
+            <a:ext cx="306536" cy="2495701"/>
           </a:xfrm>
           <a:prstGeom prst="bentConnector3">
             <a:avLst>
@@ -11054,8 +11054,8 @@
         </p:nvCxnSpPr>
         <p:spPr>
           <a:xfrm rot="5400000">
-            <a:off x="25379265" y="22533741"/>
-            <a:ext cx="350078" cy="2581745"/>
+            <a:off x="5762145" y="11176537"/>
+            <a:ext cx="306536" cy="2581745"/>
           </a:xfrm>
           <a:prstGeom prst="bentConnector3">
             <a:avLst>
@@ -11099,7 +11099,7 @@
         </p:nvCxnSpPr>
         <p:spPr>
           <a:xfrm rot="5400000">
-            <a:off x="25347355" y="24351264"/>
+            <a:off x="5708464" y="12972289"/>
             <a:ext cx="312573" cy="887378"/>
           </a:xfrm>
           <a:prstGeom prst="bentConnector3">
@@ -11144,7 +11144,7 @@
         </p:nvCxnSpPr>
         <p:spPr>
           <a:xfrm rot="16200000" flipH="1">
-            <a:off x="27925370" y="24372600"/>
+            <a:off x="8286479" y="12993625"/>
             <a:ext cx="313596" cy="845730"/>
           </a:xfrm>
           <a:prstGeom prst="bentConnector3">
@@ -11189,7 +11189,7 @@
         </p:nvCxnSpPr>
         <p:spPr>
           <a:xfrm rot="16200000" flipH="1">
-            <a:off x="26231483" y="24354514"/>
+            <a:off x="6592592" y="12975539"/>
             <a:ext cx="329540" cy="897846"/>
           </a:xfrm>
           <a:prstGeom prst="bentConnector3">
@@ -11235,7 +11235,7 @@
         </p:nvCxnSpPr>
         <p:spPr>
           <a:xfrm rot="5400000">
-            <a:off x="27087470" y="24396374"/>
+            <a:off x="7448579" y="13017399"/>
             <a:ext cx="329540" cy="814127"/>
           </a:xfrm>
           <a:prstGeom prst="bentConnector3">
@@ -11281,7 +11281,7 @@
         </p:nvCxnSpPr>
         <p:spPr>
           <a:xfrm rot="16200000" flipH="1">
-            <a:off x="27080229" y="25372169"/>
+            <a:off x="7441338" y="13993194"/>
             <a:ext cx="352161" cy="822266"/>
           </a:xfrm>
           <a:prstGeom prst="bentConnector3">
@@ -11326,7 +11326,7 @@
         </p:nvCxnSpPr>
         <p:spPr>
           <a:xfrm rot="5400000">
-            <a:off x="26224547" y="25338753"/>
+            <a:off x="6585656" y="13959778"/>
             <a:ext cx="352161" cy="889099"/>
           </a:xfrm>
           <a:prstGeom prst="bentConnector3">
@@ -11367,7 +11367,7 @@
         </p:nvSpPr>
         <p:spPr>
           <a:xfrm>
-            <a:off x="25382277" y="27915945"/>
+            <a:off x="5743386" y="16536970"/>
             <a:ext cx="1144480" cy="639015"/>
           </a:xfrm>
           <a:prstGeom prst="rect">
@@ -11426,7 +11426,7 @@
         </p:nvCxnSpPr>
         <p:spPr>
           <a:xfrm rot="5400000">
-            <a:off x="25296524" y="27256391"/>
+            <a:off x="5657633" y="15877416"/>
             <a:ext cx="1317547" cy="1560"/>
           </a:xfrm>
           <a:prstGeom prst="bentConnector3">
@@ -11467,7 +11467,7 @@
         </p:nvSpPr>
         <p:spPr>
           <a:xfrm>
-            <a:off x="30653521" y="27864599"/>
+            <a:off x="11014630" y="16485624"/>
             <a:ext cx="1144480" cy="639015"/>
           </a:xfrm>
           <a:prstGeom prst="rect">
@@ -11526,7 +11526,7 @@
         </p:nvCxnSpPr>
         <p:spPr>
           <a:xfrm rot="16200000" flipH="1">
-            <a:off x="28813501" y="25452338"/>
+            <a:off x="9174610" y="14073363"/>
             <a:ext cx="1266201" cy="3558319"/>
           </a:xfrm>
           <a:prstGeom prst="bentConnector3">
@@ -11567,7 +11567,7 @@
         </p:nvSpPr>
         <p:spPr>
           <a:xfrm>
-            <a:off x="46684744" y="2623376"/>
+            <a:off x="42635276" y="2623376"/>
             <a:ext cx="1144480" cy="639015"/>
           </a:xfrm>
           <a:prstGeom prst="rect">
@@ -11616,7 +11616,7 @@
         </p:nvSpPr>
         <p:spPr>
           <a:xfrm>
-            <a:off x="40643191" y="10317221"/>
+            <a:off x="36593723" y="10317221"/>
             <a:ext cx="1144480" cy="639015"/>
           </a:xfrm>
           <a:prstGeom prst="rect">
@@ -11669,7 +11669,7 @@
         </p:nvSpPr>
         <p:spPr>
           <a:xfrm>
-            <a:off x="48234418" y="2623975"/>
+            <a:off x="44184950" y="2623975"/>
             <a:ext cx="1144480" cy="639015"/>
           </a:xfrm>
           <a:prstGeom prst="rect">
@@ -11718,7 +11718,7 @@
         </p:nvSpPr>
         <p:spPr>
           <a:xfrm>
-            <a:off x="38661871" y="1574813"/>
+            <a:off x="34612403" y="1574813"/>
             <a:ext cx="1144480" cy="639015"/>
           </a:xfrm>
           <a:prstGeom prst="rect">
@@ -11767,7 +11767,7 @@
         </p:nvSpPr>
         <p:spPr>
           <a:xfrm>
-            <a:off x="44386854" y="28804280"/>
+            <a:off x="24747963" y="17425305"/>
             <a:ext cx="1144480" cy="639015"/>
           </a:xfrm>
           <a:prstGeom prst="rect">
@@ -11819,7 +11819,7 @@
         </p:nvSpPr>
         <p:spPr>
           <a:xfrm>
-            <a:off x="46055255" y="23106076"/>
+            <a:off x="26416364" y="11683559"/>
             <a:ext cx="1144480" cy="639015"/>
           </a:xfrm>
           <a:prstGeom prst="rect">
@@ -11871,7 +11871,7 @@
         </p:nvSpPr>
         <p:spPr>
           <a:xfrm>
-            <a:off x="46130939" y="26918123"/>
+            <a:off x="26492048" y="15539148"/>
             <a:ext cx="1144480" cy="639015"/>
           </a:xfrm>
           <a:prstGeom prst="rect">
@@ -11923,7 +11923,7 @@
         </p:nvSpPr>
         <p:spPr>
           <a:xfrm>
-            <a:off x="45197732" y="24070049"/>
+            <a:off x="25558841" y="12691074"/>
             <a:ext cx="1144480" cy="639015"/>
           </a:xfrm>
           <a:prstGeom prst="rect">
@@ -11955,7 +11955,11 @@
             <a:pPr algn="ctr"/>
             <a:r>
               <a:rPr lang="ru-RU" sz="1100" dirty="0"/>
-              <a:t>Поддержать мировую революцию (вступление в 4 интернационал, но изменено название)</a:t>
+              <a:t>Поддержать мировую революцию </a:t>
+            </a:r>
+            <a:r>
+              <a:rPr lang="ru-RU" sz="700" dirty="0"/>
+              <a:t>(вступление в 4 интернационал, но изменено название)</a:t>
             </a:r>
             <a:endParaRPr lang="ru-RU" sz="300" dirty="0"/>
           </a:p>
@@ -11975,7 +11979,7 @@
         </p:nvSpPr>
         <p:spPr>
           <a:xfrm>
-            <a:off x="46130939" y="25046741"/>
+            <a:off x="26492048" y="13667766"/>
             <a:ext cx="1144480" cy="639015"/>
           </a:xfrm>
           <a:prstGeom prst="rect">
@@ -12027,7 +12031,7 @@
         </p:nvSpPr>
         <p:spPr>
           <a:xfrm>
-            <a:off x="46969611" y="24070049"/>
+            <a:off x="27330720" y="12691074"/>
             <a:ext cx="1144480" cy="639015"/>
           </a:xfrm>
           <a:prstGeom prst="rect">
@@ -12079,7 +12083,7 @@
         </p:nvSpPr>
         <p:spPr>
           <a:xfrm>
-            <a:off x="45204082" y="27860225"/>
+            <a:off x="25565191" y="16481250"/>
             <a:ext cx="1144480" cy="639015"/>
           </a:xfrm>
           <a:prstGeom prst="rect">
@@ -12131,7 +12135,7 @@
         </p:nvSpPr>
         <p:spPr>
           <a:xfrm>
-            <a:off x="46963527" y="27858099"/>
+            <a:off x="27324636" y="16479124"/>
             <a:ext cx="1144480" cy="639015"/>
           </a:xfrm>
           <a:prstGeom prst="rect">
@@ -12183,7 +12187,7 @@
         </p:nvSpPr>
         <p:spPr>
           <a:xfrm>
-            <a:off x="44367874" y="26921408"/>
+            <a:off x="24728983" y="15542433"/>
             <a:ext cx="1144480" cy="639015"/>
           </a:xfrm>
           <a:prstGeom prst="rect">
@@ -12235,7 +12239,7 @@
         </p:nvSpPr>
         <p:spPr>
           <a:xfrm>
-            <a:off x="47761438" y="25042887"/>
+            <a:off x="28122547" y="13663912"/>
             <a:ext cx="1144480" cy="639015"/>
           </a:xfrm>
           <a:prstGeom prst="rect">
@@ -12287,7 +12291,7 @@
         </p:nvSpPr>
         <p:spPr>
           <a:xfrm>
-            <a:off x="49303558" y="25046047"/>
+            <a:off x="29664667" y="13667072"/>
             <a:ext cx="1144480" cy="639015"/>
           </a:xfrm>
           <a:prstGeom prst="rect">
@@ -12339,7 +12343,7 @@
         </p:nvSpPr>
         <p:spPr>
           <a:xfrm>
-            <a:off x="48529054" y="26023431"/>
+            <a:off x="28890163" y="14644456"/>
             <a:ext cx="1144480" cy="639015"/>
           </a:xfrm>
           <a:prstGeom prst="rect">
@@ -12395,8 +12399,8 @@
         </p:nvCxnSpPr>
         <p:spPr>
           <a:xfrm rot="5400000">
-            <a:off x="46036255" y="23478809"/>
-            <a:ext cx="324958" cy="857523"/>
+            <a:off x="26375593" y="12078063"/>
+            <a:ext cx="368500" cy="857523"/>
           </a:xfrm>
           <a:prstGeom prst="bentConnector3">
             <a:avLst>
@@ -12440,8 +12444,8 @@
         </p:nvCxnSpPr>
         <p:spPr>
           <a:xfrm rot="16200000" flipH="1">
-            <a:off x="46922194" y="23450392"/>
-            <a:ext cx="324958" cy="914356"/>
+            <a:off x="27261532" y="12049646"/>
+            <a:ext cx="368500" cy="914356"/>
           </a:xfrm>
           <a:prstGeom prst="bentConnector3">
             <a:avLst>
@@ -12485,7 +12489,7 @@
         </p:nvCxnSpPr>
         <p:spPr>
           <a:xfrm rot="16200000" flipH="1">
-            <a:off x="47770853" y="24480061"/>
+            <a:off x="28131962" y="13101086"/>
             <a:ext cx="333823" cy="791827"/>
           </a:xfrm>
           <a:prstGeom prst="bentConnector3">
@@ -12530,7 +12534,7 @@
         </p:nvCxnSpPr>
         <p:spPr>
           <a:xfrm rot="16200000" flipH="1">
-            <a:off x="48540333" y="23710581"/>
+            <a:off x="28901442" y="12331606"/>
             <a:ext cx="336983" cy="2333947"/>
           </a:xfrm>
           <a:prstGeom prst="bentConnector3">
@@ -12575,7 +12579,7 @@
         </p:nvCxnSpPr>
         <p:spPr>
           <a:xfrm rot="16200000" flipH="1">
-            <a:off x="47664389" y="24586525"/>
+            <a:off x="28025498" y="13207550"/>
             <a:ext cx="1314367" cy="1559443"/>
           </a:xfrm>
           <a:prstGeom prst="bentConnector3">
@@ -12620,7 +12624,7 @@
         </p:nvCxnSpPr>
         <p:spPr>
           <a:xfrm rot="5400000">
-            <a:off x="46953677" y="24458566"/>
+            <a:off x="27314786" y="13079591"/>
             <a:ext cx="337677" cy="838672"/>
           </a:xfrm>
           <a:prstGeom prst="bentConnector3">
@@ -12666,7 +12670,7 @@
         </p:nvCxnSpPr>
         <p:spPr>
           <a:xfrm rot="16200000" flipH="1">
-            <a:off x="46067737" y="24411298"/>
+            <a:off x="26428846" y="13032323"/>
             <a:ext cx="337677" cy="933207"/>
           </a:xfrm>
           <a:prstGeom prst="bentConnector3">
@@ -12708,7 +12712,7 @@
         </p:nvSpPr>
         <p:spPr>
           <a:xfrm>
-            <a:off x="42793565" y="28794756"/>
+            <a:off x="23154674" y="17415781"/>
             <a:ext cx="1144480" cy="639015"/>
           </a:xfrm>
           <a:prstGeom prst="rect">
@@ -12760,7 +12764,7 @@
         </p:nvSpPr>
         <p:spPr>
           <a:xfrm>
-            <a:off x="38599690" y="26854854"/>
+            <a:off x="18960799" y="15475879"/>
             <a:ext cx="1144480" cy="639015"/>
           </a:xfrm>
           <a:prstGeom prst="rect">
@@ -12812,7 +12816,7 @@
         </p:nvSpPr>
         <p:spPr>
           <a:xfrm>
-            <a:off x="43600176" y="27900063"/>
+            <a:off x="23961285" y="16521088"/>
             <a:ext cx="1144480" cy="639015"/>
           </a:xfrm>
           <a:prstGeom prst="rect">
@@ -12864,7 +12868,7 @@
         </p:nvSpPr>
         <p:spPr>
           <a:xfrm>
-            <a:off x="45219722" y="29768396"/>
+            <a:off x="25580831" y="18389421"/>
             <a:ext cx="1144480" cy="639015"/>
           </a:xfrm>
           <a:prstGeom prst="rect">
@@ -12916,7 +12920,7 @@
         </p:nvSpPr>
         <p:spPr>
           <a:xfrm>
-            <a:off x="43573454" y="29784146"/>
+            <a:off x="23934563" y="18405171"/>
             <a:ext cx="1144480" cy="639015"/>
           </a:xfrm>
           <a:prstGeom prst="rect">
@@ -12968,7 +12972,7 @@
         </p:nvSpPr>
         <p:spPr>
           <a:xfrm>
-            <a:off x="46110193" y="28792533"/>
+            <a:off x="26471302" y="17413558"/>
             <a:ext cx="1144480" cy="639015"/>
           </a:xfrm>
           <a:prstGeom prst="rect">
@@ -13020,7 +13024,7 @@
         </p:nvSpPr>
         <p:spPr>
           <a:xfrm>
-            <a:off x="44423966" y="25078704"/>
+            <a:off x="24785075" y="13699729"/>
             <a:ext cx="1144480" cy="639015"/>
           </a:xfrm>
           <a:prstGeom prst="rect">
@@ -13072,7 +13076,7 @@
         </p:nvSpPr>
         <p:spPr>
           <a:xfrm>
-            <a:off x="46963527" y="25990284"/>
+            <a:off x="27324636" y="14611309"/>
             <a:ext cx="1144480" cy="639015"/>
           </a:xfrm>
           <a:prstGeom prst="rect">
@@ -13124,7 +13128,7 @@
         </p:nvSpPr>
         <p:spPr>
           <a:xfrm>
-            <a:off x="45197731" y="25990284"/>
+            <a:off x="25558840" y="14611309"/>
             <a:ext cx="1144480" cy="639015"/>
           </a:xfrm>
           <a:prstGeom prst="rect">
@@ -13176,7 +13180,7 @@
         </p:nvSpPr>
         <p:spPr>
           <a:xfrm>
-            <a:off x="50158750" y="26022045"/>
+            <a:off x="30519859" y="14643070"/>
             <a:ext cx="1144480" cy="639015"/>
           </a:xfrm>
           <a:prstGeom prst="rect">
@@ -13232,7 +13236,7 @@
         </p:nvCxnSpPr>
         <p:spPr>
           <a:xfrm rot="16200000" flipH="1">
-            <a:off x="48479930" y="23770984"/>
+            <a:off x="28841039" y="12392009"/>
             <a:ext cx="1312981" cy="3189139"/>
           </a:xfrm>
           <a:prstGeom prst="bentConnector3">
@@ -13277,12 +13281,12 @@
         </p:nvCxnSpPr>
         <p:spPr>
           <a:xfrm rot="5400000">
-            <a:off x="45145045" y="23596253"/>
-            <a:ext cx="1333613" cy="1631289"/>
+            <a:off x="25484383" y="12195507"/>
+            <a:ext cx="1377155" cy="1631289"/>
           </a:xfrm>
           <a:prstGeom prst="bentConnector3">
             <a:avLst>
-              <a:gd name="adj1" fmla="val 11473"/>
+              <a:gd name="adj1" fmla="val 14166"/>
             </a:avLst>
           </a:prstGeom>
           <a:ln w="28575">
@@ -13322,12 +13326,12 @@
         </p:nvCxnSpPr>
         <p:spPr>
           <a:xfrm rot="5400000">
-            <a:off x="43322470" y="24595038"/>
-            <a:ext cx="4154972" cy="2455079"/>
+            <a:off x="23661808" y="13194292"/>
+            <a:ext cx="4198514" cy="2455079"/>
           </a:xfrm>
           <a:prstGeom prst="bentConnector3">
             <a:avLst>
-              <a:gd name="adj1" fmla="val 3680"/>
+              <a:gd name="adj1" fmla="val 4022"/>
             </a:avLst>
           </a:prstGeom>
           <a:ln w="28575">
@@ -13367,7 +13371,7 @@
         </p:nvCxnSpPr>
         <p:spPr>
           <a:xfrm rot="5400000">
-            <a:off x="43641272" y="28263612"/>
+            <a:off x="24002381" y="16884637"/>
             <a:ext cx="255678" cy="806611"/>
           </a:xfrm>
           <a:prstGeom prst="bentConnector3">
@@ -13412,7 +13416,7 @@
         </p:nvCxnSpPr>
         <p:spPr>
           <a:xfrm rot="16200000" flipH="1">
-            <a:off x="45300697" y="27410796"/>
+            <a:off x="25661806" y="16031821"/>
             <a:ext cx="253455" cy="2510017"/>
           </a:xfrm>
           <a:prstGeom prst="bentConnector3">
@@ -13457,7 +13461,7 @@
         </p:nvCxnSpPr>
         <p:spPr>
           <a:xfrm rot="16200000" flipH="1">
-            <a:off x="44433154" y="28278340"/>
+            <a:off x="24794263" y="16899365"/>
             <a:ext cx="265202" cy="786678"/>
           </a:xfrm>
           <a:prstGeom prst="bentConnector3">
@@ -13502,7 +13506,7 @@
         </p:nvCxnSpPr>
         <p:spPr>
           <a:xfrm rot="16200000" flipH="1">
-            <a:off x="43580562" y="29219013"/>
+            <a:off x="23941671" y="17840038"/>
             <a:ext cx="350375" cy="779889"/>
           </a:xfrm>
           <a:prstGeom prst="bentConnector3">
@@ -13547,7 +13551,7 @@
         </p:nvCxnSpPr>
         <p:spPr>
           <a:xfrm rot="5400000">
-            <a:off x="44381969" y="29207020"/>
+            <a:off x="24743078" y="17828045"/>
             <a:ext cx="340851" cy="813400"/>
           </a:xfrm>
           <a:prstGeom prst="bentConnector3">
@@ -13592,7 +13596,7 @@
         </p:nvCxnSpPr>
         <p:spPr>
           <a:xfrm rot="5400000">
-            <a:off x="46068774" y="29154737"/>
+            <a:off x="26429883" y="17775762"/>
             <a:ext cx="336848" cy="890471"/>
           </a:xfrm>
           <a:prstGeom prst="bentConnector3">
@@ -13637,7 +13641,7 @@
         </p:nvCxnSpPr>
         <p:spPr>
           <a:xfrm rot="5400000">
-            <a:off x="46084311" y="25371416"/>
+            <a:off x="26445420" y="13992441"/>
             <a:ext cx="304528" cy="933208"/>
           </a:xfrm>
           <a:prstGeom prst="bentConnector3">
@@ -13682,7 +13686,7 @@
         </p:nvCxnSpPr>
         <p:spPr>
           <a:xfrm rot="16200000" flipH="1">
-            <a:off x="46967209" y="25421726"/>
+            <a:off x="27328318" y="14042751"/>
             <a:ext cx="304528" cy="832588"/>
           </a:xfrm>
           <a:prstGeom prst="bentConnector3">
@@ -13727,7 +13731,7 @@
         </p:nvCxnSpPr>
         <p:spPr>
           <a:xfrm rot="16200000" flipH="1">
-            <a:off x="46092163" y="26307107"/>
+            <a:off x="26453272" y="14928132"/>
             <a:ext cx="288824" cy="933208"/>
           </a:xfrm>
           <a:prstGeom prst="bentConnector3">
@@ -13773,7 +13777,7 @@
         </p:nvCxnSpPr>
         <p:spPr>
           <a:xfrm rot="5400000">
-            <a:off x="46975061" y="26357417"/>
+            <a:off x="27336170" y="14978442"/>
             <a:ext cx="288824" cy="832588"/>
           </a:xfrm>
           <a:prstGeom prst="bentConnector3">
@@ -13819,7 +13823,7 @@
         </p:nvCxnSpPr>
         <p:spPr>
           <a:xfrm rot="5400000">
-            <a:off x="45208989" y="26360425"/>
+            <a:off x="25570098" y="14981450"/>
             <a:ext cx="292109" cy="829857"/>
           </a:xfrm>
           <a:prstGeom prst="bentConnector3">
@@ -13864,7 +13868,7 @@
         </p:nvCxnSpPr>
         <p:spPr>
           <a:xfrm rot="16200000" flipH="1">
-            <a:off x="45157683" y="27241586"/>
+            <a:off x="25518792" y="15862611"/>
             <a:ext cx="1230926" cy="6351"/>
           </a:xfrm>
           <a:prstGeom prst="bentConnector3">
@@ -13909,7 +13913,7 @@
         </p:nvCxnSpPr>
         <p:spPr>
           <a:xfrm rot="16200000" flipH="1">
-            <a:off x="46038469" y="26360801"/>
+            <a:off x="26399578" y="14981826"/>
             <a:ext cx="1228800" cy="1765796"/>
           </a:xfrm>
           <a:prstGeom prst="bentConnector3">
@@ -13950,7 +13954,7 @@
         </p:nvSpPr>
         <p:spPr>
           <a:xfrm>
-            <a:off x="47761438" y="26910702"/>
+            <a:off x="28122547" y="15531727"/>
             <a:ext cx="1144480" cy="639015"/>
           </a:xfrm>
           <a:prstGeom prst="rect">
@@ -14006,7 +14010,7 @@
         </p:nvCxnSpPr>
         <p:spPr>
           <a:xfrm rot="16200000" flipH="1">
-            <a:off x="46911123" y="25488146"/>
+            <a:off x="27272232" y="14109171"/>
             <a:ext cx="281403" cy="2563707"/>
           </a:xfrm>
           <a:prstGeom prst="bentConnector3">
@@ -14047,7 +14051,7 @@
         </p:nvSpPr>
         <p:spPr>
           <a:xfrm>
-            <a:off x="37772732" y="30656716"/>
+            <a:off x="18133841" y="19277741"/>
             <a:ext cx="1144480" cy="639015"/>
           </a:xfrm>
           <a:prstGeom prst="rect">
@@ -14099,7 +14103,7 @@
         </p:nvSpPr>
         <p:spPr>
           <a:xfrm>
-            <a:off x="39373628" y="30656716"/>
+            <a:off x="19734737" y="19277741"/>
             <a:ext cx="1144480" cy="639015"/>
           </a:xfrm>
           <a:prstGeom prst="rect">
@@ -14151,7 +14155,7 @@
         </p:nvSpPr>
         <p:spPr>
           <a:xfrm>
-            <a:off x="41987938" y="25952971"/>
+            <a:off x="22349047" y="14573996"/>
             <a:ext cx="1144480" cy="639015"/>
           </a:xfrm>
           <a:prstGeom prst="rect">
@@ -14211,7 +14215,7 @@
         </p:nvSpPr>
         <p:spPr>
           <a:xfrm>
-            <a:off x="40276097" y="25953033"/>
+            <a:off x="20637206" y="14574058"/>
             <a:ext cx="1144480" cy="639015"/>
           </a:xfrm>
           <a:prstGeom prst="rect">
@@ -14267,7 +14271,7 @@
         </p:nvCxnSpPr>
         <p:spPr>
           <a:xfrm rot="5400000">
-            <a:off x="41538703" y="24804866"/>
+            <a:off x="21899812" y="13425891"/>
             <a:ext cx="323581" cy="12700"/>
           </a:xfrm>
           <a:prstGeom prst="bentConnector3">
@@ -14312,7 +14316,7 @@
         </p:nvCxnSpPr>
         <p:spPr>
           <a:xfrm rot="5400000">
-            <a:off x="40666594" y="23922263"/>
+            <a:off x="21027703" y="12543288"/>
             <a:ext cx="313087" cy="1754712"/>
           </a:xfrm>
           <a:prstGeom prst="bentConnector3">
@@ -14357,7 +14361,7 @@
         </p:nvCxnSpPr>
         <p:spPr>
           <a:xfrm rot="5400000">
-            <a:off x="37748241" y="25365826"/>
+            <a:off x="18109350" y="13986851"/>
             <a:ext cx="357855" cy="816558"/>
           </a:xfrm>
           <a:prstGeom prst="bentConnector3">
@@ -14402,7 +14406,7 @@
         </p:nvCxnSpPr>
         <p:spPr>
           <a:xfrm rot="16200000" flipH="1">
-            <a:off x="38573952" y="25356672"/>
+            <a:off x="18935061" y="13977697"/>
             <a:ext cx="359473" cy="836483"/>
           </a:xfrm>
           <a:prstGeom prst="bentConnector3">
@@ -14447,7 +14451,7 @@
         </p:nvCxnSpPr>
         <p:spPr>
           <a:xfrm rot="16200000" flipH="1">
-            <a:off x="40129047" y="23521839"/>
+            <a:off x="20490156" y="12142864"/>
             <a:ext cx="2247865" cy="2614397"/>
           </a:xfrm>
           <a:prstGeom prst="bentConnector3">
@@ -14488,7 +14492,7 @@
         </p:nvSpPr>
         <p:spPr>
           <a:xfrm>
-            <a:off x="39373628" y="27880143"/>
+            <a:off x="19734737" y="16501168"/>
             <a:ext cx="1144480" cy="639015"/>
           </a:xfrm>
           <a:prstGeom prst="rect">
@@ -14548,7 +14552,7 @@
         </p:nvCxnSpPr>
         <p:spPr>
           <a:xfrm rot="5400000">
-            <a:off x="39436656" y="28254852"/>
+            <a:off x="19797765" y="16875877"/>
             <a:ext cx="244906" cy="773519"/>
           </a:xfrm>
           <a:prstGeom prst="bentConnector3">
@@ -14593,7 +14597,7 @@
         </p:nvCxnSpPr>
         <p:spPr>
           <a:xfrm rot="16200000" flipH="1">
-            <a:off x="38636207" y="28227922"/>
+            <a:off x="18997316" y="16848947"/>
             <a:ext cx="244906" cy="827377"/>
           </a:xfrm>
           <a:prstGeom prst="bentConnector3">
@@ -14638,7 +14642,7 @@
         </p:nvCxnSpPr>
         <p:spPr>
           <a:xfrm rot="5400000">
-            <a:off x="38565314" y="27273527"/>
+            <a:off x="18926423" y="15894552"/>
             <a:ext cx="386274" cy="826958"/>
           </a:xfrm>
           <a:prstGeom prst="bentConnector3">
@@ -14683,7 +14687,7 @@
         </p:nvCxnSpPr>
         <p:spPr>
           <a:xfrm rot="16200000" flipH="1">
-            <a:off x="39365762" y="27300037"/>
+            <a:off x="19726871" y="15921062"/>
             <a:ext cx="386274" cy="773938"/>
           </a:xfrm>
           <a:prstGeom prst="bentConnector3">
@@ -14724,7 +14728,7 @@
         </p:nvSpPr>
         <p:spPr>
           <a:xfrm>
-            <a:off x="36941190" y="29710390"/>
+            <a:off x="17302299" y="18331415"/>
             <a:ext cx="1144480" cy="639015"/>
           </a:xfrm>
           <a:prstGeom prst="rect">
@@ -14784,7 +14788,7 @@
         </p:nvCxnSpPr>
         <p:spPr>
           <a:xfrm rot="16200000" flipH="1">
-            <a:off x="39368353" y="27297445"/>
+            <a:off x="19729462" y="15918470"/>
             <a:ext cx="1270195" cy="1663041"/>
           </a:xfrm>
           <a:prstGeom prst="bentConnector3">
@@ -14825,7 +14829,7 @@
         </p:nvSpPr>
         <p:spPr>
           <a:xfrm>
-            <a:off x="40261471" y="29710390"/>
+            <a:off x="20622580" y="18331415"/>
             <a:ext cx="1144480" cy="639015"/>
           </a:xfrm>
           <a:prstGeom prst="rect">
@@ -14885,7 +14889,7 @@
         </p:nvCxnSpPr>
         <p:spPr>
           <a:xfrm rot="5400000">
-            <a:off x="37359775" y="29556734"/>
+            <a:off x="17720884" y="18177759"/>
             <a:ext cx="307311" cy="12700"/>
           </a:xfrm>
           <a:prstGeom prst="bentConnector3">
@@ -14930,7 +14934,7 @@
         </p:nvCxnSpPr>
         <p:spPr>
           <a:xfrm rot="5400000">
-            <a:off x="40680686" y="29556104"/>
+            <a:off x="21041795" y="18177129"/>
             <a:ext cx="307311" cy="1260"/>
           </a:xfrm>
           <a:prstGeom prst="bentConnector3">
@@ -14975,7 +14979,7 @@
         </p:nvCxnSpPr>
         <p:spPr>
           <a:xfrm rot="16200000" flipH="1">
-            <a:off x="37775546" y="30087289"/>
+            <a:off x="18136655" y="18708314"/>
             <a:ext cx="307311" cy="831542"/>
           </a:xfrm>
           <a:prstGeom prst="bentConnector3">
@@ -15021,7 +15025,7 @@
         </p:nvCxnSpPr>
         <p:spPr>
           <a:xfrm rot="16200000" flipH="1">
-            <a:off x="38575994" y="29286841"/>
+            <a:off x="18937103" y="17907866"/>
             <a:ext cx="307311" cy="2432438"/>
           </a:xfrm>
           <a:prstGeom prst="bentConnector3">
@@ -15067,7 +15071,7 @@
         </p:nvCxnSpPr>
         <p:spPr>
           <a:xfrm rot="5400000">
-            <a:off x="38601606" y="30092771"/>
+            <a:off x="18962715" y="18713796"/>
             <a:ext cx="307311" cy="820578"/>
           </a:xfrm>
           <a:prstGeom prst="bentConnector3">
@@ -15113,7 +15117,7 @@
         </p:nvCxnSpPr>
         <p:spPr>
           <a:xfrm rot="16200000" flipH="1">
-            <a:off x="39402054" y="30112901"/>
+            <a:off x="19763163" y="18733926"/>
             <a:ext cx="307311" cy="780318"/>
           </a:xfrm>
           <a:prstGeom prst="bentConnector3">
@@ -15159,7 +15163,7 @@
         </p:nvCxnSpPr>
         <p:spPr>
           <a:xfrm rot="5400000">
-            <a:off x="39435687" y="29258691"/>
+            <a:off x="19796796" y="17879716"/>
             <a:ext cx="307311" cy="2488739"/>
           </a:xfrm>
           <a:prstGeom prst="bentConnector3">
@@ -15205,7 +15209,7 @@
         </p:nvCxnSpPr>
         <p:spPr>
           <a:xfrm rot="5400000">
-            <a:off x="40236135" y="30059139"/>
+            <a:off x="20597244" y="18680164"/>
             <a:ext cx="307311" cy="887843"/>
           </a:xfrm>
           <a:prstGeom prst="bentConnector3">
@@ -15251,7 +15255,7 @@
         </p:nvCxnSpPr>
         <p:spPr>
           <a:xfrm rot="16200000" flipH="1">
-            <a:off x="39412965" y="24517660"/>
+            <a:off x="19774074" y="13138685"/>
             <a:ext cx="357855" cy="2512890"/>
           </a:xfrm>
           <a:prstGeom prst="bentConnector3">
@@ -15292,7 +15296,7 @@
         </p:nvSpPr>
         <p:spPr>
           <a:xfrm>
-            <a:off x="40261471" y="26843704"/>
+            <a:off x="20622580" y="15464729"/>
             <a:ext cx="1144480" cy="639015"/>
           </a:xfrm>
           <a:prstGeom prst="rect">
@@ -15352,7 +15356,7 @@
         </p:nvCxnSpPr>
         <p:spPr>
           <a:xfrm rot="16200000" flipH="1">
-            <a:off x="39877801" y="25887794"/>
+            <a:off x="20238910" y="14508819"/>
             <a:ext cx="250038" cy="1661781"/>
           </a:xfrm>
           <a:prstGeom prst="bentConnector3">
@@ -15393,7 +15397,7 @@
         </p:nvSpPr>
         <p:spPr>
           <a:xfrm>
-            <a:off x="41953806" y="26837429"/>
+            <a:off x="22314915" y="15458454"/>
             <a:ext cx="1144480" cy="639015"/>
           </a:xfrm>
           <a:prstGeom prst="rect">
@@ -15453,7 +15457,7 @@
         </p:nvCxnSpPr>
         <p:spPr>
           <a:xfrm rot="16200000" flipH="1">
-            <a:off x="40727107" y="25038489"/>
+            <a:off x="21088216" y="13659514"/>
             <a:ext cx="243763" cy="3354116"/>
           </a:xfrm>
           <a:prstGeom prst="bentConnector3">
@@ -15494,7 +15498,7 @@
         </p:nvSpPr>
         <p:spPr>
           <a:xfrm>
-            <a:off x="41939823" y="29710390"/>
+            <a:off x="22300932" y="18331415"/>
             <a:ext cx="1144480" cy="639015"/>
           </a:xfrm>
           <a:prstGeom prst="rect">
@@ -15554,7 +15558,7 @@
         </p:nvCxnSpPr>
         <p:spPr>
           <a:xfrm rot="16200000" flipH="1">
-            <a:off x="40559052" y="27757378"/>
+            <a:off x="20920161" y="16378403"/>
             <a:ext cx="2227671" cy="1678352"/>
           </a:xfrm>
           <a:prstGeom prst="bentConnector3">
@@ -15600,7 +15604,7 @@
         </p:nvCxnSpPr>
         <p:spPr>
           <a:xfrm rot="5400000">
-            <a:off x="41402082" y="28586426"/>
+            <a:off x="21763191" y="17207451"/>
             <a:ext cx="2233946" cy="13983"/>
           </a:xfrm>
           <a:prstGeom prst="bentConnector3">
@@ -15645,9 +15649,9 @@
           <p:nvPr/>
         </p:nvCxnSpPr>
         <p:spPr>
-          <a:xfrm>
-            <a:off x="40518021" y="23385599"/>
-            <a:ext cx="5537234" cy="39985"/>
+          <a:xfrm flipV="1">
+            <a:off x="20879130" y="12003067"/>
+            <a:ext cx="5537234" cy="3557"/>
           </a:xfrm>
           <a:prstGeom prst="line">
             <a:avLst/>
@@ -15687,7 +15691,7 @@
         </p:nvSpPr>
         <p:spPr>
           <a:xfrm>
-            <a:off x="42849222" y="24002381"/>
+            <a:off x="23210331" y="12623406"/>
             <a:ext cx="1144480" cy="639015"/>
           </a:xfrm>
           <a:prstGeom prst="rect">
@@ -15743,7 +15747,7 @@
         </p:nvCxnSpPr>
         <p:spPr>
           <a:xfrm rot="16200000" flipH="1">
-            <a:off x="41534984" y="22115902"/>
+            <a:off x="21896093" y="10736927"/>
             <a:ext cx="297275" cy="3475681"/>
           </a:xfrm>
           <a:prstGeom prst="bentConnector3">
@@ -15784,7 +15788,7 @@
         </p:nvSpPr>
         <p:spPr>
           <a:xfrm>
-            <a:off x="21352587" y="24973007"/>
+            <a:off x="1713696" y="13594032"/>
             <a:ext cx="1144480" cy="639015"/>
           </a:xfrm>
           <a:prstGeom prst="rect">
@@ -15833,7 +15837,7 @@
         </p:nvSpPr>
         <p:spPr>
           <a:xfrm>
-            <a:off x="42850881" y="24953454"/>
+            <a:off x="23211990" y="13574479"/>
             <a:ext cx="1144480" cy="639015"/>
           </a:xfrm>
           <a:prstGeom prst="rect">
@@ -15889,7 +15893,7 @@
         </p:nvCxnSpPr>
         <p:spPr>
           <a:xfrm rot="16200000" flipH="1">
-            <a:off x="43266262" y="24796595"/>
+            <a:off x="23627371" y="13417620"/>
             <a:ext cx="312058" cy="1659"/>
           </a:xfrm>
           <a:prstGeom prst="bentConnector3">
@@ -15930,7 +15934,7 @@
         </p:nvSpPr>
         <p:spPr>
           <a:xfrm>
-            <a:off x="21352587" y="23010557"/>
+            <a:off x="1713696" y="11675124"/>
             <a:ext cx="1144480" cy="639015"/>
           </a:xfrm>
           <a:prstGeom prst="rect">
@@ -15979,7 +15983,7 @@
         </p:nvSpPr>
         <p:spPr>
           <a:xfrm>
-            <a:off x="22125833" y="23998336"/>
+            <a:off x="2486942" y="12619361"/>
             <a:ext cx="1144480" cy="639015"/>
           </a:xfrm>
           <a:prstGeom prst="rect">
@@ -16028,7 +16032,7 @@
         </p:nvSpPr>
         <p:spPr>
           <a:xfrm>
-            <a:off x="20554142" y="23998336"/>
+            <a:off x="915251" y="12619361"/>
             <a:ext cx="1144480" cy="639015"/>
           </a:xfrm>
           <a:prstGeom prst="rect">
@@ -16081,8 +16085,8 @@
         </p:nvCxnSpPr>
         <p:spPr>
           <a:xfrm rot="5400000">
-            <a:off x="21351223" y="23424732"/>
-            <a:ext cx="348764" cy="798445"/>
+            <a:off x="1734103" y="12067528"/>
+            <a:ext cx="305222" cy="798445"/>
           </a:xfrm>
           <a:prstGeom prst="bentConnector3">
             <a:avLst>
@@ -16126,8 +16130,8 @@
         </p:nvCxnSpPr>
         <p:spPr>
           <a:xfrm rot="16200000" flipH="1">
-            <a:off x="22137068" y="23437331"/>
-            <a:ext cx="348764" cy="773246"/>
+            <a:off x="2519948" y="12080127"/>
+            <a:ext cx="305222" cy="773246"/>
           </a:xfrm>
           <a:prstGeom prst="bentConnector3">
             <a:avLst>
@@ -16171,8 +16175,8 @@
         </p:nvCxnSpPr>
         <p:spPr>
           <a:xfrm rot="5400000">
-            <a:off x="21263110" y="24311289"/>
-            <a:ext cx="1323435" cy="12700"/>
+            <a:off x="1645990" y="12954085"/>
+            <a:ext cx="1279893" cy="12700"/>
           </a:xfrm>
           <a:prstGeom prst="bentConnector3">
             <a:avLst>
@@ -16212,7 +16216,7 @@
         </p:nvSpPr>
         <p:spPr>
           <a:xfrm>
-            <a:off x="20562093" y="25959383"/>
+            <a:off x="923202" y="14580408"/>
             <a:ext cx="1144480" cy="639015"/>
           </a:xfrm>
           <a:prstGeom prst="rect">
@@ -16261,7 +16265,7 @@
         </p:nvSpPr>
         <p:spPr>
           <a:xfrm>
-            <a:off x="22126672" y="25953033"/>
+            <a:off x="2487781" y="14574058"/>
             <a:ext cx="1144480" cy="639015"/>
           </a:xfrm>
           <a:prstGeom prst="rect">
@@ -16314,7 +16318,7 @@
         </p:nvCxnSpPr>
         <p:spPr>
           <a:xfrm rot="16200000" flipH="1">
-            <a:off x="20469341" y="25294391"/>
+            <a:off x="830450" y="13915416"/>
             <a:ext cx="1322032" cy="7951"/>
           </a:xfrm>
           <a:prstGeom prst="bentConnector3">
@@ -16359,7 +16363,7 @@
         </p:nvCxnSpPr>
         <p:spPr>
           <a:xfrm rot="16200000" flipH="1">
-            <a:off x="22040651" y="25294772"/>
+            <a:off x="2401760" y="13915797"/>
             <a:ext cx="1315682" cy="839"/>
           </a:xfrm>
           <a:prstGeom prst="bentConnector3">
@@ -16400,7 +16404,7 @@
         </p:nvSpPr>
         <p:spPr>
           <a:xfrm>
-            <a:off x="28765157" y="25951073"/>
+            <a:off x="9126266" y="14572098"/>
             <a:ext cx="1144480" cy="639015"/>
           </a:xfrm>
           <a:prstGeom prst="rect">
@@ -16459,7 +16463,7 @@
         </p:nvCxnSpPr>
         <p:spPr>
           <a:xfrm rot="5400000">
-            <a:off x="29413106" y="24562960"/>
+            <a:off x="9774215" y="13183985"/>
             <a:ext cx="1312405" cy="1463821"/>
           </a:xfrm>
           <a:prstGeom prst="bentConnector3">
@@ -16504,7 +16508,7 @@
         </p:nvCxnSpPr>
         <p:spPr>
           <a:xfrm rot="5400000">
-            <a:off x="28682934" y="25293130"/>
+            <a:off x="9044043" y="13914155"/>
             <a:ext cx="1312406" cy="3480"/>
           </a:xfrm>
           <a:prstGeom prst="bentConnector3">
@@ -16545,7 +16549,7 @@
         </p:nvSpPr>
         <p:spPr>
           <a:xfrm>
-            <a:off x="23691066" y="25990284"/>
+            <a:off x="4052175" y="14611309"/>
             <a:ext cx="1144480" cy="639015"/>
           </a:xfrm>
           <a:prstGeom prst="rect">
@@ -16604,7 +16608,7 @@
         </p:nvCxnSpPr>
         <p:spPr>
           <a:xfrm rot="5400000">
-            <a:off x="23587561" y="25314413"/>
+            <a:off x="3948670" y="13935438"/>
             <a:ext cx="1351617" cy="125"/>
           </a:xfrm>
           <a:prstGeom prst="bentConnector3">
@@ -16645,7 +16649,7 @@
         </p:nvSpPr>
         <p:spPr>
           <a:xfrm>
-            <a:off x="43009791" y="534590"/>
+            <a:off x="38960323" y="534590"/>
             <a:ext cx="1144480" cy="639015"/>
           </a:xfrm>
           <a:prstGeom prst="rect">
@@ -16694,7 +16698,7 @@
         </p:nvSpPr>
         <p:spPr>
           <a:xfrm>
-            <a:off x="41587931" y="1574813"/>
+            <a:off x="37538463" y="1574813"/>
             <a:ext cx="1144480" cy="639015"/>
           </a:xfrm>
           <a:prstGeom prst="rect">
@@ -16746,7 +16750,7 @@
         </p:nvSpPr>
         <p:spPr>
           <a:xfrm>
-            <a:off x="43689628" y="4723451"/>
+            <a:off x="39640160" y="4723451"/>
             <a:ext cx="1144480" cy="639015"/>
           </a:xfrm>
           <a:prstGeom prst="rect">
@@ -16798,7 +16802,7 @@
         </p:nvSpPr>
         <p:spPr>
           <a:xfrm>
-            <a:off x="45135070" y="4722517"/>
+            <a:off x="41085602" y="4722517"/>
             <a:ext cx="1144480" cy="639015"/>
           </a:xfrm>
           <a:prstGeom prst="rect">
@@ -16850,7 +16854,7 @@
         </p:nvSpPr>
         <p:spPr>
           <a:xfrm>
-            <a:off x="44412377" y="5762617"/>
+            <a:off x="40362909" y="5762617"/>
             <a:ext cx="1144480" cy="639015"/>
           </a:xfrm>
           <a:prstGeom prst="rect">
@@ -16906,7 +16910,7 @@
         </p:nvCxnSpPr>
         <p:spPr>
           <a:xfrm rot="16200000" flipH="1">
-            <a:off x="45122633" y="4137840"/>
+            <a:off x="41073165" y="4137840"/>
             <a:ext cx="446632" cy="722721"/>
           </a:xfrm>
           <a:prstGeom prst="bentConnector3">
@@ -16951,7 +16955,7 @@
         </p:nvCxnSpPr>
         <p:spPr>
           <a:xfrm rot="5400000">
-            <a:off x="44399446" y="4138308"/>
+            <a:off x="40349978" y="4138308"/>
             <a:ext cx="447566" cy="722721"/>
           </a:xfrm>
           <a:prstGeom prst="bentConnector3">
@@ -16996,7 +17000,7 @@
         </p:nvCxnSpPr>
         <p:spPr>
           <a:xfrm rot="5400000">
-            <a:off x="45145422" y="5200728"/>
+            <a:off x="41095954" y="5200728"/>
             <a:ext cx="401085" cy="722693"/>
           </a:xfrm>
           <a:prstGeom prst="bentConnector3">
@@ -17042,7 +17046,7 @@
         </p:nvCxnSpPr>
         <p:spPr>
           <a:xfrm rot="16200000" flipH="1">
-            <a:off x="44423167" y="5201166"/>
+            <a:off x="40373699" y="5201166"/>
             <a:ext cx="400151" cy="722749"/>
           </a:xfrm>
           <a:prstGeom prst="bentConnector3">
@@ -17084,7 +17088,7 @@
         </p:nvSpPr>
         <p:spPr>
           <a:xfrm>
-            <a:off x="43009791" y="3636402"/>
+            <a:off x="38960323" y="3636402"/>
             <a:ext cx="1144480" cy="639015"/>
           </a:xfrm>
           <a:prstGeom prst="rect">
@@ -17141,7 +17145,7 @@
         </p:nvSpPr>
         <p:spPr>
           <a:xfrm>
-            <a:off x="44400564" y="3636870"/>
+            <a:off x="40351096" y="3636870"/>
             <a:ext cx="1168049" cy="639015"/>
           </a:xfrm>
           <a:prstGeom prst="rect">
@@ -17190,7 +17194,7 @@
         </p:nvSpPr>
         <p:spPr>
           <a:xfrm>
-            <a:off x="46684744" y="540769"/>
+            <a:off x="42635276" y="540769"/>
             <a:ext cx="1144480" cy="639015"/>
           </a:xfrm>
           <a:prstGeom prst="rect">
@@ -17239,7 +17243,7 @@
         </p:nvSpPr>
         <p:spPr>
           <a:xfrm>
-            <a:off x="45940227" y="1574349"/>
+            <a:off x="41890759" y="1574349"/>
             <a:ext cx="1144480" cy="639015"/>
           </a:xfrm>
           <a:prstGeom prst="rect">
@@ -17288,7 +17292,7 @@
         </p:nvSpPr>
         <p:spPr>
           <a:xfrm>
-            <a:off x="47469257" y="1574351"/>
+            <a:off x="43419789" y="1574351"/>
             <a:ext cx="1144480" cy="639015"/>
           </a:xfrm>
           <a:prstGeom prst="rect">
@@ -17337,7 +17341,7 @@
         </p:nvSpPr>
         <p:spPr>
           <a:xfrm>
-            <a:off x="40111415" y="4746618"/>
+            <a:off x="36061947" y="4746618"/>
             <a:ext cx="1144480" cy="639015"/>
           </a:xfrm>
           <a:prstGeom prst="rect">
@@ -17386,7 +17390,7 @@
         </p:nvSpPr>
         <p:spPr>
           <a:xfrm>
-            <a:off x="39359308" y="5753449"/>
+            <a:off x="35309840" y="5753449"/>
             <a:ext cx="1144480" cy="639015"/>
           </a:xfrm>
           <a:prstGeom prst="rect">
@@ -17435,7 +17439,7 @@
         </p:nvSpPr>
         <p:spPr>
           <a:xfrm>
-            <a:off x="40903564" y="5756103"/>
+            <a:off x="36854096" y="5756103"/>
             <a:ext cx="1144480" cy="639015"/>
           </a:xfrm>
           <a:prstGeom prst="rect">
@@ -17488,7 +17492,7 @@
         </p:nvCxnSpPr>
         <p:spPr>
           <a:xfrm flipV="1">
-            <a:off x="44834108" y="5042025"/>
+            <a:off x="40784640" y="5042025"/>
             <a:ext cx="300962" cy="934"/>
           </a:xfrm>
           <a:prstGeom prst="line">
@@ -17533,7 +17537,7 @@
         </p:nvCxnSpPr>
         <p:spPr>
           <a:xfrm>
-            <a:off x="40503788" y="6072957"/>
+            <a:off x="36454320" y="6072957"/>
             <a:ext cx="399776" cy="2654"/>
           </a:xfrm>
           <a:prstGeom prst="line">
@@ -17578,7 +17582,7 @@
         </p:nvCxnSpPr>
         <p:spPr>
           <a:xfrm>
-            <a:off x="47084707" y="1893857"/>
+            <a:off x="43035239" y="1893857"/>
             <a:ext cx="384550" cy="2"/>
           </a:xfrm>
           <a:prstGeom prst="line">
@@ -17623,7 +17627,7 @@
         </p:nvCxnSpPr>
         <p:spPr>
           <a:xfrm rot="16200000" flipH="1">
-            <a:off x="40894494" y="5174793"/>
+            <a:off x="36845026" y="5174793"/>
             <a:ext cx="370470" cy="792149"/>
           </a:xfrm>
           <a:prstGeom prst="bentConnector3">
@@ -17668,7 +17672,7 @@
         </p:nvCxnSpPr>
         <p:spPr>
           <a:xfrm rot="5400000">
-            <a:off x="40123694" y="5193488"/>
+            <a:off x="36074226" y="5193488"/>
             <a:ext cx="367816" cy="752107"/>
           </a:xfrm>
           <a:prstGeom prst="bentConnector3">
@@ -17709,7 +17713,7 @@
         </p:nvSpPr>
         <p:spPr>
           <a:xfrm>
-            <a:off x="40098322" y="6694473"/>
+            <a:off x="36048854" y="6694473"/>
             <a:ext cx="1144480" cy="639015"/>
           </a:xfrm>
           <a:prstGeom prst="rect">
@@ -17762,7 +17766,7 @@
         </p:nvCxnSpPr>
         <p:spPr>
           <a:xfrm rot="5400000">
-            <a:off x="40923506" y="6142174"/>
+            <a:off x="36874038" y="6142174"/>
             <a:ext cx="299355" cy="805242"/>
           </a:xfrm>
           <a:prstGeom prst="bentConnector3">
@@ -17807,7 +17811,7 @@
         </p:nvCxnSpPr>
         <p:spPr>
           <a:xfrm rot="16200000" flipH="1">
-            <a:off x="40150051" y="6173961"/>
+            <a:off x="36100583" y="6173961"/>
             <a:ext cx="302009" cy="739014"/>
           </a:xfrm>
           <a:prstGeom prst="bentConnector3">
@@ -17848,7 +17852,7 @@
         </p:nvSpPr>
         <p:spPr>
           <a:xfrm>
-            <a:off x="48234418" y="3691130"/>
+            <a:off x="44184950" y="3691130"/>
             <a:ext cx="1144480" cy="639015"/>
           </a:xfrm>
           <a:prstGeom prst="rect">
@@ -17897,7 +17901,7 @@
         </p:nvSpPr>
         <p:spPr>
           <a:xfrm>
-            <a:off x="37132841" y="1577611"/>
+            <a:off x="33083373" y="1577611"/>
             <a:ext cx="1144480" cy="639015"/>
           </a:xfrm>
           <a:prstGeom prst="rect">
@@ -17946,7 +17950,7 @@
         </p:nvSpPr>
         <p:spPr>
           <a:xfrm>
-            <a:off x="38661871" y="539256"/>
+            <a:off x="34612403" y="539256"/>
             <a:ext cx="1144480" cy="639015"/>
           </a:xfrm>
           <a:prstGeom prst="rect">
@@ -17995,7 +17999,7 @@
         </p:nvSpPr>
         <p:spPr>
           <a:xfrm>
-            <a:off x="40098322" y="1574813"/>
+            <a:off x="36048854" y="1574813"/>
             <a:ext cx="1144480" cy="639015"/>
           </a:xfrm>
           <a:prstGeom prst="rect">
@@ -18044,7 +18048,7 @@
         </p:nvSpPr>
         <p:spPr>
           <a:xfrm>
-            <a:off x="38661871" y="2632567"/>
+            <a:off x="34612403" y="2632567"/>
             <a:ext cx="1144480" cy="639015"/>
           </a:xfrm>
           <a:prstGeom prst="rect">
@@ -18093,7 +18097,7 @@
         </p:nvSpPr>
         <p:spPr>
           <a:xfrm>
-            <a:off x="37877736" y="3633050"/>
+            <a:off x="33828268" y="3633050"/>
             <a:ext cx="1144480" cy="639015"/>
           </a:xfrm>
           <a:prstGeom prst="rect">
@@ -18142,7 +18146,7 @@
         </p:nvSpPr>
         <p:spPr>
           <a:xfrm>
-            <a:off x="37132841" y="2632566"/>
+            <a:off x="33083373" y="2632566"/>
             <a:ext cx="1144480" cy="639015"/>
           </a:xfrm>
           <a:prstGeom prst="rect">
@@ -18191,7 +18195,7 @@
         </p:nvSpPr>
         <p:spPr>
           <a:xfrm>
-            <a:off x="42379504" y="9663170"/>
+            <a:off x="38330036" y="9663170"/>
             <a:ext cx="1144479" cy="639015"/>
           </a:xfrm>
           <a:prstGeom prst="rect">
@@ -18240,7 +18244,7 @@
         </p:nvSpPr>
         <p:spPr>
           <a:xfrm>
-            <a:off x="44411197" y="1573052"/>
+            <a:off x="40361729" y="1573052"/>
             <a:ext cx="1144480" cy="639015"/>
           </a:xfrm>
           <a:prstGeom prst="rect">
@@ -18289,7 +18293,7 @@
         </p:nvSpPr>
         <p:spPr>
           <a:xfrm>
-            <a:off x="48998287" y="1574351"/>
+            <a:off x="44948819" y="1574351"/>
             <a:ext cx="1144480" cy="639015"/>
           </a:xfrm>
           <a:prstGeom prst="rect">
@@ -18338,7 +18342,7 @@
         </p:nvSpPr>
         <p:spPr>
           <a:xfrm>
-            <a:off x="43004626" y="2649784"/>
+            <a:off x="38955158" y="2649784"/>
             <a:ext cx="1144480" cy="639015"/>
           </a:xfrm>
           <a:prstGeom prst="rect">
@@ -18391,7 +18395,7 @@
         </p:nvSpPr>
         <p:spPr>
           <a:xfrm>
-            <a:off x="45135070" y="2623975"/>
+            <a:off x="41085602" y="2623975"/>
             <a:ext cx="1144480" cy="639015"/>
           </a:xfrm>
           <a:prstGeom prst="rect">
@@ -18440,7 +18444,7 @@
         </p:nvSpPr>
         <p:spPr>
           <a:xfrm>
-            <a:off x="49801390" y="2623975"/>
+            <a:off x="45751922" y="2623975"/>
             <a:ext cx="1144480" cy="639015"/>
           </a:xfrm>
           <a:prstGeom prst="rect">
@@ -18501,7 +18505,7 @@
         </p:nvSpPr>
         <p:spPr>
           <a:xfrm>
-            <a:off x="40841905" y="3639600"/>
+            <a:off x="36792437" y="3639600"/>
             <a:ext cx="1144480" cy="639015"/>
           </a:xfrm>
           <a:prstGeom prst="rect">
@@ -18550,7 +18554,7 @@
         </p:nvSpPr>
         <p:spPr>
           <a:xfrm>
-            <a:off x="40098322" y="2632567"/>
+            <a:off x="36048854" y="2632567"/>
             <a:ext cx="1144480" cy="639015"/>
           </a:xfrm>
           <a:prstGeom prst="rect">
@@ -18599,7 +18603,7 @@
         </p:nvSpPr>
         <p:spPr>
           <a:xfrm>
-            <a:off x="41588358" y="2623376"/>
+            <a:off x="37538890" y="2623376"/>
             <a:ext cx="1144480" cy="639015"/>
           </a:xfrm>
           <a:prstGeom prst="rect">
@@ -18648,7 +18652,7 @@
         </p:nvSpPr>
         <p:spPr>
           <a:xfrm>
-            <a:off x="43009791" y="1573448"/>
+            <a:off x="38960323" y="1573448"/>
             <a:ext cx="1144480" cy="639015"/>
           </a:xfrm>
           <a:prstGeom prst="rect">
@@ -18701,7 +18705,7 @@
         </p:nvCxnSpPr>
         <p:spPr>
           <a:xfrm rot="5400000">
-            <a:off x="38269926" y="613426"/>
+            <a:off x="34220458" y="613426"/>
             <a:ext cx="399340" cy="1529030"/>
           </a:xfrm>
           <a:prstGeom prst="bentConnector3">
@@ -18746,7 +18750,7 @@
         </p:nvCxnSpPr>
         <p:spPr>
           <a:xfrm rot="16200000" flipH="1">
-            <a:off x="39754065" y="658316"/>
+            <a:off x="35704597" y="658316"/>
             <a:ext cx="396542" cy="1436451"/>
           </a:xfrm>
           <a:prstGeom prst="bentConnector3">
@@ -18791,7 +18795,7 @@
         </p:nvCxnSpPr>
         <p:spPr>
           <a:xfrm rot="5400000">
-            <a:off x="42670497" y="663279"/>
+            <a:off x="38621029" y="663279"/>
             <a:ext cx="401208" cy="1421860"/>
           </a:xfrm>
           <a:prstGeom prst="bentConnector3">
@@ -18836,7 +18840,7 @@
         </p:nvCxnSpPr>
         <p:spPr>
           <a:xfrm rot="5400000">
-            <a:off x="41205998" y="1678393"/>
+            <a:off x="37156530" y="1678393"/>
             <a:ext cx="418739" cy="1489609"/>
           </a:xfrm>
           <a:prstGeom prst="bentConnector3">
@@ -18881,7 +18885,7 @@
         </p:nvCxnSpPr>
         <p:spPr>
           <a:xfrm rot="16200000" flipH="1">
-            <a:off x="40858344" y="3083799"/>
+            <a:off x="36808876" y="3083799"/>
             <a:ext cx="368018" cy="743583"/>
           </a:xfrm>
           <a:prstGeom prst="bentConnector3">
@@ -18926,7 +18930,7 @@
         </p:nvCxnSpPr>
         <p:spPr>
           <a:xfrm rot="5400000">
-            <a:off x="41598768" y="3077769"/>
+            <a:off x="37549300" y="3077769"/>
             <a:ext cx="377209" cy="746453"/>
           </a:xfrm>
           <a:prstGeom prst="bentConnector3">
@@ -18971,7 +18975,7 @@
         </p:nvCxnSpPr>
         <p:spPr>
           <a:xfrm rot="5400000">
-            <a:off x="37614655" y="2013593"/>
+            <a:off x="33565187" y="2013593"/>
             <a:ext cx="2454779" cy="784135"/>
           </a:xfrm>
           <a:prstGeom prst="bentConnector3">
@@ -19016,7 +19020,7 @@
         </p:nvCxnSpPr>
         <p:spPr>
           <a:xfrm>
-            <a:off x="37705081" y="2216626"/>
+            <a:off x="33655613" y="2216626"/>
             <a:ext cx="0" cy="415940"/>
           </a:xfrm>
           <a:prstGeom prst="straightConnector1">
@@ -19059,7 +19063,7 @@
         </p:nvCxnSpPr>
         <p:spPr>
           <a:xfrm>
-            <a:off x="39234111" y="2213828"/>
+            <a:off x="35184643" y="2213828"/>
             <a:ext cx="0" cy="418739"/>
           </a:xfrm>
           <a:prstGeom prst="straightConnector1">
@@ -19102,7 +19106,7 @@
         </p:nvCxnSpPr>
         <p:spPr>
           <a:xfrm>
-            <a:off x="40670562" y="2213828"/>
+            <a:off x="36621094" y="2213828"/>
             <a:ext cx="0" cy="418739"/>
           </a:xfrm>
           <a:prstGeom prst="straightConnector1">
@@ -19145,7 +19149,7 @@
         </p:nvCxnSpPr>
         <p:spPr>
           <a:xfrm rot="16200000" flipH="1">
-            <a:off x="41210806" y="1673584"/>
+            <a:off x="37161338" y="1673584"/>
             <a:ext cx="409548" cy="1490036"/>
           </a:xfrm>
           <a:prstGeom prst="bentConnector3">
@@ -19190,7 +19194,7 @@
         </p:nvCxnSpPr>
         <p:spPr>
           <a:xfrm>
-            <a:off x="43582031" y="1173605"/>
+            <a:off x="39532563" y="1173605"/>
             <a:ext cx="0" cy="399843"/>
           </a:xfrm>
           <a:prstGeom prst="straightConnector1">
@@ -19233,7 +19237,7 @@
         </p:nvCxnSpPr>
         <p:spPr>
           <a:xfrm flipH="1">
-            <a:off x="43576866" y="2212463"/>
+            <a:off x="39527398" y="2212463"/>
             <a:ext cx="5165" cy="437321"/>
           </a:xfrm>
           <a:prstGeom prst="straightConnector1">
@@ -19276,7 +19280,7 @@
         </p:nvCxnSpPr>
         <p:spPr>
           <a:xfrm rot="16200000" flipH="1">
-            <a:off x="43571107" y="2223387"/>
+            <a:off x="39521639" y="2223387"/>
             <a:ext cx="1424407" cy="1402558"/>
           </a:xfrm>
           <a:prstGeom prst="bentConnector3">
@@ -19321,7 +19325,7 @@
         </p:nvCxnSpPr>
         <p:spPr>
           <a:xfrm rot="5400000">
-            <a:off x="45159010" y="3088570"/>
+            <a:off x="41109542" y="3088570"/>
             <a:ext cx="373880" cy="722721"/>
           </a:xfrm>
           <a:prstGeom prst="bentConnector3">
@@ -19366,7 +19370,7 @@
         </p:nvCxnSpPr>
         <p:spPr>
           <a:xfrm rot="5400000">
-            <a:off x="45923577" y="239645"/>
+            <a:off x="41874109" y="239645"/>
             <a:ext cx="393268" cy="2273547"/>
           </a:xfrm>
           <a:prstGeom prst="bentConnector3">
@@ -19411,7 +19415,7 @@
         </p:nvCxnSpPr>
         <p:spPr>
           <a:xfrm rot="5400000">
-            <a:off x="46687444" y="1004808"/>
+            <a:off x="42637976" y="1004808"/>
             <a:ext cx="394565" cy="744517"/>
           </a:xfrm>
           <a:prstGeom prst="bentConnector3">
@@ -19456,7 +19460,7 @@
         </p:nvCxnSpPr>
         <p:spPr>
           <a:xfrm rot="16200000" flipH="1">
-            <a:off x="47451957" y="984810"/>
+            <a:off x="43402489" y="984810"/>
             <a:ext cx="394567" cy="784513"/>
           </a:xfrm>
           <a:prstGeom prst="bentConnector3">
@@ -19501,7 +19505,7 @@
         </p:nvCxnSpPr>
         <p:spPr>
           <a:xfrm rot="5400000">
-            <a:off x="45904584" y="2016091"/>
+            <a:off x="41855116" y="2016091"/>
             <a:ext cx="410611" cy="805157"/>
           </a:xfrm>
           <a:prstGeom prst="bentConnector3">
@@ -19547,7 +19551,7 @@
         </p:nvCxnSpPr>
         <p:spPr>
           <a:xfrm rot="5400000">
-            <a:off x="46669100" y="1251577"/>
+            <a:off x="42619632" y="1251577"/>
             <a:ext cx="410609" cy="2334187"/>
           </a:xfrm>
           <a:prstGeom prst="bentConnector3">
@@ -19593,7 +19597,7 @@
         </p:nvCxnSpPr>
         <p:spPr>
           <a:xfrm rot="5400000">
-            <a:off x="47444236" y="2026115"/>
+            <a:off x="43394768" y="2026115"/>
             <a:ext cx="410010" cy="784513"/>
           </a:xfrm>
           <a:prstGeom prst="bentConnector3">
@@ -19639,7 +19643,7 @@
         </p:nvCxnSpPr>
         <p:spPr>
           <a:xfrm rot="16200000" flipH="1">
-            <a:off x="46679719" y="2046111"/>
+            <a:off x="42630251" y="2046111"/>
             <a:ext cx="410012" cy="744517"/>
           </a:xfrm>
           <a:prstGeom prst="bentConnector3">
@@ -19685,7 +19689,7 @@
         </p:nvCxnSpPr>
         <p:spPr>
           <a:xfrm rot="16200000" flipH="1">
-            <a:off x="48216472" y="220295"/>
+            <a:off x="44167004" y="220295"/>
             <a:ext cx="394567" cy="2313543"/>
           </a:xfrm>
           <a:prstGeom prst="bentConnector3">
@@ -19730,7 +19734,7 @@
         </p:nvCxnSpPr>
         <p:spPr>
           <a:xfrm rot="5400000">
-            <a:off x="48983289" y="2036736"/>
+            <a:off x="44933821" y="2036736"/>
             <a:ext cx="410609" cy="763869"/>
           </a:xfrm>
           <a:prstGeom prst="bentConnector3">
@@ -19775,7 +19779,7 @@
         </p:nvCxnSpPr>
         <p:spPr>
           <a:xfrm rot="16200000" flipH="1">
-            <a:off x="49766774" y="2017118"/>
+            <a:off x="45717306" y="2017118"/>
             <a:ext cx="410609" cy="803103"/>
           </a:xfrm>
           <a:prstGeom prst="bentConnector3">
@@ -19820,7 +19824,7 @@
         </p:nvCxnSpPr>
         <p:spPr>
           <a:xfrm>
-            <a:off x="48806658" y="3262990"/>
+            <a:off x="44757190" y="3262990"/>
             <a:ext cx="0" cy="428140"/>
           </a:xfrm>
           <a:prstGeom prst="straightConnector1">
@@ -19863,7 +19867,7 @@
         </p:nvCxnSpPr>
         <p:spPr>
           <a:xfrm rot="16200000" flipH="1">
-            <a:off x="38341896" y="4163796"/>
+            <a:off x="34292428" y="4163796"/>
             <a:ext cx="2481867" cy="697437"/>
           </a:xfrm>
           <a:prstGeom prst="bentConnector3">
@@ -19908,7 +19912,7 @@
         </p:nvCxnSpPr>
         <p:spPr>
           <a:xfrm>
-            <a:off x="43576866" y="3288799"/>
+            <a:off x="39527398" y="3288799"/>
             <a:ext cx="5165" cy="347603"/>
           </a:xfrm>
           <a:prstGeom prst="straightConnector1">
@@ -19951,7 +19955,7 @@
         </p:nvCxnSpPr>
         <p:spPr>
           <a:xfrm rot="5400000">
-            <a:off x="42598756" y="2360784"/>
+            <a:off x="38549288" y="2360784"/>
             <a:ext cx="470733" cy="4300934"/>
           </a:xfrm>
           <a:prstGeom prst="bentConnector3">
@@ -19992,7 +19996,7 @@
         </p:nvSpPr>
         <p:spPr>
           <a:xfrm>
-            <a:off x="41155145" y="27864599"/>
+            <a:off x="21516254" y="16485624"/>
             <a:ext cx="1144480" cy="639015"/>
           </a:xfrm>
           <a:prstGeom prst="rect">
@@ -20052,7 +20056,7 @@
         </p:nvCxnSpPr>
         <p:spPr>
           <a:xfrm rot="16200000" flipH="1">
-            <a:off x="41516336" y="28714663"/>
+            <a:off x="21877445" y="17335688"/>
             <a:ext cx="1206776" cy="784678"/>
           </a:xfrm>
           <a:prstGeom prst="bentConnector3">
@@ -20098,7 +20102,7 @@
         </p:nvCxnSpPr>
         <p:spPr>
           <a:xfrm rot="16200000" flipH="1">
-            <a:off x="39814191" y="25951404"/>
+            <a:off x="20175300" y="14572429"/>
             <a:ext cx="1270933" cy="2555455"/>
           </a:xfrm>
           <a:prstGeom prst="bentConnector3">
@@ -20139,7 +20143,7 @@
         </p:nvSpPr>
         <p:spPr>
           <a:xfrm>
-            <a:off x="17205043" y="534590"/>
+            <a:off x="6836480" y="534590"/>
             <a:ext cx="1156124" cy="645064"/>
           </a:xfrm>
           <a:prstGeom prst="rect">
@@ -20171,46 +20175,46 @@
             <a:pPr algn="ctr"/>
             <a:r>
               <a:rPr lang="ru-RU" sz="1100" dirty="0"/>
-              <a:t>Марш по Претории </a:t>
-            </a:r>
-            <a:r>
-              <a:rPr lang="ru-RU" sz="1050" dirty="0"/>
+              <a:t>Марш до Претории </a:t>
+            </a:r>
+            <a:r>
+              <a:rPr lang="ru-RU" sz="400" dirty="0"/>
               <a:t>(</a:t>
             </a:r>
             <a:r>
-              <a:rPr lang="ru-RU" sz="1050" dirty="0" err="1"/>
+              <a:rPr lang="ru-RU" sz="400" dirty="0" err="1"/>
               <a:t>кирино</a:t>
             </a:r>
             <a:r>
-              <a:rPr lang="en-US" sz="1050" dirty="0"/>
+              <a:rPr lang="en-US" sz="400" dirty="0"/>
               <a:t>: </a:t>
             </a:r>
             <a:r>
-              <a:rPr lang="ru-RU" sz="1050" dirty="0"/>
+              <a:rPr lang="ru-RU" sz="400" dirty="0"/>
               <a:t>НД на 100 дней, </a:t>
             </a:r>
             <a:r>
-              <a:rPr lang="ru-RU" sz="1050" dirty="0" err="1"/>
+              <a:rPr lang="ru-RU" sz="400" dirty="0" err="1"/>
               <a:t>политка</a:t>
             </a:r>
             <a:r>
-              <a:rPr lang="ru-RU" sz="1050" dirty="0"/>
+              <a:rPr lang="ru-RU" sz="400" dirty="0"/>
               <a:t> +1, автономия +2, </a:t>
             </a:r>
             <a:r>
-              <a:rPr lang="ru-RU" sz="1050" dirty="0" err="1"/>
+              <a:rPr lang="ru-RU" sz="400" dirty="0" err="1"/>
               <a:t>фазим</a:t>
             </a:r>
             <a:r>
-              <a:rPr lang="ru-RU" sz="1050" dirty="0"/>
+              <a:rPr lang="ru-RU" sz="400" dirty="0"/>
               <a:t> +0,1, </a:t>
             </a:r>
             <a:r>
-              <a:rPr lang="ru-RU" sz="1050" dirty="0" err="1"/>
+              <a:rPr lang="ru-RU" sz="400" dirty="0" err="1"/>
               <a:t>Африканерская</a:t>
             </a:r>
             <a:r>
-              <a:rPr lang="ru-RU" sz="1050" dirty="0"/>
+              <a:rPr lang="ru-RU" sz="400" dirty="0"/>
               <a:t> республика)</a:t>
             </a:r>
             <a:endParaRPr lang="ru-RU" sz="500" dirty="0"/>
@@ -20231,7 +20235,7 @@
         </p:nvSpPr>
         <p:spPr>
           <a:xfrm>
-            <a:off x="12238381" y="10647382"/>
+            <a:off x="6836480" y="2600458"/>
             <a:ext cx="1156124" cy="645064"/>
           </a:xfrm>
           <a:prstGeom prst="rect">
@@ -20271,42 +20275,46 @@
             </a:r>
             <a:r>
               <a:rPr lang="ru-RU" sz="1100" dirty="0"/>
-              <a:t> (</a:t>
-            </a:r>
-            <a:r>
-              <a:rPr lang="ru-RU" sz="1100" dirty="0" err="1"/>
+              <a:t> </a:t>
+            </a:r>
+            <a:r>
+              <a:rPr lang="ru-RU" sz="300" dirty="0"/>
+              <a:t>(</a:t>
+            </a:r>
+            <a:r>
+              <a:rPr lang="ru-RU" sz="300" dirty="0" err="1"/>
               <a:t>кирино</a:t>
             </a:r>
             <a:r>
-              <a:rPr lang="en-US" sz="1100" dirty="0"/>
+              <a:rPr lang="en-US" sz="300" dirty="0"/>
               <a:t>: </a:t>
             </a:r>
             <a:r>
-              <a:rPr lang="ru-RU" sz="1100" dirty="0"/>
+              <a:rPr lang="ru-RU" sz="300" dirty="0"/>
               <a:t>НД -20% время подготовки, </a:t>
             </a:r>
             <a:r>
-              <a:rPr lang="ru-RU" sz="1100" dirty="0" err="1"/>
+              <a:rPr lang="ru-RU" sz="300" dirty="0" err="1"/>
               <a:t>орагнизация</a:t>
             </a:r>
             <a:r>
-              <a:rPr lang="ru-RU" sz="1100" dirty="0"/>
+              <a:rPr lang="ru-RU" sz="300" dirty="0"/>
               <a:t> +8%, </a:t>
             </a:r>
             <a:r>
-              <a:rPr lang="ru-RU" sz="1100" dirty="0" err="1"/>
+              <a:rPr lang="ru-RU" sz="300" dirty="0" err="1"/>
               <a:t>военка</a:t>
             </a:r>
             <a:r>
-              <a:rPr lang="ru-RU" sz="1100" dirty="0"/>
+              <a:rPr lang="ru-RU" sz="300" dirty="0"/>
               <a:t> +1%, решение на </a:t>
             </a:r>
             <a:r>
-              <a:rPr lang="ru-RU" sz="1100" dirty="0" err="1"/>
+              <a:rPr lang="ru-RU" sz="300" dirty="0" err="1"/>
               <a:t>дивки</a:t>
             </a:r>
             <a:r>
-              <a:rPr lang="ru-RU" sz="1100" dirty="0"/>
+              <a:rPr lang="ru-RU" sz="300" dirty="0"/>
               <a:t> рубашек)</a:t>
             </a:r>
             <a:endParaRPr lang="ru-RU" sz="600" dirty="0"/>
@@ -20331,8 +20339,8 @@
         </p:nvCxnSpPr>
         <p:spPr>
           <a:xfrm>
-            <a:off x="12671742" y="13907364"/>
-            <a:ext cx="308918" cy="0"/>
+            <a:off x="7992604" y="5042022"/>
+            <a:ext cx="439649" cy="0"/>
           </a:xfrm>
           <a:prstGeom prst="line">
             <a:avLst/>
@@ -20372,7 +20380,7 @@
         </p:nvSpPr>
         <p:spPr>
           <a:xfrm>
-            <a:off x="12238381" y="12116107"/>
+            <a:off x="7650065" y="3639595"/>
             <a:ext cx="1156124" cy="645064"/>
           </a:xfrm>
           <a:prstGeom prst="rect">
@@ -20404,18 +20412,22 @@
             <a:pPr algn="ctr"/>
             <a:r>
               <a:rPr lang="ru-RU" sz="1100" dirty="0"/>
-              <a:t>Объявить о независимости от Британии (</a:t>
-            </a:r>
-            <a:r>
-              <a:rPr lang="ru-RU" sz="1100" dirty="0" err="1"/>
+              <a:t>Объявить о независимости от Британии </a:t>
+            </a:r>
+            <a:r>
+              <a:rPr lang="ru-RU" sz="800" dirty="0"/>
+              <a:t>(</a:t>
+            </a:r>
+            <a:r>
+              <a:rPr lang="ru-RU" sz="800" dirty="0" err="1"/>
               <a:t>кирино</a:t>
             </a:r>
             <a:r>
-              <a:rPr lang="en-US" sz="1100" dirty="0"/>
+              <a:rPr lang="en-US" sz="800" dirty="0"/>
               <a:t>: </a:t>
             </a:r>
             <a:r>
-              <a:rPr lang="ru-RU" sz="1100" dirty="0"/>
+              <a:rPr lang="ru-RU" sz="800" dirty="0"/>
               <a:t>свобода)</a:t>
             </a:r>
             <a:endParaRPr lang="ru-RU" sz="600" dirty="0"/>
@@ -20436,7 +20448,7 @@
         </p:nvSpPr>
         <p:spPr>
           <a:xfrm>
-            <a:off x="11515618" y="13584832"/>
+            <a:off x="6836480" y="4719490"/>
             <a:ext cx="1156124" cy="645064"/>
           </a:xfrm>
           <a:prstGeom prst="rect">
@@ -20468,18 +20480,22 @@
             <a:pPr algn="ctr"/>
             <a:r>
               <a:rPr lang="ru-RU" sz="1100" dirty="0"/>
-              <a:t>Союз белой Африки (</a:t>
-            </a:r>
-            <a:r>
-              <a:rPr lang="ru-RU" sz="1100" dirty="0" err="1"/>
+              <a:t>Союз белой Африки </a:t>
+            </a:r>
+            <a:r>
+              <a:rPr lang="ru-RU" sz="500" dirty="0"/>
+              <a:t>(</a:t>
+            </a:r>
+            <a:r>
+              <a:rPr lang="ru-RU" sz="500" dirty="0" err="1"/>
               <a:t>кирино</a:t>
             </a:r>
             <a:r>
-              <a:rPr lang="en-US" sz="1100" dirty="0"/>
+              <a:rPr lang="en-US" sz="500" dirty="0"/>
               <a:t>: </a:t>
             </a:r>
             <a:r>
-              <a:rPr lang="ru-RU" sz="1100" dirty="0"/>
+              <a:rPr lang="ru-RU" sz="500" dirty="0"/>
               <a:t>одноимённый альянс)</a:t>
             </a:r>
             <a:endParaRPr lang="ru-RU" sz="600" dirty="0"/>
@@ -20500,7 +20516,7 @@
         </p:nvSpPr>
         <p:spPr>
           <a:xfrm>
-            <a:off x="12980660" y="13584832"/>
+            <a:off x="8432253" y="4719490"/>
             <a:ext cx="1156124" cy="645064"/>
           </a:xfrm>
           <a:prstGeom prst="rect">
@@ -20560,7 +20576,7 @@
         </p:nvSpPr>
         <p:spPr>
           <a:xfrm>
-            <a:off x="12980660" y="15053557"/>
+            <a:off x="7650065" y="5758496"/>
             <a:ext cx="1156124" cy="645064"/>
           </a:xfrm>
           <a:prstGeom prst="rect">
@@ -20592,21 +20608,24 @@
             <a:pPr algn="ctr"/>
             <a:r>
               <a:rPr lang="ru-RU" sz="1100" dirty="0"/>
-              <a:t>Совместные разработки (</a:t>
-            </a:r>
-            <a:r>
-              <a:rPr lang="ru-RU" sz="1100" dirty="0" err="1"/>
+              <a:t>Совместные разработки </a:t>
+            </a:r>
+            <a:r>
+              <a:rPr lang="ru-RU" sz="600" dirty="0"/>
+              <a:t>(</a:t>
+            </a:r>
+            <a:r>
+              <a:rPr lang="ru-RU" sz="600" dirty="0" err="1"/>
               <a:t>кирино</a:t>
             </a:r>
             <a:r>
-              <a:rPr lang="en-US" sz="1100" dirty="0"/>
+              <a:rPr lang="en-US" sz="600" dirty="0"/>
               <a:t>: </a:t>
             </a:r>
             <a:r>
-              <a:rPr lang="ru-RU" sz="1100" dirty="0"/>
+              <a:rPr lang="ru-RU" sz="600" dirty="0"/>
               <a:t>одноимённый альянс)</a:t>
             </a:r>
-            <a:endParaRPr lang="ru-RU" sz="600" dirty="0"/>
           </a:p>
         </p:txBody>
       </p:sp>
@@ -20624,7 +20643,7 @@
         </p:nvSpPr>
         <p:spPr>
           <a:xfrm>
-            <a:off x="12238381" y="16522282"/>
+            <a:off x="6836479" y="6727282"/>
             <a:ext cx="1156124" cy="645064"/>
           </a:xfrm>
           <a:prstGeom prst="rect">
@@ -20688,7 +20707,7 @@
         </p:nvSpPr>
         <p:spPr>
           <a:xfrm>
-            <a:off x="13739391" y="16522282"/>
+            <a:off x="8426371" y="6744405"/>
             <a:ext cx="1156124" cy="645064"/>
           </a:xfrm>
           <a:prstGeom prst="rect">
@@ -20724,29 +20743,32 @@
             </a:r>
             <a:r>
               <a:rPr lang="ru-RU" sz="1100" dirty="0"/>
-              <a:t> законы (</a:t>
-            </a:r>
-            <a:r>
-              <a:rPr lang="ru-RU" sz="1100" dirty="0" err="1"/>
+              <a:t> законы </a:t>
+            </a:r>
+            <a:r>
+              <a:rPr lang="ru-RU" sz="600" dirty="0"/>
+              <a:t>(</a:t>
+            </a:r>
+            <a:r>
+              <a:rPr lang="ru-RU" sz="600" dirty="0" err="1"/>
               <a:t>кирино</a:t>
             </a:r>
             <a:r>
-              <a:rPr lang="en-US" sz="1100" dirty="0"/>
+              <a:rPr lang="en-US" sz="600" dirty="0"/>
               <a:t>: </a:t>
             </a:r>
             <a:r>
-              <a:rPr lang="ru-RU" sz="1100" dirty="0"/>
+              <a:rPr lang="ru-RU" sz="600" dirty="0"/>
               <a:t>всякое такое судя по </a:t>
             </a:r>
             <a:r>
-              <a:rPr lang="ru-RU" sz="1100" dirty="0" err="1"/>
+              <a:rPr lang="ru-RU" sz="600" dirty="0" err="1"/>
               <a:t>тултипу</a:t>
             </a:r>
             <a:r>
-              <a:rPr lang="ru-RU" sz="1100" dirty="0"/>
+              <a:rPr lang="ru-RU" sz="600" dirty="0"/>
               <a:t>)</a:t>
             </a:r>
-            <a:endParaRPr lang="ru-RU" sz="600" dirty="0"/>
           </a:p>
         </p:txBody>
       </p:sp>
@@ -20764,7 +20786,7 @@
         </p:nvSpPr>
         <p:spPr>
           <a:xfrm>
-            <a:off x="14038360" y="17781075"/>
+            <a:off x="7650885" y="7697013"/>
             <a:ext cx="1156124" cy="645064"/>
           </a:xfrm>
           <a:prstGeom prst="rect">
@@ -20796,21 +20818,24 @@
             <a:pPr algn="ctr"/>
             <a:r>
               <a:rPr lang="ru-RU" sz="1100" dirty="0"/>
-              <a:t>Провести референдум в Южной Родезии (</a:t>
-            </a:r>
-            <a:r>
-              <a:rPr lang="ru-RU" sz="1100" dirty="0" err="1"/>
+              <a:t>Провести референдум в Южной Родезии </a:t>
+            </a:r>
+            <a:r>
+              <a:rPr lang="ru-RU" sz="600" dirty="0"/>
+              <a:t>(</a:t>
+            </a:r>
+            <a:r>
+              <a:rPr lang="ru-RU" sz="600" dirty="0" err="1"/>
               <a:t>кирино</a:t>
             </a:r>
             <a:r>
-              <a:rPr lang="en-US" sz="1100" dirty="0"/>
+              <a:rPr lang="en-US" sz="600" dirty="0"/>
               <a:t>: </a:t>
             </a:r>
             <a:r>
-              <a:rPr lang="ru-RU" sz="1100" dirty="0"/>
+              <a:rPr lang="ru-RU" sz="600" dirty="0"/>
               <a:t>претензии и объединение)</a:t>
             </a:r>
-            <a:endParaRPr lang="ru-RU" sz="600" dirty="0"/>
           </a:p>
         </p:txBody>
       </p:sp>
@@ -20828,7 +20853,7 @@
         </p:nvSpPr>
         <p:spPr>
           <a:xfrm>
-            <a:off x="13739391" y="19459732"/>
+            <a:off x="6836479" y="8607504"/>
             <a:ext cx="1156124" cy="645064"/>
           </a:xfrm>
           <a:prstGeom prst="rect">
@@ -20860,25 +20885,28 @@
             <a:pPr algn="ctr"/>
             <a:r>
               <a:rPr lang="ru-RU" sz="1100" dirty="0"/>
-              <a:t>Объединение Родезии (</a:t>
-            </a:r>
-            <a:r>
-              <a:rPr lang="ru-RU" sz="1100" dirty="0" err="1"/>
+              <a:t>Объединение Родезии </a:t>
+            </a:r>
+            <a:r>
+              <a:rPr lang="ru-RU" sz="600" dirty="0"/>
+              <a:t>(</a:t>
+            </a:r>
+            <a:r>
+              <a:rPr lang="ru-RU" sz="600" dirty="0" err="1"/>
               <a:t>кирино</a:t>
             </a:r>
             <a:r>
-              <a:rPr lang="en-US" sz="1100" dirty="0"/>
+              <a:rPr lang="en-US" sz="600" dirty="0"/>
               <a:t>: </a:t>
             </a:r>
             <a:r>
-              <a:rPr lang="ru-RU" sz="1100" dirty="0" err="1"/>
+              <a:rPr lang="ru-RU" sz="600" dirty="0" err="1"/>
               <a:t>щас</a:t>
             </a:r>
             <a:r>
-              <a:rPr lang="ru-RU" sz="1100" dirty="0"/>
+              <a:rPr lang="ru-RU" sz="600" dirty="0"/>
               <a:t> вообще пусто)</a:t>
             </a:r>
-            <a:endParaRPr lang="ru-RU" sz="600" dirty="0"/>
           </a:p>
         </p:txBody>
       </p:sp>
@@ -20896,7 +20924,7 @@
         </p:nvSpPr>
         <p:spPr>
           <a:xfrm>
-            <a:off x="14926311" y="19249800"/>
+            <a:off x="7650065" y="9661704"/>
             <a:ext cx="1156124" cy="645064"/>
           </a:xfrm>
           <a:prstGeom prst="rect">
@@ -20928,66 +20956,70 @@
             <a:pPr algn="ctr"/>
             <a:r>
               <a:rPr lang="ru-RU" sz="1100" dirty="0"/>
-              <a:t>Централизация Южной Африки (</a:t>
-            </a:r>
-            <a:r>
-              <a:rPr lang="ru-RU" sz="1100" dirty="0" err="1"/>
+              <a:t>Централизация Южной Африки </a:t>
+            </a:r>
+            <a:r>
+              <a:rPr lang="ru-RU" sz="400" dirty="0"/>
+              <a:t>(</a:t>
+            </a:r>
+            <a:r>
+              <a:rPr lang="ru-RU" sz="400" dirty="0" err="1"/>
               <a:t>кирино</a:t>
             </a:r>
             <a:r>
-              <a:rPr lang="en-US" sz="1100" dirty="0"/>
+              <a:rPr lang="en-US" sz="400" dirty="0"/>
               <a:t>: </a:t>
             </a:r>
             <a:r>
-              <a:rPr lang="ru-RU" sz="1100" dirty="0"/>
+              <a:rPr lang="ru-RU" sz="400" dirty="0"/>
               <a:t>НД +10% </a:t>
             </a:r>
             <a:r>
-              <a:rPr lang="ru-RU" sz="1100" dirty="0" err="1"/>
+              <a:rPr lang="ru-RU" sz="400" dirty="0" err="1"/>
               <a:t>политки</a:t>
             </a:r>
             <a:r>
-              <a:rPr lang="ru-RU" sz="1100" dirty="0"/>
+              <a:rPr lang="ru-RU" sz="400" dirty="0"/>
               <a:t>, люди </a:t>
             </a:r>
             <a:r>
-              <a:rPr lang="ru-RU" sz="1100" dirty="0" err="1"/>
+              <a:rPr lang="ru-RU" sz="400" dirty="0" err="1"/>
               <a:t>ненац</a:t>
             </a:r>
             <a:r>
-              <a:rPr lang="ru-RU" sz="1100" dirty="0"/>
+              <a:rPr lang="ru-RU" sz="400" dirty="0"/>
               <a:t> +2%, атака и защита на </a:t>
             </a:r>
             <a:r>
-              <a:rPr lang="ru-RU" sz="1100" dirty="0" err="1"/>
+              <a:rPr lang="ru-RU" sz="400" dirty="0" err="1"/>
               <a:t>нац</a:t>
             </a:r>
             <a:r>
-              <a:rPr lang="ru-RU" sz="1100" dirty="0"/>
+              <a:rPr lang="ru-RU" sz="400" dirty="0"/>
               <a:t> +5%</a:t>
             </a:r>
             <a:r>
-              <a:rPr lang="en-US" sz="1100" dirty="0"/>
+              <a:rPr lang="en-US" sz="400" dirty="0"/>
               <a:t>; </a:t>
             </a:r>
             <a:r>
-              <a:rPr lang="ru-RU" sz="1100" dirty="0"/>
+              <a:rPr lang="ru-RU" sz="400" dirty="0"/>
               <a:t>+100 </a:t>
             </a:r>
             <a:r>
-              <a:rPr lang="ru-RU" sz="1100" dirty="0" err="1"/>
+              <a:rPr lang="ru-RU" sz="400" dirty="0" err="1"/>
               <a:t>политки</a:t>
             </a:r>
             <a:r>
-              <a:rPr lang="ru-RU" sz="1100" dirty="0"/>
+              <a:rPr lang="ru-RU" sz="400" dirty="0"/>
               <a:t>, +10% </a:t>
             </a:r>
             <a:r>
-              <a:rPr lang="ru-RU" sz="1100" dirty="0" err="1"/>
+              <a:rPr lang="ru-RU" sz="400" dirty="0" err="1"/>
               <a:t>стабы</a:t>
             </a:r>
             <a:r>
-              <a:rPr lang="ru-RU" sz="1100" dirty="0"/>
+              <a:rPr lang="ru-RU" sz="400" dirty="0"/>
               <a:t> и поддержки)</a:t>
             </a:r>
             <a:endParaRPr lang="ru-RU" sz="600" dirty="0"/>
@@ -21008,7 +21040,7 @@
         </p:nvSpPr>
         <p:spPr>
           <a:xfrm>
-            <a:off x="16243577" y="20718525"/>
+            <a:off x="8426371" y="8604480"/>
             <a:ext cx="1156124" cy="645064"/>
           </a:xfrm>
           <a:prstGeom prst="rect">
@@ -21040,18 +21072,22 @@
             <a:pPr algn="ctr"/>
             <a:r>
               <a:rPr lang="ru-RU" sz="1100" dirty="0"/>
-              <a:t>Потребовать контроль над протекторатами (</a:t>
-            </a:r>
-            <a:r>
-              <a:rPr lang="ru-RU" sz="1100" dirty="0" err="1"/>
+              <a:t>Потребовать контроль над протекторатами </a:t>
+            </a:r>
+            <a:r>
+              <a:rPr lang="ru-RU" sz="500" dirty="0"/>
+              <a:t>(</a:t>
+            </a:r>
+            <a:r>
+              <a:rPr lang="ru-RU" sz="500" dirty="0" err="1"/>
               <a:t>кирино</a:t>
             </a:r>
             <a:r>
-              <a:rPr lang="en-US" sz="1100" dirty="0"/>
+              <a:rPr lang="en-US" sz="500" dirty="0"/>
               <a:t>: </a:t>
             </a:r>
             <a:r>
-              <a:rPr lang="ru-RU" sz="1100" dirty="0"/>
+              <a:rPr lang="ru-RU" sz="500" dirty="0"/>
               <a:t>претензия и ивент)</a:t>
             </a:r>
             <a:endParaRPr lang="ru-RU" sz="600" dirty="0"/>
@@ -21072,7 +21108,7 @@
         </p:nvSpPr>
         <p:spPr>
           <a:xfrm>
-            <a:off x="13739391" y="10650091"/>
+            <a:off x="6039485" y="1565185"/>
             <a:ext cx="1156124" cy="645064"/>
           </a:xfrm>
           <a:prstGeom prst="rect">
@@ -21107,9 +21143,10 @@
               <a:t>Принять спонсирование от НДСАП </a:t>
             </a:r>
             <a:r>
-              <a:rPr lang="ru-RU" sz="600" dirty="0"/>
+              <a:rPr lang="ru-RU" sz="300" dirty="0"/>
               <a:t>(Южноафриканское нееврейское национал-социалистическое движение финансировалось НСДАП/АО и получило поддержку среди молодых немцев, южноафриканцев и буров)</a:t>
             </a:r>
+            <a:endParaRPr lang="ru-RU" sz="600" dirty="0"/>
           </a:p>
         </p:txBody>
       </p:sp>
@@ -21127,7 +21164,7 @@
         </p:nvSpPr>
         <p:spPr>
           <a:xfrm>
-            <a:off x="10775471" y="10647383"/>
+            <a:off x="8426371" y="1566074"/>
             <a:ext cx="1156124" cy="643812"/>
           </a:xfrm>
           <a:prstGeom prst="rect">
@@ -21191,7 +21228,7 @@
         </p:nvSpPr>
         <p:spPr>
           <a:xfrm>
-            <a:off x="13739391" y="12116107"/>
+            <a:off x="5239248" y="3643611"/>
             <a:ext cx="1156124" cy="645064"/>
           </a:xfrm>
           <a:prstGeom prst="rect">
@@ -21279,7 +21316,7 @@
         </p:nvSpPr>
         <p:spPr>
           <a:xfrm>
-            <a:off x="10775471" y="12116107"/>
+            <a:off x="3644861" y="1560701"/>
             <a:ext cx="1156124" cy="645064"/>
           </a:xfrm>
           <a:prstGeom prst="rect">
@@ -21322,15 +21359,15 @@
               <a:t> </a:t>
             </a:r>
             <a:r>
-              <a:rPr lang="ru-RU" sz="500" dirty="0"/>
+              <a:rPr lang="ru-RU" sz="300" dirty="0"/>
               <a:t>(Однако однопартийное государство, за которое выступал Ван </a:t>
             </a:r>
             <a:r>
-              <a:rPr lang="ru-RU" sz="500" dirty="0" err="1"/>
+              <a:rPr lang="ru-RU" sz="300" dirty="0" err="1"/>
               <a:t>Ренсбург</a:t>
             </a:r>
             <a:r>
-              <a:rPr lang="ru-RU" sz="500" dirty="0"/>
+              <a:rPr lang="ru-RU" sz="300" dirty="0"/>
               <a:t> , не было принято, а парламентская система — хотя и в пользу националистического правительства — сохранилась.)</a:t>
             </a:r>
             <a:endParaRPr lang="ru-RU" sz="600" dirty="0"/>
@@ -21351,7 +21388,7 @@
         </p:nvSpPr>
         <p:spPr>
           <a:xfrm>
-            <a:off x="15220765" y="12017477"/>
+            <a:off x="8432253" y="2602134"/>
             <a:ext cx="1156124" cy="645064"/>
           </a:xfrm>
           <a:prstGeom prst="rect">
@@ -21403,7 +21440,7 @@
         </p:nvSpPr>
         <p:spPr>
           <a:xfrm>
-            <a:off x="15096561" y="10673254"/>
+            <a:off x="3640520" y="2607054"/>
             <a:ext cx="1156124" cy="645064"/>
           </a:xfrm>
           <a:prstGeom prst="rect">
@@ -21438,15 +21475,15 @@
               <a:t>Ввести дисциплину в государство </a:t>
             </a:r>
             <a:r>
-              <a:rPr lang="ru-RU" sz="500" dirty="0"/>
+              <a:rPr lang="ru-RU" sz="200" dirty="0"/>
               <a:t>(Цель </a:t>
             </a:r>
             <a:r>
-              <a:rPr lang="ru-RU" sz="500" dirty="0" err="1"/>
+              <a:rPr lang="ru-RU" sz="200" dirty="0" err="1"/>
               <a:t>Оссевабрандваг</a:t>
             </a:r>
             <a:r>
-              <a:rPr lang="ru-RU" sz="500" dirty="0"/>
+              <a:rPr lang="ru-RU" sz="200" dirty="0"/>
               <a:t> — создание однопартийного авторитарного и дисциплинированного государства, в котором люди не позволят себе говорить и делать что им заблагорассудится в ущерб народу и правительству (29 мая 1942). )</a:t>
             </a:r>
             <a:endParaRPr lang="ru-RU" sz="100" dirty="0"/>
@@ -21467,7 +21504,7 @@
         </p:nvSpPr>
         <p:spPr>
           <a:xfrm>
-            <a:off x="16887322" y="12017477"/>
+            <a:off x="10022203" y="1567398"/>
             <a:ext cx="1156124" cy="645064"/>
           </a:xfrm>
           <a:prstGeom prst="rect">
@@ -21519,7 +21556,7 @@
         </p:nvSpPr>
         <p:spPr>
           <a:xfrm>
-            <a:off x="18278383" y="12017477"/>
+            <a:off x="5237764" y="2607054"/>
             <a:ext cx="1156124" cy="645064"/>
           </a:xfrm>
           <a:prstGeom prst="rect">
@@ -21571,7 +21608,7 @@
         </p:nvSpPr>
         <p:spPr>
           <a:xfrm>
-            <a:off x="16887322" y="13374900"/>
+            <a:off x="3637655" y="3650974"/>
             <a:ext cx="1156124" cy="645064"/>
           </a:xfrm>
           <a:prstGeom prst="rect">
@@ -21607,17 +21644,20 @@
             </a:r>
             <a:r>
               <a:rPr lang="ru-RU" sz="1100" dirty="0"/>
-              <a:t> (</a:t>
-            </a:r>
-            <a:r>
-              <a:rPr lang="en-US" sz="1100" dirty="0"/>
+              <a:t> </a:t>
+            </a:r>
+            <a:r>
+              <a:rPr lang="ru-RU" sz="600" dirty="0"/>
+              <a:t>(</a:t>
+            </a:r>
+            <a:r>
+              <a:rPr lang="en-US" sz="600" dirty="0"/>
               <a:t>https://af.m.wikipedia.org/wiki/Reddingsdaadbond</a:t>
             </a:r>
             <a:r>
-              <a:rPr lang="ru-RU" sz="1100" dirty="0"/>
+              <a:rPr lang="ru-RU" sz="600" dirty="0"/>
               <a:t>)</a:t>
             </a:r>
-            <a:endParaRPr lang="ru-RU" sz="600" dirty="0"/>
           </a:p>
         </p:txBody>
       </p:sp>
@@ -21639,7 +21679,7 @@
         </p:nvCxnSpPr>
         <p:spPr>
           <a:xfrm>
-            <a:off x="39234111" y="1178271"/>
+            <a:off x="35184643" y="1178271"/>
             <a:ext cx="0" cy="396542"/>
           </a:xfrm>
           <a:prstGeom prst="straightConnector1">
@@ -21678,7 +21718,7 @@
         </p:nvSpPr>
         <p:spPr>
           <a:xfrm>
-            <a:off x="29532407" y="534590"/>
+            <a:off x="20257790" y="534590"/>
             <a:ext cx="1144480" cy="639015"/>
           </a:xfrm>
           <a:prstGeom prst="rect">
@@ -21727,12 +21767,18 @@
         </p:nvSpPr>
         <p:spPr>
           <a:xfrm>
-            <a:off x="35476075" y="1573051"/>
+            <a:off x="26201458" y="1573051"/>
             <a:ext cx="1144480" cy="639015"/>
           </a:xfrm>
           <a:prstGeom prst="rect">
             <a:avLst/>
           </a:prstGeom>
+          <a:solidFill>
+            <a:schemeClr val="accent1">
+              <a:lumMod val="60000"/>
+              <a:lumOff val="40000"/>
+            </a:schemeClr>
+          </a:solidFill>
           <a:ln w="28575"/>
         </p:spPr>
         <p:style>
@@ -21788,12 +21834,18 @@
         </p:nvSpPr>
         <p:spPr>
           <a:xfrm>
-            <a:off x="22582293" y="1573052"/>
+            <a:off x="13426536" y="1566750"/>
             <a:ext cx="1144480" cy="639015"/>
           </a:xfrm>
           <a:prstGeom prst="rect">
             <a:avLst/>
           </a:prstGeom>
+          <a:solidFill>
+            <a:schemeClr val="accent2">
+              <a:lumMod val="40000"/>
+              <a:lumOff val="60000"/>
+            </a:schemeClr>
+          </a:solidFill>
           <a:ln w="28575"/>
         </p:spPr>
         <p:style>
@@ -21837,7 +21889,7 @@
         </p:nvSpPr>
         <p:spPr>
           <a:xfrm>
-            <a:off x="40794340" y="8459401"/>
+            <a:off x="36744872" y="8459401"/>
             <a:ext cx="1144480" cy="639015"/>
           </a:xfrm>
           <a:prstGeom prst="rect">
@@ -21890,12 +21942,17 @@
         </p:nvSpPr>
         <p:spPr>
           <a:xfrm>
-            <a:off x="29532407" y="1573051"/>
+            <a:off x="20257790" y="1573051"/>
             <a:ext cx="1144480" cy="639015"/>
           </a:xfrm>
           <a:prstGeom prst="rect">
             <a:avLst/>
           </a:prstGeom>
+          <a:solidFill>
+            <a:schemeClr val="bg2">
+              <a:lumMod val="75000"/>
+            </a:schemeClr>
+          </a:solidFill>
           <a:ln w="28575"/>
         </p:spPr>
         <p:style>
@@ -21939,7 +21996,7 @@
         </p:nvSpPr>
         <p:spPr>
           <a:xfrm>
-            <a:off x="7623224" y="536618"/>
+            <a:off x="13688595" y="10680649"/>
             <a:ext cx="1144480" cy="639015"/>
           </a:xfrm>
           <a:prstGeom prst="rect">
@@ -21988,12 +22045,17 @@
         </p:nvSpPr>
         <p:spPr>
           <a:xfrm>
-            <a:off x="29532407" y="2623375"/>
+            <a:off x="20257790" y="2623375"/>
             <a:ext cx="1144480" cy="639015"/>
           </a:xfrm>
           <a:prstGeom prst="rect">
             <a:avLst/>
           </a:prstGeom>
+          <a:solidFill>
+            <a:schemeClr val="bg2">
+              <a:lumMod val="75000"/>
+            </a:schemeClr>
+          </a:solidFill>
           <a:ln w="28575"/>
         </p:spPr>
         <p:style>
@@ -22037,12 +22099,18 @@
         </p:nvSpPr>
         <p:spPr>
           <a:xfrm>
-            <a:off x="30381600" y="3639599"/>
+            <a:off x="21106983" y="3639599"/>
             <a:ext cx="1144480" cy="639015"/>
           </a:xfrm>
           <a:prstGeom prst="rect">
             <a:avLst/>
           </a:prstGeom>
+          <a:solidFill>
+            <a:schemeClr val="accent1">
+              <a:lumMod val="40000"/>
+              <a:lumOff val="60000"/>
+            </a:schemeClr>
+          </a:solidFill>
           <a:ln w="28575"/>
         </p:spPr>
         <p:style>
@@ -22146,12 +22214,17 @@
         </p:nvSpPr>
         <p:spPr>
           <a:xfrm>
-            <a:off x="28677216" y="3639599"/>
+            <a:off x="19402599" y="3639599"/>
             <a:ext cx="1144480" cy="639015"/>
           </a:xfrm>
           <a:prstGeom prst="rect">
             <a:avLst/>
           </a:prstGeom>
+          <a:solidFill>
+            <a:schemeClr val="bg2">
+              <a:lumMod val="75000"/>
+            </a:schemeClr>
+          </a:solidFill>
           <a:ln w="28575"/>
         </p:spPr>
         <p:style>
@@ -22199,7 +22272,7 @@
         </p:nvCxnSpPr>
         <p:spPr>
           <a:xfrm>
-            <a:off x="30676887" y="1892559"/>
+            <a:off x="21402270" y="1892559"/>
             <a:ext cx="4799188" cy="0"/>
           </a:xfrm>
           <a:prstGeom prst="line">
@@ -22243,9 +22316,9 @@
           <p:nvPr/>
         </p:nvCxnSpPr>
         <p:spPr>
-          <a:xfrm flipV="1">
-            <a:off x="23726773" y="1892559"/>
-            <a:ext cx="5805634" cy="1"/>
+          <a:xfrm>
+            <a:off x="14571016" y="1886258"/>
+            <a:ext cx="5686774" cy="6301"/>
           </a:xfrm>
           <a:prstGeom prst="line">
             <a:avLst/>
@@ -22289,8 +22362,8 @@
         </p:nvCxnSpPr>
         <p:spPr>
           <a:xfrm rot="5400000">
-            <a:off x="26429867" y="-2101729"/>
-            <a:ext cx="399447" cy="6950114"/>
+            <a:off x="17217831" y="-2045450"/>
+            <a:ext cx="393145" cy="6831254"/>
           </a:xfrm>
           <a:prstGeom prst="bentConnector3">
             <a:avLst>
@@ -22334,7 +22407,7 @@
         </p:nvCxnSpPr>
         <p:spPr>
           <a:xfrm rot="16200000" flipH="1">
-            <a:off x="32876758" y="-1598506"/>
+            <a:off x="23602141" y="-1598506"/>
             <a:ext cx="399446" cy="5943668"/>
           </a:xfrm>
           <a:prstGeom prst="bentConnector3">
@@ -22379,7 +22452,7 @@
         </p:nvCxnSpPr>
         <p:spPr>
           <a:xfrm>
-            <a:off x="30104647" y="1173605"/>
+            <a:off x="20830030" y="1173605"/>
             <a:ext cx="0" cy="399446"/>
           </a:xfrm>
           <a:prstGeom prst="straightConnector1">
@@ -22422,7 +22495,7 @@
         </p:nvCxnSpPr>
         <p:spPr>
           <a:xfrm>
-            <a:off x="30104647" y="2212066"/>
+            <a:off x="20830030" y="2212066"/>
             <a:ext cx="0" cy="411309"/>
           </a:xfrm>
           <a:prstGeom prst="straightConnector1">
@@ -22465,7 +22538,7 @@
         </p:nvCxnSpPr>
         <p:spPr>
           <a:xfrm rot="5400000">
-            <a:off x="29488448" y="3023399"/>
+            <a:off x="20213831" y="3023399"/>
             <a:ext cx="377209" cy="855191"/>
           </a:xfrm>
           <a:prstGeom prst="bentConnector3">
@@ -22510,7 +22583,7 @@
         </p:nvCxnSpPr>
         <p:spPr>
           <a:xfrm rot="16200000" flipH="1">
-            <a:off x="30340639" y="3026397"/>
+            <a:off x="21066022" y="3026397"/>
             <a:ext cx="377209" cy="849193"/>
           </a:xfrm>
           <a:prstGeom prst="bentConnector3">
@@ -22555,7 +22628,7 @@
         </p:nvCxnSpPr>
         <p:spPr>
           <a:xfrm>
-            <a:off x="29821696" y="3959107"/>
+            <a:off x="20547079" y="3959107"/>
             <a:ext cx="559904" cy="0"/>
           </a:xfrm>
           <a:prstGeom prst="line">
@@ -22596,12 +22669,17 @@
         </p:nvSpPr>
         <p:spPr>
           <a:xfrm>
-            <a:off x="26966846" y="4727542"/>
+            <a:off x="17692229" y="4727542"/>
             <a:ext cx="1144480" cy="639015"/>
           </a:xfrm>
           <a:prstGeom prst="rect">
             <a:avLst/>
           </a:prstGeom>
+          <a:solidFill>
+            <a:schemeClr val="bg2">
+              <a:lumMod val="75000"/>
+            </a:schemeClr>
+          </a:solidFill>
           <a:ln w="28575"/>
         </p:spPr>
         <p:style>
@@ -22645,7 +22723,7 @@
         </p:nvSpPr>
         <p:spPr>
           <a:xfrm>
-            <a:off x="28677216" y="4741620"/>
+            <a:off x="19402599" y="4741620"/>
             <a:ext cx="1144480" cy="639015"/>
           </a:xfrm>
           <a:prstGeom prst="rect">
@@ -22698,7 +22776,7 @@
         </p:nvSpPr>
         <p:spPr>
           <a:xfrm>
-            <a:off x="25256476" y="4722516"/>
+            <a:off x="15981859" y="4722516"/>
             <a:ext cx="1144480" cy="639015"/>
           </a:xfrm>
           <a:prstGeom prst="rect">
@@ -22751,7 +22829,7 @@
         </p:nvCxnSpPr>
         <p:spPr>
           <a:xfrm rot="5400000">
-            <a:off x="29017953" y="4510117"/>
+            <a:off x="19743336" y="4510117"/>
             <a:ext cx="463006" cy="12700"/>
           </a:xfrm>
           <a:prstGeom prst="bentConnector3">
@@ -22797,7 +22875,7 @@
         </p:nvCxnSpPr>
         <p:spPr>
           <a:xfrm rot="5400000">
-            <a:off x="29870145" y="3657925"/>
+            <a:off x="20595528" y="3657925"/>
             <a:ext cx="463006" cy="1704384"/>
           </a:xfrm>
           <a:prstGeom prst="bentConnector3">
@@ -22839,7 +22917,7 @@
         </p:nvSpPr>
         <p:spPr>
           <a:xfrm>
-            <a:off x="30381599" y="4741622"/>
+            <a:off x="21106982" y="4741622"/>
             <a:ext cx="1144480" cy="639015"/>
           </a:xfrm>
           <a:prstGeom prst="rect">
@@ -22904,7 +22982,7 @@
         </p:nvCxnSpPr>
         <p:spPr>
           <a:xfrm rot="16200000" flipH="1">
-            <a:off x="29870143" y="3657926"/>
+            <a:off x="20595526" y="3657926"/>
             <a:ext cx="463008" cy="1704383"/>
           </a:xfrm>
           <a:prstGeom prst="bentConnector3">
@@ -22950,7 +23028,7 @@
         </p:nvCxnSpPr>
         <p:spPr>
           <a:xfrm flipH="1">
-            <a:off x="30953839" y="4278614"/>
+            <a:off x="21679222" y="4278614"/>
             <a:ext cx="1" cy="463008"/>
           </a:xfrm>
           <a:prstGeom prst="straightConnector1">
@@ -22990,7 +23068,7 @@
         </p:nvSpPr>
         <p:spPr>
           <a:xfrm>
-            <a:off x="29529407" y="5753447"/>
+            <a:off x="20254790" y="5753447"/>
             <a:ext cx="1144480" cy="639015"/>
           </a:xfrm>
           <a:prstGeom prst="rect">
@@ -23039,7 +23117,7 @@
         </p:nvSpPr>
         <p:spPr>
           <a:xfrm>
-            <a:off x="29526488" y="6747431"/>
+            <a:off x="20251871" y="6747431"/>
             <a:ext cx="1144480" cy="639015"/>
           </a:xfrm>
           <a:prstGeom prst="rect">
@@ -23092,7 +23170,7 @@
         </p:nvSpPr>
         <p:spPr>
           <a:xfrm>
-            <a:off x="30381599" y="7703280"/>
+            <a:off x="21106982" y="7703280"/>
             <a:ext cx="1144480" cy="639015"/>
           </a:xfrm>
           <a:prstGeom prst="rect">
@@ -23145,7 +23223,7 @@
         </p:nvSpPr>
         <p:spPr>
           <a:xfrm>
-            <a:off x="28677216" y="7711635"/>
+            <a:off x="19402599" y="7711635"/>
             <a:ext cx="1144480" cy="639015"/>
           </a:xfrm>
           <a:prstGeom prst="rect">
@@ -23194,7 +23272,7 @@
         </p:nvSpPr>
         <p:spPr>
           <a:xfrm>
-            <a:off x="31236858" y="6747431"/>
+            <a:off x="21962241" y="6747431"/>
             <a:ext cx="1144480" cy="639015"/>
           </a:xfrm>
           <a:prstGeom prst="rect">
@@ -23243,7 +23321,7 @@
         </p:nvSpPr>
         <p:spPr>
           <a:xfrm>
-            <a:off x="27820848" y="6747431"/>
+            <a:off x="18546231" y="6747431"/>
             <a:ext cx="1144480" cy="639015"/>
           </a:xfrm>
           <a:prstGeom prst="rect">
@@ -23296,7 +23374,7 @@
         </p:nvCxnSpPr>
         <p:spPr>
           <a:xfrm rot="16200000" flipH="1">
-            <a:off x="28938135" y="4589934"/>
+            <a:off x="19663518" y="4589934"/>
             <a:ext cx="1474833" cy="852191"/>
           </a:xfrm>
           <a:prstGeom prst="bentConnector3">
@@ -23342,7 +23420,7 @@
         </p:nvCxnSpPr>
         <p:spPr>
           <a:xfrm rot="5400000">
-            <a:off x="29790328" y="4589934"/>
+            <a:off x="20515711" y="4589934"/>
             <a:ext cx="1474833" cy="852193"/>
           </a:xfrm>
           <a:prstGeom prst="bentConnector3">
@@ -23388,7 +23466,7 @@
         </p:nvCxnSpPr>
         <p:spPr>
           <a:xfrm rot="5400000">
-            <a:off x="29069884" y="5715667"/>
+            <a:off x="19795267" y="5715667"/>
             <a:ext cx="354969" cy="1708559"/>
           </a:xfrm>
           <a:prstGeom prst="bentConnector3">
@@ -23433,7 +23511,7 @@
         </p:nvCxnSpPr>
         <p:spPr>
           <a:xfrm rot="16200000" flipH="1">
-            <a:off x="30777888" y="5716220"/>
+            <a:off x="21503271" y="5716220"/>
             <a:ext cx="354969" cy="1707451"/>
           </a:xfrm>
           <a:prstGeom prst="bentConnector3">
@@ -23478,7 +23556,7 @@
         </p:nvCxnSpPr>
         <p:spPr>
           <a:xfrm rot="5400000">
-            <a:off x="29015966" y="6625953"/>
+            <a:off x="19741349" y="6625953"/>
             <a:ext cx="1319173" cy="852191"/>
           </a:xfrm>
           <a:prstGeom prst="bentConnector3">
@@ -23523,192 +23601,8 @@
         </p:nvCxnSpPr>
         <p:spPr>
           <a:xfrm flipH="1">
-            <a:off x="30098728" y="6392462"/>
+            <a:off x="20824111" y="6392462"/>
             <a:ext cx="2919" cy="354969"/>
-          </a:xfrm>
-          <a:prstGeom prst="straightConnector1">
-            <a:avLst/>
-          </a:prstGeom>
-          <a:ln w="28575">
-            <a:tailEnd type="arrow"/>
-          </a:ln>
-        </p:spPr>
-        <p:style>
-          <a:lnRef idx="1">
-            <a:schemeClr val="accent1"/>
-          </a:lnRef>
-          <a:fillRef idx="0">
-            <a:schemeClr val="accent1"/>
-          </a:fillRef>
-          <a:effectRef idx="0">
-            <a:schemeClr val="accent1"/>
-          </a:effectRef>
-          <a:fontRef idx="minor">
-            <a:schemeClr val="tx1"/>
-          </a:fontRef>
-        </p:style>
-      </p:cxnSp>
-      <p:sp>
-        <p:nvSpPr>
-          <p:cNvPr id="467" name="Прямоугольник 466">
-            <a:extLst>
-              <a:ext uri="{FF2B5EF4-FFF2-40B4-BE49-F238E27FC236}">
-                <a16:creationId xmlns:a16="http://schemas.microsoft.com/office/drawing/2014/main" id="{84DF6480-CBDF-432D-85A9-D17F405D5B79}"/>
-              </a:ext>
-            </a:extLst>
-          </p:cNvPr>
-          <p:cNvSpPr/>
-          <p:nvPr/>
-        </p:nvSpPr>
-        <p:spPr>
-          <a:xfrm>
-            <a:off x="31240775" y="8663089"/>
-            <a:ext cx="1144480" cy="639015"/>
-          </a:xfrm>
-          <a:prstGeom prst="rect">
-            <a:avLst/>
-          </a:prstGeom>
-          <a:ln w="28575"/>
-        </p:spPr>
-        <p:style>
-          <a:lnRef idx="2">
-            <a:schemeClr val="accent1"/>
-          </a:lnRef>
-          <a:fillRef idx="1">
-            <a:schemeClr val="lt1"/>
-          </a:fillRef>
-          <a:effectRef idx="0">
-            <a:schemeClr val="accent1"/>
-          </a:effectRef>
-          <a:fontRef idx="minor">
-            <a:schemeClr val="dk1"/>
-          </a:fontRef>
-        </p:style>
-        <p:txBody>
-          <a:bodyPr lIns="124733" tIns="62367" rIns="124733" bIns="62367" rtlCol="0" anchor="ctr"/>
-          <a:lstStyle/>
-          <a:p>
-            <a:pPr algn="ctr"/>
-            <a:r>
-              <a:rPr lang="ru-RU" sz="1100" dirty="0"/>
-              <a:t>Объединение Родезии</a:t>
-            </a:r>
-            <a:endParaRPr lang="ru-RU" sz="600" dirty="0"/>
-          </a:p>
-        </p:txBody>
-      </p:sp>
-      <p:cxnSp>
-        <p:nvCxnSpPr>
-          <p:cNvPr id="468" name="Прямая со стрелкой 467">
-            <a:extLst>
-              <a:ext uri="{FF2B5EF4-FFF2-40B4-BE49-F238E27FC236}">
-                <a16:creationId xmlns:a16="http://schemas.microsoft.com/office/drawing/2014/main" id="{2D250C21-BC45-4175-ABE2-02937D8DEEA0}"/>
-              </a:ext>
-            </a:extLst>
-          </p:cNvPr>
-          <p:cNvCxnSpPr>
-            <a:cxnSpLocks/>
-            <a:stCxn id="438" idx="2"/>
-            <a:endCxn id="467" idx="0"/>
-          </p:cNvCxnSpPr>
-          <p:nvPr/>
-        </p:nvCxnSpPr>
-        <p:spPr>
-          <a:xfrm>
-            <a:off x="31809098" y="7386446"/>
-            <a:ext cx="3917" cy="1276643"/>
-          </a:xfrm>
-          <a:prstGeom prst="straightConnector1">
-            <a:avLst/>
-          </a:prstGeom>
-          <a:ln w="28575">
-            <a:tailEnd type="arrow"/>
-          </a:ln>
-        </p:spPr>
-        <p:style>
-          <a:lnRef idx="1">
-            <a:schemeClr val="accent1"/>
-          </a:lnRef>
-          <a:fillRef idx="0">
-            <a:schemeClr val="accent1"/>
-          </a:fillRef>
-          <a:effectRef idx="0">
-            <a:schemeClr val="accent1"/>
-          </a:effectRef>
-          <a:fontRef idx="minor">
-            <a:schemeClr val="tx1"/>
-          </a:fontRef>
-        </p:style>
-      </p:cxnSp>
-      <p:sp>
-        <p:nvSpPr>
-          <p:cNvPr id="472" name="Прямоугольник 471">
-            <a:extLst>
-              <a:ext uri="{FF2B5EF4-FFF2-40B4-BE49-F238E27FC236}">
-                <a16:creationId xmlns:a16="http://schemas.microsoft.com/office/drawing/2014/main" id="{4F307968-3C51-43C7-A8C6-99723B00B58F}"/>
-              </a:ext>
-            </a:extLst>
-          </p:cNvPr>
-          <p:cNvSpPr/>
-          <p:nvPr/>
-        </p:nvSpPr>
-        <p:spPr>
-          <a:xfrm>
-            <a:off x="27820848" y="8665204"/>
-            <a:ext cx="1144480" cy="639015"/>
-          </a:xfrm>
-          <a:prstGeom prst="rect">
-            <a:avLst/>
-          </a:prstGeom>
-          <a:ln w="28575"/>
-        </p:spPr>
-        <p:style>
-          <a:lnRef idx="2">
-            <a:schemeClr val="accent1"/>
-          </a:lnRef>
-          <a:fillRef idx="1">
-            <a:schemeClr val="lt1"/>
-          </a:fillRef>
-          <a:effectRef idx="0">
-            <a:schemeClr val="accent1"/>
-          </a:effectRef>
-          <a:fontRef idx="minor">
-            <a:schemeClr val="dk1"/>
-          </a:fontRef>
-        </p:style>
-        <p:txBody>
-          <a:bodyPr lIns="124733" tIns="62367" rIns="124733" bIns="62367" rtlCol="0" anchor="ctr"/>
-          <a:lstStyle/>
-          <a:p>
-            <a:pPr algn="ctr"/>
-            <a:r>
-              <a:rPr lang="ru-RU" sz="1100" dirty="0"/>
-              <a:t>Интегрировать Намибию</a:t>
-            </a:r>
-            <a:endParaRPr lang="ru-RU" sz="600" dirty="0"/>
-          </a:p>
-        </p:txBody>
-      </p:sp>
-      <p:cxnSp>
-        <p:nvCxnSpPr>
-          <p:cNvPr id="473" name="Прямая со стрелкой 472">
-            <a:extLst>
-              <a:ext uri="{FF2B5EF4-FFF2-40B4-BE49-F238E27FC236}">
-                <a16:creationId xmlns:a16="http://schemas.microsoft.com/office/drawing/2014/main" id="{4929E745-0149-43FC-9EAB-CB215B075AC4}"/>
-              </a:ext>
-            </a:extLst>
-          </p:cNvPr>
-          <p:cNvCxnSpPr>
-            <a:cxnSpLocks/>
-            <a:stCxn id="439" idx="2"/>
-            <a:endCxn id="472" idx="0"/>
-          </p:cNvCxnSpPr>
-          <p:nvPr/>
-        </p:nvCxnSpPr>
-        <p:spPr>
-          <a:xfrm>
-            <a:off x="28393088" y="7386446"/>
-            <a:ext cx="0" cy="1278758"/>
           </a:xfrm>
           <a:prstGeom prst="straightConnector1">
             <a:avLst/>
@@ -23750,7 +23644,7 @@
         </p:nvCxnSpPr>
         <p:spPr>
           <a:xfrm rot="16200000" flipH="1">
-            <a:off x="30367866" y="7117307"/>
+            <a:off x="21093249" y="7117307"/>
             <a:ext cx="316834" cy="855111"/>
           </a:xfrm>
           <a:prstGeom prst="bentConnector3">
@@ -23791,7 +23685,7 @@
         </p:nvSpPr>
         <p:spPr>
           <a:xfrm>
-            <a:off x="29537423" y="8663089"/>
+            <a:off x="20262806" y="8663089"/>
             <a:ext cx="1144480" cy="639015"/>
           </a:xfrm>
           <a:prstGeom prst="rect">
@@ -23844,7 +23738,7 @@
         </p:nvCxnSpPr>
         <p:spPr>
           <a:xfrm rot="5400000">
-            <a:off x="30371354" y="8080604"/>
+            <a:off x="21096737" y="8080604"/>
             <a:ext cx="320794" cy="844176"/>
           </a:xfrm>
           <a:prstGeom prst="bentConnector3">
@@ -23885,12 +23779,18 @@
         </p:nvSpPr>
         <p:spPr>
           <a:xfrm>
-            <a:off x="31236857" y="5750271"/>
+            <a:off x="21962240" y="5750271"/>
             <a:ext cx="1144480" cy="639015"/>
           </a:xfrm>
           <a:prstGeom prst="rect">
             <a:avLst/>
           </a:prstGeom>
+          <a:solidFill>
+            <a:schemeClr val="accent1">
+              <a:lumMod val="40000"/>
+              <a:lumOff val="60000"/>
+            </a:schemeClr>
+          </a:solidFill>
           <a:ln w="28575"/>
         </p:spPr>
         <p:style>
@@ -23938,7 +23838,7 @@
         </p:nvCxnSpPr>
         <p:spPr>
           <a:xfrm rot="16200000" flipH="1">
-            <a:off x="30645640" y="4586813"/>
+            <a:off x="21371023" y="4586813"/>
             <a:ext cx="1471657" cy="855257"/>
           </a:xfrm>
           <a:prstGeom prst="bentConnector3">
@@ -23979,12 +23879,17 @@
         </p:nvSpPr>
         <p:spPr>
           <a:xfrm>
-            <a:off x="27819038" y="5761523"/>
+            <a:off x="18544421" y="5761523"/>
             <a:ext cx="1144480" cy="639015"/>
           </a:xfrm>
           <a:prstGeom prst="rect">
             <a:avLst/>
           </a:prstGeom>
+          <a:solidFill>
+            <a:schemeClr val="bg2">
+              <a:lumMod val="75000"/>
+            </a:schemeClr>
+          </a:solidFill>
           <a:ln w="28575"/>
         </p:spPr>
         <p:style>
@@ -24052,7 +23957,7 @@
         </p:nvCxnSpPr>
         <p:spPr>
           <a:xfrm rot="5400000">
-            <a:off x="28078913" y="4590979"/>
+            <a:off x="18804296" y="4590979"/>
             <a:ext cx="1482909" cy="858178"/>
           </a:xfrm>
           <a:prstGeom prst="bentConnector3">
@@ -24093,12 +23998,18 @@
         </p:nvSpPr>
         <p:spPr>
           <a:xfrm>
-            <a:off x="32097478" y="4747970"/>
+            <a:off x="22822861" y="4747970"/>
             <a:ext cx="1144480" cy="639015"/>
           </a:xfrm>
           <a:prstGeom prst="rect">
             <a:avLst/>
           </a:prstGeom>
+          <a:solidFill>
+            <a:schemeClr val="accent1">
+              <a:lumMod val="40000"/>
+              <a:lumOff val="60000"/>
+            </a:schemeClr>
+          </a:solidFill>
           <a:ln w="28575"/>
         </p:spPr>
         <p:style>
@@ -24146,12 +24057,18 @@
         </p:nvSpPr>
         <p:spPr>
           <a:xfrm>
-            <a:off x="32942054" y="5751825"/>
+            <a:off x="23667437" y="5751825"/>
             <a:ext cx="1144480" cy="639015"/>
           </a:xfrm>
           <a:prstGeom prst="rect">
             <a:avLst/>
           </a:prstGeom>
+          <a:solidFill>
+            <a:schemeClr val="accent1">
+              <a:lumMod val="40000"/>
+              <a:lumOff val="60000"/>
+            </a:schemeClr>
+          </a:solidFill>
           <a:ln w="28575"/>
         </p:spPr>
         <p:style>
@@ -24199,7 +24116,7 @@
         </p:nvCxnSpPr>
         <p:spPr>
           <a:xfrm rot="16200000" flipH="1">
-            <a:off x="31577101" y="3655353"/>
+            <a:off x="22302484" y="3655353"/>
             <a:ext cx="469356" cy="1715878"/>
           </a:xfrm>
           <a:prstGeom prst="bentConnector3">
@@ -24244,7 +24161,7 @@
         </p:nvCxnSpPr>
         <p:spPr>
           <a:xfrm rot="16200000" flipH="1">
-            <a:off x="32909586" y="5147117"/>
+            <a:off x="23634969" y="5147117"/>
             <a:ext cx="364840" cy="844576"/>
           </a:xfrm>
           <a:prstGeom prst="bentConnector3">
@@ -24289,7 +24206,7 @@
         </p:nvCxnSpPr>
         <p:spPr>
           <a:xfrm rot="5400000">
-            <a:off x="28169807" y="3647893"/>
+            <a:off x="18895190" y="3647893"/>
             <a:ext cx="448928" cy="1710370"/>
           </a:xfrm>
           <a:prstGeom prst="bentConnector3">
@@ -24330,12 +24247,18 @@
         </p:nvSpPr>
         <p:spPr>
           <a:xfrm>
-            <a:off x="33802675" y="4747969"/>
+            <a:off x="24528058" y="4747969"/>
             <a:ext cx="1144480" cy="639015"/>
           </a:xfrm>
           <a:prstGeom prst="rect">
             <a:avLst/>
           </a:prstGeom>
+          <a:solidFill>
+            <a:schemeClr val="accent1">
+              <a:lumMod val="60000"/>
+              <a:lumOff val="40000"/>
+            </a:schemeClr>
+          </a:solidFill>
           <a:ln w="28575"/>
         </p:spPr>
         <p:style>
@@ -24383,7 +24306,7 @@
         </p:nvCxnSpPr>
         <p:spPr>
           <a:xfrm rot="16200000" flipH="1">
-            <a:off x="32429700" y="2802753"/>
+            <a:off x="23155083" y="2802753"/>
             <a:ext cx="469355" cy="3421075"/>
           </a:xfrm>
           <a:prstGeom prst="bentConnector3">
@@ -24424,12 +24347,18 @@
         </p:nvSpPr>
         <p:spPr>
           <a:xfrm>
-            <a:off x="33802675" y="6747430"/>
+            <a:off x="24528058" y="6747430"/>
             <a:ext cx="1144480" cy="639015"/>
           </a:xfrm>
           <a:prstGeom prst="rect">
             <a:avLst/>
           </a:prstGeom>
+          <a:solidFill>
+            <a:schemeClr val="accent1">
+              <a:lumMod val="60000"/>
+              <a:lumOff val="40000"/>
+            </a:schemeClr>
+          </a:solidFill>
           <a:ln w="28575"/>
         </p:spPr>
         <p:style>
@@ -24477,7 +24406,7 @@
         </p:nvCxnSpPr>
         <p:spPr>
           <a:xfrm>
-            <a:off x="34374915" y="5386984"/>
+            <a:off x="25100298" y="5386984"/>
             <a:ext cx="0" cy="1360446"/>
           </a:xfrm>
           <a:prstGeom prst="straightConnector1">
@@ -24520,7 +24449,7 @@
         </p:nvCxnSpPr>
         <p:spPr>
           <a:xfrm rot="5400000">
-            <a:off x="27317135" y="2790195"/>
+            <a:off x="18042518" y="2790195"/>
             <a:ext cx="443902" cy="3420740"/>
           </a:xfrm>
           <a:prstGeom prst="bentConnector3">
@@ -24562,12 +24491,18 @@
         </p:nvSpPr>
         <p:spPr>
           <a:xfrm>
-            <a:off x="25256476" y="3639598"/>
+            <a:off x="15981859" y="3639598"/>
             <a:ext cx="1144480" cy="639015"/>
           </a:xfrm>
           <a:prstGeom prst="rect">
             <a:avLst/>
           </a:prstGeom>
+          <a:solidFill>
+            <a:schemeClr val="accent2">
+              <a:lumMod val="40000"/>
+              <a:lumOff val="60000"/>
+            </a:schemeClr>
+          </a:solidFill>
           <a:ln w="28575"/>
         </p:spPr>
         <p:style>
@@ -24596,6 +24531,62 @@
             <a:r>
               <a:rPr lang="ru-RU" sz="1100" dirty="0" err="1"/>
               <a:t>ангофилов</a:t>
+            </a:r>
+            <a:r>
+              <a:rPr lang="ru-RU" sz="1100" dirty="0"/>
+              <a:t> </a:t>
+            </a:r>
+            <a:r>
+              <a:rPr lang="ru-RU" sz="100" dirty="0"/>
+              <a:t>(Хотя он не мог сделать Южную Африку республикой, </a:t>
+            </a:r>
+            <a:r>
+              <a:rPr lang="ru-RU" sz="100" dirty="0" err="1"/>
+              <a:t>Малан</a:t>
+            </a:r>
+            <a:r>
+              <a:rPr lang="ru-RU" sz="100" dirty="0"/>
+              <a:t> мог подготовить страну к этому. За время своего правления с 1948 по 1954 год </a:t>
+            </a:r>
+            <a:r>
+              <a:rPr lang="ru-RU" sz="100" dirty="0" err="1"/>
+              <a:t>Малан</a:t>
+            </a:r>
+            <a:r>
+              <a:rPr lang="ru-RU" sz="100" dirty="0"/>
+              <a:t> предпринял несколько шагов, чтобы разорвать связи с </a:t>
+            </a:r>
+            <a:r>
+              <a:rPr lang="ru-RU" sz="100" dirty="0" err="1"/>
+              <a:t>Великобританией:Закон</a:t>
+            </a:r>
+            <a:r>
+              <a:rPr lang="ru-RU" sz="100" dirty="0"/>
+              <a:t> о гражданстве Южной Африки был принят в 1949 году. Раньше южноафриканцы не были гражданами, а скорее подданными Британской короны, независимо от того, были ли они постоянными жителями или только недавно иммигрировали. Закон 1949 года установил гражданство Южной Африки. Раньше гражданам Великобритании требовалось всего два года проживания в стране, чтобы считаться южноафриканцами; теперь британские иммигранты были такими же, как и любые другие иммигранты: они должны были зарегистрироваться и оставаться в Южной Африке в течение пяти лет, чтобы стать гражданами страны. Считалось, что это может повлиять на республиканский референдум. Закон гарантировал, что британское иммигрантское население не сократит </a:t>
+            </a:r>
+            <a:r>
+              <a:rPr lang="ru-RU" sz="100" dirty="0" err="1"/>
+              <a:t>африканерское</a:t>
+            </a:r>
+            <a:r>
+              <a:rPr lang="ru-RU" sz="100" dirty="0"/>
+              <a:t> большинство. [ необходима цитата ]В 1950 году право на апелляцию в Британский тайный совет в Лондоне было прекращено в соответствии с Законом об апелляциях в Тайном совете . Апелляционное отделение Верховного суда в Блумфонтейне теперь стало высшим судом Южной Африки. [ необходима цитата ]</a:t>
+            </a:r>
+            <a:r>
+              <a:rPr lang="ru-RU" sz="100" dirty="0" err="1"/>
+              <a:t>Малан</a:t>
+            </a:r>
+            <a:r>
+              <a:rPr lang="ru-RU" sz="100" dirty="0"/>
+              <a:t> был ключевым игроком в движении за то, чтобы убрать слово «британский» из «Британского Содружества». Это изменение было воспринято как подтверждение того факта, что все страны-члены являются добровольными и равноправными членами. [ необходима цитата ]В 1951 году </a:t>
+            </a:r>
+            <a:r>
+              <a:rPr lang="ru-RU" sz="100" dirty="0" err="1"/>
+              <a:t>прореспубликанский</a:t>
+            </a:r>
+            <a:r>
+              <a:rPr lang="ru-RU" sz="100" dirty="0"/>
+              <a:t> Эрнест Джордж Янсен был назначен на пост генерал-губернатора Южной Африки . Это поддержало идею лидерства африканеров. [ необходима цитата ]Титул только что коронованной королевы был изменен в 1953 году с «Елизавета II, королева Великобритании, Ирландии и британских доминионов за морями» на «Елизавета II, королева Южной Африки». Это должно было означать, что южноафриканская верхняя палата завещала ей этот титул. [ необходима цитата ])</a:t>
             </a:r>
             <a:endParaRPr lang="ru-RU" sz="600" dirty="0"/>
           </a:p>
@@ -24619,7 +24610,7 @@
         </p:nvCxnSpPr>
         <p:spPr>
           <a:xfrm>
-            <a:off x="25828716" y="4278613"/>
+            <a:off x="16554099" y="4278613"/>
             <a:ext cx="0" cy="443903"/>
           </a:xfrm>
           <a:prstGeom prst="straightConnector1">
@@ -24659,7 +24650,7 @@
         </p:nvSpPr>
         <p:spPr>
           <a:xfrm>
-            <a:off x="26115653" y="5750271"/>
+            <a:off x="16798738" y="6748407"/>
             <a:ext cx="1144480" cy="639015"/>
           </a:xfrm>
           <a:prstGeom prst="rect">
@@ -24716,7 +24707,7 @@
         </p:nvSpPr>
         <p:spPr>
           <a:xfrm>
-            <a:off x="24460734" y="5750271"/>
+            <a:off x="15143819" y="6748407"/>
             <a:ext cx="1144480" cy="639015"/>
           </a:xfrm>
           <a:prstGeom prst="rect">
@@ -24769,7 +24760,7 @@
         </p:nvCxnSpPr>
         <p:spPr>
           <a:xfrm>
-            <a:off x="25605214" y="6069779"/>
+            <a:off x="16288299" y="7067915"/>
             <a:ext cx="510439" cy="0"/>
           </a:xfrm>
           <a:prstGeom prst="line">
@@ -24808,14 +24799,14 @@
           <p:cNvCxnSpPr>
             <a:cxnSpLocks/>
             <a:stCxn id="416" idx="2"/>
-            <a:endCxn id="547" idx="0"/>
+            <a:endCxn id="475" idx="0"/>
           </p:cNvCxnSpPr>
           <p:nvPr/>
         </p:nvCxnSpPr>
         <p:spPr>
           <a:xfrm rot="5400000">
-            <a:off x="25236475" y="5158030"/>
-            <a:ext cx="388740" cy="795742"/>
+            <a:off x="15936589" y="5144011"/>
+            <a:ext cx="399991" cy="835031"/>
           </a:xfrm>
           <a:prstGeom prst="bentConnector3">
             <a:avLst>
@@ -24853,14 +24844,14 @@
           <p:cNvCxnSpPr>
             <a:cxnSpLocks/>
             <a:stCxn id="416" idx="2"/>
-            <a:endCxn id="546" idx="0"/>
+            <a:endCxn id="476" idx="0"/>
           </p:cNvCxnSpPr>
           <p:nvPr/>
         </p:nvCxnSpPr>
         <p:spPr>
           <a:xfrm rot="16200000" flipH="1">
-            <a:off x="26063934" y="5126312"/>
-            <a:ext cx="388740" cy="859177"/>
+            <a:off x="16760064" y="5155565"/>
+            <a:ext cx="399992" cy="811923"/>
           </a:xfrm>
           <a:prstGeom prst="bentConnector3">
             <a:avLst>
@@ -24900,7 +24891,7 @@
         </p:nvSpPr>
         <p:spPr>
           <a:xfrm>
-            <a:off x="25255848" y="6732540"/>
+            <a:off x="15974836" y="7711635"/>
             <a:ext cx="1144480" cy="639015"/>
           </a:xfrm>
           <a:prstGeom prst="rect">
@@ -24953,8 +24944,8 @@
         </p:nvCxnSpPr>
         <p:spPr>
           <a:xfrm rot="5400000">
-            <a:off x="26086364" y="6131011"/>
-            <a:ext cx="343254" cy="859805"/>
+            <a:off x="16796921" y="7137577"/>
+            <a:ext cx="324213" cy="823902"/>
           </a:xfrm>
           <a:prstGeom prst="bentConnector3">
             <a:avLst>
@@ -24999,8 +24990,8 @@
         </p:nvCxnSpPr>
         <p:spPr>
           <a:xfrm rot="16200000" flipH="1">
-            <a:off x="25258904" y="6163356"/>
-            <a:ext cx="343254" cy="795114"/>
+            <a:off x="15969461" y="7134019"/>
+            <a:ext cx="324213" cy="831017"/>
           </a:xfrm>
           <a:prstGeom prst="bentConnector3">
             <a:avLst>
@@ -25041,12 +25032,17 @@
         </p:nvSpPr>
         <p:spPr>
           <a:xfrm>
-            <a:off x="26983217" y="7699994"/>
+            <a:off x="17691607" y="7700038"/>
             <a:ext cx="1144480" cy="639015"/>
           </a:xfrm>
           <a:prstGeom prst="rect">
             <a:avLst/>
           </a:prstGeom>
+          <a:solidFill>
+            <a:schemeClr val="bg2">
+              <a:lumMod val="75000"/>
+            </a:schemeClr>
+          </a:solidFill>
           <a:ln w="28575"/>
         </p:spPr>
         <p:style>
@@ -25093,9 +25089,9 @@
           <p:nvPr/>
         </p:nvCxnSpPr>
         <p:spPr>
-          <a:xfrm>
-            <a:off x="27539086" y="5366557"/>
-            <a:ext cx="16371" cy="2333437"/>
+          <a:xfrm flipH="1">
+            <a:off x="18263847" y="5366557"/>
+            <a:ext cx="622" cy="2333481"/>
           </a:xfrm>
           <a:prstGeom prst="straightConnector1">
             <a:avLst/>
@@ -25131,18 +25127,18 @@
           <p:cNvCxnSpPr>
             <a:cxnSpLocks/>
             <a:stCxn id="374" idx="2"/>
-            <a:endCxn id="541" idx="0"/>
+            <a:endCxn id="461" idx="0"/>
           </p:cNvCxnSpPr>
           <p:nvPr/>
         </p:nvCxnSpPr>
         <p:spPr>
           <a:xfrm rot="16200000" flipH="1">
-            <a:off x="23777859" y="1588740"/>
-            <a:ext cx="1427531" cy="2674183"/>
+            <a:off x="15071929" y="1132612"/>
+            <a:ext cx="404314" cy="2550620"/>
           </a:xfrm>
           <a:prstGeom prst="bentConnector3">
             <a:avLst>
-              <a:gd name="adj1" fmla="val 12635"/>
+              <a:gd name="adj1" fmla="val 50000"/>
             </a:avLst>
           </a:prstGeom>
           <a:ln w="28575">
@@ -25178,12 +25174,18 @@
         </p:nvSpPr>
         <p:spPr>
           <a:xfrm>
-            <a:off x="33797607" y="3639596"/>
+            <a:off x="24522990" y="3639596"/>
             <a:ext cx="1144480" cy="639015"/>
           </a:xfrm>
           <a:prstGeom prst="rect">
             <a:avLst/>
           </a:prstGeom>
+          <a:solidFill>
+            <a:schemeClr val="accent1">
+              <a:lumMod val="60000"/>
+              <a:lumOff val="40000"/>
+            </a:schemeClr>
+          </a:solidFill>
           <a:ln w="28575"/>
         </p:spPr>
         <p:style>
@@ -25231,7 +25233,7 @@
         </p:nvCxnSpPr>
         <p:spPr>
           <a:xfrm rot="5400000">
-            <a:off x="34495316" y="2086597"/>
+            <a:off x="25220699" y="2086597"/>
             <a:ext cx="1427530" cy="1678468"/>
           </a:xfrm>
           <a:prstGeom prst="bentConnector3">
@@ -25272,12 +25274,18 @@
         </p:nvSpPr>
         <p:spPr>
           <a:xfrm>
-            <a:off x="34663359" y="5754776"/>
+            <a:off x="25388742" y="5754776"/>
             <a:ext cx="1144480" cy="639015"/>
           </a:xfrm>
           <a:prstGeom prst="rect">
             <a:avLst/>
           </a:prstGeom>
+          <a:solidFill>
+            <a:schemeClr val="accent1">
+              <a:lumMod val="60000"/>
+              <a:lumOff val="40000"/>
+            </a:schemeClr>
+          </a:solidFill>
           <a:ln w="28575"/>
         </p:spPr>
         <p:style>
@@ -25333,7 +25341,7 @@
         </p:nvCxnSpPr>
         <p:spPr>
           <a:xfrm rot="16200000" flipH="1">
-            <a:off x="34064641" y="4583817"/>
+            <a:off x="24790024" y="4583817"/>
             <a:ext cx="1476165" cy="865752"/>
           </a:xfrm>
           <a:prstGeom prst="bentConnector3">
@@ -25374,12 +25382,18 @@
         </p:nvSpPr>
         <p:spPr>
           <a:xfrm>
-            <a:off x="35475367" y="2648498"/>
+            <a:off x="26200750" y="2648498"/>
             <a:ext cx="1144480" cy="639015"/>
           </a:xfrm>
           <a:prstGeom prst="rect">
             <a:avLst/>
           </a:prstGeom>
+          <a:solidFill>
+            <a:schemeClr val="accent1">
+              <a:lumMod val="60000"/>
+              <a:lumOff val="40000"/>
+            </a:schemeClr>
+          </a:solidFill>
           <a:ln w="28575"/>
         </p:spPr>
         <p:style>
@@ -25427,7 +25441,7 @@
         </p:nvCxnSpPr>
         <p:spPr>
           <a:xfrm>
-            <a:off x="34369847" y="4278611"/>
+            <a:off x="25095230" y="4278611"/>
             <a:ext cx="5068" cy="469358"/>
           </a:xfrm>
           <a:prstGeom prst="straightConnector1">
@@ -25471,7 +25485,7 @@
         </p:nvCxnSpPr>
         <p:spPr>
           <a:xfrm flipH="1">
-            <a:off x="36047607" y="2212066"/>
+            <a:off x="26772990" y="2212066"/>
             <a:ext cx="708" cy="436432"/>
           </a:xfrm>
           <a:prstGeom prst="straightConnector1">
@@ -25510,12 +25524,18 @@
         </p:nvSpPr>
         <p:spPr>
           <a:xfrm>
-            <a:off x="35475367" y="3650985"/>
+            <a:off x="26200750" y="3650985"/>
             <a:ext cx="1144480" cy="639015"/>
           </a:xfrm>
           <a:prstGeom prst="rect">
             <a:avLst/>
           </a:prstGeom>
+          <a:solidFill>
+            <a:schemeClr val="accent1">
+              <a:lumMod val="60000"/>
+              <a:lumOff val="40000"/>
+            </a:schemeClr>
+          </a:solidFill>
           <a:ln w="28575"/>
         </p:spPr>
         <p:style>
@@ -25563,7 +25583,7 @@
         </p:nvCxnSpPr>
         <p:spPr>
           <a:xfrm>
-            <a:off x="36047607" y="3287513"/>
+            <a:off x="26772990" y="3287513"/>
             <a:ext cx="0" cy="363472"/>
           </a:xfrm>
           <a:prstGeom prst="straightConnector1">
@@ -25602,12 +25622,18 @@
         </p:nvSpPr>
         <p:spPr>
           <a:xfrm>
-            <a:off x="36363489" y="4741619"/>
+            <a:off x="27088872" y="4741619"/>
             <a:ext cx="1144480" cy="639015"/>
           </a:xfrm>
           <a:prstGeom prst="rect">
             <a:avLst/>
           </a:prstGeom>
+          <a:solidFill>
+            <a:schemeClr val="accent1">
+              <a:lumMod val="60000"/>
+              <a:lumOff val="40000"/>
+            </a:schemeClr>
+          </a:solidFill>
           <a:ln w="28575"/>
         </p:spPr>
         <p:style>
@@ -25655,7 +25681,7 @@
         </p:nvCxnSpPr>
         <p:spPr>
           <a:xfrm rot="16200000" flipH="1">
-            <a:off x="35764615" y="3570505"/>
+            <a:off x="26489998" y="3570505"/>
             <a:ext cx="1454106" cy="888122"/>
           </a:xfrm>
           <a:prstGeom prst="bentConnector3">
@@ -25700,8 +25726,8 @@
         </p:nvCxnSpPr>
         <p:spPr>
           <a:xfrm flipV="1">
-            <a:off x="18361167" y="854098"/>
-            <a:ext cx="11171240" cy="3024"/>
+            <a:off x="7992604" y="854098"/>
+            <a:ext cx="12265186" cy="3024"/>
           </a:xfrm>
           <a:prstGeom prst="line">
             <a:avLst/>
@@ -25727,26 +25753,546 @@
           </a:fontRef>
         </p:style>
       </p:cxnSp>
+      <p:sp>
+        <p:nvSpPr>
+          <p:cNvPr id="456" name="Прямоугольник 455">
+            <a:extLst>
+              <a:ext uri="{FF2B5EF4-FFF2-40B4-BE49-F238E27FC236}">
+                <a16:creationId xmlns:a16="http://schemas.microsoft.com/office/drawing/2014/main" id="{28A2BF5F-378C-4F84-8146-F8961BF6714F}"/>
+              </a:ext>
+            </a:extLst>
+          </p:cNvPr>
+          <p:cNvSpPr/>
+          <p:nvPr/>
+        </p:nvSpPr>
+        <p:spPr>
+          <a:xfrm>
+            <a:off x="13425264" y="2619379"/>
+            <a:ext cx="1144480" cy="639015"/>
+          </a:xfrm>
+          <a:prstGeom prst="rect">
+            <a:avLst/>
+          </a:prstGeom>
+          <a:solidFill>
+            <a:schemeClr val="accent2">
+              <a:lumMod val="40000"/>
+              <a:lumOff val="60000"/>
+            </a:schemeClr>
+          </a:solidFill>
+          <a:ln w="28575"/>
+        </p:spPr>
+        <p:style>
+          <a:lnRef idx="2">
+            <a:schemeClr val="accent1"/>
+          </a:lnRef>
+          <a:fillRef idx="1">
+            <a:schemeClr val="lt1"/>
+          </a:fillRef>
+          <a:effectRef idx="0">
+            <a:schemeClr val="accent1"/>
+          </a:effectRef>
+          <a:fontRef idx="minor">
+            <a:schemeClr val="dk1"/>
+          </a:fontRef>
+        </p:style>
+        <p:txBody>
+          <a:bodyPr lIns="124733" tIns="62367" rIns="124733" bIns="62367" rtlCol="0" anchor="ctr"/>
+          <a:lstStyle/>
+          <a:p>
+            <a:pPr algn="ctr"/>
+            <a:r>
+              <a:rPr lang="ru-RU" sz="1100" dirty="0"/>
+              <a:t>Начать политику расовой сегрегации </a:t>
+            </a:r>
+            <a:r>
+              <a:rPr lang="ru-RU" sz="200" dirty="0"/>
+              <a:t>(После того, как Южная Африка была осуждена Британским Содружеством за ее политику апартеида, правительство под руководством НП заставило Южную Африку выйти из Содружества, отказаться от своей монархии во главе с британским монархом и стать независимой республикой.)</a:t>
+            </a:r>
+            <a:endParaRPr lang="ru-RU" sz="600" dirty="0"/>
+          </a:p>
+        </p:txBody>
+      </p:sp>
+      <p:sp>
+        <p:nvSpPr>
+          <p:cNvPr id="457" name="Прямоугольник 456">
+            <a:extLst>
+              <a:ext uri="{FF2B5EF4-FFF2-40B4-BE49-F238E27FC236}">
+                <a16:creationId xmlns:a16="http://schemas.microsoft.com/office/drawing/2014/main" id="{1B5DA701-B817-4BA2-834C-C3DE898771E3}"/>
+              </a:ext>
+            </a:extLst>
+          </p:cNvPr>
+          <p:cNvSpPr/>
+          <p:nvPr/>
+        </p:nvSpPr>
+        <p:spPr>
+          <a:xfrm>
+            <a:off x="14281730" y="3639596"/>
+            <a:ext cx="1144480" cy="639015"/>
+          </a:xfrm>
+          <a:prstGeom prst="rect">
+            <a:avLst/>
+          </a:prstGeom>
+          <a:solidFill>
+            <a:schemeClr val="accent2">
+              <a:lumMod val="40000"/>
+              <a:lumOff val="60000"/>
+            </a:schemeClr>
+          </a:solidFill>
+          <a:ln w="28575"/>
+        </p:spPr>
+        <p:style>
+          <a:lnRef idx="2">
+            <a:schemeClr val="accent1"/>
+          </a:lnRef>
+          <a:fillRef idx="1">
+            <a:schemeClr val="lt1"/>
+          </a:fillRef>
+          <a:effectRef idx="0">
+            <a:schemeClr val="accent1"/>
+          </a:effectRef>
+          <a:fontRef idx="minor">
+            <a:schemeClr val="dk1"/>
+          </a:fontRef>
+        </p:style>
+        <p:txBody>
+          <a:bodyPr lIns="124733" tIns="62367" rIns="124733" bIns="62367" rtlCol="0" anchor="ctr"/>
+          <a:lstStyle/>
+          <a:p>
+            <a:pPr algn="ctr"/>
+            <a:r>
+              <a:rPr lang="ru-RU" sz="1100" dirty="0"/>
+              <a:t>Закон о пропусках</a:t>
+            </a:r>
+          </a:p>
+        </p:txBody>
+      </p:sp>
+      <p:sp>
+        <p:nvSpPr>
+          <p:cNvPr id="460" name="Прямоугольник 459">
+            <a:extLst>
+              <a:ext uri="{FF2B5EF4-FFF2-40B4-BE49-F238E27FC236}">
+                <a16:creationId xmlns:a16="http://schemas.microsoft.com/office/drawing/2014/main" id="{0C77A95E-A62C-475E-82E1-7747A7F0A936}"/>
+              </a:ext>
+            </a:extLst>
+          </p:cNvPr>
+          <p:cNvSpPr/>
+          <p:nvPr/>
+        </p:nvSpPr>
+        <p:spPr>
+          <a:xfrm>
+            <a:off x="13419889" y="4722515"/>
+            <a:ext cx="1144480" cy="639015"/>
+          </a:xfrm>
+          <a:prstGeom prst="rect">
+            <a:avLst/>
+          </a:prstGeom>
+          <a:solidFill>
+            <a:schemeClr val="accent2">
+              <a:lumMod val="40000"/>
+              <a:lumOff val="60000"/>
+            </a:schemeClr>
+          </a:solidFill>
+          <a:ln w="28575"/>
+        </p:spPr>
+        <p:style>
+          <a:lnRef idx="2">
+            <a:schemeClr val="accent1"/>
+          </a:lnRef>
+          <a:fillRef idx="1">
+            <a:schemeClr val="lt1"/>
+          </a:fillRef>
+          <a:effectRef idx="0">
+            <a:schemeClr val="accent1"/>
+          </a:effectRef>
+          <a:fontRef idx="minor">
+            <a:schemeClr val="dk1"/>
+          </a:fontRef>
+        </p:style>
+        <p:txBody>
+          <a:bodyPr lIns="124733" tIns="62367" rIns="124733" bIns="62367" rtlCol="0" anchor="ctr"/>
+          <a:lstStyle/>
+          <a:p>
+            <a:pPr algn="ctr"/>
+            <a:r>
+              <a:rPr lang="ru-RU" sz="1100" dirty="0"/>
+              <a:t>Запрет межрасовых связей</a:t>
+            </a:r>
+          </a:p>
+        </p:txBody>
+      </p:sp>
+      <p:sp>
+        <p:nvSpPr>
+          <p:cNvPr id="461" name="Прямоугольник 460">
+            <a:extLst>
+              <a:ext uri="{FF2B5EF4-FFF2-40B4-BE49-F238E27FC236}">
+                <a16:creationId xmlns:a16="http://schemas.microsoft.com/office/drawing/2014/main" id="{15819AD8-8876-43C3-A4E3-D12F0AF558C6}"/>
+              </a:ext>
+            </a:extLst>
+          </p:cNvPr>
+          <p:cNvSpPr/>
+          <p:nvPr/>
+        </p:nvSpPr>
+        <p:spPr>
+          <a:xfrm>
+            <a:off x="15977156" y="2610079"/>
+            <a:ext cx="1144480" cy="639015"/>
+          </a:xfrm>
+          <a:prstGeom prst="rect">
+            <a:avLst/>
+          </a:prstGeom>
+          <a:solidFill>
+            <a:schemeClr val="accent2">
+              <a:lumMod val="40000"/>
+              <a:lumOff val="60000"/>
+            </a:schemeClr>
+          </a:solidFill>
+          <a:ln w="28575"/>
+        </p:spPr>
+        <p:style>
+          <a:lnRef idx="2">
+            <a:schemeClr val="accent1"/>
+          </a:lnRef>
+          <a:fillRef idx="1">
+            <a:schemeClr val="lt1"/>
+          </a:fillRef>
+          <a:effectRef idx="0">
+            <a:schemeClr val="accent1"/>
+          </a:effectRef>
+          <a:fontRef idx="minor">
+            <a:schemeClr val="dk1"/>
+          </a:fontRef>
+        </p:style>
+        <p:txBody>
+          <a:bodyPr lIns="124733" tIns="62367" rIns="124733" bIns="62367" rtlCol="0" anchor="ctr"/>
+          <a:lstStyle/>
+          <a:p>
+            <a:pPr algn="ctr"/>
+            <a:r>
+              <a:rPr lang="ru-RU" sz="1100" dirty="0"/>
+              <a:t>Поддержать </a:t>
+            </a:r>
+            <a:r>
+              <a:rPr lang="ru-RU" sz="1100" dirty="0" err="1"/>
+              <a:t>Оссевабрандваг</a:t>
+            </a:r>
+            <a:endParaRPr lang="ru-RU" sz="600" dirty="0"/>
+          </a:p>
+        </p:txBody>
+      </p:sp>
+      <p:sp>
+        <p:nvSpPr>
+          <p:cNvPr id="463" name="Прямоугольник 462">
+            <a:extLst>
+              <a:ext uri="{FF2B5EF4-FFF2-40B4-BE49-F238E27FC236}">
+                <a16:creationId xmlns:a16="http://schemas.microsoft.com/office/drawing/2014/main" id="{2849860E-1D48-4EA1-8947-ED09D73A7620}"/>
+              </a:ext>
+            </a:extLst>
+          </p:cNvPr>
+          <p:cNvSpPr/>
+          <p:nvPr/>
+        </p:nvSpPr>
+        <p:spPr>
+          <a:xfrm>
+            <a:off x="12571360" y="3636424"/>
+            <a:ext cx="1144480" cy="639015"/>
+          </a:xfrm>
+          <a:prstGeom prst="rect">
+            <a:avLst/>
+          </a:prstGeom>
+          <a:solidFill>
+            <a:schemeClr val="accent2">
+              <a:lumMod val="40000"/>
+              <a:lumOff val="60000"/>
+            </a:schemeClr>
+          </a:solidFill>
+          <a:ln w="28575"/>
+        </p:spPr>
+        <p:style>
+          <a:lnRef idx="2">
+            <a:schemeClr val="accent1"/>
+          </a:lnRef>
+          <a:fillRef idx="1">
+            <a:schemeClr val="lt1"/>
+          </a:fillRef>
+          <a:effectRef idx="0">
+            <a:schemeClr val="accent1"/>
+          </a:effectRef>
+          <a:fontRef idx="minor">
+            <a:schemeClr val="dk1"/>
+          </a:fontRef>
+        </p:style>
+        <p:txBody>
+          <a:bodyPr lIns="124733" tIns="62367" rIns="124733" bIns="62367" rtlCol="0" anchor="ctr"/>
+          <a:lstStyle/>
+          <a:p>
+            <a:pPr algn="ctr"/>
+            <a:r>
+              <a:rPr lang="ru-RU" sz="1100" dirty="0"/>
+              <a:t>Запретить чёрные профсоюзы</a:t>
+            </a:r>
+          </a:p>
+        </p:txBody>
+      </p:sp>
+      <p:sp>
+        <p:nvSpPr>
+          <p:cNvPr id="464" name="Прямоугольник 463">
+            <a:extLst>
+              <a:ext uri="{FF2B5EF4-FFF2-40B4-BE49-F238E27FC236}">
+                <a16:creationId xmlns:a16="http://schemas.microsoft.com/office/drawing/2014/main" id="{004818BC-4001-42DD-B3DE-24E563D64E52}"/>
+              </a:ext>
+            </a:extLst>
+          </p:cNvPr>
+          <p:cNvSpPr/>
+          <p:nvPr/>
+        </p:nvSpPr>
+        <p:spPr>
+          <a:xfrm>
+            <a:off x="13425264" y="5761522"/>
+            <a:ext cx="1144480" cy="639015"/>
+          </a:xfrm>
+          <a:prstGeom prst="rect">
+            <a:avLst/>
+          </a:prstGeom>
+          <a:solidFill>
+            <a:schemeClr val="accent2">
+              <a:lumMod val="40000"/>
+              <a:lumOff val="60000"/>
+            </a:schemeClr>
+          </a:solidFill>
+          <a:ln w="28575"/>
+        </p:spPr>
+        <p:style>
+          <a:lnRef idx="2">
+            <a:schemeClr val="accent1"/>
+          </a:lnRef>
+          <a:fillRef idx="1">
+            <a:schemeClr val="lt1"/>
+          </a:fillRef>
+          <a:effectRef idx="0">
+            <a:schemeClr val="accent1"/>
+          </a:effectRef>
+          <a:fontRef idx="minor">
+            <a:schemeClr val="dk1"/>
+          </a:fontRef>
+        </p:style>
+        <p:txBody>
+          <a:bodyPr lIns="124733" tIns="62367" rIns="124733" bIns="62367" rtlCol="0" anchor="ctr"/>
+          <a:lstStyle/>
+          <a:p>
+            <a:pPr algn="ctr"/>
+            <a:r>
+              <a:rPr lang="ru-RU" sz="1100" dirty="0"/>
+              <a:t>Закон о самоуправлении банту </a:t>
+            </a:r>
+            <a:r>
+              <a:rPr lang="ru-RU" sz="200" dirty="0"/>
+              <a:t>(В 1959 году Закон о самоуправлении банту установил так называемые </a:t>
+            </a:r>
+            <a:r>
+              <a:rPr lang="ru-RU" sz="200" dirty="0" err="1"/>
+              <a:t>хоумленды</a:t>
+            </a:r>
+            <a:r>
+              <a:rPr lang="ru-RU" sz="200" dirty="0"/>
+              <a:t> (иногда уничижительно называемые бантустанами ) для десяти различных черных племен. Конечной целью НП было переселить всех черных южноафриканцев в один из этих </a:t>
+            </a:r>
+            <a:r>
+              <a:rPr lang="ru-RU" sz="200" dirty="0" err="1"/>
+              <a:t>хоумлендов</a:t>
+            </a:r>
+            <a:r>
+              <a:rPr lang="ru-RU" sz="200" dirty="0"/>
+              <a:t> (хотя они могли продолжать работать в Южной Африке в качестве «гастарбайтеров»), оставив то, что осталось от Южной Африки (около 87 процентов площади земель) с тем, что тогда было бы белым большинством, по крайней мере на бумаге. Поскольку правительство апартеида рассматривало </a:t>
+            </a:r>
+            <a:r>
+              <a:rPr lang="ru-RU" sz="200" dirty="0" err="1"/>
+              <a:t>хоумленды</a:t>
+            </a:r>
+            <a:r>
+              <a:rPr lang="ru-RU" sz="200" dirty="0"/>
+              <a:t> как эмбриональные независимые государства, все черные южноафриканцы были зарегистрированы как граждане </a:t>
+            </a:r>
+            <a:r>
+              <a:rPr lang="ru-RU" sz="200" dirty="0" err="1"/>
+              <a:t>хоумлендов</a:t>
+            </a:r>
+            <a:r>
+              <a:rPr lang="ru-RU" sz="200" dirty="0"/>
+              <a:t>, а не страны в целом, и должны были осуществлять свои политические права только в </a:t>
+            </a:r>
+            <a:r>
+              <a:rPr lang="ru-RU" sz="200" dirty="0" err="1"/>
+              <a:t>хоумлендах</a:t>
+            </a:r>
+            <a:r>
+              <a:rPr lang="ru-RU" sz="200" dirty="0"/>
+              <a:t>.)</a:t>
+            </a:r>
+            <a:endParaRPr lang="ru-RU" sz="1100" dirty="0"/>
+          </a:p>
+        </p:txBody>
+      </p:sp>
       <p:cxnSp>
         <p:nvCxnSpPr>
-          <p:cNvPr id="617" name="Прямая соединительная линия 616">
-            <a:extLst>
-              <a:ext uri="{FF2B5EF4-FFF2-40B4-BE49-F238E27FC236}">
-                <a16:creationId xmlns:a16="http://schemas.microsoft.com/office/drawing/2014/main" id="{7F9194AD-C2BD-474F-885A-15EC86076E75}"/>
+          <p:cNvPr id="465" name="Прямая со стрелкой 464">
+            <a:extLst>
+              <a:ext uri="{FF2B5EF4-FFF2-40B4-BE49-F238E27FC236}">
+                <a16:creationId xmlns:a16="http://schemas.microsoft.com/office/drawing/2014/main" id="{F11CC0B7-C6D7-4A47-8E2C-45AFEEF2C44F}"/>
               </a:ext>
             </a:extLst>
           </p:cNvPr>
           <p:cNvCxnSpPr>
             <a:cxnSpLocks/>
-            <a:stCxn id="379" idx="3"/>
-            <a:endCxn id="1478" idx="1"/>
+            <a:stCxn id="461" idx="2"/>
+            <a:endCxn id="541" idx="0"/>
           </p:cNvCxnSpPr>
           <p:nvPr/>
         </p:nvCxnSpPr>
         <p:spPr>
           <a:xfrm>
-            <a:off x="8767704" y="856126"/>
-            <a:ext cx="8437339" cy="996"/>
+            <a:off x="16549396" y="3249094"/>
+            <a:ext cx="4703" cy="390504"/>
+          </a:xfrm>
+          <a:prstGeom prst="straightConnector1">
+            <a:avLst/>
+          </a:prstGeom>
+          <a:ln w="28575">
+            <a:tailEnd type="arrow"/>
+          </a:ln>
+        </p:spPr>
+        <p:style>
+          <a:lnRef idx="1">
+            <a:schemeClr val="accent1"/>
+          </a:lnRef>
+          <a:fillRef idx="0">
+            <a:schemeClr val="accent1"/>
+          </a:fillRef>
+          <a:effectRef idx="0">
+            <a:schemeClr val="accent1"/>
+          </a:effectRef>
+          <a:fontRef idx="minor">
+            <a:schemeClr val="tx1"/>
+          </a:fontRef>
+        </p:style>
+      </p:cxnSp>
+      <p:sp>
+        <p:nvSpPr>
+          <p:cNvPr id="475" name="Прямоугольник 474">
+            <a:extLst>
+              <a:ext uri="{FF2B5EF4-FFF2-40B4-BE49-F238E27FC236}">
+                <a16:creationId xmlns:a16="http://schemas.microsoft.com/office/drawing/2014/main" id="{EA4BB7EB-7592-47EF-AC8C-1DB8DE02443B}"/>
+              </a:ext>
+            </a:extLst>
+          </p:cNvPr>
+          <p:cNvSpPr/>
+          <p:nvPr/>
+        </p:nvSpPr>
+        <p:spPr>
+          <a:xfrm>
+            <a:off x="15146828" y="5761522"/>
+            <a:ext cx="1144480" cy="639015"/>
+          </a:xfrm>
+          <a:prstGeom prst="rect">
+            <a:avLst/>
+          </a:prstGeom>
+          <a:ln w="28575"/>
+        </p:spPr>
+        <p:style>
+          <a:lnRef idx="2">
+            <a:schemeClr val="accent1"/>
+          </a:lnRef>
+          <a:fillRef idx="1">
+            <a:schemeClr val="lt1"/>
+          </a:fillRef>
+          <a:effectRef idx="0">
+            <a:schemeClr val="accent1"/>
+          </a:effectRef>
+          <a:fontRef idx="minor">
+            <a:schemeClr val="dk1"/>
+          </a:fontRef>
+        </p:style>
+        <p:txBody>
+          <a:bodyPr lIns="124733" tIns="62367" rIns="124733" bIns="62367" rtlCol="0" anchor="ctr"/>
+          <a:lstStyle/>
+          <a:p>
+            <a:pPr algn="ctr"/>
+            <a:r>
+              <a:rPr lang="ru-RU" sz="1100" dirty="0"/>
+              <a:t>Пригласить нового монарха</a:t>
+            </a:r>
+            <a:endParaRPr lang="ru-RU" sz="600" dirty="0"/>
+          </a:p>
+        </p:txBody>
+      </p:sp>
+      <p:sp>
+        <p:nvSpPr>
+          <p:cNvPr id="476" name="Прямоугольник 475">
+            <a:extLst>
+              <a:ext uri="{FF2B5EF4-FFF2-40B4-BE49-F238E27FC236}">
+                <a16:creationId xmlns:a16="http://schemas.microsoft.com/office/drawing/2014/main" id="{EA057CC5-CBC0-4454-A91C-F5D916191492}"/>
+              </a:ext>
+            </a:extLst>
+          </p:cNvPr>
+          <p:cNvSpPr/>
+          <p:nvPr/>
+        </p:nvSpPr>
+        <p:spPr>
+          <a:xfrm>
+            <a:off x="16793782" y="5761523"/>
+            <a:ext cx="1144480" cy="639015"/>
+          </a:xfrm>
+          <a:prstGeom prst="rect">
+            <a:avLst/>
+          </a:prstGeom>
+          <a:ln w="28575"/>
+        </p:spPr>
+        <p:style>
+          <a:lnRef idx="2">
+            <a:schemeClr val="accent1"/>
+          </a:lnRef>
+          <a:fillRef idx="1">
+            <a:schemeClr val="lt1"/>
+          </a:fillRef>
+          <a:effectRef idx="0">
+            <a:schemeClr val="accent1"/>
+          </a:effectRef>
+          <a:fontRef idx="minor">
+            <a:schemeClr val="dk1"/>
+          </a:fontRef>
+        </p:style>
+        <p:txBody>
+          <a:bodyPr lIns="124733" tIns="62367" rIns="124733" bIns="62367" rtlCol="0" anchor="ctr"/>
+          <a:lstStyle/>
+          <a:p>
+            <a:pPr algn="ctr"/>
+            <a:r>
+              <a:rPr lang="ru-RU" sz="1100" dirty="0"/>
+              <a:t>Референдум о Республике</a:t>
+            </a:r>
+            <a:endParaRPr lang="ru-RU" sz="600" dirty="0"/>
+          </a:p>
+        </p:txBody>
+      </p:sp>
+      <p:cxnSp>
+        <p:nvCxnSpPr>
+          <p:cNvPr id="479" name="Прямая соединительная линия 478">
+            <a:extLst>
+              <a:ext uri="{FF2B5EF4-FFF2-40B4-BE49-F238E27FC236}">
+                <a16:creationId xmlns:a16="http://schemas.microsoft.com/office/drawing/2014/main" id="{F7E28F68-47E4-4628-99D2-85B6052C5331}"/>
+              </a:ext>
+            </a:extLst>
+          </p:cNvPr>
+          <p:cNvCxnSpPr>
+            <a:cxnSpLocks/>
+            <a:stCxn id="475" idx="3"/>
+            <a:endCxn id="476" idx="1"/>
+          </p:cNvCxnSpPr>
+          <p:nvPr/>
+        </p:nvCxnSpPr>
+        <p:spPr>
+          <a:xfrm>
+            <a:off x="16291308" y="6081030"/>
+            <a:ext cx="502474" cy="1"/>
           </a:xfrm>
           <a:prstGeom prst="line">
             <a:avLst/>
@@ -25766,6 +26312,2345 @@
           </a:fillRef>
           <a:effectRef idx="0">
             <a:schemeClr val="accent2"/>
+          </a:effectRef>
+          <a:fontRef idx="minor">
+            <a:schemeClr val="tx1"/>
+          </a:fontRef>
+        </p:style>
+      </p:cxnSp>
+      <p:cxnSp>
+        <p:nvCxnSpPr>
+          <p:cNvPr id="483" name="Shape 248">
+            <a:extLst>
+              <a:ext uri="{FF2B5EF4-FFF2-40B4-BE49-F238E27FC236}">
+                <a16:creationId xmlns:a16="http://schemas.microsoft.com/office/drawing/2014/main" id="{8FBF95FA-782B-44E5-8A5B-535BAD20D56C}"/>
+              </a:ext>
+            </a:extLst>
+          </p:cNvPr>
+          <p:cNvCxnSpPr>
+            <a:cxnSpLocks/>
+            <a:stCxn id="475" idx="2"/>
+            <a:endCxn id="546" idx="0"/>
+          </p:cNvCxnSpPr>
+          <p:nvPr/>
+        </p:nvCxnSpPr>
+        <p:spPr>
+          <a:xfrm rot="16200000" flipH="1">
+            <a:off x="16371088" y="5748517"/>
+            <a:ext cx="347870" cy="1651910"/>
+          </a:xfrm>
+          <a:prstGeom prst="bentConnector3">
+            <a:avLst>
+              <a:gd name="adj1" fmla="val 50000"/>
+            </a:avLst>
+          </a:prstGeom>
+          <a:ln w="28575">
+            <a:prstDash val="dash"/>
+            <a:tailEnd type="arrow"/>
+          </a:ln>
+        </p:spPr>
+        <p:style>
+          <a:lnRef idx="1">
+            <a:schemeClr val="accent1"/>
+          </a:lnRef>
+          <a:fillRef idx="0">
+            <a:schemeClr val="accent1"/>
+          </a:fillRef>
+          <a:effectRef idx="0">
+            <a:schemeClr val="accent1"/>
+          </a:effectRef>
+          <a:fontRef idx="minor">
+            <a:schemeClr val="tx1"/>
+          </a:fontRef>
+        </p:style>
+      </p:cxnSp>
+      <p:cxnSp>
+        <p:nvCxnSpPr>
+          <p:cNvPr id="485" name="Shape 248">
+            <a:extLst>
+              <a:ext uri="{FF2B5EF4-FFF2-40B4-BE49-F238E27FC236}">
+                <a16:creationId xmlns:a16="http://schemas.microsoft.com/office/drawing/2014/main" id="{DF3711AB-6295-410A-9A2A-94423B778B58}"/>
+              </a:ext>
+            </a:extLst>
+          </p:cNvPr>
+          <p:cNvCxnSpPr>
+            <a:cxnSpLocks/>
+            <a:stCxn id="476" idx="2"/>
+            <a:endCxn id="547" idx="0"/>
+          </p:cNvCxnSpPr>
+          <p:nvPr/>
+        </p:nvCxnSpPr>
+        <p:spPr>
+          <a:xfrm rot="5400000">
+            <a:off x="16367107" y="5749491"/>
+            <a:ext cx="347869" cy="1649963"/>
+          </a:xfrm>
+          <a:prstGeom prst="bentConnector3">
+            <a:avLst>
+              <a:gd name="adj1" fmla="val 50000"/>
+            </a:avLst>
+          </a:prstGeom>
+          <a:ln w="28575">
+            <a:prstDash val="dash"/>
+            <a:tailEnd type="arrow"/>
+          </a:ln>
+        </p:spPr>
+        <p:style>
+          <a:lnRef idx="1">
+            <a:schemeClr val="accent1"/>
+          </a:lnRef>
+          <a:fillRef idx="0">
+            <a:schemeClr val="accent1"/>
+          </a:fillRef>
+          <a:effectRef idx="0">
+            <a:schemeClr val="accent1"/>
+          </a:effectRef>
+          <a:fontRef idx="minor">
+            <a:schemeClr val="tx1"/>
+          </a:fontRef>
+        </p:style>
+      </p:cxnSp>
+      <p:cxnSp>
+        <p:nvCxnSpPr>
+          <p:cNvPr id="488" name="Прямая со стрелкой 487">
+            <a:extLst>
+              <a:ext uri="{FF2B5EF4-FFF2-40B4-BE49-F238E27FC236}">
+                <a16:creationId xmlns:a16="http://schemas.microsoft.com/office/drawing/2014/main" id="{A58FD799-D13A-45C5-B00A-AD633F89DE28}"/>
+              </a:ext>
+            </a:extLst>
+          </p:cNvPr>
+          <p:cNvCxnSpPr>
+            <a:cxnSpLocks/>
+            <a:stCxn id="475" idx="2"/>
+            <a:endCxn id="547" idx="0"/>
+          </p:cNvCxnSpPr>
+          <p:nvPr/>
+        </p:nvCxnSpPr>
+        <p:spPr>
+          <a:xfrm flipH="1">
+            <a:off x="15716059" y="6400537"/>
+            <a:ext cx="3009" cy="347870"/>
+          </a:xfrm>
+          <a:prstGeom prst="straightConnector1">
+            <a:avLst/>
+          </a:prstGeom>
+          <a:ln w="28575">
+            <a:prstDash val="dash"/>
+            <a:tailEnd type="arrow"/>
+          </a:ln>
+        </p:spPr>
+        <p:style>
+          <a:lnRef idx="1">
+            <a:schemeClr val="accent1"/>
+          </a:lnRef>
+          <a:fillRef idx="0">
+            <a:schemeClr val="accent1"/>
+          </a:fillRef>
+          <a:effectRef idx="0">
+            <a:schemeClr val="accent1"/>
+          </a:effectRef>
+          <a:fontRef idx="minor">
+            <a:schemeClr val="tx1"/>
+          </a:fontRef>
+        </p:style>
+      </p:cxnSp>
+      <p:cxnSp>
+        <p:nvCxnSpPr>
+          <p:cNvPr id="491" name="Прямая со стрелкой 490">
+            <a:extLst>
+              <a:ext uri="{FF2B5EF4-FFF2-40B4-BE49-F238E27FC236}">
+                <a16:creationId xmlns:a16="http://schemas.microsoft.com/office/drawing/2014/main" id="{EBA5CF81-C209-4598-A828-02270094403C}"/>
+              </a:ext>
+            </a:extLst>
+          </p:cNvPr>
+          <p:cNvCxnSpPr>
+            <a:cxnSpLocks/>
+            <a:stCxn id="476" idx="2"/>
+            <a:endCxn id="546" idx="0"/>
+          </p:cNvCxnSpPr>
+          <p:nvPr/>
+        </p:nvCxnSpPr>
+        <p:spPr>
+          <a:xfrm>
+            <a:off x="17366022" y="6400538"/>
+            <a:ext cx="4956" cy="347869"/>
+          </a:xfrm>
+          <a:prstGeom prst="straightConnector1">
+            <a:avLst/>
+          </a:prstGeom>
+          <a:ln w="28575">
+            <a:prstDash val="dash"/>
+            <a:tailEnd type="arrow"/>
+          </a:ln>
+        </p:spPr>
+        <p:style>
+          <a:lnRef idx="1">
+            <a:schemeClr val="accent1"/>
+          </a:lnRef>
+          <a:fillRef idx="0">
+            <a:schemeClr val="accent1"/>
+          </a:fillRef>
+          <a:effectRef idx="0">
+            <a:schemeClr val="accent1"/>
+          </a:effectRef>
+          <a:fontRef idx="minor">
+            <a:schemeClr val="tx1"/>
+          </a:fontRef>
+        </p:style>
+      </p:cxnSp>
+      <p:cxnSp>
+        <p:nvCxnSpPr>
+          <p:cNvPr id="497" name="Прямая со стрелкой 496">
+            <a:extLst>
+              <a:ext uri="{FF2B5EF4-FFF2-40B4-BE49-F238E27FC236}">
+                <a16:creationId xmlns:a16="http://schemas.microsoft.com/office/drawing/2014/main" id="{34F15633-B4F3-48F0-AC05-468962251F5B}"/>
+              </a:ext>
+            </a:extLst>
+          </p:cNvPr>
+          <p:cNvCxnSpPr>
+            <a:cxnSpLocks/>
+            <a:stCxn id="374" idx="2"/>
+            <a:endCxn id="456" idx="0"/>
+          </p:cNvCxnSpPr>
+          <p:nvPr/>
+        </p:nvCxnSpPr>
+        <p:spPr>
+          <a:xfrm flipH="1">
+            <a:off x="13997504" y="2205765"/>
+            <a:ext cx="1272" cy="413614"/>
+          </a:xfrm>
+          <a:prstGeom prst="straightConnector1">
+            <a:avLst/>
+          </a:prstGeom>
+          <a:ln w="28575">
+            <a:tailEnd type="arrow"/>
+          </a:ln>
+        </p:spPr>
+        <p:style>
+          <a:lnRef idx="1">
+            <a:schemeClr val="accent1"/>
+          </a:lnRef>
+          <a:fillRef idx="0">
+            <a:schemeClr val="accent1"/>
+          </a:fillRef>
+          <a:effectRef idx="0">
+            <a:schemeClr val="accent1"/>
+          </a:effectRef>
+          <a:fontRef idx="minor">
+            <a:schemeClr val="tx1"/>
+          </a:fontRef>
+        </p:style>
+      </p:cxnSp>
+      <p:cxnSp>
+        <p:nvCxnSpPr>
+          <p:cNvPr id="503" name="Shape 248">
+            <a:extLst>
+              <a:ext uri="{FF2B5EF4-FFF2-40B4-BE49-F238E27FC236}">
+                <a16:creationId xmlns:a16="http://schemas.microsoft.com/office/drawing/2014/main" id="{8C72DC34-36C6-46A5-ABF6-9F61AF0FD429}"/>
+              </a:ext>
+            </a:extLst>
+          </p:cNvPr>
+          <p:cNvCxnSpPr>
+            <a:cxnSpLocks/>
+            <a:stCxn id="456" idx="2"/>
+            <a:endCxn id="457" idx="0"/>
+          </p:cNvCxnSpPr>
+          <p:nvPr/>
+        </p:nvCxnSpPr>
+        <p:spPr>
+          <a:xfrm rot="16200000" flipH="1">
+            <a:off x="14235136" y="3020762"/>
+            <a:ext cx="381202" cy="856466"/>
+          </a:xfrm>
+          <a:prstGeom prst="bentConnector3">
+            <a:avLst>
+              <a:gd name="adj1" fmla="val 50000"/>
+            </a:avLst>
+          </a:prstGeom>
+          <a:ln w="28575">
+            <a:tailEnd type="arrow"/>
+          </a:ln>
+        </p:spPr>
+        <p:style>
+          <a:lnRef idx="1">
+            <a:schemeClr val="accent1"/>
+          </a:lnRef>
+          <a:fillRef idx="0">
+            <a:schemeClr val="accent1"/>
+          </a:fillRef>
+          <a:effectRef idx="0">
+            <a:schemeClr val="accent1"/>
+          </a:effectRef>
+          <a:fontRef idx="minor">
+            <a:schemeClr val="tx1"/>
+          </a:fontRef>
+        </p:style>
+      </p:cxnSp>
+      <p:cxnSp>
+        <p:nvCxnSpPr>
+          <p:cNvPr id="504" name="Shape 248">
+            <a:extLst>
+              <a:ext uri="{FF2B5EF4-FFF2-40B4-BE49-F238E27FC236}">
+                <a16:creationId xmlns:a16="http://schemas.microsoft.com/office/drawing/2014/main" id="{A121FFAE-0470-41CC-9114-DD7AC13812F1}"/>
+              </a:ext>
+            </a:extLst>
+          </p:cNvPr>
+          <p:cNvCxnSpPr>
+            <a:cxnSpLocks/>
+            <a:stCxn id="456" idx="2"/>
+            <a:endCxn id="463" idx="0"/>
+          </p:cNvCxnSpPr>
+          <p:nvPr/>
+        </p:nvCxnSpPr>
+        <p:spPr>
+          <a:xfrm rot="5400000">
+            <a:off x="13381537" y="3020457"/>
+            <a:ext cx="378030" cy="853904"/>
+          </a:xfrm>
+          <a:prstGeom prst="bentConnector3">
+            <a:avLst>
+              <a:gd name="adj1" fmla="val 50000"/>
+            </a:avLst>
+          </a:prstGeom>
+          <a:ln w="28575">
+            <a:tailEnd type="arrow"/>
+          </a:ln>
+        </p:spPr>
+        <p:style>
+          <a:lnRef idx="1">
+            <a:schemeClr val="accent1"/>
+          </a:lnRef>
+          <a:fillRef idx="0">
+            <a:schemeClr val="accent1"/>
+          </a:fillRef>
+          <a:effectRef idx="0">
+            <a:schemeClr val="accent1"/>
+          </a:effectRef>
+          <a:fontRef idx="minor">
+            <a:schemeClr val="tx1"/>
+          </a:fontRef>
+        </p:style>
+      </p:cxnSp>
+      <p:cxnSp>
+        <p:nvCxnSpPr>
+          <p:cNvPr id="507" name="Shape 248">
+            <a:extLst>
+              <a:ext uri="{FF2B5EF4-FFF2-40B4-BE49-F238E27FC236}">
+                <a16:creationId xmlns:a16="http://schemas.microsoft.com/office/drawing/2014/main" id="{F3D78281-0A14-44AC-A4E1-4D79BAECC030}"/>
+              </a:ext>
+            </a:extLst>
+          </p:cNvPr>
+          <p:cNvCxnSpPr>
+            <a:cxnSpLocks/>
+            <a:stCxn id="457" idx="2"/>
+            <a:endCxn id="460" idx="0"/>
+          </p:cNvCxnSpPr>
+          <p:nvPr/>
+        </p:nvCxnSpPr>
+        <p:spPr>
+          <a:xfrm rot="5400000">
+            <a:off x="14201098" y="4069643"/>
+            <a:ext cx="443904" cy="861841"/>
+          </a:xfrm>
+          <a:prstGeom prst="bentConnector3">
+            <a:avLst>
+              <a:gd name="adj1" fmla="val 50000"/>
+            </a:avLst>
+          </a:prstGeom>
+          <a:ln w="28575">
+            <a:tailEnd type="arrow"/>
+          </a:ln>
+        </p:spPr>
+        <p:style>
+          <a:lnRef idx="1">
+            <a:schemeClr val="accent1"/>
+          </a:lnRef>
+          <a:fillRef idx="0">
+            <a:schemeClr val="accent1"/>
+          </a:fillRef>
+          <a:effectRef idx="0">
+            <a:schemeClr val="accent1"/>
+          </a:effectRef>
+          <a:fontRef idx="minor">
+            <a:schemeClr val="tx1"/>
+          </a:fontRef>
+        </p:style>
+      </p:cxnSp>
+      <p:cxnSp>
+        <p:nvCxnSpPr>
+          <p:cNvPr id="510" name="Shape 248">
+            <a:extLst>
+              <a:ext uri="{FF2B5EF4-FFF2-40B4-BE49-F238E27FC236}">
+                <a16:creationId xmlns:a16="http://schemas.microsoft.com/office/drawing/2014/main" id="{8902BB0C-400B-4FF7-AE56-388E9650C661}"/>
+              </a:ext>
+            </a:extLst>
+          </p:cNvPr>
+          <p:cNvCxnSpPr>
+            <a:cxnSpLocks/>
+            <a:stCxn id="463" idx="2"/>
+            <a:endCxn id="460" idx="0"/>
+          </p:cNvCxnSpPr>
+          <p:nvPr/>
+        </p:nvCxnSpPr>
+        <p:spPr>
+          <a:xfrm rot="16200000" flipH="1">
+            <a:off x="13344326" y="4074712"/>
+            <a:ext cx="447076" cy="848529"/>
+          </a:xfrm>
+          <a:prstGeom prst="bentConnector3">
+            <a:avLst>
+              <a:gd name="adj1" fmla="val 50000"/>
+            </a:avLst>
+          </a:prstGeom>
+          <a:ln w="28575">
+            <a:tailEnd type="arrow"/>
+          </a:ln>
+        </p:spPr>
+        <p:style>
+          <a:lnRef idx="1">
+            <a:schemeClr val="accent1"/>
+          </a:lnRef>
+          <a:fillRef idx="0">
+            <a:schemeClr val="accent1"/>
+          </a:fillRef>
+          <a:effectRef idx="0">
+            <a:schemeClr val="accent1"/>
+          </a:effectRef>
+          <a:fontRef idx="minor">
+            <a:schemeClr val="tx1"/>
+          </a:fontRef>
+        </p:style>
+      </p:cxnSp>
+      <p:cxnSp>
+        <p:nvCxnSpPr>
+          <p:cNvPr id="513" name="Прямая со стрелкой 512">
+            <a:extLst>
+              <a:ext uri="{FF2B5EF4-FFF2-40B4-BE49-F238E27FC236}">
+                <a16:creationId xmlns:a16="http://schemas.microsoft.com/office/drawing/2014/main" id="{D1FF4524-D26F-40A9-B597-987EF3CD21A8}"/>
+              </a:ext>
+            </a:extLst>
+          </p:cNvPr>
+          <p:cNvCxnSpPr>
+            <a:cxnSpLocks/>
+            <a:stCxn id="460" idx="2"/>
+            <a:endCxn id="464" idx="0"/>
+          </p:cNvCxnSpPr>
+          <p:nvPr/>
+        </p:nvCxnSpPr>
+        <p:spPr>
+          <a:xfrm>
+            <a:off x="13992129" y="5361530"/>
+            <a:ext cx="5375" cy="399992"/>
+          </a:xfrm>
+          <a:prstGeom prst="straightConnector1">
+            <a:avLst/>
+          </a:prstGeom>
+          <a:ln w="28575">
+            <a:tailEnd type="arrow"/>
+          </a:ln>
+        </p:spPr>
+        <p:style>
+          <a:lnRef idx="1">
+            <a:schemeClr val="accent1"/>
+          </a:lnRef>
+          <a:fillRef idx="0">
+            <a:schemeClr val="accent1"/>
+          </a:fillRef>
+          <a:effectRef idx="0">
+            <a:schemeClr val="accent1"/>
+          </a:effectRef>
+          <a:fontRef idx="minor">
+            <a:schemeClr val="tx1"/>
+          </a:fontRef>
+        </p:style>
+      </p:cxnSp>
+      <p:sp>
+        <p:nvSpPr>
+          <p:cNvPr id="517" name="Прямоугольник 516">
+            <a:extLst>
+              <a:ext uri="{FF2B5EF4-FFF2-40B4-BE49-F238E27FC236}">
+                <a16:creationId xmlns:a16="http://schemas.microsoft.com/office/drawing/2014/main" id="{3667B001-3F09-4A47-B59C-8D2E3E46347E}"/>
+              </a:ext>
+            </a:extLst>
+          </p:cNvPr>
+          <p:cNvSpPr/>
+          <p:nvPr/>
+        </p:nvSpPr>
+        <p:spPr>
+          <a:xfrm>
+            <a:off x="27089452" y="5761521"/>
+            <a:ext cx="1144480" cy="639015"/>
+          </a:xfrm>
+          <a:prstGeom prst="rect">
+            <a:avLst/>
+          </a:prstGeom>
+          <a:solidFill>
+            <a:schemeClr val="accent1">
+              <a:lumMod val="60000"/>
+              <a:lumOff val="40000"/>
+            </a:schemeClr>
+          </a:solidFill>
+          <a:ln w="28575"/>
+        </p:spPr>
+        <p:style>
+          <a:lnRef idx="2">
+            <a:schemeClr val="accent1"/>
+          </a:lnRef>
+          <a:fillRef idx="1">
+            <a:schemeClr val="lt1"/>
+          </a:fillRef>
+          <a:effectRef idx="0">
+            <a:schemeClr val="accent1"/>
+          </a:effectRef>
+          <a:fontRef idx="minor">
+            <a:schemeClr val="dk1"/>
+          </a:fontRef>
+        </p:style>
+        <p:txBody>
+          <a:bodyPr lIns="124733" tIns="62367" rIns="124733" bIns="62367" rtlCol="0" anchor="ctr"/>
+          <a:lstStyle/>
+          <a:p>
+            <a:pPr algn="ctr"/>
+            <a:r>
+              <a:rPr lang="ru-RU" sz="1100" dirty="0"/>
+              <a:t>Защита интересов в Африке </a:t>
+            </a:r>
+            <a:r>
+              <a:rPr lang="ru-RU" sz="600" dirty="0"/>
+              <a:t>(ваниль, но переделать до Кении)</a:t>
+            </a:r>
+          </a:p>
+        </p:txBody>
+      </p:sp>
+      <p:cxnSp>
+        <p:nvCxnSpPr>
+          <p:cNvPr id="518" name="Прямая со стрелкой 517">
+            <a:extLst>
+              <a:ext uri="{FF2B5EF4-FFF2-40B4-BE49-F238E27FC236}">
+                <a16:creationId xmlns:a16="http://schemas.microsoft.com/office/drawing/2014/main" id="{B89BE2BA-D764-46FC-8E66-D9A6533CD6F7}"/>
+              </a:ext>
+            </a:extLst>
+          </p:cNvPr>
+          <p:cNvCxnSpPr>
+            <a:cxnSpLocks/>
+            <a:stCxn id="606" idx="2"/>
+            <a:endCxn id="517" idx="0"/>
+          </p:cNvCxnSpPr>
+          <p:nvPr/>
+        </p:nvCxnSpPr>
+        <p:spPr>
+          <a:xfrm>
+            <a:off x="27661112" y="5380634"/>
+            <a:ext cx="580" cy="380887"/>
+          </a:xfrm>
+          <a:prstGeom prst="straightConnector1">
+            <a:avLst/>
+          </a:prstGeom>
+          <a:ln w="28575">
+            <a:tailEnd type="arrow"/>
+          </a:ln>
+        </p:spPr>
+        <p:style>
+          <a:lnRef idx="1">
+            <a:schemeClr val="accent1"/>
+          </a:lnRef>
+          <a:fillRef idx="0">
+            <a:schemeClr val="accent1"/>
+          </a:fillRef>
+          <a:effectRef idx="0">
+            <a:schemeClr val="accent1"/>
+          </a:effectRef>
+          <a:fontRef idx="minor">
+            <a:schemeClr val="tx1"/>
+          </a:fontRef>
+        </p:style>
+      </p:cxnSp>
+      <p:sp>
+        <p:nvSpPr>
+          <p:cNvPr id="522" name="Прямоугольник 521">
+            <a:extLst>
+              <a:ext uri="{FF2B5EF4-FFF2-40B4-BE49-F238E27FC236}">
+                <a16:creationId xmlns:a16="http://schemas.microsoft.com/office/drawing/2014/main" id="{BC0E7853-E2E9-4615-BF97-893DD896C6D7}"/>
+              </a:ext>
+            </a:extLst>
+          </p:cNvPr>
+          <p:cNvSpPr/>
+          <p:nvPr/>
+        </p:nvSpPr>
+        <p:spPr>
+          <a:xfrm>
+            <a:off x="10869664" y="2614683"/>
+            <a:ext cx="1144480" cy="639015"/>
+          </a:xfrm>
+          <a:prstGeom prst="rect">
+            <a:avLst/>
+          </a:prstGeom>
+          <a:solidFill>
+            <a:schemeClr val="accent2">
+              <a:lumMod val="40000"/>
+              <a:lumOff val="60000"/>
+            </a:schemeClr>
+          </a:solidFill>
+          <a:ln w="28575"/>
+        </p:spPr>
+        <p:style>
+          <a:lnRef idx="2">
+            <a:schemeClr val="accent1"/>
+          </a:lnRef>
+          <a:fillRef idx="1">
+            <a:schemeClr val="lt1"/>
+          </a:fillRef>
+          <a:effectRef idx="0">
+            <a:schemeClr val="accent1"/>
+          </a:effectRef>
+          <a:fontRef idx="minor">
+            <a:schemeClr val="dk1"/>
+          </a:fontRef>
+        </p:style>
+        <p:txBody>
+          <a:bodyPr lIns="124733" tIns="62367" rIns="124733" bIns="62367" rtlCol="0" anchor="ctr"/>
+          <a:lstStyle/>
+          <a:p>
+            <a:pPr algn="ctr"/>
+            <a:r>
+              <a:rPr lang="ru-RU" sz="1100" dirty="0"/>
+              <a:t>Поддержка голландской реформаторской церкви</a:t>
+            </a:r>
+          </a:p>
+        </p:txBody>
+      </p:sp>
+      <p:sp>
+        <p:nvSpPr>
+          <p:cNvPr id="526" name="Прямоугольник 525">
+            <a:extLst>
+              <a:ext uri="{FF2B5EF4-FFF2-40B4-BE49-F238E27FC236}">
+                <a16:creationId xmlns:a16="http://schemas.microsoft.com/office/drawing/2014/main" id="{1C034169-5937-454C-A030-849E20FA982B}"/>
+              </a:ext>
+            </a:extLst>
+          </p:cNvPr>
+          <p:cNvSpPr/>
+          <p:nvPr/>
+        </p:nvSpPr>
+        <p:spPr>
+          <a:xfrm>
+            <a:off x="11686176" y="4741618"/>
+            <a:ext cx="1144480" cy="639015"/>
+          </a:xfrm>
+          <a:prstGeom prst="rect">
+            <a:avLst/>
+          </a:prstGeom>
+          <a:solidFill>
+            <a:schemeClr val="accent2">
+              <a:lumMod val="40000"/>
+              <a:lumOff val="60000"/>
+            </a:schemeClr>
+          </a:solidFill>
+          <a:ln w="28575"/>
+        </p:spPr>
+        <p:style>
+          <a:lnRef idx="2">
+            <a:schemeClr val="accent1"/>
+          </a:lnRef>
+          <a:fillRef idx="1">
+            <a:schemeClr val="lt1"/>
+          </a:fillRef>
+          <a:effectRef idx="0">
+            <a:schemeClr val="accent1"/>
+          </a:effectRef>
+          <a:fontRef idx="minor">
+            <a:schemeClr val="dk1"/>
+          </a:fontRef>
+        </p:style>
+        <p:txBody>
+          <a:bodyPr lIns="124733" tIns="62367" rIns="124733" bIns="62367" rtlCol="0" anchor="ctr"/>
+          <a:lstStyle/>
+          <a:p>
+            <a:pPr algn="ctr"/>
+            <a:r>
+              <a:rPr lang="ru-RU" sz="1100" dirty="0"/>
+              <a:t>Расширить влияние в Бельгийском Конго</a:t>
+            </a:r>
+          </a:p>
+        </p:txBody>
+      </p:sp>
+      <p:sp>
+        <p:nvSpPr>
+          <p:cNvPr id="529" name="Прямоугольник 528">
+            <a:extLst>
+              <a:ext uri="{FF2B5EF4-FFF2-40B4-BE49-F238E27FC236}">
+                <a16:creationId xmlns:a16="http://schemas.microsoft.com/office/drawing/2014/main" id="{97F1DBFE-13A5-4E8F-9123-BDDFF6326F48}"/>
+              </a:ext>
+            </a:extLst>
+          </p:cNvPr>
+          <p:cNvSpPr/>
+          <p:nvPr/>
+        </p:nvSpPr>
+        <p:spPr>
+          <a:xfrm>
+            <a:off x="10864514" y="3639595"/>
+            <a:ext cx="1144480" cy="639015"/>
+          </a:xfrm>
+          <a:prstGeom prst="rect">
+            <a:avLst/>
+          </a:prstGeom>
+          <a:solidFill>
+            <a:schemeClr val="accent2">
+              <a:lumMod val="40000"/>
+              <a:lumOff val="60000"/>
+            </a:schemeClr>
+          </a:solidFill>
+          <a:ln w="28575"/>
+        </p:spPr>
+        <p:style>
+          <a:lnRef idx="2">
+            <a:schemeClr val="accent1"/>
+          </a:lnRef>
+          <a:fillRef idx="1">
+            <a:schemeClr val="lt1"/>
+          </a:fillRef>
+          <a:effectRef idx="0">
+            <a:schemeClr val="accent1"/>
+          </a:effectRef>
+          <a:fontRef idx="minor">
+            <a:schemeClr val="dk1"/>
+          </a:fontRef>
+        </p:style>
+        <p:txBody>
+          <a:bodyPr lIns="124733" tIns="62367" rIns="124733" bIns="62367" rtlCol="0" anchor="ctr"/>
+          <a:lstStyle/>
+          <a:p>
+            <a:pPr algn="ctr"/>
+            <a:r>
+              <a:rPr lang="ru-RU" sz="1100" dirty="0"/>
+              <a:t>Власть белой расы</a:t>
+            </a:r>
+          </a:p>
+        </p:txBody>
+      </p:sp>
+      <p:sp>
+        <p:nvSpPr>
+          <p:cNvPr id="530" name="Прямоугольник 529">
+            <a:extLst>
+              <a:ext uri="{FF2B5EF4-FFF2-40B4-BE49-F238E27FC236}">
+                <a16:creationId xmlns:a16="http://schemas.microsoft.com/office/drawing/2014/main" id="{83A1BBB5-17DB-4F5C-920E-E5BEAC61411D}"/>
+              </a:ext>
+            </a:extLst>
+          </p:cNvPr>
+          <p:cNvSpPr/>
+          <p:nvPr/>
+        </p:nvSpPr>
+        <p:spPr>
+          <a:xfrm>
+            <a:off x="10033847" y="4722515"/>
+            <a:ext cx="1144480" cy="639015"/>
+          </a:xfrm>
+          <a:prstGeom prst="rect">
+            <a:avLst/>
+          </a:prstGeom>
+          <a:solidFill>
+            <a:schemeClr val="accent2">
+              <a:lumMod val="40000"/>
+              <a:lumOff val="60000"/>
+            </a:schemeClr>
+          </a:solidFill>
+          <a:ln w="28575"/>
+        </p:spPr>
+        <p:style>
+          <a:lnRef idx="2">
+            <a:schemeClr val="accent1"/>
+          </a:lnRef>
+          <a:fillRef idx="1">
+            <a:schemeClr val="lt1"/>
+          </a:fillRef>
+          <a:effectRef idx="0">
+            <a:schemeClr val="accent1"/>
+          </a:effectRef>
+          <a:fontRef idx="minor">
+            <a:schemeClr val="dk1"/>
+          </a:fontRef>
+        </p:style>
+        <p:txBody>
+          <a:bodyPr lIns="124733" tIns="62367" rIns="124733" bIns="62367" rtlCol="0" anchor="ctr"/>
+          <a:lstStyle/>
+          <a:p>
+            <a:pPr algn="ctr"/>
+            <a:r>
+              <a:rPr lang="ru-RU" sz="1100" dirty="0"/>
+              <a:t>Расширить влияние в Северной Родезии</a:t>
+            </a:r>
+          </a:p>
+        </p:txBody>
+      </p:sp>
+      <p:sp>
+        <p:nvSpPr>
+          <p:cNvPr id="533" name="Прямоугольник 532">
+            <a:extLst>
+              <a:ext uri="{FF2B5EF4-FFF2-40B4-BE49-F238E27FC236}">
+                <a16:creationId xmlns:a16="http://schemas.microsoft.com/office/drawing/2014/main" id="{0F0C25E8-4EFC-4209-93F3-32E1253E8926}"/>
+              </a:ext>
+            </a:extLst>
+          </p:cNvPr>
+          <p:cNvSpPr/>
+          <p:nvPr/>
+        </p:nvSpPr>
+        <p:spPr>
+          <a:xfrm>
+            <a:off x="10869664" y="5750271"/>
+            <a:ext cx="1144480" cy="639015"/>
+          </a:xfrm>
+          <a:prstGeom prst="rect">
+            <a:avLst/>
+          </a:prstGeom>
+          <a:solidFill>
+            <a:schemeClr val="accent2">
+              <a:lumMod val="40000"/>
+              <a:lumOff val="60000"/>
+            </a:schemeClr>
+          </a:solidFill>
+          <a:ln w="28575"/>
+        </p:spPr>
+        <p:style>
+          <a:lnRef idx="2">
+            <a:schemeClr val="accent1"/>
+          </a:lnRef>
+          <a:fillRef idx="1">
+            <a:schemeClr val="lt1"/>
+          </a:fillRef>
+          <a:effectRef idx="0">
+            <a:schemeClr val="accent1"/>
+          </a:effectRef>
+          <a:fontRef idx="minor">
+            <a:schemeClr val="dk1"/>
+          </a:fontRef>
+        </p:style>
+        <p:txBody>
+          <a:bodyPr lIns="124733" tIns="62367" rIns="124733" bIns="62367" rtlCol="0" anchor="ctr"/>
+          <a:lstStyle/>
+          <a:p>
+            <a:pPr algn="ctr"/>
+            <a:r>
+              <a:rPr lang="ru-RU" sz="1100" dirty="0"/>
+              <a:t>Расширить влияние в Анголе</a:t>
+            </a:r>
+          </a:p>
+        </p:txBody>
+      </p:sp>
+      <p:cxnSp>
+        <p:nvCxnSpPr>
+          <p:cNvPr id="534" name="Shape 248">
+            <a:extLst>
+              <a:ext uri="{FF2B5EF4-FFF2-40B4-BE49-F238E27FC236}">
+                <a16:creationId xmlns:a16="http://schemas.microsoft.com/office/drawing/2014/main" id="{08481D3F-06DB-40C6-A12F-ED370F71D1C9}"/>
+              </a:ext>
+            </a:extLst>
+          </p:cNvPr>
+          <p:cNvCxnSpPr>
+            <a:cxnSpLocks/>
+            <a:stCxn id="522" idx="2"/>
+            <a:endCxn id="526" idx="0"/>
+          </p:cNvCxnSpPr>
+          <p:nvPr/>
+        </p:nvCxnSpPr>
+        <p:spPr>
+          <a:xfrm rot="16200000" flipH="1">
+            <a:off x="11106200" y="3589402"/>
+            <a:ext cx="1487920" cy="816512"/>
+          </a:xfrm>
+          <a:prstGeom prst="bentConnector3">
+            <a:avLst>
+              <a:gd name="adj1" fmla="val 12871"/>
+            </a:avLst>
+          </a:prstGeom>
+          <a:ln w="28575">
+            <a:tailEnd type="arrow"/>
+          </a:ln>
+        </p:spPr>
+        <p:style>
+          <a:lnRef idx="1">
+            <a:schemeClr val="accent1"/>
+          </a:lnRef>
+          <a:fillRef idx="0">
+            <a:schemeClr val="accent1"/>
+          </a:fillRef>
+          <a:effectRef idx="0">
+            <a:schemeClr val="accent1"/>
+          </a:effectRef>
+          <a:fontRef idx="minor">
+            <a:schemeClr val="tx1"/>
+          </a:fontRef>
+        </p:style>
+      </p:cxnSp>
+      <p:cxnSp>
+        <p:nvCxnSpPr>
+          <p:cNvPr id="535" name="Shape 248">
+            <a:extLst>
+              <a:ext uri="{FF2B5EF4-FFF2-40B4-BE49-F238E27FC236}">
+                <a16:creationId xmlns:a16="http://schemas.microsoft.com/office/drawing/2014/main" id="{C4998F04-AA3E-45C5-9F7A-F02D4102EBA1}"/>
+              </a:ext>
+            </a:extLst>
+          </p:cNvPr>
+          <p:cNvCxnSpPr>
+            <a:cxnSpLocks/>
+            <a:stCxn id="522" idx="2"/>
+            <a:endCxn id="530" idx="0"/>
+          </p:cNvCxnSpPr>
+          <p:nvPr/>
+        </p:nvCxnSpPr>
+        <p:spPr>
+          <a:xfrm rot="5400000">
+            <a:off x="10289588" y="3570198"/>
+            <a:ext cx="1468817" cy="835817"/>
+          </a:xfrm>
+          <a:prstGeom prst="bentConnector3">
+            <a:avLst>
+              <a:gd name="adj1" fmla="val 13350"/>
+            </a:avLst>
+          </a:prstGeom>
+          <a:ln w="28575">
+            <a:tailEnd type="arrow"/>
+          </a:ln>
+        </p:spPr>
+        <p:style>
+          <a:lnRef idx="1">
+            <a:schemeClr val="accent1"/>
+          </a:lnRef>
+          <a:fillRef idx="0">
+            <a:schemeClr val="accent1"/>
+          </a:fillRef>
+          <a:effectRef idx="0">
+            <a:schemeClr val="accent1"/>
+          </a:effectRef>
+          <a:fontRef idx="minor">
+            <a:schemeClr val="tx1"/>
+          </a:fontRef>
+        </p:style>
+      </p:cxnSp>
+      <p:cxnSp>
+        <p:nvCxnSpPr>
+          <p:cNvPr id="539" name="Прямая со стрелкой 538">
+            <a:extLst>
+              <a:ext uri="{FF2B5EF4-FFF2-40B4-BE49-F238E27FC236}">
+                <a16:creationId xmlns:a16="http://schemas.microsoft.com/office/drawing/2014/main" id="{73972E33-3EA0-419E-B710-36D507F6B496}"/>
+              </a:ext>
+            </a:extLst>
+          </p:cNvPr>
+          <p:cNvCxnSpPr>
+            <a:cxnSpLocks/>
+            <a:stCxn id="529" idx="2"/>
+            <a:endCxn id="533" idx="0"/>
+          </p:cNvCxnSpPr>
+          <p:nvPr/>
+        </p:nvCxnSpPr>
+        <p:spPr>
+          <a:xfrm>
+            <a:off x="11436754" y="4278610"/>
+            <a:ext cx="5150" cy="1471661"/>
+          </a:xfrm>
+          <a:prstGeom prst="straightConnector1">
+            <a:avLst/>
+          </a:prstGeom>
+          <a:ln w="28575">
+            <a:tailEnd type="arrow"/>
+          </a:ln>
+        </p:spPr>
+        <p:style>
+          <a:lnRef idx="1">
+            <a:schemeClr val="accent1"/>
+          </a:lnRef>
+          <a:fillRef idx="0">
+            <a:schemeClr val="accent1"/>
+          </a:fillRef>
+          <a:effectRef idx="0">
+            <a:schemeClr val="accent1"/>
+          </a:effectRef>
+          <a:fontRef idx="minor">
+            <a:schemeClr val="tx1"/>
+          </a:fontRef>
+        </p:style>
+      </p:cxnSp>
+      <p:cxnSp>
+        <p:nvCxnSpPr>
+          <p:cNvPr id="549" name="Shape 248">
+            <a:extLst>
+              <a:ext uri="{FF2B5EF4-FFF2-40B4-BE49-F238E27FC236}">
+                <a16:creationId xmlns:a16="http://schemas.microsoft.com/office/drawing/2014/main" id="{C1BC724A-B217-41C7-9F3C-749084997754}"/>
+              </a:ext>
+            </a:extLst>
+          </p:cNvPr>
+          <p:cNvCxnSpPr>
+            <a:cxnSpLocks/>
+            <a:stCxn id="1478" idx="2"/>
+            <a:endCxn id="1491" idx="0"/>
+          </p:cNvCxnSpPr>
+          <p:nvPr/>
+        </p:nvCxnSpPr>
+        <p:spPr>
+          <a:xfrm rot="5400000">
+            <a:off x="6823280" y="973922"/>
+            <a:ext cx="385531" cy="796995"/>
+          </a:xfrm>
+          <a:prstGeom prst="bentConnector3">
+            <a:avLst>
+              <a:gd name="adj1" fmla="val 50000"/>
+            </a:avLst>
+          </a:prstGeom>
+          <a:ln w="28575">
+            <a:tailEnd type="arrow"/>
+          </a:ln>
+        </p:spPr>
+        <p:style>
+          <a:lnRef idx="1">
+            <a:schemeClr val="accent1"/>
+          </a:lnRef>
+          <a:fillRef idx="0">
+            <a:schemeClr val="accent1"/>
+          </a:fillRef>
+          <a:effectRef idx="0">
+            <a:schemeClr val="accent1"/>
+          </a:effectRef>
+          <a:fontRef idx="minor">
+            <a:schemeClr val="tx1"/>
+          </a:fontRef>
+        </p:style>
+      </p:cxnSp>
+      <p:cxnSp>
+        <p:nvCxnSpPr>
+          <p:cNvPr id="552" name="Shape 248">
+            <a:extLst>
+              <a:ext uri="{FF2B5EF4-FFF2-40B4-BE49-F238E27FC236}">
+                <a16:creationId xmlns:a16="http://schemas.microsoft.com/office/drawing/2014/main" id="{DC68538B-B797-4A2D-AC8D-B51B93BBA60B}"/>
+              </a:ext>
+            </a:extLst>
+          </p:cNvPr>
+          <p:cNvCxnSpPr>
+            <a:cxnSpLocks/>
+            <a:stCxn id="1478" idx="2"/>
+            <a:endCxn id="1492" idx="0"/>
+          </p:cNvCxnSpPr>
+          <p:nvPr/>
+        </p:nvCxnSpPr>
+        <p:spPr>
+          <a:xfrm rot="16200000" flipH="1">
+            <a:off x="8016277" y="577918"/>
+            <a:ext cx="386420" cy="1589891"/>
+          </a:xfrm>
+          <a:prstGeom prst="bentConnector3">
+            <a:avLst>
+              <a:gd name="adj1" fmla="val 50000"/>
+            </a:avLst>
+          </a:prstGeom>
+          <a:ln w="28575">
+            <a:tailEnd type="arrow"/>
+          </a:ln>
+        </p:spPr>
+        <p:style>
+          <a:lnRef idx="1">
+            <a:schemeClr val="accent1"/>
+          </a:lnRef>
+          <a:fillRef idx="0">
+            <a:schemeClr val="accent1"/>
+          </a:fillRef>
+          <a:effectRef idx="0">
+            <a:schemeClr val="accent1"/>
+          </a:effectRef>
+          <a:fontRef idx="minor">
+            <a:schemeClr val="tx1"/>
+          </a:fontRef>
+        </p:style>
+      </p:cxnSp>
+      <p:cxnSp>
+        <p:nvCxnSpPr>
+          <p:cNvPr id="555" name="Shape 248">
+            <a:extLst>
+              <a:ext uri="{FF2B5EF4-FFF2-40B4-BE49-F238E27FC236}">
+                <a16:creationId xmlns:a16="http://schemas.microsoft.com/office/drawing/2014/main" id="{80257EB4-212C-4EBC-89D8-1606CA2230C9}"/>
+              </a:ext>
+            </a:extLst>
+          </p:cNvPr>
+          <p:cNvCxnSpPr>
+            <a:cxnSpLocks/>
+            <a:stCxn id="1478" idx="2"/>
+            <a:endCxn id="1497" idx="0"/>
+          </p:cNvCxnSpPr>
+          <p:nvPr/>
+        </p:nvCxnSpPr>
+        <p:spPr>
+          <a:xfrm rot="16200000" flipH="1">
+            <a:off x="8813531" y="-219336"/>
+            <a:ext cx="387744" cy="3185723"/>
+          </a:xfrm>
+          <a:prstGeom prst="bentConnector3">
+            <a:avLst>
+              <a:gd name="adj1" fmla="val 50000"/>
+            </a:avLst>
+          </a:prstGeom>
+          <a:ln w="28575">
+            <a:tailEnd type="arrow"/>
+          </a:ln>
+        </p:spPr>
+        <p:style>
+          <a:lnRef idx="1">
+            <a:schemeClr val="accent1"/>
+          </a:lnRef>
+          <a:fillRef idx="0">
+            <a:schemeClr val="accent1"/>
+          </a:fillRef>
+          <a:effectRef idx="0">
+            <a:schemeClr val="accent1"/>
+          </a:effectRef>
+          <a:fontRef idx="minor">
+            <a:schemeClr val="tx1"/>
+          </a:fontRef>
+        </p:style>
+      </p:cxnSp>
+      <p:cxnSp>
+        <p:nvCxnSpPr>
+          <p:cNvPr id="564" name="Прямая со стрелкой 563">
+            <a:extLst>
+              <a:ext uri="{FF2B5EF4-FFF2-40B4-BE49-F238E27FC236}">
+                <a16:creationId xmlns:a16="http://schemas.microsoft.com/office/drawing/2014/main" id="{80D95E23-0671-46A7-8E45-0C80FB9206EE}"/>
+              </a:ext>
+            </a:extLst>
+          </p:cNvPr>
+          <p:cNvCxnSpPr>
+            <a:cxnSpLocks/>
+            <a:stCxn id="1492" idx="2"/>
+            <a:endCxn id="1495" idx="0"/>
+          </p:cNvCxnSpPr>
+          <p:nvPr/>
+        </p:nvCxnSpPr>
+        <p:spPr>
+          <a:xfrm>
+            <a:off x="9004433" y="2209886"/>
+            <a:ext cx="5882" cy="392248"/>
+          </a:xfrm>
+          <a:prstGeom prst="straightConnector1">
+            <a:avLst/>
+          </a:prstGeom>
+          <a:ln w="28575">
+            <a:tailEnd type="arrow"/>
+          </a:ln>
+        </p:spPr>
+        <p:style>
+          <a:lnRef idx="1">
+            <a:schemeClr val="accent1"/>
+          </a:lnRef>
+          <a:fillRef idx="0">
+            <a:schemeClr val="accent1"/>
+          </a:fillRef>
+          <a:effectRef idx="0">
+            <a:schemeClr val="accent1"/>
+          </a:effectRef>
+          <a:fontRef idx="minor">
+            <a:schemeClr val="tx1"/>
+          </a:fontRef>
+        </p:style>
+      </p:cxnSp>
+      <p:cxnSp>
+        <p:nvCxnSpPr>
+          <p:cNvPr id="565" name="Shape 248">
+            <a:extLst>
+              <a:ext uri="{FF2B5EF4-FFF2-40B4-BE49-F238E27FC236}">
+                <a16:creationId xmlns:a16="http://schemas.microsoft.com/office/drawing/2014/main" id="{C5ADA548-AD2B-47AE-87A4-D1FCB87B92E5}"/>
+              </a:ext>
+            </a:extLst>
+          </p:cNvPr>
+          <p:cNvCxnSpPr>
+            <a:cxnSpLocks/>
+            <a:stCxn id="1495" idx="2"/>
+            <a:endCxn id="1481" idx="0"/>
+          </p:cNvCxnSpPr>
+          <p:nvPr/>
+        </p:nvCxnSpPr>
+        <p:spPr>
+          <a:xfrm rot="5400000">
+            <a:off x="8423023" y="3052302"/>
+            <a:ext cx="392397" cy="782188"/>
+          </a:xfrm>
+          <a:prstGeom prst="bentConnector3">
+            <a:avLst>
+              <a:gd name="adj1" fmla="val 50000"/>
+            </a:avLst>
+          </a:prstGeom>
+          <a:ln w="28575">
+            <a:tailEnd type="arrow"/>
+          </a:ln>
+        </p:spPr>
+        <p:style>
+          <a:lnRef idx="1">
+            <a:schemeClr val="accent1"/>
+          </a:lnRef>
+          <a:fillRef idx="0">
+            <a:schemeClr val="accent1"/>
+          </a:fillRef>
+          <a:effectRef idx="0">
+            <a:schemeClr val="accent1"/>
+          </a:effectRef>
+          <a:fontRef idx="minor">
+            <a:schemeClr val="tx1"/>
+          </a:fontRef>
+        </p:style>
+      </p:cxnSp>
+      <p:cxnSp>
+        <p:nvCxnSpPr>
+          <p:cNvPr id="568" name="Shape 248">
+            <a:extLst>
+              <a:ext uri="{FF2B5EF4-FFF2-40B4-BE49-F238E27FC236}">
+                <a16:creationId xmlns:a16="http://schemas.microsoft.com/office/drawing/2014/main" id="{D1455635-5F82-4B52-A9F6-1EFAD76D6102}"/>
+              </a:ext>
+            </a:extLst>
+          </p:cNvPr>
+          <p:cNvCxnSpPr>
+            <a:cxnSpLocks/>
+            <a:stCxn id="1479" idx="2"/>
+            <a:endCxn id="1481" idx="0"/>
+          </p:cNvCxnSpPr>
+          <p:nvPr/>
+        </p:nvCxnSpPr>
+        <p:spPr>
+          <a:xfrm rot="16200000" flipH="1">
+            <a:off x="7624298" y="3035765"/>
+            <a:ext cx="394073" cy="813585"/>
+          </a:xfrm>
+          <a:prstGeom prst="bentConnector3">
+            <a:avLst>
+              <a:gd name="adj1" fmla="val 50000"/>
+            </a:avLst>
+          </a:prstGeom>
+          <a:ln w="28575">
+            <a:tailEnd type="arrow"/>
+          </a:ln>
+        </p:spPr>
+        <p:style>
+          <a:lnRef idx="1">
+            <a:schemeClr val="accent1"/>
+          </a:lnRef>
+          <a:fillRef idx="0">
+            <a:schemeClr val="accent1"/>
+          </a:fillRef>
+          <a:effectRef idx="0">
+            <a:schemeClr val="accent1"/>
+          </a:effectRef>
+          <a:fontRef idx="minor">
+            <a:schemeClr val="tx1"/>
+          </a:fontRef>
+        </p:style>
+      </p:cxnSp>
+      <p:cxnSp>
+        <p:nvCxnSpPr>
+          <p:cNvPr id="572" name="Shape 248">
+            <a:extLst>
+              <a:ext uri="{FF2B5EF4-FFF2-40B4-BE49-F238E27FC236}">
+                <a16:creationId xmlns:a16="http://schemas.microsoft.com/office/drawing/2014/main" id="{E7623CB1-3663-4CEE-99B9-73155A0DEE31}"/>
+              </a:ext>
+            </a:extLst>
+          </p:cNvPr>
+          <p:cNvCxnSpPr>
+            <a:cxnSpLocks/>
+            <a:stCxn id="1481" idx="2"/>
+            <a:endCxn id="1482" idx="0"/>
+          </p:cNvCxnSpPr>
+          <p:nvPr/>
+        </p:nvCxnSpPr>
+        <p:spPr>
+          <a:xfrm rot="5400000">
+            <a:off x="7603920" y="4095282"/>
+            <a:ext cx="434831" cy="813585"/>
+          </a:xfrm>
+          <a:prstGeom prst="bentConnector3">
+            <a:avLst>
+              <a:gd name="adj1" fmla="val 50000"/>
+            </a:avLst>
+          </a:prstGeom>
+          <a:ln w="28575">
+            <a:tailEnd type="arrow"/>
+          </a:ln>
+        </p:spPr>
+        <p:style>
+          <a:lnRef idx="1">
+            <a:schemeClr val="accent1"/>
+          </a:lnRef>
+          <a:fillRef idx="0">
+            <a:schemeClr val="accent1"/>
+          </a:fillRef>
+          <a:effectRef idx="0">
+            <a:schemeClr val="accent1"/>
+          </a:effectRef>
+          <a:fontRef idx="minor">
+            <a:schemeClr val="tx1"/>
+          </a:fontRef>
+        </p:style>
+      </p:cxnSp>
+      <p:cxnSp>
+        <p:nvCxnSpPr>
+          <p:cNvPr id="575" name="Shape 248">
+            <a:extLst>
+              <a:ext uri="{FF2B5EF4-FFF2-40B4-BE49-F238E27FC236}">
+                <a16:creationId xmlns:a16="http://schemas.microsoft.com/office/drawing/2014/main" id="{A683FB23-0B28-496E-AFA7-73038C289065}"/>
+              </a:ext>
+            </a:extLst>
+          </p:cNvPr>
+          <p:cNvCxnSpPr>
+            <a:cxnSpLocks/>
+            <a:stCxn id="1481" idx="2"/>
+            <a:endCxn id="1483" idx="0"/>
+          </p:cNvCxnSpPr>
+          <p:nvPr/>
+        </p:nvCxnSpPr>
+        <p:spPr>
+          <a:xfrm rot="16200000" flipH="1">
+            <a:off x="8401806" y="4110980"/>
+            <a:ext cx="434831" cy="782188"/>
+          </a:xfrm>
+          <a:prstGeom prst="bentConnector3">
+            <a:avLst>
+              <a:gd name="adj1" fmla="val 50000"/>
+            </a:avLst>
+          </a:prstGeom>
+          <a:ln w="28575">
+            <a:tailEnd type="arrow"/>
+          </a:ln>
+        </p:spPr>
+        <p:style>
+          <a:lnRef idx="1">
+            <a:schemeClr val="accent1"/>
+          </a:lnRef>
+          <a:fillRef idx="0">
+            <a:schemeClr val="accent1"/>
+          </a:fillRef>
+          <a:effectRef idx="0">
+            <a:schemeClr val="accent1"/>
+          </a:effectRef>
+          <a:fontRef idx="minor">
+            <a:schemeClr val="tx1"/>
+          </a:fontRef>
+        </p:style>
+      </p:cxnSp>
+      <p:cxnSp>
+        <p:nvCxnSpPr>
+          <p:cNvPr id="591" name="Shape 248">
+            <a:extLst>
+              <a:ext uri="{FF2B5EF4-FFF2-40B4-BE49-F238E27FC236}">
+                <a16:creationId xmlns:a16="http://schemas.microsoft.com/office/drawing/2014/main" id="{21EC61F7-2DA9-4B4A-AF33-3D827ACA108D}"/>
+              </a:ext>
+            </a:extLst>
+          </p:cNvPr>
+          <p:cNvCxnSpPr>
+            <a:cxnSpLocks/>
+            <a:stCxn id="1491" idx="2"/>
+            <a:endCxn id="1498" idx="0"/>
+          </p:cNvCxnSpPr>
+          <p:nvPr/>
+        </p:nvCxnSpPr>
+        <p:spPr>
+          <a:xfrm rot="5400000">
+            <a:off x="6018285" y="2007791"/>
+            <a:ext cx="396805" cy="801721"/>
+          </a:xfrm>
+          <a:prstGeom prst="bentConnector3">
+            <a:avLst>
+              <a:gd name="adj1" fmla="val 50000"/>
+            </a:avLst>
+          </a:prstGeom>
+          <a:ln w="28575">
+            <a:tailEnd type="arrow"/>
+          </a:ln>
+        </p:spPr>
+        <p:style>
+          <a:lnRef idx="1">
+            <a:schemeClr val="accent1"/>
+          </a:lnRef>
+          <a:fillRef idx="0">
+            <a:schemeClr val="accent1"/>
+          </a:fillRef>
+          <a:effectRef idx="0">
+            <a:schemeClr val="accent1"/>
+          </a:effectRef>
+          <a:fontRef idx="minor">
+            <a:schemeClr val="tx1"/>
+          </a:fontRef>
+        </p:style>
+      </p:cxnSp>
+      <p:cxnSp>
+        <p:nvCxnSpPr>
+          <p:cNvPr id="595" name="Shape 248">
+            <a:extLst>
+              <a:ext uri="{FF2B5EF4-FFF2-40B4-BE49-F238E27FC236}">
+                <a16:creationId xmlns:a16="http://schemas.microsoft.com/office/drawing/2014/main" id="{74793B4E-9525-4519-9F3C-E6BB01646ED3}"/>
+              </a:ext>
+            </a:extLst>
+          </p:cNvPr>
+          <p:cNvCxnSpPr>
+            <a:cxnSpLocks/>
+            <a:stCxn id="1491" idx="2"/>
+            <a:endCxn id="1479" idx="0"/>
+          </p:cNvCxnSpPr>
+          <p:nvPr/>
+        </p:nvCxnSpPr>
+        <p:spPr>
+          <a:xfrm rot="16200000" flipH="1">
+            <a:off x="6820940" y="2006855"/>
+            <a:ext cx="390209" cy="796995"/>
+          </a:xfrm>
+          <a:prstGeom prst="bentConnector3">
+            <a:avLst>
+              <a:gd name="adj1" fmla="val 50000"/>
+            </a:avLst>
+          </a:prstGeom>
+          <a:ln w="28575">
+            <a:tailEnd type="arrow"/>
+          </a:ln>
+        </p:spPr>
+        <p:style>
+          <a:lnRef idx="1">
+            <a:schemeClr val="accent1"/>
+          </a:lnRef>
+          <a:fillRef idx="0">
+            <a:schemeClr val="accent1"/>
+          </a:fillRef>
+          <a:effectRef idx="0">
+            <a:schemeClr val="accent1"/>
+          </a:effectRef>
+          <a:fontRef idx="minor">
+            <a:schemeClr val="tx1"/>
+          </a:fontRef>
+        </p:style>
+      </p:cxnSp>
+      <p:cxnSp>
+        <p:nvCxnSpPr>
+          <p:cNvPr id="597" name="Прямая со стрелкой 596">
+            <a:extLst>
+              <a:ext uri="{FF2B5EF4-FFF2-40B4-BE49-F238E27FC236}">
+                <a16:creationId xmlns:a16="http://schemas.microsoft.com/office/drawing/2014/main" id="{D2FC7D54-C8E4-49D5-913D-880ACF3EE101}"/>
+              </a:ext>
+            </a:extLst>
+          </p:cNvPr>
+          <p:cNvCxnSpPr>
+            <a:cxnSpLocks/>
+            <a:stCxn id="1498" idx="2"/>
+            <a:endCxn id="1493" idx="0"/>
+          </p:cNvCxnSpPr>
+          <p:nvPr/>
+        </p:nvCxnSpPr>
+        <p:spPr>
+          <a:xfrm>
+            <a:off x="5815826" y="3252118"/>
+            <a:ext cx="1484" cy="391493"/>
+          </a:xfrm>
+          <a:prstGeom prst="straightConnector1">
+            <a:avLst/>
+          </a:prstGeom>
+          <a:ln w="28575">
+            <a:tailEnd type="arrow"/>
+          </a:ln>
+        </p:spPr>
+        <p:style>
+          <a:lnRef idx="1">
+            <a:schemeClr val="accent1"/>
+          </a:lnRef>
+          <a:fillRef idx="0">
+            <a:schemeClr val="accent1"/>
+          </a:fillRef>
+          <a:effectRef idx="0">
+            <a:schemeClr val="accent1"/>
+          </a:effectRef>
+          <a:fontRef idx="minor">
+            <a:schemeClr val="tx1"/>
+          </a:fontRef>
+        </p:style>
+      </p:cxnSp>
+      <p:cxnSp>
+        <p:nvCxnSpPr>
+          <p:cNvPr id="600" name="Shape 248">
+            <a:extLst>
+              <a:ext uri="{FF2B5EF4-FFF2-40B4-BE49-F238E27FC236}">
+                <a16:creationId xmlns:a16="http://schemas.microsoft.com/office/drawing/2014/main" id="{C1C8343A-3D00-48DA-A4DA-E689A385E7CE}"/>
+              </a:ext>
+            </a:extLst>
+          </p:cNvPr>
+          <p:cNvCxnSpPr>
+            <a:cxnSpLocks/>
+            <a:stCxn id="1478" idx="2"/>
+            <a:endCxn id="1494" idx="0"/>
+          </p:cNvCxnSpPr>
+          <p:nvPr/>
+        </p:nvCxnSpPr>
+        <p:spPr>
+          <a:xfrm rot="5400000">
+            <a:off x="5628210" y="-225632"/>
+            <a:ext cx="381047" cy="3191619"/>
+          </a:xfrm>
+          <a:prstGeom prst="bentConnector3">
+            <a:avLst>
+              <a:gd name="adj1" fmla="val 50000"/>
+            </a:avLst>
+          </a:prstGeom>
+          <a:ln w="28575">
+            <a:tailEnd type="arrow"/>
+          </a:ln>
+        </p:spPr>
+        <p:style>
+          <a:lnRef idx="1">
+            <a:schemeClr val="accent1"/>
+          </a:lnRef>
+          <a:fillRef idx="0">
+            <a:schemeClr val="accent1"/>
+          </a:fillRef>
+          <a:effectRef idx="0">
+            <a:schemeClr val="accent1"/>
+          </a:effectRef>
+          <a:fontRef idx="minor">
+            <a:schemeClr val="tx1"/>
+          </a:fontRef>
+        </p:style>
+      </p:cxnSp>
+      <p:cxnSp>
+        <p:nvCxnSpPr>
+          <p:cNvPr id="604" name="Прямая со стрелкой 603">
+            <a:extLst>
+              <a:ext uri="{FF2B5EF4-FFF2-40B4-BE49-F238E27FC236}">
+                <a16:creationId xmlns:a16="http://schemas.microsoft.com/office/drawing/2014/main" id="{6C93937D-D13B-4584-A40D-72AF2AFC98D4}"/>
+              </a:ext>
+            </a:extLst>
+          </p:cNvPr>
+          <p:cNvCxnSpPr>
+            <a:cxnSpLocks/>
+            <a:stCxn id="1494" idx="2"/>
+            <a:endCxn id="1496" idx="0"/>
+          </p:cNvCxnSpPr>
+          <p:nvPr/>
+        </p:nvCxnSpPr>
+        <p:spPr>
+          <a:xfrm flipH="1">
+            <a:off x="4218582" y="2205765"/>
+            <a:ext cx="4341" cy="401289"/>
+          </a:xfrm>
+          <a:prstGeom prst="straightConnector1">
+            <a:avLst/>
+          </a:prstGeom>
+          <a:ln w="28575">
+            <a:tailEnd type="arrow"/>
+          </a:ln>
+        </p:spPr>
+        <p:style>
+          <a:lnRef idx="1">
+            <a:schemeClr val="accent1"/>
+          </a:lnRef>
+          <a:fillRef idx="0">
+            <a:schemeClr val="accent1"/>
+          </a:fillRef>
+          <a:effectRef idx="0">
+            <a:schemeClr val="accent1"/>
+          </a:effectRef>
+          <a:fontRef idx="minor">
+            <a:schemeClr val="tx1"/>
+          </a:fontRef>
+        </p:style>
+      </p:cxnSp>
+      <p:cxnSp>
+        <p:nvCxnSpPr>
+          <p:cNvPr id="608" name="Прямая со стрелкой 607">
+            <a:extLst>
+              <a:ext uri="{FF2B5EF4-FFF2-40B4-BE49-F238E27FC236}">
+                <a16:creationId xmlns:a16="http://schemas.microsoft.com/office/drawing/2014/main" id="{98818FEB-B53B-4F52-864C-BA37987DC1B6}"/>
+              </a:ext>
+            </a:extLst>
+          </p:cNvPr>
+          <p:cNvCxnSpPr>
+            <a:cxnSpLocks/>
+            <a:stCxn id="1496" idx="2"/>
+            <a:endCxn id="1499" idx="0"/>
+          </p:cNvCxnSpPr>
+          <p:nvPr/>
+        </p:nvCxnSpPr>
+        <p:spPr>
+          <a:xfrm flipH="1">
+            <a:off x="4215717" y="3252118"/>
+            <a:ext cx="2865" cy="398856"/>
+          </a:xfrm>
+          <a:prstGeom prst="straightConnector1">
+            <a:avLst/>
+          </a:prstGeom>
+          <a:ln w="28575">
+            <a:tailEnd type="arrow"/>
+          </a:ln>
+        </p:spPr>
+        <p:style>
+          <a:lnRef idx="1">
+            <a:schemeClr val="accent1"/>
+          </a:lnRef>
+          <a:fillRef idx="0">
+            <a:schemeClr val="accent1"/>
+          </a:fillRef>
+          <a:effectRef idx="0">
+            <a:schemeClr val="accent1"/>
+          </a:effectRef>
+          <a:fontRef idx="minor">
+            <a:schemeClr val="tx1"/>
+          </a:fontRef>
+        </p:style>
+      </p:cxnSp>
+      <p:cxnSp>
+        <p:nvCxnSpPr>
+          <p:cNvPr id="609" name="Shape 248">
+            <a:extLst>
+              <a:ext uri="{FF2B5EF4-FFF2-40B4-BE49-F238E27FC236}">
+                <a16:creationId xmlns:a16="http://schemas.microsoft.com/office/drawing/2014/main" id="{841DC47C-0590-407B-9101-DA876C816820}"/>
+              </a:ext>
+            </a:extLst>
+          </p:cNvPr>
+          <p:cNvCxnSpPr>
+            <a:cxnSpLocks/>
+            <a:stCxn id="1483" idx="2"/>
+            <a:endCxn id="1484" idx="0"/>
+          </p:cNvCxnSpPr>
+          <p:nvPr/>
+        </p:nvCxnSpPr>
+        <p:spPr>
+          <a:xfrm rot="5400000">
+            <a:off x="8422250" y="5170431"/>
+            <a:ext cx="393942" cy="782188"/>
+          </a:xfrm>
+          <a:prstGeom prst="bentConnector3">
+            <a:avLst>
+              <a:gd name="adj1" fmla="val 50000"/>
+            </a:avLst>
+          </a:prstGeom>
+          <a:ln w="28575">
+            <a:prstDash val="dash"/>
+            <a:tailEnd type="arrow"/>
+          </a:ln>
+        </p:spPr>
+        <p:style>
+          <a:lnRef idx="1">
+            <a:schemeClr val="accent1"/>
+          </a:lnRef>
+          <a:fillRef idx="0">
+            <a:schemeClr val="accent1"/>
+          </a:fillRef>
+          <a:effectRef idx="0">
+            <a:schemeClr val="accent1"/>
+          </a:effectRef>
+          <a:fontRef idx="minor">
+            <a:schemeClr val="tx1"/>
+          </a:fontRef>
+        </p:style>
+      </p:cxnSp>
+      <p:cxnSp>
+        <p:nvCxnSpPr>
+          <p:cNvPr id="613" name="Shape 248">
+            <a:extLst>
+              <a:ext uri="{FF2B5EF4-FFF2-40B4-BE49-F238E27FC236}">
+                <a16:creationId xmlns:a16="http://schemas.microsoft.com/office/drawing/2014/main" id="{52A8AC89-301C-41D4-B842-937A35093367}"/>
+              </a:ext>
+            </a:extLst>
+          </p:cNvPr>
+          <p:cNvCxnSpPr>
+            <a:cxnSpLocks/>
+            <a:stCxn id="1482" idx="2"/>
+            <a:endCxn id="1484" idx="0"/>
+          </p:cNvCxnSpPr>
+          <p:nvPr/>
+        </p:nvCxnSpPr>
+        <p:spPr>
+          <a:xfrm rot="16200000" flipH="1">
+            <a:off x="7624363" y="5154732"/>
+            <a:ext cx="393942" cy="813585"/>
+          </a:xfrm>
+          <a:prstGeom prst="bentConnector3">
+            <a:avLst>
+              <a:gd name="adj1" fmla="val 50000"/>
+            </a:avLst>
+          </a:prstGeom>
+          <a:ln w="28575">
+            <a:prstDash val="dash"/>
+            <a:tailEnd type="arrow"/>
+          </a:ln>
+        </p:spPr>
+        <p:style>
+          <a:lnRef idx="1">
+            <a:schemeClr val="accent1"/>
+          </a:lnRef>
+          <a:fillRef idx="0">
+            <a:schemeClr val="accent1"/>
+          </a:fillRef>
+          <a:effectRef idx="0">
+            <a:schemeClr val="accent1"/>
+          </a:effectRef>
+          <a:fontRef idx="minor">
+            <a:schemeClr val="tx1"/>
+          </a:fontRef>
+        </p:style>
+      </p:cxnSp>
+      <p:cxnSp>
+        <p:nvCxnSpPr>
+          <p:cNvPr id="615" name="Shape 248">
+            <a:extLst>
+              <a:ext uri="{FF2B5EF4-FFF2-40B4-BE49-F238E27FC236}">
+                <a16:creationId xmlns:a16="http://schemas.microsoft.com/office/drawing/2014/main" id="{96CCC7CD-EF07-42F8-9939-9074345BF0A9}"/>
+              </a:ext>
+            </a:extLst>
+          </p:cNvPr>
+          <p:cNvCxnSpPr>
+            <a:cxnSpLocks/>
+            <a:stCxn id="374" idx="2"/>
+            <a:endCxn id="522" idx="0"/>
+          </p:cNvCxnSpPr>
+          <p:nvPr/>
+        </p:nvCxnSpPr>
+        <p:spPr>
+          <a:xfrm rot="5400000">
+            <a:off x="12515881" y="1131788"/>
+            <a:ext cx="408918" cy="2556872"/>
+          </a:xfrm>
+          <a:prstGeom prst="bentConnector3">
+            <a:avLst>
+              <a:gd name="adj1" fmla="val 50000"/>
+            </a:avLst>
+          </a:prstGeom>
+          <a:ln w="28575">
+            <a:prstDash val="dash"/>
+            <a:tailEnd type="arrow"/>
+          </a:ln>
+        </p:spPr>
+        <p:style>
+          <a:lnRef idx="1">
+            <a:schemeClr val="accent1"/>
+          </a:lnRef>
+          <a:fillRef idx="0">
+            <a:schemeClr val="accent1"/>
+          </a:fillRef>
+          <a:effectRef idx="0">
+            <a:schemeClr val="accent1"/>
+          </a:effectRef>
+          <a:fontRef idx="minor">
+            <a:schemeClr val="tx1"/>
+          </a:fontRef>
+        </p:style>
+      </p:cxnSp>
+      <p:cxnSp>
+        <p:nvCxnSpPr>
+          <p:cNvPr id="618" name="Shape 248">
+            <a:extLst>
+              <a:ext uri="{FF2B5EF4-FFF2-40B4-BE49-F238E27FC236}">
+                <a16:creationId xmlns:a16="http://schemas.microsoft.com/office/drawing/2014/main" id="{D097A801-8E81-4EA2-A820-C25FA5AA5D1B}"/>
+              </a:ext>
+            </a:extLst>
+          </p:cNvPr>
+          <p:cNvCxnSpPr>
+            <a:cxnSpLocks/>
+            <a:stCxn id="1492" idx="2"/>
+            <a:endCxn id="522" idx="0"/>
+          </p:cNvCxnSpPr>
+          <p:nvPr/>
+        </p:nvCxnSpPr>
+        <p:spPr>
+          <a:xfrm rot="16200000" flipH="1">
+            <a:off x="10020770" y="1193548"/>
+            <a:ext cx="404797" cy="2437471"/>
+          </a:xfrm>
+          <a:prstGeom prst="bentConnector3">
+            <a:avLst>
+              <a:gd name="adj1" fmla="val 50000"/>
+            </a:avLst>
+          </a:prstGeom>
+          <a:ln w="28575">
+            <a:prstDash val="dash"/>
+            <a:tailEnd type="arrow"/>
+          </a:ln>
+        </p:spPr>
+        <p:style>
+          <a:lnRef idx="1">
+            <a:schemeClr val="accent1"/>
+          </a:lnRef>
+          <a:fillRef idx="0">
+            <a:schemeClr val="accent1"/>
+          </a:fillRef>
+          <a:effectRef idx="0">
+            <a:schemeClr val="accent1"/>
+          </a:effectRef>
+          <a:fontRef idx="minor">
+            <a:schemeClr val="tx1"/>
+          </a:fontRef>
+        </p:style>
+      </p:cxnSp>
+      <p:cxnSp>
+        <p:nvCxnSpPr>
+          <p:cNvPr id="621" name="Shape 248">
+            <a:extLst>
+              <a:ext uri="{FF2B5EF4-FFF2-40B4-BE49-F238E27FC236}">
+                <a16:creationId xmlns:a16="http://schemas.microsoft.com/office/drawing/2014/main" id="{FBF4DADB-21EB-40EE-BC4C-A50A62F063F2}"/>
+              </a:ext>
+            </a:extLst>
+          </p:cNvPr>
+          <p:cNvCxnSpPr>
+            <a:cxnSpLocks/>
+            <a:stCxn id="1484" idx="2"/>
+            <a:endCxn id="1486" idx="0"/>
+          </p:cNvCxnSpPr>
+          <p:nvPr/>
+        </p:nvCxnSpPr>
+        <p:spPr>
+          <a:xfrm rot="16200000" flipH="1">
+            <a:off x="8445858" y="6185829"/>
+            <a:ext cx="340845" cy="776306"/>
+          </a:xfrm>
+          <a:prstGeom prst="bentConnector3">
+            <a:avLst>
+              <a:gd name="adj1" fmla="val 50000"/>
+            </a:avLst>
+          </a:prstGeom>
+          <a:ln w="28575">
+            <a:tailEnd type="arrow"/>
+          </a:ln>
+        </p:spPr>
+        <p:style>
+          <a:lnRef idx="1">
+            <a:schemeClr val="accent1"/>
+          </a:lnRef>
+          <a:fillRef idx="0">
+            <a:schemeClr val="accent1"/>
+          </a:fillRef>
+          <a:effectRef idx="0">
+            <a:schemeClr val="accent1"/>
+          </a:effectRef>
+          <a:fontRef idx="minor">
+            <a:schemeClr val="tx1"/>
+          </a:fontRef>
+        </p:style>
+      </p:cxnSp>
+      <p:cxnSp>
+        <p:nvCxnSpPr>
+          <p:cNvPr id="624" name="Shape 248">
+            <a:extLst>
+              <a:ext uri="{FF2B5EF4-FFF2-40B4-BE49-F238E27FC236}">
+                <a16:creationId xmlns:a16="http://schemas.microsoft.com/office/drawing/2014/main" id="{6A5ED9EE-9BA5-4A29-9912-EDFE525D9C2B}"/>
+              </a:ext>
+            </a:extLst>
+          </p:cNvPr>
+          <p:cNvCxnSpPr>
+            <a:cxnSpLocks/>
+            <a:stCxn id="1484" idx="2"/>
+            <a:endCxn id="1485" idx="0"/>
+          </p:cNvCxnSpPr>
+          <p:nvPr/>
+        </p:nvCxnSpPr>
+        <p:spPr>
+          <a:xfrm rot="5400000">
+            <a:off x="7659473" y="6158628"/>
+            <a:ext cx="323722" cy="813586"/>
+          </a:xfrm>
+          <a:prstGeom prst="bentConnector3">
+            <a:avLst>
+              <a:gd name="adj1" fmla="val 50000"/>
+            </a:avLst>
+          </a:prstGeom>
+          <a:ln w="28575">
+            <a:tailEnd type="arrow"/>
+          </a:ln>
+        </p:spPr>
+        <p:style>
+          <a:lnRef idx="1">
+            <a:schemeClr val="accent1"/>
+          </a:lnRef>
+          <a:fillRef idx="0">
+            <a:schemeClr val="accent1"/>
+          </a:fillRef>
+          <a:effectRef idx="0">
+            <a:schemeClr val="accent1"/>
+          </a:effectRef>
+          <a:fontRef idx="minor">
+            <a:schemeClr val="tx1"/>
+          </a:fontRef>
+        </p:style>
+      </p:cxnSp>
+      <p:cxnSp>
+        <p:nvCxnSpPr>
+          <p:cNvPr id="629" name="Shape 248">
+            <a:extLst>
+              <a:ext uri="{FF2B5EF4-FFF2-40B4-BE49-F238E27FC236}">
+                <a16:creationId xmlns:a16="http://schemas.microsoft.com/office/drawing/2014/main" id="{EE9B154D-2B22-4C25-ACC5-20187AE5E108}"/>
+              </a:ext>
+            </a:extLst>
+          </p:cNvPr>
+          <p:cNvCxnSpPr>
+            <a:cxnSpLocks/>
+            <a:stCxn id="1485" idx="2"/>
+            <a:endCxn id="1487" idx="0"/>
+          </p:cNvCxnSpPr>
+          <p:nvPr/>
+        </p:nvCxnSpPr>
+        <p:spPr>
+          <a:xfrm rot="16200000" flipH="1">
+            <a:off x="7659411" y="7127476"/>
+            <a:ext cx="324667" cy="814406"/>
+          </a:xfrm>
+          <a:prstGeom prst="bentConnector3">
+            <a:avLst>
+              <a:gd name="adj1" fmla="val 50000"/>
+            </a:avLst>
+          </a:prstGeom>
+          <a:ln w="28575">
+            <a:tailEnd type="arrow"/>
+          </a:ln>
+        </p:spPr>
+        <p:style>
+          <a:lnRef idx="1">
+            <a:schemeClr val="accent1"/>
+          </a:lnRef>
+          <a:fillRef idx="0">
+            <a:schemeClr val="accent1"/>
+          </a:fillRef>
+          <a:effectRef idx="0">
+            <a:schemeClr val="accent1"/>
+          </a:effectRef>
+          <a:fontRef idx="minor">
+            <a:schemeClr val="tx1"/>
+          </a:fontRef>
+        </p:style>
+      </p:cxnSp>
+      <p:cxnSp>
+        <p:nvCxnSpPr>
+          <p:cNvPr id="632" name="Прямая со стрелкой 631">
+            <a:extLst>
+              <a:ext uri="{FF2B5EF4-FFF2-40B4-BE49-F238E27FC236}">
+                <a16:creationId xmlns:a16="http://schemas.microsoft.com/office/drawing/2014/main" id="{6B547C85-E475-4C94-92BF-655989A221AA}"/>
+              </a:ext>
+            </a:extLst>
+          </p:cNvPr>
+          <p:cNvCxnSpPr>
+            <a:cxnSpLocks/>
+            <a:stCxn id="1486" idx="2"/>
+            <a:endCxn id="1490" idx="0"/>
+          </p:cNvCxnSpPr>
+          <p:nvPr/>
+        </p:nvCxnSpPr>
+        <p:spPr>
+          <a:xfrm>
+            <a:off x="9004433" y="7389469"/>
+            <a:ext cx="0" cy="1215011"/>
+          </a:xfrm>
+          <a:prstGeom prst="straightConnector1">
+            <a:avLst/>
+          </a:prstGeom>
+          <a:ln w="28575">
+            <a:tailEnd type="arrow"/>
+          </a:ln>
+        </p:spPr>
+        <p:style>
+          <a:lnRef idx="1">
+            <a:schemeClr val="accent1"/>
+          </a:lnRef>
+          <a:fillRef idx="0">
+            <a:schemeClr val="accent1"/>
+          </a:fillRef>
+          <a:effectRef idx="0">
+            <a:schemeClr val="accent1"/>
+          </a:effectRef>
+          <a:fontRef idx="minor">
+            <a:schemeClr val="tx1"/>
+          </a:fontRef>
+        </p:style>
+      </p:cxnSp>
+      <p:cxnSp>
+        <p:nvCxnSpPr>
+          <p:cNvPr id="635" name="Shape 248">
+            <a:extLst>
+              <a:ext uri="{FF2B5EF4-FFF2-40B4-BE49-F238E27FC236}">
+                <a16:creationId xmlns:a16="http://schemas.microsoft.com/office/drawing/2014/main" id="{457BE7E8-DC38-4885-A056-33C082B073FF}"/>
+              </a:ext>
+            </a:extLst>
+          </p:cNvPr>
+          <p:cNvCxnSpPr>
+            <a:cxnSpLocks/>
+            <a:stCxn id="1487" idx="2"/>
+            <a:endCxn id="1488" idx="0"/>
+          </p:cNvCxnSpPr>
+          <p:nvPr/>
+        </p:nvCxnSpPr>
+        <p:spPr>
+          <a:xfrm rot="5400000">
+            <a:off x="7689031" y="8067587"/>
+            <a:ext cx="265427" cy="814406"/>
+          </a:xfrm>
+          <a:prstGeom prst="bentConnector3">
+            <a:avLst>
+              <a:gd name="adj1" fmla="val 50000"/>
+            </a:avLst>
+          </a:prstGeom>
+          <a:ln w="28575">
+            <a:tailEnd type="arrow"/>
+          </a:ln>
+        </p:spPr>
+        <p:style>
+          <a:lnRef idx="1">
+            <a:schemeClr val="accent1"/>
+          </a:lnRef>
+          <a:fillRef idx="0">
+            <a:schemeClr val="accent1"/>
+          </a:fillRef>
+          <a:effectRef idx="0">
+            <a:schemeClr val="accent1"/>
+          </a:effectRef>
+          <a:fontRef idx="minor">
+            <a:schemeClr val="tx1"/>
+          </a:fontRef>
+        </p:style>
+      </p:cxnSp>
+      <p:cxnSp>
+        <p:nvCxnSpPr>
+          <p:cNvPr id="638" name="Shape 248">
+            <a:extLst>
+              <a:ext uri="{FF2B5EF4-FFF2-40B4-BE49-F238E27FC236}">
+                <a16:creationId xmlns:a16="http://schemas.microsoft.com/office/drawing/2014/main" id="{1DD01A83-F712-49EA-A788-6A5DDB20CD49}"/>
+              </a:ext>
+            </a:extLst>
+          </p:cNvPr>
+          <p:cNvCxnSpPr>
+            <a:cxnSpLocks/>
+            <a:stCxn id="1490" idx="2"/>
+            <a:endCxn id="1489" idx="0"/>
+          </p:cNvCxnSpPr>
+          <p:nvPr/>
+        </p:nvCxnSpPr>
+        <p:spPr>
+          <a:xfrm rot="5400000">
+            <a:off x="8410200" y="9067471"/>
+            <a:ext cx="412160" cy="776306"/>
+          </a:xfrm>
+          <a:prstGeom prst="bentConnector3">
+            <a:avLst>
+              <a:gd name="adj1" fmla="val 50000"/>
+            </a:avLst>
+          </a:prstGeom>
+          <a:ln w="28575">
+            <a:tailEnd type="arrow"/>
+          </a:ln>
+        </p:spPr>
+        <p:style>
+          <a:lnRef idx="1">
+            <a:schemeClr val="accent1"/>
+          </a:lnRef>
+          <a:fillRef idx="0">
+            <a:schemeClr val="accent1"/>
+          </a:fillRef>
+          <a:effectRef idx="0">
+            <a:schemeClr val="accent1"/>
+          </a:effectRef>
+          <a:fontRef idx="minor">
+            <a:schemeClr val="tx1"/>
+          </a:fontRef>
+        </p:style>
+      </p:cxnSp>
+      <p:cxnSp>
+        <p:nvCxnSpPr>
+          <p:cNvPr id="641" name="Shape 248">
+            <a:extLst>
+              <a:ext uri="{FF2B5EF4-FFF2-40B4-BE49-F238E27FC236}">
+                <a16:creationId xmlns:a16="http://schemas.microsoft.com/office/drawing/2014/main" id="{28DBEDBC-2A52-4D61-9DDE-FD9E830F549D}"/>
+              </a:ext>
+            </a:extLst>
+          </p:cNvPr>
+          <p:cNvCxnSpPr>
+            <a:cxnSpLocks/>
+            <a:stCxn id="1488" idx="2"/>
+            <a:endCxn id="1489" idx="0"/>
+          </p:cNvCxnSpPr>
+          <p:nvPr/>
+        </p:nvCxnSpPr>
+        <p:spPr>
+          <a:xfrm rot="16200000" flipH="1">
+            <a:off x="7616766" y="9050343"/>
+            <a:ext cx="409136" cy="813586"/>
+          </a:xfrm>
+          <a:prstGeom prst="bentConnector3">
+            <a:avLst>
+              <a:gd name="adj1" fmla="val 50000"/>
+            </a:avLst>
+          </a:prstGeom>
+          <a:ln w="28575">
+            <a:tailEnd type="arrow"/>
+          </a:ln>
+        </p:spPr>
+        <p:style>
+          <a:lnRef idx="1">
+            <a:schemeClr val="accent1"/>
+          </a:lnRef>
+          <a:fillRef idx="0">
+            <a:schemeClr val="accent1"/>
+          </a:fillRef>
+          <a:effectRef idx="0">
+            <a:schemeClr val="accent1"/>
+          </a:effectRef>
+          <a:fontRef idx="minor">
+            <a:schemeClr val="tx1"/>
+          </a:fontRef>
+        </p:style>
+      </p:cxnSp>
+      <p:cxnSp>
+        <p:nvCxnSpPr>
+          <p:cNvPr id="644" name="Shape 248">
+            <a:extLst>
+              <a:ext uri="{FF2B5EF4-FFF2-40B4-BE49-F238E27FC236}">
+                <a16:creationId xmlns:a16="http://schemas.microsoft.com/office/drawing/2014/main" id="{EC04538E-25D4-455C-95C5-86492B54997D}"/>
+              </a:ext>
+            </a:extLst>
+          </p:cNvPr>
+          <p:cNvCxnSpPr>
+            <a:cxnSpLocks/>
+            <a:stCxn id="379" idx="2"/>
+            <a:endCxn id="1198" idx="0"/>
+          </p:cNvCxnSpPr>
+          <p:nvPr/>
+        </p:nvCxnSpPr>
+        <p:spPr>
+          <a:xfrm rot="16200000" flipH="1">
+            <a:off x="14850147" y="10730351"/>
+            <a:ext cx="361104" cy="1539729"/>
+          </a:xfrm>
+          <a:prstGeom prst="bentConnector3">
+            <a:avLst>
+              <a:gd name="adj1" fmla="val 50000"/>
+            </a:avLst>
+          </a:prstGeom>
+          <a:ln w="28575">
+            <a:tailEnd type="arrow"/>
+          </a:ln>
+        </p:spPr>
+        <p:style>
+          <a:lnRef idx="1">
+            <a:schemeClr val="accent1"/>
+          </a:lnRef>
+          <a:fillRef idx="0">
+            <a:schemeClr val="accent1"/>
+          </a:fillRef>
+          <a:effectRef idx="0">
+            <a:schemeClr val="accent1"/>
+          </a:effectRef>
+          <a:fontRef idx="minor">
+            <a:schemeClr val="tx1"/>
+          </a:fontRef>
+        </p:style>
+      </p:cxnSp>
+      <p:cxnSp>
+        <p:nvCxnSpPr>
+          <p:cNvPr id="647" name="Shape 248">
+            <a:extLst>
+              <a:ext uri="{FF2B5EF4-FFF2-40B4-BE49-F238E27FC236}">
+                <a16:creationId xmlns:a16="http://schemas.microsoft.com/office/drawing/2014/main" id="{04ED8F10-74FD-463A-9848-85086D7A0D44}"/>
+              </a:ext>
+            </a:extLst>
+          </p:cNvPr>
+          <p:cNvCxnSpPr>
+            <a:cxnSpLocks/>
+            <a:stCxn id="379" idx="2"/>
+            <a:endCxn id="1254" idx="0"/>
+          </p:cNvCxnSpPr>
+          <p:nvPr/>
+        </p:nvCxnSpPr>
+        <p:spPr>
+          <a:xfrm rot="16200000" flipH="1">
+            <a:off x="17100136" y="8480362"/>
+            <a:ext cx="367452" cy="6046055"/>
+          </a:xfrm>
+          <a:prstGeom prst="bentConnector3">
+            <a:avLst>
+              <a:gd name="adj1" fmla="val 50000"/>
+            </a:avLst>
+          </a:prstGeom>
+          <a:ln w="28575">
+            <a:tailEnd type="arrow"/>
+          </a:ln>
+        </p:spPr>
+        <p:style>
+          <a:lnRef idx="1">
+            <a:schemeClr val="accent1"/>
+          </a:lnRef>
+          <a:fillRef idx="0">
+            <a:schemeClr val="accent1"/>
+          </a:fillRef>
+          <a:effectRef idx="0">
+            <a:schemeClr val="accent1"/>
+          </a:effectRef>
+          <a:fontRef idx="minor">
+            <a:schemeClr val="tx1"/>
+          </a:fontRef>
+        </p:style>
+      </p:cxnSp>
+      <p:cxnSp>
+        <p:nvCxnSpPr>
+          <p:cNvPr id="650" name="Shape 248">
+            <a:extLst>
+              <a:ext uri="{FF2B5EF4-FFF2-40B4-BE49-F238E27FC236}">
+                <a16:creationId xmlns:a16="http://schemas.microsoft.com/office/drawing/2014/main" id="{33660CDA-910E-4B75-A341-FC0CFC3CF7F1}"/>
+              </a:ext>
+            </a:extLst>
+          </p:cNvPr>
+          <p:cNvCxnSpPr>
+            <a:cxnSpLocks/>
+            <a:stCxn id="379" idx="2"/>
+            <a:endCxn id="1303" idx="0"/>
+          </p:cNvCxnSpPr>
+          <p:nvPr/>
+        </p:nvCxnSpPr>
+        <p:spPr>
+          <a:xfrm rot="16200000" flipH="1">
+            <a:off x="20442772" y="5137726"/>
+            <a:ext cx="363895" cy="12727769"/>
+          </a:xfrm>
+          <a:prstGeom prst="bentConnector3">
+            <a:avLst>
+              <a:gd name="adj1" fmla="val 50000"/>
+            </a:avLst>
+          </a:prstGeom>
+          <a:ln w="28575">
+            <a:tailEnd type="arrow"/>
+          </a:ln>
+        </p:spPr>
+        <p:style>
+          <a:lnRef idx="1">
+            <a:schemeClr val="accent1"/>
+          </a:lnRef>
+          <a:fillRef idx="0">
+            <a:schemeClr val="accent1"/>
+          </a:fillRef>
+          <a:effectRef idx="0">
+            <a:schemeClr val="accent1"/>
+          </a:effectRef>
+          <a:fontRef idx="minor">
+            <a:schemeClr val="tx1"/>
+          </a:fontRef>
+        </p:style>
+      </p:cxnSp>
+      <p:cxnSp>
+        <p:nvCxnSpPr>
+          <p:cNvPr id="655" name="Shape 248">
+            <a:extLst>
+              <a:ext uri="{FF2B5EF4-FFF2-40B4-BE49-F238E27FC236}">
+                <a16:creationId xmlns:a16="http://schemas.microsoft.com/office/drawing/2014/main" id="{F991AF9D-2E75-4CF4-9E5A-D1B070E1EC42}"/>
+              </a:ext>
+            </a:extLst>
+          </p:cNvPr>
+          <p:cNvCxnSpPr>
+            <a:cxnSpLocks/>
+            <a:stCxn id="379" idx="2"/>
+            <a:endCxn id="1193" idx="0"/>
+          </p:cNvCxnSpPr>
+          <p:nvPr/>
+        </p:nvCxnSpPr>
+        <p:spPr>
+          <a:xfrm rot="5400000">
+            <a:off x="13288791" y="10723238"/>
+            <a:ext cx="375618" cy="1568471"/>
+          </a:xfrm>
+          <a:prstGeom prst="bentConnector3">
+            <a:avLst>
+              <a:gd name="adj1" fmla="val 50000"/>
+            </a:avLst>
+          </a:prstGeom>
+          <a:ln w="28575">
+            <a:tailEnd type="arrow"/>
+          </a:ln>
+        </p:spPr>
+        <p:style>
+          <a:lnRef idx="1">
+            <a:schemeClr val="accent1"/>
+          </a:lnRef>
+          <a:fillRef idx="0">
+            <a:schemeClr val="accent1"/>
+          </a:fillRef>
+          <a:effectRef idx="0">
+            <a:schemeClr val="accent1"/>
+          </a:effectRef>
+          <a:fontRef idx="minor">
+            <a:schemeClr val="tx1"/>
+          </a:fontRef>
+        </p:style>
+      </p:cxnSp>
+      <p:cxnSp>
+        <p:nvCxnSpPr>
+          <p:cNvPr id="658" name="Shape 248">
+            <a:extLst>
+              <a:ext uri="{FF2B5EF4-FFF2-40B4-BE49-F238E27FC236}">
+                <a16:creationId xmlns:a16="http://schemas.microsoft.com/office/drawing/2014/main" id="{96D6C161-390E-4A2C-879E-EBE8D071AE11}"/>
+              </a:ext>
+            </a:extLst>
+          </p:cNvPr>
+          <p:cNvCxnSpPr>
+            <a:cxnSpLocks/>
+            <a:stCxn id="379" idx="2"/>
+            <a:endCxn id="1229" idx="0"/>
+          </p:cNvCxnSpPr>
+          <p:nvPr/>
+        </p:nvCxnSpPr>
+        <p:spPr>
+          <a:xfrm rot="5400000">
+            <a:off x="10555829" y="7970120"/>
+            <a:ext cx="355462" cy="7054550"/>
+          </a:xfrm>
+          <a:prstGeom prst="bentConnector3">
+            <a:avLst>
+              <a:gd name="adj1" fmla="val 50000"/>
+            </a:avLst>
+          </a:prstGeom>
+          <a:ln w="28575">
+            <a:tailEnd type="arrow"/>
+          </a:ln>
+        </p:spPr>
+        <p:style>
+          <a:lnRef idx="1">
+            <a:schemeClr val="accent1"/>
+          </a:lnRef>
+          <a:fillRef idx="0">
+            <a:schemeClr val="accent1"/>
+          </a:fillRef>
+          <a:effectRef idx="0">
+            <a:schemeClr val="accent1"/>
+          </a:effectRef>
+          <a:fontRef idx="minor">
+            <a:schemeClr val="tx1"/>
+          </a:fontRef>
+        </p:style>
+      </p:cxnSp>
+      <p:cxnSp>
+        <p:nvCxnSpPr>
+          <p:cNvPr id="661" name="Shape 248">
+            <a:extLst>
+              <a:ext uri="{FF2B5EF4-FFF2-40B4-BE49-F238E27FC236}">
+                <a16:creationId xmlns:a16="http://schemas.microsoft.com/office/drawing/2014/main" id="{4A830ECB-43C0-4D69-9314-E626E4B13C5D}"/>
+              </a:ext>
+            </a:extLst>
+          </p:cNvPr>
+          <p:cNvCxnSpPr>
+            <a:cxnSpLocks/>
+            <a:stCxn id="379" idx="2"/>
+            <a:endCxn id="1389" idx="0"/>
+          </p:cNvCxnSpPr>
+          <p:nvPr/>
+        </p:nvCxnSpPr>
+        <p:spPr>
+          <a:xfrm rot="5400000">
+            <a:off x="8095656" y="5509945"/>
+            <a:ext cx="355460" cy="11974899"/>
+          </a:xfrm>
+          <a:prstGeom prst="bentConnector3">
+            <a:avLst>
+              <a:gd name="adj1" fmla="val 50000"/>
+            </a:avLst>
+          </a:prstGeom>
+          <a:ln w="28575">
+            <a:tailEnd type="arrow"/>
+          </a:ln>
+        </p:spPr>
+        <p:style>
+          <a:lnRef idx="1">
+            <a:schemeClr val="accent1"/>
+          </a:lnRef>
+          <a:fillRef idx="0">
+            <a:schemeClr val="accent1"/>
+          </a:fillRef>
+          <a:effectRef idx="0">
+            <a:schemeClr val="accent1"/>
           </a:effectRef>
           <a:fontRef idx="minor">
             <a:schemeClr val="tx1"/>

--- a/Наработки/диздоки/ЮАС/ЮАС общая.pptx
+++ b/Наработки/диздоки/ЮАС/ЮАС общая.pptx
@@ -209,7 +209,7 @@
             <a:fld id="{33E3D7F9-E251-484C-A6FF-FA958879DF69}" type="datetimeFigureOut">
               <a:rPr lang="ru-RU" smtClean="0"/>
               <a:pPr/>
-              <a:t>12.03.2025</a:t>
+              <a:t>13.03.2025</a:t>
             </a:fld>
             <a:endParaRPr lang="ru-RU"/>
           </a:p>
@@ -699,7 +699,7 @@
             <a:fld id="{85A5DE44-605B-4D3B-B2B7-94543DF81A36}" type="datetimeFigureOut">
               <a:rPr lang="ru-RU" smtClean="0"/>
               <a:pPr/>
-              <a:t>12.03.2025</a:t>
+              <a:t>13.03.2025</a:t>
             </a:fld>
             <a:endParaRPr lang="ru-RU"/>
           </a:p>
@@ -871,7 +871,7 @@
             <a:fld id="{85A5DE44-605B-4D3B-B2B7-94543DF81A36}" type="datetimeFigureOut">
               <a:rPr lang="ru-RU" smtClean="0"/>
               <a:pPr/>
-              <a:t>12.03.2025</a:t>
+              <a:t>13.03.2025</a:t>
             </a:fld>
             <a:endParaRPr lang="ru-RU"/>
           </a:p>
@@ -1053,7 +1053,7 @@
             <a:fld id="{85A5DE44-605B-4D3B-B2B7-94543DF81A36}" type="datetimeFigureOut">
               <a:rPr lang="ru-RU" smtClean="0"/>
               <a:pPr/>
-              <a:t>12.03.2025</a:t>
+              <a:t>13.03.2025</a:t>
             </a:fld>
             <a:endParaRPr lang="ru-RU"/>
           </a:p>
@@ -1225,7 +1225,7 @@
             <a:fld id="{85A5DE44-605B-4D3B-B2B7-94543DF81A36}" type="datetimeFigureOut">
               <a:rPr lang="ru-RU" smtClean="0"/>
               <a:pPr/>
-              <a:t>12.03.2025</a:t>
+              <a:t>13.03.2025</a:t>
             </a:fld>
             <a:endParaRPr lang="ru-RU"/>
           </a:p>
@@ -1473,7 +1473,7 @@
             <a:fld id="{85A5DE44-605B-4D3B-B2B7-94543DF81A36}" type="datetimeFigureOut">
               <a:rPr lang="ru-RU" smtClean="0"/>
               <a:pPr/>
-              <a:t>12.03.2025</a:t>
+              <a:t>13.03.2025</a:t>
             </a:fld>
             <a:endParaRPr lang="ru-RU"/>
           </a:p>
@@ -1707,7 +1707,7 @@
             <a:fld id="{85A5DE44-605B-4D3B-B2B7-94543DF81A36}" type="datetimeFigureOut">
               <a:rPr lang="ru-RU" smtClean="0"/>
               <a:pPr/>
-              <a:t>12.03.2025</a:t>
+              <a:t>13.03.2025</a:t>
             </a:fld>
             <a:endParaRPr lang="ru-RU"/>
           </a:p>
@@ -2076,7 +2076,7 @@
             <a:fld id="{85A5DE44-605B-4D3B-B2B7-94543DF81A36}" type="datetimeFigureOut">
               <a:rPr lang="ru-RU" smtClean="0"/>
               <a:pPr/>
-              <a:t>12.03.2025</a:t>
+              <a:t>13.03.2025</a:t>
             </a:fld>
             <a:endParaRPr lang="ru-RU"/>
           </a:p>
@@ -2196,7 +2196,7 @@
             <a:fld id="{85A5DE44-605B-4D3B-B2B7-94543DF81A36}" type="datetimeFigureOut">
               <a:rPr lang="ru-RU" smtClean="0"/>
               <a:pPr/>
-              <a:t>12.03.2025</a:t>
+              <a:t>13.03.2025</a:t>
             </a:fld>
             <a:endParaRPr lang="ru-RU"/>
           </a:p>
@@ -2293,7 +2293,7 @@
             <a:fld id="{85A5DE44-605B-4D3B-B2B7-94543DF81A36}" type="datetimeFigureOut">
               <a:rPr lang="ru-RU" smtClean="0"/>
               <a:pPr/>
-              <a:t>12.03.2025</a:t>
+              <a:t>13.03.2025</a:t>
             </a:fld>
             <a:endParaRPr lang="ru-RU"/>
           </a:p>
@@ -2572,7 +2572,7 @@
             <a:fld id="{85A5DE44-605B-4D3B-B2B7-94543DF81A36}" type="datetimeFigureOut">
               <a:rPr lang="ru-RU" smtClean="0"/>
               <a:pPr/>
-              <a:t>12.03.2025</a:t>
+              <a:t>13.03.2025</a:t>
             </a:fld>
             <a:endParaRPr lang="ru-RU"/>
           </a:p>
@@ -2831,7 +2831,7 @@
             <a:fld id="{85A5DE44-605B-4D3B-B2B7-94543DF81A36}" type="datetimeFigureOut">
               <a:rPr lang="ru-RU" smtClean="0"/>
               <a:pPr/>
-              <a:t>12.03.2025</a:t>
+              <a:t>13.03.2025</a:t>
             </a:fld>
             <a:endParaRPr lang="ru-RU"/>
           </a:p>
@@ -3046,7 +3046,7 @@
             <a:fld id="{85A5DE44-605B-4D3B-B2B7-94543DF81A36}" type="datetimeFigureOut">
               <a:rPr lang="ru-RU" smtClean="0"/>
               <a:pPr/>
-              <a:t>12.03.2025</a:t>
+              <a:t>13.03.2025</a:t>
             </a:fld>
             <a:endParaRPr lang="ru-RU"/>
           </a:p>

--- a/Наработки/диздоки/ЮАС/ЮАС общая.pptx
+++ b/Наработки/диздоки/ЮАС/ЮАС общая.pptx
@@ -209,7 +209,7 @@
             <a:fld id="{33E3D7F9-E251-484C-A6FF-FA958879DF69}" type="datetimeFigureOut">
               <a:rPr lang="ru-RU" smtClean="0"/>
               <a:pPr/>
-              <a:t>13.03.2025</a:t>
+              <a:t>23.03.2025</a:t>
             </a:fld>
             <a:endParaRPr lang="ru-RU"/>
           </a:p>
@@ -699,7 +699,7 @@
             <a:fld id="{85A5DE44-605B-4D3B-B2B7-94543DF81A36}" type="datetimeFigureOut">
               <a:rPr lang="ru-RU" smtClean="0"/>
               <a:pPr/>
-              <a:t>13.03.2025</a:t>
+              <a:t>23.03.2025</a:t>
             </a:fld>
             <a:endParaRPr lang="ru-RU"/>
           </a:p>
@@ -871,7 +871,7 @@
             <a:fld id="{85A5DE44-605B-4D3B-B2B7-94543DF81A36}" type="datetimeFigureOut">
               <a:rPr lang="ru-RU" smtClean="0"/>
               <a:pPr/>
-              <a:t>13.03.2025</a:t>
+              <a:t>23.03.2025</a:t>
             </a:fld>
             <a:endParaRPr lang="ru-RU"/>
           </a:p>
@@ -1053,7 +1053,7 @@
             <a:fld id="{85A5DE44-605B-4D3B-B2B7-94543DF81A36}" type="datetimeFigureOut">
               <a:rPr lang="ru-RU" smtClean="0"/>
               <a:pPr/>
-              <a:t>13.03.2025</a:t>
+              <a:t>23.03.2025</a:t>
             </a:fld>
             <a:endParaRPr lang="ru-RU"/>
           </a:p>
@@ -1225,7 +1225,7 @@
             <a:fld id="{85A5DE44-605B-4D3B-B2B7-94543DF81A36}" type="datetimeFigureOut">
               <a:rPr lang="ru-RU" smtClean="0"/>
               <a:pPr/>
-              <a:t>13.03.2025</a:t>
+              <a:t>23.03.2025</a:t>
             </a:fld>
             <a:endParaRPr lang="ru-RU"/>
           </a:p>
@@ -1473,7 +1473,7 @@
             <a:fld id="{85A5DE44-605B-4D3B-B2B7-94543DF81A36}" type="datetimeFigureOut">
               <a:rPr lang="ru-RU" smtClean="0"/>
               <a:pPr/>
-              <a:t>13.03.2025</a:t>
+              <a:t>23.03.2025</a:t>
             </a:fld>
             <a:endParaRPr lang="ru-RU"/>
           </a:p>
@@ -1707,7 +1707,7 @@
             <a:fld id="{85A5DE44-605B-4D3B-B2B7-94543DF81A36}" type="datetimeFigureOut">
               <a:rPr lang="ru-RU" smtClean="0"/>
               <a:pPr/>
-              <a:t>13.03.2025</a:t>
+              <a:t>23.03.2025</a:t>
             </a:fld>
             <a:endParaRPr lang="ru-RU"/>
           </a:p>
@@ -2076,7 +2076,7 @@
             <a:fld id="{85A5DE44-605B-4D3B-B2B7-94543DF81A36}" type="datetimeFigureOut">
               <a:rPr lang="ru-RU" smtClean="0"/>
               <a:pPr/>
-              <a:t>13.03.2025</a:t>
+              <a:t>23.03.2025</a:t>
             </a:fld>
             <a:endParaRPr lang="ru-RU"/>
           </a:p>
@@ -2196,7 +2196,7 @@
             <a:fld id="{85A5DE44-605B-4D3B-B2B7-94543DF81A36}" type="datetimeFigureOut">
               <a:rPr lang="ru-RU" smtClean="0"/>
               <a:pPr/>
-              <a:t>13.03.2025</a:t>
+              <a:t>23.03.2025</a:t>
             </a:fld>
             <a:endParaRPr lang="ru-RU"/>
           </a:p>
@@ -2293,7 +2293,7 @@
             <a:fld id="{85A5DE44-605B-4D3B-B2B7-94543DF81A36}" type="datetimeFigureOut">
               <a:rPr lang="ru-RU" smtClean="0"/>
               <a:pPr/>
-              <a:t>13.03.2025</a:t>
+              <a:t>23.03.2025</a:t>
             </a:fld>
             <a:endParaRPr lang="ru-RU"/>
           </a:p>
@@ -2572,7 +2572,7 @@
             <a:fld id="{85A5DE44-605B-4D3B-B2B7-94543DF81A36}" type="datetimeFigureOut">
               <a:rPr lang="ru-RU" smtClean="0"/>
               <a:pPr/>
-              <a:t>13.03.2025</a:t>
+              <a:t>23.03.2025</a:t>
             </a:fld>
             <a:endParaRPr lang="ru-RU"/>
           </a:p>
@@ -2831,7 +2831,7 @@
             <a:fld id="{85A5DE44-605B-4D3B-B2B7-94543DF81A36}" type="datetimeFigureOut">
               <a:rPr lang="ru-RU" smtClean="0"/>
               <a:pPr/>
-              <a:t>13.03.2025</a:t>
+              <a:t>23.03.2025</a:t>
             </a:fld>
             <a:endParaRPr lang="ru-RU"/>
           </a:p>
@@ -3046,7 +3046,7 @@
             <a:fld id="{85A5DE44-605B-4D3B-B2B7-94543DF81A36}" type="datetimeFigureOut">
               <a:rPr lang="ru-RU" smtClean="0"/>
               <a:pPr/>
-              <a:t>13.03.2025</a:t>
+              <a:t>23.03.2025</a:t>
             </a:fld>
             <a:endParaRPr lang="ru-RU"/>
           </a:p>
@@ -28677,7 +28677,7 @@
             <a:pPr algn="ctr"/>
             <a:r>
               <a:rPr lang="ru-RU" sz="1100" dirty="0"/>
-              <a:t>Присоединить Северную Родезию </a:t>
+              <a:t>Войти в Северную Родезию </a:t>
             </a:r>
             <a:r>
               <a:rPr lang="ru-RU" sz="900" dirty="0"/>
@@ -28730,7 +28730,7 @@
             <a:pPr algn="ctr"/>
             <a:r>
               <a:rPr lang="ru-RU" sz="1100" dirty="0"/>
-              <a:t>Потребовать контроль над протекторатами</a:t>
+              <a:t>Перехватить контроль над протекторатами</a:t>
             </a:r>
             <a:endParaRPr lang="ru-RU" sz="600" dirty="0"/>
           </a:p>
@@ -29055,7 +29055,7 @@
             <a:pPr algn="ctr"/>
             <a:r>
               <a:rPr lang="ru-RU" sz="1100" dirty="0"/>
-              <a:t>Присоединить Кению </a:t>
+              <a:t>Марш на Кению </a:t>
             </a:r>
             <a:r>
               <a:rPr lang="ru-RU" sz="800" dirty="0"/>
@@ -29200,7 +29200,7 @@
             <a:pPr algn="ctr"/>
             <a:r>
               <a:rPr lang="ru-RU" sz="1100" dirty="0"/>
-              <a:t>Присоединить </a:t>
+              <a:t>Оккупировать </a:t>
             </a:r>
             <a:r>
               <a:rPr lang="ru-RU" sz="1100" dirty="0" err="1"/>

--- a/Наработки/диздоки/ЮАС/ЮАС общая.pptx
+++ b/Наработки/диздоки/ЮАС/ЮАС общая.pptx
@@ -209,7 +209,7 @@
             <a:fld id="{33E3D7F9-E251-484C-A6FF-FA958879DF69}" type="datetimeFigureOut">
               <a:rPr lang="ru-RU" smtClean="0"/>
               <a:pPr/>
-              <a:t>23.03.2025</a:t>
+              <a:t>07.10.2025</a:t>
             </a:fld>
             <a:endParaRPr lang="ru-RU"/>
           </a:p>
@@ -699,7 +699,7 @@
             <a:fld id="{85A5DE44-605B-4D3B-B2B7-94543DF81A36}" type="datetimeFigureOut">
               <a:rPr lang="ru-RU" smtClean="0"/>
               <a:pPr/>
-              <a:t>23.03.2025</a:t>
+              <a:t>07.10.2025</a:t>
             </a:fld>
             <a:endParaRPr lang="ru-RU"/>
           </a:p>
@@ -871,7 +871,7 @@
             <a:fld id="{85A5DE44-605B-4D3B-B2B7-94543DF81A36}" type="datetimeFigureOut">
               <a:rPr lang="ru-RU" smtClean="0"/>
               <a:pPr/>
-              <a:t>23.03.2025</a:t>
+              <a:t>07.10.2025</a:t>
             </a:fld>
             <a:endParaRPr lang="ru-RU"/>
           </a:p>
@@ -1053,7 +1053,7 @@
             <a:fld id="{85A5DE44-605B-4D3B-B2B7-94543DF81A36}" type="datetimeFigureOut">
               <a:rPr lang="ru-RU" smtClean="0"/>
               <a:pPr/>
-              <a:t>23.03.2025</a:t>
+              <a:t>07.10.2025</a:t>
             </a:fld>
             <a:endParaRPr lang="ru-RU"/>
           </a:p>
@@ -1225,7 +1225,7 @@
             <a:fld id="{85A5DE44-605B-4D3B-B2B7-94543DF81A36}" type="datetimeFigureOut">
               <a:rPr lang="ru-RU" smtClean="0"/>
               <a:pPr/>
-              <a:t>23.03.2025</a:t>
+              <a:t>07.10.2025</a:t>
             </a:fld>
             <a:endParaRPr lang="ru-RU"/>
           </a:p>
@@ -1473,7 +1473,7 @@
             <a:fld id="{85A5DE44-605B-4D3B-B2B7-94543DF81A36}" type="datetimeFigureOut">
               <a:rPr lang="ru-RU" smtClean="0"/>
               <a:pPr/>
-              <a:t>23.03.2025</a:t>
+              <a:t>07.10.2025</a:t>
             </a:fld>
             <a:endParaRPr lang="ru-RU"/>
           </a:p>
@@ -1707,7 +1707,7 @@
             <a:fld id="{85A5DE44-605B-4D3B-B2B7-94543DF81A36}" type="datetimeFigureOut">
               <a:rPr lang="ru-RU" smtClean="0"/>
               <a:pPr/>
-              <a:t>23.03.2025</a:t>
+              <a:t>07.10.2025</a:t>
             </a:fld>
             <a:endParaRPr lang="ru-RU"/>
           </a:p>
@@ -2076,7 +2076,7 @@
             <a:fld id="{85A5DE44-605B-4D3B-B2B7-94543DF81A36}" type="datetimeFigureOut">
               <a:rPr lang="ru-RU" smtClean="0"/>
               <a:pPr/>
-              <a:t>23.03.2025</a:t>
+              <a:t>07.10.2025</a:t>
             </a:fld>
             <a:endParaRPr lang="ru-RU"/>
           </a:p>
@@ -2196,7 +2196,7 @@
             <a:fld id="{85A5DE44-605B-4D3B-B2B7-94543DF81A36}" type="datetimeFigureOut">
               <a:rPr lang="ru-RU" smtClean="0"/>
               <a:pPr/>
-              <a:t>23.03.2025</a:t>
+              <a:t>07.10.2025</a:t>
             </a:fld>
             <a:endParaRPr lang="ru-RU"/>
           </a:p>
@@ -2293,7 +2293,7 @@
             <a:fld id="{85A5DE44-605B-4D3B-B2B7-94543DF81A36}" type="datetimeFigureOut">
               <a:rPr lang="ru-RU" smtClean="0"/>
               <a:pPr/>
-              <a:t>23.03.2025</a:t>
+              <a:t>07.10.2025</a:t>
             </a:fld>
             <a:endParaRPr lang="ru-RU"/>
           </a:p>
@@ -2572,7 +2572,7 @@
             <a:fld id="{85A5DE44-605B-4D3B-B2B7-94543DF81A36}" type="datetimeFigureOut">
               <a:rPr lang="ru-RU" smtClean="0"/>
               <a:pPr/>
-              <a:t>23.03.2025</a:t>
+              <a:t>07.10.2025</a:t>
             </a:fld>
             <a:endParaRPr lang="ru-RU"/>
           </a:p>
@@ -2831,7 +2831,7 @@
             <a:fld id="{85A5DE44-605B-4D3B-B2B7-94543DF81A36}" type="datetimeFigureOut">
               <a:rPr lang="ru-RU" smtClean="0"/>
               <a:pPr/>
-              <a:t>23.03.2025</a:t>
+              <a:t>07.10.2025</a:t>
             </a:fld>
             <a:endParaRPr lang="ru-RU"/>
           </a:p>
@@ -3046,7 +3046,7 @@
             <a:fld id="{85A5DE44-605B-4D3B-B2B7-94543DF81A36}" type="datetimeFigureOut">
               <a:rPr lang="ru-RU" smtClean="0"/>
               <a:pPr/>
-              <a:t>23.03.2025</a:t>
+              <a:t>07.10.2025</a:t>
             </a:fld>
             <a:endParaRPr lang="ru-RU"/>
           </a:p>
@@ -7772,15 +7772,7 @@
             <a:pPr algn="ctr"/>
             <a:r>
               <a:rPr lang="ru-RU" sz="1100" dirty="0"/>
-              <a:t>Обитель для чёрных (</a:t>
-            </a:r>
-            <a:r>
-              <a:rPr lang="ru-RU" sz="1100" dirty="0" err="1"/>
-              <a:t>кирино</a:t>
-            </a:r>
-            <a:r>
-              <a:rPr lang="ru-RU" sz="1100" dirty="0"/>
-              <a:t>)</a:t>
+              <a:t>Обитель для чёрных</a:t>
             </a:r>
             <a:endParaRPr lang="ru-RU" sz="300" dirty="0"/>
           </a:p>
@@ -8158,11 +8150,7 @@
             <a:pPr algn="ctr"/>
             <a:r>
               <a:rPr lang="ru-RU" sz="1100" dirty="0"/>
-              <a:t>Изгнать буров (текущее)</a:t>
-            </a:r>
-            <a:r>
-              <a:rPr lang="en-US" sz="1100" dirty="0"/>
-              <a:t> https://en.wikipedia.org/wiki/Anton_Lembede</a:t>
+              <a:t>Провозгласить ДЮАР</a:t>
             </a:r>
             <a:endParaRPr lang="ru-RU" sz="300" dirty="0"/>
           </a:p>
@@ -8217,7 +8205,7 @@
             <a:pPr algn="ctr"/>
             <a:r>
               <a:rPr lang="ru-RU" sz="1100" dirty="0"/>
-              <a:t>Искать союз с западными демократами (текущее)</a:t>
+              <a:t>Искать союз с западными демократами</a:t>
             </a:r>
             <a:endParaRPr lang="ru-RU" sz="300" dirty="0"/>
           </a:p>
@@ -8272,7 +8260,7 @@
             <a:pPr algn="ctr"/>
             <a:r>
               <a:rPr lang="ru-RU" sz="1100" dirty="0"/>
-              <a:t>Сотрудничество с великими державами (текущее)</a:t>
+              <a:t>Сотрудничество с великими державами</a:t>
             </a:r>
             <a:endParaRPr lang="ru-RU" sz="300" dirty="0"/>
           </a:p>
@@ -8327,7 +8315,7 @@
             <a:pPr algn="ctr"/>
             <a:r>
               <a:rPr lang="ru-RU" sz="1100" dirty="0"/>
-              <a:t>Сокращение научного отставания (текущее)</a:t>
+              <a:t>Сокращение научного отставания</a:t>
             </a:r>
             <a:endParaRPr lang="ru-RU" sz="300" dirty="0"/>
           </a:p>
@@ -8382,7 +8370,7 @@
             <a:pPr algn="ctr"/>
             <a:r>
               <a:rPr lang="ru-RU" sz="1100" dirty="0"/>
-              <a:t>Демократический союз африканских народов Южной Африки (текущее, но переименовать)</a:t>
+              <a:t>Демократический союз африканских народов Южной Африки</a:t>
             </a:r>
             <a:endParaRPr lang="ru-RU" sz="300" dirty="0"/>
           </a:p>
@@ -8482,7 +8470,7 @@
             <a:pPr algn="ctr"/>
             <a:r>
               <a:rPr lang="ru-RU" sz="1100" dirty="0"/>
-              <a:t>Пригласить Намибию (текущее)</a:t>
+              <a:t>Пригласить Намибию</a:t>
             </a:r>
             <a:endParaRPr lang="ru-RU" sz="300" dirty="0"/>
           </a:p>
@@ -8537,7 +8525,7 @@
             <a:pPr algn="ctr"/>
             <a:r>
               <a:rPr lang="ru-RU" sz="1100" dirty="0"/>
-              <a:t>Пригласить Конго (текущее)</a:t>
+              <a:t>Пригласить Конго</a:t>
             </a:r>
             <a:endParaRPr lang="ru-RU" sz="300" dirty="0"/>
           </a:p>
@@ -8592,7 +8580,7 @@
             <a:pPr algn="ctr"/>
             <a:r>
               <a:rPr lang="ru-RU" sz="1100" dirty="0"/>
-              <a:t>Освободить Конго (текущее)</a:t>
+              <a:t>Освободить Конго</a:t>
             </a:r>
             <a:endParaRPr lang="ru-RU" sz="300" dirty="0"/>
           </a:p>
@@ -9007,7 +8995,7 @@
             <a:pPr algn="ctr"/>
             <a:r>
               <a:rPr lang="ru-RU" sz="1100" dirty="0"/>
-              <a:t>Освободить Анголу (текущее)</a:t>
+              <a:t>Освободить Анголу</a:t>
             </a:r>
             <a:endParaRPr lang="ru-RU" sz="300" dirty="0"/>
           </a:p>
@@ -9062,7 +9050,7 @@
             <a:pPr algn="ctr"/>
             <a:r>
               <a:rPr lang="ru-RU" sz="1100" dirty="0"/>
-              <a:t>Пригласить Эфиопию (текущее)</a:t>
+              <a:t>Пригласить Эфиопию</a:t>
             </a:r>
             <a:endParaRPr lang="ru-RU" sz="300" dirty="0"/>
           </a:p>
@@ -9117,7 +9105,7 @@
             <a:pPr algn="ctr"/>
             <a:r>
               <a:rPr lang="ru-RU" sz="1100" dirty="0"/>
-              <a:t>Пригласить Мозамбик (текущее)</a:t>
+              <a:t>Пригласить Мозамбик</a:t>
             </a:r>
             <a:endParaRPr lang="ru-RU" sz="300" dirty="0"/>
           </a:p>
@@ -9172,7 +9160,7 @@
             <a:pPr algn="ctr"/>
             <a:r>
               <a:rPr lang="ru-RU" sz="1100" dirty="0"/>
-              <a:t>Пригласить Либерию (текущее)</a:t>
+              <a:t>Пригласить Либерию</a:t>
             </a:r>
             <a:endParaRPr lang="ru-RU" sz="300" dirty="0"/>
           </a:p>
@@ -9456,11 +9444,7 @@
             <a:pPr algn="ctr"/>
             <a:r>
               <a:rPr lang="ru-RU" sz="1100" dirty="0"/>
-              <a:t>Политика родной земли </a:t>
-            </a:r>
-            <a:r>
-              <a:rPr lang="ru-RU" sz="900" dirty="0"/>
-              <a:t>(Текущее)</a:t>
+              <a:t>Политика родной земли</a:t>
             </a:r>
             <a:endParaRPr lang="ru-RU" sz="600" dirty="0"/>
           </a:p>
@@ -9661,11 +9645,7 @@
             <a:pPr algn="ctr"/>
             <a:r>
               <a:rPr lang="ru-RU" sz="1100" dirty="0"/>
-              <a:t>Вступить в Коминтерн </a:t>
-            </a:r>
-            <a:r>
-              <a:rPr lang="ru-RU" sz="900" dirty="0"/>
-              <a:t>(Текущее)</a:t>
+              <a:t>Вступить в Коминтерн</a:t>
             </a:r>
             <a:endParaRPr lang="ru-RU" sz="600" dirty="0"/>
           </a:p>
@@ -9717,11 +9697,7 @@
             <a:pPr algn="ctr"/>
             <a:r>
               <a:rPr lang="ru-RU" sz="1100" dirty="0"/>
-              <a:t>Пригласить советников из Кремля </a:t>
-            </a:r>
-            <a:r>
-              <a:rPr lang="ru-RU" sz="900" dirty="0"/>
-              <a:t>(Текущее)</a:t>
+              <a:t>Пригласить советников из Кремля</a:t>
             </a:r>
             <a:endParaRPr lang="ru-RU" sz="600" dirty="0"/>
           </a:p>
@@ -10042,11 +10018,7 @@
             <a:pPr algn="ctr"/>
             <a:r>
               <a:rPr lang="ru-RU" sz="1100" dirty="0"/>
-              <a:t>Программа обмена студентами </a:t>
-            </a:r>
-            <a:r>
-              <a:rPr lang="ru-RU" sz="900" dirty="0"/>
-              <a:t>(Текущее)</a:t>
+              <a:t>Программа обмена студентами</a:t>
             </a:r>
             <a:endParaRPr lang="ru-RU" sz="600" dirty="0"/>
           </a:p>
@@ -10098,11 +10070,7 @@
             <a:pPr algn="ctr"/>
             <a:r>
               <a:rPr lang="ru-RU" sz="1100" dirty="0"/>
-              <a:t>Принести коммунизм в Намибию </a:t>
-            </a:r>
-            <a:r>
-              <a:rPr lang="ru-RU" sz="900" dirty="0"/>
-              <a:t>(Текущее)</a:t>
+              <a:t>Принести коммунизм в Намибию</a:t>
             </a:r>
             <a:endParaRPr lang="ru-RU" sz="600" dirty="0"/>
           </a:p>
@@ -10154,11 +10122,7 @@
             <a:pPr algn="ctr"/>
             <a:r>
               <a:rPr lang="ru-RU" sz="1100" dirty="0"/>
-              <a:t>Освободить Анголу и Мозамбик </a:t>
-            </a:r>
-            <a:r>
-              <a:rPr lang="ru-RU" sz="900" dirty="0"/>
-              <a:t>(Текущее)</a:t>
+              <a:t>Освободить Анголу и Мозамбик</a:t>
             </a:r>
             <a:endParaRPr lang="ru-RU" sz="600" dirty="0"/>
           </a:p>
@@ -10210,11 +10174,7 @@
             <a:pPr algn="ctr"/>
             <a:r>
               <a:rPr lang="ru-RU" sz="1100" dirty="0"/>
-              <a:t>Деколонизация Конго </a:t>
-            </a:r>
-            <a:r>
-              <a:rPr lang="ru-RU" sz="900" dirty="0"/>
-              <a:t>(Текущее)</a:t>
+              <a:t>Деколонизация Конго</a:t>
             </a:r>
             <a:endParaRPr lang="ru-RU" sz="600" dirty="0"/>
           </a:p>
@@ -10266,11 +10226,7 @@
             <a:pPr algn="ctr"/>
             <a:r>
               <a:rPr lang="ru-RU" sz="1100" dirty="0"/>
-              <a:t>Объединить Южноафриканскую республику </a:t>
-            </a:r>
-            <a:r>
-              <a:rPr lang="ru-RU" sz="900" dirty="0"/>
-              <a:t>(новое, сожрать внутренние королевства)</a:t>
+              <a:t>Объединить Южноафриканскую республику</a:t>
             </a:r>
             <a:endParaRPr lang="ru-RU" sz="600" dirty="0"/>
           </a:p>
@@ -10322,19 +10278,7 @@
             <a:pPr algn="ctr"/>
             <a:r>
               <a:rPr lang="ru-RU" sz="1100" dirty="0"/>
-              <a:t>Потребовать Мадагаскар </a:t>
-            </a:r>
-            <a:r>
-              <a:rPr lang="ru-RU" sz="900" dirty="0"/>
-              <a:t>(Новое, сожрать </a:t>
-            </a:r>
-            <a:r>
-              <a:rPr lang="ru-RU" sz="900" dirty="0" err="1"/>
-              <a:t>мадагаскар</a:t>
-            </a:r>
-            <a:r>
-              <a:rPr lang="ru-RU" sz="900" dirty="0"/>
-              <a:t>)</a:t>
+              <a:t>Потребовать Мадагаскар</a:t>
             </a:r>
             <a:endParaRPr lang="ru-RU" sz="600" dirty="0"/>
           </a:p>
@@ -11402,7 +11346,7 @@
             <a:pPr algn="ctr"/>
             <a:r>
               <a:rPr lang="ru-RU" sz="1100" dirty="0"/>
-              <a:t>Инвестиции от союзников (новое)</a:t>
+              <a:t>Инвестиции от союзников</a:t>
             </a:r>
             <a:endParaRPr lang="ru-RU" sz="300" dirty="0"/>
           </a:p>
@@ -11502,7 +11446,7 @@
             <a:pPr algn="ctr"/>
             <a:r>
               <a:rPr lang="ru-RU" sz="1100" dirty="0"/>
-              <a:t>Пригласить Родезию (новое)</a:t>
+              <a:t>Пригласить Родезию</a:t>
             </a:r>
             <a:endParaRPr lang="ru-RU" sz="300" dirty="0"/>
           </a:p>
@@ -11851,7 +11795,7 @@
             <a:pPr algn="ctr"/>
             <a:r>
               <a:rPr lang="ru-RU" sz="1100" dirty="0"/>
-              <a:t>Объединиться против угнетателей</a:t>
+              <a:t>Создать первое интернациональное государство</a:t>
             </a:r>
             <a:endParaRPr lang="ru-RU" sz="300" dirty="0"/>
           </a:p>
@@ -11955,11 +11899,7 @@
             <a:pPr algn="ctr"/>
             <a:r>
               <a:rPr lang="ru-RU" sz="1100" dirty="0"/>
-              <a:t>Поддержать мировую революцию </a:t>
-            </a:r>
-            <a:r>
-              <a:rPr lang="ru-RU" sz="700" dirty="0"/>
-              <a:t>(вступление в 4 интернационал, но изменено название)</a:t>
+              <a:t>Поддержать мировую революцию</a:t>
             </a:r>
             <a:endParaRPr lang="ru-RU" sz="300" dirty="0"/>
           </a:p>
@@ -12115,7 +12055,7 @@
             <a:pPr algn="ctr"/>
             <a:r>
               <a:rPr lang="ru-RU" sz="1100" dirty="0"/>
-              <a:t>Помочь в еврейском вопросе (евреи принадлежали к цветным)</a:t>
+              <a:t>Помочь в еврейском вопросе</a:t>
             </a:r>
             <a:endParaRPr lang="ru-RU" sz="300" dirty="0"/>
           </a:p>
@@ -12271,7 +12211,7 @@
             <a:pPr algn="ctr"/>
             <a:r>
               <a:rPr lang="ru-RU" sz="1100" dirty="0"/>
-              <a:t>Пригласить Турцию (текущее)</a:t>
+              <a:t>Пригласить Турцию</a:t>
             </a:r>
             <a:endParaRPr lang="ru-RU" sz="300" dirty="0"/>
           </a:p>
@@ -12323,7 +12263,7 @@
             <a:pPr algn="ctr"/>
             <a:r>
               <a:rPr lang="ru-RU" sz="1100" dirty="0"/>
-              <a:t>Пригласить Палестину  (текущее)</a:t>
+              <a:t>Пригласить Палестину</a:t>
             </a:r>
             <a:endParaRPr lang="ru-RU" sz="300" dirty="0"/>
           </a:p>
@@ -12375,7 +12315,7 @@
             <a:pPr algn="ctr"/>
             <a:r>
               <a:rPr lang="ru-RU" sz="1100" dirty="0"/>
-              <a:t>Пригласить Южную Родезию  (текущее)</a:t>
+              <a:t>Пригласить Южную Родезию</a:t>
             </a:r>
             <a:endParaRPr lang="ru-RU" sz="300" dirty="0"/>
           </a:p>
@@ -13212,7 +13152,7 @@
             <a:pPr algn="ctr"/>
             <a:r>
               <a:rPr lang="ru-RU" sz="1100" dirty="0"/>
-              <a:t>Пригласить Индию  (новый)</a:t>
+              <a:t>Пригласить Индию</a:t>
             </a:r>
             <a:endParaRPr lang="ru-RU" sz="300" dirty="0"/>
           </a:p>
@@ -14524,11 +14464,7 @@
             <a:pPr algn="ctr"/>
             <a:r>
               <a:rPr lang="ru-RU" sz="1100" dirty="0"/>
-              <a:t>Принести коммунизм в Родезию </a:t>
-            </a:r>
-            <a:r>
-              <a:rPr lang="ru-RU" sz="900" dirty="0"/>
-              <a:t>(новое)</a:t>
+              <a:t>Принести коммунизм в Родезию</a:t>
             </a:r>
             <a:endParaRPr lang="ru-RU" sz="600" dirty="0"/>
           </a:p>
@@ -14760,11 +14696,7 @@
             <a:pPr algn="ctr"/>
             <a:r>
               <a:rPr lang="ru-RU" sz="1100" dirty="0"/>
-              <a:t>Освободить Британские колонии </a:t>
-            </a:r>
-            <a:r>
-              <a:rPr lang="ru-RU" sz="900" dirty="0"/>
-              <a:t>(Текущее)</a:t>
+              <a:t>Освободить Британские колонии</a:t>
             </a:r>
             <a:endParaRPr lang="ru-RU" sz="600" dirty="0"/>
           </a:p>
@@ -14861,11 +14793,7 @@
             <a:pPr algn="ctr"/>
             <a:r>
               <a:rPr lang="ru-RU" sz="1100" dirty="0"/>
-              <a:t>Освободить Французские колонии </a:t>
-            </a:r>
-            <a:r>
-              <a:rPr lang="ru-RU" sz="900" dirty="0"/>
-              <a:t>(Текущее)</a:t>
+              <a:t>Освободить Французские колонии</a:t>
             </a:r>
             <a:endParaRPr lang="ru-RU" sz="600" dirty="0"/>
           </a:p>
@@ -15429,11 +15357,7 @@
             <a:pPr algn="ctr"/>
             <a:r>
               <a:rPr lang="ru-RU" sz="1100" dirty="0"/>
-              <a:t>Пригласить Родезийскую республику </a:t>
-            </a:r>
-            <a:r>
-              <a:rPr lang="ru-RU" sz="900" dirty="0"/>
-              <a:t>(новое)</a:t>
+              <a:t>Пригласить Родезийскую республику</a:t>
             </a:r>
             <a:endParaRPr lang="ru-RU" sz="600" dirty="0"/>
           </a:p>
@@ -15530,11 +15454,7 @@
             <a:pPr algn="ctr"/>
             <a:r>
               <a:rPr lang="ru-RU" sz="1100" dirty="0"/>
-              <a:t>Объединиться с союзными республиками </a:t>
-            </a:r>
-            <a:r>
-              <a:rPr lang="ru-RU" sz="900" dirty="0"/>
-              <a:t>(новое)</a:t>
+              <a:t>Объединиться с союзными республиками</a:t>
             </a:r>
             <a:endParaRPr lang="ru-RU" sz="600" dirty="0"/>
           </a:p>
@@ -20028,11 +19948,7 @@
             <a:pPr algn="ctr"/>
             <a:r>
               <a:rPr lang="ru-RU" sz="1100" dirty="0"/>
-              <a:t>Пригласить рабочую республику Конго </a:t>
-            </a:r>
-            <a:r>
-              <a:rPr lang="ru-RU" sz="900" dirty="0"/>
-              <a:t>(новое)</a:t>
+              <a:t>Пригласить рабочую республику Конго</a:t>
             </a:r>
             <a:endParaRPr lang="ru-RU" sz="600" dirty="0"/>
           </a:p>
@@ -20143,7 +20059,7 @@
         </p:nvSpPr>
         <p:spPr>
           <a:xfrm>
-            <a:off x="7623299" y="534590"/>
+            <a:off x="7870037" y="534590"/>
             <a:ext cx="1156124" cy="645064"/>
           </a:xfrm>
           <a:prstGeom prst="rect">
@@ -20235,7 +20151,7 @@
         </p:nvSpPr>
         <p:spPr>
           <a:xfrm>
-            <a:off x="7623299" y="2600458"/>
+            <a:off x="7870037" y="2600458"/>
             <a:ext cx="1156124" cy="645064"/>
           </a:xfrm>
           <a:prstGeom prst="rect">
@@ -20339,7 +20255,7 @@
         </p:nvCxnSpPr>
         <p:spPr>
           <a:xfrm>
-            <a:off x="7992604" y="5042022"/>
+            <a:off x="8239342" y="5042022"/>
             <a:ext cx="439649" cy="0"/>
           </a:xfrm>
           <a:prstGeom prst="line">
@@ -20380,7 +20296,7 @@
         </p:nvSpPr>
         <p:spPr>
           <a:xfrm>
-            <a:off x="7618168" y="3639595"/>
+            <a:off x="7864906" y="3639595"/>
             <a:ext cx="1156124" cy="645064"/>
           </a:xfrm>
           <a:prstGeom prst="rect">
@@ -20448,7 +20364,7 @@
         </p:nvSpPr>
         <p:spPr>
           <a:xfrm>
-            <a:off x="6836480" y="4719490"/>
+            <a:off x="7083218" y="4719490"/>
             <a:ext cx="1156124" cy="645064"/>
           </a:xfrm>
           <a:prstGeom prst="rect">
@@ -20516,7 +20432,7 @@
         </p:nvSpPr>
         <p:spPr>
           <a:xfrm>
-            <a:off x="8432253" y="4719490"/>
+            <a:off x="8678991" y="4719490"/>
             <a:ext cx="1156124" cy="645064"/>
           </a:xfrm>
           <a:prstGeom prst="rect">
@@ -20576,7 +20492,7 @@
         </p:nvSpPr>
         <p:spPr>
           <a:xfrm>
-            <a:off x="6826304" y="1565185"/>
+            <a:off x="7073042" y="1565185"/>
             <a:ext cx="1156124" cy="645064"/>
           </a:xfrm>
           <a:prstGeom prst="rect">
@@ -20632,7 +20548,7 @@
         </p:nvSpPr>
         <p:spPr>
           <a:xfrm>
-            <a:off x="9213190" y="1566074"/>
+            <a:off x="9459928" y="1566074"/>
             <a:ext cx="1156124" cy="643812"/>
           </a:xfrm>
           <a:prstGeom prst="rect">
@@ -20696,7 +20612,7 @@
         </p:nvSpPr>
         <p:spPr>
           <a:xfrm>
-            <a:off x="6026067" y="3643611"/>
+            <a:off x="6272805" y="3643611"/>
             <a:ext cx="1156124" cy="645064"/>
           </a:xfrm>
           <a:prstGeom prst="rect">
@@ -20784,7 +20700,7 @@
         </p:nvSpPr>
         <p:spPr>
           <a:xfrm>
-            <a:off x="4431680" y="1560701"/>
+            <a:off x="4678418" y="1560701"/>
             <a:ext cx="1156124" cy="645064"/>
           </a:xfrm>
           <a:prstGeom prst="rect">
@@ -20856,7 +20772,7 @@
         </p:nvSpPr>
         <p:spPr>
           <a:xfrm>
-            <a:off x="9219072" y="2602134"/>
+            <a:off x="9465810" y="2602134"/>
             <a:ext cx="1156124" cy="645064"/>
           </a:xfrm>
           <a:prstGeom prst="rect">
@@ -20908,7 +20824,7 @@
         </p:nvSpPr>
         <p:spPr>
           <a:xfrm>
-            <a:off x="4427339" y="2607054"/>
+            <a:off x="4674077" y="2607054"/>
             <a:ext cx="1156124" cy="645064"/>
           </a:xfrm>
           <a:prstGeom prst="rect">
@@ -20972,7 +20888,7 @@
         </p:nvSpPr>
         <p:spPr>
           <a:xfrm>
-            <a:off x="10809022" y="1567398"/>
+            <a:off x="11055760" y="1567398"/>
             <a:ext cx="1156124" cy="645064"/>
           </a:xfrm>
           <a:prstGeom prst="rect">
@@ -21024,7 +20940,7 @@
         </p:nvSpPr>
         <p:spPr>
           <a:xfrm>
-            <a:off x="6024583" y="2607054"/>
+            <a:off x="6271321" y="2607054"/>
             <a:ext cx="1156124" cy="645064"/>
           </a:xfrm>
           <a:prstGeom prst="rect">
@@ -21076,7 +20992,7 @@
         </p:nvSpPr>
         <p:spPr>
           <a:xfrm>
-            <a:off x="4424474" y="3650974"/>
+            <a:off x="4671212" y="3650974"/>
             <a:ext cx="1156124" cy="645064"/>
           </a:xfrm>
           <a:prstGeom prst="rect">
@@ -22549,27 +22465,7 @@
             <a:pPr algn="ctr"/>
             <a:r>
               <a:rPr lang="ru-RU" sz="1100" dirty="0"/>
-              <a:t>Уничтожить коммунистов у границы </a:t>
-            </a:r>
-            <a:r>
-              <a:rPr lang="ru-RU" sz="200" dirty="0"/>
-              <a:t>(если граничишь с </a:t>
-            </a:r>
-            <a:r>
-              <a:rPr lang="ru-RU" sz="200" dirty="0" err="1"/>
-              <a:t>комми</a:t>
-            </a:r>
-            <a:r>
-              <a:rPr lang="ru-RU" sz="200" dirty="0"/>
-              <a:t>) (В заявлении о принципах внешней политики Южной Африки, составленном </a:t>
-            </a:r>
-            <a:r>
-              <a:rPr lang="ru-RU" sz="200" dirty="0" err="1"/>
-              <a:t>Пироу</a:t>
-            </a:r>
-            <a:r>
-              <a:rPr lang="ru-RU" sz="200" dirty="0"/>
-              <a:t> для кабинета министров в марте 1938 года, первым принципом была борьба с коммунизмом,)</a:t>
+              <a:t>Уничтожить коммунистов у границы</a:t>
             </a:r>
             <a:endParaRPr lang="ru-RU" sz="600" dirty="0"/>
           </a:p>
@@ -23271,11 +23167,7 @@
             </a:r>
             <a:r>
               <a:rPr lang="ru-RU" sz="1100" dirty="0"/>
-              <a:t> договор </a:t>
-            </a:r>
-            <a:r>
-              <a:rPr lang="ru-RU" sz="800" dirty="0"/>
-              <a:t>(союзы с белыми в Африке)</a:t>
+              <a:t> договор</a:t>
             </a:r>
             <a:endParaRPr lang="ru-RU" sz="600" dirty="0"/>
           </a:p>
@@ -24226,8 +24118,8 @@
         </p:nvCxnSpPr>
         <p:spPr>
           <a:xfrm flipV="1">
-            <a:off x="8779423" y="854098"/>
-            <a:ext cx="11478367" cy="3024"/>
+            <a:off x="9026161" y="854098"/>
+            <a:ext cx="11231629" cy="3024"/>
           </a:xfrm>
           <a:prstGeom prst="line">
             <a:avLst/>
@@ -25313,12 +25205,9 @@
             <a:pPr algn="ctr"/>
             <a:r>
               <a:rPr lang="ru-RU" sz="1100" dirty="0"/>
-              <a:t>Защита интересов в Африке </a:t>
-            </a:r>
-            <a:r>
-              <a:rPr lang="ru-RU" sz="600" dirty="0"/>
-              <a:t>(ваниль, но переделать до Кении)</a:t>
-            </a:r>
+              <a:t>Защита интересов в Африке</a:t>
+            </a:r>
+            <a:endParaRPr lang="ru-RU" sz="600" dirty="0"/>
           </a:p>
         </p:txBody>
       </p:sp>
@@ -25336,7 +25225,7 @@
         </p:nvSpPr>
         <p:spPr>
           <a:xfrm>
-            <a:off x="10869664" y="2614683"/>
+            <a:off x="11116402" y="2614683"/>
             <a:ext cx="1144480" cy="639015"/>
           </a:xfrm>
           <a:prstGeom prst="rect">
@@ -25390,7 +25279,7 @@
         </p:nvSpPr>
         <p:spPr>
           <a:xfrm>
-            <a:off x="12154702" y="3624634"/>
+            <a:off x="11116402" y="5744222"/>
             <a:ext cx="1144480" cy="639015"/>
           </a:xfrm>
           <a:prstGeom prst="rect">
@@ -25444,7 +25333,7 @@
         </p:nvSpPr>
         <p:spPr>
           <a:xfrm>
-            <a:off x="10864514" y="3639595"/>
+            <a:off x="11111252" y="3639595"/>
             <a:ext cx="1144480" cy="639015"/>
           </a:xfrm>
           <a:prstGeom prst="rect">
@@ -25498,7 +25387,7 @@
         </p:nvSpPr>
         <p:spPr>
           <a:xfrm>
-            <a:off x="10033847" y="4722515"/>
+            <a:off x="10280585" y="4722515"/>
             <a:ext cx="1144480" cy="639015"/>
           </a:xfrm>
           <a:prstGeom prst="rect">
@@ -25552,7 +25441,7 @@
         </p:nvSpPr>
         <p:spPr>
           <a:xfrm>
-            <a:off x="11507814" y="4704594"/>
+            <a:off x="11987475" y="4726689"/>
             <a:ext cx="1144480" cy="639015"/>
           </a:xfrm>
           <a:prstGeom prst="rect">
@@ -25594,51 +25483,6 @@
       </p:sp>
       <p:cxnSp>
         <p:nvCxnSpPr>
-          <p:cNvPr id="534" name="Shape 248">
-            <a:extLst>
-              <a:ext uri="{FF2B5EF4-FFF2-40B4-BE49-F238E27FC236}">
-                <a16:creationId xmlns:a16="http://schemas.microsoft.com/office/drawing/2014/main" id="{08481D3F-06DB-40C6-A12F-ED370F71D1C9}"/>
-              </a:ext>
-            </a:extLst>
-          </p:cNvPr>
-          <p:cNvCxnSpPr>
-            <a:cxnSpLocks/>
-            <a:stCxn id="522" idx="2"/>
-            <a:endCxn id="526" idx="0"/>
-          </p:cNvCxnSpPr>
-          <p:nvPr/>
-        </p:nvCxnSpPr>
-        <p:spPr>
-          <a:xfrm rot="16200000" flipH="1">
-            <a:off x="11898955" y="2796647"/>
-            <a:ext cx="370936" cy="1285038"/>
-          </a:xfrm>
-          <a:prstGeom prst="bentConnector3">
-            <a:avLst>
-              <a:gd name="adj1" fmla="val 50000"/>
-            </a:avLst>
-          </a:prstGeom>
-          <a:ln w="28575">
-            <a:tailEnd type="arrow"/>
-          </a:ln>
-        </p:spPr>
-        <p:style>
-          <a:lnRef idx="1">
-            <a:schemeClr val="accent1"/>
-          </a:lnRef>
-          <a:fillRef idx="0">
-            <a:schemeClr val="accent1"/>
-          </a:fillRef>
-          <a:effectRef idx="0">
-            <a:schemeClr val="accent1"/>
-          </a:effectRef>
-          <a:fontRef idx="minor">
-            <a:schemeClr val="tx1"/>
-          </a:fontRef>
-        </p:style>
-      </p:cxnSp>
-      <p:cxnSp>
-        <p:nvCxnSpPr>
           <p:cNvPr id="535" name="Shape 248">
             <a:extLst>
               <a:ext uri="{FF2B5EF4-FFF2-40B4-BE49-F238E27FC236}">
@@ -25655,7 +25499,7 @@
         </p:nvCxnSpPr>
         <p:spPr>
           <a:xfrm rot="5400000">
-            <a:off x="10289588" y="3570198"/>
+            <a:off x="10536326" y="3570198"/>
             <a:ext cx="1468817" cy="835817"/>
           </a:xfrm>
           <a:prstGeom prst="bentConnector3">
@@ -25700,7 +25544,7 @@
         </p:nvCxnSpPr>
         <p:spPr>
           <a:xfrm rot="5400000">
-            <a:off x="7610099" y="973922"/>
+            <a:off x="7856837" y="973922"/>
             <a:ext cx="385531" cy="796995"/>
           </a:xfrm>
           <a:prstGeom prst="bentConnector3">
@@ -25745,7 +25589,7 @@
         </p:nvCxnSpPr>
         <p:spPr>
           <a:xfrm rot="16200000" flipH="1">
-            <a:off x="8803096" y="577918"/>
+            <a:off x="9049834" y="577918"/>
             <a:ext cx="386420" cy="1589891"/>
           </a:xfrm>
           <a:prstGeom prst="bentConnector3">
@@ -25790,7 +25634,7 @@
         </p:nvCxnSpPr>
         <p:spPr>
           <a:xfrm rot="16200000" flipH="1">
-            <a:off x="9600350" y="-219336"/>
+            <a:off x="9847088" y="-219336"/>
             <a:ext cx="387744" cy="3185723"/>
           </a:xfrm>
           <a:prstGeom prst="bentConnector3">
@@ -25835,7 +25679,7 @@
         </p:nvCxnSpPr>
         <p:spPr>
           <a:xfrm>
-            <a:off x="9791252" y="2209886"/>
+            <a:off x="10037990" y="2209886"/>
             <a:ext cx="5882" cy="392248"/>
           </a:xfrm>
           <a:prstGeom prst="straightConnector1">
@@ -25878,7 +25722,7 @@
         </p:nvCxnSpPr>
         <p:spPr>
           <a:xfrm rot="5400000">
-            <a:off x="8801021" y="1610227"/>
+            <a:off x="9047759" y="1610227"/>
             <a:ext cx="390572" cy="1589891"/>
           </a:xfrm>
           <a:prstGeom prst="bentConnector3">
@@ -25923,7 +25767,7 @@
         </p:nvCxnSpPr>
         <p:spPr>
           <a:xfrm rot="5400000">
-            <a:off x="8001760" y="3439993"/>
+            <a:off x="8248498" y="3439993"/>
             <a:ext cx="394073" cy="5131"/>
           </a:xfrm>
           <a:prstGeom prst="bentConnector3">
@@ -25968,7 +25812,7 @@
         </p:nvCxnSpPr>
         <p:spPr>
           <a:xfrm rot="5400000">
-            <a:off x="7587971" y="4111230"/>
+            <a:off x="7834709" y="4111230"/>
             <a:ext cx="434831" cy="781688"/>
           </a:xfrm>
           <a:prstGeom prst="bentConnector3">
@@ -26013,7 +25857,7 @@
         </p:nvCxnSpPr>
         <p:spPr>
           <a:xfrm rot="16200000" flipH="1">
-            <a:off x="8385857" y="4095031"/>
+            <a:off x="8632595" y="4095031"/>
             <a:ext cx="434831" cy="814085"/>
           </a:xfrm>
           <a:prstGeom prst="bentConnector3">
@@ -26058,7 +25902,7 @@
         </p:nvCxnSpPr>
         <p:spPr>
           <a:xfrm rot="5400000">
-            <a:off x="6805104" y="2007791"/>
+            <a:off x="7051842" y="2007791"/>
             <a:ext cx="396805" cy="801721"/>
           </a:xfrm>
           <a:prstGeom prst="bentConnector3">
@@ -26103,7 +25947,7 @@
         </p:nvCxnSpPr>
         <p:spPr>
           <a:xfrm rot="16200000" flipH="1">
-            <a:off x="7607759" y="2006855"/>
+            <a:off x="7854497" y="2006855"/>
             <a:ext cx="390209" cy="796995"/>
           </a:xfrm>
           <a:prstGeom prst="bentConnector3">
@@ -26148,7 +25992,7 @@
         </p:nvCxnSpPr>
         <p:spPr>
           <a:xfrm>
-            <a:off x="6602645" y="3252118"/>
+            <a:off x="6849383" y="3252118"/>
             <a:ext cx="1484" cy="391493"/>
           </a:xfrm>
           <a:prstGeom prst="straightConnector1">
@@ -26191,7 +26035,7 @@
         </p:nvCxnSpPr>
         <p:spPr>
           <a:xfrm rot="5400000">
-            <a:off x="6415029" y="-225632"/>
+            <a:off x="6661767" y="-225632"/>
             <a:ext cx="381047" cy="3191619"/>
           </a:xfrm>
           <a:prstGeom prst="bentConnector3">
@@ -26236,7 +26080,7 @@
         </p:nvCxnSpPr>
         <p:spPr>
           <a:xfrm flipH="1">
-            <a:off x="5005401" y="2205765"/>
+            <a:off x="5252139" y="2205765"/>
             <a:ext cx="4341" cy="401289"/>
           </a:xfrm>
           <a:prstGeom prst="straightConnector1">
@@ -26279,7 +26123,7 @@
         </p:nvCxnSpPr>
         <p:spPr>
           <a:xfrm flipH="1">
-            <a:off x="5002536" y="3252118"/>
+            <a:off x="5249274" y="3252118"/>
             <a:ext cx="2865" cy="398856"/>
           </a:xfrm>
           <a:prstGeom prst="straightConnector1">
@@ -26322,8 +26166,8 @@
         </p:nvCxnSpPr>
         <p:spPr>
           <a:xfrm rot="5400000">
-            <a:off x="12941063" y="697355"/>
-            <a:ext cx="418169" cy="3416486"/>
+            <a:off x="13064432" y="820724"/>
+            <a:ext cx="418169" cy="3169748"/>
           </a:xfrm>
           <a:prstGeom prst="bentConnector3">
             <a:avLst>
@@ -26368,7 +26212,7 @@
         </p:nvCxnSpPr>
         <p:spPr>
           <a:xfrm rot="16200000" flipH="1">
-            <a:off x="10414180" y="1586958"/>
+            <a:off x="10660918" y="1586958"/>
             <a:ext cx="404797" cy="1650652"/>
           </a:xfrm>
           <a:prstGeom prst="bentConnector3">
@@ -26684,7 +26528,7 @@
         </p:nvCxnSpPr>
         <p:spPr>
           <a:xfrm flipH="1">
-            <a:off x="11436754" y="3253698"/>
+            <a:off x="11683492" y="3253698"/>
             <a:ext cx="5150" cy="385897"/>
           </a:xfrm>
           <a:prstGeom prst="straightConnector1">
@@ -26769,7 +26613,7 @@
         </p:nvSpPr>
         <p:spPr>
           <a:xfrm>
-            <a:off x="9224768" y="3650974"/>
+            <a:off x="9471506" y="3650974"/>
             <a:ext cx="1156124" cy="645064"/>
           </a:xfrm>
           <a:prstGeom prst="rect">
@@ -26973,7 +26817,7 @@
         </p:nvCxnSpPr>
         <p:spPr>
           <a:xfrm rot="16200000" flipH="1">
-            <a:off x="8799369" y="2647513"/>
+            <a:off x="9046107" y="2647513"/>
             <a:ext cx="405452" cy="1601469"/>
           </a:xfrm>
           <a:prstGeom prst="bentConnector3">
@@ -27490,7 +27334,7 @@
         </p:nvSpPr>
         <p:spPr>
           <a:xfrm>
-            <a:off x="7624469" y="5744222"/>
+            <a:off x="7871207" y="5744222"/>
             <a:ext cx="1156124" cy="645064"/>
           </a:xfrm>
           <a:prstGeom prst="rect">
@@ -27562,7 +27406,7 @@
         </p:nvCxnSpPr>
         <p:spPr>
           <a:xfrm>
-            <a:off x="8196230" y="4284659"/>
+            <a:off x="8442968" y="4284659"/>
             <a:ext cx="6301" cy="1459563"/>
           </a:xfrm>
           <a:prstGeom prst="straightConnector1">
@@ -27601,7 +27445,7 @@
         </p:nvSpPr>
         <p:spPr>
           <a:xfrm>
-            <a:off x="9224768" y="5744222"/>
+            <a:off x="9471506" y="5744222"/>
             <a:ext cx="1156124" cy="645064"/>
           </a:xfrm>
           <a:prstGeom prst="rect">
@@ -27653,7 +27497,7 @@
         </p:nvSpPr>
         <p:spPr>
           <a:xfrm>
-            <a:off x="7624841" y="6741731"/>
+            <a:off x="7871579" y="6741731"/>
             <a:ext cx="1156124" cy="645064"/>
           </a:xfrm>
           <a:prstGeom prst="rect">
@@ -27709,7 +27553,7 @@
         </p:nvCxnSpPr>
         <p:spPr>
           <a:xfrm>
-            <a:off x="9802830" y="4296038"/>
+            <a:off x="10049568" y="4296038"/>
             <a:ext cx="0" cy="1448184"/>
           </a:xfrm>
           <a:prstGeom prst="straightConnector1">
@@ -27752,7 +27596,7 @@
         </p:nvCxnSpPr>
         <p:spPr>
           <a:xfrm>
-            <a:off x="8202531" y="6389286"/>
+            <a:off x="8449269" y="6389286"/>
             <a:ext cx="372" cy="352445"/>
           </a:xfrm>
           <a:prstGeom prst="straightConnector1">
@@ -27791,7 +27635,7 @@
         </p:nvSpPr>
         <p:spPr>
           <a:xfrm>
-            <a:off x="7624841" y="7693989"/>
+            <a:off x="7871579" y="7693989"/>
             <a:ext cx="1156124" cy="645064"/>
           </a:xfrm>
           <a:prstGeom prst="rect">
@@ -27843,7 +27687,7 @@
         </p:nvSpPr>
         <p:spPr>
           <a:xfrm>
-            <a:off x="9224768" y="6745920"/>
+            <a:off x="9471506" y="6745920"/>
             <a:ext cx="1156124" cy="645064"/>
           </a:xfrm>
           <a:prstGeom prst="rect">
@@ -27899,7 +27743,7 @@
         </p:nvCxnSpPr>
         <p:spPr>
           <a:xfrm rot="16200000" flipH="1">
-            <a:off x="8824363" y="5767453"/>
+            <a:off x="9071101" y="5767453"/>
             <a:ext cx="356634" cy="1600299"/>
           </a:xfrm>
           <a:prstGeom prst="bentConnector3">
@@ -27944,7 +27788,7 @@
         </p:nvCxnSpPr>
         <p:spPr>
           <a:xfrm>
-            <a:off x="8202903" y="7386795"/>
+            <a:off x="8449641" y="7386795"/>
             <a:ext cx="0" cy="307194"/>
           </a:xfrm>
           <a:prstGeom prst="straightConnector1">
@@ -27983,7 +27827,7 @@
         </p:nvSpPr>
         <p:spPr>
           <a:xfrm>
-            <a:off x="9224768" y="7698531"/>
+            <a:off x="9471506" y="7698531"/>
             <a:ext cx="1156124" cy="645064"/>
           </a:xfrm>
           <a:prstGeom prst="rect">
@@ -28043,7 +27887,7 @@
         </p:nvCxnSpPr>
         <p:spPr>
           <a:xfrm>
-            <a:off x="9802830" y="7390984"/>
+            <a:off x="10049568" y="7390984"/>
             <a:ext cx="0" cy="307547"/>
           </a:xfrm>
           <a:prstGeom prst="straightConnector1">
@@ -28267,12 +28111,12 @@
         </p:nvCxnSpPr>
         <p:spPr>
           <a:xfrm rot="16200000" flipH="1">
-            <a:off x="11035531" y="3660071"/>
-            <a:ext cx="1450896" cy="638150"/>
+            <a:off x="11387683" y="3554656"/>
+            <a:ext cx="1472991" cy="871073"/>
           </a:xfrm>
           <a:prstGeom prst="bentConnector3">
             <a:avLst>
-              <a:gd name="adj1" fmla="val 12626"/>
+              <a:gd name="adj1" fmla="val 13454"/>
             </a:avLst>
           </a:prstGeom>
           <a:ln w="28575">
@@ -29474,6 +29318,98 @@
           <a:prstGeom prst="bentConnector3">
             <a:avLst>
               <a:gd name="adj1" fmla="val 12974"/>
+            </a:avLst>
+          </a:prstGeom>
+          <a:ln w="28575">
+            <a:prstDash val="dash"/>
+            <a:tailEnd type="arrow"/>
+          </a:ln>
+        </p:spPr>
+        <p:style>
+          <a:lnRef idx="1">
+            <a:schemeClr val="accent1"/>
+          </a:lnRef>
+          <a:fillRef idx="0">
+            <a:schemeClr val="accent1"/>
+          </a:fillRef>
+          <a:effectRef idx="0">
+            <a:schemeClr val="accent1"/>
+          </a:effectRef>
+          <a:fontRef idx="minor">
+            <a:schemeClr val="tx1"/>
+          </a:fontRef>
+        </p:style>
+      </p:cxnSp>
+      <p:cxnSp>
+        <p:nvCxnSpPr>
+          <p:cNvPr id="542" name="Shape 248">
+            <a:extLst>
+              <a:ext uri="{FF2B5EF4-FFF2-40B4-BE49-F238E27FC236}">
+                <a16:creationId xmlns:a16="http://schemas.microsoft.com/office/drawing/2014/main" id="{9837546E-8D94-498F-BF75-424B31B327A3}"/>
+              </a:ext>
+            </a:extLst>
+          </p:cNvPr>
+          <p:cNvCxnSpPr>
+            <a:cxnSpLocks/>
+            <a:stCxn id="533" idx="2"/>
+            <a:endCxn id="526" idx="0"/>
+          </p:cNvCxnSpPr>
+          <p:nvPr/>
+        </p:nvCxnSpPr>
+        <p:spPr>
+          <a:xfrm rot="5400000">
+            <a:off x="11934920" y="5119427"/>
+            <a:ext cx="378518" cy="871073"/>
+          </a:xfrm>
+          <a:prstGeom prst="bentConnector3">
+            <a:avLst>
+              <a:gd name="adj1" fmla="val 50000"/>
+            </a:avLst>
+          </a:prstGeom>
+          <a:ln w="28575">
+            <a:prstDash val="dash"/>
+            <a:tailEnd type="arrow"/>
+          </a:ln>
+        </p:spPr>
+        <p:style>
+          <a:lnRef idx="1">
+            <a:schemeClr val="accent1"/>
+          </a:lnRef>
+          <a:fillRef idx="0">
+            <a:schemeClr val="accent1"/>
+          </a:fillRef>
+          <a:effectRef idx="0">
+            <a:schemeClr val="accent1"/>
+          </a:effectRef>
+          <a:fontRef idx="minor">
+            <a:schemeClr val="tx1"/>
+          </a:fontRef>
+        </p:style>
+      </p:cxnSp>
+      <p:cxnSp>
+        <p:nvCxnSpPr>
+          <p:cNvPr id="543" name="Shape 248">
+            <a:extLst>
+              <a:ext uri="{FF2B5EF4-FFF2-40B4-BE49-F238E27FC236}">
+                <a16:creationId xmlns:a16="http://schemas.microsoft.com/office/drawing/2014/main" id="{E1D1C444-C947-41E0-A5AE-E41820BDDD37}"/>
+              </a:ext>
+            </a:extLst>
+          </p:cNvPr>
+          <p:cNvCxnSpPr>
+            <a:cxnSpLocks/>
+            <a:stCxn id="530" idx="2"/>
+            <a:endCxn id="526" idx="0"/>
+          </p:cNvCxnSpPr>
+          <p:nvPr/>
+        </p:nvCxnSpPr>
+        <p:spPr>
+          <a:xfrm rot="16200000" flipH="1">
+            <a:off x="11079387" y="5134967"/>
+            <a:ext cx="382692" cy="835817"/>
+          </a:xfrm>
+          <a:prstGeom prst="bentConnector3">
+            <a:avLst>
+              <a:gd name="adj1" fmla="val 50000"/>
             </a:avLst>
           </a:prstGeom>
           <a:ln w="28575">

--- a/Наработки/диздоки/ЮАС/ЮАС общая.pptx
+++ b/Наработки/диздоки/ЮАС/ЮАС общая.pptx
@@ -209,7 +209,7 @@
             <a:fld id="{33E3D7F9-E251-484C-A6FF-FA958879DF69}" type="datetimeFigureOut">
               <a:rPr lang="ru-RU" smtClean="0"/>
               <a:pPr/>
-              <a:t>07.10.2025</a:t>
+              <a:t>22.10.2025</a:t>
             </a:fld>
             <a:endParaRPr lang="ru-RU"/>
           </a:p>
@@ -699,7 +699,7 @@
             <a:fld id="{85A5DE44-605B-4D3B-B2B7-94543DF81A36}" type="datetimeFigureOut">
               <a:rPr lang="ru-RU" smtClean="0"/>
               <a:pPr/>
-              <a:t>07.10.2025</a:t>
+              <a:t>22.10.2025</a:t>
             </a:fld>
             <a:endParaRPr lang="ru-RU"/>
           </a:p>
@@ -871,7 +871,7 @@
             <a:fld id="{85A5DE44-605B-4D3B-B2B7-94543DF81A36}" type="datetimeFigureOut">
               <a:rPr lang="ru-RU" smtClean="0"/>
               <a:pPr/>
-              <a:t>07.10.2025</a:t>
+              <a:t>22.10.2025</a:t>
             </a:fld>
             <a:endParaRPr lang="ru-RU"/>
           </a:p>
@@ -1053,7 +1053,7 @@
             <a:fld id="{85A5DE44-605B-4D3B-B2B7-94543DF81A36}" type="datetimeFigureOut">
               <a:rPr lang="ru-RU" smtClean="0"/>
               <a:pPr/>
-              <a:t>07.10.2025</a:t>
+              <a:t>22.10.2025</a:t>
             </a:fld>
             <a:endParaRPr lang="ru-RU"/>
           </a:p>
@@ -1225,7 +1225,7 @@
             <a:fld id="{85A5DE44-605B-4D3B-B2B7-94543DF81A36}" type="datetimeFigureOut">
               <a:rPr lang="ru-RU" smtClean="0"/>
               <a:pPr/>
-              <a:t>07.10.2025</a:t>
+              <a:t>22.10.2025</a:t>
             </a:fld>
             <a:endParaRPr lang="ru-RU"/>
           </a:p>
@@ -1473,7 +1473,7 @@
             <a:fld id="{85A5DE44-605B-4D3B-B2B7-94543DF81A36}" type="datetimeFigureOut">
               <a:rPr lang="ru-RU" smtClean="0"/>
               <a:pPr/>
-              <a:t>07.10.2025</a:t>
+              <a:t>22.10.2025</a:t>
             </a:fld>
             <a:endParaRPr lang="ru-RU"/>
           </a:p>
@@ -1707,7 +1707,7 @@
             <a:fld id="{85A5DE44-605B-4D3B-B2B7-94543DF81A36}" type="datetimeFigureOut">
               <a:rPr lang="ru-RU" smtClean="0"/>
               <a:pPr/>
-              <a:t>07.10.2025</a:t>
+              <a:t>22.10.2025</a:t>
             </a:fld>
             <a:endParaRPr lang="ru-RU"/>
           </a:p>
@@ -2076,7 +2076,7 @@
             <a:fld id="{85A5DE44-605B-4D3B-B2B7-94543DF81A36}" type="datetimeFigureOut">
               <a:rPr lang="ru-RU" smtClean="0"/>
               <a:pPr/>
-              <a:t>07.10.2025</a:t>
+              <a:t>22.10.2025</a:t>
             </a:fld>
             <a:endParaRPr lang="ru-RU"/>
           </a:p>
@@ -2196,7 +2196,7 @@
             <a:fld id="{85A5DE44-605B-4D3B-B2B7-94543DF81A36}" type="datetimeFigureOut">
               <a:rPr lang="ru-RU" smtClean="0"/>
               <a:pPr/>
-              <a:t>07.10.2025</a:t>
+              <a:t>22.10.2025</a:t>
             </a:fld>
             <a:endParaRPr lang="ru-RU"/>
           </a:p>
@@ -2293,7 +2293,7 @@
             <a:fld id="{85A5DE44-605B-4D3B-B2B7-94543DF81A36}" type="datetimeFigureOut">
               <a:rPr lang="ru-RU" smtClean="0"/>
               <a:pPr/>
-              <a:t>07.10.2025</a:t>
+              <a:t>22.10.2025</a:t>
             </a:fld>
             <a:endParaRPr lang="ru-RU"/>
           </a:p>
@@ -2572,7 +2572,7 @@
             <a:fld id="{85A5DE44-605B-4D3B-B2B7-94543DF81A36}" type="datetimeFigureOut">
               <a:rPr lang="ru-RU" smtClean="0"/>
               <a:pPr/>
-              <a:t>07.10.2025</a:t>
+              <a:t>22.10.2025</a:t>
             </a:fld>
             <a:endParaRPr lang="ru-RU"/>
           </a:p>
@@ -2831,7 +2831,7 @@
             <a:fld id="{85A5DE44-605B-4D3B-B2B7-94543DF81A36}" type="datetimeFigureOut">
               <a:rPr lang="ru-RU" smtClean="0"/>
               <a:pPr/>
-              <a:t>07.10.2025</a:t>
+              <a:t>22.10.2025</a:t>
             </a:fld>
             <a:endParaRPr lang="ru-RU"/>
           </a:p>
@@ -3046,7 +3046,7 @@
             <a:fld id="{85A5DE44-605B-4D3B-B2B7-94543DF81A36}" type="datetimeFigureOut">
               <a:rPr lang="ru-RU" smtClean="0"/>
               <a:pPr/>
-              <a:t>07.10.2025</a:t>
+              <a:t>22.10.2025</a:t>
             </a:fld>
             <a:endParaRPr lang="ru-RU"/>
           </a:p>
@@ -12107,7 +12107,7 @@
             <a:pPr algn="ctr"/>
             <a:r>
               <a:rPr lang="ru-RU" sz="1100" dirty="0"/>
-              <a:t>Спасти угнетённых арабов</a:t>
+              <a:t>Спасти угнетённых берберов</a:t>
             </a:r>
             <a:endParaRPr lang="ru-RU" sz="300" dirty="0"/>
           </a:p>
@@ -13926,7 +13926,15 @@
             <a:pPr algn="ctr"/>
             <a:r>
               <a:rPr lang="ru-RU" sz="1100" dirty="0"/>
-              <a:t>Объявить войну колонизаторам </a:t>
+              <a:t>Объявить войну </a:t>
+            </a:r>
+            <a:r>
+              <a:rPr lang="ru-RU" sz="1100" dirty="0" err="1"/>
+              <a:t>колонизму</a:t>
+            </a:r>
+            <a:r>
+              <a:rPr lang="ru-RU" sz="1100" dirty="0"/>
+              <a:t> </a:t>
             </a:r>
             <a:endParaRPr lang="ru-RU" sz="300" dirty="0"/>
           </a:p>
@@ -21324,8 +21332,9 @@
             <a:avLst/>
           </a:prstGeom>
           <a:solidFill>
-            <a:schemeClr val="bg2">
-              <a:lumMod val="75000"/>
+            <a:schemeClr val="accent1">
+              <a:lumMod val="40000"/>
+              <a:lumOff val="60000"/>
             </a:schemeClr>
           </a:solidFill>
           <a:ln w="28575"/>
@@ -21421,67 +21430,6 @@
         <p:spPr>
           <a:xfrm>
             <a:off x="20257790" y="2623375"/>
-            <a:ext cx="1144480" cy="639015"/>
-          </a:xfrm>
-          <a:prstGeom prst="rect">
-            <a:avLst/>
-          </a:prstGeom>
-          <a:solidFill>
-            <a:schemeClr val="bg2">
-              <a:lumMod val="75000"/>
-            </a:schemeClr>
-          </a:solidFill>
-          <a:ln w="28575"/>
-        </p:spPr>
-        <p:style>
-          <a:lnRef idx="2">
-            <a:schemeClr val="accent1"/>
-          </a:lnRef>
-          <a:fillRef idx="1">
-            <a:schemeClr val="lt1"/>
-          </a:fillRef>
-          <a:effectRef idx="0">
-            <a:schemeClr val="accent1"/>
-          </a:effectRef>
-          <a:fontRef idx="minor">
-            <a:schemeClr val="dk1"/>
-          </a:fontRef>
-        </p:style>
-        <p:txBody>
-          <a:bodyPr lIns="124733" tIns="62367" rIns="124733" bIns="62367" rtlCol="0" anchor="ctr"/>
-          <a:lstStyle/>
-          <a:p>
-            <a:pPr algn="ctr"/>
-            <a:r>
-              <a:rPr lang="ru-RU" sz="1100" dirty="0"/>
-              <a:t>Вопрос о нейтралитете</a:t>
-            </a:r>
-            <a:br>
-              <a:rPr lang="ru-RU" sz="1100" dirty="0"/>
-            </a:br>
-            <a:r>
-              <a:rPr lang="ru-RU" sz="900" dirty="0"/>
-              <a:t>(4 сентября 1939)</a:t>
-            </a:r>
-            <a:endParaRPr lang="ru-RU" sz="600" dirty="0"/>
-          </a:p>
-        </p:txBody>
-      </p:sp>
-      <p:sp>
-        <p:nvSpPr>
-          <p:cNvPr id="381" name="Прямоугольник 380">
-            <a:extLst>
-              <a:ext uri="{FF2B5EF4-FFF2-40B4-BE49-F238E27FC236}">
-                <a16:creationId xmlns:a16="http://schemas.microsoft.com/office/drawing/2014/main" id="{17751346-EC58-40A2-A1F5-2614E3F50C59}"/>
-              </a:ext>
-            </a:extLst>
-          </p:cNvPr>
-          <p:cNvSpPr/>
-          <p:nvPr/>
-        </p:nvSpPr>
-        <p:spPr>
-          <a:xfrm>
-            <a:off x="21106983" y="3639599"/>
             <a:ext cx="1144480" cy="639015"/>
           </a:xfrm>
           <a:prstGeom prst="rect">
@@ -21516,7 +21464,14 @@
             <a:pPr algn="ctr"/>
             <a:r>
               <a:rPr lang="ru-RU" sz="1100" dirty="0"/>
-              <a:t>Отставка премьера</a:t>
+              <a:t>Вопрос о нейтралитете</a:t>
+            </a:r>
+            <a:br>
+              <a:rPr lang="ru-RU" sz="1100" dirty="0"/>
+            </a:br>
+            <a:r>
+              <a:rPr lang="ru-RU" sz="900" dirty="0"/>
+              <a:t>(4 сентября 1939)</a:t>
             </a:r>
             <a:endParaRPr lang="ru-RU" sz="600" dirty="0"/>
           </a:p>
@@ -21524,10 +21479,10 @@
       </p:sp>
       <p:sp>
         <p:nvSpPr>
-          <p:cNvPr id="382" name="Прямоугольник 381">
-            <a:extLst>
-              <a:ext uri="{FF2B5EF4-FFF2-40B4-BE49-F238E27FC236}">
-                <a16:creationId xmlns:a16="http://schemas.microsoft.com/office/drawing/2014/main" id="{9948CE1D-4F49-40A1-A9C1-65101BC6AB4E}"/>
+          <p:cNvPr id="381" name="Прямоугольник 380">
+            <a:extLst>
+              <a:ext uri="{FF2B5EF4-FFF2-40B4-BE49-F238E27FC236}">
+                <a16:creationId xmlns:a16="http://schemas.microsoft.com/office/drawing/2014/main" id="{17751346-EC58-40A2-A1F5-2614E3F50C59}"/>
               </a:ext>
             </a:extLst>
           </p:cNvPr>
@@ -21536,611 +21491,7 @@
         </p:nvSpPr>
         <p:spPr>
           <a:xfrm>
-            <a:off x="19402599" y="3639599"/>
-            <a:ext cx="1144480" cy="639015"/>
-          </a:xfrm>
-          <a:prstGeom prst="rect">
-            <a:avLst/>
-          </a:prstGeom>
-          <a:solidFill>
-            <a:schemeClr val="bg2">
-              <a:lumMod val="75000"/>
-            </a:schemeClr>
-          </a:solidFill>
-          <a:ln w="28575"/>
-        </p:spPr>
-        <p:style>
-          <a:lnRef idx="2">
-            <a:schemeClr val="accent1"/>
-          </a:lnRef>
-          <a:fillRef idx="1">
-            <a:schemeClr val="lt1"/>
-          </a:fillRef>
-          <a:effectRef idx="0">
-            <a:schemeClr val="accent1"/>
-          </a:effectRef>
-          <a:fontRef idx="minor">
-            <a:schemeClr val="dk1"/>
-          </a:fontRef>
-        </p:style>
-        <p:txBody>
-          <a:bodyPr lIns="124733" tIns="62367" rIns="124733" bIns="62367" rtlCol="0" anchor="ctr"/>
-          <a:lstStyle/>
-          <a:p>
-            <a:pPr algn="ctr"/>
-            <a:r>
-              <a:rPr lang="ru-RU" sz="1100" dirty="0"/>
-              <a:t>Укрепление позиций премьера</a:t>
-            </a:r>
-            <a:endParaRPr lang="ru-RU" sz="600" dirty="0"/>
-          </a:p>
-        </p:txBody>
-      </p:sp>
-      <p:cxnSp>
-        <p:nvCxnSpPr>
-          <p:cNvPr id="383" name="Прямая соединительная линия 382">
-            <a:extLst>
-              <a:ext uri="{FF2B5EF4-FFF2-40B4-BE49-F238E27FC236}">
-                <a16:creationId xmlns:a16="http://schemas.microsoft.com/office/drawing/2014/main" id="{706D1093-EB1B-4007-8D05-BC7DFED9040D}"/>
-              </a:ext>
-            </a:extLst>
-          </p:cNvPr>
-          <p:cNvCxnSpPr>
-            <a:cxnSpLocks/>
-            <a:stCxn id="378" idx="3"/>
-            <a:endCxn id="373" idx="1"/>
-          </p:cNvCxnSpPr>
-          <p:nvPr/>
-        </p:nvCxnSpPr>
-        <p:spPr>
-          <a:xfrm flipV="1">
-            <a:off x="21402270" y="1881173"/>
-            <a:ext cx="3735218" cy="11386"/>
-          </a:xfrm>
-          <a:prstGeom prst="line">
-            <a:avLst/>
-          </a:prstGeom>
-          <a:ln w="38100">
-            <a:solidFill>
-              <a:srgbClr val="FF0000"/>
-            </a:solidFill>
-          </a:ln>
-        </p:spPr>
-        <p:style>
-          <a:lnRef idx="1">
-            <a:schemeClr val="accent2"/>
-          </a:lnRef>
-          <a:fillRef idx="0">
-            <a:schemeClr val="accent2"/>
-          </a:fillRef>
-          <a:effectRef idx="0">
-            <a:schemeClr val="accent2"/>
-          </a:effectRef>
-          <a:fontRef idx="minor">
-            <a:schemeClr val="tx1"/>
-          </a:fontRef>
-        </p:style>
-      </p:cxnSp>
-      <p:cxnSp>
-        <p:nvCxnSpPr>
-          <p:cNvPr id="386" name="Прямая соединительная линия 385">
-            <a:extLst>
-              <a:ext uri="{FF2B5EF4-FFF2-40B4-BE49-F238E27FC236}">
-                <a16:creationId xmlns:a16="http://schemas.microsoft.com/office/drawing/2014/main" id="{BEDAA63B-2559-4FFC-916B-E9134E797A09}"/>
-              </a:ext>
-            </a:extLst>
-          </p:cNvPr>
-          <p:cNvCxnSpPr>
-            <a:cxnSpLocks/>
-            <a:stCxn id="374" idx="3"/>
-            <a:endCxn id="378" idx="1"/>
-          </p:cNvCxnSpPr>
-          <p:nvPr/>
-        </p:nvCxnSpPr>
-        <p:spPr>
-          <a:xfrm>
-            <a:off x="15430630" y="1877007"/>
-            <a:ext cx="4827160" cy="15552"/>
-          </a:xfrm>
-          <a:prstGeom prst="line">
-            <a:avLst/>
-          </a:prstGeom>
-          <a:ln w="38100">
-            <a:solidFill>
-              <a:srgbClr val="FF0000"/>
-            </a:solidFill>
-          </a:ln>
-        </p:spPr>
-        <p:style>
-          <a:lnRef idx="1">
-            <a:schemeClr val="accent2"/>
-          </a:lnRef>
-          <a:fillRef idx="0">
-            <a:schemeClr val="accent2"/>
-          </a:fillRef>
-          <a:effectRef idx="0">
-            <a:schemeClr val="accent2"/>
-          </a:effectRef>
-          <a:fontRef idx="minor">
-            <a:schemeClr val="tx1"/>
-          </a:fontRef>
-        </p:style>
-      </p:cxnSp>
-      <p:cxnSp>
-        <p:nvCxnSpPr>
-          <p:cNvPr id="389" name="Shape 248">
-            <a:extLst>
-              <a:ext uri="{FF2B5EF4-FFF2-40B4-BE49-F238E27FC236}">
-                <a16:creationId xmlns:a16="http://schemas.microsoft.com/office/drawing/2014/main" id="{111CA5E0-81F5-4545-962C-DAF776D34EF6}"/>
-              </a:ext>
-            </a:extLst>
-          </p:cNvPr>
-          <p:cNvCxnSpPr>
-            <a:cxnSpLocks/>
-            <a:stCxn id="371" idx="2"/>
-            <a:endCxn id="374" idx="0"/>
-          </p:cNvCxnSpPr>
-          <p:nvPr/>
-        </p:nvCxnSpPr>
-        <p:spPr>
-          <a:xfrm rot="5400000">
-            <a:off x="17652263" y="-1620268"/>
-            <a:ext cx="383894" cy="5971640"/>
-          </a:xfrm>
-          <a:prstGeom prst="bentConnector3">
-            <a:avLst>
-              <a:gd name="adj1" fmla="val 50000"/>
-            </a:avLst>
-          </a:prstGeom>
-          <a:ln w="28575">
-            <a:tailEnd type="arrow"/>
-          </a:ln>
-        </p:spPr>
-        <p:style>
-          <a:lnRef idx="1">
-            <a:schemeClr val="accent1"/>
-          </a:lnRef>
-          <a:fillRef idx="0">
-            <a:schemeClr val="accent1"/>
-          </a:fillRef>
-          <a:effectRef idx="0">
-            <a:schemeClr val="accent1"/>
-          </a:effectRef>
-          <a:fontRef idx="minor">
-            <a:schemeClr val="tx1"/>
-          </a:fontRef>
-        </p:style>
-      </p:cxnSp>
-      <p:cxnSp>
-        <p:nvCxnSpPr>
-          <p:cNvPr id="392" name="Shape 248">
-            <a:extLst>
-              <a:ext uri="{FF2B5EF4-FFF2-40B4-BE49-F238E27FC236}">
-                <a16:creationId xmlns:a16="http://schemas.microsoft.com/office/drawing/2014/main" id="{3A09FF40-AFD4-4354-ADFE-2EC0CEC15650}"/>
-              </a:ext>
-            </a:extLst>
-          </p:cNvPr>
-          <p:cNvCxnSpPr>
-            <a:cxnSpLocks/>
-            <a:stCxn id="371" idx="2"/>
-            <a:endCxn id="373" idx="0"/>
-          </p:cNvCxnSpPr>
-          <p:nvPr/>
-        </p:nvCxnSpPr>
-        <p:spPr>
-          <a:xfrm rot="16200000" flipH="1">
-            <a:off x="23075849" y="-1072214"/>
-            <a:ext cx="388060" cy="4879698"/>
-          </a:xfrm>
-          <a:prstGeom prst="bentConnector3">
-            <a:avLst>
-              <a:gd name="adj1" fmla="val 50000"/>
-            </a:avLst>
-          </a:prstGeom>
-          <a:ln w="28575">
-            <a:tailEnd type="arrow"/>
-          </a:ln>
-        </p:spPr>
-        <p:style>
-          <a:lnRef idx="1">
-            <a:schemeClr val="accent1"/>
-          </a:lnRef>
-          <a:fillRef idx="0">
-            <a:schemeClr val="accent1"/>
-          </a:fillRef>
-          <a:effectRef idx="0">
-            <a:schemeClr val="accent1"/>
-          </a:effectRef>
-          <a:fontRef idx="minor">
-            <a:schemeClr val="tx1"/>
-          </a:fontRef>
-        </p:style>
-      </p:cxnSp>
-      <p:cxnSp>
-        <p:nvCxnSpPr>
-          <p:cNvPr id="395" name="Прямая со стрелкой 394">
-            <a:extLst>
-              <a:ext uri="{FF2B5EF4-FFF2-40B4-BE49-F238E27FC236}">
-                <a16:creationId xmlns:a16="http://schemas.microsoft.com/office/drawing/2014/main" id="{25DB8B0E-32B2-4062-B4B9-055E404EAE0E}"/>
-              </a:ext>
-            </a:extLst>
-          </p:cNvPr>
-          <p:cNvCxnSpPr>
-            <a:cxnSpLocks/>
-            <a:stCxn id="371" idx="2"/>
-            <a:endCxn id="378" idx="0"/>
-          </p:cNvCxnSpPr>
-          <p:nvPr/>
-        </p:nvCxnSpPr>
-        <p:spPr>
-          <a:xfrm>
-            <a:off x="20830030" y="1173605"/>
-            <a:ext cx="0" cy="399446"/>
-          </a:xfrm>
-          <a:prstGeom prst="straightConnector1">
-            <a:avLst/>
-          </a:prstGeom>
-          <a:ln w="28575">
-            <a:tailEnd type="arrow"/>
-          </a:ln>
-        </p:spPr>
-        <p:style>
-          <a:lnRef idx="1">
-            <a:schemeClr val="accent1"/>
-          </a:lnRef>
-          <a:fillRef idx="0">
-            <a:schemeClr val="accent1"/>
-          </a:fillRef>
-          <a:effectRef idx="0">
-            <a:schemeClr val="accent1"/>
-          </a:effectRef>
-          <a:fontRef idx="minor">
-            <a:schemeClr val="tx1"/>
-          </a:fontRef>
-        </p:style>
-      </p:cxnSp>
-      <p:cxnSp>
-        <p:nvCxnSpPr>
-          <p:cNvPr id="398" name="Прямая со стрелкой 397">
-            <a:extLst>
-              <a:ext uri="{FF2B5EF4-FFF2-40B4-BE49-F238E27FC236}">
-                <a16:creationId xmlns:a16="http://schemas.microsoft.com/office/drawing/2014/main" id="{EF0FC8E1-6695-4249-A44B-89ABA4B3C3B2}"/>
-              </a:ext>
-            </a:extLst>
-          </p:cNvPr>
-          <p:cNvCxnSpPr>
-            <a:cxnSpLocks/>
-            <a:stCxn id="378" idx="2"/>
-            <a:endCxn id="380" idx="0"/>
-          </p:cNvCxnSpPr>
-          <p:nvPr/>
-        </p:nvCxnSpPr>
-        <p:spPr>
-          <a:xfrm>
-            <a:off x="20830030" y="2212066"/>
-            <a:ext cx="0" cy="411309"/>
-          </a:xfrm>
-          <a:prstGeom prst="straightConnector1">
-            <a:avLst/>
-          </a:prstGeom>
-          <a:ln w="28575">
-            <a:tailEnd type="arrow"/>
-          </a:ln>
-        </p:spPr>
-        <p:style>
-          <a:lnRef idx="1">
-            <a:schemeClr val="accent1"/>
-          </a:lnRef>
-          <a:fillRef idx="0">
-            <a:schemeClr val="accent1"/>
-          </a:fillRef>
-          <a:effectRef idx="0">
-            <a:schemeClr val="accent1"/>
-          </a:effectRef>
-          <a:fontRef idx="minor">
-            <a:schemeClr val="tx1"/>
-          </a:fontRef>
-        </p:style>
-      </p:cxnSp>
-      <p:cxnSp>
-        <p:nvCxnSpPr>
-          <p:cNvPr id="401" name="Shape 248">
-            <a:extLst>
-              <a:ext uri="{FF2B5EF4-FFF2-40B4-BE49-F238E27FC236}">
-                <a16:creationId xmlns:a16="http://schemas.microsoft.com/office/drawing/2014/main" id="{828B0F96-44A7-4401-A278-091A27145446}"/>
-              </a:ext>
-            </a:extLst>
-          </p:cNvPr>
-          <p:cNvCxnSpPr>
-            <a:cxnSpLocks/>
-            <a:stCxn id="380" idx="2"/>
-            <a:endCxn id="382" idx="0"/>
-          </p:cNvCxnSpPr>
-          <p:nvPr/>
-        </p:nvCxnSpPr>
-        <p:spPr>
-          <a:xfrm rot="5400000">
-            <a:off x="20213831" y="3023399"/>
-            <a:ext cx="377209" cy="855191"/>
-          </a:xfrm>
-          <a:prstGeom prst="bentConnector3">
-            <a:avLst>
-              <a:gd name="adj1" fmla="val 50000"/>
-            </a:avLst>
-          </a:prstGeom>
-          <a:ln w="28575">
-            <a:tailEnd type="arrow"/>
-          </a:ln>
-        </p:spPr>
-        <p:style>
-          <a:lnRef idx="1">
-            <a:schemeClr val="accent1"/>
-          </a:lnRef>
-          <a:fillRef idx="0">
-            <a:schemeClr val="accent1"/>
-          </a:fillRef>
-          <a:effectRef idx="0">
-            <a:schemeClr val="accent1"/>
-          </a:effectRef>
-          <a:fontRef idx="minor">
-            <a:schemeClr val="tx1"/>
-          </a:fontRef>
-        </p:style>
-      </p:cxnSp>
-      <p:cxnSp>
-        <p:nvCxnSpPr>
-          <p:cNvPr id="404" name="Shape 248">
-            <a:extLst>
-              <a:ext uri="{FF2B5EF4-FFF2-40B4-BE49-F238E27FC236}">
-                <a16:creationId xmlns:a16="http://schemas.microsoft.com/office/drawing/2014/main" id="{621F5F77-3432-49C3-9366-ED7228D7A346}"/>
-              </a:ext>
-            </a:extLst>
-          </p:cNvPr>
-          <p:cNvCxnSpPr>
-            <a:cxnSpLocks/>
-            <a:stCxn id="380" idx="2"/>
-            <a:endCxn id="381" idx="0"/>
-          </p:cNvCxnSpPr>
-          <p:nvPr/>
-        </p:nvCxnSpPr>
-        <p:spPr>
-          <a:xfrm rot="16200000" flipH="1">
-            <a:off x="21066022" y="3026397"/>
-            <a:ext cx="377209" cy="849193"/>
-          </a:xfrm>
-          <a:prstGeom prst="bentConnector3">
-            <a:avLst>
-              <a:gd name="adj1" fmla="val 50000"/>
-            </a:avLst>
-          </a:prstGeom>
-          <a:ln w="28575">
-            <a:tailEnd type="arrow"/>
-          </a:ln>
-        </p:spPr>
-        <p:style>
-          <a:lnRef idx="1">
-            <a:schemeClr val="accent1"/>
-          </a:lnRef>
-          <a:fillRef idx="0">
-            <a:schemeClr val="accent1"/>
-          </a:fillRef>
-          <a:effectRef idx="0">
-            <a:schemeClr val="accent1"/>
-          </a:effectRef>
-          <a:fontRef idx="minor">
-            <a:schemeClr val="tx1"/>
-          </a:fontRef>
-        </p:style>
-      </p:cxnSp>
-      <p:cxnSp>
-        <p:nvCxnSpPr>
-          <p:cNvPr id="407" name="Прямая соединительная линия 406">
-            <a:extLst>
-              <a:ext uri="{FF2B5EF4-FFF2-40B4-BE49-F238E27FC236}">
-                <a16:creationId xmlns:a16="http://schemas.microsoft.com/office/drawing/2014/main" id="{DE18A973-8266-4778-B46A-B4F1145B958F}"/>
-              </a:ext>
-            </a:extLst>
-          </p:cNvPr>
-          <p:cNvCxnSpPr>
-            <a:cxnSpLocks/>
-            <a:stCxn id="382" idx="3"/>
-            <a:endCxn id="381" idx="1"/>
-          </p:cNvCxnSpPr>
-          <p:nvPr/>
-        </p:nvCxnSpPr>
-        <p:spPr>
-          <a:xfrm>
-            <a:off x="20547079" y="3959107"/>
-            <a:ext cx="559904" cy="0"/>
-          </a:xfrm>
-          <a:prstGeom prst="line">
-            <a:avLst/>
-          </a:prstGeom>
-          <a:ln w="38100">
-            <a:solidFill>
-              <a:srgbClr val="FF0000"/>
-            </a:solidFill>
-          </a:ln>
-        </p:spPr>
-        <p:style>
-          <a:lnRef idx="1">
-            <a:schemeClr val="accent2"/>
-          </a:lnRef>
-          <a:fillRef idx="0">
-            <a:schemeClr val="accent2"/>
-          </a:fillRef>
-          <a:effectRef idx="0">
-            <a:schemeClr val="accent2"/>
-          </a:effectRef>
-          <a:fontRef idx="minor">
-            <a:schemeClr val="tx1"/>
-          </a:fontRef>
-        </p:style>
-      </p:cxnSp>
-      <p:sp>
-        <p:nvSpPr>
-          <p:cNvPr id="414" name="Прямоугольник 413">
-            <a:extLst>
-              <a:ext uri="{FF2B5EF4-FFF2-40B4-BE49-F238E27FC236}">
-                <a16:creationId xmlns:a16="http://schemas.microsoft.com/office/drawing/2014/main" id="{0A8307FF-4F7F-4D3F-8D72-EE97CF43ADE6}"/>
-              </a:ext>
-            </a:extLst>
-          </p:cNvPr>
-          <p:cNvSpPr/>
-          <p:nvPr/>
-        </p:nvSpPr>
-        <p:spPr>
-          <a:xfrm>
-            <a:off x="17692229" y="4727542"/>
-            <a:ext cx="1144480" cy="639015"/>
-          </a:xfrm>
-          <a:prstGeom prst="rect">
-            <a:avLst/>
-          </a:prstGeom>
-          <a:solidFill>
-            <a:schemeClr val="bg2">
-              <a:lumMod val="75000"/>
-            </a:schemeClr>
-          </a:solidFill>
-          <a:ln w="28575"/>
-        </p:spPr>
-        <p:style>
-          <a:lnRef idx="2">
-            <a:schemeClr val="accent1"/>
-          </a:lnRef>
-          <a:fillRef idx="1">
-            <a:schemeClr val="lt1"/>
-          </a:fillRef>
-          <a:effectRef idx="0">
-            <a:schemeClr val="accent1"/>
-          </a:effectRef>
-          <a:fontRef idx="minor">
-            <a:schemeClr val="dk1"/>
-          </a:fontRef>
-        </p:style>
-        <p:txBody>
-          <a:bodyPr lIns="124733" tIns="62367" rIns="124733" bIns="62367" rtlCol="0" anchor="ctr"/>
-          <a:lstStyle/>
-          <a:p>
-            <a:pPr algn="ctr"/>
-            <a:r>
-              <a:rPr lang="ru-RU" sz="1100" dirty="0"/>
-              <a:t>Развитие торговых отношений с Германией</a:t>
-            </a:r>
-            <a:endParaRPr lang="ru-RU" sz="600" dirty="0"/>
-          </a:p>
-        </p:txBody>
-      </p:sp>
-      <p:sp>
-        <p:nvSpPr>
-          <p:cNvPr id="416" name="Прямоугольник 415">
-            <a:extLst>
-              <a:ext uri="{FF2B5EF4-FFF2-40B4-BE49-F238E27FC236}">
-                <a16:creationId xmlns:a16="http://schemas.microsoft.com/office/drawing/2014/main" id="{31110538-5E9A-4C0B-83F6-C571D68AD7F6}"/>
-              </a:ext>
-            </a:extLst>
-          </p:cNvPr>
-          <p:cNvSpPr/>
-          <p:nvPr/>
-        </p:nvSpPr>
-        <p:spPr>
-          <a:xfrm>
-            <a:off x="15981859" y="4722516"/>
-            <a:ext cx="1144480" cy="639015"/>
-          </a:xfrm>
-          <a:prstGeom prst="rect">
-            <a:avLst/>
-          </a:prstGeom>
-          <a:ln w="28575"/>
-        </p:spPr>
-        <p:style>
-          <a:lnRef idx="2">
-            <a:schemeClr val="accent1"/>
-          </a:lnRef>
-          <a:fillRef idx="1">
-            <a:schemeClr val="lt1"/>
-          </a:fillRef>
-          <a:effectRef idx="0">
-            <a:schemeClr val="accent1"/>
-          </a:effectRef>
-          <a:fontRef idx="minor">
-            <a:schemeClr val="dk1"/>
-          </a:fontRef>
-        </p:style>
-        <p:txBody>
-          <a:bodyPr lIns="124733" tIns="62367" rIns="124733" bIns="62367" rtlCol="0" anchor="ctr"/>
-          <a:lstStyle/>
-          <a:p>
-            <a:pPr algn="ctr"/>
-            <a:r>
-              <a:rPr lang="ru-RU" sz="1100" dirty="0"/>
-              <a:t>Дистанцироваться от Содружества</a:t>
-            </a:r>
-            <a:endParaRPr lang="ru-RU" sz="600" dirty="0"/>
-          </a:p>
-        </p:txBody>
-      </p:sp>
-      <p:cxnSp>
-        <p:nvCxnSpPr>
-          <p:cNvPr id="417" name="Shape 248">
-            <a:extLst>
-              <a:ext uri="{FF2B5EF4-FFF2-40B4-BE49-F238E27FC236}">
-                <a16:creationId xmlns:a16="http://schemas.microsoft.com/office/drawing/2014/main" id="{8E9570D9-126F-4F10-9A17-450B6C07613A}"/>
-              </a:ext>
-            </a:extLst>
-          </p:cNvPr>
-          <p:cNvCxnSpPr>
-            <a:cxnSpLocks/>
-            <a:stCxn id="382" idx="2"/>
-            <a:endCxn id="624" idx="0"/>
-          </p:cNvCxnSpPr>
-          <p:nvPr/>
-        </p:nvCxnSpPr>
-        <p:spPr>
-          <a:xfrm rot="5400000">
-            <a:off x="19743336" y="4510117"/>
-            <a:ext cx="463006" cy="12700"/>
-          </a:xfrm>
-          <a:prstGeom prst="bentConnector3">
-            <a:avLst>
-              <a:gd name="adj1" fmla="val 50000"/>
-            </a:avLst>
-          </a:prstGeom>
-          <a:ln w="28575">
-            <a:prstDash val="dash"/>
-            <a:tailEnd type="arrow"/>
-          </a:ln>
-        </p:spPr>
-        <p:style>
-          <a:lnRef idx="1">
-            <a:schemeClr val="accent1"/>
-          </a:lnRef>
-          <a:fillRef idx="0">
-            <a:schemeClr val="accent1"/>
-          </a:fillRef>
-          <a:effectRef idx="0">
-            <a:schemeClr val="accent1"/>
-          </a:effectRef>
-          <a:fontRef idx="minor">
-            <a:schemeClr val="tx1"/>
-          </a:fontRef>
-        </p:style>
-      </p:cxnSp>
-      <p:sp>
-        <p:nvSpPr>
-          <p:cNvPr id="425" name="Прямоугольник 424">
-            <a:extLst>
-              <a:ext uri="{FF2B5EF4-FFF2-40B4-BE49-F238E27FC236}">
-                <a16:creationId xmlns:a16="http://schemas.microsoft.com/office/drawing/2014/main" id="{A7BE6F6A-B30A-467B-ADF1-9F4A03DC61EC}"/>
-              </a:ext>
-            </a:extLst>
-          </p:cNvPr>
-          <p:cNvSpPr/>
-          <p:nvPr/>
-        </p:nvSpPr>
-        <p:spPr>
-          <a:xfrm>
-            <a:off x="21106982" y="4741622"/>
+            <a:off x="21106983" y="3639599"/>
             <a:ext cx="1144480" cy="639015"/>
           </a:xfrm>
           <a:prstGeom prst="rect">
@@ -22175,7 +21526,61 @@
             <a:pPr algn="ctr"/>
             <a:r>
               <a:rPr lang="ru-RU" sz="1100" dirty="0"/>
-              <a:t>Предложить чернокожим разделить власть</a:t>
+              <a:t>Отставка премьера</a:t>
+            </a:r>
+            <a:endParaRPr lang="ru-RU" sz="600" dirty="0"/>
+          </a:p>
+        </p:txBody>
+      </p:sp>
+      <p:sp>
+        <p:nvSpPr>
+          <p:cNvPr id="382" name="Прямоугольник 381">
+            <a:extLst>
+              <a:ext uri="{FF2B5EF4-FFF2-40B4-BE49-F238E27FC236}">
+                <a16:creationId xmlns:a16="http://schemas.microsoft.com/office/drawing/2014/main" id="{9948CE1D-4F49-40A1-A9C1-65101BC6AB4E}"/>
+              </a:ext>
+            </a:extLst>
+          </p:cNvPr>
+          <p:cNvSpPr/>
+          <p:nvPr/>
+        </p:nvSpPr>
+        <p:spPr>
+          <a:xfrm>
+            <a:off x="19402599" y="3639599"/>
+            <a:ext cx="1144480" cy="639015"/>
+          </a:xfrm>
+          <a:prstGeom prst="rect">
+            <a:avLst/>
+          </a:prstGeom>
+          <a:solidFill>
+            <a:schemeClr val="bg2">
+              <a:lumMod val="75000"/>
+            </a:schemeClr>
+          </a:solidFill>
+          <a:ln w="28575"/>
+        </p:spPr>
+        <p:style>
+          <a:lnRef idx="2">
+            <a:schemeClr val="accent1"/>
+          </a:lnRef>
+          <a:fillRef idx="1">
+            <a:schemeClr val="lt1"/>
+          </a:fillRef>
+          <a:effectRef idx="0">
+            <a:schemeClr val="accent1"/>
+          </a:effectRef>
+          <a:fontRef idx="minor">
+            <a:schemeClr val="dk1"/>
+          </a:fontRef>
+        </p:style>
+        <p:txBody>
+          <a:bodyPr lIns="124733" tIns="62367" rIns="124733" bIns="62367" rtlCol="0" anchor="ctr"/>
+          <a:lstStyle/>
+          <a:p>
+            <a:pPr algn="ctr"/>
+            <a:r>
+              <a:rPr lang="ru-RU" sz="1100" dirty="0"/>
+              <a:t>Укрепление позиций премьера</a:t>
             </a:r>
             <a:endParaRPr lang="ru-RU" sz="600" dirty="0"/>
           </a:p>
@@ -22183,27 +21588,533 @@
       </p:sp>
       <p:cxnSp>
         <p:nvCxnSpPr>
-          <p:cNvPr id="429" name="Прямая со стрелкой 428">
-            <a:extLst>
-              <a:ext uri="{FF2B5EF4-FFF2-40B4-BE49-F238E27FC236}">
-                <a16:creationId xmlns:a16="http://schemas.microsoft.com/office/drawing/2014/main" id="{A16CFBD8-5EFC-4B76-BCEA-41A10F1637C2}"/>
+          <p:cNvPr id="383" name="Прямая соединительная линия 382">
+            <a:extLst>
+              <a:ext uri="{FF2B5EF4-FFF2-40B4-BE49-F238E27FC236}">
+                <a16:creationId xmlns:a16="http://schemas.microsoft.com/office/drawing/2014/main" id="{706D1093-EB1B-4007-8D05-BC7DFED9040D}"/>
               </a:ext>
             </a:extLst>
           </p:cNvPr>
           <p:cNvCxnSpPr>
             <a:cxnSpLocks/>
-            <a:stCxn id="381" idx="2"/>
-            <a:endCxn id="425" idx="0"/>
+            <a:stCxn id="378" idx="3"/>
+            <a:endCxn id="373" idx="1"/>
           </p:cNvCxnSpPr>
           <p:nvPr/>
         </p:nvCxnSpPr>
         <p:spPr>
-          <a:xfrm flipH="1">
-            <a:off x="21679222" y="4278614"/>
-            <a:ext cx="1" cy="463008"/>
+          <a:xfrm flipV="1">
+            <a:off x="21402270" y="1881173"/>
+            <a:ext cx="3735218" cy="11386"/>
+          </a:xfrm>
+          <a:prstGeom prst="line">
+            <a:avLst/>
+          </a:prstGeom>
+          <a:ln w="38100">
+            <a:solidFill>
+              <a:srgbClr val="FF0000"/>
+            </a:solidFill>
+          </a:ln>
+        </p:spPr>
+        <p:style>
+          <a:lnRef idx="1">
+            <a:schemeClr val="accent2"/>
+          </a:lnRef>
+          <a:fillRef idx="0">
+            <a:schemeClr val="accent2"/>
+          </a:fillRef>
+          <a:effectRef idx="0">
+            <a:schemeClr val="accent2"/>
+          </a:effectRef>
+          <a:fontRef idx="minor">
+            <a:schemeClr val="tx1"/>
+          </a:fontRef>
+        </p:style>
+      </p:cxnSp>
+      <p:cxnSp>
+        <p:nvCxnSpPr>
+          <p:cNvPr id="386" name="Прямая соединительная линия 385">
+            <a:extLst>
+              <a:ext uri="{FF2B5EF4-FFF2-40B4-BE49-F238E27FC236}">
+                <a16:creationId xmlns:a16="http://schemas.microsoft.com/office/drawing/2014/main" id="{BEDAA63B-2559-4FFC-916B-E9134E797A09}"/>
+              </a:ext>
+            </a:extLst>
+          </p:cNvPr>
+          <p:cNvCxnSpPr>
+            <a:cxnSpLocks/>
+            <a:stCxn id="374" idx="3"/>
+            <a:endCxn id="378" idx="1"/>
+          </p:cNvCxnSpPr>
+          <p:nvPr/>
+        </p:nvCxnSpPr>
+        <p:spPr>
+          <a:xfrm>
+            <a:off x="15430630" y="1877007"/>
+            <a:ext cx="4827160" cy="15552"/>
+          </a:xfrm>
+          <a:prstGeom prst="line">
+            <a:avLst/>
+          </a:prstGeom>
+          <a:ln w="38100">
+            <a:solidFill>
+              <a:srgbClr val="FF0000"/>
+            </a:solidFill>
+          </a:ln>
+        </p:spPr>
+        <p:style>
+          <a:lnRef idx="1">
+            <a:schemeClr val="accent2"/>
+          </a:lnRef>
+          <a:fillRef idx="0">
+            <a:schemeClr val="accent2"/>
+          </a:fillRef>
+          <a:effectRef idx="0">
+            <a:schemeClr val="accent2"/>
+          </a:effectRef>
+          <a:fontRef idx="minor">
+            <a:schemeClr val="tx1"/>
+          </a:fontRef>
+        </p:style>
+      </p:cxnSp>
+      <p:cxnSp>
+        <p:nvCxnSpPr>
+          <p:cNvPr id="389" name="Shape 248">
+            <a:extLst>
+              <a:ext uri="{FF2B5EF4-FFF2-40B4-BE49-F238E27FC236}">
+                <a16:creationId xmlns:a16="http://schemas.microsoft.com/office/drawing/2014/main" id="{111CA5E0-81F5-4545-962C-DAF776D34EF6}"/>
+              </a:ext>
+            </a:extLst>
+          </p:cNvPr>
+          <p:cNvCxnSpPr>
+            <a:cxnSpLocks/>
+            <a:stCxn id="371" idx="2"/>
+            <a:endCxn id="374" idx="0"/>
+          </p:cNvCxnSpPr>
+          <p:nvPr/>
+        </p:nvCxnSpPr>
+        <p:spPr>
+          <a:xfrm rot="5400000">
+            <a:off x="17652263" y="-1620268"/>
+            <a:ext cx="383894" cy="5971640"/>
+          </a:xfrm>
+          <a:prstGeom prst="bentConnector3">
+            <a:avLst>
+              <a:gd name="adj1" fmla="val 50000"/>
+            </a:avLst>
+          </a:prstGeom>
+          <a:ln w="28575">
+            <a:tailEnd type="arrow"/>
+          </a:ln>
+        </p:spPr>
+        <p:style>
+          <a:lnRef idx="1">
+            <a:schemeClr val="accent1"/>
+          </a:lnRef>
+          <a:fillRef idx="0">
+            <a:schemeClr val="accent1"/>
+          </a:fillRef>
+          <a:effectRef idx="0">
+            <a:schemeClr val="accent1"/>
+          </a:effectRef>
+          <a:fontRef idx="minor">
+            <a:schemeClr val="tx1"/>
+          </a:fontRef>
+        </p:style>
+      </p:cxnSp>
+      <p:cxnSp>
+        <p:nvCxnSpPr>
+          <p:cNvPr id="392" name="Shape 248">
+            <a:extLst>
+              <a:ext uri="{FF2B5EF4-FFF2-40B4-BE49-F238E27FC236}">
+                <a16:creationId xmlns:a16="http://schemas.microsoft.com/office/drawing/2014/main" id="{3A09FF40-AFD4-4354-ADFE-2EC0CEC15650}"/>
+              </a:ext>
+            </a:extLst>
+          </p:cNvPr>
+          <p:cNvCxnSpPr>
+            <a:cxnSpLocks/>
+            <a:stCxn id="371" idx="2"/>
+            <a:endCxn id="373" idx="0"/>
+          </p:cNvCxnSpPr>
+          <p:nvPr/>
+        </p:nvCxnSpPr>
+        <p:spPr>
+          <a:xfrm rot="16200000" flipH="1">
+            <a:off x="23075849" y="-1072214"/>
+            <a:ext cx="388060" cy="4879698"/>
+          </a:xfrm>
+          <a:prstGeom prst="bentConnector3">
+            <a:avLst>
+              <a:gd name="adj1" fmla="val 50000"/>
+            </a:avLst>
+          </a:prstGeom>
+          <a:ln w="28575">
+            <a:tailEnd type="arrow"/>
+          </a:ln>
+        </p:spPr>
+        <p:style>
+          <a:lnRef idx="1">
+            <a:schemeClr val="accent1"/>
+          </a:lnRef>
+          <a:fillRef idx="0">
+            <a:schemeClr val="accent1"/>
+          </a:fillRef>
+          <a:effectRef idx="0">
+            <a:schemeClr val="accent1"/>
+          </a:effectRef>
+          <a:fontRef idx="minor">
+            <a:schemeClr val="tx1"/>
+          </a:fontRef>
+        </p:style>
+      </p:cxnSp>
+      <p:cxnSp>
+        <p:nvCxnSpPr>
+          <p:cNvPr id="395" name="Прямая со стрелкой 394">
+            <a:extLst>
+              <a:ext uri="{FF2B5EF4-FFF2-40B4-BE49-F238E27FC236}">
+                <a16:creationId xmlns:a16="http://schemas.microsoft.com/office/drawing/2014/main" id="{25DB8B0E-32B2-4062-B4B9-055E404EAE0E}"/>
+              </a:ext>
+            </a:extLst>
+          </p:cNvPr>
+          <p:cNvCxnSpPr>
+            <a:cxnSpLocks/>
+            <a:stCxn id="371" idx="2"/>
+            <a:endCxn id="378" idx="0"/>
+          </p:cNvCxnSpPr>
+          <p:nvPr/>
+        </p:nvCxnSpPr>
+        <p:spPr>
+          <a:xfrm>
+            <a:off x="20830030" y="1173605"/>
+            <a:ext cx="0" cy="399446"/>
           </a:xfrm>
           <a:prstGeom prst="straightConnector1">
             <a:avLst/>
+          </a:prstGeom>
+          <a:ln w="28575">
+            <a:tailEnd type="arrow"/>
+          </a:ln>
+        </p:spPr>
+        <p:style>
+          <a:lnRef idx="1">
+            <a:schemeClr val="accent1"/>
+          </a:lnRef>
+          <a:fillRef idx="0">
+            <a:schemeClr val="accent1"/>
+          </a:fillRef>
+          <a:effectRef idx="0">
+            <a:schemeClr val="accent1"/>
+          </a:effectRef>
+          <a:fontRef idx="minor">
+            <a:schemeClr val="tx1"/>
+          </a:fontRef>
+        </p:style>
+      </p:cxnSp>
+      <p:cxnSp>
+        <p:nvCxnSpPr>
+          <p:cNvPr id="398" name="Прямая со стрелкой 397">
+            <a:extLst>
+              <a:ext uri="{FF2B5EF4-FFF2-40B4-BE49-F238E27FC236}">
+                <a16:creationId xmlns:a16="http://schemas.microsoft.com/office/drawing/2014/main" id="{EF0FC8E1-6695-4249-A44B-89ABA4B3C3B2}"/>
+              </a:ext>
+            </a:extLst>
+          </p:cNvPr>
+          <p:cNvCxnSpPr>
+            <a:cxnSpLocks/>
+            <a:stCxn id="378" idx="2"/>
+            <a:endCxn id="380" idx="0"/>
+          </p:cNvCxnSpPr>
+          <p:nvPr/>
+        </p:nvCxnSpPr>
+        <p:spPr>
+          <a:xfrm>
+            <a:off x="20830030" y="2212066"/>
+            <a:ext cx="0" cy="411309"/>
+          </a:xfrm>
+          <a:prstGeom prst="straightConnector1">
+            <a:avLst/>
+          </a:prstGeom>
+          <a:ln w="28575">
+            <a:tailEnd type="arrow"/>
+          </a:ln>
+        </p:spPr>
+        <p:style>
+          <a:lnRef idx="1">
+            <a:schemeClr val="accent1"/>
+          </a:lnRef>
+          <a:fillRef idx="0">
+            <a:schemeClr val="accent1"/>
+          </a:fillRef>
+          <a:effectRef idx="0">
+            <a:schemeClr val="accent1"/>
+          </a:effectRef>
+          <a:fontRef idx="minor">
+            <a:schemeClr val="tx1"/>
+          </a:fontRef>
+        </p:style>
+      </p:cxnSp>
+      <p:cxnSp>
+        <p:nvCxnSpPr>
+          <p:cNvPr id="401" name="Shape 248">
+            <a:extLst>
+              <a:ext uri="{FF2B5EF4-FFF2-40B4-BE49-F238E27FC236}">
+                <a16:creationId xmlns:a16="http://schemas.microsoft.com/office/drawing/2014/main" id="{828B0F96-44A7-4401-A278-091A27145446}"/>
+              </a:ext>
+            </a:extLst>
+          </p:cNvPr>
+          <p:cNvCxnSpPr>
+            <a:cxnSpLocks/>
+            <a:stCxn id="380" idx="2"/>
+            <a:endCxn id="382" idx="0"/>
+          </p:cNvCxnSpPr>
+          <p:nvPr/>
+        </p:nvCxnSpPr>
+        <p:spPr>
+          <a:xfrm rot="5400000">
+            <a:off x="20213831" y="3023399"/>
+            <a:ext cx="377209" cy="855191"/>
+          </a:xfrm>
+          <a:prstGeom prst="bentConnector3">
+            <a:avLst>
+              <a:gd name="adj1" fmla="val 50000"/>
+            </a:avLst>
+          </a:prstGeom>
+          <a:ln w="28575">
+            <a:tailEnd type="arrow"/>
+          </a:ln>
+        </p:spPr>
+        <p:style>
+          <a:lnRef idx="1">
+            <a:schemeClr val="accent1"/>
+          </a:lnRef>
+          <a:fillRef idx="0">
+            <a:schemeClr val="accent1"/>
+          </a:fillRef>
+          <a:effectRef idx="0">
+            <a:schemeClr val="accent1"/>
+          </a:effectRef>
+          <a:fontRef idx="minor">
+            <a:schemeClr val="tx1"/>
+          </a:fontRef>
+        </p:style>
+      </p:cxnSp>
+      <p:cxnSp>
+        <p:nvCxnSpPr>
+          <p:cNvPr id="404" name="Shape 248">
+            <a:extLst>
+              <a:ext uri="{FF2B5EF4-FFF2-40B4-BE49-F238E27FC236}">
+                <a16:creationId xmlns:a16="http://schemas.microsoft.com/office/drawing/2014/main" id="{621F5F77-3432-49C3-9366-ED7228D7A346}"/>
+              </a:ext>
+            </a:extLst>
+          </p:cNvPr>
+          <p:cNvCxnSpPr>
+            <a:cxnSpLocks/>
+            <a:stCxn id="380" idx="2"/>
+            <a:endCxn id="381" idx="0"/>
+          </p:cNvCxnSpPr>
+          <p:nvPr/>
+        </p:nvCxnSpPr>
+        <p:spPr>
+          <a:xfrm rot="16200000" flipH="1">
+            <a:off x="21066022" y="3026397"/>
+            <a:ext cx="377209" cy="849193"/>
+          </a:xfrm>
+          <a:prstGeom prst="bentConnector3">
+            <a:avLst>
+              <a:gd name="adj1" fmla="val 50000"/>
+            </a:avLst>
+          </a:prstGeom>
+          <a:ln w="28575">
+            <a:tailEnd type="arrow"/>
+          </a:ln>
+        </p:spPr>
+        <p:style>
+          <a:lnRef idx="1">
+            <a:schemeClr val="accent1"/>
+          </a:lnRef>
+          <a:fillRef idx="0">
+            <a:schemeClr val="accent1"/>
+          </a:fillRef>
+          <a:effectRef idx="0">
+            <a:schemeClr val="accent1"/>
+          </a:effectRef>
+          <a:fontRef idx="minor">
+            <a:schemeClr val="tx1"/>
+          </a:fontRef>
+        </p:style>
+      </p:cxnSp>
+      <p:cxnSp>
+        <p:nvCxnSpPr>
+          <p:cNvPr id="407" name="Прямая соединительная линия 406">
+            <a:extLst>
+              <a:ext uri="{FF2B5EF4-FFF2-40B4-BE49-F238E27FC236}">
+                <a16:creationId xmlns:a16="http://schemas.microsoft.com/office/drawing/2014/main" id="{DE18A973-8266-4778-B46A-B4F1145B958F}"/>
+              </a:ext>
+            </a:extLst>
+          </p:cNvPr>
+          <p:cNvCxnSpPr>
+            <a:cxnSpLocks/>
+            <a:stCxn id="382" idx="3"/>
+            <a:endCxn id="381" idx="1"/>
+          </p:cNvCxnSpPr>
+          <p:nvPr/>
+        </p:nvCxnSpPr>
+        <p:spPr>
+          <a:xfrm>
+            <a:off x="20547079" y="3959107"/>
+            <a:ext cx="559904" cy="0"/>
+          </a:xfrm>
+          <a:prstGeom prst="line">
+            <a:avLst/>
+          </a:prstGeom>
+          <a:ln w="38100">
+            <a:solidFill>
+              <a:srgbClr val="FF0000"/>
+            </a:solidFill>
+          </a:ln>
+        </p:spPr>
+        <p:style>
+          <a:lnRef idx="1">
+            <a:schemeClr val="accent2"/>
+          </a:lnRef>
+          <a:fillRef idx="0">
+            <a:schemeClr val="accent2"/>
+          </a:fillRef>
+          <a:effectRef idx="0">
+            <a:schemeClr val="accent2"/>
+          </a:effectRef>
+          <a:fontRef idx="minor">
+            <a:schemeClr val="tx1"/>
+          </a:fontRef>
+        </p:style>
+      </p:cxnSp>
+      <p:sp>
+        <p:nvSpPr>
+          <p:cNvPr id="414" name="Прямоугольник 413">
+            <a:extLst>
+              <a:ext uri="{FF2B5EF4-FFF2-40B4-BE49-F238E27FC236}">
+                <a16:creationId xmlns:a16="http://schemas.microsoft.com/office/drawing/2014/main" id="{0A8307FF-4F7F-4D3F-8D72-EE97CF43ADE6}"/>
+              </a:ext>
+            </a:extLst>
+          </p:cNvPr>
+          <p:cNvSpPr/>
+          <p:nvPr/>
+        </p:nvSpPr>
+        <p:spPr>
+          <a:xfrm>
+            <a:off x="17692229" y="4727542"/>
+            <a:ext cx="1144480" cy="639015"/>
+          </a:xfrm>
+          <a:prstGeom prst="rect">
+            <a:avLst/>
+          </a:prstGeom>
+          <a:solidFill>
+            <a:schemeClr val="bg2">
+              <a:lumMod val="75000"/>
+            </a:schemeClr>
+          </a:solidFill>
+          <a:ln w="28575"/>
+        </p:spPr>
+        <p:style>
+          <a:lnRef idx="2">
+            <a:schemeClr val="accent1"/>
+          </a:lnRef>
+          <a:fillRef idx="1">
+            <a:schemeClr val="lt1"/>
+          </a:fillRef>
+          <a:effectRef idx="0">
+            <a:schemeClr val="accent1"/>
+          </a:effectRef>
+          <a:fontRef idx="minor">
+            <a:schemeClr val="dk1"/>
+          </a:fontRef>
+        </p:style>
+        <p:txBody>
+          <a:bodyPr lIns="124733" tIns="62367" rIns="124733" bIns="62367" rtlCol="0" anchor="ctr"/>
+          <a:lstStyle/>
+          <a:p>
+            <a:pPr algn="ctr"/>
+            <a:r>
+              <a:rPr lang="ru-RU" sz="1100" dirty="0"/>
+              <a:t>Развитие торговых отношений с Германией</a:t>
+            </a:r>
+            <a:endParaRPr lang="ru-RU" sz="600" dirty="0"/>
+          </a:p>
+        </p:txBody>
+      </p:sp>
+      <p:sp>
+        <p:nvSpPr>
+          <p:cNvPr id="416" name="Прямоугольник 415">
+            <a:extLst>
+              <a:ext uri="{FF2B5EF4-FFF2-40B4-BE49-F238E27FC236}">
+                <a16:creationId xmlns:a16="http://schemas.microsoft.com/office/drawing/2014/main" id="{31110538-5E9A-4C0B-83F6-C571D68AD7F6}"/>
+              </a:ext>
+            </a:extLst>
+          </p:cNvPr>
+          <p:cNvSpPr/>
+          <p:nvPr/>
+        </p:nvSpPr>
+        <p:spPr>
+          <a:xfrm>
+            <a:off x="15981859" y="4722516"/>
+            <a:ext cx="1144480" cy="639015"/>
+          </a:xfrm>
+          <a:prstGeom prst="rect">
+            <a:avLst/>
+          </a:prstGeom>
+          <a:ln w="28575"/>
+        </p:spPr>
+        <p:style>
+          <a:lnRef idx="2">
+            <a:schemeClr val="accent1"/>
+          </a:lnRef>
+          <a:fillRef idx="1">
+            <a:schemeClr val="lt1"/>
+          </a:fillRef>
+          <a:effectRef idx="0">
+            <a:schemeClr val="accent1"/>
+          </a:effectRef>
+          <a:fontRef idx="minor">
+            <a:schemeClr val="dk1"/>
+          </a:fontRef>
+        </p:style>
+        <p:txBody>
+          <a:bodyPr lIns="124733" tIns="62367" rIns="124733" bIns="62367" rtlCol="0" anchor="ctr"/>
+          <a:lstStyle/>
+          <a:p>
+            <a:pPr algn="ctr"/>
+            <a:r>
+              <a:rPr lang="ru-RU" sz="1100" dirty="0"/>
+              <a:t>Дистанцироваться от Содружества</a:t>
+            </a:r>
+            <a:endParaRPr lang="ru-RU" sz="600" dirty="0"/>
+          </a:p>
+        </p:txBody>
+      </p:sp>
+      <p:cxnSp>
+        <p:nvCxnSpPr>
+          <p:cNvPr id="417" name="Shape 248">
+            <a:extLst>
+              <a:ext uri="{FF2B5EF4-FFF2-40B4-BE49-F238E27FC236}">
+                <a16:creationId xmlns:a16="http://schemas.microsoft.com/office/drawing/2014/main" id="{8E9570D9-126F-4F10-9A17-450B6C07613A}"/>
+              </a:ext>
+            </a:extLst>
+          </p:cNvPr>
+          <p:cNvCxnSpPr>
+            <a:cxnSpLocks/>
+            <a:stCxn id="382" idx="2"/>
+            <a:endCxn id="624" idx="0"/>
+          </p:cNvCxnSpPr>
+          <p:nvPr/>
+        </p:nvCxnSpPr>
+        <p:spPr>
+          <a:xfrm rot="5400000">
+            <a:off x="19743336" y="4510117"/>
+            <a:ext cx="463006" cy="12700"/>
+          </a:xfrm>
+          <a:prstGeom prst="bentConnector3">
+            <a:avLst>
+              <a:gd name="adj1" fmla="val 50000"/>
+            </a:avLst>
           </a:prstGeom>
           <a:ln w="28575">
             <a:prstDash val="dash"/>
@@ -22225,104 +22136,12 @@
           </a:fontRef>
         </p:style>
       </p:cxnSp>
-      <p:cxnSp>
-        <p:nvCxnSpPr>
-          <p:cNvPr id="440" name="Shape 248">
-            <a:extLst>
-              <a:ext uri="{FF2B5EF4-FFF2-40B4-BE49-F238E27FC236}">
-                <a16:creationId xmlns:a16="http://schemas.microsoft.com/office/drawing/2014/main" id="{19103916-9288-4376-B85A-FBA2C0C45FF4}"/>
-              </a:ext>
-            </a:extLst>
-          </p:cNvPr>
-          <p:cNvCxnSpPr>
-            <a:cxnSpLocks/>
-            <a:stCxn id="382" idx="2"/>
-            <a:endCxn id="625" idx="0"/>
-          </p:cNvCxnSpPr>
-          <p:nvPr/>
-        </p:nvCxnSpPr>
-        <p:spPr>
-          <a:xfrm rot="16200000" flipH="1">
-            <a:off x="19663518" y="4589934"/>
-            <a:ext cx="1474833" cy="852191"/>
-          </a:xfrm>
-          <a:prstGeom prst="bentConnector3">
-            <a:avLst>
-              <a:gd name="adj1" fmla="val 15771"/>
-            </a:avLst>
-          </a:prstGeom>
-          <a:ln w="28575">
-            <a:prstDash val="dash"/>
-            <a:tailEnd type="arrow"/>
-          </a:ln>
-        </p:spPr>
-        <p:style>
-          <a:lnRef idx="1">
-            <a:schemeClr val="accent1"/>
-          </a:lnRef>
-          <a:fillRef idx="0">
-            <a:schemeClr val="accent1"/>
-          </a:fillRef>
-          <a:effectRef idx="0">
-            <a:schemeClr val="accent1"/>
-          </a:effectRef>
-          <a:fontRef idx="minor">
-            <a:schemeClr val="tx1"/>
-          </a:fontRef>
-        </p:style>
-      </p:cxnSp>
-      <p:cxnSp>
-        <p:nvCxnSpPr>
-          <p:cNvPr id="444" name="Shape 248">
-            <a:extLst>
-              <a:ext uri="{FF2B5EF4-FFF2-40B4-BE49-F238E27FC236}">
-                <a16:creationId xmlns:a16="http://schemas.microsoft.com/office/drawing/2014/main" id="{F5521068-0520-40B7-BE60-69485F2A1F6B}"/>
-              </a:ext>
-            </a:extLst>
-          </p:cNvPr>
-          <p:cNvCxnSpPr>
-            <a:cxnSpLocks/>
-            <a:stCxn id="381" idx="2"/>
-            <a:endCxn id="625" idx="0"/>
-          </p:cNvCxnSpPr>
-          <p:nvPr/>
-        </p:nvCxnSpPr>
-        <p:spPr>
-          <a:xfrm rot="5400000">
-            <a:off x="20515711" y="4589934"/>
-            <a:ext cx="1474833" cy="852193"/>
-          </a:xfrm>
-          <a:prstGeom prst="bentConnector3">
-            <a:avLst>
-              <a:gd name="adj1" fmla="val 15496"/>
-            </a:avLst>
-          </a:prstGeom>
-          <a:ln w="28575">
-            <a:prstDash val="dash"/>
-            <a:tailEnd type="arrow"/>
-          </a:ln>
-        </p:spPr>
-        <p:style>
-          <a:lnRef idx="1">
-            <a:schemeClr val="accent1"/>
-          </a:lnRef>
-          <a:fillRef idx="0">
-            <a:schemeClr val="accent1"/>
-          </a:fillRef>
-          <a:effectRef idx="0">
-            <a:schemeClr val="accent1"/>
-          </a:effectRef>
-          <a:fontRef idx="minor">
-            <a:schemeClr val="tx1"/>
-          </a:fontRef>
-        </p:style>
-      </p:cxnSp>
-      <p:sp>
-        <p:nvSpPr>
-          <p:cNvPr id="486" name="Прямоугольник 485">
-            <a:extLst>
-              <a:ext uri="{FF2B5EF4-FFF2-40B4-BE49-F238E27FC236}">
-                <a16:creationId xmlns:a16="http://schemas.microsoft.com/office/drawing/2014/main" id="{0004DA7D-A7C1-443B-BBCD-3D56E07055B8}"/>
+      <p:sp>
+        <p:nvSpPr>
+          <p:cNvPr id="425" name="Прямоугольник 424">
+            <a:extLst>
+              <a:ext uri="{FF2B5EF4-FFF2-40B4-BE49-F238E27FC236}">
+                <a16:creationId xmlns:a16="http://schemas.microsoft.com/office/drawing/2014/main" id="{A7BE6F6A-B30A-467B-ADF1-9F4A03DC61EC}"/>
               </a:ext>
             </a:extLst>
           </p:cNvPr>
@@ -22331,7 +22150,7 @@
         </p:nvSpPr>
         <p:spPr>
           <a:xfrm>
-            <a:off x="21962240" y="5750271"/>
+            <a:off x="21106982" y="4741622"/>
             <a:ext cx="1144480" cy="639015"/>
           </a:xfrm>
           <a:prstGeom prst="rect">
@@ -22366,7 +22185,7 @@
             <a:pPr algn="ctr"/>
             <a:r>
               <a:rPr lang="ru-RU" sz="1100" dirty="0"/>
-              <a:t>Поддержать евреев</a:t>
+              <a:t>Предложить чернокожим разделить власть</a:t>
             </a:r>
             <a:endParaRPr lang="ru-RU" sz="600" dirty="0"/>
           </a:p>
@@ -22374,31 +22193,30 @@
       </p:sp>
       <p:cxnSp>
         <p:nvCxnSpPr>
-          <p:cNvPr id="487" name="Shape 248">
-            <a:extLst>
-              <a:ext uri="{FF2B5EF4-FFF2-40B4-BE49-F238E27FC236}">
-                <a16:creationId xmlns:a16="http://schemas.microsoft.com/office/drawing/2014/main" id="{4C129103-ECA3-450E-9325-53B5265AEA37}"/>
+          <p:cNvPr id="429" name="Прямая со стрелкой 428">
+            <a:extLst>
+              <a:ext uri="{FF2B5EF4-FFF2-40B4-BE49-F238E27FC236}">
+                <a16:creationId xmlns:a16="http://schemas.microsoft.com/office/drawing/2014/main" id="{A16CFBD8-5EFC-4B76-BCEA-41A10F1637C2}"/>
               </a:ext>
             </a:extLst>
           </p:cNvPr>
           <p:cNvCxnSpPr>
             <a:cxnSpLocks/>
             <a:stCxn id="381" idx="2"/>
-            <a:endCxn id="486" idx="0"/>
+            <a:endCxn id="425" idx="0"/>
           </p:cNvCxnSpPr>
           <p:nvPr/>
         </p:nvCxnSpPr>
         <p:spPr>
-          <a:xfrm rot="16200000" flipH="1">
-            <a:off x="21371023" y="4586813"/>
-            <a:ext cx="1471657" cy="855257"/>
-          </a:xfrm>
-          <a:prstGeom prst="bentConnector3">
-            <a:avLst>
-              <a:gd name="adj1" fmla="val 16215"/>
-            </a:avLst>
+          <a:xfrm flipH="1">
+            <a:off x="21679222" y="4278614"/>
+            <a:ext cx="1" cy="463008"/>
+          </a:xfrm>
+          <a:prstGeom prst="straightConnector1">
+            <a:avLst/>
           </a:prstGeom>
           <a:ln w="28575">
+            <a:prstDash val="dash"/>
             <a:tailEnd type="arrow"/>
           </a:ln>
         </p:spPr>
@@ -22417,87 +22235,34 @@
           </a:fontRef>
         </p:style>
       </p:cxnSp>
-      <p:sp>
-        <p:nvSpPr>
-          <p:cNvPr id="492" name="Прямоугольник 491">
-            <a:extLst>
-              <a:ext uri="{FF2B5EF4-FFF2-40B4-BE49-F238E27FC236}">
-                <a16:creationId xmlns:a16="http://schemas.microsoft.com/office/drawing/2014/main" id="{4F38B18A-1325-4C3C-8173-3AD3A78782A3}"/>
-              </a:ext>
-            </a:extLst>
-          </p:cNvPr>
-          <p:cNvSpPr/>
-          <p:nvPr/>
-        </p:nvSpPr>
-        <p:spPr>
-          <a:xfrm>
-            <a:off x="18544421" y="5761523"/>
-            <a:ext cx="1144480" cy="639015"/>
-          </a:xfrm>
-          <a:prstGeom prst="rect">
-            <a:avLst/>
-          </a:prstGeom>
-          <a:solidFill>
-            <a:schemeClr val="bg2">
-              <a:lumMod val="75000"/>
-            </a:schemeClr>
-          </a:solidFill>
-          <a:ln w="28575"/>
-        </p:spPr>
-        <p:style>
-          <a:lnRef idx="2">
-            <a:schemeClr val="accent1"/>
-          </a:lnRef>
-          <a:fillRef idx="1">
-            <a:schemeClr val="lt1"/>
-          </a:fillRef>
-          <a:effectRef idx="0">
-            <a:schemeClr val="accent1"/>
-          </a:effectRef>
-          <a:fontRef idx="minor">
-            <a:schemeClr val="dk1"/>
-          </a:fontRef>
-        </p:style>
-        <p:txBody>
-          <a:bodyPr lIns="124733" tIns="62367" rIns="124733" bIns="62367" rtlCol="0" anchor="ctr"/>
-          <a:lstStyle/>
-          <a:p>
-            <a:pPr algn="ctr"/>
-            <a:r>
-              <a:rPr lang="ru-RU" sz="1100" dirty="0"/>
-              <a:t>Уничтожить коммунистов у границы</a:t>
-            </a:r>
-            <a:endParaRPr lang="ru-RU" sz="600" dirty="0"/>
-          </a:p>
-        </p:txBody>
-      </p:sp>
       <p:cxnSp>
         <p:nvCxnSpPr>
-          <p:cNvPr id="495" name="Shape 248">
-            <a:extLst>
-              <a:ext uri="{FF2B5EF4-FFF2-40B4-BE49-F238E27FC236}">
-                <a16:creationId xmlns:a16="http://schemas.microsoft.com/office/drawing/2014/main" id="{70E73134-43BE-41EA-BFF8-C9CDC4B71129}"/>
+          <p:cNvPr id="440" name="Shape 248">
+            <a:extLst>
+              <a:ext uri="{FF2B5EF4-FFF2-40B4-BE49-F238E27FC236}">
+                <a16:creationId xmlns:a16="http://schemas.microsoft.com/office/drawing/2014/main" id="{19103916-9288-4376-B85A-FBA2C0C45FF4}"/>
               </a:ext>
             </a:extLst>
           </p:cNvPr>
           <p:cNvCxnSpPr>
             <a:cxnSpLocks/>
             <a:stCxn id="382" idx="2"/>
-            <a:endCxn id="492" idx="0"/>
+            <a:endCxn id="625" idx="0"/>
           </p:cNvCxnSpPr>
           <p:nvPr/>
         </p:nvCxnSpPr>
         <p:spPr>
-          <a:xfrm rot="5400000">
-            <a:off x="18804296" y="4590979"/>
-            <a:ext cx="1482909" cy="858178"/>
+          <a:xfrm rot="16200000" flipH="1">
+            <a:off x="19663518" y="4589934"/>
+            <a:ext cx="1474833" cy="852191"/>
           </a:xfrm>
           <a:prstGeom prst="bentConnector3">
             <a:avLst>
-              <a:gd name="adj1" fmla="val 15315"/>
+              <a:gd name="adj1" fmla="val 15771"/>
             </a:avLst>
           </a:prstGeom>
           <a:ln w="28575">
+            <a:prstDash val="dash"/>
             <a:tailEnd type="arrow"/>
           </a:ln>
         </p:spPr>
@@ -22516,12 +22281,58 @@
           </a:fontRef>
         </p:style>
       </p:cxnSp>
-      <p:sp>
-        <p:nvSpPr>
-          <p:cNvPr id="500" name="Прямоугольник 499">
-            <a:extLst>
-              <a:ext uri="{FF2B5EF4-FFF2-40B4-BE49-F238E27FC236}">
-                <a16:creationId xmlns:a16="http://schemas.microsoft.com/office/drawing/2014/main" id="{EB8B9CBE-9BC3-4484-9551-27DCE8970A88}"/>
+      <p:cxnSp>
+        <p:nvCxnSpPr>
+          <p:cNvPr id="444" name="Shape 248">
+            <a:extLst>
+              <a:ext uri="{FF2B5EF4-FFF2-40B4-BE49-F238E27FC236}">
+                <a16:creationId xmlns:a16="http://schemas.microsoft.com/office/drawing/2014/main" id="{F5521068-0520-40B7-BE60-69485F2A1F6B}"/>
+              </a:ext>
+            </a:extLst>
+          </p:cNvPr>
+          <p:cNvCxnSpPr>
+            <a:cxnSpLocks/>
+            <a:stCxn id="381" idx="2"/>
+            <a:endCxn id="625" idx="0"/>
+          </p:cNvCxnSpPr>
+          <p:nvPr/>
+        </p:nvCxnSpPr>
+        <p:spPr>
+          <a:xfrm rot="5400000">
+            <a:off x="20515711" y="4589934"/>
+            <a:ext cx="1474833" cy="852193"/>
+          </a:xfrm>
+          <a:prstGeom prst="bentConnector3">
+            <a:avLst>
+              <a:gd name="adj1" fmla="val 15496"/>
+            </a:avLst>
+          </a:prstGeom>
+          <a:ln w="28575">
+            <a:prstDash val="dash"/>
+            <a:tailEnd type="arrow"/>
+          </a:ln>
+        </p:spPr>
+        <p:style>
+          <a:lnRef idx="1">
+            <a:schemeClr val="accent1"/>
+          </a:lnRef>
+          <a:fillRef idx="0">
+            <a:schemeClr val="accent1"/>
+          </a:fillRef>
+          <a:effectRef idx="0">
+            <a:schemeClr val="accent1"/>
+          </a:effectRef>
+          <a:fontRef idx="minor">
+            <a:schemeClr val="tx1"/>
+          </a:fontRef>
+        </p:style>
+      </p:cxnSp>
+      <p:sp>
+        <p:nvSpPr>
+          <p:cNvPr id="486" name="Прямоугольник 485">
+            <a:extLst>
+              <a:ext uri="{FF2B5EF4-FFF2-40B4-BE49-F238E27FC236}">
+                <a16:creationId xmlns:a16="http://schemas.microsoft.com/office/drawing/2014/main" id="{0004DA7D-A7C1-443B-BBCD-3D56E07055B8}"/>
               </a:ext>
             </a:extLst>
           </p:cNvPr>
@@ -22530,7 +22341,7 @@
         </p:nvSpPr>
         <p:spPr>
           <a:xfrm>
-            <a:off x="22822861" y="4747970"/>
+            <a:off x="21962240" y="5750271"/>
             <a:ext cx="1144480" cy="639015"/>
           </a:xfrm>
           <a:prstGeom prst="rect">
@@ -22565,18 +22376,63 @@
             <a:pPr algn="ctr"/>
             <a:r>
               <a:rPr lang="ru-RU" sz="1100" dirty="0"/>
-              <a:t>Распространить пенсии и пособия на цветных</a:t>
+              <a:t>Поддержать евреев</a:t>
             </a:r>
             <a:endParaRPr lang="ru-RU" sz="600" dirty="0"/>
           </a:p>
         </p:txBody>
       </p:sp>
-      <p:sp>
-        <p:nvSpPr>
-          <p:cNvPr id="501" name="Прямоугольник 500">
-            <a:extLst>
-              <a:ext uri="{FF2B5EF4-FFF2-40B4-BE49-F238E27FC236}">
-                <a16:creationId xmlns:a16="http://schemas.microsoft.com/office/drawing/2014/main" id="{B0BE53F3-2062-48C4-AEFD-0F581DA2DFCA}"/>
+      <p:cxnSp>
+        <p:nvCxnSpPr>
+          <p:cNvPr id="487" name="Shape 248">
+            <a:extLst>
+              <a:ext uri="{FF2B5EF4-FFF2-40B4-BE49-F238E27FC236}">
+                <a16:creationId xmlns:a16="http://schemas.microsoft.com/office/drawing/2014/main" id="{4C129103-ECA3-450E-9325-53B5265AEA37}"/>
+              </a:ext>
+            </a:extLst>
+          </p:cNvPr>
+          <p:cNvCxnSpPr>
+            <a:cxnSpLocks/>
+            <a:stCxn id="381" idx="2"/>
+            <a:endCxn id="486" idx="0"/>
+          </p:cNvCxnSpPr>
+          <p:nvPr/>
+        </p:nvCxnSpPr>
+        <p:spPr>
+          <a:xfrm rot="16200000" flipH="1">
+            <a:off x="21371023" y="4586813"/>
+            <a:ext cx="1471657" cy="855257"/>
+          </a:xfrm>
+          <a:prstGeom prst="bentConnector3">
+            <a:avLst>
+              <a:gd name="adj1" fmla="val 16215"/>
+            </a:avLst>
+          </a:prstGeom>
+          <a:ln w="28575">
+            <a:tailEnd type="arrow"/>
+          </a:ln>
+        </p:spPr>
+        <p:style>
+          <a:lnRef idx="1">
+            <a:schemeClr val="accent1"/>
+          </a:lnRef>
+          <a:fillRef idx="0">
+            <a:schemeClr val="accent1"/>
+          </a:fillRef>
+          <a:effectRef idx="0">
+            <a:schemeClr val="accent1"/>
+          </a:effectRef>
+          <a:fontRef idx="minor">
+            <a:schemeClr val="tx1"/>
+          </a:fontRef>
+        </p:style>
+      </p:cxnSp>
+      <p:sp>
+        <p:nvSpPr>
+          <p:cNvPr id="492" name="Прямоугольник 491">
+            <a:extLst>
+              <a:ext uri="{FF2B5EF4-FFF2-40B4-BE49-F238E27FC236}">
+                <a16:creationId xmlns:a16="http://schemas.microsoft.com/office/drawing/2014/main" id="{4F38B18A-1325-4C3C-8173-3AD3A78782A3}"/>
               </a:ext>
             </a:extLst>
           </p:cNvPr>
@@ -22585,7 +22441,106 @@
         </p:nvSpPr>
         <p:spPr>
           <a:xfrm>
-            <a:off x="22829015" y="7697013"/>
+            <a:off x="18544421" y="5761523"/>
+            <a:ext cx="1144480" cy="639015"/>
+          </a:xfrm>
+          <a:prstGeom prst="rect">
+            <a:avLst/>
+          </a:prstGeom>
+          <a:solidFill>
+            <a:schemeClr val="bg2">
+              <a:lumMod val="75000"/>
+            </a:schemeClr>
+          </a:solidFill>
+          <a:ln w="28575"/>
+        </p:spPr>
+        <p:style>
+          <a:lnRef idx="2">
+            <a:schemeClr val="accent1"/>
+          </a:lnRef>
+          <a:fillRef idx="1">
+            <a:schemeClr val="lt1"/>
+          </a:fillRef>
+          <a:effectRef idx="0">
+            <a:schemeClr val="accent1"/>
+          </a:effectRef>
+          <a:fontRef idx="minor">
+            <a:schemeClr val="dk1"/>
+          </a:fontRef>
+        </p:style>
+        <p:txBody>
+          <a:bodyPr lIns="124733" tIns="62367" rIns="124733" bIns="62367" rtlCol="0" anchor="ctr"/>
+          <a:lstStyle/>
+          <a:p>
+            <a:pPr algn="ctr"/>
+            <a:r>
+              <a:rPr lang="ru-RU" sz="1100" dirty="0"/>
+              <a:t>Уничтожить коммунистов у границы</a:t>
+            </a:r>
+            <a:endParaRPr lang="ru-RU" sz="600" dirty="0"/>
+          </a:p>
+        </p:txBody>
+      </p:sp>
+      <p:cxnSp>
+        <p:nvCxnSpPr>
+          <p:cNvPr id="495" name="Shape 248">
+            <a:extLst>
+              <a:ext uri="{FF2B5EF4-FFF2-40B4-BE49-F238E27FC236}">
+                <a16:creationId xmlns:a16="http://schemas.microsoft.com/office/drawing/2014/main" id="{70E73134-43BE-41EA-BFF8-C9CDC4B71129}"/>
+              </a:ext>
+            </a:extLst>
+          </p:cNvPr>
+          <p:cNvCxnSpPr>
+            <a:cxnSpLocks/>
+            <a:stCxn id="382" idx="2"/>
+            <a:endCxn id="492" idx="0"/>
+          </p:cNvCxnSpPr>
+          <p:nvPr/>
+        </p:nvCxnSpPr>
+        <p:spPr>
+          <a:xfrm rot="5400000">
+            <a:off x="18804296" y="4590979"/>
+            <a:ext cx="1482909" cy="858178"/>
+          </a:xfrm>
+          <a:prstGeom prst="bentConnector3">
+            <a:avLst>
+              <a:gd name="adj1" fmla="val 15315"/>
+            </a:avLst>
+          </a:prstGeom>
+          <a:ln w="28575">
+            <a:tailEnd type="arrow"/>
+          </a:ln>
+        </p:spPr>
+        <p:style>
+          <a:lnRef idx="1">
+            <a:schemeClr val="accent1"/>
+          </a:lnRef>
+          <a:fillRef idx="0">
+            <a:schemeClr val="accent1"/>
+          </a:fillRef>
+          <a:effectRef idx="0">
+            <a:schemeClr val="accent1"/>
+          </a:effectRef>
+          <a:fontRef idx="minor">
+            <a:schemeClr val="tx1"/>
+          </a:fontRef>
+        </p:style>
+      </p:cxnSp>
+      <p:sp>
+        <p:nvSpPr>
+          <p:cNvPr id="500" name="Прямоугольник 499">
+            <a:extLst>
+              <a:ext uri="{FF2B5EF4-FFF2-40B4-BE49-F238E27FC236}">
+                <a16:creationId xmlns:a16="http://schemas.microsoft.com/office/drawing/2014/main" id="{EB8B9CBE-9BC3-4484-9551-27DCE8970A88}"/>
+              </a:ext>
+            </a:extLst>
+          </p:cNvPr>
+          <p:cNvSpPr/>
+          <p:nvPr/>
+        </p:nvSpPr>
+        <p:spPr>
+          <a:xfrm>
+            <a:off x="22822861" y="4747970"/>
             <a:ext cx="1144480" cy="639015"/>
           </a:xfrm>
           <a:prstGeom prst="rect">
@@ -22620,6 +22575,61 @@
             <a:pPr algn="ctr"/>
             <a:r>
               <a:rPr lang="ru-RU" sz="1100" dirty="0"/>
+              <a:t>Распространить пенсии и пособия на цветных</a:t>
+            </a:r>
+            <a:endParaRPr lang="ru-RU" sz="600" dirty="0"/>
+          </a:p>
+        </p:txBody>
+      </p:sp>
+      <p:sp>
+        <p:nvSpPr>
+          <p:cNvPr id="501" name="Прямоугольник 500">
+            <a:extLst>
+              <a:ext uri="{FF2B5EF4-FFF2-40B4-BE49-F238E27FC236}">
+                <a16:creationId xmlns:a16="http://schemas.microsoft.com/office/drawing/2014/main" id="{B0BE53F3-2062-48C4-AEFD-0F581DA2DFCA}"/>
+              </a:ext>
+            </a:extLst>
+          </p:cNvPr>
+          <p:cNvSpPr/>
+          <p:nvPr/>
+        </p:nvSpPr>
+        <p:spPr>
+          <a:xfrm>
+            <a:off x="22829015" y="7697013"/>
+            <a:ext cx="1144480" cy="639015"/>
+          </a:xfrm>
+          <a:prstGeom prst="rect">
+            <a:avLst/>
+          </a:prstGeom>
+          <a:solidFill>
+            <a:schemeClr val="accent1">
+              <a:lumMod val="40000"/>
+              <a:lumOff val="60000"/>
+            </a:schemeClr>
+          </a:solidFill>
+          <a:ln w="28575"/>
+        </p:spPr>
+        <p:style>
+          <a:lnRef idx="2">
+            <a:schemeClr val="accent1"/>
+          </a:lnRef>
+          <a:fillRef idx="1">
+            <a:schemeClr val="lt1"/>
+          </a:fillRef>
+          <a:effectRef idx="0">
+            <a:schemeClr val="accent1"/>
+          </a:effectRef>
+          <a:fontRef idx="minor">
+            <a:schemeClr val="dk1"/>
+          </a:fontRef>
+        </p:style>
+        <p:txBody>
+          <a:bodyPr lIns="124733" tIns="62367" rIns="124733" bIns="62367" rtlCol="0" anchor="ctr"/>
+          <a:lstStyle/>
+          <a:p>
+            <a:pPr algn="ctr"/>
+            <a:r>
+              <a:rPr lang="ru-RU" sz="1100" dirty="0"/>
               <a:t>Распространить пенсии и пособия на африканцев</a:t>
             </a:r>
             <a:endParaRPr lang="ru-RU" sz="600" dirty="0"/>
@@ -23060,62 +23070,6 @@
               <a:rPr lang="ru-RU" sz="1100" dirty="0" err="1"/>
               <a:t>ангофилов</a:t>
             </a:r>
-            <a:r>
-              <a:rPr lang="ru-RU" sz="1100" dirty="0"/>
-              <a:t> </a:t>
-            </a:r>
-            <a:r>
-              <a:rPr lang="ru-RU" sz="100" dirty="0"/>
-              <a:t>(Хотя он не мог сделать Южную Африку республикой, </a:t>
-            </a:r>
-            <a:r>
-              <a:rPr lang="ru-RU" sz="100" dirty="0" err="1"/>
-              <a:t>Малан</a:t>
-            </a:r>
-            <a:r>
-              <a:rPr lang="ru-RU" sz="100" dirty="0"/>
-              <a:t> мог подготовить страну к этому. За время своего правления с 1948 по 1954 год </a:t>
-            </a:r>
-            <a:r>
-              <a:rPr lang="ru-RU" sz="100" dirty="0" err="1"/>
-              <a:t>Малан</a:t>
-            </a:r>
-            <a:r>
-              <a:rPr lang="ru-RU" sz="100" dirty="0"/>
-              <a:t> предпринял несколько шагов, чтобы разорвать связи с </a:t>
-            </a:r>
-            <a:r>
-              <a:rPr lang="ru-RU" sz="100" dirty="0" err="1"/>
-              <a:t>Великобританией:Закон</a:t>
-            </a:r>
-            <a:r>
-              <a:rPr lang="ru-RU" sz="100" dirty="0"/>
-              <a:t> о гражданстве Южной Африки был принят в 1949 году. Раньше южноафриканцы не были гражданами, а скорее подданными Британской короны, независимо от того, были ли они постоянными жителями или только недавно иммигрировали. Закон 1949 года установил гражданство Южной Африки. Раньше гражданам Великобритании требовалось всего два года проживания в стране, чтобы считаться южноафриканцами; теперь британские иммигранты были такими же, как и любые другие иммигранты: они должны были зарегистрироваться и оставаться в Южной Африке в течение пяти лет, чтобы стать гражданами страны. Считалось, что это может повлиять на республиканский референдум. Закон гарантировал, что британское иммигрантское население не сократит </a:t>
-            </a:r>
-            <a:r>
-              <a:rPr lang="ru-RU" sz="100" dirty="0" err="1"/>
-              <a:t>африканерское</a:t>
-            </a:r>
-            <a:r>
-              <a:rPr lang="ru-RU" sz="100" dirty="0"/>
-              <a:t> большинство. [ необходима цитата ]В 1950 году право на апелляцию в Британский тайный совет в Лондоне было прекращено в соответствии с Законом об апелляциях в Тайном совете . Апелляционное отделение Верховного суда в Блумфонтейне теперь стало высшим судом Южной Африки. [ необходима цитата ]</a:t>
-            </a:r>
-            <a:r>
-              <a:rPr lang="ru-RU" sz="100" dirty="0" err="1"/>
-              <a:t>Малан</a:t>
-            </a:r>
-            <a:r>
-              <a:rPr lang="ru-RU" sz="100" dirty="0"/>
-              <a:t> был ключевым игроком в движении за то, чтобы убрать слово «британский» из «Британского Содружества». Это изменение было воспринято как подтверждение того факта, что все страны-члены являются добровольными и равноправными членами. [ необходима цитата ]В 1951 году </a:t>
-            </a:r>
-            <a:r>
-              <a:rPr lang="ru-RU" sz="100" dirty="0" err="1"/>
-              <a:t>прореспубликанский</a:t>
-            </a:r>
-            <a:r>
-              <a:rPr lang="ru-RU" sz="100" dirty="0"/>
-              <a:t> Эрнест Джордж Янсен был назначен на пост генерал-губернатора Южной Африки . Это поддержало идею лидерства африканеров. [ необходима цитата ]Титул только что коронованной королевы был изменен в 1953 году с «Елизавета II, королева Великобритании, Ирландии и британских доминионов за морями» на «Елизавета II, королева Южной Африки». Это должно было означать, что южноафриканская верхняя палата завещала ей этот титул. [ необходима цитата ])</a:t>
-            </a:r>
             <a:endParaRPr lang="ru-RU" sz="600" dirty="0"/>
           </a:p>
         </p:txBody>
@@ -24194,11 +24148,7 @@
             <a:pPr algn="ctr"/>
             <a:r>
               <a:rPr lang="ru-RU" sz="1100" dirty="0"/>
-              <a:t>Начать политику расовой сегрегации </a:t>
-            </a:r>
-            <a:r>
-              <a:rPr lang="ru-RU" sz="200" dirty="0"/>
-              <a:t>(После того, как Южная Африка была осуждена Британским Содружеством за ее политику апартеида, правительство под руководством НП заставило Южную Африку выйти из Содружества, отказаться от своей монархии во главе с британским монархом и стать независимой республикой.)</a:t>
+              <a:t>Начать политику расовой сегрегации</a:t>
             </a:r>
             <a:endParaRPr lang="ru-RU" sz="600" dirty="0"/>
           </a:p>
@@ -24474,53 +24424,8 @@
             <a:pPr algn="ctr"/>
             <a:r>
               <a:rPr lang="ru-RU" sz="1100" dirty="0"/>
-              <a:t>Закон о самоуправлении банту </a:t>
-            </a:r>
-            <a:r>
-              <a:rPr lang="ru-RU" sz="200" dirty="0"/>
-              <a:t>(В 1959 году Закон о самоуправлении банту установил так называемые </a:t>
-            </a:r>
-            <a:r>
-              <a:rPr lang="ru-RU" sz="200" dirty="0" err="1"/>
-              <a:t>хоумленды</a:t>
-            </a:r>
-            <a:r>
-              <a:rPr lang="ru-RU" sz="200" dirty="0"/>
-              <a:t> (иногда уничижительно называемые бантустанами ) для десяти различных черных племен. Конечной целью НП было переселить всех черных южноафриканцев в один из этих </a:t>
-            </a:r>
-            <a:r>
-              <a:rPr lang="ru-RU" sz="200" dirty="0" err="1"/>
-              <a:t>хоумлендов</a:t>
-            </a:r>
-            <a:r>
-              <a:rPr lang="ru-RU" sz="200" dirty="0"/>
-              <a:t> (хотя они могли продолжать работать в Южной Африке в качестве «гастарбайтеров»), оставив то, что осталось от Южной Африки (около 87 процентов площади земель) с тем, что тогда было бы белым большинством, по крайней мере на бумаге. Поскольку правительство апартеида рассматривало </a:t>
-            </a:r>
-            <a:r>
-              <a:rPr lang="ru-RU" sz="200" dirty="0" err="1"/>
-              <a:t>хоумленды</a:t>
-            </a:r>
-            <a:r>
-              <a:rPr lang="ru-RU" sz="200" dirty="0"/>
-              <a:t> как эмбриональные независимые государства, все черные южноафриканцы были зарегистрированы как граждане </a:t>
-            </a:r>
-            <a:r>
-              <a:rPr lang="ru-RU" sz="200" dirty="0" err="1"/>
-              <a:t>хоумлендов</a:t>
-            </a:r>
-            <a:r>
-              <a:rPr lang="ru-RU" sz="200" dirty="0"/>
-              <a:t>, а не страны в целом, и должны были осуществлять свои политические права только в </a:t>
-            </a:r>
-            <a:r>
-              <a:rPr lang="ru-RU" sz="200" dirty="0" err="1"/>
-              <a:t>хоумлендах</a:t>
-            </a:r>
-            <a:r>
-              <a:rPr lang="ru-RU" sz="200" dirty="0"/>
-              <a:t>.)</a:t>
-            </a:r>
-            <a:endParaRPr lang="ru-RU" sz="1100" dirty="0"/>
+              <a:t>Закон о самоуправлении банту</a:t>
+            </a:r>
           </a:p>
         </p:txBody>
       </p:sp>

--- a/Наработки/диздоки/ЮАС/ЮАС общая.pptx
+++ b/Наработки/диздоки/ЮАС/ЮАС общая.pptx
@@ -209,7 +209,7 @@
             <a:fld id="{33E3D7F9-E251-484C-A6FF-FA958879DF69}" type="datetimeFigureOut">
               <a:rPr lang="ru-RU" smtClean="0"/>
               <a:pPr/>
-              <a:t>22.10.2025</a:t>
+              <a:t>23.10.2025</a:t>
             </a:fld>
             <a:endParaRPr lang="ru-RU"/>
           </a:p>
@@ -699,7 +699,7 @@
             <a:fld id="{85A5DE44-605B-4D3B-B2B7-94543DF81A36}" type="datetimeFigureOut">
               <a:rPr lang="ru-RU" smtClean="0"/>
               <a:pPr/>
-              <a:t>22.10.2025</a:t>
+              <a:t>23.10.2025</a:t>
             </a:fld>
             <a:endParaRPr lang="ru-RU"/>
           </a:p>
@@ -871,7 +871,7 @@
             <a:fld id="{85A5DE44-605B-4D3B-B2B7-94543DF81A36}" type="datetimeFigureOut">
               <a:rPr lang="ru-RU" smtClean="0"/>
               <a:pPr/>
-              <a:t>22.10.2025</a:t>
+              <a:t>23.10.2025</a:t>
             </a:fld>
             <a:endParaRPr lang="ru-RU"/>
           </a:p>
@@ -1053,7 +1053,7 @@
             <a:fld id="{85A5DE44-605B-4D3B-B2B7-94543DF81A36}" type="datetimeFigureOut">
               <a:rPr lang="ru-RU" smtClean="0"/>
               <a:pPr/>
-              <a:t>22.10.2025</a:t>
+              <a:t>23.10.2025</a:t>
             </a:fld>
             <a:endParaRPr lang="ru-RU"/>
           </a:p>
@@ -1225,7 +1225,7 @@
             <a:fld id="{85A5DE44-605B-4D3B-B2B7-94543DF81A36}" type="datetimeFigureOut">
               <a:rPr lang="ru-RU" smtClean="0"/>
               <a:pPr/>
-              <a:t>22.10.2025</a:t>
+              <a:t>23.10.2025</a:t>
             </a:fld>
             <a:endParaRPr lang="ru-RU"/>
           </a:p>
@@ -1473,7 +1473,7 @@
             <a:fld id="{85A5DE44-605B-4D3B-B2B7-94543DF81A36}" type="datetimeFigureOut">
               <a:rPr lang="ru-RU" smtClean="0"/>
               <a:pPr/>
-              <a:t>22.10.2025</a:t>
+              <a:t>23.10.2025</a:t>
             </a:fld>
             <a:endParaRPr lang="ru-RU"/>
           </a:p>
@@ -1707,7 +1707,7 @@
             <a:fld id="{85A5DE44-605B-4D3B-B2B7-94543DF81A36}" type="datetimeFigureOut">
               <a:rPr lang="ru-RU" smtClean="0"/>
               <a:pPr/>
-              <a:t>22.10.2025</a:t>
+              <a:t>23.10.2025</a:t>
             </a:fld>
             <a:endParaRPr lang="ru-RU"/>
           </a:p>
@@ -2076,7 +2076,7 @@
             <a:fld id="{85A5DE44-605B-4D3B-B2B7-94543DF81A36}" type="datetimeFigureOut">
               <a:rPr lang="ru-RU" smtClean="0"/>
               <a:pPr/>
-              <a:t>22.10.2025</a:t>
+              <a:t>23.10.2025</a:t>
             </a:fld>
             <a:endParaRPr lang="ru-RU"/>
           </a:p>
@@ -2196,7 +2196,7 @@
             <a:fld id="{85A5DE44-605B-4D3B-B2B7-94543DF81A36}" type="datetimeFigureOut">
               <a:rPr lang="ru-RU" smtClean="0"/>
               <a:pPr/>
-              <a:t>22.10.2025</a:t>
+              <a:t>23.10.2025</a:t>
             </a:fld>
             <a:endParaRPr lang="ru-RU"/>
           </a:p>
@@ -2293,7 +2293,7 @@
             <a:fld id="{85A5DE44-605B-4D3B-B2B7-94543DF81A36}" type="datetimeFigureOut">
               <a:rPr lang="ru-RU" smtClean="0"/>
               <a:pPr/>
-              <a:t>22.10.2025</a:t>
+              <a:t>23.10.2025</a:t>
             </a:fld>
             <a:endParaRPr lang="ru-RU"/>
           </a:p>
@@ -2572,7 +2572,7 @@
             <a:fld id="{85A5DE44-605B-4D3B-B2B7-94543DF81A36}" type="datetimeFigureOut">
               <a:rPr lang="ru-RU" smtClean="0"/>
               <a:pPr/>
-              <a:t>22.10.2025</a:t>
+              <a:t>23.10.2025</a:t>
             </a:fld>
             <a:endParaRPr lang="ru-RU"/>
           </a:p>
@@ -2831,7 +2831,7 @@
             <a:fld id="{85A5DE44-605B-4D3B-B2B7-94543DF81A36}" type="datetimeFigureOut">
               <a:rPr lang="ru-RU" smtClean="0"/>
               <a:pPr/>
-              <a:t>22.10.2025</a:t>
+              <a:t>23.10.2025</a:t>
             </a:fld>
             <a:endParaRPr lang="ru-RU"/>
           </a:p>
@@ -3046,7 +3046,7 @@
             <a:fld id="{85A5DE44-605B-4D3B-B2B7-94543DF81A36}" type="datetimeFigureOut">
               <a:rPr lang="ru-RU" smtClean="0"/>
               <a:pPr/>
-              <a:t>22.10.2025</a:t>
+              <a:t>23.10.2025</a:t>
             </a:fld>
             <a:endParaRPr lang="ru-RU"/>
           </a:p>
@@ -25219,7 +25219,7 @@
             <a:pPr algn="ctr"/>
             <a:r>
               <a:rPr lang="ru-RU" sz="1100" dirty="0"/>
-              <a:t>Расширить влияние в Бельгийском Конго</a:t>
+              <a:t>Расширить влияние в Конго</a:t>
             </a:r>
           </a:p>
         </p:txBody>

--- a/Наработки/диздоки/ЮАС/ЮАС общая.pptx
+++ b/Наработки/диздоки/ЮАС/ЮАС общая.pptx
@@ -209,7 +209,7 @@
             <a:fld id="{33E3D7F9-E251-484C-A6FF-FA958879DF69}" type="datetimeFigureOut">
               <a:rPr lang="ru-RU" smtClean="0"/>
               <a:pPr/>
-              <a:t>23.10.2025</a:t>
+              <a:t>24.10.2025</a:t>
             </a:fld>
             <a:endParaRPr lang="ru-RU"/>
           </a:p>
@@ -699,7 +699,7 @@
             <a:fld id="{85A5DE44-605B-4D3B-B2B7-94543DF81A36}" type="datetimeFigureOut">
               <a:rPr lang="ru-RU" smtClean="0"/>
               <a:pPr/>
-              <a:t>23.10.2025</a:t>
+              <a:t>24.10.2025</a:t>
             </a:fld>
             <a:endParaRPr lang="ru-RU"/>
           </a:p>
@@ -871,7 +871,7 @@
             <a:fld id="{85A5DE44-605B-4D3B-B2B7-94543DF81A36}" type="datetimeFigureOut">
               <a:rPr lang="ru-RU" smtClean="0"/>
               <a:pPr/>
-              <a:t>23.10.2025</a:t>
+              <a:t>24.10.2025</a:t>
             </a:fld>
             <a:endParaRPr lang="ru-RU"/>
           </a:p>
@@ -1053,7 +1053,7 @@
             <a:fld id="{85A5DE44-605B-4D3B-B2B7-94543DF81A36}" type="datetimeFigureOut">
               <a:rPr lang="ru-RU" smtClean="0"/>
               <a:pPr/>
-              <a:t>23.10.2025</a:t>
+              <a:t>24.10.2025</a:t>
             </a:fld>
             <a:endParaRPr lang="ru-RU"/>
           </a:p>
@@ -1225,7 +1225,7 @@
             <a:fld id="{85A5DE44-605B-4D3B-B2B7-94543DF81A36}" type="datetimeFigureOut">
               <a:rPr lang="ru-RU" smtClean="0"/>
               <a:pPr/>
-              <a:t>23.10.2025</a:t>
+              <a:t>24.10.2025</a:t>
             </a:fld>
             <a:endParaRPr lang="ru-RU"/>
           </a:p>
@@ -1473,7 +1473,7 @@
             <a:fld id="{85A5DE44-605B-4D3B-B2B7-94543DF81A36}" type="datetimeFigureOut">
               <a:rPr lang="ru-RU" smtClean="0"/>
               <a:pPr/>
-              <a:t>23.10.2025</a:t>
+              <a:t>24.10.2025</a:t>
             </a:fld>
             <a:endParaRPr lang="ru-RU"/>
           </a:p>
@@ -1707,7 +1707,7 @@
             <a:fld id="{85A5DE44-605B-4D3B-B2B7-94543DF81A36}" type="datetimeFigureOut">
               <a:rPr lang="ru-RU" smtClean="0"/>
               <a:pPr/>
-              <a:t>23.10.2025</a:t>
+              <a:t>24.10.2025</a:t>
             </a:fld>
             <a:endParaRPr lang="ru-RU"/>
           </a:p>
@@ -2076,7 +2076,7 @@
             <a:fld id="{85A5DE44-605B-4D3B-B2B7-94543DF81A36}" type="datetimeFigureOut">
               <a:rPr lang="ru-RU" smtClean="0"/>
               <a:pPr/>
-              <a:t>23.10.2025</a:t>
+              <a:t>24.10.2025</a:t>
             </a:fld>
             <a:endParaRPr lang="ru-RU"/>
           </a:p>
@@ -2196,7 +2196,7 @@
             <a:fld id="{85A5DE44-605B-4D3B-B2B7-94543DF81A36}" type="datetimeFigureOut">
               <a:rPr lang="ru-RU" smtClean="0"/>
               <a:pPr/>
-              <a:t>23.10.2025</a:t>
+              <a:t>24.10.2025</a:t>
             </a:fld>
             <a:endParaRPr lang="ru-RU"/>
           </a:p>
@@ -2293,7 +2293,7 @@
             <a:fld id="{85A5DE44-605B-4D3B-B2B7-94543DF81A36}" type="datetimeFigureOut">
               <a:rPr lang="ru-RU" smtClean="0"/>
               <a:pPr/>
-              <a:t>23.10.2025</a:t>
+              <a:t>24.10.2025</a:t>
             </a:fld>
             <a:endParaRPr lang="ru-RU"/>
           </a:p>
@@ -2572,7 +2572,7 @@
             <a:fld id="{85A5DE44-605B-4D3B-B2B7-94543DF81A36}" type="datetimeFigureOut">
               <a:rPr lang="ru-RU" smtClean="0"/>
               <a:pPr/>
-              <a:t>23.10.2025</a:t>
+              <a:t>24.10.2025</a:t>
             </a:fld>
             <a:endParaRPr lang="ru-RU"/>
           </a:p>
@@ -2831,7 +2831,7 @@
             <a:fld id="{85A5DE44-605B-4D3B-B2B7-94543DF81A36}" type="datetimeFigureOut">
               <a:rPr lang="ru-RU" smtClean="0"/>
               <a:pPr/>
-              <a:t>23.10.2025</a:t>
+              <a:t>24.10.2025</a:t>
             </a:fld>
             <a:endParaRPr lang="ru-RU"/>
           </a:p>
@@ -3046,7 +3046,7 @@
             <a:fld id="{85A5DE44-605B-4D3B-B2B7-94543DF81A36}" type="datetimeFigureOut">
               <a:rPr lang="ru-RU" smtClean="0"/>
               <a:pPr/>
-              <a:t>23.10.2025</a:t>
+              <a:t>24.10.2025</a:t>
             </a:fld>
             <a:endParaRPr lang="ru-RU"/>
           </a:p>
@@ -20159,7 +20159,7 @@
         </p:nvSpPr>
         <p:spPr>
           <a:xfrm>
-            <a:off x="7870037" y="2600458"/>
+            <a:off x="4647883" y="1551449"/>
             <a:ext cx="1156124" cy="645064"/>
           </a:xfrm>
           <a:prstGeom prst="rect">
@@ -20263,8 +20263,8 @@
         </p:nvCxnSpPr>
         <p:spPr>
           <a:xfrm>
-            <a:off x="8239342" y="5042022"/>
-            <a:ext cx="439649" cy="0"/>
+            <a:off x="8205035" y="5044502"/>
+            <a:ext cx="504579" cy="3511"/>
           </a:xfrm>
           <a:prstGeom prst="line">
             <a:avLst/>
@@ -20304,7 +20304,7 @@
         </p:nvSpPr>
         <p:spPr>
           <a:xfrm>
-            <a:off x="7864906" y="3639595"/>
+            <a:off x="7876073" y="3630820"/>
             <a:ext cx="1156124" cy="645064"/>
           </a:xfrm>
           <a:prstGeom prst="rect">
@@ -20372,7 +20372,7 @@
         </p:nvSpPr>
         <p:spPr>
           <a:xfrm>
-            <a:off x="7083218" y="4719490"/>
+            <a:off x="7048911" y="4721970"/>
             <a:ext cx="1156124" cy="645064"/>
           </a:xfrm>
           <a:prstGeom prst="rect">
@@ -20404,23 +20404,7 @@
             <a:pPr algn="ctr"/>
             <a:r>
               <a:rPr lang="ru-RU" sz="1100" dirty="0"/>
-              <a:t>Союз белой Африки </a:t>
-            </a:r>
-            <a:r>
-              <a:rPr lang="ru-RU" sz="500" dirty="0"/>
-              <a:t>(</a:t>
-            </a:r>
-            <a:r>
-              <a:rPr lang="ru-RU" sz="500" dirty="0" err="1"/>
-              <a:t>кирино</a:t>
-            </a:r>
-            <a:r>
-              <a:rPr lang="en-US" sz="500" dirty="0"/>
-              <a:t>: </a:t>
-            </a:r>
-            <a:r>
-              <a:rPr lang="ru-RU" sz="500" dirty="0"/>
-              <a:t>одноимённый альянс)</a:t>
+              <a:t>Вступить в Ось</a:t>
             </a:r>
             <a:endParaRPr lang="ru-RU" sz="600" dirty="0"/>
           </a:p>
@@ -20440,7 +20424,7 @@
         </p:nvSpPr>
         <p:spPr>
           <a:xfrm>
-            <a:off x="8678991" y="4719490"/>
+            <a:off x="8709614" y="4725481"/>
             <a:ext cx="1156124" cy="645064"/>
           </a:xfrm>
           <a:prstGeom prst="rect">
@@ -20472,17 +20456,8 @@
             <a:pPr algn="ctr"/>
             <a:r>
               <a:rPr lang="ru-RU" sz="1100" dirty="0"/>
-              <a:t>Вступить в Ось (</a:t>
-            </a:r>
-            <a:r>
-              <a:rPr lang="ru-RU" sz="1100" dirty="0" err="1"/>
-              <a:t>кирино</a:t>
-            </a:r>
-            <a:r>
-              <a:rPr lang="ru-RU" sz="1100" dirty="0"/>
-              <a:t>)</a:t>
-            </a:r>
-            <a:endParaRPr lang="ru-RU" sz="600" dirty="0"/>
+              <a:t>Возобновить связи с Британской империей</a:t>
+            </a:r>
           </a:p>
         </p:txBody>
       </p:sp>
@@ -20500,7 +20475,7 @@
         </p:nvSpPr>
         <p:spPr>
           <a:xfrm>
-            <a:off x="7073042" y="1565185"/>
+            <a:off x="6226860" y="3630293"/>
             <a:ext cx="1156124" cy="645064"/>
           </a:xfrm>
           <a:prstGeom prst="rect">
@@ -20556,7 +20531,7 @@
         </p:nvSpPr>
         <p:spPr>
           <a:xfrm>
-            <a:off x="9459928" y="1566074"/>
+            <a:off x="7875433" y="1566667"/>
             <a:ext cx="1156124" cy="643812"/>
           </a:xfrm>
           <a:prstGeom prst="rect">
@@ -20620,7 +20595,7 @@
         </p:nvSpPr>
         <p:spPr>
           <a:xfrm>
-            <a:off x="6272805" y="3643611"/>
+            <a:off x="5415239" y="2618185"/>
             <a:ext cx="1156124" cy="645064"/>
           </a:xfrm>
           <a:prstGeom prst="rect">
@@ -20708,7 +20683,7 @@
         </p:nvSpPr>
         <p:spPr>
           <a:xfrm>
-            <a:off x="4678418" y="1560701"/>
+            <a:off x="3079876" y="1551449"/>
             <a:ext cx="1156124" cy="645064"/>
           </a:xfrm>
           <a:prstGeom prst="rect">
@@ -20780,7 +20755,7 @@
         </p:nvSpPr>
         <p:spPr>
           <a:xfrm>
-            <a:off x="9465810" y="2602134"/>
+            <a:off x="8711728" y="2617192"/>
             <a:ext cx="1156124" cy="645064"/>
           </a:xfrm>
           <a:prstGeom prst="rect">
@@ -20811,8 +20786,8 @@
           <a:p>
             <a:pPr algn="ctr"/>
             <a:r>
-              <a:rPr lang="ru-RU" sz="1100" dirty="0" err="1"/>
-              <a:t>Антикапитализм</a:t>
+              <a:rPr lang="ru-RU" sz="1100" dirty="0"/>
+              <a:t>Провести вербовку среди англоговорящего населения</a:t>
             </a:r>
             <a:endParaRPr lang="ru-RU" sz="600" dirty="0"/>
           </a:p>
@@ -20832,7 +20807,7 @@
         </p:nvSpPr>
         <p:spPr>
           <a:xfrm>
-            <a:off x="4674077" y="2607054"/>
+            <a:off x="3079876" y="2618185"/>
             <a:ext cx="1156124" cy="645064"/>
           </a:xfrm>
           <a:prstGeom prst="rect">
@@ -20896,7 +20871,7 @@
         </p:nvSpPr>
         <p:spPr>
           <a:xfrm>
-            <a:off x="11055760" y="1567398"/>
+            <a:off x="9472896" y="1567398"/>
             <a:ext cx="1156124" cy="645064"/>
           </a:xfrm>
           <a:prstGeom prst="rect">
@@ -20948,7 +20923,7 @@
         </p:nvSpPr>
         <p:spPr>
           <a:xfrm>
-            <a:off x="6271321" y="2607054"/>
+            <a:off x="5417570" y="4735635"/>
             <a:ext cx="1156124" cy="645064"/>
           </a:xfrm>
           <a:prstGeom prst="rect">
@@ -21000,7 +20975,7 @@
         </p:nvSpPr>
         <p:spPr>
           <a:xfrm>
-            <a:off x="4671212" y="3650974"/>
+            <a:off x="3082912" y="3636870"/>
             <a:ext cx="1156124" cy="645064"/>
           </a:xfrm>
           <a:prstGeom prst="rect">
@@ -25433,96 +25408,6 @@
       </p:cxnSp>
       <p:cxnSp>
         <p:nvCxnSpPr>
-          <p:cNvPr id="549" name="Shape 248">
-            <a:extLst>
-              <a:ext uri="{FF2B5EF4-FFF2-40B4-BE49-F238E27FC236}">
-                <a16:creationId xmlns:a16="http://schemas.microsoft.com/office/drawing/2014/main" id="{C1BC724A-B217-41C7-9F3C-749084997754}"/>
-              </a:ext>
-            </a:extLst>
-          </p:cNvPr>
-          <p:cNvCxnSpPr>
-            <a:cxnSpLocks/>
-            <a:stCxn id="1478" idx="2"/>
-            <a:endCxn id="1491" idx="0"/>
-          </p:cNvCxnSpPr>
-          <p:nvPr/>
-        </p:nvCxnSpPr>
-        <p:spPr>
-          <a:xfrm rot="5400000">
-            <a:off x="7856837" y="973922"/>
-            <a:ext cx="385531" cy="796995"/>
-          </a:xfrm>
-          <a:prstGeom prst="bentConnector3">
-            <a:avLst>
-              <a:gd name="adj1" fmla="val 50000"/>
-            </a:avLst>
-          </a:prstGeom>
-          <a:ln w="28575">
-            <a:tailEnd type="arrow"/>
-          </a:ln>
-        </p:spPr>
-        <p:style>
-          <a:lnRef idx="1">
-            <a:schemeClr val="accent1"/>
-          </a:lnRef>
-          <a:fillRef idx="0">
-            <a:schemeClr val="accent1"/>
-          </a:fillRef>
-          <a:effectRef idx="0">
-            <a:schemeClr val="accent1"/>
-          </a:effectRef>
-          <a:fontRef idx="minor">
-            <a:schemeClr val="tx1"/>
-          </a:fontRef>
-        </p:style>
-      </p:cxnSp>
-      <p:cxnSp>
-        <p:nvCxnSpPr>
-          <p:cNvPr id="552" name="Shape 248">
-            <a:extLst>
-              <a:ext uri="{FF2B5EF4-FFF2-40B4-BE49-F238E27FC236}">
-                <a16:creationId xmlns:a16="http://schemas.microsoft.com/office/drawing/2014/main" id="{DC68538B-B797-4A2D-AC8D-B51B93BBA60B}"/>
-              </a:ext>
-            </a:extLst>
-          </p:cNvPr>
-          <p:cNvCxnSpPr>
-            <a:cxnSpLocks/>
-            <a:stCxn id="1478" idx="2"/>
-            <a:endCxn id="1492" idx="0"/>
-          </p:cNvCxnSpPr>
-          <p:nvPr/>
-        </p:nvCxnSpPr>
-        <p:spPr>
-          <a:xfrm rot="16200000" flipH="1">
-            <a:off x="9049834" y="577918"/>
-            <a:ext cx="386420" cy="1589891"/>
-          </a:xfrm>
-          <a:prstGeom prst="bentConnector3">
-            <a:avLst>
-              <a:gd name="adj1" fmla="val 50000"/>
-            </a:avLst>
-          </a:prstGeom>
-          <a:ln w="28575">
-            <a:tailEnd type="arrow"/>
-          </a:ln>
-        </p:spPr>
-        <p:style>
-          <a:lnRef idx="1">
-            <a:schemeClr val="accent1"/>
-          </a:lnRef>
-          <a:fillRef idx="0">
-            <a:schemeClr val="accent1"/>
-          </a:fillRef>
-          <a:effectRef idx="0">
-            <a:schemeClr val="accent1"/>
-          </a:effectRef>
-          <a:fontRef idx="minor">
-            <a:schemeClr val="tx1"/>
-          </a:fontRef>
-        </p:style>
-      </p:cxnSp>
-      <p:cxnSp>
-        <p:nvCxnSpPr>
           <p:cNvPr id="555" name="Shape 248">
             <a:extLst>
               <a:ext uri="{FF2B5EF4-FFF2-40B4-BE49-F238E27FC236}">
@@ -25539,141 +25424,8 @@
         </p:nvCxnSpPr>
         <p:spPr>
           <a:xfrm rot="16200000" flipH="1">
-            <a:off x="9847088" y="-219336"/>
-            <a:ext cx="387744" cy="3185723"/>
-          </a:xfrm>
-          <a:prstGeom prst="bentConnector3">
-            <a:avLst>
-              <a:gd name="adj1" fmla="val 50000"/>
-            </a:avLst>
-          </a:prstGeom>
-          <a:ln w="28575">
-            <a:tailEnd type="arrow"/>
-          </a:ln>
-        </p:spPr>
-        <p:style>
-          <a:lnRef idx="1">
-            <a:schemeClr val="accent1"/>
-          </a:lnRef>
-          <a:fillRef idx="0">
-            <a:schemeClr val="accent1"/>
-          </a:fillRef>
-          <a:effectRef idx="0">
-            <a:schemeClr val="accent1"/>
-          </a:effectRef>
-          <a:fontRef idx="minor">
-            <a:schemeClr val="tx1"/>
-          </a:fontRef>
-        </p:style>
-      </p:cxnSp>
-      <p:cxnSp>
-        <p:nvCxnSpPr>
-          <p:cNvPr id="564" name="Прямая со стрелкой 563">
-            <a:extLst>
-              <a:ext uri="{FF2B5EF4-FFF2-40B4-BE49-F238E27FC236}">
-                <a16:creationId xmlns:a16="http://schemas.microsoft.com/office/drawing/2014/main" id="{80D95E23-0671-46A7-8E45-0C80FB9206EE}"/>
-              </a:ext>
-            </a:extLst>
-          </p:cNvPr>
-          <p:cNvCxnSpPr>
-            <a:cxnSpLocks/>
-            <a:stCxn id="1492" idx="2"/>
-            <a:endCxn id="1495" idx="0"/>
-          </p:cNvCxnSpPr>
-          <p:nvPr/>
-        </p:nvCxnSpPr>
-        <p:spPr>
-          <a:xfrm>
-            <a:off x="10037990" y="2209886"/>
-            <a:ext cx="5882" cy="392248"/>
-          </a:xfrm>
-          <a:prstGeom prst="straightConnector1">
-            <a:avLst/>
-          </a:prstGeom>
-          <a:ln w="28575">
-            <a:tailEnd type="arrow"/>
-          </a:ln>
-        </p:spPr>
-        <p:style>
-          <a:lnRef idx="1">
-            <a:schemeClr val="accent1"/>
-          </a:lnRef>
-          <a:fillRef idx="0">
-            <a:schemeClr val="accent1"/>
-          </a:fillRef>
-          <a:effectRef idx="0">
-            <a:schemeClr val="accent1"/>
-          </a:effectRef>
-          <a:fontRef idx="minor">
-            <a:schemeClr val="tx1"/>
-          </a:fontRef>
-        </p:style>
-      </p:cxnSp>
-      <p:cxnSp>
-        <p:nvCxnSpPr>
-          <p:cNvPr id="565" name="Shape 248">
-            <a:extLst>
-              <a:ext uri="{FF2B5EF4-FFF2-40B4-BE49-F238E27FC236}">
-                <a16:creationId xmlns:a16="http://schemas.microsoft.com/office/drawing/2014/main" id="{C5ADA548-AD2B-47AE-87A4-D1FCB87B92E5}"/>
-              </a:ext>
-            </a:extLst>
-          </p:cNvPr>
-          <p:cNvCxnSpPr>
-            <a:cxnSpLocks/>
-            <a:stCxn id="1492" idx="2"/>
-            <a:endCxn id="1479" idx="0"/>
-          </p:cNvCxnSpPr>
-          <p:nvPr/>
-        </p:nvCxnSpPr>
-        <p:spPr>
-          <a:xfrm rot="5400000">
-            <a:off x="9047759" y="1610227"/>
-            <a:ext cx="390572" cy="1589891"/>
-          </a:xfrm>
-          <a:prstGeom prst="bentConnector3">
-            <a:avLst>
-              <a:gd name="adj1" fmla="val 50000"/>
-            </a:avLst>
-          </a:prstGeom>
-          <a:ln w="28575">
-            <a:tailEnd type="arrow"/>
-          </a:ln>
-        </p:spPr>
-        <p:style>
-          <a:lnRef idx="1">
-            <a:schemeClr val="accent1"/>
-          </a:lnRef>
-          <a:fillRef idx="0">
-            <a:schemeClr val="accent1"/>
-          </a:fillRef>
-          <a:effectRef idx="0">
-            <a:schemeClr val="accent1"/>
-          </a:effectRef>
-          <a:fontRef idx="minor">
-            <a:schemeClr val="tx1"/>
-          </a:fontRef>
-        </p:style>
-      </p:cxnSp>
-      <p:cxnSp>
-        <p:nvCxnSpPr>
-          <p:cNvPr id="568" name="Shape 248">
-            <a:extLst>
-              <a:ext uri="{FF2B5EF4-FFF2-40B4-BE49-F238E27FC236}">
-                <a16:creationId xmlns:a16="http://schemas.microsoft.com/office/drawing/2014/main" id="{D1455635-5F82-4B52-A9F6-1EFAD76D6102}"/>
-              </a:ext>
-            </a:extLst>
-          </p:cNvPr>
-          <p:cNvCxnSpPr>
-            <a:cxnSpLocks/>
-            <a:stCxn id="1479" idx="2"/>
-            <a:endCxn id="1481" idx="0"/>
-          </p:cNvCxnSpPr>
-          <p:nvPr/>
-        </p:nvCxnSpPr>
-        <p:spPr>
-          <a:xfrm rot="5400000">
-            <a:off x="8248498" y="3439993"/>
-            <a:ext cx="394073" cy="5131"/>
+            <a:off x="9055656" y="572096"/>
+            <a:ext cx="387744" cy="1602859"/>
           </a:xfrm>
           <a:prstGeom prst="bentConnector3">
             <a:avLst>
@@ -25717,8 +25469,8 @@
         </p:nvCxnSpPr>
         <p:spPr>
           <a:xfrm rot="5400000">
-            <a:off x="7834709" y="4111230"/>
-            <a:ext cx="434831" cy="781688"/>
+            <a:off x="7817511" y="4085346"/>
+            <a:ext cx="446086" cy="827162"/>
           </a:xfrm>
           <a:prstGeom prst="bentConnector3">
             <a:avLst>
@@ -25762,186 +25514,8 @@
         </p:nvCxnSpPr>
         <p:spPr>
           <a:xfrm rot="16200000" flipH="1">
-            <a:off x="8632595" y="4095031"/>
-            <a:ext cx="434831" cy="814085"/>
-          </a:xfrm>
-          <a:prstGeom prst="bentConnector3">
-            <a:avLst>
-              <a:gd name="adj1" fmla="val 50000"/>
-            </a:avLst>
-          </a:prstGeom>
-          <a:ln w="28575">
-            <a:tailEnd type="arrow"/>
-          </a:ln>
-        </p:spPr>
-        <p:style>
-          <a:lnRef idx="1">
-            <a:schemeClr val="accent1"/>
-          </a:lnRef>
-          <a:fillRef idx="0">
-            <a:schemeClr val="accent1"/>
-          </a:fillRef>
-          <a:effectRef idx="0">
-            <a:schemeClr val="accent1"/>
-          </a:effectRef>
-          <a:fontRef idx="minor">
-            <a:schemeClr val="tx1"/>
-          </a:fontRef>
-        </p:style>
-      </p:cxnSp>
-      <p:cxnSp>
-        <p:nvCxnSpPr>
-          <p:cNvPr id="591" name="Shape 248">
-            <a:extLst>
-              <a:ext uri="{FF2B5EF4-FFF2-40B4-BE49-F238E27FC236}">
-                <a16:creationId xmlns:a16="http://schemas.microsoft.com/office/drawing/2014/main" id="{21EC61F7-2DA9-4B4A-AF33-3D827ACA108D}"/>
-              </a:ext>
-            </a:extLst>
-          </p:cNvPr>
-          <p:cNvCxnSpPr>
-            <a:cxnSpLocks/>
-            <a:stCxn id="1491" idx="2"/>
-            <a:endCxn id="1498" idx="0"/>
-          </p:cNvCxnSpPr>
-          <p:nvPr/>
-        </p:nvCxnSpPr>
-        <p:spPr>
-          <a:xfrm rot="5400000">
-            <a:off x="7051842" y="2007791"/>
-            <a:ext cx="396805" cy="801721"/>
-          </a:xfrm>
-          <a:prstGeom prst="bentConnector3">
-            <a:avLst>
-              <a:gd name="adj1" fmla="val 50000"/>
-            </a:avLst>
-          </a:prstGeom>
-          <a:ln w="28575">
-            <a:tailEnd type="arrow"/>
-          </a:ln>
-        </p:spPr>
-        <p:style>
-          <a:lnRef idx="1">
-            <a:schemeClr val="accent1"/>
-          </a:lnRef>
-          <a:fillRef idx="0">
-            <a:schemeClr val="accent1"/>
-          </a:fillRef>
-          <a:effectRef idx="0">
-            <a:schemeClr val="accent1"/>
-          </a:effectRef>
-          <a:fontRef idx="minor">
-            <a:schemeClr val="tx1"/>
-          </a:fontRef>
-        </p:style>
-      </p:cxnSp>
-      <p:cxnSp>
-        <p:nvCxnSpPr>
-          <p:cNvPr id="595" name="Shape 248">
-            <a:extLst>
-              <a:ext uri="{FF2B5EF4-FFF2-40B4-BE49-F238E27FC236}">
-                <a16:creationId xmlns:a16="http://schemas.microsoft.com/office/drawing/2014/main" id="{74793B4E-9525-4519-9F3C-E6BB01646ED3}"/>
-              </a:ext>
-            </a:extLst>
-          </p:cNvPr>
-          <p:cNvCxnSpPr>
-            <a:cxnSpLocks/>
-            <a:stCxn id="1491" idx="2"/>
-            <a:endCxn id="1479" idx="0"/>
-          </p:cNvCxnSpPr>
-          <p:nvPr/>
-        </p:nvCxnSpPr>
-        <p:spPr>
-          <a:xfrm rot="16200000" flipH="1">
-            <a:off x="7854497" y="2006855"/>
-            <a:ext cx="390209" cy="796995"/>
-          </a:xfrm>
-          <a:prstGeom prst="bentConnector3">
-            <a:avLst>
-              <a:gd name="adj1" fmla="val 50000"/>
-            </a:avLst>
-          </a:prstGeom>
-          <a:ln w="28575">
-            <a:tailEnd type="arrow"/>
-          </a:ln>
-        </p:spPr>
-        <p:style>
-          <a:lnRef idx="1">
-            <a:schemeClr val="accent1"/>
-          </a:lnRef>
-          <a:fillRef idx="0">
-            <a:schemeClr val="accent1"/>
-          </a:fillRef>
-          <a:effectRef idx="0">
-            <a:schemeClr val="accent1"/>
-          </a:effectRef>
-          <a:fontRef idx="minor">
-            <a:schemeClr val="tx1"/>
-          </a:fontRef>
-        </p:style>
-      </p:cxnSp>
-      <p:cxnSp>
-        <p:nvCxnSpPr>
-          <p:cNvPr id="597" name="Прямая со стрелкой 596">
-            <a:extLst>
-              <a:ext uri="{FF2B5EF4-FFF2-40B4-BE49-F238E27FC236}">
-                <a16:creationId xmlns:a16="http://schemas.microsoft.com/office/drawing/2014/main" id="{D2FC7D54-C8E4-49D5-913D-880ACF3EE101}"/>
-              </a:ext>
-            </a:extLst>
-          </p:cNvPr>
-          <p:cNvCxnSpPr>
-            <a:cxnSpLocks/>
-            <a:stCxn id="1498" idx="2"/>
-            <a:endCxn id="1493" idx="0"/>
-          </p:cNvCxnSpPr>
-          <p:nvPr/>
-        </p:nvCxnSpPr>
-        <p:spPr>
-          <a:xfrm>
-            <a:off x="6849383" y="3252118"/>
-            <a:ext cx="1484" cy="391493"/>
-          </a:xfrm>
-          <a:prstGeom prst="straightConnector1">
-            <a:avLst/>
-          </a:prstGeom>
-          <a:ln w="28575">
-            <a:tailEnd type="arrow"/>
-          </a:ln>
-        </p:spPr>
-        <p:style>
-          <a:lnRef idx="1">
-            <a:schemeClr val="accent1"/>
-          </a:lnRef>
-          <a:fillRef idx="0">
-            <a:schemeClr val="accent1"/>
-          </a:fillRef>
-          <a:effectRef idx="0">
-            <a:schemeClr val="accent1"/>
-          </a:effectRef>
-          <a:fontRef idx="minor">
-            <a:schemeClr val="tx1"/>
-          </a:fontRef>
-        </p:style>
-      </p:cxnSp>
-      <p:cxnSp>
-        <p:nvCxnSpPr>
-          <p:cNvPr id="600" name="Shape 248">
-            <a:extLst>
-              <a:ext uri="{FF2B5EF4-FFF2-40B4-BE49-F238E27FC236}">
-                <a16:creationId xmlns:a16="http://schemas.microsoft.com/office/drawing/2014/main" id="{C1C8343A-3D00-48DA-A4DA-E689A385E7CE}"/>
-              </a:ext>
-            </a:extLst>
-          </p:cNvPr>
-          <p:cNvCxnSpPr>
-            <a:cxnSpLocks/>
-            <a:stCxn id="1478" idx="2"/>
-            <a:endCxn id="1494" idx="0"/>
-          </p:cNvCxnSpPr>
-          <p:nvPr/>
-        </p:nvCxnSpPr>
-        <p:spPr>
-          <a:xfrm rot="5400000">
-            <a:off x="6661767" y="-225632"/>
-            <a:ext cx="381047" cy="3191619"/>
+            <a:off x="8646107" y="4083911"/>
+            <a:ext cx="449597" cy="833541"/>
           </a:xfrm>
           <a:prstGeom prst="bentConnector3">
             <a:avLst>
@@ -25984,9 +25558,9 @@
           <p:nvPr/>
         </p:nvCxnSpPr>
         <p:spPr>
-          <a:xfrm flipH="1">
-            <a:off x="5252139" y="2205765"/>
-            <a:ext cx="4341" cy="401289"/>
+          <a:xfrm>
+            <a:off x="3657938" y="2196513"/>
+            <a:ext cx="0" cy="421672"/>
           </a:xfrm>
           <a:prstGeom prst="straightConnector1">
             <a:avLst/>
@@ -26027,9 +25601,9 @@
           <p:nvPr/>
         </p:nvCxnSpPr>
         <p:spPr>
-          <a:xfrm flipH="1">
-            <a:off x="5249274" y="3252118"/>
-            <a:ext cx="2865" cy="398856"/>
+          <a:xfrm>
+            <a:off x="3657938" y="3263249"/>
+            <a:ext cx="3036" cy="373621"/>
           </a:xfrm>
           <a:prstGeom prst="straightConnector1">
             <a:avLst/>
@@ -26117,8 +25691,8 @@
         </p:nvCxnSpPr>
         <p:spPr>
           <a:xfrm rot="16200000" flipH="1">
-            <a:off x="10660918" y="1586958"/>
-            <a:ext cx="404797" cy="1650652"/>
+            <a:off x="9868966" y="795007"/>
+            <a:ext cx="404204" cy="3235147"/>
           </a:xfrm>
           <a:prstGeom prst="bentConnector3">
             <a:avLst>
@@ -26518,7 +26092,7 @@
         </p:nvSpPr>
         <p:spPr>
           <a:xfrm>
-            <a:off x="9471506" y="3650974"/>
+            <a:off x="6223776" y="1551449"/>
             <a:ext cx="1156124" cy="645064"/>
           </a:xfrm>
           <a:prstGeom prst="rect">
@@ -26704,51 +26278,6 @@
           </a:p>
         </p:txBody>
       </p:sp>
-      <p:cxnSp>
-        <p:nvCxnSpPr>
-          <p:cNvPr id="525" name="Shape 248">
-            <a:extLst>
-              <a:ext uri="{FF2B5EF4-FFF2-40B4-BE49-F238E27FC236}">
-                <a16:creationId xmlns:a16="http://schemas.microsoft.com/office/drawing/2014/main" id="{EAA406D0-8D09-4BF7-BB18-63EFE3D762B2}"/>
-              </a:ext>
-            </a:extLst>
-          </p:cNvPr>
-          <p:cNvCxnSpPr>
-            <a:cxnSpLocks/>
-            <a:stCxn id="1479" idx="2"/>
-            <a:endCxn id="524" idx="0"/>
-          </p:cNvCxnSpPr>
-          <p:nvPr/>
-        </p:nvCxnSpPr>
-        <p:spPr>
-          <a:xfrm rot="16200000" flipH="1">
-            <a:off x="9046107" y="2647513"/>
-            <a:ext cx="405452" cy="1601469"/>
-          </a:xfrm>
-          <a:prstGeom prst="bentConnector3">
-            <a:avLst>
-              <a:gd name="adj1" fmla="val 50000"/>
-            </a:avLst>
-          </a:prstGeom>
-          <a:ln w="28575">
-            <a:tailEnd type="arrow"/>
-          </a:ln>
-        </p:spPr>
-        <p:style>
-          <a:lnRef idx="1">
-            <a:schemeClr val="accent1"/>
-          </a:lnRef>
-          <a:fillRef idx="0">
-            <a:schemeClr val="accent1"/>
-          </a:fillRef>
-          <a:effectRef idx="0">
-            <a:schemeClr val="accent1"/>
-          </a:effectRef>
-          <a:fontRef idx="minor">
-            <a:schemeClr val="tx1"/>
-          </a:fontRef>
-        </p:style>
-      </p:cxnSp>
       <p:sp>
         <p:nvSpPr>
           <p:cNvPr id="536" name="Прямоугольник 535">
@@ -27239,7 +26768,7 @@
         </p:nvSpPr>
         <p:spPr>
           <a:xfrm>
-            <a:off x="7871207" y="5744222"/>
+            <a:off x="7886449" y="5732602"/>
             <a:ext cx="1156124" cy="645064"/>
           </a:xfrm>
           <a:prstGeom prst="rect">
@@ -27311,8 +26840,8 @@
         </p:nvCxnSpPr>
         <p:spPr>
           <a:xfrm>
-            <a:off x="8442968" y="4284659"/>
-            <a:ext cx="6301" cy="1459563"/>
+            <a:off x="8454135" y="4275884"/>
+            <a:ext cx="10376" cy="1456718"/>
           </a:xfrm>
           <a:prstGeom prst="straightConnector1">
             <a:avLst/>
@@ -27350,7 +26879,7 @@
         </p:nvSpPr>
         <p:spPr>
           <a:xfrm>
-            <a:off x="9471506" y="5744222"/>
+            <a:off x="4644640" y="3627340"/>
             <a:ext cx="1156124" cy="645064"/>
           </a:xfrm>
           <a:prstGeom prst="rect">
@@ -27402,7 +26931,7 @@
         </p:nvSpPr>
         <p:spPr>
           <a:xfrm>
-            <a:off x="7871579" y="6741731"/>
+            <a:off x="7886821" y="6759915"/>
             <a:ext cx="1156124" cy="645064"/>
           </a:xfrm>
           <a:prstGeom prst="rect">
@@ -27440,49 +26969,6 @@
           </a:p>
         </p:txBody>
       </p:sp>
-      <p:cxnSp>
-        <p:nvCxnSpPr>
-          <p:cNvPr id="577" name="Прямая со стрелкой 576">
-            <a:extLst>
-              <a:ext uri="{FF2B5EF4-FFF2-40B4-BE49-F238E27FC236}">
-                <a16:creationId xmlns:a16="http://schemas.microsoft.com/office/drawing/2014/main" id="{F3AD6590-60E0-49E9-BDC0-3CF7472E1496}"/>
-              </a:ext>
-            </a:extLst>
-          </p:cNvPr>
-          <p:cNvCxnSpPr>
-            <a:cxnSpLocks/>
-            <a:stCxn id="524" idx="2"/>
-            <a:endCxn id="573" idx="0"/>
-          </p:cNvCxnSpPr>
-          <p:nvPr/>
-        </p:nvCxnSpPr>
-        <p:spPr>
-          <a:xfrm>
-            <a:off x="10049568" y="4296038"/>
-            <a:ext cx="0" cy="1448184"/>
-          </a:xfrm>
-          <a:prstGeom prst="straightConnector1">
-            <a:avLst/>
-          </a:prstGeom>
-          <a:ln w="28575">
-            <a:tailEnd type="arrow"/>
-          </a:ln>
-        </p:spPr>
-        <p:style>
-          <a:lnRef idx="1">
-            <a:schemeClr val="accent1"/>
-          </a:lnRef>
-          <a:fillRef idx="0">
-            <a:schemeClr val="accent1"/>
-          </a:fillRef>
-          <a:effectRef idx="0">
-            <a:schemeClr val="accent1"/>
-          </a:effectRef>
-          <a:fontRef idx="minor">
-            <a:schemeClr val="tx1"/>
-          </a:fontRef>
-        </p:style>
-      </p:cxnSp>
       <p:cxnSp>
         <p:nvCxnSpPr>
           <p:cNvPr id="579" name="Прямая со стрелкой 578">
@@ -27501,8 +26987,8 @@
         </p:nvCxnSpPr>
         <p:spPr>
           <a:xfrm>
-            <a:off x="8449269" y="6389286"/>
-            <a:ext cx="372" cy="352445"/>
+            <a:off x="8464511" y="6377666"/>
+            <a:ext cx="372" cy="382249"/>
           </a:xfrm>
           <a:prstGeom prst="straightConnector1">
             <a:avLst/>
@@ -27540,7 +27026,7 @@
         </p:nvSpPr>
         <p:spPr>
           <a:xfrm>
-            <a:off x="7871579" y="7693989"/>
+            <a:off x="7886821" y="7740593"/>
             <a:ext cx="1156124" cy="645064"/>
           </a:xfrm>
           <a:prstGeom prst="rect">
@@ -27592,7 +27078,7 @@
         </p:nvSpPr>
         <p:spPr>
           <a:xfrm>
-            <a:off x="9471506" y="6745920"/>
+            <a:off x="9473046" y="6772328"/>
             <a:ext cx="1156124" cy="645064"/>
           </a:xfrm>
           <a:prstGeom prst="rect">
@@ -27648,8 +27134,8 @@
         </p:nvCxnSpPr>
         <p:spPr>
           <a:xfrm rot="16200000" flipH="1">
-            <a:off x="9071101" y="5767453"/>
-            <a:ext cx="356634" cy="1600299"/>
+            <a:off x="9060478" y="5781698"/>
+            <a:ext cx="394662" cy="1586597"/>
           </a:xfrm>
           <a:prstGeom prst="bentConnector3">
             <a:avLst>
@@ -27693,107 +27179,8 @@
         </p:nvCxnSpPr>
         <p:spPr>
           <a:xfrm>
-            <a:off x="8449641" y="7386795"/>
-            <a:ext cx="0" cy="307194"/>
-          </a:xfrm>
-          <a:prstGeom prst="straightConnector1">
-            <a:avLst/>
-          </a:prstGeom>
-          <a:ln w="28575">
-            <a:tailEnd type="arrow"/>
-          </a:ln>
-        </p:spPr>
-        <p:style>
-          <a:lnRef idx="1">
-            <a:schemeClr val="accent1"/>
-          </a:lnRef>
-          <a:fillRef idx="0">
-            <a:schemeClr val="accent1"/>
-          </a:fillRef>
-          <a:effectRef idx="0">
-            <a:schemeClr val="accent1"/>
-          </a:effectRef>
-          <a:fontRef idx="minor">
-            <a:schemeClr val="tx1"/>
-          </a:fontRef>
-        </p:style>
-      </p:cxnSp>
-      <p:sp>
-        <p:nvSpPr>
-          <p:cNvPr id="585" name="Прямоугольник 584">
-            <a:extLst>
-              <a:ext uri="{FF2B5EF4-FFF2-40B4-BE49-F238E27FC236}">
-                <a16:creationId xmlns:a16="http://schemas.microsoft.com/office/drawing/2014/main" id="{6D1AD4DF-90B0-4EFA-B8A3-E235ACBC7063}"/>
-              </a:ext>
-            </a:extLst>
-          </p:cNvPr>
-          <p:cNvSpPr/>
-          <p:nvPr/>
-        </p:nvSpPr>
-        <p:spPr>
-          <a:xfrm>
-            <a:off x="9471506" y="7698531"/>
-            <a:ext cx="1156124" cy="645064"/>
-          </a:xfrm>
-          <a:prstGeom prst="rect">
-            <a:avLst/>
-          </a:prstGeom>
-          <a:solidFill>
-            <a:schemeClr val="accent2"/>
-          </a:solidFill>
-          <a:ln w="28575"/>
-        </p:spPr>
-        <p:style>
-          <a:lnRef idx="2">
-            <a:schemeClr val="accent1"/>
-          </a:lnRef>
-          <a:fillRef idx="1">
-            <a:schemeClr val="lt1"/>
-          </a:fillRef>
-          <a:effectRef idx="0">
-            <a:schemeClr val="accent1"/>
-          </a:effectRef>
-          <a:fontRef idx="minor">
-            <a:schemeClr val="dk1"/>
-          </a:fontRef>
-        </p:style>
-        <p:txBody>
-          <a:bodyPr lIns="124733" tIns="62367" rIns="124733" bIns="62367" rtlCol="0" anchor="ctr"/>
-          <a:lstStyle/>
-          <a:p>
-            <a:pPr algn="ctr"/>
-            <a:r>
-              <a:rPr lang="ru-RU" sz="1100" dirty="0"/>
-              <a:t>Возродить проект </a:t>
-            </a:r>
-            <a:r>
-              <a:rPr lang="ru-RU" sz="1100" dirty="0" err="1"/>
-              <a:t>Миттельафрики</a:t>
-            </a:r>
-            <a:endParaRPr lang="ru-RU" sz="600" dirty="0"/>
-          </a:p>
-        </p:txBody>
-      </p:sp>
-      <p:cxnSp>
-        <p:nvCxnSpPr>
-          <p:cNvPr id="588" name="Прямая со стрелкой 587">
-            <a:extLst>
-              <a:ext uri="{FF2B5EF4-FFF2-40B4-BE49-F238E27FC236}">
-                <a16:creationId xmlns:a16="http://schemas.microsoft.com/office/drawing/2014/main" id="{289E5725-142B-47D9-A934-A116DDB97106}"/>
-              </a:ext>
-            </a:extLst>
-          </p:cNvPr>
-          <p:cNvCxnSpPr>
-            <a:cxnSpLocks/>
-            <a:stCxn id="581" idx="2"/>
-            <a:endCxn id="585" idx="0"/>
-          </p:cNvCxnSpPr>
-          <p:nvPr/>
-        </p:nvCxnSpPr>
-        <p:spPr>
-          <a:xfrm>
-            <a:off x="10049568" y="7390984"/>
-            <a:ext cx="0" cy="307547"/>
+            <a:off x="8464883" y="7404979"/>
+            <a:ext cx="0" cy="335614"/>
           </a:xfrm>
           <a:prstGeom prst="straightConnector1">
             <a:avLst/>
@@ -29319,6 +28706,872 @@
           </a:prstGeom>
           <a:ln w="28575">
             <a:prstDash val="dash"/>
+            <a:tailEnd type="arrow"/>
+          </a:ln>
+        </p:spPr>
+        <p:style>
+          <a:lnRef idx="1">
+            <a:schemeClr val="accent1"/>
+          </a:lnRef>
+          <a:fillRef idx="0">
+            <a:schemeClr val="accent1"/>
+          </a:fillRef>
+          <a:effectRef idx="0">
+            <a:schemeClr val="accent1"/>
+          </a:effectRef>
+          <a:fontRef idx="minor">
+            <a:schemeClr val="tx1"/>
+          </a:fontRef>
+        </p:style>
+      </p:cxnSp>
+      <p:cxnSp>
+        <p:nvCxnSpPr>
+          <p:cNvPr id="602" name="Прямая соединительная линия 601">
+            <a:extLst>
+              <a:ext uri="{FF2B5EF4-FFF2-40B4-BE49-F238E27FC236}">
+                <a16:creationId xmlns:a16="http://schemas.microsoft.com/office/drawing/2014/main" id="{5706F8EC-BA96-42DF-A651-81560F4B312E}"/>
+              </a:ext>
+            </a:extLst>
+          </p:cNvPr>
+          <p:cNvCxnSpPr>
+            <a:cxnSpLocks/>
+            <a:stCxn id="1479" idx="3"/>
+            <a:endCxn id="524" idx="1"/>
+          </p:cNvCxnSpPr>
+          <p:nvPr/>
+        </p:nvCxnSpPr>
+        <p:spPr>
+          <a:xfrm>
+            <a:off x="5804007" y="1873981"/>
+            <a:ext cx="419769" cy="0"/>
+          </a:xfrm>
+          <a:prstGeom prst="line">
+            <a:avLst/>
+          </a:prstGeom>
+          <a:ln w="38100">
+            <a:solidFill>
+              <a:srgbClr val="FF0000"/>
+            </a:solidFill>
+          </a:ln>
+        </p:spPr>
+        <p:style>
+          <a:lnRef idx="1">
+            <a:schemeClr val="accent2"/>
+          </a:lnRef>
+          <a:fillRef idx="0">
+            <a:schemeClr val="accent2"/>
+          </a:fillRef>
+          <a:effectRef idx="0">
+            <a:schemeClr val="accent2"/>
+          </a:effectRef>
+          <a:fontRef idx="minor">
+            <a:schemeClr val="tx1"/>
+          </a:fontRef>
+        </p:style>
+      </p:cxnSp>
+      <p:sp>
+        <p:nvSpPr>
+          <p:cNvPr id="603" name="Прямоугольник 602">
+            <a:extLst>
+              <a:ext uri="{FF2B5EF4-FFF2-40B4-BE49-F238E27FC236}">
+                <a16:creationId xmlns:a16="http://schemas.microsoft.com/office/drawing/2014/main" id="{18E91F26-A50D-4BF6-8A8F-AE67F9D07CE8}"/>
+              </a:ext>
+            </a:extLst>
+          </p:cNvPr>
+          <p:cNvSpPr/>
+          <p:nvPr/>
+        </p:nvSpPr>
+        <p:spPr>
+          <a:xfrm>
+            <a:off x="7043919" y="2619179"/>
+            <a:ext cx="1156124" cy="645064"/>
+          </a:xfrm>
+          <a:prstGeom prst="rect">
+            <a:avLst/>
+          </a:prstGeom>
+          <a:solidFill>
+            <a:schemeClr val="accent2"/>
+          </a:solidFill>
+          <a:ln w="28575"/>
+        </p:spPr>
+        <p:style>
+          <a:lnRef idx="2">
+            <a:schemeClr val="accent1"/>
+          </a:lnRef>
+          <a:fillRef idx="1">
+            <a:schemeClr val="lt1"/>
+          </a:fillRef>
+          <a:effectRef idx="0">
+            <a:schemeClr val="accent1"/>
+          </a:effectRef>
+          <a:fontRef idx="minor">
+            <a:schemeClr val="dk1"/>
+          </a:fontRef>
+        </p:style>
+        <p:txBody>
+          <a:bodyPr lIns="124733" tIns="62367" rIns="124733" bIns="62367" rtlCol="0" anchor="ctr"/>
+          <a:lstStyle/>
+          <a:p>
+            <a:pPr algn="ctr"/>
+            <a:r>
+              <a:rPr lang="ru-RU" sz="1100" dirty="0" err="1"/>
+              <a:t>Антикапитализм</a:t>
+            </a:r>
+            <a:endParaRPr lang="ru-RU" sz="600" dirty="0"/>
+          </a:p>
+        </p:txBody>
+      </p:sp>
+      <p:cxnSp>
+        <p:nvCxnSpPr>
+          <p:cNvPr id="613" name="Прямая соединительная линия 612">
+            <a:extLst>
+              <a:ext uri="{FF2B5EF4-FFF2-40B4-BE49-F238E27FC236}">
+                <a16:creationId xmlns:a16="http://schemas.microsoft.com/office/drawing/2014/main" id="{4ECF9963-01EF-4349-9BFD-418568C1A594}"/>
+              </a:ext>
+            </a:extLst>
+          </p:cNvPr>
+          <p:cNvCxnSpPr>
+            <a:cxnSpLocks/>
+            <a:stCxn id="603" idx="3"/>
+            <a:endCxn id="1495" idx="1"/>
+          </p:cNvCxnSpPr>
+          <p:nvPr/>
+        </p:nvCxnSpPr>
+        <p:spPr>
+          <a:xfrm flipV="1">
+            <a:off x="8200043" y="2939724"/>
+            <a:ext cx="511685" cy="1987"/>
+          </a:xfrm>
+          <a:prstGeom prst="line">
+            <a:avLst/>
+          </a:prstGeom>
+          <a:ln w="38100">
+            <a:solidFill>
+              <a:srgbClr val="FF0000"/>
+            </a:solidFill>
+          </a:ln>
+        </p:spPr>
+        <p:style>
+          <a:lnRef idx="1">
+            <a:schemeClr val="accent2"/>
+          </a:lnRef>
+          <a:fillRef idx="0">
+            <a:schemeClr val="accent2"/>
+          </a:fillRef>
+          <a:effectRef idx="0">
+            <a:schemeClr val="accent2"/>
+          </a:effectRef>
+          <a:fontRef idx="minor">
+            <a:schemeClr val="tx1"/>
+          </a:fontRef>
+        </p:style>
+      </p:cxnSp>
+      <p:cxnSp>
+        <p:nvCxnSpPr>
+          <p:cNvPr id="614" name="Shape 248">
+            <a:extLst>
+              <a:ext uri="{FF2B5EF4-FFF2-40B4-BE49-F238E27FC236}">
+                <a16:creationId xmlns:a16="http://schemas.microsoft.com/office/drawing/2014/main" id="{77F0633F-78BB-4D92-AF76-B291F5554950}"/>
+              </a:ext>
+            </a:extLst>
+          </p:cNvPr>
+          <p:cNvCxnSpPr>
+            <a:cxnSpLocks/>
+            <a:stCxn id="1492" idx="2"/>
+            <a:endCxn id="1495" idx="0"/>
+          </p:cNvCxnSpPr>
+          <p:nvPr/>
+        </p:nvCxnSpPr>
+        <p:spPr>
+          <a:xfrm rot="16200000" flipH="1">
+            <a:off x="8668286" y="1995687"/>
+            <a:ext cx="406713" cy="836295"/>
+          </a:xfrm>
+          <a:prstGeom prst="bentConnector3">
+            <a:avLst>
+              <a:gd name="adj1" fmla="val 50000"/>
+            </a:avLst>
+          </a:prstGeom>
+          <a:ln w="28575">
+            <a:tailEnd type="arrow"/>
+          </a:ln>
+        </p:spPr>
+        <p:style>
+          <a:lnRef idx="1">
+            <a:schemeClr val="accent1"/>
+          </a:lnRef>
+          <a:fillRef idx="0">
+            <a:schemeClr val="accent1"/>
+          </a:fillRef>
+          <a:effectRef idx="0">
+            <a:schemeClr val="accent1"/>
+          </a:effectRef>
+          <a:fontRef idx="minor">
+            <a:schemeClr val="tx1"/>
+          </a:fontRef>
+        </p:style>
+      </p:cxnSp>
+      <p:cxnSp>
+        <p:nvCxnSpPr>
+          <p:cNvPr id="616" name="Shape 248">
+            <a:extLst>
+              <a:ext uri="{FF2B5EF4-FFF2-40B4-BE49-F238E27FC236}">
+                <a16:creationId xmlns:a16="http://schemas.microsoft.com/office/drawing/2014/main" id="{A221D15A-6712-4F0D-9D93-8B96987E7C48}"/>
+              </a:ext>
+            </a:extLst>
+          </p:cNvPr>
+          <p:cNvCxnSpPr>
+            <a:cxnSpLocks/>
+            <a:stCxn id="1492" idx="2"/>
+            <a:endCxn id="603" idx="0"/>
+          </p:cNvCxnSpPr>
+          <p:nvPr/>
+        </p:nvCxnSpPr>
+        <p:spPr>
+          <a:xfrm rot="5400000">
+            <a:off x="7833388" y="1999072"/>
+            <a:ext cx="408700" cy="831514"/>
+          </a:xfrm>
+          <a:prstGeom prst="bentConnector3">
+            <a:avLst>
+              <a:gd name="adj1" fmla="val 50000"/>
+            </a:avLst>
+          </a:prstGeom>
+          <a:ln w="28575">
+            <a:tailEnd type="arrow"/>
+          </a:ln>
+        </p:spPr>
+        <p:style>
+          <a:lnRef idx="1">
+            <a:schemeClr val="accent1"/>
+          </a:lnRef>
+          <a:fillRef idx="0">
+            <a:schemeClr val="accent1"/>
+          </a:fillRef>
+          <a:effectRef idx="0">
+            <a:schemeClr val="accent1"/>
+          </a:effectRef>
+          <a:fontRef idx="minor">
+            <a:schemeClr val="tx1"/>
+          </a:fontRef>
+        </p:style>
+      </p:cxnSp>
+      <p:cxnSp>
+        <p:nvCxnSpPr>
+          <p:cNvPr id="617" name="Shape 248">
+            <a:extLst>
+              <a:ext uri="{FF2B5EF4-FFF2-40B4-BE49-F238E27FC236}">
+                <a16:creationId xmlns:a16="http://schemas.microsoft.com/office/drawing/2014/main" id="{D772A9E1-4909-4DF7-BB75-3D8677B4CE13}"/>
+              </a:ext>
+            </a:extLst>
+          </p:cNvPr>
+          <p:cNvCxnSpPr>
+            <a:cxnSpLocks/>
+            <a:stCxn id="603" idx="2"/>
+            <a:endCxn id="1481" idx="0"/>
+          </p:cNvCxnSpPr>
+          <p:nvPr/>
+        </p:nvCxnSpPr>
+        <p:spPr>
+          <a:xfrm rot="16200000" flipH="1">
+            <a:off x="7854770" y="3031454"/>
+            <a:ext cx="366577" cy="832154"/>
+          </a:xfrm>
+          <a:prstGeom prst="bentConnector3">
+            <a:avLst>
+              <a:gd name="adj1" fmla="val 50000"/>
+            </a:avLst>
+          </a:prstGeom>
+          <a:ln w="28575">
+            <a:prstDash val="dash"/>
+            <a:tailEnd type="arrow"/>
+          </a:ln>
+        </p:spPr>
+        <p:style>
+          <a:lnRef idx="1">
+            <a:schemeClr val="accent1"/>
+          </a:lnRef>
+          <a:fillRef idx="0">
+            <a:schemeClr val="accent1"/>
+          </a:fillRef>
+          <a:effectRef idx="0">
+            <a:schemeClr val="accent1"/>
+          </a:effectRef>
+          <a:fontRef idx="minor">
+            <a:schemeClr val="tx1"/>
+          </a:fontRef>
+        </p:style>
+      </p:cxnSp>
+      <p:cxnSp>
+        <p:nvCxnSpPr>
+          <p:cNvPr id="619" name="Shape 248">
+            <a:extLst>
+              <a:ext uri="{FF2B5EF4-FFF2-40B4-BE49-F238E27FC236}">
+                <a16:creationId xmlns:a16="http://schemas.microsoft.com/office/drawing/2014/main" id="{0370A54B-7A7D-47F2-8143-8C0BAAD8AF99}"/>
+              </a:ext>
+            </a:extLst>
+          </p:cNvPr>
+          <p:cNvCxnSpPr>
+            <a:cxnSpLocks/>
+            <a:stCxn id="1495" idx="2"/>
+            <a:endCxn id="1481" idx="0"/>
+          </p:cNvCxnSpPr>
+          <p:nvPr/>
+        </p:nvCxnSpPr>
+        <p:spPr>
+          <a:xfrm rot="5400000">
+            <a:off x="8687681" y="3028711"/>
+            <a:ext cx="368564" cy="835655"/>
+          </a:xfrm>
+          <a:prstGeom prst="bentConnector3">
+            <a:avLst>
+              <a:gd name="adj1" fmla="val 50000"/>
+            </a:avLst>
+          </a:prstGeom>
+          <a:ln w="28575">
+            <a:prstDash val="dash"/>
+            <a:tailEnd type="arrow"/>
+          </a:ln>
+        </p:spPr>
+        <p:style>
+          <a:lnRef idx="1">
+            <a:schemeClr val="accent1"/>
+          </a:lnRef>
+          <a:fillRef idx="0">
+            <a:schemeClr val="accent1"/>
+          </a:fillRef>
+          <a:effectRef idx="0">
+            <a:schemeClr val="accent1"/>
+          </a:effectRef>
+          <a:fontRef idx="minor">
+            <a:schemeClr val="tx1"/>
+          </a:fontRef>
+        </p:style>
+      </p:cxnSp>
+      <p:cxnSp>
+        <p:nvCxnSpPr>
+          <p:cNvPr id="620" name="Прямая со стрелкой 619">
+            <a:extLst>
+              <a:ext uri="{FF2B5EF4-FFF2-40B4-BE49-F238E27FC236}">
+                <a16:creationId xmlns:a16="http://schemas.microsoft.com/office/drawing/2014/main" id="{E42CDB59-9E95-4E26-A6B1-F477D3D85B35}"/>
+              </a:ext>
+            </a:extLst>
+          </p:cNvPr>
+          <p:cNvCxnSpPr>
+            <a:cxnSpLocks/>
+            <a:stCxn id="1478" idx="2"/>
+            <a:endCxn id="1492" idx="0"/>
+          </p:cNvCxnSpPr>
+          <p:nvPr/>
+        </p:nvCxnSpPr>
+        <p:spPr>
+          <a:xfrm>
+            <a:off x="8448099" y="1179654"/>
+            <a:ext cx="5396" cy="387013"/>
+          </a:xfrm>
+          <a:prstGeom prst="straightConnector1">
+            <a:avLst/>
+          </a:prstGeom>
+          <a:ln w="28575">
+            <a:tailEnd type="arrow"/>
+          </a:ln>
+        </p:spPr>
+        <p:style>
+          <a:lnRef idx="1">
+            <a:schemeClr val="accent1"/>
+          </a:lnRef>
+          <a:fillRef idx="0">
+            <a:schemeClr val="accent1"/>
+          </a:fillRef>
+          <a:effectRef idx="0">
+            <a:schemeClr val="accent1"/>
+          </a:effectRef>
+          <a:fontRef idx="minor">
+            <a:schemeClr val="tx1"/>
+          </a:fontRef>
+        </p:style>
+      </p:cxnSp>
+      <p:cxnSp>
+        <p:nvCxnSpPr>
+          <p:cNvPr id="621" name="Shape 248">
+            <a:extLst>
+              <a:ext uri="{FF2B5EF4-FFF2-40B4-BE49-F238E27FC236}">
+                <a16:creationId xmlns:a16="http://schemas.microsoft.com/office/drawing/2014/main" id="{9036A22A-21B4-44AC-9D44-3D79E43DD9FD}"/>
+              </a:ext>
+            </a:extLst>
+          </p:cNvPr>
+          <p:cNvCxnSpPr>
+            <a:cxnSpLocks/>
+            <a:stCxn id="1478" idx="2"/>
+            <a:endCxn id="524" idx="0"/>
+          </p:cNvCxnSpPr>
+          <p:nvPr/>
+        </p:nvCxnSpPr>
+        <p:spPr>
+          <a:xfrm rot="5400000">
+            <a:off x="7439072" y="542421"/>
+            <a:ext cx="371795" cy="1646261"/>
+          </a:xfrm>
+          <a:prstGeom prst="bentConnector3">
+            <a:avLst>
+              <a:gd name="adj1" fmla="val 50000"/>
+            </a:avLst>
+          </a:prstGeom>
+          <a:ln w="28575">
+            <a:tailEnd type="arrow"/>
+          </a:ln>
+        </p:spPr>
+        <p:style>
+          <a:lnRef idx="1">
+            <a:schemeClr val="accent1"/>
+          </a:lnRef>
+          <a:fillRef idx="0">
+            <a:schemeClr val="accent1"/>
+          </a:fillRef>
+          <a:effectRef idx="0">
+            <a:schemeClr val="accent1"/>
+          </a:effectRef>
+          <a:fontRef idx="minor">
+            <a:schemeClr val="tx1"/>
+          </a:fontRef>
+        </p:style>
+      </p:cxnSp>
+      <p:cxnSp>
+        <p:nvCxnSpPr>
+          <p:cNvPr id="622" name="Shape 248">
+            <a:extLst>
+              <a:ext uri="{FF2B5EF4-FFF2-40B4-BE49-F238E27FC236}">
+                <a16:creationId xmlns:a16="http://schemas.microsoft.com/office/drawing/2014/main" id="{957320AC-BC9A-4553-96A1-C68D585CBFA2}"/>
+              </a:ext>
+            </a:extLst>
+          </p:cNvPr>
+          <p:cNvCxnSpPr>
+            <a:cxnSpLocks/>
+            <a:stCxn id="1478" idx="2"/>
+            <a:endCxn id="1479" idx="0"/>
+          </p:cNvCxnSpPr>
+          <p:nvPr/>
+        </p:nvCxnSpPr>
+        <p:spPr>
+          <a:xfrm rot="5400000">
+            <a:off x="6651125" y="-245526"/>
+            <a:ext cx="371795" cy="3222154"/>
+          </a:xfrm>
+          <a:prstGeom prst="bentConnector3">
+            <a:avLst>
+              <a:gd name="adj1" fmla="val 50000"/>
+            </a:avLst>
+          </a:prstGeom>
+          <a:ln w="28575">
+            <a:tailEnd type="arrow"/>
+          </a:ln>
+        </p:spPr>
+        <p:style>
+          <a:lnRef idx="1">
+            <a:schemeClr val="accent1"/>
+          </a:lnRef>
+          <a:fillRef idx="0">
+            <a:schemeClr val="accent1"/>
+          </a:fillRef>
+          <a:effectRef idx="0">
+            <a:schemeClr val="accent1"/>
+          </a:effectRef>
+          <a:fontRef idx="minor">
+            <a:schemeClr val="tx1"/>
+          </a:fontRef>
+        </p:style>
+      </p:cxnSp>
+      <p:cxnSp>
+        <p:nvCxnSpPr>
+          <p:cNvPr id="623" name="Shape 248">
+            <a:extLst>
+              <a:ext uri="{FF2B5EF4-FFF2-40B4-BE49-F238E27FC236}">
+                <a16:creationId xmlns:a16="http://schemas.microsoft.com/office/drawing/2014/main" id="{BC288100-1E5C-4932-993A-4E95A253CA1D}"/>
+              </a:ext>
+            </a:extLst>
+          </p:cNvPr>
+          <p:cNvCxnSpPr>
+            <a:cxnSpLocks/>
+            <a:stCxn id="1478" idx="2"/>
+            <a:endCxn id="1494" idx="0"/>
+          </p:cNvCxnSpPr>
+          <p:nvPr/>
+        </p:nvCxnSpPr>
+        <p:spPr>
+          <a:xfrm rot="5400000">
+            <a:off x="5867122" y="-1029529"/>
+            <a:ext cx="371795" cy="4790161"/>
+          </a:xfrm>
+          <a:prstGeom prst="bentConnector3">
+            <a:avLst>
+              <a:gd name="adj1" fmla="val 50000"/>
+            </a:avLst>
+          </a:prstGeom>
+          <a:ln w="28575">
+            <a:tailEnd type="arrow"/>
+          </a:ln>
+        </p:spPr>
+        <p:style>
+          <a:lnRef idx="1">
+            <a:schemeClr val="accent1"/>
+          </a:lnRef>
+          <a:fillRef idx="0">
+            <a:schemeClr val="accent1"/>
+          </a:fillRef>
+          <a:effectRef idx="0">
+            <a:schemeClr val="accent1"/>
+          </a:effectRef>
+          <a:fontRef idx="minor">
+            <a:schemeClr val="tx1"/>
+          </a:fontRef>
+        </p:style>
+      </p:cxnSp>
+      <p:cxnSp>
+        <p:nvCxnSpPr>
+          <p:cNvPr id="642" name="Shape 248">
+            <a:extLst>
+              <a:ext uri="{FF2B5EF4-FFF2-40B4-BE49-F238E27FC236}">
+                <a16:creationId xmlns:a16="http://schemas.microsoft.com/office/drawing/2014/main" id="{EB9C1D6D-E446-47FB-9E95-E8008A51CAB7}"/>
+              </a:ext>
+            </a:extLst>
+          </p:cNvPr>
+          <p:cNvCxnSpPr>
+            <a:cxnSpLocks/>
+            <a:stCxn id="1479" idx="2"/>
+            <a:endCxn id="1493" idx="0"/>
+          </p:cNvCxnSpPr>
+          <p:nvPr/>
+        </p:nvCxnSpPr>
+        <p:spPr>
+          <a:xfrm rot="16200000" flipH="1">
+            <a:off x="5398787" y="2023671"/>
+            <a:ext cx="421672" cy="767356"/>
+          </a:xfrm>
+          <a:prstGeom prst="bentConnector3">
+            <a:avLst>
+              <a:gd name="adj1" fmla="val 50000"/>
+            </a:avLst>
+          </a:prstGeom>
+          <a:ln w="28575">
+            <a:prstDash val="dash"/>
+            <a:tailEnd type="arrow"/>
+          </a:ln>
+        </p:spPr>
+        <p:style>
+          <a:lnRef idx="1">
+            <a:schemeClr val="accent1"/>
+          </a:lnRef>
+          <a:fillRef idx="0">
+            <a:schemeClr val="accent1"/>
+          </a:fillRef>
+          <a:effectRef idx="0">
+            <a:schemeClr val="accent1"/>
+          </a:effectRef>
+          <a:fontRef idx="minor">
+            <a:schemeClr val="tx1"/>
+          </a:fontRef>
+        </p:style>
+      </p:cxnSp>
+      <p:cxnSp>
+        <p:nvCxnSpPr>
+          <p:cNvPr id="643" name="Shape 248">
+            <a:extLst>
+              <a:ext uri="{FF2B5EF4-FFF2-40B4-BE49-F238E27FC236}">
+                <a16:creationId xmlns:a16="http://schemas.microsoft.com/office/drawing/2014/main" id="{8F728FDD-25B3-40AF-9994-4CC67545C95A}"/>
+              </a:ext>
+            </a:extLst>
+          </p:cNvPr>
+          <p:cNvCxnSpPr>
+            <a:cxnSpLocks/>
+            <a:stCxn id="524" idx="2"/>
+            <a:endCxn id="1493" idx="0"/>
+          </p:cNvCxnSpPr>
+          <p:nvPr/>
+        </p:nvCxnSpPr>
+        <p:spPr>
+          <a:xfrm rot="5400000">
+            <a:off x="6186734" y="2003081"/>
+            <a:ext cx="421672" cy="808537"/>
+          </a:xfrm>
+          <a:prstGeom prst="bentConnector3">
+            <a:avLst>
+              <a:gd name="adj1" fmla="val 50000"/>
+            </a:avLst>
+          </a:prstGeom>
+          <a:ln w="28575">
+            <a:prstDash val="dash"/>
+            <a:tailEnd type="arrow"/>
+          </a:ln>
+        </p:spPr>
+        <p:style>
+          <a:lnRef idx="1">
+            <a:schemeClr val="accent1"/>
+          </a:lnRef>
+          <a:fillRef idx="0">
+            <a:schemeClr val="accent1"/>
+          </a:fillRef>
+          <a:effectRef idx="0">
+            <a:schemeClr val="accent1"/>
+          </a:effectRef>
+          <a:fontRef idx="minor">
+            <a:schemeClr val="tx1"/>
+          </a:fontRef>
+        </p:style>
+      </p:cxnSp>
+      <p:cxnSp>
+        <p:nvCxnSpPr>
+          <p:cNvPr id="645" name="Shape 248">
+            <a:extLst>
+              <a:ext uri="{FF2B5EF4-FFF2-40B4-BE49-F238E27FC236}">
+                <a16:creationId xmlns:a16="http://schemas.microsoft.com/office/drawing/2014/main" id="{DE8D053D-6BBF-4676-9BC7-4EA2FE4F9DF7}"/>
+              </a:ext>
+            </a:extLst>
+          </p:cNvPr>
+          <p:cNvCxnSpPr>
+            <a:cxnSpLocks/>
+            <a:stCxn id="524" idx="2"/>
+            <a:endCxn id="1491" idx="0"/>
+          </p:cNvCxnSpPr>
+          <p:nvPr/>
+        </p:nvCxnSpPr>
+        <p:spPr>
+          <a:xfrm rot="16200000" flipH="1">
+            <a:off x="6086490" y="2911861"/>
+            <a:ext cx="1433780" cy="3084"/>
+          </a:xfrm>
+          <a:prstGeom prst="bentConnector3">
+            <a:avLst>
+              <a:gd name="adj1" fmla="val 50000"/>
+            </a:avLst>
+          </a:prstGeom>
+          <a:ln w="28575">
+            <a:prstDash val="dash"/>
+            <a:tailEnd type="arrow"/>
+          </a:ln>
+        </p:spPr>
+        <p:style>
+          <a:lnRef idx="1">
+            <a:schemeClr val="accent1"/>
+          </a:lnRef>
+          <a:fillRef idx="0">
+            <a:schemeClr val="accent1"/>
+          </a:fillRef>
+          <a:effectRef idx="0">
+            <a:schemeClr val="accent1"/>
+          </a:effectRef>
+          <a:fontRef idx="minor">
+            <a:schemeClr val="tx1"/>
+          </a:fontRef>
+        </p:style>
+      </p:cxnSp>
+      <p:cxnSp>
+        <p:nvCxnSpPr>
+          <p:cNvPr id="646" name="Shape 248">
+            <a:extLst>
+              <a:ext uri="{FF2B5EF4-FFF2-40B4-BE49-F238E27FC236}">
+                <a16:creationId xmlns:a16="http://schemas.microsoft.com/office/drawing/2014/main" id="{458C9804-AC82-491B-AC3F-13F54D808902}"/>
+              </a:ext>
+            </a:extLst>
+          </p:cNvPr>
+          <p:cNvCxnSpPr>
+            <a:cxnSpLocks/>
+            <a:stCxn id="1479" idx="2"/>
+            <a:endCxn id="1491" idx="0"/>
+          </p:cNvCxnSpPr>
+          <p:nvPr/>
+        </p:nvCxnSpPr>
+        <p:spPr>
+          <a:xfrm rot="16200000" flipH="1">
+            <a:off x="5298543" y="2123914"/>
+            <a:ext cx="1433780" cy="1578977"/>
+          </a:xfrm>
+          <a:prstGeom prst="bentConnector3">
+            <a:avLst>
+              <a:gd name="adj1" fmla="val 14392"/>
+            </a:avLst>
+          </a:prstGeom>
+          <a:ln w="28575">
+            <a:prstDash val="dash"/>
+            <a:tailEnd type="arrow"/>
+          </a:ln>
+        </p:spPr>
+        <p:style>
+          <a:lnRef idx="1">
+            <a:schemeClr val="accent1"/>
+          </a:lnRef>
+          <a:fillRef idx="0">
+            <a:schemeClr val="accent1"/>
+          </a:fillRef>
+          <a:effectRef idx="0">
+            <a:schemeClr val="accent1"/>
+          </a:effectRef>
+          <a:fontRef idx="minor">
+            <a:schemeClr val="tx1"/>
+          </a:fontRef>
+        </p:style>
+      </p:cxnSp>
+      <p:cxnSp>
+        <p:nvCxnSpPr>
+          <p:cNvPr id="648" name="Shape 248">
+            <a:extLst>
+              <a:ext uri="{FF2B5EF4-FFF2-40B4-BE49-F238E27FC236}">
+                <a16:creationId xmlns:a16="http://schemas.microsoft.com/office/drawing/2014/main" id="{EA426D8B-FEF3-403F-B620-49C1C5E57428}"/>
+              </a:ext>
+            </a:extLst>
+          </p:cNvPr>
+          <p:cNvCxnSpPr>
+            <a:cxnSpLocks/>
+            <a:stCxn id="1479" idx="2"/>
+            <a:endCxn id="573" idx="0"/>
+          </p:cNvCxnSpPr>
+          <p:nvPr/>
+        </p:nvCxnSpPr>
+        <p:spPr>
+          <a:xfrm rot="5400000">
+            <a:off x="4508911" y="2910305"/>
+            <a:ext cx="1430827" cy="3243"/>
+          </a:xfrm>
+          <a:prstGeom prst="bentConnector3">
+            <a:avLst>
+              <a:gd name="adj1" fmla="val 50000"/>
+            </a:avLst>
+          </a:prstGeom>
+          <a:ln w="28575">
+            <a:prstDash val="dash"/>
+            <a:tailEnd type="arrow"/>
+          </a:ln>
+        </p:spPr>
+        <p:style>
+          <a:lnRef idx="1">
+            <a:schemeClr val="accent1"/>
+          </a:lnRef>
+          <a:fillRef idx="0">
+            <a:schemeClr val="accent1"/>
+          </a:fillRef>
+          <a:effectRef idx="0">
+            <a:schemeClr val="accent1"/>
+          </a:effectRef>
+          <a:fontRef idx="minor">
+            <a:schemeClr val="tx1"/>
+          </a:fontRef>
+        </p:style>
+      </p:cxnSp>
+      <p:cxnSp>
+        <p:nvCxnSpPr>
+          <p:cNvPr id="649" name="Shape 248">
+            <a:extLst>
+              <a:ext uri="{FF2B5EF4-FFF2-40B4-BE49-F238E27FC236}">
+                <a16:creationId xmlns:a16="http://schemas.microsoft.com/office/drawing/2014/main" id="{BD96531F-F010-4CD1-8E94-F7868720C5FF}"/>
+              </a:ext>
+            </a:extLst>
+          </p:cNvPr>
+          <p:cNvCxnSpPr>
+            <a:cxnSpLocks/>
+            <a:stCxn id="524" idx="2"/>
+            <a:endCxn id="573" idx="0"/>
+          </p:cNvCxnSpPr>
+          <p:nvPr/>
+        </p:nvCxnSpPr>
+        <p:spPr>
+          <a:xfrm rot="5400000">
+            <a:off x="5296857" y="2122358"/>
+            <a:ext cx="1430827" cy="1579136"/>
+          </a:xfrm>
+          <a:prstGeom prst="bentConnector3">
+            <a:avLst>
+              <a:gd name="adj1" fmla="val 14318"/>
+            </a:avLst>
+          </a:prstGeom>
+          <a:ln w="28575">
+            <a:prstDash val="dash"/>
+            <a:tailEnd type="arrow"/>
+          </a:ln>
+        </p:spPr>
+        <p:style>
+          <a:lnRef idx="1">
+            <a:schemeClr val="accent1"/>
+          </a:lnRef>
+          <a:fillRef idx="0">
+            <a:schemeClr val="accent1"/>
+          </a:fillRef>
+          <a:effectRef idx="0">
+            <a:schemeClr val="accent1"/>
+          </a:effectRef>
+          <a:fontRef idx="minor">
+            <a:schemeClr val="tx1"/>
+          </a:fontRef>
+        </p:style>
+      </p:cxnSp>
+      <p:cxnSp>
+        <p:nvCxnSpPr>
+          <p:cNvPr id="651" name="Прямая со стрелкой 650">
+            <a:extLst>
+              <a:ext uri="{FF2B5EF4-FFF2-40B4-BE49-F238E27FC236}">
+                <a16:creationId xmlns:a16="http://schemas.microsoft.com/office/drawing/2014/main" id="{363989CC-6490-4FD9-A8BB-61E7E26CBB06}"/>
+              </a:ext>
+            </a:extLst>
+          </p:cNvPr>
+          <p:cNvCxnSpPr>
+            <a:cxnSpLocks/>
+            <a:stCxn id="1493" idx="2"/>
+            <a:endCxn id="1498" idx="0"/>
+          </p:cNvCxnSpPr>
+          <p:nvPr/>
+        </p:nvCxnSpPr>
+        <p:spPr>
+          <a:xfrm>
+            <a:off x="5993301" y="3263249"/>
+            <a:ext cx="2331" cy="1472386"/>
+          </a:xfrm>
+          <a:prstGeom prst="straightConnector1">
+            <a:avLst/>
+          </a:prstGeom>
+          <a:ln w="28575">
+            <a:tailEnd type="arrow"/>
+          </a:ln>
+        </p:spPr>
+        <p:style>
+          <a:lnRef idx="1">
+            <a:schemeClr val="accent1"/>
+          </a:lnRef>
+          <a:fillRef idx="0">
+            <a:schemeClr val="accent1"/>
+          </a:fillRef>
+          <a:effectRef idx="0">
+            <a:schemeClr val="accent1"/>
+          </a:effectRef>
+          <a:fontRef idx="minor">
+            <a:schemeClr val="tx1"/>
+          </a:fontRef>
+        </p:style>
+      </p:cxnSp>
+      <p:cxnSp>
+        <p:nvCxnSpPr>
+          <p:cNvPr id="652" name="Shape 248">
+            <a:extLst>
+              <a:ext uri="{FF2B5EF4-FFF2-40B4-BE49-F238E27FC236}">
+                <a16:creationId xmlns:a16="http://schemas.microsoft.com/office/drawing/2014/main" id="{A19F7194-6229-4E94-B53A-331E5689F5FF}"/>
+              </a:ext>
+            </a:extLst>
+          </p:cNvPr>
+          <p:cNvCxnSpPr>
+            <a:cxnSpLocks/>
+            <a:stCxn id="1491" idx="2"/>
+            <a:endCxn id="1482" idx="0"/>
+          </p:cNvCxnSpPr>
+          <p:nvPr/>
+        </p:nvCxnSpPr>
+        <p:spPr>
+          <a:xfrm rot="16200000" flipH="1">
+            <a:off x="6992641" y="4087637"/>
+            <a:ext cx="446613" cy="822051"/>
+          </a:xfrm>
+          <a:prstGeom prst="bentConnector3">
+            <a:avLst>
+              <a:gd name="adj1" fmla="val 50000"/>
+            </a:avLst>
+          </a:prstGeom>
+          <a:ln w="28575">
             <a:tailEnd type="arrow"/>
           </a:ln>
         </p:spPr>

--- a/Наработки/диздоки/ЮАС/ЮАС общая.pptx
+++ b/Наработки/диздоки/ЮАС/ЮАС общая.pptx
@@ -209,7 +209,7 @@
             <a:fld id="{33E3D7F9-E251-484C-A6FF-FA958879DF69}" type="datetimeFigureOut">
               <a:rPr lang="ru-RU" smtClean="0"/>
               <a:pPr/>
-              <a:t>24.10.2025</a:t>
+              <a:t>19.11.2025</a:t>
             </a:fld>
             <a:endParaRPr lang="ru-RU"/>
           </a:p>
@@ -699,7 +699,7 @@
             <a:fld id="{85A5DE44-605B-4D3B-B2B7-94543DF81A36}" type="datetimeFigureOut">
               <a:rPr lang="ru-RU" smtClean="0"/>
               <a:pPr/>
-              <a:t>24.10.2025</a:t>
+              <a:t>19.11.2025</a:t>
             </a:fld>
             <a:endParaRPr lang="ru-RU"/>
           </a:p>
@@ -871,7 +871,7 @@
             <a:fld id="{85A5DE44-605B-4D3B-B2B7-94543DF81A36}" type="datetimeFigureOut">
               <a:rPr lang="ru-RU" smtClean="0"/>
               <a:pPr/>
-              <a:t>24.10.2025</a:t>
+              <a:t>19.11.2025</a:t>
             </a:fld>
             <a:endParaRPr lang="ru-RU"/>
           </a:p>
@@ -1053,7 +1053,7 @@
             <a:fld id="{85A5DE44-605B-4D3B-B2B7-94543DF81A36}" type="datetimeFigureOut">
               <a:rPr lang="ru-RU" smtClean="0"/>
               <a:pPr/>
-              <a:t>24.10.2025</a:t>
+              <a:t>19.11.2025</a:t>
             </a:fld>
             <a:endParaRPr lang="ru-RU"/>
           </a:p>
@@ -1225,7 +1225,7 @@
             <a:fld id="{85A5DE44-605B-4D3B-B2B7-94543DF81A36}" type="datetimeFigureOut">
               <a:rPr lang="ru-RU" smtClean="0"/>
               <a:pPr/>
-              <a:t>24.10.2025</a:t>
+              <a:t>19.11.2025</a:t>
             </a:fld>
             <a:endParaRPr lang="ru-RU"/>
           </a:p>
@@ -1473,7 +1473,7 @@
             <a:fld id="{85A5DE44-605B-4D3B-B2B7-94543DF81A36}" type="datetimeFigureOut">
               <a:rPr lang="ru-RU" smtClean="0"/>
               <a:pPr/>
-              <a:t>24.10.2025</a:t>
+              <a:t>19.11.2025</a:t>
             </a:fld>
             <a:endParaRPr lang="ru-RU"/>
           </a:p>
@@ -1707,7 +1707,7 @@
             <a:fld id="{85A5DE44-605B-4D3B-B2B7-94543DF81A36}" type="datetimeFigureOut">
               <a:rPr lang="ru-RU" smtClean="0"/>
               <a:pPr/>
-              <a:t>24.10.2025</a:t>
+              <a:t>19.11.2025</a:t>
             </a:fld>
             <a:endParaRPr lang="ru-RU"/>
           </a:p>
@@ -2076,7 +2076,7 @@
             <a:fld id="{85A5DE44-605B-4D3B-B2B7-94543DF81A36}" type="datetimeFigureOut">
               <a:rPr lang="ru-RU" smtClean="0"/>
               <a:pPr/>
-              <a:t>24.10.2025</a:t>
+              <a:t>19.11.2025</a:t>
             </a:fld>
             <a:endParaRPr lang="ru-RU"/>
           </a:p>
@@ -2196,7 +2196,7 @@
             <a:fld id="{85A5DE44-605B-4D3B-B2B7-94543DF81A36}" type="datetimeFigureOut">
               <a:rPr lang="ru-RU" smtClean="0"/>
               <a:pPr/>
-              <a:t>24.10.2025</a:t>
+              <a:t>19.11.2025</a:t>
             </a:fld>
             <a:endParaRPr lang="ru-RU"/>
           </a:p>
@@ -2293,7 +2293,7 @@
             <a:fld id="{85A5DE44-605B-4D3B-B2B7-94543DF81A36}" type="datetimeFigureOut">
               <a:rPr lang="ru-RU" smtClean="0"/>
               <a:pPr/>
-              <a:t>24.10.2025</a:t>
+              <a:t>19.11.2025</a:t>
             </a:fld>
             <a:endParaRPr lang="ru-RU"/>
           </a:p>
@@ -2572,7 +2572,7 @@
             <a:fld id="{85A5DE44-605B-4D3B-B2B7-94543DF81A36}" type="datetimeFigureOut">
               <a:rPr lang="ru-RU" smtClean="0"/>
               <a:pPr/>
-              <a:t>24.10.2025</a:t>
+              <a:t>19.11.2025</a:t>
             </a:fld>
             <a:endParaRPr lang="ru-RU"/>
           </a:p>
@@ -2831,7 +2831,7 @@
             <a:fld id="{85A5DE44-605B-4D3B-B2B7-94543DF81A36}" type="datetimeFigureOut">
               <a:rPr lang="ru-RU" smtClean="0"/>
               <a:pPr/>
-              <a:t>24.10.2025</a:t>
+              <a:t>19.11.2025</a:t>
             </a:fld>
             <a:endParaRPr lang="ru-RU"/>
           </a:p>
@@ -3046,7 +3046,7 @@
             <a:fld id="{85A5DE44-605B-4D3B-B2B7-94543DF81A36}" type="datetimeFigureOut">
               <a:rPr lang="ru-RU" smtClean="0"/>
               <a:pPr/>
-              <a:t>24.10.2025</a:t>
+              <a:t>19.11.2025</a:t>
             </a:fld>
             <a:endParaRPr lang="ru-RU"/>
           </a:p>
@@ -20099,47 +20099,7 @@
             <a:pPr algn="ctr"/>
             <a:r>
               <a:rPr lang="ru-RU" sz="1100" dirty="0"/>
-              <a:t>Марш до Претории (лидер и глав партия зависят от года) </a:t>
-            </a:r>
-            <a:r>
-              <a:rPr lang="ru-RU" sz="400" dirty="0"/>
-              <a:t>(</a:t>
-            </a:r>
-            <a:r>
-              <a:rPr lang="ru-RU" sz="400" dirty="0" err="1"/>
-              <a:t>кирино</a:t>
-            </a:r>
-            <a:r>
-              <a:rPr lang="en-US" sz="400" dirty="0"/>
-              <a:t>: </a:t>
-            </a:r>
-            <a:r>
-              <a:rPr lang="ru-RU" sz="400" dirty="0"/>
-              <a:t>НД на 100 дней, </a:t>
-            </a:r>
-            <a:r>
-              <a:rPr lang="ru-RU" sz="400" dirty="0" err="1"/>
-              <a:t>политка</a:t>
-            </a:r>
-            <a:r>
-              <a:rPr lang="ru-RU" sz="400" dirty="0"/>
-              <a:t> +1, автономия +2, </a:t>
-            </a:r>
-            <a:r>
-              <a:rPr lang="ru-RU" sz="400" dirty="0" err="1"/>
-              <a:t>фазим</a:t>
-            </a:r>
-            <a:r>
-              <a:rPr lang="ru-RU" sz="400" dirty="0"/>
-              <a:t> +0,1, </a:t>
-            </a:r>
-            <a:r>
-              <a:rPr lang="ru-RU" sz="400" dirty="0" err="1"/>
-              <a:t>Африканерская</a:t>
-            </a:r>
-            <a:r>
-              <a:rPr lang="ru-RU" sz="400" dirty="0"/>
-              <a:t> республика)</a:t>
+              <a:t>Марш до Претории</a:t>
             </a:r>
             <a:endParaRPr lang="ru-RU" sz="500" dirty="0"/>
           </a:p>

--- a/Наработки/диздоки/ЮАС/ЮАС общая.pptx
+++ b/Наработки/диздоки/ЮАС/ЮАС общая.pptx
@@ -209,7 +209,7 @@
             <a:fld id="{33E3D7F9-E251-484C-A6FF-FA958879DF69}" type="datetimeFigureOut">
               <a:rPr lang="ru-RU" smtClean="0"/>
               <a:pPr/>
-              <a:t>19.11.2025</a:t>
+              <a:t>20.11.2025</a:t>
             </a:fld>
             <a:endParaRPr lang="ru-RU"/>
           </a:p>
@@ -699,7 +699,7 @@
             <a:fld id="{85A5DE44-605B-4D3B-B2B7-94543DF81A36}" type="datetimeFigureOut">
               <a:rPr lang="ru-RU" smtClean="0"/>
               <a:pPr/>
-              <a:t>19.11.2025</a:t>
+              <a:t>20.11.2025</a:t>
             </a:fld>
             <a:endParaRPr lang="ru-RU"/>
           </a:p>
@@ -871,7 +871,7 @@
             <a:fld id="{85A5DE44-605B-4D3B-B2B7-94543DF81A36}" type="datetimeFigureOut">
               <a:rPr lang="ru-RU" smtClean="0"/>
               <a:pPr/>
-              <a:t>19.11.2025</a:t>
+              <a:t>20.11.2025</a:t>
             </a:fld>
             <a:endParaRPr lang="ru-RU"/>
           </a:p>
@@ -1053,7 +1053,7 @@
             <a:fld id="{85A5DE44-605B-4D3B-B2B7-94543DF81A36}" type="datetimeFigureOut">
               <a:rPr lang="ru-RU" smtClean="0"/>
               <a:pPr/>
-              <a:t>19.11.2025</a:t>
+              <a:t>20.11.2025</a:t>
             </a:fld>
             <a:endParaRPr lang="ru-RU"/>
           </a:p>
@@ -1225,7 +1225,7 @@
             <a:fld id="{85A5DE44-605B-4D3B-B2B7-94543DF81A36}" type="datetimeFigureOut">
               <a:rPr lang="ru-RU" smtClean="0"/>
               <a:pPr/>
-              <a:t>19.11.2025</a:t>
+              <a:t>20.11.2025</a:t>
             </a:fld>
             <a:endParaRPr lang="ru-RU"/>
           </a:p>
@@ -1473,7 +1473,7 @@
             <a:fld id="{85A5DE44-605B-4D3B-B2B7-94543DF81A36}" type="datetimeFigureOut">
               <a:rPr lang="ru-RU" smtClean="0"/>
               <a:pPr/>
-              <a:t>19.11.2025</a:t>
+              <a:t>20.11.2025</a:t>
             </a:fld>
             <a:endParaRPr lang="ru-RU"/>
           </a:p>
@@ -1707,7 +1707,7 @@
             <a:fld id="{85A5DE44-605B-4D3B-B2B7-94543DF81A36}" type="datetimeFigureOut">
               <a:rPr lang="ru-RU" smtClean="0"/>
               <a:pPr/>
-              <a:t>19.11.2025</a:t>
+              <a:t>20.11.2025</a:t>
             </a:fld>
             <a:endParaRPr lang="ru-RU"/>
           </a:p>
@@ -2076,7 +2076,7 @@
             <a:fld id="{85A5DE44-605B-4D3B-B2B7-94543DF81A36}" type="datetimeFigureOut">
               <a:rPr lang="ru-RU" smtClean="0"/>
               <a:pPr/>
-              <a:t>19.11.2025</a:t>
+              <a:t>20.11.2025</a:t>
             </a:fld>
             <a:endParaRPr lang="ru-RU"/>
           </a:p>
@@ -2196,7 +2196,7 @@
             <a:fld id="{85A5DE44-605B-4D3B-B2B7-94543DF81A36}" type="datetimeFigureOut">
               <a:rPr lang="ru-RU" smtClean="0"/>
               <a:pPr/>
-              <a:t>19.11.2025</a:t>
+              <a:t>20.11.2025</a:t>
             </a:fld>
             <a:endParaRPr lang="ru-RU"/>
           </a:p>
@@ -2293,7 +2293,7 @@
             <a:fld id="{85A5DE44-605B-4D3B-B2B7-94543DF81A36}" type="datetimeFigureOut">
               <a:rPr lang="ru-RU" smtClean="0"/>
               <a:pPr/>
-              <a:t>19.11.2025</a:t>
+              <a:t>20.11.2025</a:t>
             </a:fld>
             <a:endParaRPr lang="ru-RU"/>
           </a:p>
@@ -2572,7 +2572,7 @@
             <a:fld id="{85A5DE44-605B-4D3B-B2B7-94543DF81A36}" type="datetimeFigureOut">
               <a:rPr lang="ru-RU" smtClean="0"/>
               <a:pPr/>
-              <a:t>19.11.2025</a:t>
+              <a:t>20.11.2025</a:t>
             </a:fld>
             <a:endParaRPr lang="ru-RU"/>
           </a:p>
@@ -2831,7 +2831,7 @@
             <a:fld id="{85A5DE44-605B-4D3B-B2B7-94543DF81A36}" type="datetimeFigureOut">
               <a:rPr lang="ru-RU" smtClean="0"/>
               <a:pPr/>
-              <a:t>19.11.2025</a:t>
+              <a:t>20.11.2025</a:t>
             </a:fld>
             <a:endParaRPr lang="ru-RU"/>
           </a:p>
@@ -3046,7 +3046,7 @@
             <a:fld id="{85A5DE44-605B-4D3B-B2B7-94543DF81A36}" type="datetimeFigureOut">
               <a:rPr lang="ru-RU" smtClean="0"/>
               <a:pPr/>
-              <a:t>19.11.2025</a:t>
+              <a:t>20.11.2025</a:t>
             </a:fld>
             <a:endParaRPr lang="ru-RU"/>
           </a:p>
@@ -20523,19 +20523,7 @@
             <a:pPr algn="ctr"/>
             <a:r>
               <a:rPr lang="ru-RU" sz="1100" dirty="0"/>
-              <a:t>Решить вопрос с англичанами </a:t>
-            </a:r>
-            <a:r>
-              <a:rPr lang="ru-RU" sz="300" dirty="0"/>
-              <a:t>(Движение также пыталось заручиться поддержкой белых англоязычных, но без особого успеха. Белые носители английского языка боялись африканеров. национализма и в целом были удовлетворены правительством Герцога и </a:t>
-            </a:r>
-            <a:r>
-              <a:rPr lang="ru-RU" sz="300" dirty="0" err="1"/>
-              <a:t>Смэтса</a:t>
-            </a:r>
-            <a:r>
-              <a:rPr lang="ru-RU" sz="300" dirty="0"/>
-              <a:t> .)</a:t>
+              <a:t>Решить вопрос с англичанами</a:t>
             </a:r>
             <a:endParaRPr lang="ru-RU" sz="600" dirty="0"/>
           </a:p>

--- a/Наработки/диздоки/ЮАС/ЮАС общая.pptx
+++ b/Наработки/диздоки/ЮАС/ЮАС общая.pptx
@@ -209,7 +209,7 @@
             <a:fld id="{33E3D7F9-E251-484C-A6FF-FA958879DF69}" type="datetimeFigureOut">
               <a:rPr lang="ru-RU" smtClean="0"/>
               <a:pPr/>
-              <a:t>20.11.2025</a:t>
+              <a:t>24.11.2025</a:t>
             </a:fld>
             <a:endParaRPr lang="ru-RU"/>
           </a:p>
@@ -699,7 +699,7 @@
             <a:fld id="{85A5DE44-605B-4D3B-B2B7-94543DF81A36}" type="datetimeFigureOut">
               <a:rPr lang="ru-RU" smtClean="0"/>
               <a:pPr/>
-              <a:t>20.11.2025</a:t>
+              <a:t>24.11.2025</a:t>
             </a:fld>
             <a:endParaRPr lang="ru-RU"/>
           </a:p>
@@ -871,7 +871,7 @@
             <a:fld id="{85A5DE44-605B-4D3B-B2B7-94543DF81A36}" type="datetimeFigureOut">
               <a:rPr lang="ru-RU" smtClean="0"/>
               <a:pPr/>
-              <a:t>20.11.2025</a:t>
+              <a:t>24.11.2025</a:t>
             </a:fld>
             <a:endParaRPr lang="ru-RU"/>
           </a:p>
@@ -1053,7 +1053,7 @@
             <a:fld id="{85A5DE44-605B-4D3B-B2B7-94543DF81A36}" type="datetimeFigureOut">
               <a:rPr lang="ru-RU" smtClean="0"/>
               <a:pPr/>
-              <a:t>20.11.2025</a:t>
+              <a:t>24.11.2025</a:t>
             </a:fld>
             <a:endParaRPr lang="ru-RU"/>
           </a:p>
@@ -1225,7 +1225,7 @@
             <a:fld id="{85A5DE44-605B-4D3B-B2B7-94543DF81A36}" type="datetimeFigureOut">
               <a:rPr lang="ru-RU" smtClean="0"/>
               <a:pPr/>
-              <a:t>20.11.2025</a:t>
+              <a:t>24.11.2025</a:t>
             </a:fld>
             <a:endParaRPr lang="ru-RU"/>
           </a:p>
@@ -1473,7 +1473,7 @@
             <a:fld id="{85A5DE44-605B-4D3B-B2B7-94543DF81A36}" type="datetimeFigureOut">
               <a:rPr lang="ru-RU" smtClean="0"/>
               <a:pPr/>
-              <a:t>20.11.2025</a:t>
+              <a:t>24.11.2025</a:t>
             </a:fld>
             <a:endParaRPr lang="ru-RU"/>
           </a:p>
@@ -1707,7 +1707,7 @@
             <a:fld id="{85A5DE44-605B-4D3B-B2B7-94543DF81A36}" type="datetimeFigureOut">
               <a:rPr lang="ru-RU" smtClean="0"/>
               <a:pPr/>
-              <a:t>20.11.2025</a:t>
+              <a:t>24.11.2025</a:t>
             </a:fld>
             <a:endParaRPr lang="ru-RU"/>
           </a:p>
@@ -2076,7 +2076,7 @@
             <a:fld id="{85A5DE44-605B-4D3B-B2B7-94543DF81A36}" type="datetimeFigureOut">
               <a:rPr lang="ru-RU" smtClean="0"/>
               <a:pPr/>
-              <a:t>20.11.2025</a:t>
+              <a:t>24.11.2025</a:t>
             </a:fld>
             <a:endParaRPr lang="ru-RU"/>
           </a:p>
@@ -2196,7 +2196,7 @@
             <a:fld id="{85A5DE44-605B-4D3B-B2B7-94543DF81A36}" type="datetimeFigureOut">
               <a:rPr lang="ru-RU" smtClean="0"/>
               <a:pPr/>
-              <a:t>20.11.2025</a:t>
+              <a:t>24.11.2025</a:t>
             </a:fld>
             <a:endParaRPr lang="ru-RU"/>
           </a:p>
@@ -2293,7 +2293,7 @@
             <a:fld id="{85A5DE44-605B-4D3B-B2B7-94543DF81A36}" type="datetimeFigureOut">
               <a:rPr lang="ru-RU" smtClean="0"/>
               <a:pPr/>
-              <a:t>20.11.2025</a:t>
+              <a:t>24.11.2025</a:t>
             </a:fld>
             <a:endParaRPr lang="ru-RU"/>
           </a:p>
@@ -2572,7 +2572,7 @@
             <a:fld id="{85A5DE44-605B-4D3B-B2B7-94543DF81A36}" type="datetimeFigureOut">
               <a:rPr lang="ru-RU" smtClean="0"/>
               <a:pPr/>
-              <a:t>20.11.2025</a:t>
+              <a:t>24.11.2025</a:t>
             </a:fld>
             <a:endParaRPr lang="ru-RU"/>
           </a:p>
@@ -2831,7 +2831,7 @@
             <a:fld id="{85A5DE44-605B-4D3B-B2B7-94543DF81A36}" type="datetimeFigureOut">
               <a:rPr lang="ru-RU" smtClean="0"/>
               <a:pPr/>
-              <a:t>20.11.2025</a:t>
+              <a:t>24.11.2025</a:t>
             </a:fld>
             <a:endParaRPr lang="ru-RU"/>
           </a:p>
@@ -3046,7 +3046,7 @@
             <a:fld id="{85A5DE44-605B-4D3B-B2B7-94543DF81A36}" type="datetimeFigureOut">
               <a:rPr lang="ru-RU" smtClean="0"/>
               <a:pPr/>
-              <a:t>20.11.2025</a:t>
+              <a:t>24.11.2025</a:t>
             </a:fld>
             <a:endParaRPr lang="ru-RU"/>
           </a:p>
@@ -20575,43 +20575,11 @@
             <a:pPr algn="ctr"/>
             <a:r>
               <a:rPr lang="ru-RU" sz="1100" dirty="0"/>
-              <a:t>Прогнать евреев и национализировать их имущество </a:t>
-            </a:r>
-            <a:r>
-              <a:rPr lang="ru-RU" sz="200" dirty="0"/>
-              <a:t>(</a:t>
-            </a:r>
-            <a:r>
-              <a:rPr lang="ru-RU" sz="200" dirty="0" err="1"/>
-              <a:t>грышемде</a:t>
-            </a:r>
-            <a:r>
-              <a:rPr lang="ru-RU" sz="200" dirty="0"/>
-              <a:t> якобы предназначались для защиты митингов южноафриканского нацистского движения, но на самом деле это были банды, избивавшие противников движения. </a:t>
-            </a:r>
-            <a:r>
-              <a:rPr lang="ru-RU" sz="200" dirty="0" err="1"/>
-              <a:t>Грышемде</a:t>
-            </a:r>
-            <a:r>
-              <a:rPr lang="ru-RU" sz="200" dirty="0"/>
-              <a:t> также разрушили некоторые синагоги и запугали евреев . Поскольку </a:t>
-            </a:r>
-            <a:r>
-              <a:rPr lang="ru-RU" sz="200" dirty="0" err="1"/>
-              <a:t>Гришемде</a:t>
-            </a:r>
-            <a:r>
-              <a:rPr lang="ru-RU" sz="200" dirty="0"/>
-              <a:t> занимал такое важное место в южноафриканском нееврейском национал-социалистическом движении, это движение вскоре стало широко известно как </a:t>
-            </a:r>
-            <a:r>
-              <a:rPr lang="ru-RU" sz="200" dirty="0" err="1"/>
-              <a:t>Гришемде</a:t>
-            </a:r>
-            <a:r>
-              <a:rPr lang="ru-RU" sz="200" dirty="0"/>
-              <a:t>.)</a:t>
+              <a:t>Разжечь </a:t>
+            </a:r>
+            <a:r>
+              <a:rPr lang="ru-RU" sz="1100" dirty="0" err="1"/>
+              <a:t>антисемизм</a:t>
             </a:r>
             <a:endParaRPr lang="ru-RU" sz="600" dirty="0"/>
           </a:p>
@@ -20851,7 +20819,7 @@
             <a:pPr algn="ctr"/>
             <a:r>
               <a:rPr lang="ru-RU" sz="1100" dirty="0"/>
-              <a:t>Антикоммунизм</a:t>
+              <a:t>Ударить в антикоммунистические барабаны</a:t>
             </a:r>
             <a:endParaRPr lang="ru-RU" sz="600" dirty="0"/>
           </a:p>
@@ -20902,10 +20870,46 @@
           <a:p>
             <a:pPr algn="ctr"/>
             <a:r>
-              <a:rPr lang="ru-RU" sz="1100" dirty="0" err="1"/>
-              <a:t>Антисемизм</a:t>
-            </a:r>
-            <a:endParaRPr lang="ru-RU" sz="600" dirty="0"/>
+              <a:rPr lang="ru-RU" sz="1100" dirty="0"/>
+              <a:t>Прогнать евреев и национализировать их имущество </a:t>
+            </a:r>
+            <a:r>
+              <a:rPr lang="ru-RU" sz="200" dirty="0"/>
+              <a:t>(</a:t>
+            </a:r>
+            <a:r>
+              <a:rPr lang="ru-RU" sz="200" dirty="0" err="1"/>
+              <a:t>грышемде</a:t>
+            </a:r>
+            <a:r>
+              <a:rPr lang="ru-RU" sz="200" dirty="0"/>
+              <a:t> якобы предназначались для защиты митингов южноафриканского нацистского движения, но на самом деле это были банды, избивавшие противников движения. </a:t>
+            </a:r>
+            <a:r>
+              <a:rPr lang="ru-RU" sz="200" dirty="0" err="1"/>
+              <a:t>Грышемде</a:t>
+            </a:r>
+            <a:r>
+              <a:rPr lang="ru-RU" sz="200" dirty="0"/>
+              <a:t> также разрушили некоторые синагоги и запугали евреев . Поскольку </a:t>
+            </a:r>
+            <a:r>
+              <a:rPr lang="ru-RU" sz="200" dirty="0" err="1"/>
+              <a:t>Гришемде</a:t>
+            </a:r>
+            <a:r>
+              <a:rPr lang="ru-RU" sz="200" dirty="0"/>
+              <a:t> занимал такое важное место в южноафриканском нееврейском национал-социалистическом движении, это движение вскоре стало широко известно как </a:t>
+            </a:r>
+            <a:r>
+              <a:rPr lang="ru-RU" sz="200" dirty="0" err="1"/>
+              <a:t>Гришемде</a:t>
+            </a:r>
+            <a:r>
+              <a:rPr lang="ru-RU" sz="200" dirty="0"/>
+              <a:t>.)</a:t>
+            </a:r>
+            <a:endParaRPr lang="ru-RU" sz="800" dirty="0"/>
           </a:p>
         </p:txBody>
       </p:sp>
@@ -28762,8 +28766,8 @@
           <a:p>
             <a:pPr algn="ctr"/>
             <a:r>
-              <a:rPr lang="ru-RU" sz="1100" dirty="0" err="1"/>
-              <a:t>Антикапитализм</a:t>
+              <a:rPr lang="ru-RU" sz="1100" dirty="0"/>
+              <a:t>Отказ от парламента и капитализма</a:t>
             </a:r>
             <a:endParaRPr lang="ru-RU" sz="600" dirty="0"/>
           </a:p>
@@ -29517,6 +29521,103 @@
           <a:prstGeom prst="bentConnector3">
             <a:avLst>
               <a:gd name="adj1" fmla="val 50000"/>
+            </a:avLst>
+          </a:prstGeom>
+          <a:ln w="28575">
+            <a:tailEnd type="arrow"/>
+          </a:ln>
+        </p:spPr>
+        <p:style>
+          <a:lnRef idx="1">
+            <a:schemeClr val="accent1"/>
+          </a:lnRef>
+          <a:fillRef idx="0">
+            <a:schemeClr val="accent1"/>
+          </a:fillRef>
+          <a:effectRef idx="0">
+            <a:schemeClr val="accent1"/>
+          </a:effectRef>
+          <a:fontRef idx="minor">
+            <a:schemeClr val="tx1"/>
+          </a:fontRef>
+        </p:style>
+      </p:cxnSp>
+      <p:sp>
+        <p:nvSpPr>
+          <p:cNvPr id="549" name="Прямоугольник 548">
+            <a:extLst>
+              <a:ext uri="{FF2B5EF4-FFF2-40B4-BE49-F238E27FC236}">
+                <a16:creationId xmlns:a16="http://schemas.microsoft.com/office/drawing/2014/main" id="{82858932-5B18-44D1-BE01-A6B33EAE7542}"/>
+              </a:ext>
+            </a:extLst>
+          </p:cNvPr>
+          <p:cNvSpPr/>
+          <p:nvPr/>
+        </p:nvSpPr>
+        <p:spPr>
+          <a:xfrm>
+            <a:off x="3798949" y="4686964"/>
+            <a:ext cx="1156124" cy="645064"/>
+          </a:xfrm>
+          <a:prstGeom prst="rect">
+            <a:avLst/>
+          </a:prstGeom>
+          <a:solidFill>
+            <a:schemeClr val="accent2"/>
+          </a:solidFill>
+          <a:ln w="28575"/>
+        </p:spPr>
+        <p:style>
+          <a:lnRef idx="2">
+            <a:schemeClr val="accent1"/>
+          </a:lnRef>
+          <a:fillRef idx="1">
+            <a:schemeClr val="lt1"/>
+          </a:fillRef>
+          <a:effectRef idx="0">
+            <a:schemeClr val="accent1"/>
+          </a:effectRef>
+          <a:fontRef idx="minor">
+            <a:schemeClr val="dk1"/>
+          </a:fontRef>
+        </p:style>
+        <p:txBody>
+          <a:bodyPr lIns="124733" tIns="62367" rIns="124733" bIns="62367" rtlCol="0" anchor="ctr"/>
+          <a:lstStyle/>
+          <a:p>
+            <a:pPr algn="ctr"/>
+            <a:r>
+              <a:rPr lang="ru-RU" sz="1100" dirty="0"/>
+              <a:t>Создание корпоративизма</a:t>
+            </a:r>
+            <a:endParaRPr lang="ru-RU" sz="600" dirty="0"/>
+          </a:p>
+        </p:txBody>
+      </p:sp>
+      <p:cxnSp>
+        <p:nvCxnSpPr>
+          <p:cNvPr id="552" name="Shape 248">
+            <a:extLst>
+              <a:ext uri="{FF2B5EF4-FFF2-40B4-BE49-F238E27FC236}">
+                <a16:creationId xmlns:a16="http://schemas.microsoft.com/office/drawing/2014/main" id="{FA9DF7EB-2A76-46A5-9DCB-A5BD64AA209A}"/>
+              </a:ext>
+            </a:extLst>
+          </p:cNvPr>
+          <p:cNvCxnSpPr>
+            <a:cxnSpLocks/>
+            <a:stCxn id="1496" idx="2"/>
+            <a:endCxn id="549" idx="0"/>
+          </p:cNvCxnSpPr>
+          <p:nvPr/>
+        </p:nvCxnSpPr>
+        <p:spPr>
+          <a:xfrm rot="16200000" flipH="1">
+            <a:off x="3305617" y="3615569"/>
+            <a:ext cx="1423715" cy="719073"/>
+          </a:xfrm>
+          <a:prstGeom prst="bentConnector3">
+            <a:avLst>
+              <a:gd name="adj1" fmla="val 8967"/>
             </a:avLst>
           </a:prstGeom>
           <a:ln w="28575">

--- a/Наработки/диздоки/ЮАС/ЮАС общая.pptx
+++ b/Наработки/диздоки/ЮАС/ЮАС общая.pptx
@@ -209,7 +209,7 @@
             <a:fld id="{33E3D7F9-E251-484C-A6FF-FA958879DF69}" type="datetimeFigureOut">
               <a:rPr lang="ru-RU" smtClean="0"/>
               <a:pPr/>
-              <a:t>24.11.2025</a:t>
+              <a:t>11.12.2025</a:t>
             </a:fld>
             <a:endParaRPr lang="ru-RU"/>
           </a:p>
@@ -699,7 +699,7 @@
             <a:fld id="{85A5DE44-605B-4D3B-B2B7-94543DF81A36}" type="datetimeFigureOut">
               <a:rPr lang="ru-RU" smtClean="0"/>
               <a:pPr/>
-              <a:t>24.11.2025</a:t>
+              <a:t>11.12.2025</a:t>
             </a:fld>
             <a:endParaRPr lang="ru-RU"/>
           </a:p>
@@ -871,7 +871,7 @@
             <a:fld id="{85A5DE44-605B-4D3B-B2B7-94543DF81A36}" type="datetimeFigureOut">
               <a:rPr lang="ru-RU" smtClean="0"/>
               <a:pPr/>
-              <a:t>24.11.2025</a:t>
+              <a:t>11.12.2025</a:t>
             </a:fld>
             <a:endParaRPr lang="ru-RU"/>
           </a:p>
@@ -1053,7 +1053,7 @@
             <a:fld id="{85A5DE44-605B-4D3B-B2B7-94543DF81A36}" type="datetimeFigureOut">
               <a:rPr lang="ru-RU" smtClean="0"/>
               <a:pPr/>
-              <a:t>24.11.2025</a:t>
+              <a:t>11.12.2025</a:t>
             </a:fld>
             <a:endParaRPr lang="ru-RU"/>
           </a:p>
@@ -1225,7 +1225,7 @@
             <a:fld id="{85A5DE44-605B-4D3B-B2B7-94543DF81A36}" type="datetimeFigureOut">
               <a:rPr lang="ru-RU" smtClean="0"/>
               <a:pPr/>
-              <a:t>24.11.2025</a:t>
+              <a:t>11.12.2025</a:t>
             </a:fld>
             <a:endParaRPr lang="ru-RU"/>
           </a:p>
@@ -1473,7 +1473,7 @@
             <a:fld id="{85A5DE44-605B-4D3B-B2B7-94543DF81A36}" type="datetimeFigureOut">
               <a:rPr lang="ru-RU" smtClean="0"/>
               <a:pPr/>
-              <a:t>24.11.2025</a:t>
+              <a:t>11.12.2025</a:t>
             </a:fld>
             <a:endParaRPr lang="ru-RU"/>
           </a:p>
@@ -1707,7 +1707,7 @@
             <a:fld id="{85A5DE44-605B-4D3B-B2B7-94543DF81A36}" type="datetimeFigureOut">
               <a:rPr lang="ru-RU" smtClean="0"/>
               <a:pPr/>
-              <a:t>24.11.2025</a:t>
+              <a:t>11.12.2025</a:t>
             </a:fld>
             <a:endParaRPr lang="ru-RU"/>
           </a:p>
@@ -2076,7 +2076,7 @@
             <a:fld id="{85A5DE44-605B-4D3B-B2B7-94543DF81A36}" type="datetimeFigureOut">
               <a:rPr lang="ru-RU" smtClean="0"/>
               <a:pPr/>
-              <a:t>24.11.2025</a:t>
+              <a:t>11.12.2025</a:t>
             </a:fld>
             <a:endParaRPr lang="ru-RU"/>
           </a:p>
@@ -2196,7 +2196,7 @@
             <a:fld id="{85A5DE44-605B-4D3B-B2B7-94543DF81A36}" type="datetimeFigureOut">
               <a:rPr lang="ru-RU" smtClean="0"/>
               <a:pPr/>
-              <a:t>24.11.2025</a:t>
+              <a:t>11.12.2025</a:t>
             </a:fld>
             <a:endParaRPr lang="ru-RU"/>
           </a:p>
@@ -2293,7 +2293,7 @@
             <a:fld id="{85A5DE44-605B-4D3B-B2B7-94543DF81A36}" type="datetimeFigureOut">
               <a:rPr lang="ru-RU" smtClean="0"/>
               <a:pPr/>
-              <a:t>24.11.2025</a:t>
+              <a:t>11.12.2025</a:t>
             </a:fld>
             <a:endParaRPr lang="ru-RU"/>
           </a:p>
@@ -2572,7 +2572,7 @@
             <a:fld id="{85A5DE44-605B-4D3B-B2B7-94543DF81A36}" type="datetimeFigureOut">
               <a:rPr lang="ru-RU" smtClean="0"/>
               <a:pPr/>
-              <a:t>24.11.2025</a:t>
+              <a:t>11.12.2025</a:t>
             </a:fld>
             <a:endParaRPr lang="ru-RU"/>
           </a:p>
@@ -2831,7 +2831,7 @@
             <a:fld id="{85A5DE44-605B-4D3B-B2B7-94543DF81A36}" type="datetimeFigureOut">
               <a:rPr lang="ru-RU" smtClean="0"/>
               <a:pPr/>
-              <a:t>24.11.2025</a:t>
+              <a:t>11.12.2025</a:t>
             </a:fld>
             <a:endParaRPr lang="ru-RU"/>
           </a:p>
@@ -3046,7 +3046,7 @@
             <a:fld id="{85A5DE44-605B-4D3B-B2B7-94543DF81A36}" type="datetimeFigureOut">
               <a:rPr lang="ru-RU" smtClean="0"/>
               <a:pPr/>
-              <a:t>24.11.2025</a:t>
+              <a:t>11.12.2025</a:t>
             </a:fld>
             <a:endParaRPr lang="ru-RU"/>
           </a:p>
@@ -29556,7 +29556,7 @@
         </p:nvSpPr>
         <p:spPr>
           <a:xfrm>
-            <a:off x="3798949" y="4686964"/>
+            <a:off x="3872126" y="4733788"/>
             <a:ext cx="1156124" cy="645064"/>
           </a:xfrm>
           <a:prstGeom prst="rect">
@@ -29612,15 +29612,159 @@
         </p:nvCxnSpPr>
         <p:spPr>
           <a:xfrm rot="16200000" flipH="1">
-            <a:off x="3305617" y="3615569"/>
-            <a:ext cx="1423715" cy="719073"/>
+            <a:off x="3318794" y="3602393"/>
+            <a:ext cx="1470539" cy="792250"/>
           </a:xfrm>
           <a:prstGeom prst="bentConnector3">
             <a:avLst>
-              <a:gd name="adj1" fmla="val 8967"/>
+              <a:gd name="adj1" fmla="val 8546"/>
             </a:avLst>
           </a:prstGeom>
           <a:ln w="28575">
+            <a:tailEnd type="arrow"/>
+          </a:ln>
+        </p:spPr>
+        <p:style>
+          <a:lnRef idx="1">
+            <a:schemeClr val="accent1"/>
+          </a:lnRef>
+          <a:fillRef idx="0">
+            <a:schemeClr val="accent1"/>
+          </a:fillRef>
+          <a:effectRef idx="0">
+            <a:schemeClr val="accent1"/>
+          </a:effectRef>
+          <a:fontRef idx="minor">
+            <a:schemeClr val="tx1"/>
+          </a:fontRef>
+        </p:style>
+      </p:cxnSp>
+      <p:sp>
+        <p:nvSpPr>
+          <p:cNvPr id="564" name="Прямоугольник 563">
+            <a:extLst>
+              <a:ext uri="{FF2B5EF4-FFF2-40B4-BE49-F238E27FC236}">
+                <a16:creationId xmlns:a16="http://schemas.microsoft.com/office/drawing/2014/main" id="{338F98CE-7AEF-4C10-8AAC-957F1E6381E6}"/>
+              </a:ext>
+            </a:extLst>
+          </p:cNvPr>
+          <p:cNvSpPr/>
+          <p:nvPr/>
+        </p:nvSpPr>
+        <p:spPr>
+          <a:xfrm>
+            <a:off x="12668893" y="2610029"/>
+            <a:ext cx="1156124" cy="645064"/>
+          </a:xfrm>
+          <a:prstGeom prst="rect">
+            <a:avLst/>
+          </a:prstGeom>
+          <a:solidFill>
+            <a:schemeClr val="accent2"/>
+          </a:solidFill>
+          <a:ln w="28575"/>
+        </p:spPr>
+        <p:style>
+          <a:lnRef idx="2">
+            <a:schemeClr val="accent1"/>
+          </a:lnRef>
+          <a:fillRef idx="1">
+            <a:schemeClr val="lt1"/>
+          </a:fillRef>
+          <a:effectRef idx="0">
+            <a:schemeClr val="accent1"/>
+          </a:effectRef>
+          <a:fontRef idx="minor">
+            <a:schemeClr val="dk1"/>
+          </a:fontRef>
+        </p:style>
+        <p:txBody>
+          <a:bodyPr lIns="124733" tIns="62367" rIns="124733" bIns="62367" rtlCol="0" anchor="ctr"/>
+          <a:lstStyle/>
+          <a:p>
+            <a:pPr algn="ctr"/>
+            <a:r>
+              <a:rPr lang="ru-RU" sz="1100" dirty="0"/>
+              <a:t>Поглотить остатки фашистских партий (+ министры)</a:t>
+            </a:r>
+            <a:endParaRPr lang="ru-RU" sz="600" dirty="0"/>
+          </a:p>
+        </p:txBody>
+      </p:sp>
+      <p:cxnSp>
+        <p:nvCxnSpPr>
+          <p:cNvPr id="568" name="Shape 248">
+            <a:extLst>
+              <a:ext uri="{FF2B5EF4-FFF2-40B4-BE49-F238E27FC236}">
+                <a16:creationId xmlns:a16="http://schemas.microsoft.com/office/drawing/2014/main" id="{B769464E-8754-4046-8368-89A9BF7ECD8F}"/>
+              </a:ext>
+            </a:extLst>
+          </p:cNvPr>
+          <p:cNvCxnSpPr>
+            <a:cxnSpLocks/>
+            <a:stCxn id="374" idx="2"/>
+            <a:endCxn id="564" idx="0"/>
+          </p:cNvCxnSpPr>
+          <p:nvPr/>
+        </p:nvCxnSpPr>
+        <p:spPr>
+          <a:xfrm rot="5400000">
+            <a:off x="13845916" y="1597554"/>
+            <a:ext cx="413515" cy="1611435"/>
+          </a:xfrm>
+          <a:prstGeom prst="bentConnector3">
+            <a:avLst>
+              <a:gd name="adj1" fmla="val 50000"/>
+            </a:avLst>
+          </a:prstGeom>
+          <a:ln w="28575">
+            <a:prstDash val="dash"/>
+            <a:tailEnd type="arrow"/>
+          </a:ln>
+        </p:spPr>
+        <p:style>
+          <a:lnRef idx="1">
+            <a:schemeClr val="accent1"/>
+          </a:lnRef>
+          <a:fillRef idx="0">
+            <a:schemeClr val="accent1"/>
+          </a:fillRef>
+          <a:effectRef idx="0">
+            <a:schemeClr val="accent1"/>
+          </a:effectRef>
+          <a:fontRef idx="minor">
+            <a:schemeClr val="tx1"/>
+          </a:fontRef>
+        </p:style>
+      </p:cxnSp>
+      <p:cxnSp>
+        <p:nvCxnSpPr>
+          <p:cNvPr id="577" name="Shape 248">
+            <a:extLst>
+              <a:ext uri="{FF2B5EF4-FFF2-40B4-BE49-F238E27FC236}">
+                <a16:creationId xmlns:a16="http://schemas.microsoft.com/office/drawing/2014/main" id="{DF793703-55F8-4062-9747-50404B29250D}"/>
+              </a:ext>
+            </a:extLst>
+          </p:cNvPr>
+          <p:cNvCxnSpPr>
+            <a:cxnSpLocks/>
+            <a:stCxn id="1497" idx="2"/>
+            <a:endCxn id="564" idx="0"/>
+          </p:cNvCxnSpPr>
+          <p:nvPr/>
+        </p:nvCxnSpPr>
+        <p:spPr>
+          <a:xfrm rot="16200000" flipH="1">
+            <a:off x="11450173" y="813246"/>
+            <a:ext cx="397567" cy="3195997"/>
+          </a:xfrm>
+          <a:prstGeom prst="bentConnector3">
+            <a:avLst>
+              <a:gd name="adj1" fmla="val 50000"/>
+            </a:avLst>
+          </a:prstGeom>
+          <a:ln w="28575">
+            <a:prstDash val="dash"/>
             <a:tailEnd type="arrow"/>
           </a:ln>
         </p:spPr>
